--- a/Slides/01 - Introduction to Entity Framework.pptx
+++ b/Slides/01 - Introduction to Entity Framework.pptx
@@ -12,23 +12,23 @@
   </p:handoutMasterIdLst>
   <p:sldIdLst>
     <p:sldId id="336" r:id="rId5"/>
-    <p:sldId id="351" r:id="rId6"/>
-    <p:sldId id="313" r:id="rId7"/>
-    <p:sldId id="314" r:id="rId8"/>
-    <p:sldId id="343" r:id="rId9"/>
-    <p:sldId id="331" r:id="rId10"/>
-    <p:sldId id="352" r:id="rId11"/>
-    <p:sldId id="353" r:id="rId12"/>
-    <p:sldId id="354" r:id="rId13"/>
-    <p:sldId id="355" r:id="rId14"/>
-    <p:sldId id="360" r:id="rId15"/>
-    <p:sldId id="359" r:id="rId16"/>
-    <p:sldId id="361" r:id="rId17"/>
-    <p:sldId id="362" r:id="rId18"/>
-    <p:sldId id="363" r:id="rId19"/>
-    <p:sldId id="344" r:id="rId20"/>
+    <p:sldId id="374" r:id="rId6"/>
+    <p:sldId id="351" r:id="rId7"/>
+    <p:sldId id="313" r:id="rId8"/>
+    <p:sldId id="314" r:id="rId9"/>
+    <p:sldId id="343" r:id="rId10"/>
+    <p:sldId id="331" r:id="rId11"/>
+    <p:sldId id="352" r:id="rId12"/>
+    <p:sldId id="353" r:id="rId13"/>
+    <p:sldId id="373" r:id="rId14"/>
+    <p:sldId id="354" r:id="rId15"/>
+    <p:sldId id="355" r:id="rId16"/>
+    <p:sldId id="360" r:id="rId17"/>
+    <p:sldId id="361" r:id="rId18"/>
+    <p:sldId id="362" r:id="rId19"/>
+    <p:sldId id="367" r:id="rId20"/>
     <p:sldId id="333" r:id="rId21"/>
-    <p:sldId id="367" r:id="rId22"/>
+    <p:sldId id="375" r:id="rId22"/>
     <p:sldId id="370" r:id="rId23"/>
     <p:sldId id="372" r:id="rId24"/>
     <p:sldId id="364" r:id="rId25"/>
@@ -233,7 +233,7 @@
           <a:p>
             <a:fld id="{312E7B4A-039C-48A2-9B2C-AF16AA3873D8}" type="datetimeFigureOut">
               <a:rPr lang="en-US" smtClean="0"/>
-              <a:t>1/24/2015</a:t>
+              <a:t>1/26/2015</a:t>
             </a:fld>
             <a:endParaRPr lang="en-US" dirty="0"/>
           </a:p>
@@ -398,7 +398,7 @@
           <a:p>
             <a:fld id="{DA005A0C-54D9-45AA-87D4-C551D08DFCE1}" type="datetimeFigureOut">
               <a:rPr lang="en-US" smtClean="0"/>
-              <a:t>1/24/2015</a:t>
+              <a:t>1/26/2015</a:t>
             </a:fld>
             <a:endParaRPr lang="en-US" dirty="0"/>
           </a:p>
@@ -800,108 +800,15 @@
           <a:bodyPr/>
           <a:lstStyle/>
           <a:p>
-            <a:pPr marL="228600" marR="0" indent="-228600" algn="l" defTabSz="914400" rtl="0" eaLnBrk="1" fontAlgn="auto" latinLnBrk="0" hangingPunct="1">
-              <a:lnSpc>
-                <a:spcPct val="100000"/>
-              </a:lnSpc>
-              <a:spcBef>
-                <a:spcPts val="0"/>
-              </a:spcBef>
-              <a:spcAft>
-                <a:spcPts val="0"/>
-              </a:spcAft>
-              <a:buClrTx/>
-              <a:buSzTx/>
-              <a:buFontTx/>
-              <a:buAutoNum type="arabicPeriod"/>
-              <a:tabLst/>
-              <a:defRPr/>
-            </a:pPr>
-            <a:r>
-              <a:rPr lang="en-US" dirty="0" smtClean="0"/>
-              <a:t>Create MVC app without identity, Install-package</a:t>
-            </a:r>
-            <a:r>
-              <a:rPr lang="en-US" baseline="0" dirty="0" smtClean="0"/>
-              <a:t> </a:t>
-            </a:r>
-            <a:r>
-              <a:rPr lang="en-US" baseline="0" dirty="0" err="1" smtClean="0"/>
-              <a:t>entityframework</a:t>
-            </a:r>
-            <a:endParaRPr lang="en-US" dirty="0" smtClean="0"/>
-          </a:p>
-          <a:p>
-            <a:pPr marL="228600" indent="-228600">
-              <a:buAutoNum type="arabicPeriod"/>
-            </a:pPr>
-            <a:r>
-              <a:rPr lang="en-US" dirty="0" smtClean="0"/>
-              <a:t>Create MVC app</a:t>
-            </a:r>
-            <a:r>
-              <a:rPr lang="en-US" baseline="0" dirty="0" smtClean="0"/>
-              <a:t> with identity, show it already exists. Show how to upgrade, remove, reinstall.</a:t>
-            </a:r>
-          </a:p>
-          <a:p>
-            <a:pPr marL="685800" lvl="1" indent="-228600">
-              <a:buAutoNum type="arabicPeriod"/>
-            </a:pPr>
-            <a:r>
-              <a:rPr lang="en-US" kern="1200" dirty="0" smtClean="0">
-                <a:solidFill>
-                  <a:schemeClr val="accent6"/>
-                </a:solidFill>
-              </a:rPr>
-              <a:t>Update-Package </a:t>
-            </a:r>
-            <a:r>
-              <a:rPr lang="en-US" kern="1200" dirty="0" err="1" smtClean="0">
-                <a:solidFill>
-                  <a:schemeClr val="accent6"/>
-                </a:solidFill>
-              </a:rPr>
-              <a:t>EntityFramework</a:t>
-            </a:r>
-            <a:r>
-              <a:rPr lang="en-US" kern="1200" dirty="0" smtClean="0">
-                <a:solidFill>
-                  <a:schemeClr val="accent6"/>
-                </a:solidFill>
-              </a:rPr>
-              <a:t> (maybe</a:t>
-            </a:r>
-            <a:r>
-              <a:rPr lang="en-US" kern="1200" baseline="0" dirty="0" smtClean="0">
-                <a:solidFill>
-                  <a:schemeClr val="accent6"/>
-                </a:solidFill>
-              </a:rPr>
-              <a:t> –pre if </a:t>
-            </a:r>
-            <a:r>
-              <a:rPr lang="en-US" kern="1200" baseline="0" dirty="0" err="1" smtClean="0">
-                <a:solidFill>
-                  <a:schemeClr val="accent6"/>
-                </a:solidFill>
-              </a:rPr>
-              <a:t>theres</a:t>
-            </a:r>
-            <a:r>
-              <a:rPr lang="en-US" kern="1200" baseline="0" dirty="0" smtClean="0">
-                <a:solidFill>
-                  <a:schemeClr val="accent6"/>
-                </a:solidFill>
-              </a:rPr>
-              <a:t> time)</a:t>
-            </a:r>
-          </a:p>
-          <a:p>
-            <a:pPr marL="685800" lvl="1" indent="-228600">
-              <a:buAutoNum type="arabicPeriod"/>
-            </a:pPr>
-            <a:endParaRPr lang="en-US" baseline="0" dirty="0" smtClean="0"/>
+            <a:endParaRPr lang="en-US" sz="1200" b="1" i="0" kern="1200" baseline="0" dirty="0" smtClean="0">
+              <a:solidFill>
+                <a:schemeClr val="tx1"/>
+              </a:solidFill>
+              <a:effectLst/>
+              <a:latin typeface="+mn-lt"/>
+              <a:ea typeface="+mn-ea"/>
+              <a:cs typeface="+mn-cs"/>
+            </a:endParaRPr>
           </a:p>
         </p:txBody>
       </p:sp>
@@ -931,7 +838,7 @@
     </p:spTree>
     <p:extLst>
       <p:ext uri="{BB962C8B-B14F-4D97-AF65-F5344CB8AC3E}">
-        <p14:creationId xmlns:p14="http://schemas.microsoft.com/office/powerpoint/2010/main" val="3476266708"/>
+        <p14:creationId xmlns:p14="http://schemas.microsoft.com/office/powerpoint/2010/main" val="2396487134"/>
       </p:ext>
     </p:extLst>
   </p:cSld>
@@ -985,19 +892,34 @@
           <a:bodyPr/>
           <a:lstStyle/>
           <a:p>
-            <a:r>
-              <a:rPr lang="en-US" dirty="0" smtClean="0"/>
-              <a:t>Change tracking</a:t>
-            </a:r>
-            <a:r>
-              <a:rPr lang="en-US" baseline="0" dirty="0" smtClean="0"/>
-              <a:t> and lazy loading, you want proxies hence virtual methods. If not you need to detect changes, which it will do.</a:t>
-            </a:r>
-          </a:p>
-          <a:p>
-            <a:r>
-              <a:rPr lang="en-US" dirty="0" smtClean="0"/>
-              <a:t>Performance considerations http://msdn.microsoft.com/en-us/data/hh949853.aspx</a:t>
+            <a:pPr marL="0" marR="0" indent="0" algn="l" defTabSz="914400" rtl="0" eaLnBrk="1" fontAlgn="auto" latinLnBrk="0" hangingPunct="1">
+              <a:lnSpc>
+                <a:spcPct val="100000"/>
+              </a:lnSpc>
+              <a:spcBef>
+                <a:spcPts val="0"/>
+              </a:spcBef>
+              <a:spcAft>
+                <a:spcPts val="0"/>
+              </a:spcAft>
+              <a:buClrTx/>
+              <a:buSzTx/>
+              <a:buFontTx/>
+              <a:buNone/>
+              <a:tabLst/>
+              <a:defRPr/>
+            </a:pPr>
+            <a:r>
+              <a:rPr lang="en-US" kern="1200" dirty="0" smtClean="0">
+                <a:solidFill>
+                  <a:schemeClr val="accent6"/>
+                </a:solidFill>
+              </a:rPr>
+              <a:t>Update-Package</a:t>
+            </a:r>
+            <a:r>
+              <a:rPr lang="en-US" kern="1200" dirty="0" smtClean="0"/>
+              <a:t> -Reinstall  (reinstall all packages in all projects)</a:t>
             </a:r>
           </a:p>
           <a:p>
@@ -1031,7 +953,7 @@
     </p:spTree>
     <p:extLst>
       <p:ext uri="{BB962C8B-B14F-4D97-AF65-F5344CB8AC3E}">
-        <p14:creationId xmlns:p14="http://schemas.microsoft.com/office/powerpoint/2010/main" val="257609343"/>
+        <p14:creationId xmlns:p14="http://schemas.microsoft.com/office/powerpoint/2010/main" val="2318670183"/>
       </p:ext>
     </p:extLst>
   </p:cSld>
@@ -1085,7 +1007,7 @@
           <a:bodyPr/>
           <a:lstStyle/>
           <a:p>
-            <a:pPr marL="0" marR="0" indent="0" algn="l" defTabSz="914400" rtl="0" eaLnBrk="1" fontAlgn="auto" latinLnBrk="0" hangingPunct="1">
+            <a:pPr marL="228600" marR="0" indent="-228600" algn="l" defTabSz="914400" rtl="0" eaLnBrk="1" fontAlgn="auto" latinLnBrk="0" hangingPunct="1">
               <a:lnSpc>
                 <a:spcPct val="100000"/>
               </a:lnSpc>
@@ -1098,63 +1020,95 @@
               <a:buClrTx/>
               <a:buSzTx/>
               <a:buFontTx/>
-              <a:buNone/>
+              <a:buAutoNum type="arabicPeriod"/>
               <a:tabLst/>
               <a:defRPr/>
             </a:pPr>
             <a:r>
               <a:rPr lang="en-US" dirty="0" smtClean="0"/>
-              <a:t>Create package.</a:t>
-            </a:r>
-          </a:p>
-          <a:p>
-            <a:pPr marL="0" marR="0" indent="0" algn="l" defTabSz="914400" rtl="0" eaLnBrk="1" fontAlgn="auto" latinLnBrk="0" hangingPunct="1">
-              <a:lnSpc>
-                <a:spcPct val="100000"/>
-              </a:lnSpc>
-              <a:spcBef>
-                <a:spcPts val="0"/>
-              </a:spcBef>
-              <a:spcAft>
-                <a:spcPts val="0"/>
-              </a:spcAft>
-              <a:buClrTx/>
-              <a:buSzTx/>
-              <a:buFontTx/>
-              <a:buNone/>
-              <a:tabLst/>
-              <a:defRPr/>
+              <a:t>Create MVC app without identity, Install-package</a:t>
+            </a:r>
+            <a:r>
+              <a:rPr lang="en-US" baseline="0" dirty="0" smtClean="0"/>
+              <a:t> </a:t>
+            </a:r>
+            <a:r>
+              <a:rPr lang="en-US" baseline="0" dirty="0" err="1" smtClean="0"/>
+              <a:t>entityframework</a:t>
+            </a:r>
+            <a:endParaRPr lang="en-US" dirty="0" smtClean="0"/>
+          </a:p>
+          <a:p>
+            <a:pPr marL="228600" indent="-228600">
+              <a:buAutoNum type="arabicPeriod"/>
             </a:pPr>
             <a:r>
               <a:rPr lang="en-US" dirty="0" smtClean="0"/>
-              <a:t>Create prefab</a:t>
-            </a:r>
-          </a:p>
-          <a:p>
-            <a:pPr marL="0" marR="0" indent="0" algn="l" defTabSz="914400" rtl="0" eaLnBrk="1" fontAlgn="auto" latinLnBrk="0" hangingPunct="1">
-              <a:lnSpc>
-                <a:spcPct val="100000"/>
-              </a:lnSpc>
-              <a:spcBef>
-                <a:spcPts val="0"/>
-              </a:spcBef>
-              <a:spcAft>
-                <a:spcPts val="0"/>
-              </a:spcAft>
-              <a:buClrTx/>
-              <a:buSzTx/>
-              <a:buFontTx/>
-              <a:buNone/>
-              <a:tabLst/>
-              <a:defRPr/>
+              <a:t>Create MVC app</a:t>
+            </a:r>
+            <a:r>
+              <a:rPr lang="en-US" baseline="0" dirty="0" smtClean="0"/>
+              <a:t> with identity, show it already exists. Show how to upgrade, remove, reinstall.</a:t>
+            </a:r>
+          </a:p>
+          <a:p>
+            <a:pPr marL="685800" lvl="1" indent="-228600">
+              <a:buAutoNum type="arabicPeriod"/>
             </a:pPr>
             <a:r>
-              <a:rPr lang="en-US" dirty="0" smtClean="0"/>
-              <a:t>Import package</a:t>
-            </a:r>
-          </a:p>
-          <a:p>
-            <a:endParaRPr lang="en-US" dirty="0"/>
+              <a:rPr lang="en-US" kern="1200" dirty="0" smtClean="0">
+                <a:solidFill>
+                  <a:schemeClr val="accent6"/>
+                </a:solidFill>
+              </a:rPr>
+              <a:t>Update-Package </a:t>
+            </a:r>
+            <a:r>
+              <a:rPr lang="en-US" kern="1200" dirty="0" err="1" smtClean="0">
+                <a:solidFill>
+                  <a:schemeClr val="accent6"/>
+                </a:solidFill>
+              </a:rPr>
+              <a:t>EntityFramework</a:t>
+            </a:r>
+            <a:r>
+              <a:rPr lang="en-US" kern="1200" dirty="0" smtClean="0">
+                <a:solidFill>
+                  <a:schemeClr val="accent6"/>
+                </a:solidFill>
+              </a:rPr>
+              <a:t> (maybe</a:t>
+            </a:r>
+            <a:r>
+              <a:rPr lang="en-US" kern="1200" baseline="0" dirty="0" smtClean="0">
+                <a:solidFill>
+                  <a:schemeClr val="accent6"/>
+                </a:solidFill>
+              </a:rPr>
+              <a:t> –pre if </a:t>
+            </a:r>
+            <a:r>
+              <a:rPr lang="en-US" kern="1200" baseline="0" dirty="0" err="1" smtClean="0">
+                <a:solidFill>
+                  <a:schemeClr val="accent6"/>
+                </a:solidFill>
+              </a:rPr>
+              <a:t>theres</a:t>
+            </a:r>
+            <a:r>
+              <a:rPr lang="en-US" kern="1200" baseline="0" dirty="0" smtClean="0">
+                <a:solidFill>
+                  <a:schemeClr val="accent6"/>
+                </a:solidFill>
+              </a:rPr>
+              <a:t> time)</a:t>
+            </a:r>
+          </a:p>
+          <a:p>
+            <a:pPr marL="685800" lvl="1" indent="-228600">
+              <a:buAutoNum type="arabicPeriod"/>
+            </a:pPr>
+            <a:endParaRPr lang="en-US" baseline="0" dirty="0" smtClean="0"/>
           </a:p>
         </p:txBody>
       </p:sp>
@@ -1184,7 +1138,7 @@
     </p:spTree>
     <p:extLst>
       <p:ext uri="{BB962C8B-B14F-4D97-AF65-F5344CB8AC3E}">
-        <p14:creationId xmlns:p14="http://schemas.microsoft.com/office/powerpoint/2010/main" val="1162175093"/>
+        <p14:creationId xmlns:p14="http://schemas.microsoft.com/office/powerpoint/2010/main" val="3476266708"/>
       </p:ext>
     </p:extLst>
   </p:cSld>
@@ -1268,7 +1222,7 @@
     </p:spTree>
     <p:extLst>
       <p:ext uri="{BB962C8B-B14F-4D97-AF65-F5344CB8AC3E}">
-        <p14:creationId xmlns:p14="http://schemas.microsoft.com/office/powerpoint/2010/main" val="732209066"/>
+        <p14:creationId xmlns:p14="http://schemas.microsoft.com/office/powerpoint/2010/main" val="1162175093"/>
       </p:ext>
     </p:extLst>
   </p:cSld>
@@ -1322,79 +1276,6 @@
           <a:bodyPr/>
           <a:lstStyle/>
           <a:p>
-            <a:r>
-              <a:rPr lang="en-US" dirty="0" smtClean="0"/>
-              <a:t>We’ll get to how is this all managed</a:t>
-            </a:r>
-          </a:p>
-          <a:p>
-            <a:endParaRPr lang="en-US" dirty="0" smtClean="0"/>
-          </a:p>
-          <a:p>
-            <a:r>
-              <a:rPr lang="en-US" dirty="0" smtClean="0"/>
-              <a:t>: base("</a:t>
-            </a:r>
-            <a:r>
-              <a:rPr lang="en-US" dirty="0" err="1" smtClean="0"/>
-              <a:t>YourConnectionString</a:t>
-            </a:r>
-            <a:r>
-              <a:rPr lang="en-US" dirty="0" smtClean="0"/>
-              <a:t>") </a:t>
-            </a:r>
-          </a:p>
-          <a:p>
-            <a:endParaRPr lang="en-US" dirty="0" smtClean="0"/>
-          </a:p>
-          <a:p>
-            <a:r>
-              <a:rPr lang="en-US" sz="1200" kern="1200" dirty="0" err="1" smtClean="0">
-                <a:solidFill>
-                  <a:schemeClr val="tx1"/>
-                </a:solidFill>
-                <a:latin typeface="+mn-lt"/>
-                <a:ea typeface="+mn-ea"/>
-                <a:cs typeface="+mn-cs"/>
-              </a:rPr>
-              <a:t>Database.SetInitializer</a:t>
-            </a:r>
-            <a:r>
-              <a:rPr lang="en-US" sz="1200" kern="1200" dirty="0" smtClean="0">
-                <a:solidFill>
-                  <a:schemeClr val="tx1"/>
-                </a:solidFill>
-                <a:latin typeface="+mn-lt"/>
-                <a:ea typeface="+mn-ea"/>
-                <a:cs typeface="+mn-cs"/>
-              </a:rPr>
-              <a:t>&lt;</a:t>
-            </a:r>
-            <a:r>
-              <a:rPr lang="en-US" sz="1200" kern="1200" dirty="0" err="1" smtClean="0">
-                <a:solidFill>
-                  <a:schemeClr val="tx1"/>
-                </a:solidFill>
-                <a:latin typeface="+mn-lt"/>
-                <a:ea typeface="+mn-ea"/>
-                <a:cs typeface="+mn-cs"/>
-              </a:rPr>
-              <a:t>MusicContext</a:t>
-            </a:r>
-            <a:r>
-              <a:rPr lang="en-US" sz="1200" kern="1200" dirty="0" smtClean="0">
-                <a:solidFill>
-                  <a:schemeClr val="tx1"/>
-                </a:solidFill>
-                <a:latin typeface="+mn-lt"/>
-                <a:ea typeface="+mn-ea"/>
-                <a:cs typeface="+mn-cs"/>
-              </a:rPr>
-              <a:t>&gt;(null);</a:t>
-            </a:r>
-            <a:endParaRPr lang="en-US" dirty="0" smtClean="0"/>
-          </a:p>
-          <a:p>
             <a:endParaRPr lang="en-US" dirty="0"/>
           </a:p>
         </p:txBody>
@@ -1425,7 +1306,7 @@
     </p:spTree>
     <p:extLst>
       <p:ext uri="{BB962C8B-B14F-4D97-AF65-F5344CB8AC3E}">
-        <p14:creationId xmlns:p14="http://schemas.microsoft.com/office/powerpoint/2010/main" val="2678097439"/>
+        <p14:creationId xmlns:p14="http://schemas.microsoft.com/office/powerpoint/2010/main" val="732209066"/>
       </p:ext>
     </p:extLst>
   </p:cSld>
@@ -1479,47 +1360,527 @@
           <a:bodyPr/>
           <a:lstStyle/>
           <a:p>
-            <a:pPr marL="0" marR="0" indent="0" algn="l" defTabSz="914400" rtl="0" eaLnBrk="1" fontAlgn="auto" latinLnBrk="0" hangingPunct="1">
-              <a:lnSpc>
-                <a:spcPct val="100000"/>
-              </a:lnSpc>
-              <a:spcBef>
-                <a:spcPts val="0"/>
-              </a:spcBef>
-              <a:spcAft>
-                <a:spcPts val="0"/>
-              </a:spcAft>
-              <a:buClrTx/>
-              <a:buSzTx/>
-              <a:buFontTx/>
+            <a:pPr marL="228600" indent="-228600">
+              <a:buAutoNum type="arabicPeriod"/>
+            </a:pPr>
+            <a:r>
+              <a:rPr lang="en-US" dirty="0" smtClean="0"/>
+              <a:t>Create a new console app</a:t>
+            </a:r>
+          </a:p>
+          <a:p>
+            <a:pPr marL="228600" indent="-228600">
+              <a:buAutoNum type="arabicPeriod"/>
+            </a:pPr>
+            <a:r>
+              <a:rPr lang="en-US" dirty="0" smtClean="0"/>
+              <a:t>Install-package EF</a:t>
+            </a:r>
+          </a:p>
+          <a:p>
+            <a:pPr marL="228600" indent="-228600">
+              <a:buAutoNum type="arabicPeriod"/>
+            </a:pPr>
+            <a:r>
+              <a:rPr lang="en-US" baseline="0" dirty="0" smtClean="0"/>
+              <a:t>Add class</a:t>
+            </a:r>
+          </a:p>
+          <a:p>
+            <a:pPr marL="228600" indent="-228600">
+              <a:buAutoNum type="arabicPeriod"/>
+            </a:pPr>
+            <a:endParaRPr lang="en-US" baseline="0" dirty="0" smtClean="0"/>
+          </a:p>
+          <a:p>
+            <a:pPr lvl="1"/>
+            <a:r>
+              <a:rPr lang="en-US" sz="1200" kern="1200" dirty="0" smtClean="0">
+                <a:solidFill>
+                  <a:schemeClr val="tx1"/>
+                </a:solidFill>
+                <a:latin typeface="+mn-lt"/>
+                <a:ea typeface="+mn-ea"/>
+                <a:cs typeface="+mn-cs"/>
+              </a:rPr>
+              <a:t>public class Album</a:t>
+            </a:r>
+          </a:p>
+          <a:p>
+            <a:pPr lvl="1"/>
+            <a:r>
+              <a:rPr lang="en-US" sz="1200" kern="1200" dirty="0" smtClean="0">
+                <a:solidFill>
+                  <a:schemeClr val="tx1"/>
+                </a:solidFill>
+                <a:latin typeface="+mn-lt"/>
+                <a:ea typeface="+mn-ea"/>
+                <a:cs typeface="+mn-cs"/>
+              </a:rPr>
+              <a:t>    {</a:t>
+            </a:r>
+          </a:p>
+          <a:p>
+            <a:pPr lvl="1"/>
+            <a:r>
+              <a:rPr lang="en-US" sz="1200" kern="1200" dirty="0" smtClean="0">
+                <a:solidFill>
+                  <a:schemeClr val="tx1"/>
+                </a:solidFill>
+                <a:latin typeface="+mn-lt"/>
+                <a:ea typeface="+mn-ea"/>
+                <a:cs typeface="+mn-cs"/>
+              </a:rPr>
+              <a:t>        public </a:t>
+            </a:r>
+            <a:r>
+              <a:rPr lang="en-US" sz="1200" kern="1200" dirty="0" err="1" smtClean="0">
+                <a:solidFill>
+                  <a:schemeClr val="tx1"/>
+                </a:solidFill>
+                <a:latin typeface="+mn-lt"/>
+                <a:ea typeface="+mn-ea"/>
+                <a:cs typeface="+mn-cs"/>
+              </a:rPr>
+              <a:t>int</a:t>
+            </a:r>
+            <a:r>
+              <a:rPr lang="en-US" sz="1200" kern="1200" dirty="0" smtClean="0">
+                <a:solidFill>
+                  <a:schemeClr val="tx1"/>
+                </a:solidFill>
+                <a:latin typeface="+mn-lt"/>
+                <a:ea typeface="+mn-ea"/>
+                <a:cs typeface="+mn-cs"/>
+              </a:rPr>
+              <a:t> </a:t>
+            </a:r>
+            <a:r>
+              <a:rPr lang="en-US" sz="1200" kern="1200" dirty="0" err="1" smtClean="0">
+                <a:solidFill>
+                  <a:schemeClr val="tx1"/>
+                </a:solidFill>
+                <a:latin typeface="+mn-lt"/>
+                <a:ea typeface="+mn-ea"/>
+                <a:cs typeface="+mn-cs"/>
+              </a:rPr>
+              <a:t>AlbumId</a:t>
+            </a:r>
+            <a:r>
+              <a:rPr lang="en-US" sz="1200" kern="1200" dirty="0" smtClean="0">
+                <a:solidFill>
+                  <a:schemeClr val="tx1"/>
+                </a:solidFill>
+                <a:latin typeface="+mn-lt"/>
+                <a:ea typeface="+mn-ea"/>
+                <a:cs typeface="+mn-cs"/>
+              </a:rPr>
+              <a:t> { get; set; }</a:t>
+            </a:r>
+          </a:p>
+          <a:p>
+            <a:pPr lvl="1"/>
+            <a:r>
+              <a:rPr lang="en-US" sz="1200" kern="1200" dirty="0" smtClean="0">
+                <a:solidFill>
+                  <a:schemeClr val="tx1"/>
+                </a:solidFill>
+                <a:latin typeface="+mn-lt"/>
+                <a:ea typeface="+mn-ea"/>
+                <a:cs typeface="+mn-cs"/>
+              </a:rPr>
+              <a:t>        public </a:t>
+            </a:r>
+            <a:r>
+              <a:rPr lang="en-US" sz="1200" kern="1200" dirty="0" err="1" smtClean="0">
+                <a:solidFill>
+                  <a:schemeClr val="tx1"/>
+                </a:solidFill>
+                <a:latin typeface="+mn-lt"/>
+                <a:ea typeface="+mn-ea"/>
+                <a:cs typeface="+mn-cs"/>
+              </a:rPr>
+              <a:t>int</a:t>
+            </a:r>
+            <a:r>
+              <a:rPr lang="en-US" sz="1200" kern="1200" dirty="0" smtClean="0">
+                <a:solidFill>
+                  <a:schemeClr val="tx1"/>
+                </a:solidFill>
+                <a:latin typeface="+mn-lt"/>
+                <a:ea typeface="+mn-ea"/>
+                <a:cs typeface="+mn-cs"/>
+              </a:rPr>
+              <a:t> </a:t>
+            </a:r>
+            <a:r>
+              <a:rPr lang="en-US" sz="1200" kern="1200" dirty="0" err="1" smtClean="0">
+                <a:solidFill>
+                  <a:schemeClr val="tx1"/>
+                </a:solidFill>
+                <a:latin typeface="+mn-lt"/>
+                <a:ea typeface="+mn-ea"/>
+                <a:cs typeface="+mn-cs"/>
+              </a:rPr>
+              <a:t>GenreId</a:t>
+            </a:r>
+            <a:r>
+              <a:rPr lang="en-US" sz="1200" kern="1200" dirty="0" smtClean="0">
+                <a:solidFill>
+                  <a:schemeClr val="tx1"/>
+                </a:solidFill>
+                <a:latin typeface="+mn-lt"/>
+                <a:ea typeface="+mn-ea"/>
+                <a:cs typeface="+mn-cs"/>
+              </a:rPr>
+              <a:t> { get; set; }</a:t>
+            </a:r>
+          </a:p>
+          <a:p>
+            <a:pPr lvl="1"/>
+            <a:r>
+              <a:rPr lang="en-US" sz="1200" kern="1200" dirty="0" smtClean="0">
+                <a:solidFill>
+                  <a:schemeClr val="tx1"/>
+                </a:solidFill>
+                <a:latin typeface="+mn-lt"/>
+                <a:ea typeface="+mn-ea"/>
+                <a:cs typeface="+mn-cs"/>
+              </a:rPr>
+              <a:t>        public </a:t>
+            </a:r>
+            <a:r>
+              <a:rPr lang="en-US" sz="1200" kern="1200" dirty="0" err="1" smtClean="0">
+                <a:solidFill>
+                  <a:schemeClr val="tx1"/>
+                </a:solidFill>
+                <a:latin typeface="+mn-lt"/>
+                <a:ea typeface="+mn-ea"/>
+                <a:cs typeface="+mn-cs"/>
+              </a:rPr>
+              <a:t>int</a:t>
+            </a:r>
+            <a:r>
+              <a:rPr lang="en-US" sz="1200" kern="1200" dirty="0" smtClean="0">
+                <a:solidFill>
+                  <a:schemeClr val="tx1"/>
+                </a:solidFill>
+                <a:latin typeface="+mn-lt"/>
+                <a:ea typeface="+mn-ea"/>
+                <a:cs typeface="+mn-cs"/>
+              </a:rPr>
+              <a:t> </a:t>
+            </a:r>
+            <a:r>
+              <a:rPr lang="en-US" sz="1200" kern="1200" dirty="0" err="1" smtClean="0">
+                <a:solidFill>
+                  <a:schemeClr val="tx1"/>
+                </a:solidFill>
+                <a:latin typeface="+mn-lt"/>
+                <a:ea typeface="+mn-ea"/>
+                <a:cs typeface="+mn-cs"/>
+              </a:rPr>
+              <a:t>ArtistId</a:t>
+            </a:r>
+            <a:r>
+              <a:rPr lang="en-US" sz="1200" kern="1200" dirty="0" smtClean="0">
+                <a:solidFill>
+                  <a:schemeClr val="tx1"/>
+                </a:solidFill>
+                <a:latin typeface="+mn-lt"/>
+                <a:ea typeface="+mn-ea"/>
+                <a:cs typeface="+mn-cs"/>
+              </a:rPr>
+              <a:t> { get; set; }</a:t>
+            </a:r>
+          </a:p>
+          <a:p>
+            <a:pPr lvl="1"/>
+            <a:r>
+              <a:rPr lang="en-US" sz="1200" kern="1200" dirty="0" smtClean="0">
+                <a:solidFill>
+                  <a:schemeClr val="tx1"/>
+                </a:solidFill>
+                <a:latin typeface="+mn-lt"/>
+                <a:ea typeface="+mn-ea"/>
+                <a:cs typeface="+mn-cs"/>
+              </a:rPr>
+              <a:t>        public string Title { get; set; }</a:t>
+            </a:r>
+          </a:p>
+          <a:p>
+            <a:pPr lvl="1"/>
+            <a:r>
+              <a:rPr lang="en-US" sz="1200" kern="1200" dirty="0" smtClean="0">
+                <a:solidFill>
+                  <a:schemeClr val="tx1"/>
+                </a:solidFill>
+                <a:latin typeface="+mn-lt"/>
+                <a:ea typeface="+mn-ea"/>
+                <a:cs typeface="+mn-cs"/>
+              </a:rPr>
+              <a:t>        public decimal Price { get; set; }</a:t>
+            </a:r>
+          </a:p>
+          <a:p>
+            <a:pPr lvl="1"/>
+            <a:r>
+              <a:rPr lang="en-US" sz="1200" kern="1200" dirty="0" smtClean="0">
+                <a:solidFill>
+                  <a:schemeClr val="tx1"/>
+                </a:solidFill>
+                <a:latin typeface="+mn-lt"/>
+                <a:ea typeface="+mn-ea"/>
+                <a:cs typeface="+mn-cs"/>
+              </a:rPr>
+              <a:t>        public string </a:t>
+            </a:r>
+            <a:r>
+              <a:rPr lang="en-US" sz="1200" kern="1200" dirty="0" err="1" smtClean="0">
+                <a:solidFill>
+                  <a:schemeClr val="tx1"/>
+                </a:solidFill>
+                <a:latin typeface="+mn-lt"/>
+                <a:ea typeface="+mn-ea"/>
+                <a:cs typeface="+mn-cs"/>
+              </a:rPr>
+              <a:t>AlbumArtUrl</a:t>
+            </a:r>
+            <a:r>
+              <a:rPr lang="en-US" sz="1200" kern="1200" dirty="0" smtClean="0">
+                <a:solidFill>
+                  <a:schemeClr val="tx1"/>
+                </a:solidFill>
+                <a:latin typeface="+mn-lt"/>
+                <a:ea typeface="+mn-ea"/>
+                <a:cs typeface="+mn-cs"/>
+              </a:rPr>
+              <a:t> { get; set; }</a:t>
+            </a:r>
+          </a:p>
+          <a:p>
+            <a:pPr lvl="1"/>
+            <a:r>
+              <a:rPr lang="en-US" sz="1200" kern="1200" dirty="0" smtClean="0">
+                <a:solidFill>
+                  <a:schemeClr val="tx1"/>
+                </a:solidFill>
+                <a:latin typeface="+mn-lt"/>
+                <a:ea typeface="+mn-ea"/>
+                <a:cs typeface="+mn-cs"/>
+              </a:rPr>
+              <a:t>    }</a:t>
+            </a:r>
+            <a:endParaRPr lang="en-US" baseline="0" dirty="0" smtClean="0"/>
+          </a:p>
+          <a:p>
+            <a:pPr marL="0" indent="0">
               <a:buNone/>
-              <a:tabLst/>
-              <a:defRPr/>
             </a:pPr>
-            <a:r>
-              <a:rPr lang="en-US" dirty="0" smtClean="0"/>
-              <a:t>SHOW HOW TO STORE CREDENTIALS as a best practice?</a:t>
-            </a:r>
-          </a:p>
-          <a:p>
-            <a:pPr marL="0" marR="0" indent="0" algn="l" defTabSz="914400" rtl="0" eaLnBrk="1" fontAlgn="auto" latinLnBrk="0" hangingPunct="1">
-              <a:lnSpc>
-                <a:spcPct val="100000"/>
-              </a:lnSpc>
-              <a:spcBef>
-                <a:spcPts val="0"/>
-              </a:spcBef>
-              <a:spcAft>
-                <a:spcPts val="0"/>
-              </a:spcAft>
-              <a:buClrTx/>
-              <a:buSzTx/>
-              <a:buFontTx/>
+            <a:endParaRPr lang="en-US" baseline="0" dirty="0" smtClean="0"/>
+          </a:p>
+          <a:p>
+            <a:r>
+              <a:rPr lang="en-US" sz="1200" kern="1200" dirty="0" smtClean="0">
+                <a:solidFill>
+                  <a:schemeClr val="tx1"/>
+                </a:solidFill>
+                <a:latin typeface="+mn-lt"/>
+                <a:ea typeface="+mn-ea"/>
+                <a:cs typeface="+mn-cs"/>
+              </a:rPr>
+              <a:t> public class </a:t>
+            </a:r>
+            <a:r>
+              <a:rPr lang="en-US" sz="1200" kern="1200" dirty="0" err="1" smtClean="0">
+                <a:solidFill>
+                  <a:schemeClr val="tx1"/>
+                </a:solidFill>
+                <a:latin typeface="+mn-lt"/>
+                <a:ea typeface="+mn-ea"/>
+                <a:cs typeface="+mn-cs"/>
+              </a:rPr>
+              <a:t>MusicContext</a:t>
+            </a:r>
+            <a:r>
+              <a:rPr lang="en-US" sz="1200" kern="1200" dirty="0" smtClean="0">
+                <a:solidFill>
+                  <a:schemeClr val="tx1"/>
+                </a:solidFill>
+                <a:latin typeface="+mn-lt"/>
+                <a:ea typeface="+mn-ea"/>
+                <a:cs typeface="+mn-cs"/>
+              </a:rPr>
+              <a:t> : </a:t>
+            </a:r>
+            <a:r>
+              <a:rPr lang="en-US" sz="1200" kern="1200" dirty="0" err="1" smtClean="0">
+                <a:solidFill>
+                  <a:schemeClr val="tx1"/>
+                </a:solidFill>
+                <a:latin typeface="+mn-lt"/>
+                <a:ea typeface="+mn-ea"/>
+                <a:cs typeface="+mn-cs"/>
+              </a:rPr>
+              <a:t>DbContext</a:t>
+            </a:r>
+            <a:endParaRPr lang="en-US" sz="1200" kern="1200" dirty="0" smtClean="0">
+              <a:solidFill>
+                <a:schemeClr val="tx1"/>
+              </a:solidFill>
+              <a:latin typeface="+mn-lt"/>
+              <a:ea typeface="+mn-ea"/>
+              <a:cs typeface="+mn-cs"/>
+            </a:endParaRPr>
+          </a:p>
+          <a:p>
+            <a:r>
+              <a:rPr lang="en-US" sz="1200" kern="1200" dirty="0" smtClean="0">
+                <a:solidFill>
+                  <a:schemeClr val="tx1"/>
+                </a:solidFill>
+                <a:latin typeface="+mn-lt"/>
+                <a:ea typeface="+mn-ea"/>
+                <a:cs typeface="+mn-cs"/>
+              </a:rPr>
+              <a:t>    {</a:t>
+            </a:r>
+          </a:p>
+          <a:p>
+            <a:r>
+              <a:rPr lang="en-US" sz="1200" kern="1200" dirty="0" smtClean="0">
+                <a:solidFill>
+                  <a:schemeClr val="tx1"/>
+                </a:solidFill>
+                <a:latin typeface="+mn-lt"/>
+                <a:ea typeface="+mn-ea"/>
+                <a:cs typeface="+mn-cs"/>
+              </a:rPr>
+              <a:t>        public</a:t>
+            </a:r>
+            <a:r>
+              <a:rPr lang="en-US" sz="1200" kern="1200" baseline="0" dirty="0" smtClean="0">
+                <a:solidFill>
+                  <a:schemeClr val="tx1"/>
+                </a:solidFill>
+                <a:latin typeface="+mn-lt"/>
+                <a:ea typeface="+mn-ea"/>
+                <a:cs typeface="+mn-cs"/>
+              </a:rPr>
+              <a:t> </a:t>
+            </a:r>
+            <a:r>
+              <a:rPr lang="en-US" sz="1200" kern="1200" dirty="0" err="1" smtClean="0">
+                <a:solidFill>
+                  <a:schemeClr val="tx1"/>
+                </a:solidFill>
+                <a:latin typeface="+mn-lt"/>
+                <a:ea typeface="+mn-ea"/>
+                <a:cs typeface="+mn-cs"/>
+              </a:rPr>
+              <a:t>DbSet</a:t>
+            </a:r>
+            <a:r>
+              <a:rPr lang="en-US" sz="1200" kern="1200" dirty="0" smtClean="0">
+                <a:solidFill>
+                  <a:schemeClr val="tx1"/>
+                </a:solidFill>
+                <a:latin typeface="+mn-lt"/>
+                <a:ea typeface="+mn-ea"/>
+                <a:cs typeface="+mn-cs"/>
+              </a:rPr>
+              <a:t>&lt;Album&gt; Albums { get; set; }</a:t>
+            </a:r>
+          </a:p>
+          <a:p>
+            <a:r>
+              <a:rPr lang="en-US" sz="1200" kern="1200" dirty="0" smtClean="0">
+                <a:solidFill>
+                  <a:schemeClr val="tx1"/>
+                </a:solidFill>
+                <a:latin typeface="+mn-lt"/>
+                <a:ea typeface="+mn-ea"/>
+                <a:cs typeface="+mn-cs"/>
+              </a:rPr>
+              <a:t>    }</a:t>
+            </a:r>
+            <a:endParaRPr lang="en-US" baseline="0" dirty="0" smtClean="0"/>
+          </a:p>
+          <a:p>
+            <a:pPr marL="0" indent="0">
               <a:buNone/>
-              <a:tabLst/>
-              <a:defRPr/>
             </a:pPr>
-            <a:endParaRPr lang="en-US" dirty="0" smtClean="0"/>
+            <a:r>
+              <a:rPr lang="en-US" baseline="0" dirty="0" smtClean="0"/>
+              <a:t>4. Run the app. Explain the database is created because of connection string in the name in </a:t>
+            </a:r>
+            <a:r>
+              <a:rPr lang="en-US" baseline="0" dirty="0" err="1" smtClean="0"/>
+              <a:t>DbContext</a:t>
+            </a:r>
+            <a:endParaRPr lang="en-US" baseline="0" dirty="0" smtClean="0"/>
+          </a:p>
+          <a:p>
+            <a:pPr marL="0" indent="0">
+              <a:buNone/>
+            </a:pPr>
+            <a:r>
+              <a:rPr lang="en-US" baseline="0" dirty="0" smtClean="0"/>
+              <a:t>5. If </a:t>
+            </a:r>
+            <a:r>
+              <a:rPr lang="en-US" baseline="0" dirty="0" err="1" smtClean="0"/>
+              <a:t>DbContext</a:t>
+            </a:r>
+            <a:r>
+              <a:rPr lang="en-US" baseline="0" dirty="0" smtClean="0"/>
+              <a:t> doesn’t have a connect string, we look for the name of the context class connection string.</a:t>
+            </a:r>
+          </a:p>
+          <a:p>
+            <a:pPr marL="0" indent="0">
+              <a:buNone/>
+            </a:pPr>
+            <a:r>
+              <a:rPr lang="en-US" baseline="0" dirty="0" smtClean="0"/>
+              <a:t>If that’s not found, we try to create </a:t>
+            </a:r>
+            <a:r>
+              <a:rPr lang="en-US" baseline="0" dirty="0" err="1" smtClean="0"/>
+              <a:t>SQLExpress</a:t>
+            </a:r>
+            <a:r>
+              <a:rPr lang="en-US" baseline="0" dirty="0" smtClean="0"/>
+              <a:t>, local </a:t>
+            </a:r>
+            <a:r>
+              <a:rPr lang="en-US" baseline="0" dirty="0" err="1" smtClean="0"/>
+              <a:t>db</a:t>
+            </a:r>
+            <a:r>
+              <a:rPr lang="en-US" baseline="0" dirty="0" smtClean="0"/>
+              <a:t> 12, local </a:t>
+            </a:r>
+            <a:r>
+              <a:rPr lang="en-US" baseline="0" dirty="0" err="1" smtClean="0"/>
+              <a:t>db</a:t>
+            </a:r>
+            <a:r>
+              <a:rPr lang="en-US" baseline="0" dirty="0" smtClean="0"/>
+              <a:t> 11</a:t>
+            </a:r>
+          </a:p>
+          <a:p>
+            <a:pPr marL="0" indent="0">
+              <a:buNone/>
+            </a:pPr>
+            <a:endParaRPr lang="en-US" baseline="0" dirty="0" smtClean="0"/>
+          </a:p>
+          <a:p>
+            <a:pPr marL="0" indent="0">
+              <a:buNone/>
+            </a:pPr>
+            <a:endParaRPr lang="en-US" baseline="0" dirty="0" smtClean="0"/>
           </a:p>
         </p:txBody>
       </p:sp>
@@ -1540,7 +1901,7 @@
           <a:p>
             <a:fld id="{4CFD207A-07DF-40AD-A916-9872E089CE7A}" type="slidenum">
               <a:rPr lang="en-US" smtClean="0"/>
-              <a:t>17</a:t>
+              <a:t>16</a:t>
             </a:fld>
             <a:endParaRPr lang="en-US" dirty="0"/>
           </a:p>
@@ -1549,7 +1910,7 @@
     </p:spTree>
     <p:extLst>
       <p:ext uri="{BB962C8B-B14F-4D97-AF65-F5344CB8AC3E}">
-        <p14:creationId xmlns:p14="http://schemas.microsoft.com/office/powerpoint/2010/main" val="798992426"/>
+        <p14:creationId xmlns:p14="http://schemas.microsoft.com/office/powerpoint/2010/main" val="2360327334"/>
       </p:ext>
     </p:extLst>
   </p:cSld>
@@ -1603,40 +1964,147 @@
           <a:bodyPr/>
           <a:lstStyle/>
           <a:p>
-            <a:pPr marL="228600" indent="-228600">
-              <a:buAutoNum type="arabicPeriod"/>
+            <a:pPr marL="0" marR="0" indent="0" algn="l" defTabSz="914400" rtl="0" eaLnBrk="1" fontAlgn="auto" latinLnBrk="0" hangingPunct="1">
+              <a:lnSpc>
+                <a:spcPct val="100000"/>
+              </a:lnSpc>
+              <a:spcBef>
+                <a:spcPts val="0"/>
+              </a:spcBef>
+              <a:spcAft>
+                <a:spcPts val="0"/>
+              </a:spcAft>
+              <a:buClrTx/>
+              <a:buSzTx/>
+              <a:buFontTx/>
+              <a:buNone/>
+              <a:tabLst/>
+              <a:defRPr/>
             </a:pPr>
             <a:r>
               <a:rPr lang="en-US" dirty="0" smtClean="0"/>
-              <a:t>Create a new console app</a:t>
-            </a:r>
-          </a:p>
-          <a:p>
-            <a:pPr marL="228600" indent="-228600">
-              <a:buAutoNum type="arabicPeriod"/>
+              <a:t>SHOW HOW TO STORE CREDENTIALS as a best practice?</a:t>
+            </a:r>
+          </a:p>
+          <a:p>
+            <a:pPr marL="0" marR="0" indent="0" algn="l" defTabSz="914400" rtl="0" eaLnBrk="1" fontAlgn="auto" latinLnBrk="0" hangingPunct="1">
+              <a:lnSpc>
+                <a:spcPct val="100000"/>
+              </a:lnSpc>
+              <a:spcBef>
+                <a:spcPts val="0"/>
+              </a:spcBef>
+              <a:spcAft>
+                <a:spcPts val="0"/>
+              </a:spcAft>
+              <a:buClrTx/>
+              <a:buSzTx/>
+              <a:buFontTx/>
+              <a:buNone/>
+              <a:tabLst/>
+              <a:defRPr/>
             </a:pPr>
-            <a:r>
-              <a:rPr lang="en-US" dirty="0" smtClean="0"/>
-              <a:t>Install-package EF</a:t>
-            </a:r>
-          </a:p>
-          <a:p>
-            <a:pPr marL="228600" indent="-228600">
-              <a:buAutoNum type="arabicPeriod"/>
+            <a:endParaRPr lang="en-US" dirty="0" smtClean="0"/>
+          </a:p>
+          <a:p>
+            <a:pPr marL="0" marR="0" indent="0" algn="l" defTabSz="914400" rtl="0" eaLnBrk="1" fontAlgn="auto" latinLnBrk="0" hangingPunct="1">
+              <a:lnSpc>
+                <a:spcPct val="100000"/>
+              </a:lnSpc>
+              <a:spcBef>
+                <a:spcPts val="0"/>
+              </a:spcBef>
+              <a:spcAft>
+                <a:spcPts val="0"/>
+              </a:spcAft>
+              <a:buClrTx/>
+              <a:buSzTx/>
+              <a:buFontTx/>
+              <a:buNone/>
+              <a:tabLst/>
+              <a:defRPr/>
             </a:pPr>
-            <a:r>
-              <a:rPr lang="en-US" baseline="0" dirty="0" smtClean="0"/>
-              <a:t>Add class</a:t>
-            </a:r>
-          </a:p>
-          <a:p>
-            <a:pPr marL="228600" indent="-228600">
-              <a:buAutoNum type="arabicPeriod"/>
+            <a:endParaRPr lang="en-US" dirty="0" smtClean="0"/>
+          </a:p>
+          <a:p>
+            <a:pPr marL="0" marR="0" indent="0" algn="l" defTabSz="914400" rtl="0" eaLnBrk="1" fontAlgn="auto" latinLnBrk="0" hangingPunct="1">
+              <a:lnSpc>
+                <a:spcPct val="100000"/>
+              </a:lnSpc>
+              <a:spcBef>
+                <a:spcPts val="0"/>
+              </a:spcBef>
+              <a:spcAft>
+                <a:spcPts val="0"/>
+              </a:spcAft>
+              <a:buClrTx/>
+              <a:buSzTx/>
+              <a:buFontTx/>
+              <a:buNone/>
+              <a:tabLst/>
+              <a:defRPr/>
             </a:pPr>
-            <a:endParaRPr lang="en-US" baseline="0" dirty="0" smtClean="0"/>
-          </a:p>
-          <a:p>
-            <a:pPr lvl="1"/>
+            <a:r>
+              <a:rPr lang="en-US" dirty="0" smtClean="0"/>
+              <a:t>DB name will be that of the connection string name, </a:t>
+            </a:r>
+            <a:r>
+              <a:rPr lang="en-US" dirty="0" err="1" smtClean="0"/>
+              <a:t>ie</a:t>
+            </a:r>
+            <a:r>
+              <a:rPr lang="en-US" dirty="0" smtClean="0"/>
+              <a:t> </a:t>
+            </a:r>
+          </a:p>
+          <a:p>
+            <a:pPr marL="0" marR="0" indent="0" algn="l" defTabSz="914400" rtl="0" eaLnBrk="1" fontAlgn="auto" latinLnBrk="0" hangingPunct="1">
+              <a:lnSpc>
+                <a:spcPct val="100000"/>
+              </a:lnSpc>
+              <a:spcBef>
+                <a:spcPts val="0"/>
+              </a:spcBef>
+              <a:spcAft>
+                <a:spcPts val="0"/>
+              </a:spcAft>
+              <a:buClrTx/>
+              <a:buSzTx/>
+              <a:buFontTx/>
+              <a:buNone/>
+              <a:tabLst/>
+              <a:defRPr/>
+            </a:pPr>
+            <a:r>
+              <a:rPr lang="en-US" dirty="0" smtClean="0"/>
+              <a:t>Data Source=(</a:t>
+            </a:r>
+            <a:r>
+              <a:rPr lang="en-US" dirty="0" err="1" smtClean="0"/>
+              <a:t>localdb</a:t>
+            </a:r>
+            <a:r>
+              <a:rPr lang="en-US" dirty="0" smtClean="0"/>
+              <a:t>)\</a:t>
+            </a:r>
+            <a:r>
+              <a:rPr lang="en-US" dirty="0" err="1" smtClean="0"/>
+              <a:t>mssqllocaldb;Initial</a:t>
+            </a:r>
+            <a:r>
+              <a:rPr lang="en-US" dirty="0" smtClean="0"/>
+              <a:t> Catalog=</a:t>
+            </a:r>
+            <a:r>
+              <a:rPr lang="en-US" dirty="0" err="1" smtClean="0"/>
+              <a:t>MusicStoreConnection;Integrated</a:t>
+            </a:r>
+            <a:r>
+              <a:rPr lang="en-US" dirty="0" smtClean="0"/>
+              <a:t> Security=True</a:t>
+            </a:r>
+          </a:p>
+          <a:p>
             <a:r>
               <a:rPr lang="en-US" sz="1200" kern="1200" dirty="0" smtClean="0">
                 <a:solidFill>
@@ -1646,13 +2114,10 @@
                 <a:ea typeface="+mn-ea"/>
                 <a:cs typeface="+mn-cs"/>
               </a:rPr>
-              <a:t>public class Album</a:t>
-            </a:r>
-          </a:p>
-          <a:p>
-            <a:pPr lvl="1"/>
-            <a:r>
-              <a:rPr lang="en-US" sz="1200" kern="1200" dirty="0" smtClean="0">
+              <a:t>public </a:t>
+            </a:r>
+            <a:r>
+              <a:rPr lang="en-US" sz="1200" kern="1200" dirty="0" err="1" smtClean="0">
                 <a:solidFill>
                   <a:schemeClr val="tx1"/>
                 </a:solidFill>
@@ -1660,11 +2125,8 @@
                 <a:ea typeface="+mn-ea"/>
                 <a:cs typeface="+mn-cs"/>
               </a:rPr>
-              <a:t>    {</a:t>
-            </a:r>
-          </a:p>
-          <a:p>
-            <a:pPr lvl="1"/>
+              <a:t>MusicContext</a:t>
+            </a:r>
             <a:r>
               <a:rPr lang="en-US" sz="1200" kern="1200" dirty="0" smtClean="0">
                 <a:solidFill>
@@ -1674,10 +2136,12 @@
                 <a:ea typeface="+mn-ea"/>
                 <a:cs typeface="+mn-cs"/>
               </a:rPr>
-              <a:t>        public </a:t>
-            </a:r>
-            <a:r>
-              <a:rPr lang="en-US" sz="1200" kern="1200" dirty="0" err="1" smtClean="0">
+              <a:t>()</a:t>
+            </a:r>
+          </a:p>
+          <a:p>
+            <a:r>
+              <a:rPr lang="en-US" sz="1200" kern="1200" dirty="0" smtClean="0">
                 <a:solidFill>
                   <a:schemeClr val="tx1"/>
                 </a:solidFill>
@@ -1685,10 +2149,10 @@
                 <a:ea typeface="+mn-ea"/>
                 <a:cs typeface="+mn-cs"/>
               </a:rPr>
-              <a:t>int</a:t>
-            </a:r>
-            <a:r>
-              <a:rPr lang="en-US" sz="1200" kern="1200" dirty="0" smtClean="0">
+              <a:t>    : base("</a:t>
+            </a:r>
+            <a:r>
+              <a:rPr lang="en-US" sz="1200" kern="1200" dirty="0" err="1" smtClean="0">
                 <a:solidFill>
                   <a:schemeClr val="tx1"/>
                 </a:solidFill>
@@ -1696,10 +2160,10 @@
                 <a:ea typeface="+mn-ea"/>
                 <a:cs typeface="+mn-cs"/>
               </a:rPr>
-              <a:t> </a:t>
-            </a:r>
-            <a:r>
-              <a:rPr lang="en-US" sz="1200" kern="1200" dirty="0" err="1" smtClean="0">
+              <a:t>MusicStoreConnection</a:t>
+            </a:r>
+            <a:r>
+              <a:rPr lang="en-US" sz="1200" kern="1200" dirty="0" smtClean="0">
                 <a:solidFill>
                   <a:schemeClr val="tx1"/>
                 </a:solidFill>
@@ -1707,8 +2171,10 @@
                 <a:ea typeface="+mn-ea"/>
                 <a:cs typeface="+mn-cs"/>
               </a:rPr>
-              <a:t>AlbumId</a:t>
-            </a:r>
+              <a:t>")</a:t>
+            </a:r>
+          </a:p>
+          <a:p>
             <a:r>
               <a:rPr lang="en-US" sz="1200" kern="1200" dirty="0" smtClean="0">
                 <a:solidFill>
@@ -1718,11 +2184,10 @@
                 <a:ea typeface="+mn-ea"/>
                 <a:cs typeface="+mn-cs"/>
               </a:rPr>
-              <a:t> { get; set; }</a:t>
-            </a:r>
-          </a:p>
-          <a:p>
-            <a:pPr lvl="1"/>
+              <a:t>{</a:t>
+            </a:r>
+          </a:p>
+          <a:p>
             <a:r>
               <a:rPr lang="en-US" sz="1200" kern="1200" dirty="0" smtClean="0">
                 <a:solidFill>
@@ -1732,398 +2197,11 @@
                 <a:ea typeface="+mn-ea"/>
                 <a:cs typeface="+mn-cs"/>
               </a:rPr>
-              <a:t>        public </a:t>
-            </a:r>
-            <a:r>
-              <a:rPr lang="en-US" sz="1200" kern="1200" dirty="0" err="1" smtClean="0">
-                <a:solidFill>
-                  <a:schemeClr val="tx1"/>
-                </a:solidFill>
-                <a:latin typeface="+mn-lt"/>
-                <a:ea typeface="+mn-ea"/>
-                <a:cs typeface="+mn-cs"/>
-              </a:rPr>
-              <a:t>int</a:t>
-            </a:r>
-            <a:r>
-              <a:rPr lang="en-US" sz="1200" kern="1200" dirty="0" smtClean="0">
-                <a:solidFill>
-                  <a:schemeClr val="tx1"/>
-                </a:solidFill>
-                <a:latin typeface="+mn-lt"/>
-                <a:ea typeface="+mn-ea"/>
-                <a:cs typeface="+mn-cs"/>
-              </a:rPr>
-              <a:t> </a:t>
-            </a:r>
-            <a:r>
-              <a:rPr lang="en-US" sz="1200" kern="1200" dirty="0" err="1" smtClean="0">
-                <a:solidFill>
-                  <a:schemeClr val="tx1"/>
-                </a:solidFill>
-                <a:latin typeface="+mn-lt"/>
-                <a:ea typeface="+mn-ea"/>
-                <a:cs typeface="+mn-cs"/>
-              </a:rPr>
-              <a:t>GenreId</a:t>
-            </a:r>
-            <a:r>
-              <a:rPr lang="en-US" sz="1200" kern="1200" dirty="0" smtClean="0">
-                <a:solidFill>
-                  <a:schemeClr val="tx1"/>
-                </a:solidFill>
-                <a:latin typeface="+mn-lt"/>
-                <a:ea typeface="+mn-ea"/>
-                <a:cs typeface="+mn-cs"/>
-              </a:rPr>
-              <a:t> { get; set; }</a:t>
-            </a:r>
-          </a:p>
-          <a:p>
-            <a:pPr lvl="1"/>
-            <a:r>
-              <a:rPr lang="en-US" sz="1200" kern="1200" dirty="0" smtClean="0">
-                <a:solidFill>
-                  <a:schemeClr val="tx1"/>
-                </a:solidFill>
-                <a:latin typeface="+mn-lt"/>
-                <a:ea typeface="+mn-ea"/>
-                <a:cs typeface="+mn-cs"/>
-              </a:rPr>
-              <a:t>        public </a:t>
-            </a:r>
-            <a:r>
-              <a:rPr lang="en-US" sz="1200" kern="1200" dirty="0" err="1" smtClean="0">
-                <a:solidFill>
-                  <a:schemeClr val="tx1"/>
-                </a:solidFill>
-                <a:latin typeface="+mn-lt"/>
-                <a:ea typeface="+mn-ea"/>
-                <a:cs typeface="+mn-cs"/>
-              </a:rPr>
-              <a:t>int</a:t>
-            </a:r>
-            <a:r>
-              <a:rPr lang="en-US" sz="1200" kern="1200" dirty="0" smtClean="0">
-                <a:solidFill>
-                  <a:schemeClr val="tx1"/>
-                </a:solidFill>
-                <a:latin typeface="+mn-lt"/>
-                <a:ea typeface="+mn-ea"/>
-                <a:cs typeface="+mn-cs"/>
-              </a:rPr>
-              <a:t> </a:t>
-            </a:r>
-            <a:r>
-              <a:rPr lang="en-US" sz="1200" kern="1200" dirty="0" err="1" smtClean="0">
-                <a:solidFill>
-                  <a:schemeClr val="tx1"/>
-                </a:solidFill>
-                <a:latin typeface="+mn-lt"/>
-                <a:ea typeface="+mn-ea"/>
-                <a:cs typeface="+mn-cs"/>
-              </a:rPr>
-              <a:t>ArtistId</a:t>
-            </a:r>
-            <a:r>
-              <a:rPr lang="en-US" sz="1200" kern="1200" dirty="0" smtClean="0">
-                <a:solidFill>
-                  <a:schemeClr val="tx1"/>
-                </a:solidFill>
-                <a:latin typeface="+mn-lt"/>
-                <a:ea typeface="+mn-ea"/>
-                <a:cs typeface="+mn-cs"/>
-              </a:rPr>
-              <a:t> { get; set; }</a:t>
-            </a:r>
-          </a:p>
-          <a:p>
-            <a:pPr lvl="1"/>
-            <a:r>
-              <a:rPr lang="en-US" sz="1200" kern="1200" dirty="0" smtClean="0">
-                <a:solidFill>
-                  <a:schemeClr val="tx1"/>
-                </a:solidFill>
-                <a:latin typeface="+mn-lt"/>
-                <a:ea typeface="+mn-ea"/>
-                <a:cs typeface="+mn-cs"/>
-              </a:rPr>
-              <a:t>        public string Title { get; set; }</a:t>
-            </a:r>
-          </a:p>
-          <a:p>
-            <a:pPr lvl="1"/>
-            <a:r>
-              <a:rPr lang="en-US" sz="1200" kern="1200" dirty="0" smtClean="0">
-                <a:solidFill>
-                  <a:schemeClr val="tx1"/>
-                </a:solidFill>
-                <a:latin typeface="+mn-lt"/>
-                <a:ea typeface="+mn-ea"/>
-                <a:cs typeface="+mn-cs"/>
-              </a:rPr>
-              <a:t>        public decimal Price { get; set; }</a:t>
-            </a:r>
-          </a:p>
-          <a:p>
-            <a:pPr lvl="1"/>
-            <a:r>
-              <a:rPr lang="en-US" sz="1200" kern="1200" dirty="0" smtClean="0">
-                <a:solidFill>
-                  <a:schemeClr val="tx1"/>
-                </a:solidFill>
-                <a:latin typeface="+mn-lt"/>
-                <a:ea typeface="+mn-ea"/>
-                <a:cs typeface="+mn-cs"/>
-              </a:rPr>
-              <a:t>        public string </a:t>
-            </a:r>
-            <a:r>
-              <a:rPr lang="en-US" sz="1200" kern="1200" dirty="0" err="1" smtClean="0">
-                <a:solidFill>
-                  <a:schemeClr val="tx1"/>
-                </a:solidFill>
-                <a:latin typeface="+mn-lt"/>
-                <a:ea typeface="+mn-ea"/>
-                <a:cs typeface="+mn-cs"/>
-              </a:rPr>
-              <a:t>AlbumArtUrl</a:t>
-            </a:r>
-            <a:r>
-              <a:rPr lang="en-US" sz="1200" kern="1200" dirty="0" smtClean="0">
-                <a:solidFill>
-                  <a:schemeClr val="tx1"/>
-                </a:solidFill>
-                <a:latin typeface="+mn-lt"/>
-                <a:ea typeface="+mn-ea"/>
-                <a:cs typeface="+mn-cs"/>
-              </a:rPr>
-              <a:t> { get; set; }</a:t>
-            </a:r>
-          </a:p>
-          <a:p>
-            <a:pPr lvl="1"/>
-            <a:r>
-              <a:rPr lang="en-US" sz="1200" kern="1200" dirty="0" smtClean="0">
-                <a:solidFill>
-                  <a:schemeClr val="tx1"/>
-                </a:solidFill>
-                <a:latin typeface="+mn-lt"/>
-                <a:ea typeface="+mn-ea"/>
-                <a:cs typeface="+mn-cs"/>
-              </a:rPr>
-              <a:t>    }</a:t>
-            </a:r>
-            <a:endParaRPr lang="en-US" baseline="0" dirty="0" smtClean="0"/>
-          </a:p>
-          <a:p>
-            <a:pPr marL="0" indent="0">
-              <a:buNone/>
-            </a:pPr>
-            <a:endParaRPr lang="en-US" baseline="0" dirty="0" smtClean="0"/>
-          </a:p>
-          <a:p>
-            <a:r>
-              <a:rPr lang="en-US" sz="1200" kern="1200" dirty="0" smtClean="0">
-                <a:solidFill>
-                  <a:schemeClr val="tx1"/>
-                </a:solidFill>
-                <a:latin typeface="+mn-lt"/>
-                <a:ea typeface="+mn-ea"/>
-                <a:cs typeface="+mn-cs"/>
-              </a:rPr>
-              <a:t> public class </a:t>
-            </a:r>
-            <a:r>
-              <a:rPr lang="en-US" sz="1200" kern="1200" dirty="0" err="1" smtClean="0">
-                <a:solidFill>
-                  <a:schemeClr val="tx1"/>
-                </a:solidFill>
-                <a:latin typeface="+mn-lt"/>
-                <a:ea typeface="+mn-ea"/>
-                <a:cs typeface="+mn-cs"/>
-              </a:rPr>
-              <a:t>MusicContext</a:t>
-            </a:r>
-            <a:r>
-              <a:rPr lang="en-US" sz="1200" kern="1200" dirty="0" smtClean="0">
-                <a:solidFill>
-                  <a:schemeClr val="tx1"/>
-                </a:solidFill>
-                <a:latin typeface="+mn-lt"/>
-                <a:ea typeface="+mn-ea"/>
-                <a:cs typeface="+mn-cs"/>
-              </a:rPr>
-              <a:t> : </a:t>
-            </a:r>
-            <a:r>
-              <a:rPr lang="en-US" sz="1200" kern="1200" dirty="0" err="1" smtClean="0">
-                <a:solidFill>
-                  <a:schemeClr val="tx1"/>
-                </a:solidFill>
-                <a:latin typeface="+mn-lt"/>
-                <a:ea typeface="+mn-ea"/>
-                <a:cs typeface="+mn-cs"/>
-              </a:rPr>
-              <a:t>DbContext</a:t>
-            </a:r>
-            <a:endParaRPr lang="en-US" sz="1200" kern="1200" dirty="0" smtClean="0">
-              <a:solidFill>
-                <a:schemeClr val="tx1"/>
-              </a:solidFill>
-              <a:latin typeface="+mn-lt"/>
-              <a:ea typeface="+mn-ea"/>
-              <a:cs typeface="+mn-cs"/>
-            </a:endParaRPr>
-          </a:p>
-          <a:p>
-            <a:r>
-              <a:rPr lang="en-US" sz="1200" kern="1200" dirty="0" smtClean="0">
-                <a:solidFill>
-                  <a:schemeClr val="tx1"/>
-                </a:solidFill>
-                <a:latin typeface="+mn-lt"/>
-                <a:ea typeface="+mn-ea"/>
-                <a:cs typeface="+mn-cs"/>
-              </a:rPr>
-              <a:t>    {</a:t>
-            </a:r>
-          </a:p>
-          <a:p>
-            <a:r>
-              <a:rPr lang="en-US" sz="1200" kern="1200" dirty="0" smtClean="0">
-                <a:solidFill>
-                  <a:schemeClr val="tx1"/>
-                </a:solidFill>
-                <a:latin typeface="+mn-lt"/>
-                <a:ea typeface="+mn-ea"/>
-                <a:cs typeface="+mn-cs"/>
-              </a:rPr>
-              <a:t>        public</a:t>
-            </a:r>
-            <a:r>
-              <a:rPr lang="en-US" sz="1200" kern="1200" baseline="0" dirty="0" smtClean="0">
-                <a:solidFill>
-                  <a:schemeClr val="tx1"/>
-                </a:solidFill>
-                <a:latin typeface="+mn-lt"/>
-                <a:ea typeface="+mn-ea"/>
-                <a:cs typeface="+mn-cs"/>
-              </a:rPr>
-              <a:t> </a:t>
-            </a:r>
-            <a:r>
-              <a:rPr lang="en-US" sz="1200" kern="1200" dirty="0" err="1" smtClean="0">
-                <a:solidFill>
-                  <a:schemeClr val="tx1"/>
-                </a:solidFill>
-                <a:latin typeface="+mn-lt"/>
-                <a:ea typeface="+mn-ea"/>
-                <a:cs typeface="+mn-cs"/>
-              </a:rPr>
-              <a:t>DbSet</a:t>
-            </a:r>
-            <a:r>
-              <a:rPr lang="en-US" sz="1200" kern="1200" dirty="0" smtClean="0">
-                <a:solidFill>
-                  <a:schemeClr val="tx1"/>
-                </a:solidFill>
-                <a:latin typeface="+mn-lt"/>
-                <a:ea typeface="+mn-ea"/>
-                <a:cs typeface="+mn-cs"/>
-              </a:rPr>
-              <a:t>&lt;Album&gt; Albums { get; set; }</a:t>
-            </a:r>
-          </a:p>
-          <a:p>
-            <a:r>
-              <a:rPr lang="en-US" sz="1200" kern="1200" dirty="0" smtClean="0">
-                <a:solidFill>
-                  <a:schemeClr val="tx1"/>
-                </a:solidFill>
-                <a:latin typeface="+mn-lt"/>
-                <a:ea typeface="+mn-ea"/>
-                <a:cs typeface="+mn-cs"/>
-              </a:rPr>
-              <a:t>    }</a:t>
-            </a:r>
-            <a:endParaRPr lang="en-US" baseline="0" dirty="0" smtClean="0"/>
-          </a:p>
-          <a:p>
-            <a:pPr marL="0" indent="0">
-              <a:buNone/>
-            </a:pPr>
-            <a:r>
-              <a:rPr lang="en-US" baseline="0" dirty="0" smtClean="0"/>
-              <a:t>4. Run the app. Explain the database is created because of connection string in the name in </a:t>
-            </a:r>
-            <a:r>
-              <a:rPr lang="en-US" baseline="0" dirty="0" err="1" smtClean="0"/>
-              <a:t>DbContext</a:t>
-            </a:r>
-            <a:endParaRPr lang="en-US" baseline="0" dirty="0" smtClean="0"/>
-          </a:p>
-          <a:p>
-            <a:pPr marL="0" indent="0">
-              <a:buNone/>
-            </a:pPr>
-            <a:r>
-              <a:rPr lang="en-US" baseline="0" dirty="0" smtClean="0"/>
-              <a:t>5. If </a:t>
-            </a:r>
-            <a:r>
-              <a:rPr lang="en-US" baseline="0" dirty="0" err="1" smtClean="0"/>
-              <a:t>DbContext</a:t>
-            </a:r>
-            <a:r>
-              <a:rPr lang="en-US" baseline="0" dirty="0" smtClean="0"/>
-              <a:t> doesn’t have a connect string, we look for the name of the context class connection string.</a:t>
-            </a:r>
-          </a:p>
-          <a:p>
-            <a:pPr marL="0" indent="0">
-              <a:buNone/>
-            </a:pPr>
-            <a:r>
-              <a:rPr lang="en-US" baseline="0" dirty="0" smtClean="0"/>
-              <a:t>If that’s not found, we try to create </a:t>
-            </a:r>
-            <a:r>
-              <a:rPr lang="en-US" baseline="0" dirty="0" err="1" smtClean="0"/>
-              <a:t>SQLExpress</a:t>
-            </a:r>
-            <a:r>
-              <a:rPr lang="en-US" baseline="0" dirty="0" smtClean="0"/>
-              <a:t>, local </a:t>
-            </a:r>
-            <a:r>
-              <a:rPr lang="en-US" baseline="0" dirty="0" err="1" smtClean="0"/>
-              <a:t>db</a:t>
-            </a:r>
-            <a:r>
-              <a:rPr lang="en-US" baseline="0" dirty="0" smtClean="0"/>
-              <a:t> 12, local </a:t>
-            </a:r>
-            <a:r>
-              <a:rPr lang="en-US" baseline="0" dirty="0" err="1" smtClean="0"/>
-              <a:t>db</a:t>
-            </a:r>
-            <a:r>
-              <a:rPr lang="en-US" baseline="0" dirty="0" smtClean="0"/>
-              <a:t> 11</a:t>
-            </a:r>
-          </a:p>
-          <a:p>
-            <a:pPr marL="0" indent="0">
-              <a:buNone/>
-            </a:pPr>
-            <a:endParaRPr lang="en-US" baseline="0" dirty="0" smtClean="0"/>
-          </a:p>
-          <a:p>
-            <a:pPr marL="0" indent="0">
-              <a:buNone/>
-            </a:pPr>
-            <a:endParaRPr lang="en-US" baseline="0" dirty="0" smtClean="0"/>
+              <a:t>}</a:t>
+            </a:r>
+          </a:p>
+          <a:p>
+            <a:endParaRPr lang="en-US" dirty="0" smtClean="0"/>
           </a:p>
         </p:txBody>
       </p:sp>
@@ -2144,7 +2222,7 @@
           <a:p>
             <a:fld id="{4CFD207A-07DF-40AD-A916-9872E089CE7A}" type="slidenum">
               <a:rPr lang="en-US" smtClean="0"/>
-              <a:t>18</a:t>
+              <a:t>17</a:t>
             </a:fld>
             <a:endParaRPr lang="en-US" dirty="0"/>
           </a:p>
@@ -2153,7 +2231,7 @@
     </p:spTree>
     <p:extLst>
       <p:ext uri="{BB962C8B-B14F-4D97-AF65-F5344CB8AC3E}">
-        <p14:creationId xmlns:p14="http://schemas.microsoft.com/office/powerpoint/2010/main" val="2360327334"/>
+        <p14:creationId xmlns:p14="http://schemas.microsoft.com/office/powerpoint/2010/main" val="798992426"/>
       </p:ext>
     </p:extLst>
   </p:cSld>
@@ -2207,320 +2285,15 @@
           <a:bodyPr/>
           <a:lstStyle/>
           <a:p>
-            <a:pPr marL="0" indent="0">
-              <a:buNone/>
-            </a:pPr>
-            <a:endParaRPr lang="en-US" baseline="0" dirty="0" smtClean="0"/>
-          </a:p>
-          <a:p>
-            <a:pPr marL="228600" indent="-228600">
-              <a:buAutoNum type="arabicPeriod"/>
-            </a:pPr>
-            <a:r>
-              <a:rPr lang="en-US" sz="1200" kern="1200" dirty="0" smtClean="0">
-                <a:solidFill>
-                  <a:schemeClr val="tx1"/>
-                </a:solidFill>
-                <a:latin typeface="+mn-lt"/>
-                <a:ea typeface="+mn-ea"/>
-                <a:cs typeface="+mn-cs"/>
-              </a:rPr>
-              <a:t>Demo how to see connection info (</a:t>
-            </a:r>
-            <a:r>
-              <a:rPr lang="en-US" sz="1200" kern="1200" dirty="0" err="1" smtClean="0">
-                <a:solidFill>
-                  <a:schemeClr val="tx1"/>
-                </a:solidFill>
-                <a:latin typeface="+mn-lt"/>
-                <a:ea typeface="+mn-ea"/>
-                <a:cs typeface="+mn-cs"/>
-              </a:rPr>
-              <a:t>wheres</a:t>
-            </a:r>
-            <a:r>
-              <a:rPr lang="en-US" sz="1200" kern="1200" dirty="0" smtClean="0">
-                <a:solidFill>
-                  <a:schemeClr val="tx1"/>
-                </a:solidFill>
-                <a:latin typeface="+mn-lt"/>
-                <a:ea typeface="+mn-ea"/>
-                <a:cs typeface="+mn-cs"/>
-              </a:rPr>
-              <a:t> our connect string coming from?!)</a:t>
-            </a:r>
-          </a:p>
-          <a:p>
-            <a:r>
-              <a:rPr lang="en-US" sz="1200" kern="1200" dirty="0" smtClean="0">
-                <a:solidFill>
-                  <a:schemeClr val="tx1"/>
-                </a:solidFill>
-                <a:latin typeface="+mn-lt"/>
-                <a:ea typeface="+mn-ea"/>
-                <a:cs typeface="+mn-cs"/>
-              </a:rPr>
-              <a:t> </a:t>
-            </a:r>
-            <a:r>
-              <a:rPr lang="en-US" sz="1200" kern="1200" baseline="0" dirty="0" smtClean="0">
-                <a:solidFill>
-                  <a:schemeClr val="tx1"/>
-                </a:solidFill>
-                <a:latin typeface="+mn-lt"/>
-                <a:ea typeface="+mn-ea"/>
-                <a:cs typeface="+mn-cs"/>
-              </a:rPr>
-              <a:t>               </a:t>
-            </a:r>
-            <a:r>
-              <a:rPr lang="en-US" sz="1200" kern="1200" dirty="0" err="1" smtClean="0">
-                <a:solidFill>
-                  <a:schemeClr val="tx1"/>
-                </a:solidFill>
-                <a:latin typeface="+mn-lt"/>
-                <a:ea typeface="+mn-ea"/>
-                <a:cs typeface="+mn-cs"/>
-              </a:rPr>
-              <a:t>context.Database.Log</a:t>
-            </a:r>
-            <a:r>
-              <a:rPr lang="en-US" sz="1200" kern="1200" dirty="0" smtClean="0">
-                <a:solidFill>
-                  <a:schemeClr val="tx1"/>
-                </a:solidFill>
-                <a:latin typeface="+mn-lt"/>
-                <a:ea typeface="+mn-ea"/>
-                <a:cs typeface="+mn-cs"/>
-              </a:rPr>
-              <a:t> = s =&gt; </a:t>
-            </a:r>
-            <a:r>
-              <a:rPr lang="en-US" sz="1200" kern="1200" dirty="0" err="1" smtClean="0">
-                <a:solidFill>
-                  <a:schemeClr val="tx1"/>
-                </a:solidFill>
-                <a:latin typeface="+mn-lt"/>
-                <a:ea typeface="+mn-ea"/>
-                <a:cs typeface="+mn-cs"/>
-              </a:rPr>
-              <a:t>Console.WriteLine</a:t>
-            </a:r>
-            <a:r>
-              <a:rPr lang="en-US" sz="1200" kern="1200" dirty="0" smtClean="0">
-                <a:solidFill>
-                  <a:schemeClr val="tx1"/>
-                </a:solidFill>
-                <a:latin typeface="+mn-lt"/>
-                <a:ea typeface="+mn-ea"/>
-                <a:cs typeface="+mn-cs"/>
-              </a:rPr>
-              <a:t>(s);</a:t>
-            </a:r>
-          </a:p>
-          <a:p>
-            <a:r>
-              <a:rPr lang="en-US" sz="1200" kern="1200" dirty="0" smtClean="0">
-                <a:solidFill>
-                  <a:schemeClr val="tx1"/>
-                </a:solidFill>
-                <a:latin typeface="+mn-lt"/>
-                <a:ea typeface="+mn-ea"/>
-                <a:cs typeface="+mn-cs"/>
-              </a:rPr>
-              <a:t>                </a:t>
-            </a:r>
-            <a:r>
-              <a:rPr lang="en-US" sz="1200" kern="1200" dirty="0" err="1" smtClean="0">
-                <a:solidFill>
-                  <a:schemeClr val="tx1"/>
-                </a:solidFill>
-                <a:latin typeface="+mn-lt"/>
-                <a:ea typeface="+mn-ea"/>
-                <a:cs typeface="+mn-cs"/>
-              </a:rPr>
-              <a:t>Console.WriteLine</a:t>
-            </a:r>
-            <a:r>
-              <a:rPr lang="en-US" sz="1200" kern="1200" dirty="0" smtClean="0">
-                <a:solidFill>
-                  <a:schemeClr val="tx1"/>
-                </a:solidFill>
-                <a:latin typeface="+mn-lt"/>
-                <a:ea typeface="+mn-ea"/>
-                <a:cs typeface="+mn-cs"/>
-              </a:rPr>
-              <a:t>(</a:t>
-            </a:r>
-            <a:r>
-              <a:rPr lang="en-US" sz="1200" kern="1200" dirty="0" err="1" smtClean="0">
-                <a:solidFill>
-                  <a:schemeClr val="tx1"/>
-                </a:solidFill>
-                <a:latin typeface="+mn-lt"/>
-                <a:ea typeface="+mn-ea"/>
-                <a:cs typeface="+mn-cs"/>
-              </a:rPr>
-              <a:t>context.Database.Connection.ConnectionString</a:t>
-            </a:r>
-            <a:r>
-              <a:rPr lang="en-US" sz="1200" kern="1200" dirty="0" smtClean="0">
-                <a:solidFill>
-                  <a:schemeClr val="tx1"/>
-                </a:solidFill>
-                <a:latin typeface="+mn-lt"/>
-                <a:ea typeface="+mn-ea"/>
-                <a:cs typeface="+mn-cs"/>
-              </a:rPr>
-              <a:t>);</a:t>
-            </a:r>
-            <a:endParaRPr lang="en-US" baseline="0" dirty="0" smtClean="0"/>
-          </a:p>
-          <a:p>
-            <a:pPr marL="228600" indent="-228600">
-              <a:buAutoNum type="arabicPeriod"/>
-            </a:pPr>
-            <a:r>
-              <a:rPr lang="en-US" dirty="0" err="1" smtClean="0"/>
-              <a:t>Sql</a:t>
-            </a:r>
-            <a:r>
-              <a:rPr lang="en-US" dirty="0" smtClean="0"/>
-              <a:t> server object explorer</a:t>
-            </a:r>
-          </a:p>
-          <a:p>
-            <a:pPr marL="228600" indent="-228600">
-              <a:buAutoNum type="arabicPeriod"/>
-            </a:pPr>
-            <a:r>
-              <a:rPr lang="en-US" sz="1200" b="0" i="0" kern="1200" dirty="0" smtClean="0">
-                <a:solidFill>
-                  <a:schemeClr val="tx1"/>
-                </a:solidFill>
-                <a:effectLst/>
-                <a:latin typeface="+mn-lt"/>
-                <a:ea typeface="+mn-ea"/>
-                <a:cs typeface="+mn-cs"/>
-              </a:rPr>
-              <a:t>(</a:t>
-            </a:r>
-            <a:r>
-              <a:rPr lang="en-US" sz="1200" b="0" i="0" kern="1200" dirty="0" err="1" smtClean="0">
-                <a:solidFill>
-                  <a:schemeClr val="tx1"/>
-                </a:solidFill>
-                <a:effectLst/>
-                <a:latin typeface="+mn-lt"/>
-                <a:ea typeface="+mn-ea"/>
-                <a:cs typeface="+mn-cs"/>
-              </a:rPr>
-              <a:t>localdb</a:t>
-            </a:r>
-            <a:r>
-              <a:rPr lang="en-US" sz="1200" b="0" i="0" kern="1200" dirty="0" smtClean="0">
-                <a:solidFill>
-                  <a:schemeClr val="tx1"/>
-                </a:solidFill>
-                <a:effectLst/>
-                <a:latin typeface="+mn-lt"/>
-                <a:ea typeface="+mn-ea"/>
-                <a:cs typeface="+mn-cs"/>
-              </a:rPr>
-              <a:t>)\</a:t>
-            </a:r>
-            <a:r>
-              <a:rPr lang="en-US" sz="1200" b="0" i="0" kern="1200" dirty="0" err="1" smtClean="0">
-                <a:solidFill>
-                  <a:schemeClr val="tx1"/>
-                </a:solidFill>
-                <a:effectLst/>
-                <a:latin typeface="+mn-lt"/>
-                <a:ea typeface="+mn-ea"/>
-                <a:cs typeface="+mn-cs"/>
-              </a:rPr>
-              <a:t>MSSQLLocalDB</a:t>
-            </a:r>
-            <a:r>
-              <a:rPr lang="en-US" sz="1200" b="0" i="0" kern="1200" dirty="0" smtClean="0">
-                <a:solidFill>
-                  <a:schemeClr val="tx1"/>
-                </a:solidFill>
-                <a:effectLst/>
-                <a:latin typeface="+mn-lt"/>
-                <a:ea typeface="+mn-ea"/>
-                <a:cs typeface="+mn-cs"/>
-              </a:rPr>
-              <a:t> (used as of v12</a:t>
-            </a:r>
-            <a:r>
-              <a:rPr lang="en-US" sz="1200" b="0" i="0" kern="1200" baseline="0" dirty="0" smtClean="0">
-                <a:solidFill>
-                  <a:schemeClr val="tx1"/>
-                </a:solidFill>
-                <a:effectLst/>
-                <a:latin typeface="+mn-lt"/>
-                <a:ea typeface="+mn-ea"/>
-                <a:cs typeface="+mn-cs"/>
-              </a:rPr>
-              <a:t> </a:t>
-            </a:r>
-            <a:r>
-              <a:rPr lang="en-US" sz="1200" b="0" i="0" kern="1200" baseline="0" dirty="0" err="1" smtClean="0">
-                <a:solidFill>
-                  <a:schemeClr val="tx1"/>
-                </a:solidFill>
-                <a:effectLst/>
-                <a:latin typeface="+mn-lt"/>
-                <a:ea typeface="+mn-ea"/>
-                <a:cs typeface="+mn-cs"/>
-              </a:rPr>
-              <a:t>ie</a:t>
-            </a:r>
-            <a:r>
-              <a:rPr lang="en-US" sz="1200" b="0" i="0" kern="1200" baseline="0" dirty="0" smtClean="0">
-                <a:solidFill>
-                  <a:schemeClr val="tx1"/>
-                </a:solidFill>
-                <a:effectLst/>
-                <a:latin typeface="+mn-lt"/>
-                <a:ea typeface="+mn-ea"/>
-                <a:cs typeface="+mn-cs"/>
-              </a:rPr>
-              <a:t> </a:t>
-            </a:r>
-            <a:r>
-              <a:rPr lang="en-US" sz="1200" b="0" i="0" kern="1200" baseline="0" dirty="0" err="1" smtClean="0">
-                <a:solidFill>
-                  <a:schemeClr val="tx1"/>
-                </a:solidFill>
-                <a:effectLst/>
-                <a:latin typeface="+mn-lt"/>
-                <a:ea typeface="+mn-ea"/>
-                <a:cs typeface="+mn-cs"/>
-              </a:rPr>
-              <a:t>sql</a:t>
-            </a:r>
-            <a:r>
-              <a:rPr lang="en-US" sz="1200" b="0" i="0" kern="1200" baseline="0" dirty="0" smtClean="0">
-                <a:solidFill>
-                  <a:schemeClr val="tx1"/>
-                </a:solidFill>
-                <a:effectLst/>
-                <a:latin typeface="+mn-lt"/>
-                <a:ea typeface="+mn-ea"/>
-                <a:cs typeface="+mn-cs"/>
-              </a:rPr>
-              <a:t> 2014)</a:t>
-            </a:r>
-          </a:p>
-          <a:p>
-            <a:pPr marL="228600" indent="-228600">
-              <a:buAutoNum type="arabicPeriod"/>
-            </a:pPr>
-            <a:r>
-              <a:rPr lang="en-US" dirty="0" smtClean="0"/>
-              <a:t>(</a:t>
+            <a:r>
+              <a:rPr lang="en-US" dirty="0" smtClean="0"/>
+              <a:t>Connection string can be double slash</a:t>
+            </a:r>
+          </a:p>
+          <a:p>
+            <a:r>
+              <a:rPr lang="en-US" dirty="0" smtClean="0"/>
+              <a:t>"Data Source=(</a:t>
             </a:r>
             <a:r>
               <a:rPr lang="en-US" dirty="0" err="1" smtClean="0"/>
@@ -2528,284 +2301,34 @@
             </a:r>
             <a:r>
               <a:rPr lang="en-US" dirty="0" smtClean="0"/>
-              <a:t>)\\v11.0</a:t>
-            </a:r>
-          </a:p>
-          <a:p>
-            <a:pPr marL="0" indent="0">
-              <a:buNone/>
-            </a:pPr>
-            <a:endParaRPr lang="en-US" dirty="0" smtClean="0"/>
-          </a:p>
-          <a:p>
-            <a:pPr marL="0" indent="0">
-              <a:buNone/>
-            </a:pPr>
-            <a:r>
-              <a:rPr lang="en-US" dirty="0" smtClean="0"/>
-              <a:t>What versions</a:t>
-            </a:r>
-            <a:r>
-              <a:rPr lang="en-US" baseline="0" dirty="0" smtClean="0"/>
-              <a:t> are on my machine?</a:t>
-            </a:r>
-          </a:p>
-          <a:p>
-            <a:pPr marL="0" indent="0">
-              <a:buNone/>
-            </a:pPr>
-            <a:r>
-              <a:rPr lang="en-US" dirty="0" smtClean="0"/>
-              <a:t>C:\Users\adam&gt; </a:t>
+              <a:t>)\\</a:t>
             </a:r>
             <a:r>
               <a:rPr lang="en-US" dirty="0" err="1" smtClean="0"/>
-              <a:t>sqllocaldb</a:t>
-            </a:r>
-            <a:r>
-              <a:rPr lang="en-US" dirty="0" smtClean="0"/>
-              <a:t> v</a:t>
-            </a:r>
-          </a:p>
-          <a:p>
-            <a:pPr marL="0" indent="0">
-              <a:buNone/>
-            </a:pPr>
-            <a:r>
-              <a:rPr lang="en-US" dirty="0" smtClean="0"/>
-              <a:t>Microsoft SQL Server 2012 (11.0.3000.0)</a:t>
-            </a:r>
-          </a:p>
-          <a:p>
-            <a:pPr marL="0" indent="0">
-              <a:buNone/>
-            </a:pPr>
-            <a:r>
-              <a:rPr lang="en-US" dirty="0" smtClean="0"/>
-              <a:t>Microsoft SQL Server 2014 (12.0.2000.8)</a:t>
-            </a:r>
-          </a:p>
-          <a:p>
-            <a:pPr marL="0" indent="0">
-              <a:buNone/>
-            </a:pPr>
-            <a:endParaRPr lang="en-US" dirty="0" smtClean="0"/>
-          </a:p>
-          <a:p>
-            <a:pPr marL="0" indent="0">
-              <a:buNone/>
-            </a:pPr>
-            <a:endParaRPr lang="en-US" dirty="0" smtClean="0"/>
-          </a:p>
-          <a:p>
-            <a:pPr marL="0" indent="0">
-              <a:buNone/>
-            </a:pPr>
-            <a:r>
-              <a:rPr lang="en-US" dirty="0" smtClean="0"/>
-              <a:t>Lets</a:t>
-            </a:r>
-            <a:r>
-              <a:rPr lang="en-US" baseline="0" dirty="0" smtClean="0"/>
-              <a:t> create a connection string for a local folder.</a:t>
-            </a:r>
-          </a:p>
-          <a:p>
-            <a:pPr marL="0" indent="0">
-              <a:buNone/>
-            </a:pPr>
-            <a:endParaRPr lang="en-US" baseline="0" dirty="0" smtClean="0"/>
-          </a:p>
-          <a:p>
-            <a:pPr marL="0" indent="0">
-              <a:buNone/>
-            </a:pPr>
-            <a:r>
-              <a:rPr lang="en-US" baseline="0" dirty="0" smtClean="0"/>
-              <a:t>Viewing SQL (one way) via </a:t>
-            </a:r>
-            <a:r>
-              <a:rPr lang="en-US" baseline="0" dirty="0" err="1" smtClean="0"/>
-              <a:t>sql</a:t>
-            </a:r>
-            <a:r>
-              <a:rPr lang="en-US" baseline="0" dirty="0" smtClean="0"/>
-              <a:t> connection manager and </a:t>
-            </a:r>
-            <a:r>
-              <a:rPr lang="en-US" baseline="0" dirty="0" err="1" smtClean="0"/>
-              <a:t>db</a:t>
-            </a:r>
-            <a:r>
-              <a:rPr lang="en-US" baseline="0" dirty="0" smtClean="0"/>
-              <a:t> project. Maybe show this in migrations?</a:t>
-            </a:r>
-          </a:p>
-          <a:p>
-            <a:pPr marL="0" indent="0">
-              <a:buNone/>
-            </a:pPr>
-            <a:endParaRPr lang="en-US" baseline="0" dirty="0" smtClean="0"/>
-          </a:p>
-          <a:p>
-            <a:pPr marL="0" indent="0">
-              <a:buNone/>
-            </a:pPr>
+              <a:t>mssqllocaldb;Initial</a:t>
+            </a:r>
+            <a:r>
+              <a:rPr lang="en-US" dirty="0" smtClean="0"/>
+              <a:t> Catalog=</a:t>
+            </a:r>
             <a:r>
               <a:rPr lang="en-US" dirty="0" err="1" smtClean="0"/>
-              <a:t>Database.SetInitializer</a:t>
-            </a:r>
-            <a:r>
-              <a:rPr lang="en-US" dirty="0" smtClean="0"/>
-              <a:t>&lt;</a:t>
+              <a:t>MusicStoreConnection;Integrated</a:t>
+            </a:r>
+            <a:r>
+              <a:rPr lang="en-US" dirty="0" smtClean="0"/>
+              <a:t> Security=</a:t>
             </a:r>
             <a:r>
               <a:rPr lang="en-US" dirty="0" err="1" smtClean="0"/>
-              <a:t>MusicStoreContext</a:t>
-            </a:r>
-            <a:r>
-              <a:rPr lang="en-US" dirty="0" smtClean="0"/>
-              <a:t>&gt;(new </a:t>
-            </a:r>
-            <a:r>
-              <a:rPr lang="en-US" dirty="0" err="1" smtClean="0"/>
-              <a:t>CreateDatabaseIfNotExists</a:t>
-            </a:r>
-            <a:r>
-              <a:rPr lang="en-US" dirty="0" smtClean="0"/>
-              <a:t>&lt;</a:t>
-            </a:r>
-            <a:r>
-              <a:rPr lang="en-US" dirty="0" err="1" smtClean="0"/>
-              <a:t>MusicStoreContext</a:t>
-            </a:r>
-            <a:r>
-              <a:rPr lang="en-US" dirty="0" smtClean="0"/>
-              <a:t>&gt;());</a:t>
-            </a:r>
-          </a:p>
-          <a:p>
-            <a:pPr marL="0" indent="0">
-              <a:buNone/>
-            </a:pPr>
-            <a:endParaRPr lang="en-US" dirty="0" smtClean="0"/>
-          </a:p>
-          <a:p>
-            <a:pPr marL="0" indent="0">
-              <a:buNone/>
-            </a:pPr>
-            <a:endParaRPr lang="en-US" dirty="0" smtClean="0"/>
-          </a:p>
-          <a:p>
-            <a:pPr marL="0" indent="0">
-              <a:buNone/>
-            </a:pPr>
-            <a:endParaRPr lang="en-US" dirty="0" smtClean="0"/>
-          </a:p>
-          <a:p>
-            <a:pPr marL="0" indent="0">
-              <a:buNone/>
-            </a:pPr>
-            <a:r>
-              <a:rPr lang="en-US" dirty="0" smtClean="0"/>
-              <a:t>&lt;</a:t>
-            </a:r>
-            <a:r>
-              <a:rPr lang="en-US" dirty="0" err="1" smtClean="0"/>
-              <a:t>appSettings</a:t>
-            </a:r>
-            <a:r>
-              <a:rPr lang="en-US" dirty="0" smtClean="0"/>
-              <a:t>&gt;</a:t>
-            </a:r>
-          </a:p>
-          <a:p>
-            <a:pPr marL="0" indent="0">
-              <a:buNone/>
-            </a:pPr>
-            <a:r>
-              <a:rPr lang="en-US" dirty="0" smtClean="0"/>
-              <a:t>        &lt;add key="</a:t>
-            </a:r>
-            <a:r>
-              <a:rPr lang="en-US" dirty="0" err="1" smtClean="0"/>
-              <a:t>DatabaseInitializerForType</a:t>
-            </a:r>
-            <a:r>
-              <a:rPr lang="en-US" dirty="0" smtClean="0"/>
-              <a:t> </a:t>
-            </a:r>
-            <a:r>
-              <a:rPr lang="en-US" dirty="0" err="1" smtClean="0"/>
-              <a:t>SchoolDataLayer.SchoolDBContext</a:t>
-            </a:r>
-            <a:r>
-              <a:rPr lang="en-US" dirty="0" smtClean="0"/>
-              <a:t>, </a:t>
-            </a:r>
-            <a:r>
-              <a:rPr lang="en-US" dirty="0" err="1" smtClean="0"/>
-              <a:t>SchoolDataLayer</a:t>
-            </a:r>
-            <a:r>
-              <a:rPr lang="en-US" dirty="0" smtClean="0"/>
-              <a:t>"         </a:t>
-            </a:r>
-          </a:p>
-          <a:p>
-            <a:pPr marL="0" indent="0">
-              <a:buNone/>
-            </a:pPr>
-            <a:r>
-              <a:rPr lang="en-US" dirty="0" smtClean="0"/>
-              <a:t>            value="System.Data.Entity.DropCreateDatabaseAlways`1[[</a:t>
-            </a:r>
-            <a:r>
-              <a:rPr lang="en-US" dirty="0" err="1" smtClean="0"/>
-              <a:t>SchoolDataLayer.SchoolDBContext</a:t>
-            </a:r>
-            <a:r>
-              <a:rPr lang="en-US" dirty="0" smtClean="0"/>
-              <a:t>, </a:t>
-            </a:r>
-            <a:r>
-              <a:rPr lang="en-US" dirty="0" err="1" smtClean="0"/>
-              <a:t>SchoolDataLayer</a:t>
-            </a:r>
-            <a:r>
-              <a:rPr lang="en-US" dirty="0" smtClean="0"/>
-              <a:t>]], </a:t>
-            </a:r>
-            <a:r>
-              <a:rPr lang="en-US" dirty="0" err="1" smtClean="0"/>
-              <a:t>EntityFramework</a:t>
-            </a:r>
-            <a:r>
-              <a:rPr lang="en-US" dirty="0" smtClean="0"/>
-              <a:t>" /&gt;</a:t>
-            </a:r>
-          </a:p>
-          <a:p>
-            <a:pPr marL="0" indent="0">
-              <a:buNone/>
-            </a:pPr>
-            <a:r>
-              <a:rPr lang="en-US" dirty="0" smtClean="0"/>
-              <a:t>&lt;/</a:t>
-            </a:r>
-            <a:r>
-              <a:rPr lang="en-US" dirty="0" err="1" smtClean="0"/>
-              <a:t>appSettings</a:t>
-            </a:r>
-            <a:r>
-              <a:rPr lang="en-US" dirty="0" smtClean="0"/>
-              <a:t>&gt;</a:t>
-            </a:r>
-          </a:p>
-          <a:p>
-            <a:pPr marL="0" indent="0">
-              <a:buNone/>
-            </a:pPr>
+              <a:t>True;MultipleActiveResultSets</a:t>
+            </a:r>
+            <a:r>
+              <a:rPr lang="en-US" dirty="0" smtClean="0"/>
+              <a:t>=True“</a:t>
+            </a:r>
+          </a:p>
+          <a:p>
             <a:endParaRPr lang="en-US" dirty="0"/>
           </a:p>
         </p:txBody>
@@ -2827,7 +2350,7 @@
           <a:p>
             <a:fld id="{4CFD207A-07DF-40AD-A916-9872E089CE7A}" type="slidenum">
               <a:rPr lang="en-US" smtClean="0"/>
-              <a:t>19</a:t>
+              <a:t>18</a:t>
             </a:fld>
             <a:endParaRPr lang="en-US" dirty="0"/>
           </a:p>
@@ -2836,7 +2359,7 @@
     </p:spTree>
     <p:extLst>
       <p:ext uri="{BB962C8B-B14F-4D97-AF65-F5344CB8AC3E}">
-        <p14:creationId xmlns:p14="http://schemas.microsoft.com/office/powerpoint/2010/main" val="2560931735"/>
+        <p14:creationId xmlns:p14="http://schemas.microsoft.com/office/powerpoint/2010/main" val="1249411103"/>
       </p:ext>
     </p:extLst>
   </p:cSld>
@@ -2890,6 +2413,15 @@
           <a:bodyPr/>
           <a:lstStyle/>
           <a:p>
+            <a:pPr marL="0" indent="0">
+              <a:buNone/>
+            </a:pPr>
+            <a:endParaRPr lang="en-US" baseline="0" dirty="0" smtClean="0"/>
+          </a:p>
+          <a:p>
+            <a:pPr marL="228600" indent="-228600">
+              <a:buAutoNum type="arabicPeriod"/>
+            </a:pPr>
             <a:r>
               <a:rPr lang="en-US" sz="1200" kern="1200" dirty="0" smtClean="0">
                 <a:solidFill>
@@ -2899,10 +2431,8 @@
                 <a:ea typeface="+mn-ea"/>
                 <a:cs typeface="+mn-cs"/>
               </a:rPr>
-              <a:t>//View queries</a:t>
-            </a:r>
-          </a:p>
-          <a:p>
+              <a:t>Demo how to see connection info (</a:t>
+            </a:r>
             <a:r>
               <a:rPr lang="en-US" sz="1200" kern="1200" dirty="0" err="1" smtClean="0">
                 <a:solidFill>
@@ -2912,7 +2442,7 @@
                 <a:ea typeface="+mn-ea"/>
                 <a:cs typeface="+mn-cs"/>
               </a:rPr>
-              <a:t>context.Database.Log</a:t>
+              <a:t>wheres</a:t>
             </a:r>
             <a:r>
               <a:rPr lang="en-US" sz="1200" kern="1200" dirty="0" smtClean="0">
@@ -2923,10 +2453,12 @@
                 <a:ea typeface="+mn-ea"/>
                 <a:cs typeface="+mn-cs"/>
               </a:rPr>
-              <a:t> = s =&gt; </a:t>
-            </a:r>
-            <a:r>
-              <a:rPr lang="en-US" sz="1200" kern="1200" dirty="0" err="1" smtClean="0">
+              <a:t> our connect string coming from?!)</a:t>
+            </a:r>
+          </a:p>
+          <a:p>
+            <a:r>
+              <a:rPr lang="en-US" sz="1200" kern="1200" dirty="0" smtClean="0">
                 <a:solidFill>
                   <a:schemeClr val="tx1"/>
                 </a:solidFill>
@@ -2934,10 +2466,10 @@
                 <a:ea typeface="+mn-ea"/>
                 <a:cs typeface="+mn-cs"/>
               </a:rPr>
-              <a:t>Console.WriteLine</a:t>
-            </a:r>
-            <a:r>
-              <a:rPr lang="en-US" sz="1200" kern="1200" dirty="0" smtClean="0">
+              <a:t> </a:t>
+            </a:r>
+            <a:r>
+              <a:rPr lang="en-US" sz="1200" kern="1200" baseline="0" dirty="0" smtClean="0">
                 <a:solidFill>
                   <a:schemeClr val="tx1"/>
                 </a:solidFill>
@@ -2945,22 +2477,10 @@
                 <a:ea typeface="+mn-ea"/>
                 <a:cs typeface="+mn-cs"/>
               </a:rPr>
-              <a:t>(s);</a:t>
-            </a:r>
-          </a:p>
-          <a:p>
-            <a:endParaRPr lang="en-US" sz="1200" kern="1200" dirty="0" smtClean="0">
-              <a:solidFill>
-                <a:schemeClr val="tx1"/>
-              </a:solidFill>
-              <a:latin typeface="+mn-lt"/>
-              <a:ea typeface="+mn-ea"/>
-              <a:cs typeface="+mn-cs"/>
-            </a:endParaRPr>
-          </a:p>
-          <a:p>
-            <a:r>
-              <a:rPr lang="en-US" sz="1200" kern="1200" dirty="0" smtClean="0">
+              <a:t>               </a:t>
+            </a:r>
+            <a:r>
+              <a:rPr lang="en-US" sz="1200" kern="1200" dirty="0" err="1" smtClean="0">
                 <a:solidFill>
                   <a:schemeClr val="tx1"/>
                 </a:solidFill>
@@ -2968,12 +2488,10 @@
                 <a:ea typeface="+mn-ea"/>
                 <a:cs typeface="+mn-cs"/>
               </a:rPr>
-              <a:t>//Log connection</a:t>
-            </a:r>
-          </a:p>
-          <a:p>
-            <a:r>
-              <a:rPr lang="en-US" sz="1200" kern="1200" dirty="0" err="1" smtClean="0">
+              <a:t>context.Database.Log</a:t>
+            </a:r>
+            <a:r>
+              <a:rPr lang="en-US" sz="1200" kern="1200" dirty="0" smtClean="0">
                 <a:solidFill>
                   <a:schemeClr val="tx1"/>
                 </a:solidFill>
@@ -2981,10 +2499,10 @@
                 <a:ea typeface="+mn-ea"/>
                 <a:cs typeface="+mn-cs"/>
               </a:rPr>
-              <a:t>Console.WriteLine</a:t>
-            </a:r>
-            <a:r>
-              <a:rPr lang="en-US" sz="1200" kern="1200" dirty="0" smtClean="0">
+              <a:t> = s =&gt; </a:t>
+            </a:r>
+            <a:r>
+              <a:rPr lang="en-US" sz="1200" kern="1200" dirty="0" err="1" smtClean="0">
                 <a:solidFill>
                   <a:schemeClr val="tx1"/>
                 </a:solidFill>
@@ -2992,10 +2510,10 @@
                 <a:ea typeface="+mn-ea"/>
                 <a:cs typeface="+mn-cs"/>
               </a:rPr>
-              <a:t>(</a:t>
-            </a:r>
-            <a:r>
-              <a:rPr lang="en-US" sz="1200" kern="1200" dirty="0" err="1" smtClean="0">
+              <a:t>Console.WriteLine</a:t>
+            </a:r>
+            <a:r>
+              <a:rPr lang="en-US" sz="1200" kern="1200" dirty="0" smtClean="0">
                 <a:solidFill>
                   <a:schemeClr val="tx1"/>
                 </a:solidFill>
@@ -3003,8 +2521,10 @@
                 <a:ea typeface="+mn-ea"/>
                 <a:cs typeface="+mn-cs"/>
               </a:rPr>
-              <a:t>context.Database.Connection.ConnectionString</a:t>
-            </a:r>
+              <a:t>(s);</a:t>
+            </a:r>
+          </a:p>
+          <a:p>
             <a:r>
               <a:rPr lang="en-US" sz="1200" kern="1200" dirty="0" smtClean="0">
                 <a:solidFill>
@@ -3014,49 +2534,10 @@
                 <a:ea typeface="+mn-ea"/>
                 <a:cs typeface="+mn-cs"/>
               </a:rPr>
-              <a:t>);</a:t>
-            </a:r>
-          </a:p>
-          <a:p>
-            <a:endParaRPr lang="en-US" dirty="0" smtClean="0"/>
-          </a:p>
-          <a:p>
-            <a:r>
-              <a:rPr lang="en-US" dirty="0" smtClean="0"/>
-              <a:t>Using glimpse</a:t>
-            </a:r>
-          </a:p>
-          <a:p>
-            <a:r>
-              <a:rPr lang="en-US" dirty="0" smtClean="0"/>
-              <a:t>Install-package</a:t>
-            </a:r>
-            <a:r>
-              <a:rPr lang="en-US" baseline="0" dirty="0" smtClean="0"/>
-              <a:t> glimpse.mvc5</a:t>
-            </a:r>
-          </a:p>
-          <a:p>
-            <a:r>
-              <a:rPr lang="en-US" baseline="0" dirty="0" smtClean="0"/>
-              <a:t>install-package </a:t>
-            </a:r>
-            <a:r>
-              <a:rPr lang="en-US" baseline="0" dirty="0" err="1" smtClean="0"/>
-              <a:t>glimpse.entityframework</a:t>
-            </a:r>
-            <a:endParaRPr lang="en-US" baseline="0" dirty="0" smtClean="0"/>
-          </a:p>
-          <a:p>
-            <a:endParaRPr lang="en-US" baseline="0" dirty="0" smtClean="0"/>
-          </a:p>
-          <a:p>
-            <a:r>
-              <a:rPr lang="en-US" baseline="0" dirty="0" smtClean="0"/>
-              <a:t>Inside the </a:t>
-            </a:r>
-            <a:r>
-              <a:rPr lang="en-US" sz="1200" kern="1200" dirty="0" smtClean="0">
+              <a:t>                </a:t>
+            </a:r>
+            <a:r>
+              <a:rPr lang="en-US" sz="1200" kern="1200" dirty="0" err="1" smtClean="0">
                 <a:solidFill>
                   <a:schemeClr val="tx1"/>
                 </a:solidFill>
@@ -3064,10 +2545,10 @@
                 <a:ea typeface="+mn-ea"/>
                 <a:cs typeface="+mn-cs"/>
               </a:rPr>
-              <a:t>&lt;</a:t>
-            </a:r>
-            <a:r>
-              <a:rPr lang="en-US" sz="1200" kern="1200" dirty="0" err="1" smtClean="0">
+              <a:t>Console.WriteLine</a:t>
+            </a:r>
+            <a:r>
+              <a:rPr lang="en-US" sz="1200" kern="1200" dirty="0" smtClean="0">
                 <a:solidFill>
                   <a:schemeClr val="tx1"/>
                 </a:solidFill>
@@ -3075,10 +2556,10 @@
                 <a:ea typeface="+mn-ea"/>
                 <a:cs typeface="+mn-cs"/>
               </a:rPr>
-              <a:t>entityFramework</a:t>
-            </a:r>
-            <a:r>
-              <a:rPr lang="en-US" sz="1200" kern="1200" dirty="0" smtClean="0">
+              <a:t>(</a:t>
+            </a:r>
+            <a:r>
+              <a:rPr lang="en-US" sz="1200" kern="1200" dirty="0" err="1" smtClean="0">
                 <a:solidFill>
                   <a:schemeClr val="tx1"/>
                 </a:solidFill>
@@ -3086,12 +2567,38 @@
                 <a:ea typeface="+mn-ea"/>
                 <a:cs typeface="+mn-cs"/>
               </a:rPr>
-              <a:t>&gt; element</a:t>
+              <a:t>context.Database.Connection.ConnectionString</a:t>
+            </a:r>
+            <a:r>
+              <a:rPr lang="en-US" sz="1200" kern="1200" dirty="0" smtClean="0">
+                <a:solidFill>
+                  <a:schemeClr val="tx1"/>
+                </a:solidFill>
+                <a:latin typeface="+mn-lt"/>
+                <a:ea typeface="+mn-ea"/>
+                <a:cs typeface="+mn-cs"/>
+              </a:rPr>
+              <a:t>);</a:t>
             </a:r>
             <a:endParaRPr lang="en-US" baseline="0" dirty="0" smtClean="0"/>
           </a:p>
           <a:p>
-            <a:pPr rtl="0" fontAlgn="base"/>
+            <a:pPr marL="228600" indent="-228600">
+              <a:buAutoNum type="arabicPeriod"/>
+            </a:pPr>
+            <a:r>
+              <a:rPr lang="en-US" dirty="0" err="1" smtClean="0"/>
+              <a:t>Sql</a:t>
+            </a:r>
+            <a:r>
+              <a:rPr lang="en-US" dirty="0" smtClean="0"/>
+              <a:t> server object explorer</a:t>
+            </a:r>
+          </a:p>
+          <a:p>
+            <a:pPr marL="228600" indent="-228600">
+              <a:buAutoNum type="arabicPeriod"/>
+            </a:pPr>
             <a:r>
               <a:rPr lang="en-US" sz="1200" b="0" i="0" kern="1200" dirty="0" smtClean="0">
                 <a:solidFill>
@@ -3102,13 +2609,10 @@
                 <a:ea typeface="+mn-ea"/>
                 <a:cs typeface="+mn-cs"/>
               </a:rPr>
-              <a:t>&lt;interceptors&gt;</a:t>
-            </a:r>
-          </a:p>
-          <a:p>
-            <a:pPr rtl="0" fontAlgn="base"/>
-            <a:r>
-              <a:rPr lang="en-US" sz="1200" b="0" i="0" kern="1200" dirty="0" smtClean="0">
+              <a:t>(</a:t>
+            </a:r>
+            <a:r>
+              <a:rPr lang="en-US" sz="1200" b="0" i="0" kern="1200" dirty="0" err="1" smtClean="0">
                 <a:solidFill>
                   <a:schemeClr val="tx1"/>
                 </a:solidFill>
@@ -3117,10 +2621,10 @@
                 <a:ea typeface="+mn-ea"/>
                 <a:cs typeface="+mn-cs"/>
               </a:rPr>
-              <a:t>  &lt;interceptor type="</a:t>
-            </a:r>
-            <a:r>
-              <a:rPr lang="en-US" sz="1200" b="0" i="0" kern="1200" dirty="0" err="1" smtClean="0">
+              <a:t>localdb</a:t>
+            </a:r>
+            <a:r>
+              <a:rPr lang="en-US" sz="1200" b="0" i="0" kern="1200" dirty="0" smtClean="0">
                 <a:solidFill>
                   <a:schemeClr val="tx1"/>
                 </a:solidFill>
@@ -3129,10 +2633,10 @@
                 <a:ea typeface="+mn-ea"/>
                 <a:cs typeface="+mn-cs"/>
               </a:rPr>
-              <a:t>System.Data.Entity.Infrastructure.Interception.DatabaseLogger</a:t>
-            </a:r>
-            <a:r>
-              <a:rPr lang="en-US" sz="1200" b="0" i="0" kern="1200" dirty="0" smtClean="0">
+              <a:t>)\</a:t>
+            </a:r>
+            <a:r>
+              <a:rPr lang="en-US" sz="1200" b="0" i="0" kern="1200" dirty="0" err="1" smtClean="0">
                 <a:solidFill>
                   <a:schemeClr val="tx1"/>
                 </a:solidFill>
@@ -3141,10 +2645,10 @@
                 <a:ea typeface="+mn-ea"/>
                 <a:cs typeface="+mn-cs"/>
               </a:rPr>
-              <a:t>, </a:t>
-            </a:r>
-            <a:r>
-              <a:rPr lang="en-US" sz="1200" b="0" i="0" kern="1200" dirty="0" err="1" smtClean="0">
+              <a:t>MSSQLLocalDB</a:t>
+            </a:r>
+            <a:r>
+              <a:rPr lang="en-US" sz="1200" b="0" i="0" kern="1200" dirty="0" smtClean="0">
                 <a:solidFill>
                   <a:schemeClr val="tx1"/>
                 </a:solidFill>
@@ -3153,10 +2657,10 @@
                 <a:ea typeface="+mn-ea"/>
                 <a:cs typeface="+mn-cs"/>
               </a:rPr>
-              <a:t>EntityFramework</a:t>
-            </a:r>
-            <a:r>
-              <a:rPr lang="en-US" sz="1200" b="0" i="0" kern="1200" dirty="0" smtClean="0">
+              <a:t> (used as of v12</a:t>
+            </a:r>
+            <a:r>
+              <a:rPr lang="en-US" sz="1200" b="0" i="0" kern="1200" baseline="0" dirty="0" smtClean="0">
                 <a:solidFill>
                   <a:schemeClr val="tx1"/>
                 </a:solidFill>
@@ -3165,13 +2669,10 @@
                 <a:ea typeface="+mn-ea"/>
                 <a:cs typeface="+mn-cs"/>
               </a:rPr>
-              <a:t>"&gt;</a:t>
-            </a:r>
-          </a:p>
-          <a:p>
-            <a:pPr rtl="0" fontAlgn="base"/>
-            <a:r>
-              <a:rPr lang="en-US" sz="1200" b="0" i="0" kern="1200" dirty="0" smtClean="0">
+              <a:t> </a:t>
+            </a:r>
+            <a:r>
+              <a:rPr lang="en-US" sz="1200" b="0" i="0" kern="1200" baseline="0" dirty="0" err="1" smtClean="0">
                 <a:solidFill>
                   <a:schemeClr val="tx1"/>
                 </a:solidFill>
@@ -3180,13 +2681,10 @@
                 <a:ea typeface="+mn-ea"/>
                 <a:cs typeface="+mn-cs"/>
               </a:rPr>
-              <a:t>    &lt;parameters&gt;</a:t>
-            </a:r>
-          </a:p>
-          <a:p>
-            <a:pPr rtl="0" fontAlgn="base"/>
-            <a:r>
-              <a:rPr lang="en-US" sz="1200" b="0" i="0" kern="1200" dirty="0" smtClean="0">
+              <a:t>ie</a:t>
+            </a:r>
+            <a:r>
+              <a:rPr lang="en-US" sz="1200" b="0" i="0" kern="1200" baseline="0" dirty="0" smtClean="0">
                 <a:solidFill>
                   <a:schemeClr val="tx1"/>
                 </a:solidFill>
@@ -3195,13 +2693,10 @@
                 <a:ea typeface="+mn-ea"/>
                 <a:cs typeface="+mn-cs"/>
               </a:rPr>
-              <a:t>      &lt;parameter value=“MyAppsOutput.txt"/&gt;</a:t>
-            </a:r>
-          </a:p>
-          <a:p>
-            <a:pPr rtl="0" fontAlgn="base"/>
-            <a:r>
-              <a:rPr lang="en-US" sz="1200" b="0" i="0" kern="1200" dirty="0" smtClean="0">
+              <a:t> </a:t>
+            </a:r>
+            <a:r>
+              <a:rPr lang="en-US" sz="1200" b="0" i="0" kern="1200" baseline="0" dirty="0" err="1" smtClean="0">
                 <a:solidFill>
                   <a:schemeClr val="tx1"/>
                 </a:solidFill>
@@ -3210,10 +2705,10 @@
                 <a:ea typeface="+mn-ea"/>
                 <a:cs typeface="+mn-cs"/>
               </a:rPr>
-              <a:t>      &lt;parameter value="true" type="</a:t>
-            </a:r>
-            <a:r>
-              <a:rPr lang="en-US" sz="1200" b="0" i="0" kern="1200" dirty="0" err="1" smtClean="0">
+              <a:t>sql</a:t>
+            </a:r>
+            <a:r>
+              <a:rPr lang="en-US" sz="1200" b="0" i="0" kern="1200" baseline="0" dirty="0" smtClean="0">
                 <a:solidFill>
                   <a:schemeClr val="tx1"/>
                 </a:solidFill>
@@ -3222,73 +2717,301 @@
                 <a:ea typeface="+mn-ea"/>
                 <a:cs typeface="+mn-cs"/>
               </a:rPr>
-              <a:t>System.Boolean</a:t>
-            </a:r>
-            <a:r>
-              <a:rPr lang="en-US" sz="1200" b="0" i="0" kern="1200" dirty="0" smtClean="0">
-                <a:solidFill>
-                  <a:schemeClr val="tx1"/>
-                </a:solidFill>
-                <a:effectLst/>
-                <a:latin typeface="+mn-lt"/>
-                <a:ea typeface="+mn-ea"/>
-                <a:cs typeface="+mn-cs"/>
-              </a:rPr>
-              <a:t>"/&gt;</a:t>
-            </a:r>
-          </a:p>
-          <a:p>
-            <a:pPr rtl="0" fontAlgn="base"/>
-            <a:r>
-              <a:rPr lang="en-US" sz="1200" b="0" i="0" kern="1200" dirty="0" smtClean="0">
-                <a:solidFill>
-                  <a:schemeClr val="tx1"/>
-                </a:solidFill>
-                <a:effectLst/>
-                <a:latin typeface="+mn-lt"/>
-                <a:ea typeface="+mn-ea"/>
-                <a:cs typeface="+mn-cs"/>
-              </a:rPr>
-              <a:t>    &lt;/parameters&gt;</a:t>
-            </a:r>
-          </a:p>
-          <a:p>
-            <a:pPr rtl="0" fontAlgn="base"/>
-            <a:r>
-              <a:rPr lang="en-US" sz="1200" b="0" i="0" kern="1200" dirty="0" smtClean="0">
-                <a:solidFill>
-                  <a:schemeClr val="tx1"/>
-                </a:solidFill>
-                <a:effectLst/>
-                <a:latin typeface="+mn-lt"/>
-                <a:ea typeface="+mn-ea"/>
-                <a:cs typeface="+mn-cs"/>
-              </a:rPr>
-              <a:t>  &lt;/interceptor&gt;</a:t>
-            </a:r>
-          </a:p>
-          <a:p>
-            <a:pPr rtl="0" fontAlgn="base"/>
-            <a:r>
-              <a:rPr lang="en-US" sz="1200" b="0" i="0" kern="1200" dirty="0" smtClean="0">
-                <a:solidFill>
-                  <a:schemeClr val="tx1"/>
-                </a:solidFill>
-                <a:effectLst/>
-                <a:latin typeface="+mn-lt"/>
-                <a:ea typeface="+mn-ea"/>
-                <a:cs typeface="+mn-cs"/>
-              </a:rPr>
-              <a:t>&lt;/interceptors&gt;</a:t>
-            </a:r>
-          </a:p>
-          <a:p>
+              <a:t> 2014)</a:t>
+            </a:r>
+          </a:p>
+          <a:p>
+            <a:pPr marL="228600" indent="-228600">
+              <a:buAutoNum type="arabicPeriod"/>
+            </a:pPr>
+            <a:r>
+              <a:rPr lang="en-US" dirty="0" smtClean="0"/>
+              <a:t>(</a:t>
+            </a:r>
+            <a:r>
+              <a:rPr lang="en-US" dirty="0" err="1" smtClean="0"/>
+              <a:t>localdb</a:t>
+            </a:r>
+            <a:r>
+              <a:rPr lang="en-US" dirty="0" smtClean="0"/>
+              <a:t>)\\v11.0</a:t>
+            </a:r>
+          </a:p>
+          <a:p>
+            <a:pPr marL="0" indent="0">
+              <a:buNone/>
+            </a:pPr>
             <a:endParaRPr lang="en-US" dirty="0" smtClean="0"/>
           </a:p>
           <a:p>
+            <a:pPr marL="0" indent="0">
+              <a:buNone/>
+            </a:pPr>
+            <a:r>
+              <a:rPr lang="en-US" dirty="0" smtClean="0"/>
+              <a:t>What versions</a:t>
+            </a:r>
+            <a:r>
+              <a:rPr lang="en-US" baseline="0" dirty="0" smtClean="0"/>
+              <a:t> are on my machine?</a:t>
+            </a:r>
+          </a:p>
+          <a:p>
+            <a:pPr marL="0" indent="0">
+              <a:buNone/>
+            </a:pPr>
+            <a:r>
+              <a:rPr lang="en-US" dirty="0" smtClean="0"/>
+              <a:t>C:\Users\adam&gt; </a:t>
+            </a:r>
+            <a:r>
+              <a:rPr lang="en-US" dirty="0" err="1" smtClean="0"/>
+              <a:t>sqllocaldb</a:t>
+            </a:r>
+            <a:r>
+              <a:rPr lang="en-US" dirty="0" smtClean="0"/>
+              <a:t> v</a:t>
+            </a:r>
+          </a:p>
+          <a:p>
+            <a:pPr marL="0" indent="0">
+              <a:buNone/>
+            </a:pPr>
+            <a:r>
+              <a:rPr lang="en-US" dirty="0" smtClean="0"/>
+              <a:t>Microsoft SQL Server 2012 (11.0.3000.0)</a:t>
+            </a:r>
+          </a:p>
+          <a:p>
+            <a:pPr marL="0" indent="0">
+              <a:buNone/>
+            </a:pPr>
+            <a:r>
+              <a:rPr lang="en-US" dirty="0" smtClean="0"/>
+              <a:t>Microsoft SQL Server 2014 (12.0.2000.8)</a:t>
+            </a:r>
+          </a:p>
+          <a:p>
+            <a:pPr marL="0" indent="0">
+              <a:buNone/>
+            </a:pPr>
             <a:endParaRPr lang="en-US" dirty="0" smtClean="0"/>
           </a:p>
           <a:p>
+            <a:pPr marL="0" indent="0">
+              <a:buNone/>
+            </a:pPr>
+            <a:endParaRPr lang="en-US" dirty="0" smtClean="0"/>
+          </a:p>
+          <a:p>
+            <a:pPr marL="0" indent="0">
+              <a:buNone/>
+            </a:pPr>
+            <a:r>
+              <a:rPr lang="en-US" dirty="0" smtClean="0"/>
+              <a:t>Lets</a:t>
+            </a:r>
+            <a:r>
+              <a:rPr lang="en-US" baseline="0" dirty="0" smtClean="0"/>
+              <a:t> create a connection string for a local folder.</a:t>
+            </a:r>
+          </a:p>
+          <a:p>
+            <a:pPr marL="0" indent="0">
+              <a:buNone/>
+            </a:pPr>
+            <a:endParaRPr lang="en-US" baseline="0" dirty="0" smtClean="0"/>
+          </a:p>
+          <a:p>
+            <a:pPr marL="0" indent="0">
+              <a:buNone/>
+            </a:pPr>
+            <a:r>
+              <a:rPr lang="en-US" baseline="0" dirty="0" smtClean="0"/>
+              <a:t>Viewing SQL (one way) via </a:t>
+            </a:r>
+            <a:r>
+              <a:rPr lang="en-US" baseline="0" dirty="0" err="1" smtClean="0"/>
+              <a:t>sql</a:t>
+            </a:r>
+            <a:r>
+              <a:rPr lang="en-US" baseline="0" dirty="0" smtClean="0"/>
+              <a:t> connection manager and </a:t>
+            </a:r>
+            <a:r>
+              <a:rPr lang="en-US" baseline="0" dirty="0" err="1" smtClean="0"/>
+              <a:t>db</a:t>
+            </a:r>
+            <a:r>
+              <a:rPr lang="en-US" baseline="0" dirty="0" smtClean="0"/>
+              <a:t> project. Maybe show this in migrations?</a:t>
+            </a:r>
+          </a:p>
+          <a:p>
+            <a:pPr marL="0" indent="0">
+              <a:buNone/>
+            </a:pPr>
+            <a:endParaRPr lang="en-US" baseline="0" dirty="0" smtClean="0"/>
+          </a:p>
+          <a:p>
+            <a:pPr marL="0" indent="0">
+              <a:buNone/>
+            </a:pPr>
+            <a:r>
+              <a:rPr lang="en-US" dirty="0" err="1" smtClean="0"/>
+              <a:t>Database.SetInitializer</a:t>
+            </a:r>
+            <a:r>
+              <a:rPr lang="en-US" dirty="0" smtClean="0"/>
+              <a:t>&lt;</a:t>
+            </a:r>
+            <a:r>
+              <a:rPr lang="en-US" dirty="0" err="1" smtClean="0"/>
+              <a:t>MusicStoreContext</a:t>
+            </a:r>
+            <a:r>
+              <a:rPr lang="en-US" dirty="0" smtClean="0"/>
+              <a:t>&gt;(new </a:t>
+            </a:r>
+            <a:r>
+              <a:rPr lang="en-US" dirty="0" err="1" smtClean="0"/>
+              <a:t>CreateDatabaseIfNotExists</a:t>
+            </a:r>
+            <a:r>
+              <a:rPr lang="en-US" dirty="0" smtClean="0"/>
+              <a:t>&lt;</a:t>
+            </a:r>
+            <a:r>
+              <a:rPr lang="en-US" dirty="0" err="1" smtClean="0"/>
+              <a:t>MusicStoreContext</a:t>
+            </a:r>
+            <a:r>
+              <a:rPr lang="en-US" dirty="0" smtClean="0"/>
+              <a:t>&gt;());</a:t>
+            </a:r>
+          </a:p>
+          <a:p>
+            <a:pPr marL="0" indent="0">
+              <a:buNone/>
+            </a:pPr>
+            <a:endParaRPr lang="en-US" dirty="0" smtClean="0"/>
+          </a:p>
+          <a:p>
+            <a:pPr marL="0" indent="0">
+              <a:buNone/>
+            </a:pPr>
+            <a:endParaRPr lang="en-US" dirty="0" smtClean="0"/>
+          </a:p>
+          <a:p>
+            <a:pPr marL="0" indent="0">
+              <a:buNone/>
+            </a:pPr>
+            <a:endParaRPr lang="en-US" dirty="0" smtClean="0"/>
+          </a:p>
+          <a:p>
+            <a:pPr marL="0" indent="0">
+              <a:buNone/>
+            </a:pPr>
+            <a:r>
+              <a:rPr lang="en-US" dirty="0" smtClean="0"/>
+              <a:t>&lt;</a:t>
+            </a:r>
+            <a:r>
+              <a:rPr lang="en-US" dirty="0" err="1" smtClean="0"/>
+              <a:t>appSettings</a:t>
+            </a:r>
+            <a:r>
+              <a:rPr lang="en-US" dirty="0" smtClean="0"/>
+              <a:t>&gt;</a:t>
+            </a:r>
+          </a:p>
+          <a:p>
+            <a:pPr marL="0" indent="0">
+              <a:buNone/>
+            </a:pPr>
+            <a:r>
+              <a:rPr lang="en-US" dirty="0" smtClean="0"/>
+              <a:t>        &lt;add key="</a:t>
+            </a:r>
+            <a:r>
+              <a:rPr lang="en-US" dirty="0" err="1" smtClean="0"/>
+              <a:t>DatabaseInitializerForType</a:t>
+            </a:r>
+            <a:r>
+              <a:rPr lang="en-US" dirty="0" smtClean="0"/>
+              <a:t> </a:t>
+            </a:r>
+            <a:r>
+              <a:rPr lang="en-US" dirty="0" err="1" smtClean="0"/>
+              <a:t>SchoolDataLayer.SchoolDBContext</a:t>
+            </a:r>
+            <a:r>
+              <a:rPr lang="en-US" dirty="0" smtClean="0"/>
+              <a:t>, </a:t>
+            </a:r>
+            <a:r>
+              <a:rPr lang="en-US" dirty="0" err="1" smtClean="0"/>
+              <a:t>SchoolDataLayer</a:t>
+            </a:r>
+            <a:r>
+              <a:rPr lang="en-US" dirty="0" smtClean="0"/>
+              <a:t>"         </a:t>
+            </a:r>
+          </a:p>
+          <a:p>
+            <a:pPr marL="0" indent="0">
+              <a:buNone/>
+            </a:pPr>
+            <a:r>
+              <a:rPr lang="en-US" dirty="0" smtClean="0"/>
+              <a:t>            value="System.Data.Entity.DropCreateDatabaseAlways`1[[</a:t>
+            </a:r>
+            <a:r>
+              <a:rPr lang="en-US" dirty="0" err="1" smtClean="0"/>
+              <a:t>SchoolDataLayer.SchoolDBContext</a:t>
+            </a:r>
+            <a:r>
+              <a:rPr lang="en-US" dirty="0" smtClean="0"/>
+              <a:t>, </a:t>
+            </a:r>
+            <a:r>
+              <a:rPr lang="en-US" dirty="0" err="1" smtClean="0"/>
+              <a:t>SchoolDataLayer</a:t>
+            </a:r>
+            <a:r>
+              <a:rPr lang="en-US" dirty="0" smtClean="0"/>
+              <a:t>]], </a:t>
+            </a:r>
+            <a:r>
+              <a:rPr lang="en-US" dirty="0" err="1" smtClean="0"/>
+              <a:t>EntityFramework</a:t>
+            </a:r>
+            <a:r>
+              <a:rPr lang="en-US" dirty="0" smtClean="0"/>
+              <a:t>" /&gt;</a:t>
+            </a:r>
+          </a:p>
+          <a:p>
+            <a:pPr marL="0" indent="0">
+              <a:buNone/>
+            </a:pPr>
+            <a:r>
+              <a:rPr lang="en-US" dirty="0" smtClean="0"/>
+              <a:t>&lt;/</a:t>
+            </a:r>
+            <a:r>
+              <a:rPr lang="en-US" dirty="0" err="1" smtClean="0"/>
+              <a:t>appSettings</a:t>
+            </a:r>
+            <a:r>
+              <a:rPr lang="en-US" dirty="0" smtClean="0"/>
+              <a:t>&gt;</a:t>
+            </a:r>
+          </a:p>
+          <a:p>
+            <a:pPr marL="0" indent="0">
+              <a:buNone/>
+            </a:pPr>
             <a:endParaRPr lang="en-US" dirty="0"/>
           </a:p>
         </p:txBody>
@@ -3310,7 +3033,7 @@
           <a:p>
             <a:fld id="{4CFD207A-07DF-40AD-A916-9872E089CE7A}" type="slidenum">
               <a:rPr lang="en-US" smtClean="0"/>
-              <a:t>20</a:t>
+              <a:t>19</a:t>
             </a:fld>
             <a:endParaRPr lang="en-US" dirty="0"/>
           </a:p>
@@ -3319,7 +3042,7 @@
     </p:spTree>
     <p:extLst>
       <p:ext uri="{BB962C8B-B14F-4D97-AF65-F5344CB8AC3E}">
-        <p14:creationId xmlns:p14="http://schemas.microsoft.com/office/powerpoint/2010/main" val="997388523"/>
+        <p14:creationId xmlns:p14="http://schemas.microsoft.com/office/powerpoint/2010/main" val="2560931735"/>
       </p:ext>
     </p:extLst>
   </p:cSld>
@@ -3373,6 +3096,405 @@
           <a:bodyPr/>
           <a:lstStyle/>
           <a:p>
+            <a:r>
+              <a:rPr lang="en-US" sz="1200" kern="1200" dirty="0" smtClean="0">
+                <a:solidFill>
+                  <a:schemeClr val="tx1"/>
+                </a:solidFill>
+                <a:latin typeface="+mn-lt"/>
+                <a:ea typeface="+mn-ea"/>
+                <a:cs typeface="+mn-cs"/>
+              </a:rPr>
+              <a:t>//View queries</a:t>
+            </a:r>
+          </a:p>
+          <a:p>
+            <a:r>
+              <a:rPr lang="en-US" sz="1200" kern="1200" dirty="0" err="1" smtClean="0">
+                <a:solidFill>
+                  <a:schemeClr val="tx1"/>
+                </a:solidFill>
+                <a:latin typeface="+mn-lt"/>
+                <a:ea typeface="+mn-ea"/>
+                <a:cs typeface="+mn-cs"/>
+              </a:rPr>
+              <a:t>context.Database.Log</a:t>
+            </a:r>
+            <a:r>
+              <a:rPr lang="en-US" sz="1200" kern="1200" dirty="0" smtClean="0">
+                <a:solidFill>
+                  <a:schemeClr val="tx1"/>
+                </a:solidFill>
+                <a:latin typeface="+mn-lt"/>
+                <a:ea typeface="+mn-ea"/>
+                <a:cs typeface="+mn-cs"/>
+              </a:rPr>
+              <a:t> = s =&gt; </a:t>
+            </a:r>
+            <a:r>
+              <a:rPr lang="en-US" sz="1200" kern="1200" dirty="0" err="1" smtClean="0">
+                <a:solidFill>
+                  <a:schemeClr val="tx1"/>
+                </a:solidFill>
+                <a:latin typeface="+mn-lt"/>
+                <a:ea typeface="+mn-ea"/>
+                <a:cs typeface="+mn-cs"/>
+              </a:rPr>
+              <a:t>Console.WriteLine</a:t>
+            </a:r>
+            <a:r>
+              <a:rPr lang="en-US" sz="1200" kern="1200" dirty="0" smtClean="0">
+                <a:solidFill>
+                  <a:schemeClr val="tx1"/>
+                </a:solidFill>
+                <a:latin typeface="+mn-lt"/>
+                <a:ea typeface="+mn-ea"/>
+                <a:cs typeface="+mn-cs"/>
+              </a:rPr>
+              <a:t>(s);</a:t>
+            </a:r>
+          </a:p>
+          <a:p>
+            <a:endParaRPr lang="en-US" sz="1200" kern="1200" dirty="0" smtClean="0">
+              <a:solidFill>
+                <a:schemeClr val="tx1"/>
+              </a:solidFill>
+              <a:latin typeface="+mn-lt"/>
+              <a:ea typeface="+mn-ea"/>
+              <a:cs typeface="+mn-cs"/>
+            </a:endParaRPr>
+          </a:p>
+          <a:p>
+            <a:r>
+              <a:rPr lang="en-US" sz="1200" kern="1200" dirty="0" smtClean="0">
+                <a:solidFill>
+                  <a:schemeClr val="tx1"/>
+                </a:solidFill>
+                <a:latin typeface="+mn-lt"/>
+                <a:ea typeface="+mn-ea"/>
+                <a:cs typeface="+mn-cs"/>
+              </a:rPr>
+              <a:t>//Log connection</a:t>
+            </a:r>
+          </a:p>
+          <a:p>
+            <a:r>
+              <a:rPr lang="en-US" sz="1200" kern="1200" dirty="0" err="1" smtClean="0">
+                <a:solidFill>
+                  <a:schemeClr val="tx1"/>
+                </a:solidFill>
+                <a:latin typeface="+mn-lt"/>
+                <a:ea typeface="+mn-ea"/>
+                <a:cs typeface="+mn-cs"/>
+              </a:rPr>
+              <a:t>Console.WriteLine</a:t>
+            </a:r>
+            <a:r>
+              <a:rPr lang="en-US" sz="1200" kern="1200" dirty="0" smtClean="0">
+                <a:solidFill>
+                  <a:schemeClr val="tx1"/>
+                </a:solidFill>
+                <a:latin typeface="+mn-lt"/>
+                <a:ea typeface="+mn-ea"/>
+                <a:cs typeface="+mn-cs"/>
+              </a:rPr>
+              <a:t>(</a:t>
+            </a:r>
+            <a:r>
+              <a:rPr lang="en-US" sz="1200" kern="1200" dirty="0" err="1" smtClean="0">
+                <a:solidFill>
+                  <a:schemeClr val="tx1"/>
+                </a:solidFill>
+                <a:latin typeface="+mn-lt"/>
+                <a:ea typeface="+mn-ea"/>
+                <a:cs typeface="+mn-cs"/>
+              </a:rPr>
+              <a:t>context.Database.Connection.ConnectionString</a:t>
+            </a:r>
+            <a:r>
+              <a:rPr lang="en-US" sz="1200" kern="1200" dirty="0" smtClean="0">
+                <a:solidFill>
+                  <a:schemeClr val="tx1"/>
+                </a:solidFill>
+                <a:latin typeface="+mn-lt"/>
+                <a:ea typeface="+mn-ea"/>
+                <a:cs typeface="+mn-cs"/>
+              </a:rPr>
+              <a:t>);</a:t>
+            </a:r>
+          </a:p>
+          <a:p>
+            <a:endParaRPr lang="en-US" dirty="0" smtClean="0"/>
+          </a:p>
+          <a:p>
+            <a:r>
+              <a:rPr lang="en-US" dirty="0" smtClean="0"/>
+              <a:t>Using glimpse</a:t>
+            </a:r>
+          </a:p>
+          <a:p>
+            <a:r>
+              <a:rPr lang="en-US" dirty="0" smtClean="0"/>
+              <a:t>Install-package</a:t>
+            </a:r>
+            <a:r>
+              <a:rPr lang="en-US" baseline="0" dirty="0" smtClean="0"/>
+              <a:t> glimpse.mvc5</a:t>
+            </a:r>
+          </a:p>
+          <a:p>
+            <a:r>
+              <a:rPr lang="en-US" baseline="0" dirty="0" smtClean="0"/>
+              <a:t>install-package </a:t>
+            </a:r>
+            <a:r>
+              <a:rPr lang="en-US" baseline="0" dirty="0" err="1" smtClean="0"/>
+              <a:t>glimpse.entityframework</a:t>
+            </a:r>
+            <a:endParaRPr lang="en-US" baseline="0" dirty="0" smtClean="0"/>
+          </a:p>
+          <a:p>
+            <a:endParaRPr lang="en-US" baseline="0" dirty="0" smtClean="0"/>
+          </a:p>
+          <a:p>
+            <a:r>
+              <a:rPr lang="en-US" baseline="0" dirty="0" smtClean="0"/>
+              <a:t>Inside the </a:t>
+            </a:r>
+            <a:r>
+              <a:rPr lang="en-US" sz="1200" kern="1200" dirty="0" smtClean="0">
+                <a:solidFill>
+                  <a:schemeClr val="tx1"/>
+                </a:solidFill>
+                <a:latin typeface="+mn-lt"/>
+                <a:ea typeface="+mn-ea"/>
+                <a:cs typeface="+mn-cs"/>
+              </a:rPr>
+              <a:t>&lt;</a:t>
+            </a:r>
+            <a:r>
+              <a:rPr lang="en-US" sz="1200" kern="1200" dirty="0" err="1" smtClean="0">
+                <a:solidFill>
+                  <a:schemeClr val="tx1"/>
+                </a:solidFill>
+                <a:latin typeface="+mn-lt"/>
+                <a:ea typeface="+mn-ea"/>
+                <a:cs typeface="+mn-cs"/>
+              </a:rPr>
+              <a:t>entityFramework</a:t>
+            </a:r>
+            <a:r>
+              <a:rPr lang="en-US" sz="1200" kern="1200" dirty="0" smtClean="0">
+                <a:solidFill>
+                  <a:schemeClr val="tx1"/>
+                </a:solidFill>
+                <a:latin typeface="+mn-lt"/>
+                <a:ea typeface="+mn-ea"/>
+                <a:cs typeface="+mn-cs"/>
+              </a:rPr>
+              <a:t>&gt; element</a:t>
+            </a:r>
+            <a:endParaRPr lang="en-US" baseline="0" dirty="0" smtClean="0"/>
+          </a:p>
+          <a:p>
+            <a:pPr rtl="0" fontAlgn="base"/>
+            <a:r>
+              <a:rPr lang="en-US" sz="1200" b="0" i="0" kern="1200" dirty="0" smtClean="0">
+                <a:solidFill>
+                  <a:schemeClr val="tx1"/>
+                </a:solidFill>
+                <a:effectLst/>
+                <a:latin typeface="+mn-lt"/>
+                <a:ea typeface="+mn-ea"/>
+                <a:cs typeface="+mn-cs"/>
+              </a:rPr>
+              <a:t>&lt;interceptors&gt;</a:t>
+            </a:r>
+          </a:p>
+          <a:p>
+            <a:pPr rtl="0" fontAlgn="base"/>
+            <a:r>
+              <a:rPr lang="en-US" sz="1200" b="0" i="0" kern="1200" dirty="0" smtClean="0">
+                <a:solidFill>
+                  <a:schemeClr val="tx1"/>
+                </a:solidFill>
+                <a:effectLst/>
+                <a:latin typeface="+mn-lt"/>
+                <a:ea typeface="+mn-ea"/>
+                <a:cs typeface="+mn-cs"/>
+              </a:rPr>
+              <a:t>  &lt;interceptor type="</a:t>
+            </a:r>
+            <a:r>
+              <a:rPr lang="en-US" sz="1200" b="0" i="0" kern="1200" dirty="0" err="1" smtClean="0">
+                <a:solidFill>
+                  <a:schemeClr val="tx1"/>
+                </a:solidFill>
+                <a:effectLst/>
+                <a:latin typeface="+mn-lt"/>
+                <a:ea typeface="+mn-ea"/>
+                <a:cs typeface="+mn-cs"/>
+              </a:rPr>
+              <a:t>System.Data.Entity.Infrastructure.Interception.DatabaseLogger</a:t>
+            </a:r>
+            <a:r>
+              <a:rPr lang="en-US" sz="1200" b="0" i="0" kern="1200" dirty="0" smtClean="0">
+                <a:solidFill>
+                  <a:schemeClr val="tx1"/>
+                </a:solidFill>
+                <a:effectLst/>
+                <a:latin typeface="+mn-lt"/>
+                <a:ea typeface="+mn-ea"/>
+                <a:cs typeface="+mn-cs"/>
+              </a:rPr>
+              <a:t>, </a:t>
+            </a:r>
+            <a:r>
+              <a:rPr lang="en-US" sz="1200" b="0" i="0" kern="1200" dirty="0" err="1" smtClean="0">
+                <a:solidFill>
+                  <a:schemeClr val="tx1"/>
+                </a:solidFill>
+                <a:effectLst/>
+                <a:latin typeface="+mn-lt"/>
+                <a:ea typeface="+mn-ea"/>
+                <a:cs typeface="+mn-cs"/>
+              </a:rPr>
+              <a:t>EntityFramework</a:t>
+            </a:r>
+            <a:r>
+              <a:rPr lang="en-US" sz="1200" b="0" i="0" kern="1200" dirty="0" smtClean="0">
+                <a:solidFill>
+                  <a:schemeClr val="tx1"/>
+                </a:solidFill>
+                <a:effectLst/>
+                <a:latin typeface="+mn-lt"/>
+                <a:ea typeface="+mn-ea"/>
+                <a:cs typeface="+mn-cs"/>
+              </a:rPr>
+              <a:t>"&gt;</a:t>
+            </a:r>
+          </a:p>
+          <a:p>
+            <a:pPr rtl="0" fontAlgn="base"/>
+            <a:r>
+              <a:rPr lang="en-US" sz="1200" b="0" i="0" kern="1200" dirty="0" smtClean="0">
+                <a:solidFill>
+                  <a:schemeClr val="tx1"/>
+                </a:solidFill>
+                <a:effectLst/>
+                <a:latin typeface="+mn-lt"/>
+                <a:ea typeface="+mn-ea"/>
+                <a:cs typeface="+mn-cs"/>
+              </a:rPr>
+              <a:t>    &lt;parameters&gt;</a:t>
+            </a:r>
+          </a:p>
+          <a:p>
+            <a:pPr rtl="0" fontAlgn="base"/>
+            <a:r>
+              <a:rPr lang="en-US" sz="1200" b="0" i="0" kern="1200" dirty="0" smtClean="0">
+                <a:solidFill>
+                  <a:schemeClr val="tx1"/>
+                </a:solidFill>
+                <a:effectLst/>
+                <a:latin typeface="+mn-lt"/>
+                <a:ea typeface="+mn-ea"/>
+                <a:cs typeface="+mn-cs"/>
+              </a:rPr>
+              <a:t>      &lt;parameter value=“MyAppsOutput.txt"/&gt;</a:t>
+            </a:r>
+          </a:p>
+          <a:p>
+            <a:pPr rtl="0" fontAlgn="base"/>
+            <a:r>
+              <a:rPr lang="en-US" sz="1200" b="0" i="0" kern="1200" dirty="0" smtClean="0">
+                <a:solidFill>
+                  <a:schemeClr val="tx1"/>
+                </a:solidFill>
+                <a:effectLst/>
+                <a:latin typeface="+mn-lt"/>
+                <a:ea typeface="+mn-ea"/>
+                <a:cs typeface="+mn-cs"/>
+              </a:rPr>
+              <a:t>      &lt;parameter value="true" type="</a:t>
+            </a:r>
+            <a:r>
+              <a:rPr lang="en-US" sz="1200" b="0" i="0" kern="1200" dirty="0" err="1" smtClean="0">
+                <a:solidFill>
+                  <a:schemeClr val="tx1"/>
+                </a:solidFill>
+                <a:effectLst/>
+                <a:latin typeface="+mn-lt"/>
+                <a:ea typeface="+mn-ea"/>
+                <a:cs typeface="+mn-cs"/>
+              </a:rPr>
+              <a:t>System.Boolean</a:t>
+            </a:r>
+            <a:r>
+              <a:rPr lang="en-US" sz="1200" b="0" i="0" kern="1200" dirty="0" smtClean="0">
+                <a:solidFill>
+                  <a:schemeClr val="tx1"/>
+                </a:solidFill>
+                <a:effectLst/>
+                <a:latin typeface="+mn-lt"/>
+                <a:ea typeface="+mn-ea"/>
+                <a:cs typeface="+mn-cs"/>
+              </a:rPr>
+              <a:t>"/&gt;</a:t>
+            </a:r>
+          </a:p>
+          <a:p>
+            <a:pPr rtl="0" fontAlgn="base"/>
+            <a:r>
+              <a:rPr lang="en-US" sz="1200" b="0" i="0" kern="1200" dirty="0" smtClean="0">
+                <a:solidFill>
+                  <a:schemeClr val="tx1"/>
+                </a:solidFill>
+                <a:effectLst/>
+                <a:latin typeface="+mn-lt"/>
+                <a:ea typeface="+mn-ea"/>
+                <a:cs typeface="+mn-cs"/>
+              </a:rPr>
+              <a:t>    &lt;/parameters&gt;</a:t>
+            </a:r>
+          </a:p>
+          <a:p>
+            <a:pPr rtl="0" fontAlgn="base"/>
+            <a:r>
+              <a:rPr lang="en-US" sz="1200" b="0" i="0" kern="1200" dirty="0" smtClean="0">
+                <a:solidFill>
+                  <a:schemeClr val="tx1"/>
+                </a:solidFill>
+                <a:effectLst/>
+                <a:latin typeface="+mn-lt"/>
+                <a:ea typeface="+mn-ea"/>
+                <a:cs typeface="+mn-cs"/>
+              </a:rPr>
+              <a:t>  &lt;/interceptor&gt;</a:t>
+            </a:r>
+          </a:p>
+          <a:p>
+            <a:pPr rtl="0" fontAlgn="base"/>
+            <a:r>
+              <a:rPr lang="en-US" sz="1200" b="0" i="0" kern="1200" dirty="0" smtClean="0">
+                <a:solidFill>
+                  <a:schemeClr val="tx1"/>
+                </a:solidFill>
+                <a:effectLst/>
+                <a:latin typeface="+mn-lt"/>
+                <a:ea typeface="+mn-ea"/>
+                <a:cs typeface="+mn-cs"/>
+              </a:rPr>
+              <a:t>&lt;/interceptors&gt;</a:t>
+            </a:r>
+          </a:p>
+          <a:p>
+            <a:endParaRPr lang="en-US" dirty="0" smtClean="0"/>
+          </a:p>
+          <a:p>
+            <a:endParaRPr lang="en-US" dirty="0" smtClean="0"/>
+          </a:p>
+          <a:p>
             <a:endParaRPr lang="en-US" dirty="0"/>
           </a:p>
         </p:txBody>
@@ -3394,7 +3516,7 @@
           <a:p>
             <a:fld id="{4CFD207A-07DF-40AD-A916-9872E089CE7A}" type="slidenum">
               <a:rPr lang="en-US" smtClean="0"/>
-              <a:t>21</a:t>
+              <a:t>20</a:t>
             </a:fld>
             <a:endParaRPr lang="en-US" dirty="0"/>
           </a:p>
@@ -3403,7 +3525,7 @@
     </p:spTree>
     <p:extLst>
       <p:ext uri="{BB962C8B-B14F-4D97-AF65-F5344CB8AC3E}">
-        <p14:creationId xmlns:p14="http://schemas.microsoft.com/office/powerpoint/2010/main" val="2520240092"/>
+        <p14:creationId xmlns:p14="http://schemas.microsoft.com/office/powerpoint/2010/main" val="997388523"/>
       </p:ext>
     </p:extLst>
   </p:cSld>
@@ -3488,7 +3610,7 @@
     </p:spTree>
     <p:extLst>
       <p:ext uri="{BB962C8B-B14F-4D97-AF65-F5344CB8AC3E}">
-        <p14:creationId xmlns:p14="http://schemas.microsoft.com/office/powerpoint/2010/main" val="3307750677"/>
+        <p14:creationId xmlns:p14="http://schemas.microsoft.com/office/powerpoint/2010/main" val="2821245544"/>
       </p:ext>
     </p:extLst>
   </p:cSld>
@@ -3542,6 +3664,90 @@
           <a:bodyPr/>
           <a:lstStyle/>
           <a:p>
+            <a:endParaRPr lang="en-US" dirty="0"/>
+          </a:p>
+        </p:txBody>
+      </p:sp>
+      <p:sp>
+        <p:nvSpPr>
+          <p:cNvPr id="4" name="Slide Number Placeholder 3"/>
+          <p:cNvSpPr>
+            <a:spLocks noGrp="1"/>
+          </p:cNvSpPr>
+          <p:nvPr>
+            <p:ph type="sldNum" sz="quarter" idx="10"/>
+          </p:nvPr>
+        </p:nvSpPr>
+        <p:spPr/>
+        <p:txBody>
+          <a:bodyPr/>
+          <a:lstStyle/>
+          <a:p>
+            <a:fld id="{4CFD207A-07DF-40AD-A916-9872E089CE7A}" type="slidenum">
+              <a:rPr lang="en-US" smtClean="0"/>
+              <a:t>21</a:t>
+            </a:fld>
+            <a:endParaRPr lang="en-US" dirty="0"/>
+          </a:p>
+        </p:txBody>
+      </p:sp>
+    </p:spTree>
+    <p:extLst>
+      <p:ext uri="{BB962C8B-B14F-4D97-AF65-F5344CB8AC3E}">
+        <p14:creationId xmlns:p14="http://schemas.microsoft.com/office/powerpoint/2010/main" val="2520240092"/>
+      </p:ext>
+    </p:extLst>
+  </p:cSld>
+  <p:clrMapOvr>
+    <a:masterClrMapping/>
+  </p:clrMapOvr>
+</p:notes>
+</file>
+
+<file path=ppt/notesSlides/notesSlide21.xml><?xml version="1.0" encoding="utf-8"?>
+<p:notes xmlns:a="http://schemas.openxmlformats.org/drawingml/2006/main" xmlns:r="http://schemas.openxmlformats.org/officeDocument/2006/relationships" xmlns:p="http://schemas.openxmlformats.org/presentationml/2006/main">
+  <p:cSld>
+    <p:spTree>
+      <p:nvGrpSpPr>
+        <p:cNvPr id="1" name=""/>
+        <p:cNvGrpSpPr/>
+        <p:nvPr/>
+      </p:nvGrpSpPr>
+      <p:grpSpPr>
+        <a:xfrm>
+          <a:off x="0" y="0"/>
+          <a:ext cx="0" cy="0"/>
+          <a:chOff x="0" y="0"/>
+          <a:chExt cx="0" cy="0"/>
+        </a:xfrm>
+      </p:grpSpPr>
+      <p:sp>
+        <p:nvSpPr>
+          <p:cNvPr id="2" name="Slide Image Placeholder 1"/>
+          <p:cNvSpPr>
+            <a:spLocks noGrp="1" noRot="1" noChangeAspect="1"/>
+          </p:cNvSpPr>
+          <p:nvPr>
+            <p:ph type="sldImg"/>
+          </p:nvPr>
+        </p:nvSpPr>
+        <p:spPr/>
+      </p:sp>
+      <p:sp>
+        <p:nvSpPr>
+          <p:cNvPr id="3" name="Notes Placeholder 2"/>
+          <p:cNvSpPr>
+            <a:spLocks noGrp="1"/>
+          </p:cNvSpPr>
+          <p:nvPr>
+            <p:ph type="body" idx="1"/>
+          </p:nvPr>
+        </p:nvSpPr>
+        <p:spPr/>
+        <p:txBody>
+          <a:bodyPr/>
+          <a:lstStyle/>
+          <a:p>
             <a:pPr marL="228600" indent="-228600">
               <a:buAutoNum type="arabicPeriod"/>
             </a:pPr>
@@ -3554,7 +3760,7 @@
                 <a:ea typeface="+mn-ea"/>
                 <a:cs typeface="+mn-cs"/>
               </a:rPr>
-              <a:t>Look briefly at dialog</a:t>
+              <a:t>Look briefly at </a:t>
             </a:r>
             <a:r>
               <a:rPr lang="en-US" sz="1200" kern="1200" baseline="0" dirty="0" smtClean="0">
@@ -3565,16 +3771,8 @@
                 <a:ea typeface="+mn-ea"/>
                 <a:cs typeface="+mn-cs"/>
               </a:rPr>
-              <a:t>.= via </a:t>
-            </a:r>
-            <a:endParaRPr lang="en-US" sz="1200" kern="1200" baseline="0" dirty="0" smtClean="0">
-              <a:solidFill>
-                <a:schemeClr val="tx1"/>
-              </a:solidFill>
-              <a:latin typeface="+mn-lt"/>
-              <a:ea typeface="+mn-ea"/>
-              <a:cs typeface="+mn-cs"/>
-            </a:endParaRPr>
+              <a:t>dialog</a:t>
+            </a:r>
           </a:p>
           <a:p>
             <a:pPr marL="228600" indent="-228600">
@@ -3589,7 +3787,7 @@
                 <a:ea typeface="+mn-ea"/>
                 <a:cs typeface="+mn-cs"/>
               </a:rPr>
-              <a:t>Choose an existing database with </a:t>
+              <a:t>Choose </a:t>
             </a:r>
             <a:r>
               <a:rPr lang="en-US" sz="1200" kern="1200" baseline="0" dirty="0" smtClean="0">
@@ -3600,7 +3798,7 @@
                 <a:ea typeface="+mn-ea"/>
                 <a:cs typeface="+mn-cs"/>
               </a:rPr>
-              <a:t>music store information </a:t>
+              <a:t>an existing database with music store information in </a:t>
             </a:r>
             <a:r>
               <a:rPr lang="en-US" sz="1200" kern="1200" baseline="0" dirty="0" smtClean="0">
@@ -3611,8 +3809,35 @@
                 <a:ea typeface="+mn-ea"/>
                 <a:cs typeface="+mn-cs"/>
               </a:rPr>
-              <a:t>in it</a:t>
-            </a:r>
+              <a:t>it and reverse engineer it. Will revisit on fluent </a:t>
+            </a:r>
+            <a:r>
+              <a:rPr lang="en-US" sz="1200" kern="1200" baseline="0" dirty="0" err="1" smtClean="0">
+                <a:solidFill>
+                  <a:schemeClr val="tx1"/>
+                </a:solidFill>
+                <a:latin typeface="+mn-lt"/>
+                <a:ea typeface="+mn-ea"/>
+                <a:cs typeface="+mn-cs"/>
+              </a:rPr>
+              <a:t>api</a:t>
+            </a:r>
+            <a:r>
+              <a:rPr lang="en-US" sz="1200" kern="1200" baseline="0" dirty="0" smtClean="0">
+                <a:solidFill>
+                  <a:schemeClr val="tx1"/>
+                </a:solidFill>
+                <a:latin typeface="+mn-lt"/>
+                <a:ea typeface="+mn-ea"/>
+                <a:cs typeface="+mn-cs"/>
+              </a:rPr>
+              <a:t>?</a:t>
+            </a:r>
+          </a:p>
+          <a:p>
+            <a:pPr marL="228600" indent="-228600">
+              <a:buAutoNum type="arabicPeriod"/>
+            </a:pPr>
             <a:endParaRPr lang="en-US" sz="1200" kern="1200" dirty="0" smtClean="0">
               <a:solidFill>
                 <a:schemeClr val="tx1"/>
@@ -3687,12 +3912,26 @@
             <p:ph type="sldImg"/>
           </p:nvPr>
         </p:nvSpPr>
-        <p:spPr>
-          <a:xfrm>
-            <a:off x="381000" y="685800"/>
-            <a:ext cx="6096000" cy="3429000"/>
-          </a:xfrm>
-        </p:spPr>
+        <p:spPr/>
+      </p:sp>
+      <p:sp>
+        <p:nvSpPr>
+          <p:cNvPr id="3" name="Notes Placeholder 2"/>
+          <p:cNvSpPr>
+            <a:spLocks noGrp="1"/>
+          </p:cNvSpPr>
+          <p:nvPr>
+            <p:ph type="body" idx="1"/>
+          </p:nvPr>
+        </p:nvSpPr>
+        <p:spPr/>
+        <p:txBody>
+          <a:bodyPr/>
+          <a:lstStyle/>
+          <a:p>
+            <a:endParaRPr lang="en-US" dirty="0"/>
+          </a:p>
+        </p:txBody>
       </p:sp>
       <p:sp>
         <p:nvSpPr>
@@ -3718,29 +3957,10 @@
           </a:p>
         </p:txBody>
       </p:sp>
-      <p:sp>
-        <p:nvSpPr>
-          <p:cNvPr id="3" name="Notes Placeholder 2"/>
-          <p:cNvSpPr>
-            <a:spLocks noGrp="1"/>
-          </p:cNvSpPr>
-          <p:nvPr>
-            <p:ph type="body" idx="1"/>
-          </p:nvPr>
-        </p:nvSpPr>
-        <p:spPr/>
-        <p:txBody>
-          <a:bodyPr/>
-          <a:lstStyle/>
-          <a:p>
-            <a:endParaRPr lang="en-US" dirty="0"/>
-          </a:p>
-        </p:txBody>
-      </p:sp>
     </p:spTree>
     <p:extLst>
       <p:ext uri="{BB962C8B-B14F-4D97-AF65-F5344CB8AC3E}">
-        <p14:creationId xmlns:p14="http://schemas.microsoft.com/office/powerpoint/2010/main" val="184238343"/>
+        <p14:creationId xmlns:p14="http://schemas.microsoft.com/office/powerpoint/2010/main" val="3307750677"/>
       </p:ext>
     </p:extLst>
   </p:cSld>
@@ -3777,7 +3997,36 @@
             <p:ph type="sldImg"/>
           </p:nvPr>
         </p:nvSpPr>
+        <p:spPr>
+          <a:xfrm>
+            <a:off x="381000" y="685800"/>
+            <a:ext cx="6096000" cy="3429000"/>
+          </a:xfrm>
+        </p:spPr>
+      </p:sp>
+      <p:sp>
+        <p:nvSpPr>
+          <p:cNvPr id="4" name="Slide Number Placeholder 3"/>
+          <p:cNvSpPr>
+            <a:spLocks noGrp="1"/>
+          </p:cNvSpPr>
+          <p:nvPr>
+            <p:ph type="sldNum" sz="quarter" idx="10"/>
+          </p:nvPr>
+        </p:nvSpPr>
         <p:spPr/>
+        <p:txBody>
+          <a:bodyPr/>
+          <a:lstStyle/>
+          <a:p>
+            <a:fld id="{13F0F35F-DD44-4607-AEC1-49D7A4BC4066}" type="slidenum">
+              <a:rPr lang="en-US" smtClean="0"/>
+              <a:pPr/>
+              <a:t>4</a:t>
+            </a:fld>
+            <a:endParaRPr lang="en-US" dirty="0"/>
+          </a:p>
+        </p:txBody>
       </p:sp>
       <p:sp>
         <p:nvSpPr>
@@ -3791,40 +4040,9 @@
         </p:nvSpPr>
         <p:spPr/>
         <p:txBody>
-          <a:bodyPr>
-            <a:noAutofit/>
-          </a:bodyPr>
-          <a:lstStyle/>
-          <a:p>
-            <a:endParaRPr lang="en-GB" dirty="0">
-              <a:solidFill>
-                <a:schemeClr val="tx2"/>
-              </a:solidFill>
-              <a:latin typeface="Segoe" pitchFamily="34" charset="0"/>
-            </a:endParaRPr>
-          </a:p>
-        </p:txBody>
-      </p:sp>
-      <p:sp>
-        <p:nvSpPr>
-          <p:cNvPr id="4" name="Slide Number Placeholder 3"/>
-          <p:cNvSpPr>
-            <a:spLocks noGrp="1"/>
-          </p:cNvSpPr>
-          <p:nvPr>
-            <p:ph type="sldNum" sz="quarter" idx="10"/>
-          </p:nvPr>
-        </p:nvSpPr>
-        <p:spPr/>
-        <p:txBody>
           <a:bodyPr/>
           <a:lstStyle/>
           <a:p>
-            <a:fld id="{13F0F35F-DD44-4607-AEC1-49D7A4BC4066}" type="slidenum">
-              <a:rPr lang="en-US" smtClean="0"/>
-              <a:pPr/>
-              <a:t>4</a:t>
-            </a:fld>
             <a:endParaRPr lang="en-US" dirty="0"/>
           </a:p>
         </p:txBody>
@@ -3832,7 +4050,7 @@
     </p:spTree>
     <p:extLst>
       <p:ext uri="{BB962C8B-B14F-4D97-AF65-F5344CB8AC3E}">
-        <p14:creationId xmlns:p14="http://schemas.microsoft.com/office/powerpoint/2010/main" val="3597947551"/>
+        <p14:creationId xmlns:p14="http://schemas.microsoft.com/office/powerpoint/2010/main" val="184238343"/>
       </p:ext>
     </p:extLst>
   </p:cSld>
@@ -3883,10 +4101,17 @@
         </p:nvSpPr>
         <p:spPr/>
         <p:txBody>
-          <a:bodyPr/>
+          <a:bodyPr>
+            <a:noAutofit/>
+          </a:bodyPr>
           <a:lstStyle/>
           <a:p>
-            <a:endParaRPr lang="en-US" dirty="0"/>
+            <a:endParaRPr lang="en-GB" dirty="0">
+              <a:solidFill>
+                <a:schemeClr val="tx2"/>
+              </a:solidFill>
+              <a:latin typeface="Segoe" pitchFamily="34" charset="0"/>
+            </a:endParaRPr>
           </a:p>
         </p:txBody>
       </p:sp>
@@ -3905,8 +4130,9 @@
           <a:bodyPr/>
           <a:lstStyle/>
           <a:p>
-            <a:fld id="{4CFD207A-07DF-40AD-A916-9872E089CE7A}" type="slidenum">
+            <a:fld id="{13F0F35F-DD44-4607-AEC1-49D7A4BC4066}" type="slidenum">
               <a:rPr lang="en-US" smtClean="0"/>
+              <a:pPr/>
               <a:t>5</a:t>
             </a:fld>
             <a:endParaRPr lang="en-US" dirty="0"/>
@@ -3916,7 +4142,7 @@
     </p:spTree>
     <p:extLst>
       <p:ext uri="{BB962C8B-B14F-4D97-AF65-F5344CB8AC3E}">
-        <p14:creationId xmlns:p14="http://schemas.microsoft.com/office/powerpoint/2010/main" val="3390353495"/>
+        <p14:creationId xmlns:p14="http://schemas.microsoft.com/office/powerpoint/2010/main" val="3597947551"/>
       </p:ext>
     </p:extLst>
   </p:cSld>
@@ -3970,29 +4196,6 @@
           <a:bodyPr/>
           <a:lstStyle/>
           <a:p>
-            <a:pPr marL="0" marR="0" indent="0" algn="l" defTabSz="914400" rtl="0" eaLnBrk="1" fontAlgn="auto" latinLnBrk="0" hangingPunct="1">
-              <a:lnSpc>
-                <a:spcPct val="100000"/>
-              </a:lnSpc>
-              <a:spcBef>
-                <a:spcPts val="0"/>
-              </a:spcBef>
-              <a:spcAft>
-                <a:spcPts val="0"/>
-              </a:spcAft>
-              <a:buClrTx/>
-              <a:buSzTx/>
-              <a:buFontTx/>
-              <a:buNone/>
-              <a:tabLst/>
-              <a:defRPr/>
-            </a:pPr>
-            <a:r>
-              <a:rPr lang="en-US" dirty="0" smtClean="0"/>
-              <a:t>Some places now use three factor!</a:t>
-            </a:r>
-          </a:p>
-          <a:p>
             <a:endParaRPr lang="en-US" dirty="0"/>
           </a:p>
         </p:txBody>
@@ -4023,7 +4226,7 @@
     </p:spTree>
     <p:extLst>
       <p:ext uri="{BB962C8B-B14F-4D97-AF65-F5344CB8AC3E}">
-        <p14:creationId xmlns:p14="http://schemas.microsoft.com/office/powerpoint/2010/main" val="353902637"/>
+        <p14:creationId xmlns:p14="http://schemas.microsoft.com/office/powerpoint/2010/main" val="3390353495"/>
       </p:ext>
     </p:extLst>
   </p:cSld>
@@ -4077,44 +4280,6 @@
           <a:bodyPr/>
           <a:lstStyle/>
           <a:p>
-            <a:r>
-              <a:rPr lang="en-US" baseline="0" smtClean="0"/>
-              <a:t>Talk about </a:t>
-            </a:r>
-            <a:r>
-              <a:rPr lang="en-US" baseline="0" dirty="0" err="1" smtClean="0"/>
-              <a:t>nuget</a:t>
-            </a:r>
-            <a:r>
-              <a:rPr lang="en-US" baseline="0" dirty="0" smtClean="0"/>
-              <a:t> packages, upgrading, rolling back, etc.</a:t>
-            </a:r>
-          </a:p>
-          <a:p>
-            <a:endParaRPr lang="en-US" dirty="0" smtClean="0"/>
-          </a:p>
-          <a:p>
-            <a:r>
-              <a:rPr lang="en-US" sz="1200" b="0" i="0" kern="1200" dirty="0" smtClean="0">
-                <a:solidFill>
-                  <a:schemeClr val="tx1"/>
-                </a:solidFill>
-                <a:effectLst/>
-                <a:latin typeface="+mn-lt"/>
-                <a:ea typeface="+mn-ea"/>
-                <a:cs typeface="+mn-cs"/>
-              </a:rPr>
-              <a:t>IBM supplies ADO.NET data providers for access to DB2, Informix, and U2 databases.</a:t>
-            </a:r>
-          </a:p>
-          <a:p>
-            <a:endParaRPr lang="en-US" dirty="0" smtClean="0"/>
-          </a:p>
-          <a:p>
-            <a:r>
-              <a:rPr lang="en-US" dirty="0" smtClean="0"/>
-              <a:t>Any ADO.NET Data Provider?</a:t>
-            </a:r>
             <a:endParaRPr lang="en-US" dirty="0"/>
           </a:p>
         </p:txBody>
@@ -4145,7 +4310,7 @@
     </p:spTree>
     <p:extLst>
       <p:ext uri="{BB962C8B-B14F-4D97-AF65-F5344CB8AC3E}">
-        <p14:creationId xmlns:p14="http://schemas.microsoft.com/office/powerpoint/2010/main" val="1247555321"/>
+        <p14:creationId xmlns:p14="http://schemas.microsoft.com/office/powerpoint/2010/main" val="353902637"/>
       </p:ext>
     </p:extLst>
   </p:cSld>
@@ -4200,24 +4365,42 @@
           <a:lstStyle/>
           <a:p>
             <a:r>
-              <a:rPr lang="en-US" dirty="0" smtClean="0"/>
-              <a:t>What about moving from designer to code first?</a:t>
-            </a:r>
-          </a:p>
-          <a:p>
-            <a:r>
-              <a:rPr lang="en-US" dirty="0" smtClean="0"/>
-              <a:t>What’s the</a:t>
+              <a:rPr lang="en-US" baseline="0" smtClean="0"/>
+              <a:t>Talk about </a:t>
+            </a:r>
+            <a:r>
+              <a:rPr lang="en-US" baseline="0" dirty="0" err="1" smtClean="0"/>
+              <a:t>nuget</a:t>
             </a:r>
             <a:r>
               <a:rPr lang="en-US" baseline="0" dirty="0" smtClean="0"/>
-              <a:t> migration path?</a:t>
-            </a:r>
-          </a:p>
-          <a:p>
-            <a:r>
-              <a:rPr lang="en-US" baseline="0" dirty="0" smtClean="0"/>
-              <a:t>Designer to code first using templates? </a:t>
+              <a:t> packages, upgrading, rolling back, etc.</a:t>
+            </a:r>
+          </a:p>
+          <a:p>
+            <a:endParaRPr lang="en-US" dirty="0" smtClean="0"/>
+          </a:p>
+          <a:p>
+            <a:r>
+              <a:rPr lang="en-US" sz="1200" b="0" i="0" kern="1200" dirty="0" smtClean="0">
+                <a:solidFill>
+                  <a:schemeClr val="tx1"/>
+                </a:solidFill>
+                <a:effectLst/>
+                <a:latin typeface="+mn-lt"/>
+                <a:ea typeface="+mn-ea"/>
+                <a:cs typeface="+mn-cs"/>
+              </a:rPr>
+              <a:t>IBM supplies ADO.NET data providers for access to DB2, Informix, and U2 databases.</a:t>
+            </a:r>
+          </a:p>
+          <a:p>
+            <a:endParaRPr lang="en-US" dirty="0" smtClean="0"/>
+          </a:p>
+          <a:p>
+            <a:r>
+              <a:rPr lang="en-US" dirty="0" smtClean="0"/>
+              <a:t>Any ADO.NET Data Provider?</a:t>
             </a:r>
             <a:endParaRPr lang="en-US" dirty="0"/>
           </a:p>
@@ -4249,7 +4432,7 @@
     </p:spTree>
     <p:extLst>
       <p:ext uri="{BB962C8B-B14F-4D97-AF65-F5344CB8AC3E}">
-        <p14:creationId xmlns:p14="http://schemas.microsoft.com/office/powerpoint/2010/main" val="4025094468"/>
+        <p14:creationId xmlns:p14="http://schemas.microsoft.com/office/powerpoint/2010/main" val="1247555321"/>
       </p:ext>
     </p:extLst>
   </p:cSld>
@@ -4303,15 +4486,7 @@
           <a:bodyPr/>
           <a:lstStyle/>
           <a:p>
-            <a:endParaRPr lang="en-US" sz="1200" b="1" i="0" kern="1200" baseline="0" dirty="0" smtClean="0">
-              <a:solidFill>
-                <a:schemeClr val="tx1"/>
-              </a:solidFill>
-              <a:effectLst/>
-              <a:latin typeface="+mn-lt"/>
-              <a:ea typeface="+mn-ea"/>
-              <a:cs typeface="+mn-cs"/>
-            </a:endParaRPr>
+            <a:endParaRPr lang="en-US" dirty="0"/>
           </a:p>
         </p:txBody>
       </p:sp>
@@ -4341,7 +4516,7 @@
     </p:spTree>
     <p:extLst>
       <p:ext uri="{BB962C8B-B14F-4D97-AF65-F5344CB8AC3E}">
-        <p14:creationId xmlns:p14="http://schemas.microsoft.com/office/powerpoint/2010/main" val="2396487134"/>
+        <p14:creationId xmlns:p14="http://schemas.microsoft.com/office/powerpoint/2010/main" val="4025094468"/>
       </p:ext>
     </p:extLst>
   </p:cSld>
@@ -7118,12 +7293,8 @@
           <a:lstStyle/>
           <a:p>
             <a:r>
-              <a:rPr lang="en-US" dirty="0" err="1" smtClean="0"/>
-              <a:t>NuGet</a:t>
-            </a:r>
-            <a:r>
-              <a:rPr lang="en-US" dirty="0" smtClean="0"/>
-              <a:t> Primer</a:t>
+              <a:rPr lang="en-US" dirty="0" smtClean="0"/>
+              <a:t>High level view</a:t>
             </a:r>
             <a:endParaRPr lang="en-US" dirty="0"/>
           </a:p>
@@ -7144,162 +7315,267 @@
           <a:bodyPr/>
           <a:lstStyle/>
           <a:p>
-            <a:r>
-              <a:rPr lang="en-US" kern="1200" dirty="0" smtClean="0">
-                <a:solidFill>
-                  <a:schemeClr val="accent3"/>
-                </a:solidFill>
-              </a:rPr>
-              <a:t>Install-Package</a:t>
-            </a:r>
-            <a:r>
-              <a:rPr lang="en-US" kern="1200" dirty="0" smtClean="0"/>
-              <a:t> </a:t>
-            </a:r>
-            <a:r>
-              <a:rPr lang="en-US" kern="1200" dirty="0" err="1" smtClean="0"/>
-              <a:t>EntityFramework</a:t>
-            </a:r>
-            <a:endParaRPr lang="en-US" kern="1200" dirty="0"/>
-          </a:p>
-          <a:p>
-            <a:pPr lvl="1"/>
-            <a:r>
-              <a:rPr lang="en-US" kern="1200" dirty="0" smtClean="0"/>
-              <a:t>Latest non-beta</a:t>
-            </a:r>
-            <a:endParaRPr lang="en-US" kern="1200" dirty="0"/>
-          </a:p>
-          <a:p>
-            <a:r>
-              <a:rPr lang="en-US" kern="1200" dirty="0" smtClean="0">
-                <a:solidFill>
-                  <a:schemeClr val="accent3"/>
-                </a:solidFill>
-              </a:rPr>
-              <a:t>Install-Package</a:t>
-            </a:r>
-            <a:r>
-              <a:rPr lang="en-US" kern="1200" dirty="0" smtClean="0"/>
-              <a:t> </a:t>
-            </a:r>
-            <a:r>
-              <a:rPr lang="en-US" kern="1200" dirty="0" err="1"/>
-              <a:t>EntityFramework</a:t>
-            </a:r>
-            <a:r>
-              <a:rPr lang="en-US" kern="1200" dirty="0"/>
-              <a:t> –</a:t>
-            </a:r>
-            <a:r>
-              <a:rPr lang="en-US" kern="1200" dirty="0" smtClean="0"/>
-              <a:t>pre</a:t>
-            </a:r>
-          </a:p>
-          <a:p>
-            <a:pPr lvl="1"/>
-            <a:r>
-              <a:rPr lang="en-US" kern="1200" dirty="0" smtClean="0"/>
-              <a:t>pre release version</a:t>
-            </a:r>
-            <a:endParaRPr lang="en-US" kern="1200" dirty="0"/>
-          </a:p>
-          <a:p>
-            <a:r>
-              <a:rPr lang="en-US" kern="1200" dirty="0" smtClean="0">
-                <a:solidFill>
-                  <a:srgbClr val="FF0000"/>
-                </a:solidFill>
-              </a:rPr>
-              <a:t>Uninstall-package</a:t>
-            </a:r>
-            <a:r>
-              <a:rPr lang="en-US" kern="1200" dirty="0" smtClean="0"/>
-              <a:t> </a:t>
-            </a:r>
-            <a:r>
-              <a:rPr lang="en-US" kern="1200" dirty="0" err="1" smtClean="0"/>
-              <a:t>EntityFramework</a:t>
-            </a:r>
-            <a:endParaRPr lang="en-US" kern="1200" dirty="0"/>
-          </a:p>
-          <a:p>
-            <a:r>
-              <a:rPr lang="en-US" kern="1200" dirty="0" smtClean="0">
-                <a:solidFill>
-                  <a:srgbClr val="FF0000"/>
-                </a:solidFill>
-              </a:rPr>
-              <a:t>Update-Package</a:t>
-            </a:r>
-            <a:r>
-              <a:rPr lang="en-US" kern="1200" dirty="0"/>
-              <a:t> </a:t>
-            </a:r>
-            <a:r>
-              <a:rPr lang="en-US" kern="1200" dirty="0" err="1" smtClean="0"/>
-              <a:t>EntityFramework</a:t>
-            </a:r>
-            <a:r>
-              <a:rPr lang="en-US" kern="1200" dirty="0"/>
-              <a:t> </a:t>
-            </a:r>
-            <a:r>
-              <a:rPr lang="en-US" kern="1200" dirty="0" smtClean="0"/>
-              <a:t>–reinstall (all projects)</a:t>
-            </a:r>
-            <a:endParaRPr lang="en-US" kern="1200" dirty="0"/>
-          </a:p>
-          <a:p>
-            <a:r>
-              <a:rPr lang="en-US" kern="1200" dirty="0">
-                <a:solidFill>
-                  <a:schemeClr val="accent6"/>
-                </a:solidFill>
-              </a:rPr>
-              <a:t>Update-Package</a:t>
-            </a:r>
-            <a:r>
-              <a:rPr lang="en-US" kern="1200" dirty="0"/>
-              <a:t> -</a:t>
-            </a:r>
-            <a:r>
-              <a:rPr lang="en-US" kern="1200" dirty="0" err="1"/>
-              <a:t>ProjectName</a:t>
-            </a:r>
-            <a:r>
-              <a:rPr lang="en-US" kern="1200" dirty="0"/>
-              <a:t> </a:t>
-            </a:r>
-            <a:r>
-              <a:rPr lang="en-US" kern="1200" dirty="0" err="1" smtClean="0"/>
-              <a:t>MyProject</a:t>
-            </a:r>
-            <a:endParaRPr lang="en-US" kern="1200" dirty="0"/>
-          </a:p>
-          <a:p>
-            <a:r>
-              <a:rPr lang="en-US" kern="1200" dirty="0">
-                <a:solidFill>
-                  <a:schemeClr val="accent6"/>
-                </a:solidFill>
-              </a:rPr>
-              <a:t>Update-Package</a:t>
-            </a:r>
-            <a:r>
-              <a:rPr lang="en-US" kern="1200" dirty="0"/>
-              <a:t> -Reinstall  (reinstall all packages in all projects)</a:t>
-            </a:r>
-          </a:p>
-          <a:p>
             <a:endParaRPr lang="en-US" dirty="0"/>
+          </a:p>
+        </p:txBody>
+      </p:sp>
+      <p:sp>
+        <p:nvSpPr>
+          <p:cNvPr id="4" name="Rounded Rectangle 3"/>
+          <p:cNvSpPr/>
+          <p:nvPr/>
+        </p:nvSpPr>
+        <p:spPr>
+          <a:xfrm>
+            <a:off x="2931336" y="2754441"/>
+            <a:ext cx="1798820" cy="1663908"/>
+          </a:xfrm>
+          <a:prstGeom prst="roundRect">
+            <a:avLst/>
+          </a:prstGeom>
+        </p:spPr>
+        <p:style>
+          <a:lnRef idx="2">
+            <a:schemeClr val="accent1">
+              <a:shade val="50000"/>
+            </a:schemeClr>
+          </a:lnRef>
+          <a:fillRef idx="1">
+            <a:schemeClr val="accent1"/>
+          </a:fillRef>
+          <a:effectRef idx="0">
+            <a:schemeClr val="accent1"/>
+          </a:effectRef>
+          <a:fontRef idx="minor">
+            <a:schemeClr val="lt1"/>
+          </a:fontRef>
+        </p:style>
+        <p:txBody>
+          <a:bodyPr rtlCol="0" anchor="ctr"/>
+          <a:lstStyle/>
+          <a:p>
+            <a:pPr algn="ctr"/>
+            <a:r>
+              <a:rPr lang="en-US" dirty="0" smtClean="0"/>
+              <a:t>LINQ to Entities</a:t>
+            </a:r>
+            <a:endParaRPr lang="en-US" dirty="0"/>
+          </a:p>
+        </p:txBody>
+      </p:sp>
+      <p:sp>
+        <p:nvSpPr>
+          <p:cNvPr id="5" name="Rounded Rectangle 4"/>
+          <p:cNvSpPr/>
+          <p:nvPr/>
+        </p:nvSpPr>
+        <p:spPr>
+          <a:xfrm>
+            <a:off x="5242320" y="2754441"/>
+            <a:ext cx="1798820" cy="1663908"/>
+          </a:xfrm>
+          <a:prstGeom prst="roundRect">
+            <a:avLst/>
+          </a:prstGeom>
+        </p:spPr>
+        <p:style>
+          <a:lnRef idx="2">
+            <a:schemeClr val="accent1">
+              <a:shade val="50000"/>
+            </a:schemeClr>
+          </a:lnRef>
+          <a:fillRef idx="1">
+            <a:schemeClr val="accent1"/>
+          </a:fillRef>
+          <a:effectRef idx="0">
+            <a:schemeClr val="accent1"/>
+          </a:effectRef>
+          <a:fontRef idx="minor">
+            <a:schemeClr val="lt1"/>
+          </a:fontRef>
+        </p:style>
+        <p:txBody>
+          <a:bodyPr rtlCol="0" anchor="ctr"/>
+          <a:lstStyle/>
+          <a:p>
+            <a:pPr algn="ctr"/>
+            <a:r>
+              <a:rPr lang="en-US" dirty="0" smtClean="0"/>
+              <a:t>Convert to query, execute</a:t>
+            </a:r>
+            <a:endParaRPr lang="en-US" dirty="0"/>
+          </a:p>
+        </p:txBody>
+      </p:sp>
+      <p:pic>
+        <p:nvPicPr>
+          <p:cNvPr id="1026" name="Picture 2" descr="Entity Framework Architectural Diagram"/>
+          <p:cNvPicPr>
+            <a:picLocks noChangeAspect="1" noChangeArrowheads="1"/>
+          </p:cNvPicPr>
+          <p:nvPr/>
+        </p:nvPicPr>
+        <p:blipFill>
+          <a:blip r:embed="rId2">
+            <a:extLst>
+              <a:ext uri="{28A0092B-C50C-407E-A947-70E740481C1C}">
+                <a14:useLocalDpi xmlns:a14="http://schemas.microsoft.com/office/drawing/2010/main" val="0"/>
+              </a:ext>
+            </a:extLst>
+          </a:blip>
+          <a:srcRect/>
+          <a:stretch>
+            <a:fillRect/>
+          </a:stretch>
+        </p:blipFill>
+        <p:spPr bwMode="auto">
+          <a:xfrm>
+            <a:off x="2914739" y="961369"/>
+            <a:ext cx="5335178" cy="4980976"/>
+          </a:xfrm>
+          <a:prstGeom prst="rect">
+            <a:avLst/>
+          </a:prstGeom>
+          <a:noFill/>
+          <a:extLst>
+            <a:ext uri="{909E8E84-426E-40DD-AFC4-6F175D3DCCD1}">
+              <a14:hiddenFill xmlns:a14="http://schemas.microsoft.com/office/drawing/2010/main">
+                <a:solidFill>
+                  <a:srgbClr val="FFFFFF"/>
+                </a:solidFill>
+              </a14:hiddenFill>
+            </a:ext>
+          </a:extLst>
+        </p:spPr>
+      </p:pic>
+      <p:sp>
+        <p:nvSpPr>
+          <p:cNvPr id="7" name="Rounded Rectangle 6"/>
+          <p:cNvSpPr/>
+          <p:nvPr/>
+        </p:nvSpPr>
+        <p:spPr>
+          <a:xfrm>
+            <a:off x="7533302" y="2754441"/>
+            <a:ext cx="1798820" cy="1663908"/>
+          </a:xfrm>
+          <a:prstGeom prst="roundRect">
+            <a:avLst/>
+          </a:prstGeom>
+        </p:spPr>
+        <p:style>
+          <a:lnRef idx="2">
+            <a:schemeClr val="accent1">
+              <a:shade val="50000"/>
+            </a:schemeClr>
+          </a:lnRef>
+          <a:fillRef idx="1">
+            <a:schemeClr val="accent1"/>
+          </a:fillRef>
+          <a:effectRef idx="0">
+            <a:schemeClr val="accent1"/>
+          </a:effectRef>
+          <a:fontRef idx="minor">
+            <a:schemeClr val="lt1"/>
+          </a:fontRef>
+        </p:style>
+        <p:txBody>
+          <a:bodyPr rtlCol="0" anchor="ctr"/>
+          <a:lstStyle/>
+          <a:p>
+            <a:pPr algn="ctr"/>
+            <a:r>
+              <a:rPr lang="en-US" dirty="0" smtClean="0"/>
+              <a:t>Map results to entities</a:t>
+            </a:r>
+            <a:endParaRPr lang="en-US" dirty="0"/>
+          </a:p>
+        </p:txBody>
+      </p:sp>
+      <p:sp>
+        <p:nvSpPr>
+          <p:cNvPr id="6" name="Right Arrow 5"/>
+          <p:cNvSpPr/>
+          <p:nvPr/>
+        </p:nvSpPr>
+        <p:spPr>
+          <a:xfrm>
+            <a:off x="4795128" y="3417757"/>
+            <a:ext cx="417212" cy="344774"/>
+          </a:xfrm>
+          <a:prstGeom prst="rightArrow">
+            <a:avLst/>
+          </a:prstGeom>
+        </p:spPr>
+        <p:style>
+          <a:lnRef idx="2">
+            <a:schemeClr val="accent1">
+              <a:shade val="50000"/>
+            </a:schemeClr>
+          </a:lnRef>
+          <a:fillRef idx="1">
+            <a:schemeClr val="accent1"/>
+          </a:fillRef>
+          <a:effectRef idx="0">
+            <a:schemeClr val="accent1"/>
+          </a:effectRef>
+          <a:fontRef idx="minor">
+            <a:schemeClr val="lt1"/>
+          </a:fontRef>
+        </p:style>
+        <p:txBody>
+          <a:bodyPr rtlCol="0" anchor="ctr"/>
+          <a:lstStyle/>
+          <a:p>
+            <a:pPr algn="ctr"/>
+            <a:endParaRPr lang="en-US"/>
+          </a:p>
+        </p:txBody>
+      </p:sp>
+      <p:sp>
+        <p:nvSpPr>
+          <p:cNvPr id="9" name="Right Arrow 8"/>
+          <p:cNvSpPr/>
+          <p:nvPr/>
+        </p:nvSpPr>
+        <p:spPr>
+          <a:xfrm>
+            <a:off x="7087823" y="3414008"/>
+            <a:ext cx="417212" cy="344774"/>
+          </a:xfrm>
+          <a:prstGeom prst="rightArrow">
+            <a:avLst/>
+          </a:prstGeom>
+        </p:spPr>
+        <p:style>
+          <a:lnRef idx="2">
+            <a:schemeClr val="accent1">
+              <a:shade val="50000"/>
+            </a:schemeClr>
+          </a:lnRef>
+          <a:fillRef idx="1">
+            <a:schemeClr val="accent1"/>
+          </a:fillRef>
+          <a:effectRef idx="0">
+            <a:schemeClr val="accent1"/>
+          </a:effectRef>
+          <a:fontRef idx="minor">
+            <a:schemeClr val="lt1"/>
+          </a:fontRef>
+        </p:style>
+        <p:txBody>
+          <a:bodyPr rtlCol="0" anchor="ctr"/>
+          <a:lstStyle/>
+          <a:p>
+            <a:pPr algn="ctr"/>
+            <a:endParaRPr lang="en-US"/>
           </a:p>
         </p:txBody>
       </p:sp>
     </p:spTree>
     <p:extLst>
       <p:ext uri="{BB962C8B-B14F-4D97-AF65-F5344CB8AC3E}">
-        <p14:creationId xmlns:p14="http://schemas.microsoft.com/office/powerpoint/2010/main" val="2735159594"/>
+        <p14:creationId xmlns:p14="http://schemas.microsoft.com/office/powerpoint/2010/main" val="514405581"/>
       </p:ext>
     </p:extLst>
   </p:cSld>
@@ -7309,9 +7585,443 @@
   <p:timing>
     <p:tnLst>
       <p:par>
-        <p:cTn id="1" dur="indefinite" restart="never" nodeType="tmRoot"/>
+        <p:cTn id="1" dur="indefinite" restart="never" nodeType="tmRoot">
+          <p:childTnLst>
+            <p:seq concurrent="1" nextAc="seek">
+              <p:cTn id="2" dur="indefinite" nodeType="mainSeq">
+                <p:childTnLst>
+                  <p:par>
+                    <p:cTn id="3" fill="hold">
+                      <p:stCondLst>
+                        <p:cond delay="indefinite"/>
+                      </p:stCondLst>
+                      <p:childTnLst>
+                        <p:par>
+                          <p:cTn id="4" fill="hold">
+                            <p:stCondLst>
+                              <p:cond delay="0"/>
+                            </p:stCondLst>
+                            <p:childTnLst>
+                              <p:par>
+                                <p:cTn id="5" presetID="10" presetClass="entr" presetSubtype="0" fill="hold" grpId="0" nodeType="clickEffect">
+                                  <p:stCondLst>
+                                    <p:cond delay="0"/>
+                                  </p:stCondLst>
+                                  <p:childTnLst>
+                                    <p:set>
+                                      <p:cBhvr>
+                                        <p:cTn id="6" dur="1" fill="hold">
+                                          <p:stCondLst>
+                                            <p:cond delay="0"/>
+                                          </p:stCondLst>
+                                        </p:cTn>
+                                        <p:tgtEl>
+                                          <p:spTgt spid="4"/>
+                                        </p:tgtEl>
+                                        <p:attrNameLst>
+                                          <p:attrName>style.visibility</p:attrName>
+                                        </p:attrNameLst>
+                                      </p:cBhvr>
+                                      <p:to>
+                                        <p:strVal val="visible"/>
+                                      </p:to>
+                                    </p:set>
+                                    <p:animEffect transition="in" filter="fade">
+                                      <p:cBhvr>
+                                        <p:cTn id="7" dur="500"/>
+                                        <p:tgtEl>
+                                          <p:spTgt spid="4"/>
+                                        </p:tgtEl>
+                                      </p:cBhvr>
+                                    </p:animEffect>
+                                  </p:childTnLst>
+                                </p:cTn>
+                              </p:par>
+                              <p:par>
+                                <p:cTn id="8" presetID="10" presetClass="entr" presetSubtype="0" fill="hold" grpId="0" nodeType="withEffect">
+                                  <p:stCondLst>
+                                    <p:cond delay="0"/>
+                                  </p:stCondLst>
+                                  <p:childTnLst>
+                                    <p:set>
+                                      <p:cBhvr>
+                                        <p:cTn id="9" dur="1" fill="hold">
+                                          <p:stCondLst>
+                                            <p:cond delay="0"/>
+                                          </p:stCondLst>
+                                        </p:cTn>
+                                        <p:tgtEl>
+                                          <p:spTgt spid="5"/>
+                                        </p:tgtEl>
+                                        <p:attrNameLst>
+                                          <p:attrName>style.visibility</p:attrName>
+                                        </p:attrNameLst>
+                                      </p:cBhvr>
+                                      <p:to>
+                                        <p:strVal val="visible"/>
+                                      </p:to>
+                                    </p:set>
+                                    <p:animEffect transition="in" filter="fade">
+                                      <p:cBhvr>
+                                        <p:cTn id="10" dur="500"/>
+                                        <p:tgtEl>
+                                          <p:spTgt spid="5"/>
+                                        </p:tgtEl>
+                                      </p:cBhvr>
+                                    </p:animEffect>
+                                  </p:childTnLst>
+                                </p:cTn>
+                              </p:par>
+                              <p:par>
+                                <p:cTn id="11" presetID="10" presetClass="entr" presetSubtype="0" fill="hold" grpId="0" nodeType="withEffect">
+                                  <p:stCondLst>
+                                    <p:cond delay="0"/>
+                                  </p:stCondLst>
+                                  <p:childTnLst>
+                                    <p:set>
+                                      <p:cBhvr>
+                                        <p:cTn id="12" dur="1" fill="hold">
+                                          <p:stCondLst>
+                                            <p:cond delay="0"/>
+                                          </p:stCondLst>
+                                        </p:cTn>
+                                        <p:tgtEl>
+                                          <p:spTgt spid="7"/>
+                                        </p:tgtEl>
+                                        <p:attrNameLst>
+                                          <p:attrName>style.visibility</p:attrName>
+                                        </p:attrNameLst>
+                                      </p:cBhvr>
+                                      <p:to>
+                                        <p:strVal val="visible"/>
+                                      </p:to>
+                                    </p:set>
+                                    <p:animEffect transition="in" filter="fade">
+                                      <p:cBhvr>
+                                        <p:cTn id="13" dur="500"/>
+                                        <p:tgtEl>
+                                          <p:spTgt spid="7"/>
+                                        </p:tgtEl>
+                                      </p:cBhvr>
+                                    </p:animEffect>
+                                  </p:childTnLst>
+                                </p:cTn>
+                              </p:par>
+                              <p:par>
+                                <p:cTn id="14" presetID="10" presetClass="entr" presetSubtype="0" fill="hold" grpId="0" nodeType="withEffect">
+                                  <p:stCondLst>
+                                    <p:cond delay="0"/>
+                                  </p:stCondLst>
+                                  <p:childTnLst>
+                                    <p:set>
+                                      <p:cBhvr>
+                                        <p:cTn id="15" dur="1" fill="hold">
+                                          <p:stCondLst>
+                                            <p:cond delay="0"/>
+                                          </p:stCondLst>
+                                        </p:cTn>
+                                        <p:tgtEl>
+                                          <p:spTgt spid="6"/>
+                                        </p:tgtEl>
+                                        <p:attrNameLst>
+                                          <p:attrName>style.visibility</p:attrName>
+                                        </p:attrNameLst>
+                                      </p:cBhvr>
+                                      <p:to>
+                                        <p:strVal val="visible"/>
+                                      </p:to>
+                                    </p:set>
+                                    <p:animEffect transition="in" filter="fade">
+                                      <p:cBhvr>
+                                        <p:cTn id="16" dur="500"/>
+                                        <p:tgtEl>
+                                          <p:spTgt spid="6"/>
+                                        </p:tgtEl>
+                                      </p:cBhvr>
+                                    </p:animEffect>
+                                  </p:childTnLst>
+                                </p:cTn>
+                              </p:par>
+                              <p:par>
+                                <p:cTn id="17" presetID="10" presetClass="entr" presetSubtype="0" fill="hold" grpId="0" nodeType="withEffect">
+                                  <p:stCondLst>
+                                    <p:cond delay="0"/>
+                                  </p:stCondLst>
+                                  <p:childTnLst>
+                                    <p:set>
+                                      <p:cBhvr>
+                                        <p:cTn id="18" dur="1" fill="hold">
+                                          <p:stCondLst>
+                                            <p:cond delay="0"/>
+                                          </p:stCondLst>
+                                        </p:cTn>
+                                        <p:tgtEl>
+                                          <p:spTgt spid="9"/>
+                                        </p:tgtEl>
+                                        <p:attrNameLst>
+                                          <p:attrName>style.visibility</p:attrName>
+                                        </p:attrNameLst>
+                                      </p:cBhvr>
+                                      <p:to>
+                                        <p:strVal val="visible"/>
+                                      </p:to>
+                                    </p:set>
+                                    <p:animEffect transition="in" filter="fade">
+                                      <p:cBhvr>
+                                        <p:cTn id="19" dur="500"/>
+                                        <p:tgtEl>
+                                          <p:spTgt spid="9"/>
+                                        </p:tgtEl>
+                                      </p:cBhvr>
+                                    </p:animEffect>
+                                  </p:childTnLst>
+                                </p:cTn>
+                              </p:par>
+                            </p:childTnLst>
+                          </p:cTn>
+                        </p:par>
+                      </p:childTnLst>
+                    </p:cTn>
+                  </p:par>
+                  <p:par>
+                    <p:cTn id="20" fill="hold">
+                      <p:stCondLst>
+                        <p:cond delay="indefinite"/>
+                      </p:stCondLst>
+                      <p:childTnLst>
+                        <p:par>
+                          <p:cTn id="21" fill="hold">
+                            <p:stCondLst>
+                              <p:cond delay="0"/>
+                            </p:stCondLst>
+                            <p:childTnLst>
+                              <p:par>
+                                <p:cTn id="22" presetID="1" presetClass="exit" presetSubtype="0" fill="hold" grpId="1" nodeType="clickEffect">
+                                  <p:stCondLst>
+                                    <p:cond delay="0"/>
+                                  </p:stCondLst>
+                                  <p:childTnLst>
+                                    <p:set>
+                                      <p:cBhvr>
+                                        <p:cTn id="23" dur="1" fill="hold">
+                                          <p:stCondLst>
+                                            <p:cond delay="0"/>
+                                          </p:stCondLst>
+                                        </p:cTn>
+                                        <p:tgtEl>
+                                          <p:spTgt spid="4"/>
+                                        </p:tgtEl>
+                                        <p:attrNameLst>
+                                          <p:attrName>style.visibility</p:attrName>
+                                        </p:attrNameLst>
+                                      </p:cBhvr>
+                                      <p:to>
+                                        <p:strVal val="hidden"/>
+                                      </p:to>
+                                    </p:set>
+                                  </p:childTnLst>
+                                </p:cTn>
+                              </p:par>
+                              <p:par>
+                                <p:cTn id="24" presetID="1" presetClass="exit" presetSubtype="0" fill="hold" grpId="1" nodeType="withEffect">
+                                  <p:stCondLst>
+                                    <p:cond delay="0"/>
+                                  </p:stCondLst>
+                                  <p:childTnLst>
+                                    <p:set>
+                                      <p:cBhvr>
+                                        <p:cTn id="25" dur="1" fill="hold">
+                                          <p:stCondLst>
+                                            <p:cond delay="0"/>
+                                          </p:stCondLst>
+                                        </p:cTn>
+                                        <p:tgtEl>
+                                          <p:spTgt spid="5"/>
+                                        </p:tgtEl>
+                                        <p:attrNameLst>
+                                          <p:attrName>style.visibility</p:attrName>
+                                        </p:attrNameLst>
+                                      </p:cBhvr>
+                                      <p:to>
+                                        <p:strVal val="hidden"/>
+                                      </p:to>
+                                    </p:set>
+                                  </p:childTnLst>
+                                </p:cTn>
+                              </p:par>
+                              <p:par>
+                                <p:cTn id="26" presetID="1" presetClass="exit" presetSubtype="0" fill="hold" grpId="1" nodeType="withEffect">
+                                  <p:stCondLst>
+                                    <p:cond delay="0"/>
+                                  </p:stCondLst>
+                                  <p:childTnLst>
+                                    <p:set>
+                                      <p:cBhvr>
+                                        <p:cTn id="27" dur="1" fill="hold">
+                                          <p:stCondLst>
+                                            <p:cond delay="0"/>
+                                          </p:stCondLst>
+                                        </p:cTn>
+                                        <p:tgtEl>
+                                          <p:spTgt spid="7"/>
+                                        </p:tgtEl>
+                                        <p:attrNameLst>
+                                          <p:attrName>style.visibility</p:attrName>
+                                        </p:attrNameLst>
+                                      </p:cBhvr>
+                                      <p:to>
+                                        <p:strVal val="hidden"/>
+                                      </p:to>
+                                    </p:set>
+                                  </p:childTnLst>
+                                </p:cTn>
+                              </p:par>
+                              <p:par>
+                                <p:cTn id="28" presetID="1" presetClass="exit" presetSubtype="0" fill="hold" grpId="1" nodeType="withEffect">
+                                  <p:stCondLst>
+                                    <p:cond delay="0"/>
+                                  </p:stCondLst>
+                                  <p:childTnLst>
+                                    <p:set>
+                                      <p:cBhvr>
+                                        <p:cTn id="29" dur="1" fill="hold">
+                                          <p:stCondLst>
+                                            <p:cond delay="0"/>
+                                          </p:stCondLst>
+                                        </p:cTn>
+                                        <p:tgtEl>
+                                          <p:spTgt spid="6"/>
+                                        </p:tgtEl>
+                                        <p:attrNameLst>
+                                          <p:attrName>style.visibility</p:attrName>
+                                        </p:attrNameLst>
+                                      </p:cBhvr>
+                                      <p:to>
+                                        <p:strVal val="hidden"/>
+                                      </p:to>
+                                    </p:set>
+                                  </p:childTnLst>
+                                </p:cTn>
+                              </p:par>
+                              <p:par>
+                                <p:cTn id="30" presetID="1" presetClass="exit" presetSubtype="0" fill="hold" grpId="1" nodeType="withEffect">
+                                  <p:stCondLst>
+                                    <p:cond delay="0"/>
+                                  </p:stCondLst>
+                                  <p:childTnLst>
+                                    <p:set>
+                                      <p:cBhvr>
+                                        <p:cTn id="31" dur="1" fill="hold">
+                                          <p:stCondLst>
+                                            <p:cond delay="0"/>
+                                          </p:stCondLst>
+                                        </p:cTn>
+                                        <p:tgtEl>
+                                          <p:spTgt spid="9"/>
+                                        </p:tgtEl>
+                                        <p:attrNameLst>
+                                          <p:attrName>style.visibility</p:attrName>
+                                        </p:attrNameLst>
+                                      </p:cBhvr>
+                                      <p:to>
+                                        <p:strVal val="hidden"/>
+                                      </p:to>
+                                    </p:set>
+                                  </p:childTnLst>
+                                </p:cTn>
+                              </p:par>
+                            </p:childTnLst>
+                          </p:cTn>
+                        </p:par>
+                      </p:childTnLst>
+                    </p:cTn>
+                  </p:par>
+                  <p:par>
+                    <p:cTn id="32" fill="hold">
+                      <p:stCondLst>
+                        <p:cond delay="indefinite"/>
+                      </p:stCondLst>
+                      <p:childTnLst>
+                        <p:par>
+                          <p:cTn id="33" fill="hold">
+                            <p:stCondLst>
+                              <p:cond delay="0"/>
+                            </p:stCondLst>
+                            <p:childTnLst>
+                              <p:par>
+                                <p:cTn id="34" presetID="10" presetClass="entr" presetSubtype="0" fill="hold" nodeType="clickEffect">
+                                  <p:stCondLst>
+                                    <p:cond delay="0"/>
+                                  </p:stCondLst>
+                                  <p:childTnLst>
+                                    <p:set>
+                                      <p:cBhvr>
+                                        <p:cTn id="35" dur="1" fill="hold">
+                                          <p:stCondLst>
+                                            <p:cond delay="0"/>
+                                          </p:stCondLst>
+                                        </p:cTn>
+                                        <p:tgtEl>
+                                          <p:spTgt spid="1026"/>
+                                        </p:tgtEl>
+                                        <p:attrNameLst>
+                                          <p:attrName>style.visibility</p:attrName>
+                                        </p:attrNameLst>
+                                      </p:cBhvr>
+                                      <p:to>
+                                        <p:strVal val="visible"/>
+                                      </p:to>
+                                    </p:set>
+                                    <p:animEffect transition="in" filter="fade">
+                                      <p:cBhvr>
+                                        <p:cTn id="36" dur="500"/>
+                                        <p:tgtEl>
+                                          <p:spTgt spid="1026"/>
+                                        </p:tgtEl>
+                                      </p:cBhvr>
+                                    </p:animEffect>
+                                  </p:childTnLst>
+                                </p:cTn>
+                              </p:par>
+                            </p:childTnLst>
+                          </p:cTn>
+                        </p:par>
+                      </p:childTnLst>
+                    </p:cTn>
+                  </p:par>
+                </p:childTnLst>
+              </p:cTn>
+              <p:prevCondLst>
+                <p:cond evt="onPrev" delay="0">
+                  <p:tgtEl>
+                    <p:sldTgt/>
+                  </p:tgtEl>
+                </p:cond>
+              </p:prevCondLst>
+              <p:nextCondLst>
+                <p:cond evt="onNext" delay="0">
+                  <p:tgtEl>
+                    <p:sldTgt/>
+                  </p:tgtEl>
+                </p:cond>
+              </p:nextCondLst>
+            </p:seq>
+          </p:childTnLst>
+        </p:cTn>
       </p:par>
     </p:tnLst>
+    <p:bldLst>
+      <p:bldP spid="4" grpId="0" animBg="1"/>
+      <p:bldP spid="4" grpId="1" animBg="1"/>
+      <p:bldP spid="5" grpId="0" animBg="1"/>
+      <p:bldP spid="5" grpId="1" animBg="1"/>
+      <p:bldP spid="7" grpId="0" animBg="1"/>
+      <p:bldP spid="7" grpId="1" animBg="1"/>
+      <p:bldP spid="6" grpId="0" animBg="1"/>
+      <p:bldP spid="6" grpId="1" animBg="1"/>
+      <p:bldP spid="9" grpId="0" animBg="1"/>
+      <p:bldP spid="9" grpId="1" animBg="1"/>
+    </p:bldLst>
   </p:timing>
 </p:sld>
 </file>
@@ -7335,7 +8045,7 @@
       </p:grpSpPr>
       <p:sp>
         <p:nvSpPr>
-          <p:cNvPr id="4" name="Title 3"/>
+          <p:cNvPr id="2" name="Title 1"/>
           <p:cNvSpPr>
             <a:spLocks noGrp="1"/>
           </p:cNvSpPr>
@@ -7350,16 +8060,70 @@
           <a:p>
             <a:r>
               <a:rPr lang="en-US" dirty="0" smtClean="0"/>
-              <a:t>Installing and Managing Entity Framework Binaries</a:t>
+              <a:t>Installing Entity Framework</a:t>
             </a:r>
             <a:endParaRPr lang="en-US" dirty="0"/>
+          </a:p>
+        </p:txBody>
+      </p:sp>
+      <p:sp>
+        <p:nvSpPr>
+          <p:cNvPr id="3" name="Content Placeholder 2"/>
+          <p:cNvSpPr>
+            <a:spLocks noGrp="1"/>
+          </p:cNvSpPr>
+          <p:nvPr>
+            <p:ph sz="quarter" idx="10"/>
+          </p:nvPr>
+        </p:nvSpPr>
+        <p:spPr/>
+        <p:txBody>
+          <a:bodyPr/>
+          <a:lstStyle/>
+          <a:p>
+            <a:r>
+              <a:rPr lang="en-US" dirty="0" smtClean="0"/>
+              <a:t>EF6 Requires Visual Studio 2010 or greater</a:t>
+            </a:r>
+          </a:p>
+          <a:p>
+            <a:r>
+              <a:rPr lang="en-US" dirty="0" err="1" smtClean="0"/>
+              <a:t>NuGet</a:t>
+            </a:r>
+            <a:endParaRPr lang="en-US" dirty="0" smtClean="0"/>
+          </a:p>
+          <a:p>
+            <a:pPr lvl="1"/>
+            <a:r>
+              <a:rPr lang="en-US" dirty="0" smtClean="0"/>
+              <a:t>Install-package </a:t>
+            </a:r>
+            <a:r>
+              <a:rPr lang="en-US" dirty="0" err="1" smtClean="0"/>
+              <a:t>EntityFramework</a:t>
+            </a:r>
+            <a:endParaRPr lang="en-US" dirty="0" smtClean="0"/>
+          </a:p>
+          <a:p>
+            <a:r>
+              <a:rPr lang="en-US" dirty="0" smtClean="0"/>
+              <a:t>Comes as part of </a:t>
+            </a:r>
+          </a:p>
+          <a:p>
+            <a:pPr lvl="1"/>
+            <a:r>
+              <a:rPr lang="en-US" dirty="0" smtClean="0"/>
+              <a:t>MVC, Web Forms, Web API templates if Identity is used</a:t>
+            </a:r>
           </a:p>
         </p:txBody>
       </p:sp>
     </p:spTree>
     <p:extLst>
       <p:ext uri="{BB962C8B-B14F-4D97-AF65-F5344CB8AC3E}">
-        <p14:creationId xmlns:p14="http://schemas.microsoft.com/office/powerpoint/2010/main" val="3983632752"/>
+        <p14:creationId xmlns:p14="http://schemas.microsoft.com/office/powerpoint/2010/main" val="526742605"/>
       </p:ext>
     </p:extLst>
   </p:cSld>
@@ -7377,7 +8141,7 @@
 </file>
 
 <file path=ppt/slides/slide12.xml><?xml version="1.0" encoding="utf-8"?>
-<p:sld xmlns:a="http://schemas.openxmlformats.org/drawingml/2006/main" xmlns:r="http://schemas.openxmlformats.org/officeDocument/2006/relationships" xmlns:p="http://schemas.openxmlformats.org/presentationml/2006/main" show="0">
+<p:sld xmlns:a="http://schemas.openxmlformats.org/drawingml/2006/main" xmlns:r="http://schemas.openxmlformats.org/officeDocument/2006/relationships" xmlns:p="http://schemas.openxmlformats.org/presentationml/2006/main">
   <p:cSld>
     <p:spTree>
       <p:nvGrpSpPr>
@@ -7408,6 +8172,14 @@
           <a:bodyPr/>
           <a:lstStyle/>
           <a:p>
+            <a:r>
+              <a:rPr lang="en-US" dirty="0" err="1" smtClean="0"/>
+              <a:t>NuGet</a:t>
+            </a:r>
+            <a:r>
+              <a:rPr lang="en-US" dirty="0" smtClean="0"/>
+              <a:t> Primer</a:t>
+            </a:r>
             <a:endParaRPr lang="en-US" dirty="0"/>
           </a:p>
         </p:txBody>
@@ -7422,101 +8194,162 @@
             <p:ph sz="quarter" idx="10"/>
           </p:nvPr>
         </p:nvSpPr>
-        <p:spPr/>
+        <p:spPr>
+          <a:xfrm>
+            <a:off x="379413" y="1268306"/>
+            <a:ext cx="11525250" cy="5290388"/>
+          </a:xfrm>
+        </p:spPr>
         <p:txBody>
           <a:bodyPr/>
           <a:lstStyle/>
           <a:p>
             <a:r>
-              <a:rPr lang="en-US" dirty="0" smtClean="0"/>
-              <a:t>Runtime proxies</a:t>
-            </a:r>
-          </a:p>
-          <a:p>
-            <a:r>
-              <a:rPr lang="en-US" dirty="0" smtClean="0"/>
-              <a:t>POCOS</a:t>
-            </a:r>
-          </a:p>
-          <a:p>
-            <a:r>
-              <a:rPr lang="en-US" dirty="0" smtClean="0"/>
-              <a:t>When to use proxies in a web app? Are they enabled by </a:t>
-            </a:r>
-            <a:r>
-              <a:rPr lang="en-US" dirty="0" smtClean="0"/>
-              <a:t>default? Ask </a:t>
-            </a:r>
-            <a:r>
-              <a:rPr lang="en-US" dirty="0" smtClean="0"/>
-              <a:t>Rowan for guidance here in a web environment.</a:t>
-            </a:r>
-          </a:p>
-          <a:p>
-            <a:endParaRPr lang="en-US" dirty="0"/>
-          </a:p>
-          <a:p>
-            <a:r>
-              <a:rPr lang="en-US" dirty="0" smtClean="0"/>
-              <a:t>Can disable change tracking for a query (Assuming read only)</a:t>
-            </a:r>
+              <a:rPr lang="en-US" kern="1200" dirty="0" smtClean="0">
+                <a:solidFill>
+                  <a:schemeClr val="accent3"/>
+                </a:solidFill>
+              </a:rPr>
+              <a:t>Install-Package</a:t>
+            </a:r>
+            <a:r>
+              <a:rPr lang="en-US" kern="1200" dirty="0" smtClean="0"/>
+              <a:t> </a:t>
+            </a:r>
+            <a:r>
+              <a:rPr lang="en-US" kern="1200" dirty="0" err="1" smtClean="0"/>
+              <a:t>EntityFramework</a:t>
+            </a:r>
+            <a:endParaRPr lang="en-US" kern="1200" dirty="0"/>
           </a:p>
           <a:p>
             <a:pPr lvl="1"/>
             <a:r>
-              <a:rPr lang="en-US" sz="2000" dirty="0" err="1"/>
-              <a:t>var</a:t>
-            </a:r>
-            <a:r>
-              <a:rPr lang="en-US" sz="2000" dirty="0"/>
+              <a:rPr lang="en-US" kern="1200" dirty="0" smtClean="0"/>
+              <a:t>Latest non-beta</a:t>
+            </a:r>
+            <a:endParaRPr lang="en-US" kern="1200" dirty="0"/>
+          </a:p>
+          <a:p>
+            <a:r>
+              <a:rPr lang="en-US" kern="1200" dirty="0" smtClean="0">
+                <a:solidFill>
+                  <a:schemeClr val="accent3"/>
+                </a:solidFill>
+              </a:rPr>
+              <a:t>Install-Package</a:t>
+            </a:r>
+            <a:r>
+              <a:rPr lang="en-US" kern="1200" dirty="0" smtClean="0"/>
               <a:t> </a:t>
             </a:r>
             <a:r>
-              <a:rPr lang="en-US" sz="2000" dirty="0" err="1"/>
-              <a:t>productsForCategory</a:t>
-            </a:r>
-            <a:r>
-              <a:rPr lang="en-US" sz="2000" dirty="0"/>
-              <a:t> = from p in </a:t>
-            </a:r>
-            <a:r>
-              <a:rPr lang="en-US" sz="2000" dirty="0" err="1"/>
-              <a:t>context.Products.AsNoTracking</a:t>
-            </a:r>
-            <a:r>
-              <a:rPr lang="en-US" sz="2000" dirty="0"/>
-              <a:t>()</a:t>
-            </a:r>
-            <a:br>
-              <a:rPr lang="en-US" sz="2000" dirty="0"/>
-            </a:br>
-            <a:r>
-              <a:rPr lang="en-US" sz="2000" dirty="0"/>
-              <a:t>                                where </a:t>
-            </a:r>
-            <a:r>
-              <a:rPr lang="en-US" sz="2000" dirty="0" err="1"/>
-              <a:t>p.Category.CategoryName</a:t>
-            </a:r>
-            <a:r>
-              <a:rPr lang="en-US" sz="2000" dirty="0"/>
-              <a:t> == </a:t>
-            </a:r>
-            <a:r>
-              <a:rPr lang="en-US" sz="2000" dirty="0" err="1"/>
-              <a:t>selectedCategory</a:t>
-            </a:r>
-            <a:r>
-              <a:rPr lang="en-US" sz="2000" dirty="0"/>
-              <a:t/>
-            </a:r>
-            <a:br>
-              <a:rPr lang="en-US" sz="2000" dirty="0"/>
-            </a:br>
-            <a:r>
-              <a:rPr lang="en-US" sz="2000" dirty="0"/>
-              <a:t>                                select p;</a:t>
-            </a:r>
+              <a:rPr lang="en-US" kern="1200" dirty="0" err="1"/>
+              <a:t>EntityFramework</a:t>
+            </a:r>
+            <a:r>
+              <a:rPr lang="en-US" kern="1200" dirty="0"/>
+              <a:t> –</a:t>
+            </a:r>
+            <a:r>
+              <a:rPr lang="en-US" kern="1200" dirty="0" smtClean="0"/>
+              <a:t>pre</a:t>
+            </a:r>
+          </a:p>
+          <a:p>
+            <a:pPr lvl="1"/>
+            <a:r>
+              <a:rPr lang="en-US" kern="1200" dirty="0" smtClean="0"/>
+              <a:t>pre release version</a:t>
+            </a:r>
+            <a:endParaRPr lang="en-US" kern="1200" dirty="0"/>
+          </a:p>
+          <a:p>
+            <a:r>
+              <a:rPr lang="en-US" kern="1200" dirty="0" smtClean="0">
+                <a:solidFill>
+                  <a:srgbClr val="FF0000"/>
+                </a:solidFill>
+              </a:rPr>
+              <a:t>Uninstall-Package</a:t>
+            </a:r>
+            <a:r>
+              <a:rPr lang="en-US" kern="1200" dirty="0" smtClean="0"/>
+              <a:t> </a:t>
+            </a:r>
+            <a:r>
+              <a:rPr lang="en-US" kern="1200" dirty="0" err="1" smtClean="0"/>
+              <a:t>EntityFramework</a:t>
+            </a:r>
+            <a:endParaRPr lang="en-US" kern="1200" dirty="0"/>
+          </a:p>
+          <a:p>
+            <a:r>
+              <a:rPr lang="en-US" kern="1200" dirty="0" smtClean="0">
+                <a:solidFill>
+                  <a:schemeClr val="accent6"/>
+                </a:solidFill>
+              </a:rPr>
+              <a:t>Update-Package</a:t>
+            </a:r>
+            <a:r>
+              <a:rPr lang="en-US" kern="1200" dirty="0">
+                <a:solidFill>
+                  <a:schemeClr val="accent6"/>
+                </a:solidFill>
+              </a:rPr>
+              <a:t> </a:t>
+            </a:r>
+            <a:r>
+              <a:rPr lang="en-US" kern="1200" dirty="0" err="1" smtClean="0"/>
+              <a:t>EntityFramework</a:t>
+            </a:r>
+            <a:r>
+              <a:rPr lang="en-US" kern="1200" dirty="0"/>
+              <a:t> </a:t>
+            </a:r>
+            <a:r>
+              <a:rPr lang="en-US" kern="1200" dirty="0" smtClean="0"/>
+              <a:t>–reinstall (all projects)</a:t>
+            </a:r>
+            <a:endParaRPr lang="en-US" kern="1200" dirty="0"/>
+          </a:p>
+          <a:p>
+            <a:r>
+              <a:rPr lang="en-US" kern="1200" dirty="0">
+                <a:solidFill>
+                  <a:schemeClr val="accent6"/>
+                </a:solidFill>
+              </a:rPr>
+              <a:t>Update-Package</a:t>
+            </a:r>
+            <a:r>
+              <a:rPr lang="en-US" kern="1200" dirty="0"/>
+              <a:t> </a:t>
+            </a:r>
+            <a:r>
+              <a:rPr lang="en-US" kern="1200" dirty="0" err="1" smtClean="0"/>
+              <a:t>EntityFramework</a:t>
+            </a:r>
+            <a:r>
+              <a:rPr lang="en-US" kern="1200" dirty="0" smtClean="0"/>
+              <a:t> -</a:t>
+            </a:r>
+            <a:r>
+              <a:rPr lang="en-US" kern="1200" dirty="0" err="1" smtClean="0"/>
+              <a:t>ProjectName</a:t>
+            </a:r>
+            <a:r>
+              <a:rPr lang="en-US" kern="1200" dirty="0"/>
+              <a:t> </a:t>
+            </a:r>
+            <a:r>
+              <a:rPr lang="en-US" kern="1200" dirty="0" err="1" smtClean="0"/>
+              <a:t>MyProject</a:t>
+            </a:r>
+            <a:endParaRPr lang="en-US" kern="1200" dirty="0"/>
+          </a:p>
+          <a:p>
             <a:endParaRPr lang="en-US" dirty="0"/>
           </a:p>
         </p:txBody>
@@ -7524,21 +8357,13 @@
     </p:spTree>
     <p:extLst>
       <p:ext uri="{BB962C8B-B14F-4D97-AF65-F5344CB8AC3E}">
-        <p14:creationId xmlns:p14="http://schemas.microsoft.com/office/powerpoint/2010/main" val="367256982"/>
+        <p14:creationId xmlns:p14="http://schemas.microsoft.com/office/powerpoint/2010/main" val="2735159594"/>
       </p:ext>
     </p:extLst>
   </p:cSld>
   <p:clrMapOvr>
     <a:masterClrMapping/>
   </p:clrMapOvr>
-  <mc:AlternateContent xmlns:mc="http://schemas.openxmlformats.org/markup-compatibility/2006">
-    <mc:Choice xmlns:p14="http://schemas.microsoft.com/office/powerpoint/2010/main" Requires="p14">
-      <p:transition spd="slow" p14:dur="2000"/>
-    </mc:Choice>
-    <mc:Fallback>
-      <p:transition spd="slow"/>
-    </mc:Fallback>
-  </mc:AlternateContent>
   <p:timing>
     <p:tnLst>
       <p:par>
@@ -7568,12 +8393,12 @@
       </p:grpSpPr>
       <p:sp>
         <p:nvSpPr>
-          <p:cNvPr id="4" name="Text Placeholder 3"/>
+          <p:cNvPr id="4" name="Title 3"/>
           <p:cNvSpPr>
             <a:spLocks noGrp="1"/>
           </p:cNvSpPr>
           <p:nvPr>
-            <p:ph type="body" sz="quarter" idx="10"/>
+            <p:ph type="title"/>
           </p:nvPr>
         </p:nvSpPr>
         <p:spPr/>
@@ -7583,27 +8408,8 @@
           <a:p>
             <a:r>
               <a:rPr lang="en-US" dirty="0" smtClean="0"/>
-              <a:t>Intro to Code First</a:t>
-            </a:r>
-            <a:endParaRPr lang="en-US" dirty="0"/>
-          </a:p>
-        </p:txBody>
-      </p:sp>
-      <p:sp>
-        <p:nvSpPr>
-          <p:cNvPr id="3" name="Subtitle 2"/>
-          <p:cNvSpPr>
-            <a:spLocks noGrp="1"/>
-          </p:cNvSpPr>
-          <p:nvPr>
-            <p:ph type="subTitle" idx="1"/>
-          </p:nvPr>
-        </p:nvSpPr>
-        <p:spPr/>
-        <p:txBody>
-          <a:bodyPr/>
-          <a:lstStyle/>
-          <a:p>
+              <a:t>Installing and Managing Entity Framework Binaries</a:t>
+            </a:r>
             <a:endParaRPr lang="en-US" dirty="0"/>
           </a:p>
         </p:txBody>
@@ -7611,7 +8417,7 @@
     </p:spTree>
     <p:extLst>
       <p:ext uri="{BB962C8B-B14F-4D97-AF65-F5344CB8AC3E}">
-        <p14:creationId xmlns:p14="http://schemas.microsoft.com/office/powerpoint/2010/main" val="2500459743"/>
+        <p14:creationId xmlns:p14="http://schemas.microsoft.com/office/powerpoint/2010/main" val="3983632752"/>
       </p:ext>
     </p:extLst>
   </p:cSld>
@@ -7647,12 +8453,12 @@
       </p:grpSpPr>
       <p:sp>
         <p:nvSpPr>
-          <p:cNvPr id="2" name="Title 1"/>
+          <p:cNvPr id="4" name="Text Placeholder 3"/>
           <p:cNvSpPr>
             <a:spLocks noGrp="1"/>
           </p:cNvSpPr>
           <p:nvPr>
-            <p:ph type="title"/>
+            <p:ph type="body" sz="quarter" idx="10"/>
           </p:nvPr>
         </p:nvSpPr>
         <p:spPr/>
@@ -7662,7 +8468,7 @@
           <a:p>
             <a:r>
               <a:rPr lang="en-US" dirty="0" smtClean="0"/>
-              <a:t>Code First</a:t>
+              <a:t>Intro to Code First</a:t>
             </a:r>
             <a:endParaRPr lang="en-US" dirty="0"/>
           </a:p>
@@ -7670,12 +8476,12 @@
       </p:sp>
       <p:sp>
         <p:nvSpPr>
-          <p:cNvPr id="3" name="Content Placeholder 2"/>
+          <p:cNvPr id="3" name="Subtitle 2"/>
           <p:cNvSpPr>
             <a:spLocks noGrp="1"/>
           </p:cNvSpPr>
           <p:nvPr>
-            <p:ph sz="quarter" idx="10"/>
+            <p:ph type="subTitle" idx="1"/>
           </p:nvPr>
         </p:nvSpPr>
         <p:spPr/>
@@ -7683,35 +8489,6 @@
           <a:bodyPr/>
           <a:lstStyle/>
           <a:p>
-            <a:r>
-              <a:rPr lang="en-US" dirty="0" smtClean="0"/>
-              <a:t>The term ‘code first’ – a misnomer?</a:t>
-            </a:r>
-          </a:p>
-          <a:p>
-            <a:r>
-              <a:rPr lang="en-US" dirty="0" smtClean="0"/>
-              <a:t>Intro to what’s code first here.</a:t>
-            </a:r>
-          </a:p>
-          <a:p>
-            <a:r>
-              <a:rPr lang="en-US" dirty="0" smtClean="0"/>
-              <a:t>Talk about </a:t>
-            </a:r>
-            <a:r>
-              <a:rPr lang="en-US" dirty="0" err="1" smtClean="0"/>
-              <a:t>dbContext</a:t>
-            </a:r>
-            <a:endParaRPr lang="en-US" dirty="0" smtClean="0"/>
-          </a:p>
-          <a:p>
-            <a:r>
-              <a:rPr lang="en-US" dirty="0" smtClean="0"/>
-              <a:t>What the context is</a:t>
-            </a:r>
-          </a:p>
-          <a:p>
             <a:endParaRPr lang="en-US" dirty="0"/>
           </a:p>
         </p:txBody>
@@ -7719,7 +8496,7 @@
     </p:spTree>
     <p:extLst>
       <p:ext uri="{BB962C8B-B14F-4D97-AF65-F5344CB8AC3E}">
-        <p14:creationId xmlns:p14="http://schemas.microsoft.com/office/powerpoint/2010/main" val="2192432213"/>
+        <p14:creationId xmlns:p14="http://schemas.microsoft.com/office/powerpoint/2010/main" val="2500459743"/>
       </p:ext>
     </p:extLst>
   </p:cSld>
@@ -7770,7 +8547,7 @@
           <a:p>
             <a:r>
               <a:rPr lang="en-US" dirty="0" smtClean="0"/>
-              <a:t>Code first overview</a:t>
+              <a:t>Code First</a:t>
             </a:r>
             <a:endParaRPr lang="en-US" dirty="0"/>
           </a:p>
@@ -7792,62 +8569,681 @@
           <a:lstStyle/>
           <a:p>
             <a:r>
+              <a:rPr lang="en-US" dirty="0" smtClean="0"/>
+              <a:t>The term ‘code first’ – a misnomer?</a:t>
+            </a:r>
+          </a:p>
+          <a:p>
+            <a:r>
+              <a:rPr lang="en-US" dirty="0" smtClean="0"/>
+              <a:t>Allows you to use POCO classes as entities</a:t>
+            </a:r>
+            <a:endParaRPr lang="en-US" dirty="0" smtClean="0"/>
+          </a:p>
+          <a:p>
+            <a:r>
+              <a:rPr lang="en-US" dirty="0" smtClean="0"/>
+              <a:t>Uses at a minimum a </a:t>
+            </a:r>
+            <a:r>
               <a:rPr lang="en-US" dirty="0" err="1" smtClean="0"/>
               <a:t>DbContext</a:t>
             </a:r>
+            <a:r>
+              <a:rPr lang="en-US" dirty="0" smtClean="0"/>
+              <a:t> and an entity (</a:t>
+            </a:r>
+            <a:r>
+              <a:rPr lang="en-US" dirty="0" err="1" smtClean="0"/>
+              <a:t>ie</a:t>
+            </a:r>
+            <a:r>
+              <a:rPr lang="en-US" dirty="0" smtClean="0"/>
+              <a:t> a class)</a:t>
+            </a:r>
             <a:endParaRPr lang="en-US" dirty="0" smtClean="0"/>
           </a:p>
           <a:p>
-            <a:r>
-              <a:rPr lang="en-US" dirty="0" smtClean="0"/>
-              <a:t>Entities</a:t>
-            </a:r>
-          </a:p>
-          <a:p>
-            <a:r>
-              <a:rPr lang="en-US" dirty="0" smtClean="0"/>
-              <a:t>Basics – create classes, bam</a:t>
-            </a:r>
-          </a:p>
-          <a:p>
-            <a:r>
-              <a:rPr lang="en-US" dirty="0" smtClean="0"/>
-              <a:t>Initializers</a:t>
-            </a:r>
-          </a:p>
-          <a:p>
-            <a:pPr lvl="1"/>
-            <a:r>
-              <a:rPr lang="en-US" dirty="0" smtClean="0"/>
-              <a:t>Default </a:t>
-            </a:r>
-            <a:r>
-              <a:rPr lang="en-US" dirty="0" err="1" smtClean="0"/>
-              <a:t>CreateDatabaseIfNotExists</a:t>
-            </a:r>
-            <a:r>
-              <a:rPr lang="en-US" dirty="0" smtClean="0"/>
+            <a:endParaRPr lang="en-US" dirty="0" smtClean="0"/>
+          </a:p>
+          <a:p>
+            <a:pPr marL="0" indent="0">
+              <a:buNone/>
+            </a:pPr>
+            <a:endParaRPr lang="en-US" dirty="0"/>
+          </a:p>
+        </p:txBody>
+      </p:sp>
+      <p:sp>
+        <p:nvSpPr>
+          <p:cNvPr id="4" name="Rectangle 3"/>
+          <p:cNvSpPr/>
+          <p:nvPr/>
+        </p:nvSpPr>
+        <p:spPr>
+          <a:xfrm>
+            <a:off x="698090" y="5205974"/>
+            <a:ext cx="7728154" cy="1569660"/>
+          </a:xfrm>
+          <a:prstGeom prst="rect">
+            <a:avLst/>
+          </a:prstGeom>
+        </p:spPr>
+        <p:txBody>
+          <a:bodyPr wrap="square">
+            <a:spAutoFit/>
+          </a:bodyPr>
+          <a:lstStyle/>
+          <a:p>
+            <a:r>
+              <a:rPr lang="en-US" sz="2400" dirty="0">
+                <a:solidFill>
+                  <a:srgbClr val="0000FF"/>
+                </a:solidFill>
+                <a:highlight>
+                  <a:srgbClr val="FFFFFF"/>
+                </a:highlight>
+                <a:latin typeface="Consolas" panose="020B0609020204030204" pitchFamily="49" charset="0"/>
+              </a:rPr>
+              <a:t>public</a:t>
+            </a:r>
+            <a:r>
+              <a:rPr lang="en-US" sz="2400" dirty="0">
+                <a:solidFill>
+                  <a:srgbClr val="000000"/>
+                </a:solidFill>
+                <a:highlight>
+                  <a:srgbClr val="FFFFFF"/>
+                </a:highlight>
+                <a:latin typeface="Consolas" panose="020B0609020204030204" pitchFamily="49" charset="0"/>
+              </a:rPr>
+              <a:t> </a:t>
+            </a:r>
+            <a:r>
+              <a:rPr lang="en-US" sz="2400" dirty="0">
+                <a:solidFill>
+                  <a:srgbClr val="0000FF"/>
+                </a:solidFill>
+                <a:highlight>
+                  <a:srgbClr val="FFFFFF"/>
+                </a:highlight>
+                <a:latin typeface="Consolas" panose="020B0609020204030204" pitchFamily="49" charset="0"/>
+              </a:rPr>
+              <a:t>class</a:t>
+            </a:r>
+            <a:r>
+              <a:rPr lang="en-US" sz="2400" dirty="0">
+                <a:solidFill>
+                  <a:srgbClr val="000000"/>
+                </a:solidFill>
+                <a:highlight>
+                  <a:srgbClr val="FFFFFF"/>
+                </a:highlight>
+                <a:latin typeface="Consolas" panose="020B0609020204030204" pitchFamily="49" charset="0"/>
+              </a:rPr>
+              <a:t> </a:t>
+            </a:r>
+            <a:r>
+              <a:rPr lang="en-US" sz="2400" dirty="0" err="1">
+                <a:solidFill>
+                  <a:srgbClr val="2B91AF"/>
+                </a:solidFill>
+                <a:highlight>
+                  <a:srgbClr val="FFFFFF"/>
+                </a:highlight>
+                <a:latin typeface="Consolas" panose="020B0609020204030204" pitchFamily="49" charset="0"/>
+              </a:rPr>
+              <a:t>MusicStoreDbContext</a:t>
+            </a:r>
+            <a:r>
+              <a:rPr lang="en-US" sz="2400" dirty="0">
+                <a:solidFill>
+                  <a:srgbClr val="000000"/>
+                </a:solidFill>
+                <a:highlight>
+                  <a:srgbClr val="FFFFFF"/>
+                </a:highlight>
+                <a:latin typeface="Consolas" panose="020B0609020204030204" pitchFamily="49" charset="0"/>
+              </a:rPr>
+              <a:t> : </a:t>
+            </a:r>
+            <a:r>
+              <a:rPr lang="en-US" sz="2400" dirty="0" err="1">
+                <a:solidFill>
+                  <a:srgbClr val="2B91AF"/>
+                </a:solidFill>
+                <a:highlight>
+                  <a:srgbClr val="FFFFFF"/>
+                </a:highlight>
+                <a:latin typeface="Consolas" panose="020B0609020204030204" pitchFamily="49" charset="0"/>
+              </a:rPr>
+              <a:t>DbContext</a:t>
+            </a:r>
+            <a:endParaRPr lang="en-US" sz="2400" dirty="0">
+              <a:solidFill>
+                <a:srgbClr val="2B91AF"/>
+              </a:solidFill>
+              <a:highlight>
+                <a:srgbClr val="FFFFFF"/>
+              </a:highlight>
+              <a:latin typeface="Consolas" panose="020B0609020204030204" pitchFamily="49" charset="0"/>
+            </a:endParaRPr>
+          </a:p>
+          <a:p>
+            <a:r>
+              <a:rPr lang="en-US" sz="2400" dirty="0">
+                <a:solidFill>
+                  <a:srgbClr val="000000"/>
+                </a:solidFill>
+                <a:highlight>
+                  <a:srgbClr val="FFFFFF"/>
+                </a:highlight>
+                <a:latin typeface="Consolas" panose="020B0609020204030204" pitchFamily="49" charset="0"/>
+              </a:rPr>
+              <a:t>{</a:t>
+            </a:r>
+          </a:p>
+          <a:p>
+            <a:r>
+              <a:rPr lang="en-US" sz="2400" dirty="0">
+                <a:solidFill>
+                  <a:srgbClr val="0000FF"/>
+                </a:solidFill>
+                <a:highlight>
+                  <a:srgbClr val="FFFFFF"/>
+                </a:highlight>
+                <a:latin typeface="Consolas" panose="020B0609020204030204" pitchFamily="49" charset="0"/>
+              </a:rPr>
+              <a:t>   public</a:t>
+            </a:r>
+            <a:r>
+              <a:rPr lang="en-US" sz="2400" dirty="0">
+                <a:solidFill>
+                  <a:srgbClr val="000000"/>
+                </a:solidFill>
+                <a:highlight>
+                  <a:srgbClr val="FFFFFF"/>
+                </a:highlight>
+                <a:latin typeface="Consolas" panose="020B0609020204030204" pitchFamily="49" charset="0"/>
+              </a:rPr>
+              <a:t> </a:t>
+            </a:r>
+            <a:r>
+              <a:rPr lang="en-US" sz="2400" dirty="0" err="1" smtClean="0">
+                <a:solidFill>
+                  <a:srgbClr val="2B91AF"/>
+                </a:solidFill>
+                <a:highlight>
+                  <a:srgbClr val="FFFFFF"/>
+                </a:highlight>
+                <a:latin typeface="Consolas" panose="020B0609020204030204" pitchFamily="49" charset="0"/>
+              </a:rPr>
+              <a:t>DbSet</a:t>
+            </a:r>
+            <a:r>
+              <a:rPr lang="en-US" sz="2400" dirty="0" smtClean="0">
+                <a:solidFill>
+                  <a:srgbClr val="000000"/>
+                </a:solidFill>
+                <a:highlight>
+                  <a:srgbClr val="FFFFFF"/>
+                </a:highlight>
+                <a:latin typeface="Consolas" panose="020B0609020204030204" pitchFamily="49" charset="0"/>
+              </a:rPr>
               <a:t>&lt;</a:t>
             </a:r>
             <a:r>
-              <a:rPr lang="en-US" dirty="0" err="1" smtClean="0"/>
-              <a:t>TContext</a:t>
-            </a:r>
-            <a:r>
-              <a:rPr lang="en-US" dirty="0" smtClean="0"/>
-              <a:t>&gt;</a:t>
-            </a:r>
-          </a:p>
-          <a:p>
-            <a:pPr lvl="1"/>
-            <a:endParaRPr lang="en-US" dirty="0" smtClean="0"/>
+              <a:rPr lang="en-US" sz="2400" dirty="0" smtClean="0">
+                <a:solidFill>
+                  <a:srgbClr val="2B91AF"/>
+                </a:solidFill>
+                <a:highlight>
+                  <a:srgbClr val="FFFFFF"/>
+                </a:highlight>
+                <a:latin typeface="Consolas" panose="020B0609020204030204" pitchFamily="49" charset="0"/>
+              </a:rPr>
+              <a:t>Album</a:t>
+            </a:r>
+            <a:r>
+              <a:rPr lang="en-US" sz="2400" dirty="0" smtClean="0">
+                <a:solidFill>
+                  <a:srgbClr val="000000"/>
+                </a:solidFill>
+                <a:highlight>
+                  <a:srgbClr val="FFFFFF"/>
+                </a:highlight>
+                <a:latin typeface="Consolas" panose="020B0609020204030204" pitchFamily="49" charset="0"/>
+              </a:rPr>
+              <a:t>&gt; Albums{ </a:t>
+            </a:r>
+            <a:r>
+              <a:rPr lang="en-US" sz="2400" dirty="0">
+                <a:solidFill>
+                  <a:srgbClr val="0000FF"/>
+                </a:solidFill>
+                <a:highlight>
+                  <a:srgbClr val="FFFFFF"/>
+                </a:highlight>
+                <a:latin typeface="Consolas" panose="020B0609020204030204" pitchFamily="49" charset="0"/>
+              </a:rPr>
+              <a:t>get</a:t>
+            </a:r>
+            <a:r>
+              <a:rPr lang="en-US" sz="2400" dirty="0">
+                <a:solidFill>
+                  <a:srgbClr val="000000"/>
+                </a:solidFill>
+                <a:highlight>
+                  <a:srgbClr val="FFFFFF"/>
+                </a:highlight>
+                <a:latin typeface="Consolas" panose="020B0609020204030204" pitchFamily="49" charset="0"/>
+              </a:rPr>
+              <a:t>; </a:t>
+            </a:r>
+            <a:r>
+              <a:rPr lang="en-US" sz="2400" dirty="0">
+                <a:solidFill>
+                  <a:srgbClr val="0000FF"/>
+                </a:solidFill>
+                <a:highlight>
+                  <a:srgbClr val="FFFFFF"/>
+                </a:highlight>
+                <a:latin typeface="Consolas" panose="020B0609020204030204" pitchFamily="49" charset="0"/>
+              </a:rPr>
+              <a:t>set</a:t>
+            </a:r>
+            <a:r>
+              <a:rPr lang="en-US" sz="2400" dirty="0">
+                <a:solidFill>
+                  <a:srgbClr val="000000"/>
+                </a:solidFill>
+                <a:highlight>
+                  <a:srgbClr val="FFFFFF"/>
+                </a:highlight>
+                <a:latin typeface="Consolas" panose="020B0609020204030204" pitchFamily="49" charset="0"/>
+              </a:rPr>
+              <a:t>; }</a:t>
+            </a:r>
+          </a:p>
+          <a:p>
+            <a:r>
+              <a:rPr lang="en-US" sz="2400" dirty="0">
+                <a:solidFill>
+                  <a:srgbClr val="000000"/>
+                </a:solidFill>
+                <a:highlight>
+                  <a:srgbClr val="FFFFFF"/>
+                </a:highlight>
+                <a:latin typeface="Consolas" panose="020B0609020204030204" pitchFamily="49" charset="0"/>
+              </a:rPr>
+              <a:t>}</a:t>
+            </a:r>
+            <a:endParaRPr lang="en-US" sz="2400" dirty="0">
+              <a:sym typeface="Wingdings" panose="05000000000000000000" pitchFamily="2" charset="2"/>
+            </a:endParaRPr>
+          </a:p>
+        </p:txBody>
+      </p:sp>
+      <p:sp>
+        <p:nvSpPr>
+          <p:cNvPr id="5" name="Rectangle 4"/>
+          <p:cNvSpPr/>
+          <p:nvPr/>
+        </p:nvSpPr>
+        <p:spPr>
+          <a:xfrm>
+            <a:off x="698090" y="3364002"/>
+            <a:ext cx="6381135" cy="1938992"/>
+          </a:xfrm>
+          <a:prstGeom prst="rect">
+            <a:avLst/>
+          </a:prstGeom>
+        </p:spPr>
+        <p:txBody>
+          <a:bodyPr wrap="square">
+            <a:spAutoFit/>
+          </a:bodyPr>
+          <a:lstStyle/>
+          <a:p>
+            <a:r>
+              <a:rPr lang="en-US" sz="2400" dirty="0">
+                <a:solidFill>
+                  <a:srgbClr val="0000FF"/>
+                </a:solidFill>
+                <a:highlight>
+                  <a:srgbClr val="FFFFFF"/>
+                </a:highlight>
+                <a:latin typeface="Consolas" panose="020B0609020204030204" pitchFamily="49" charset="0"/>
+              </a:rPr>
+              <a:t>public</a:t>
+            </a:r>
+            <a:r>
+              <a:rPr lang="en-US" sz="2400" dirty="0">
+                <a:solidFill>
+                  <a:srgbClr val="000000"/>
+                </a:solidFill>
+                <a:highlight>
+                  <a:srgbClr val="FFFFFF"/>
+                </a:highlight>
+                <a:latin typeface="Consolas" panose="020B0609020204030204" pitchFamily="49" charset="0"/>
+              </a:rPr>
+              <a:t> </a:t>
+            </a:r>
+            <a:r>
+              <a:rPr lang="en-US" sz="2400" dirty="0">
+                <a:solidFill>
+                  <a:srgbClr val="0000FF"/>
+                </a:solidFill>
+                <a:highlight>
+                  <a:srgbClr val="FFFFFF"/>
+                </a:highlight>
+                <a:latin typeface="Consolas" panose="020B0609020204030204" pitchFamily="49" charset="0"/>
+              </a:rPr>
+              <a:t>class</a:t>
+            </a:r>
+            <a:r>
+              <a:rPr lang="en-US" sz="2400" dirty="0">
+                <a:solidFill>
+                  <a:srgbClr val="000000"/>
+                </a:solidFill>
+                <a:highlight>
+                  <a:srgbClr val="FFFFFF"/>
+                </a:highlight>
+                <a:latin typeface="Consolas" panose="020B0609020204030204" pitchFamily="49" charset="0"/>
+              </a:rPr>
+              <a:t> </a:t>
+            </a:r>
+            <a:r>
+              <a:rPr lang="en-US" sz="2400" dirty="0" smtClean="0">
+                <a:solidFill>
+                  <a:srgbClr val="2B91AF"/>
+                </a:solidFill>
+                <a:highlight>
+                  <a:srgbClr val="FFFFFF"/>
+                </a:highlight>
+                <a:latin typeface="Consolas" panose="020B0609020204030204" pitchFamily="49" charset="0"/>
+              </a:rPr>
+              <a:t>Album</a:t>
+            </a:r>
+            <a:endParaRPr lang="en-US" sz="2400" dirty="0">
+              <a:solidFill>
+                <a:srgbClr val="2B91AF"/>
+              </a:solidFill>
+              <a:highlight>
+                <a:srgbClr val="FFFFFF"/>
+              </a:highlight>
+              <a:latin typeface="Consolas" panose="020B0609020204030204" pitchFamily="49" charset="0"/>
+            </a:endParaRPr>
+          </a:p>
+          <a:p>
+            <a:r>
+              <a:rPr lang="en-US" sz="2400" dirty="0">
+                <a:solidFill>
+                  <a:srgbClr val="000000"/>
+                </a:solidFill>
+                <a:highlight>
+                  <a:srgbClr val="FFFFFF"/>
+                </a:highlight>
+                <a:latin typeface="Consolas" panose="020B0609020204030204" pitchFamily="49" charset="0"/>
+              </a:rPr>
+              <a:t>{</a:t>
+            </a:r>
+          </a:p>
+          <a:p>
+            <a:r>
+              <a:rPr lang="en-US" sz="2400" dirty="0">
+                <a:solidFill>
+                  <a:srgbClr val="0000FF"/>
+                </a:solidFill>
+                <a:highlight>
+                  <a:srgbClr val="FFFFFF"/>
+                </a:highlight>
+                <a:latin typeface="Consolas" panose="020B0609020204030204" pitchFamily="49" charset="0"/>
+              </a:rPr>
+              <a:t>   public</a:t>
+            </a:r>
+            <a:r>
+              <a:rPr lang="en-US" sz="2400" dirty="0">
+                <a:solidFill>
+                  <a:srgbClr val="000000"/>
+                </a:solidFill>
+                <a:highlight>
+                  <a:srgbClr val="FFFFFF"/>
+                </a:highlight>
+                <a:latin typeface="Consolas" panose="020B0609020204030204" pitchFamily="49" charset="0"/>
+              </a:rPr>
+              <a:t> </a:t>
+            </a:r>
+            <a:r>
+              <a:rPr lang="en-US" sz="2400" dirty="0" smtClean="0">
+                <a:solidFill>
+                  <a:srgbClr val="2B91AF"/>
+                </a:solidFill>
+                <a:highlight>
+                  <a:srgbClr val="FFFFFF"/>
+                </a:highlight>
+                <a:latin typeface="Consolas" panose="020B0609020204030204" pitchFamily="49" charset="0"/>
+              </a:rPr>
+              <a:t>string</a:t>
+            </a:r>
+            <a:r>
+              <a:rPr lang="en-US" sz="2400" dirty="0" smtClean="0">
+                <a:solidFill>
+                  <a:srgbClr val="000000"/>
+                </a:solidFill>
+                <a:highlight>
+                  <a:srgbClr val="FFFFFF"/>
+                </a:highlight>
+                <a:latin typeface="Consolas" panose="020B0609020204030204" pitchFamily="49" charset="0"/>
+              </a:rPr>
+              <a:t> Name </a:t>
+            </a:r>
+            <a:r>
+              <a:rPr lang="en-US" sz="2400" dirty="0">
+                <a:solidFill>
+                  <a:srgbClr val="000000"/>
+                </a:solidFill>
+                <a:highlight>
+                  <a:srgbClr val="FFFFFF"/>
+                </a:highlight>
+                <a:latin typeface="Consolas" panose="020B0609020204030204" pitchFamily="49" charset="0"/>
+              </a:rPr>
+              <a:t>{ </a:t>
+            </a:r>
+            <a:r>
+              <a:rPr lang="en-US" sz="2400" dirty="0">
+                <a:solidFill>
+                  <a:srgbClr val="0000FF"/>
+                </a:solidFill>
+                <a:highlight>
+                  <a:srgbClr val="FFFFFF"/>
+                </a:highlight>
+                <a:latin typeface="Consolas" panose="020B0609020204030204" pitchFamily="49" charset="0"/>
+              </a:rPr>
+              <a:t>get</a:t>
+            </a:r>
+            <a:r>
+              <a:rPr lang="en-US" sz="2400" dirty="0">
+                <a:solidFill>
+                  <a:srgbClr val="000000"/>
+                </a:solidFill>
+                <a:highlight>
+                  <a:srgbClr val="FFFFFF"/>
+                </a:highlight>
+                <a:latin typeface="Consolas" panose="020B0609020204030204" pitchFamily="49" charset="0"/>
+              </a:rPr>
+              <a:t>; </a:t>
+            </a:r>
+            <a:r>
+              <a:rPr lang="en-US" sz="2400" dirty="0">
+                <a:solidFill>
+                  <a:srgbClr val="0000FF"/>
+                </a:solidFill>
+                <a:highlight>
+                  <a:srgbClr val="FFFFFF"/>
+                </a:highlight>
+                <a:latin typeface="Consolas" panose="020B0609020204030204" pitchFamily="49" charset="0"/>
+              </a:rPr>
+              <a:t>set</a:t>
+            </a:r>
+            <a:r>
+              <a:rPr lang="en-US" sz="2400" dirty="0">
+                <a:solidFill>
+                  <a:srgbClr val="000000"/>
+                </a:solidFill>
+                <a:highlight>
+                  <a:srgbClr val="FFFFFF"/>
+                </a:highlight>
+                <a:latin typeface="Consolas" panose="020B0609020204030204" pitchFamily="49" charset="0"/>
+              </a:rPr>
+              <a:t>; </a:t>
+            </a:r>
+            <a:r>
+              <a:rPr lang="en-US" sz="2400" dirty="0" smtClean="0">
+                <a:solidFill>
+                  <a:srgbClr val="000000"/>
+                </a:solidFill>
+                <a:highlight>
+                  <a:srgbClr val="FFFFFF"/>
+                </a:highlight>
+                <a:latin typeface="Consolas" panose="020B0609020204030204" pitchFamily="49" charset="0"/>
+              </a:rPr>
+              <a:t>}</a:t>
+            </a:r>
+          </a:p>
+          <a:p>
+            <a:r>
+              <a:rPr lang="en-US" sz="2400" dirty="0">
+                <a:solidFill>
+                  <a:srgbClr val="0000FF"/>
+                </a:solidFill>
+                <a:highlight>
+                  <a:srgbClr val="FFFFFF"/>
+                </a:highlight>
+                <a:latin typeface="Consolas" panose="020B0609020204030204" pitchFamily="49" charset="0"/>
+              </a:rPr>
+              <a:t> </a:t>
+            </a:r>
+            <a:r>
+              <a:rPr lang="en-US" sz="2400" dirty="0" smtClean="0">
+                <a:solidFill>
+                  <a:srgbClr val="0000FF"/>
+                </a:solidFill>
+                <a:highlight>
+                  <a:srgbClr val="FFFFFF"/>
+                </a:highlight>
+                <a:latin typeface="Consolas" panose="020B0609020204030204" pitchFamily="49" charset="0"/>
+              </a:rPr>
+              <a:t>  public</a:t>
+            </a:r>
+            <a:r>
+              <a:rPr lang="en-US" sz="2400" dirty="0" smtClean="0">
+                <a:solidFill>
+                  <a:srgbClr val="000000"/>
+                </a:solidFill>
+                <a:highlight>
+                  <a:srgbClr val="FFFFFF"/>
+                </a:highlight>
+                <a:latin typeface="Consolas" panose="020B0609020204030204" pitchFamily="49" charset="0"/>
+              </a:rPr>
+              <a:t> </a:t>
+            </a:r>
+            <a:r>
+              <a:rPr lang="en-US" sz="2400" dirty="0" smtClean="0">
+                <a:solidFill>
+                  <a:srgbClr val="2B91AF"/>
+                </a:solidFill>
+                <a:highlight>
+                  <a:srgbClr val="FFFFFF"/>
+                </a:highlight>
+                <a:latin typeface="Consolas" panose="020B0609020204030204" pitchFamily="49" charset="0"/>
+              </a:rPr>
+              <a:t>decimal </a:t>
+            </a:r>
+            <a:r>
+              <a:rPr lang="en-US" sz="2400" dirty="0" smtClean="0">
+                <a:solidFill>
+                  <a:srgbClr val="000000"/>
+                </a:solidFill>
+                <a:highlight>
+                  <a:srgbClr val="FFFFFF"/>
+                </a:highlight>
+                <a:latin typeface="Consolas" panose="020B0609020204030204" pitchFamily="49" charset="0"/>
+              </a:rPr>
+              <a:t>Cost{ </a:t>
+            </a:r>
+            <a:r>
+              <a:rPr lang="en-US" sz="2400" dirty="0">
+                <a:solidFill>
+                  <a:srgbClr val="0000FF"/>
+                </a:solidFill>
+                <a:highlight>
+                  <a:srgbClr val="FFFFFF"/>
+                </a:highlight>
+                <a:latin typeface="Consolas" panose="020B0609020204030204" pitchFamily="49" charset="0"/>
+              </a:rPr>
+              <a:t>get</a:t>
+            </a:r>
+            <a:r>
+              <a:rPr lang="en-US" sz="2400" dirty="0">
+                <a:solidFill>
+                  <a:srgbClr val="000000"/>
+                </a:solidFill>
+                <a:highlight>
+                  <a:srgbClr val="FFFFFF"/>
+                </a:highlight>
+                <a:latin typeface="Consolas" panose="020B0609020204030204" pitchFamily="49" charset="0"/>
+              </a:rPr>
+              <a:t>; </a:t>
+            </a:r>
+            <a:r>
+              <a:rPr lang="en-US" sz="2400" dirty="0">
+                <a:solidFill>
+                  <a:srgbClr val="0000FF"/>
+                </a:solidFill>
+                <a:highlight>
+                  <a:srgbClr val="FFFFFF"/>
+                </a:highlight>
+                <a:latin typeface="Consolas" panose="020B0609020204030204" pitchFamily="49" charset="0"/>
+              </a:rPr>
+              <a:t>set</a:t>
+            </a:r>
+            <a:r>
+              <a:rPr lang="en-US" sz="2400" dirty="0">
+                <a:solidFill>
+                  <a:srgbClr val="000000"/>
+                </a:solidFill>
+                <a:highlight>
+                  <a:srgbClr val="FFFFFF"/>
+                </a:highlight>
+                <a:latin typeface="Consolas" panose="020B0609020204030204" pitchFamily="49" charset="0"/>
+              </a:rPr>
+              <a:t>; }</a:t>
+            </a:r>
+          </a:p>
+          <a:p>
+            <a:r>
+              <a:rPr lang="en-US" sz="2400" dirty="0">
+                <a:solidFill>
+                  <a:srgbClr val="000000"/>
+                </a:solidFill>
+                <a:highlight>
+                  <a:srgbClr val="FFFFFF"/>
+                </a:highlight>
+                <a:latin typeface="Consolas" panose="020B0609020204030204" pitchFamily="49" charset="0"/>
+              </a:rPr>
+              <a:t>}</a:t>
+            </a:r>
+            <a:endParaRPr lang="en-US" sz="2400" dirty="0">
+              <a:sym typeface="Wingdings" panose="05000000000000000000" pitchFamily="2" charset="2"/>
+            </a:endParaRPr>
           </a:p>
         </p:txBody>
       </p:sp>
     </p:spTree>
     <p:extLst>
       <p:ext uri="{BB962C8B-B14F-4D97-AF65-F5344CB8AC3E}">
-        <p14:creationId xmlns:p14="http://schemas.microsoft.com/office/powerpoint/2010/main" val="3402765651"/>
+        <p14:creationId xmlns:p14="http://schemas.microsoft.com/office/powerpoint/2010/main" val="2192432213"/>
       </p:ext>
     </p:extLst>
   </p:cSld>
@@ -7883,7 +9279,7 @@
       </p:grpSpPr>
       <p:sp>
         <p:nvSpPr>
-          <p:cNvPr id="2" name="Title 1"/>
+          <p:cNvPr id="4" name="Title 3"/>
           <p:cNvSpPr>
             <a:spLocks noGrp="1"/>
           </p:cNvSpPr>
@@ -7898,153 +9294,16 @@
           <a:p>
             <a:r>
               <a:rPr lang="en-US" dirty="0" smtClean="0"/>
-              <a:t>Helpful </a:t>
-            </a:r>
-            <a:r>
-              <a:rPr lang="en-US" dirty="0" smtClean="0"/>
-              <a:t>hints in a web world</a:t>
+              <a:t>Basic code first and scaffolding</a:t>
             </a:r>
             <a:endParaRPr lang="en-US" dirty="0"/>
           </a:p>
         </p:txBody>
       </p:sp>
-      <p:sp>
-        <p:nvSpPr>
-          <p:cNvPr id="3" name="Content Placeholder 2"/>
-          <p:cNvSpPr>
-            <a:spLocks noGrp="1"/>
-          </p:cNvSpPr>
-          <p:nvPr>
-            <p:ph sz="quarter" idx="10"/>
-          </p:nvPr>
-        </p:nvSpPr>
-        <p:spPr/>
-        <p:txBody>
-          <a:bodyPr/>
-          <a:lstStyle/>
-          <a:p>
-            <a:r>
-              <a:rPr lang="en-US" dirty="0" smtClean="0"/>
-              <a:t>If you have two context classes</a:t>
-            </a:r>
-          </a:p>
-          <a:p>
-            <a:pPr lvl="1"/>
-            <a:r>
-              <a:rPr lang="en-US" dirty="0" smtClean="0"/>
-              <a:t>One from Identity</a:t>
-            </a:r>
-          </a:p>
-          <a:p>
-            <a:pPr lvl="1"/>
-            <a:r>
-              <a:rPr lang="en-US" dirty="0" smtClean="0"/>
-              <a:t>One for your other entities</a:t>
-            </a:r>
-          </a:p>
-          <a:p>
-            <a:r>
-              <a:rPr lang="en-US" dirty="0" smtClean="0"/>
-              <a:t>Migrations should be setup like…</a:t>
-            </a:r>
-          </a:p>
-          <a:p>
-            <a:pPr lvl="1"/>
-            <a:r>
-              <a:rPr lang="en-US" dirty="0">
-                <a:hlinkClick r:id="rId2"/>
-              </a:rPr>
-              <a:t>http://</a:t>
-            </a:r>
-            <a:r>
-              <a:rPr lang="en-US" dirty="0" smtClean="0">
-                <a:hlinkClick r:id="rId2"/>
-              </a:rPr>
-              <a:t>stackoverflow.com/questions/13469881/how-do-i-enable-ef-migrations-for-multiple-contexts-to-separate-databases</a:t>
-            </a:r>
-            <a:endParaRPr lang="en-US" dirty="0" smtClean="0"/>
-          </a:p>
-          <a:p>
-            <a:r>
-              <a:rPr lang="en-US" dirty="0" smtClean="0"/>
-              <a:t>Since the web layers (controller to view) are disconnected</a:t>
-            </a:r>
-          </a:p>
-          <a:p>
-            <a:pPr lvl="1"/>
-            <a:r>
-              <a:rPr lang="en-US" dirty="0" smtClean="0"/>
-              <a:t>Always convert </a:t>
-            </a:r>
-            <a:r>
-              <a:rPr lang="en-US" dirty="0"/>
-              <a:t>results </a:t>
-            </a:r>
-            <a:r>
-              <a:rPr lang="en-US" dirty="0" smtClean="0"/>
-              <a:t>to </a:t>
-            </a:r>
-            <a:r>
-              <a:rPr lang="en-US" dirty="0" err="1" smtClean="0"/>
-              <a:t>IEnumerable</a:t>
-            </a:r>
-            <a:r>
-              <a:rPr lang="en-US" dirty="0" smtClean="0"/>
-              <a:t> </a:t>
-            </a:r>
-          </a:p>
-          <a:p>
-            <a:r>
-              <a:rPr lang="en-US" dirty="0" err="1"/>
-              <a:t>DbContext</a:t>
-            </a:r>
-            <a:r>
-              <a:rPr lang="en-US" dirty="0"/>
-              <a:t> is not thread safe. </a:t>
-            </a:r>
-            <a:endParaRPr lang="en-US" dirty="0" smtClean="0"/>
-          </a:p>
-          <a:p>
-            <a:r>
-              <a:rPr lang="en-US" dirty="0" smtClean="0"/>
-              <a:t>Always dispose </a:t>
-            </a:r>
-            <a:r>
-              <a:rPr lang="en-US" dirty="0" err="1" smtClean="0"/>
-              <a:t>DbContext</a:t>
-            </a:r>
-            <a:endParaRPr lang="en-US" dirty="0"/>
-          </a:p>
-        </p:txBody>
-      </p:sp>
-      <p:pic>
-        <p:nvPicPr>
-          <p:cNvPr id="4" name="Picture 3"/>
-          <p:cNvPicPr>
-            <a:picLocks noChangeAspect="1"/>
-          </p:cNvPicPr>
-          <p:nvPr/>
-        </p:nvPicPr>
-        <p:blipFill>
-          <a:blip r:embed="rId3"/>
-          <a:stretch>
-            <a:fillRect/>
-          </a:stretch>
-        </p:blipFill>
-        <p:spPr>
-          <a:xfrm>
-            <a:off x="10000527" y="182215"/>
-            <a:ext cx="2007591" cy="734321"/>
-          </a:xfrm>
-          <a:prstGeom prst="rect">
-            <a:avLst/>
-          </a:prstGeom>
-        </p:spPr>
-      </p:pic>
     </p:spTree>
     <p:extLst>
       <p:ext uri="{BB962C8B-B14F-4D97-AF65-F5344CB8AC3E}">
-        <p14:creationId xmlns:p14="http://schemas.microsoft.com/office/powerpoint/2010/main" val="3555440215"/>
+        <p14:creationId xmlns:p14="http://schemas.microsoft.com/office/powerpoint/2010/main" val="1101191013"/>
       </p:ext>
     </p:extLst>
   </p:cSld>
@@ -8410,17 +9669,12 @@
               <a:rPr lang="en-US" dirty="0" smtClean="0"/>
               <a:t>No connect string. </a:t>
             </a:r>
-            <a:endParaRPr lang="en-US" dirty="0" smtClean="0"/>
           </a:p>
           <a:p>
             <a:pPr algn="ctr"/>
             <a:r>
               <a:rPr lang="en-US" dirty="0" smtClean="0"/>
-              <a:t>Start </a:t>
-            </a:r>
-            <a:r>
-              <a:rPr lang="en-US" dirty="0" smtClean="0"/>
-              <a:t>database checks</a:t>
+              <a:t>Start database checks</a:t>
             </a:r>
           </a:p>
         </p:txBody>
@@ -8470,7 +9724,6 @@
               <a:rPr lang="en-US" dirty="0" smtClean="0"/>
               <a:t>Open Connection</a:t>
             </a:r>
-            <a:endParaRPr lang="en-US" dirty="0" smtClean="0"/>
           </a:p>
         </p:txBody>
       </p:sp>
@@ -8510,11 +9763,7 @@
             <a:pPr algn="ctr"/>
             <a:r>
               <a:rPr lang="en-US" dirty="0" smtClean="0"/>
-              <a:t>Connect string </a:t>
-            </a:r>
-            <a:r>
-              <a:rPr lang="en-US" dirty="0" smtClean="0"/>
-              <a:t>named in </a:t>
+              <a:t>Connect string named in </a:t>
             </a:r>
             <a:r>
               <a:rPr lang="en-US" dirty="0" err="1" smtClean="0"/>
@@ -8610,11 +9859,7 @@
             <a:pPr algn="ctr"/>
             <a:r>
               <a:rPr lang="en-US" dirty="0" smtClean="0"/>
-              <a:t>Look for </a:t>
-            </a:r>
-            <a:r>
-              <a:rPr lang="en-US" dirty="0" smtClean="0"/>
-              <a:t>(</a:t>
+              <a:t>Look for (</a:t>
             </a:r>
             <a:r>
               <a:rPr lang="en-US" dirty="0" err="1" smtClean="0"/>
@@ -8622,11 +9867,7 @@
             </a:r>
             <a:r>
               <a:rPr lang="en-US" dirty="0" smtClean="0"/>
-              <a:t>)\\</a:t>
-            </a:r>
-            <a:r>
-              <a:rPr lang="en-US" dirty="0" smtClean="0"/>
-              <a:t>11</a:t>
+              <a:t>)\\11</a:t>
             </a:r>
             <a:endParaRPr lang="en-US" dirty="0"/>
           </a:p>
@@ -8668,7 +9909,11 @@
             <a:pPr algn="ctr"/>
             <a:r>
               <a:rPr lang="en-US" dirty="0" smtClean="0"/>
-              <a:t>Look for </a:t>
+              <a:t>Look </a:t>
+            </a:r>
+            <a:r>
+              <a:rPr lang="en-US" dirty="0" smtClean="0"/>
+              <a:t>for </a:t>
             </a:r>
             <a:r>
               <a:rPr lang="en-US" dirty="0" smtClean="0"/>
@@ -8679,12 +9924,12 @@
               <a:t>localdb</a:t>
             </a:r>
             <a:r>
-              <a:rPr lang="en-US" dirty="0" smtClean="0"/>
+              <a:rPr lang="en-US" dirty="0"/>
               <a:t>)\\</a:t>
             </a:r>
             <a:r>
-              <a:rPr lang="en-US" dirty="0" smtClean="0"/>
-              <a:t>11</a:t>
+              <a:rPr lang="en-US" dirty="0" err="1" smtClean="0"/>
+              <a:t>mssqllocaldb</a:t>
             </a:r>
             <a:endParaRPr lang="en-US" dirty="0"/>
           </a:p>
@@ -8849,7 +10094,6 @@
               <a:rPr lang="en-US" dirty="0" smtClean="0"/>
               <a:t>Open Connection</a:t>
             </a:r>
-            <a:endParaRPr lang="en-US" dirty="0" smtClean="0"/>
           </a:p>
         </p:txBody>
       </p:sp>
@@ -9030,11 +10274,11 @@
   <p:clrMapOvr>
     <a:masterClrMapping/>
   </p:clrMapOvr>
-  <mc:AlternateContent xmlns:mc="http://schemas.openxmlformats.org/markup-compatibility/2006">
-    <mc:Choice xmlns:p14="http://schemas.microsoft.com/office/powerpoint/2010/main" Requires="p14">
+  <mc:AlternateContent xmlns:mc="http://schemas.openxmlformats.org/markup-compatibility/2006" xmlns:p14="http://schemas.microsoft.com/office/powerpoint/2010/main">
+    <mc:Choice Requires="p14">
       <p:transition spd="slow" p14:dur="2000"/>
     </mc:Choice>
-    <mc:Fallback>
+    <mc:Fallback xmlns="">
       <p:transition spd="slow"/>
     </mc:Fallback>
   </mc:AlternateContent>
@@ -9912,7 +11156,7 @@
       </p:grpSpPr>
       <p:sp>
         <p:nvSpPr>
-          <p:cNvPr id="4" name="Title 3"/>
+          <p:cNvPr id="2" name="Title 1"/>
           <p:cNvSpPr>
             <a:spLocks noGrp="1"/>
           </p:cNvSpPr>
@@ -9927,20 +11171,153 @@
           <a:p>
             <a:r>
               <a:rPr lang="en-US" dirty="0" smtClean="0"/>
-              <a:t>Basic code first and </a:t>
-            </a:r>
-            <a:r>
-              <a:rPr lang="en-US" dirty="0" smtClean="0"/>
-              <a:t>scaffolding</a:t>
+              <a:t>Helpful Hint</a:t>
             </a:r>
             <a:endParaRPr lang="en-US" dirty="0"/>
           </a:p>
         </p:txBody>
       </p:sp>
+      <p:sp>
+        <p:nvSpPr>
+          <p:cNvPr id="7" name="Content Placeholder 6"/>
+          <p:cNvSpPr>
+            <a:spLocks noGrp="1"/>
+          </p:cNvSpPr>
+          <p:nvPr>
+            <p:ph sz="quarter" idx="10"/>
+          </p:nvPr>
+        </p:nvSpPr>
+        <p:spPr>
+          <a:xfrm>
+            <a:off x="379412" y="1388226"/>
+            <a:ext cx="11812587" cy="5290388"/>
+          </a:xfrm>
+        </p:spPr>
+        <p:txBody>
+          <a:bodyPr/>
+          <a:lstStyle/>
+          <a:p>
+            <a:r>
+              <a:rPr lang="en-US" dirty="0" smtClean="0"/>
+              <a:t>Note differences in </a:t>
+            </a:r>
+            <a:r>
+              <a:rPr lang="en-US" dirty="0" err="1" smtClean="0"/>
+              <a:t>localdb</a:t>
+            </a:r>
+            <a:r>
+              <a:rPr lang="en-US" dirty="0" smtClean="0"/>
+              <a:t> connection string</a:t>
+            </a:r>
+          </a:p>
+          <a:p>
+            <a:r>
+              <a:rPr lang="en-US" dirty="0" smtClean="0"/>
+              <a:t>Connection string</a:t>
+            </a:r>
+          </a:p>
+          <a:p>
+            <a:pPr lvl="1"/>
+            <a:r>
+              <a:rPr lang="en-US" dirty="0" smtClean="0"/>
+              <a:t>Data </a:t>
+            </a:r>
+            <a:r>
+              <a:rPr lang="en-US" dirty="0"/>
+              <a:t>Source=(</a:t>
+            </a:r>
+            <a:r>
+              <a:rPr lang="en-US" dirty="0" err="1"/>
+              <a:t>localdb</a:t>
+            </a:r>
+            <a:r>
+              <a:rPr lang="en-US" dirty="0"/>
+              <a:t>)</a:t>
+            </a:r>
+            <a:r>
+              <a:rPr lang="en-US" b="1" dirty="0">
+                <a:solidFill>
+                  <a:srgbClr val="FF0000"/>
+                </a:solidFill>
+              </a:rPr>
+              <a:t>\\</a:t>
+            </a:r>
+            <a:r>
+              <a:rPr lang="en-US" dirty="0" err="1"/>
+              <a:t>mssqllocaldb</a:t>
+            </a:r>
+            <a:r>
+              <a:rPr lang="en-US" dirty="0"/>
+              <a:t>;</a:t>
+            </a:r>
+          </a:p>
+          <a:p>
+            <a:r>
+              <a:rPr lang="en-US" dirty="0" smtClean="0"/>
+              <a:t>In dialog to connect</a:t>
+            </a:r>
+          </a:p>
+          <a:p>
+            <a:pPr lvl="1"/>
+            <a:r>
+              <a:rPr lang="en-US" dirty="0" smtClean="0"/>
+              <a:t>(</a:t>
+            </a:r>
+            <a:r>
+              <a:rPr lang="en-US" dirty="0" err="1" smtClean="0"/>
+              <a:t>localdb</a:t>
+            </a:r>
+            <a:r>
+              <a:rPr lang="en-US" dirty="0"/>
+              <a:t>)</a:t>
+            </a:r>
+            <a:r>
+              <a:rPr lang="en-US" b="1" dirty="0">
+                <a:solidFill>
+                  <a:srgbClr val="FF0000"/>
+                </a:solidFill>
+              </a:rPr>
+              <a:t>\</a:t>
+            </a:r>
+            <a:r>
+              <a:rPr lang="en-US" dirty="0" err="1" smtClean="0"/>
+              <a:t>mssqllocaldb</a:t>
+            </a:r>
+            <a:endParaRPr lang="en-US" dirty="0" smtClean="0"/>
+          </a:p>
+          <a:p>
+            <a:endParaRPr lang="en-US" dirty="0"/>
+          </a:p>
+        </p:txBody>
+      </p:sp>
+      <p:pic>
+        <p:nvPicPr>
+          <p:cNvPr id="10" name="Picture 9"/>
+          <p:cNvPicPr>
+            <a:picLocks noChangeAspect="1"/>
+          </p:cNvPicPr>
+          <p:nvPr/>
+        </p:nvPicPr>
+        <p:blipFill>
+          <a:blip r:embed="rId3"/>
+          <a:stretch>
+            <a:fillRect/>
+          </a:stretch>
+        </p:blipFill>
+        <p:spPr>
+          <a:xfrm>
+            <a:off x="6810873" y="3129326"/>
+            <a:ext cx="5093073" cy="3432732"/>
+          </a:xfrm>
+          <a:prstGeom prst="rect">
+            <a:avLst/>
+          </a:prstGeom>
+        </p:spPr>
+      </p:pic>
     </p:spTree>
     <p:extLst>
       <p:ext uri="{BB962C8B-B14F-4D97-AF65-F5344CB8AC3E}">
-        <p14:creationId xmlns:p14="http://schemas.microsoft.com/office/powerpoint/2010/main" val="1101191013"/>
+        <p14:creationId xmlns:p14="http://schemas.microsoft.com/office/powerpoint/2010/main" val="3047832012"/>
       </p:ext>
     </p:extLst>
   </p:cSld>
@@ -9958,6 +11335,74 @@
 </file>
 
 <file path=ppt/slides/slide19.xml><?xml version="1.0" encoding="utf-8"?>
+<p:sld xmlns:a="http://schemas.openxmlformats.org/drawingml/2006/main" xmlns:r="http://schemas.openxmlformats.org/officeDocument/2006/relationships" xmlns:p="http://schemas.openxmlformats.org/presentationml/2006/main" show="0">
+  <p:cSld>
+    <p:spTree>
+      <p:nvGrpSpPr>
+        <p:cNvPr id="1" name=""/>
+        <p:cNvGrpSpPr/>
+        <p:nvPr/>
+      </p:nvGrpSpPr>
+      <p:grpSpPr>
+        <a:xfrm>
+          <a:off x="0" y="0"/>
+          <a:ext cx="0" cy="0"/>
+          <a:chOff x="0" y="0"/>
+          <a:chExt cx="0" cy="0"/>
+        </a:xfrm>
+      </p:grpSpPr>
+      <p:sp>
+        <p:nvSpPr>
+          <p:cNvPr id="4" name="Title 3"/>
+          <p:cNvSpPr>
+            <a:spLocks noGrp="1"/>
+          </p:cNvSpPr>
+          <p:nvPr>
+            <p:ph type="title"/>
+          </p:nvPr>
+        </p:nvSpPr>
+        <p:spPr/>
+        <p:txBody>
+          <a:bodyPr/>
+          <a:lstStyle/>
+          <a:p>
+            <a:r>
+              <a:rPr lang="en-US" dirty="0" smtClean="0"/>
+              <a:t>Database Initializers</a:t>
+            </a:r>
+            <a:endParaRPr lang="en-US" dirty="0"/>
+          </a:p>
+        </p:txBody>
+      </p:sp>
+    </p:spTree>
+    <p:extLst>
+      <p:ext uri="{BB962C8B-B14F-4D97-AF65-F5344CB8AC3E}">
+        <p14:creationId xmlns:p14="http://schemas.microsoft.com/office/powerpoint/2010/main" val="4116856698"/>
+      </p:ext>
+    </p:extLst>
+  </p:cSld>
+  <p:clrMapOvr>
+    <a:masterClrMapping/>
+  </p:clrMapOvr>
+  <mc:AlternateContent xmlns:mc="http://schemas.openxmlformats.org/markup-compatibility/2006">
+    <mc:Choice xmlns:p14="http://schemas.microsoft.com/office/powerpoint/2010/main" Requires="p14">
+      <p:transition spd="slow" p14:dur="2000"/>
+    </mc:Choice>
+    <mc:Fallback>
+      <p:transition spd="slow"/>
+    </mc:Fallback>
+  </mc:AlternateContent>
+  <p:timing>
+    <p:tnLst>
+      <p:par>
+        <p:cTn id="1" dur="indefinite" restart="never" nodeType="tmRoot"/>
+      </p:par>
+    </p:tnLst>
+  </p:timing>
+</p:sld>
+</file>
+
+<file path=ppt/slides/slide2.xml><?xml version="1.0" encoding="utf-8"?>
 <p:sld xmlns:a="http://schemas.openxmlformats.org/drawingml/2006/main" xmlns:r="http://schemas.openxmlformats.org/officeDocument/2006/relationships" xmlns:p="http://schemas.openxmlformats.org/presentationml/2006/main">
   <p:cSld>
     <p:spTree>
@@ -9976,6 +11421,232 @@
       </p:grpSpPr>
       <p:sp>
         <p:nvSpPr>
+          <p:cNvPr id="2" name="Title 1"/>
+          <p:cNvSpPr>
+            <a:spLocks noGrp="1"/>
+          </p:cNvSpPr>
+          <p:nvPr>
+            <p:ph type="title"/>
+          </p:nvPr>
+        </p:nvSpPr>
+        <p:spPr/>
+        <p:txBody>
+          <a:bodyPr/>
+          <a:lstStyle/>
+          <a:p>
+            <a:r>
+              <a:rPr lang="en-US" dirty="0" smtClean="0"/>
+              <a:t>Meet Adam Tuliper | ‏@</a:t>
+            </a:r>
+            <a:r>
+              <a:rPr lang="en-US" dirty="0" err="1" smtClean="0"/>
+              <a:t>AdamTuliper</a:t>
+            </a:r>
+            <a:r>
+              <a:rPr lang="en-US" dirty="0" smtClean="0"/>
+              <a:t> </a:t>
+            </a:r>
+            <a:endParaRPr lang="en-US" dirty="0"/>
+          </a:p>
+        </p:txBody>
+      </p:sp>
+      <p:sp>
+        <p:nvSpPr>
+          <p:cNvPr id="7" name="Content Placeholder 6"/>
+          <p:cNvSpPr>
+            <a:spLocks noGrp="1"/>
+          </p:cNvSpPr>
+          <p:nvPr>
+            <p:ph idx="10"/>
+          </p:nvPr>
+        </p:nvSpPr>
+        <p:spPr/>
+        <p:txBody>
+          <a:bodyPr/>
+          <a:lstStyle/>
+          <a:p>
+            <a:r>
+              <a:rPr lang="en-US" dirty="0" smtClean="0"/>
+              <a:t>Technical Evangelist, Microsoft</a:t>
+            </a:r>
+          </a:p>
+          <a:p>
+            <a:pPr lvl="1"/>
+            <a:r>
+              <a:rPr lang="en-US" dirty="0" smtClean="0"/>
+              <a:t>Focused on </a:t>
+            </a:r>
+            <a:r>
+              <a:rPr lang="en-US" dirty="0" smtClean="0"/>
+              <a:t>Web, Data, Gaming</a:t>
+            </a:r>
+            <a:r>
+              <a:rPr lang="en-US" dirty="0"/>
+              <a:t>, </a:t>
+            </a:r>
+            <a:r>
+              <a:rPr lang="en-US" dirty="0" smtClean="0"/>
+              <a:t>and Cloud Technologies</a:t>
+            </a:r>
+          </a:p>
+          <a:p>
+            <a:pPr lvl="1"/>
+            <a:r>
+              <a:rPr lang="en-US" dirty="0" smtClean="0"/>
+              <a:t>Emphasis on secure development practices</a:t>
+            </a:r>
+          </a:p>
+          <a:p>
+            <a:r>
+              <a:rPr lang="en-US" dirty="0" smtClean="0"/>
+              <a:t>20 years of industry experience as software architect</a:t>
+            </a:r>
+          </a:p>
+          <a:p>
+            <a:pPr lvl="1"/>
+            <a:r>
+              <a:rPr lang="en-US" dirty="0" smtClean="0"/>
+              <a:t>Enterprise, startups, public </a:t>
+            </a:r>
+            <a:r>
+              <a:rPr lang="en-US" dirty="0"/>
+              <a:t>s</a:t>
+            </a:r>
+            <a:r>
+              <a:rPr lang="en-US" dirty="0" smtClean="0"/>
+              <a:t>ector, defense, healthcare, financial industries</a:t>
+            </a:r>
+          </a:p>
+          <a:p>
+            <a:pPr lvl="1"/>
+            <a:r>
+              <a:rPr lang="en-US" dirty="0" smtClean="0"/>
+              <a:t>channel9.msdn.com/Blogs/</a:t>
+            </a:r>
+            <a:r>
+              <a:rPr lang="en-US" dirty="0" err="1" smtClean="0"/>
+              <a:t>AdamTuliper</a:t>
+            </a:r>
+            <a:endParaRPr lang="en-US" dirty="0" smtClean="0"/>
+          </a:p>
+          <a:p>
+            <a:pPr lvl="2"/>
+            <a:r>
+              <a:rPr lang="en-US" dirty="0" smtClean="0"/>
+              <a:t>Video content</a:t>
+            </a:r>
+          </a:p>
+          <a:p>
+            <a:pPr lvl="1"/>
+            <a:r>
+              <a:rPr lang="en-US" dirty="0" smtClean="0"/>
+              <a:t>adamtuliper.com</a:t>
+            </a:r>
+            <a:endParaRPr lang="en-US" dirty="0" smtClean="0"/>
+          </a:p>
+        </p:txBody>
+      </p:sp>
+      <p:pic>
+        <p:nvPicPr>
+          <p:cNvPr id="3" name="Picture 2"/>
+          <p:cNvPicPr>
+            <a:picLocks noChangeAspect="1"/>
+          </p:cNvPicPr>
+          <p:nvPr/>
+        </p:nvPicPr>
+        <p:blipFill>
+          <a:blip r:embed="rId3" cstate="print">
+            <a:extLst>
+              <a:ext uri="{28A0092B-C50C-407E-A947-70E740481C1C}">
+                <a14:useLocalDpi xmlns:a14="http://schemas.microsoft.com/office/drawing/2010/main" val="0"/>
+              </a:ext>
+            </a:extLst>
+          </a:blip>
+          <a:stretch>
+            <a:fillRect/>
+          </a:stretch>
+        </p:blipFill>
+        <p:spPr>
+          <a:xfrm>
+            <a:off x="10190602" y="182215"/>
+            <a:ext cx="1803093" cy="1689143"/>
+          </a:xfrm>
+          <a:prstGeom prst="rect">
+            <a:avLst/>
+          </a:prstGeom>
+        </p:spPr>
+      </p:pic>
+      <p:pic>
+        <p:nvPicPr>
+          <p:cNvPr id="5" name="Picture 4"/>
+          <p:cNvPicPr>
+            <a:picLocks noChangeAspect="1"/>
+          </p:cNvPicPr>
+          <p:nvPr/>
+        </p:nvPicPr>
+        <p:blipFill>
+          <a:blip r:embed="rId4"/>
+          <a:stretch>
+            <a:fillRect/>
+          </a:stretch>
+        </p:blipFill>
+        <p:spPr>
+          <a:xfrm>
+            <a:off x="10671823" y="5441114"/>
+            <a:ext cx="1428750" cy="1237500"/>
+          </a:xfrm>
+          <a:prstGeom prst="rect">
+            <a:avLst/>
+          </a:prstGeom>
+        </p:spPr>
+      </p:pic>
+    </p:spTree>
+    <p:extLst>
+      <p:ext uri="{BB962C8B-B14F-4D97-AF65-F5344CB8AC3E}">
+        <p14:creationId xmlns:p14="http://schemas.microsoft.com/office/powerpoint/2010/main" val="1784940003"/>
+      </p:ext>
+    </p:extLst>
+  </p:cSld>
+  <p:clrMapOvr>
+    <a:masterClrMapping/>
+  </p:clrMapOvr>
+  <mc:AlternateContent xmlns:mc="http://schemas.openxmlformats.org/markup-compatibility/2006">
+    <mc:Choice xmlns:p14="http://schemas.microsoft.com/office/powerpoint/2010/main" Requires="p14">
+      <p:transition spd="slow" p14:dur="2000"/>
+    </mc:Choice>
+    <mc:Fallback>
+      <p:transition spd="slow"/>
+    </mc:Fallback>
+  </mc:AlternateContent>
+  <p:timing>
+    <p:tnLst>
+      <p:par>
+        <p:cTn id="1" dur="indefinite" restart="never" nodeType="tmRoot"/>
+      </p:par>
+    </p:tnLst>
+  </p:timing>
+</p:sld>
+</file>
+
+<file path=ppt/slides/slide20.xml><?xml version="1.0" encoding="utf-8"?>
+<p:sld xmlns:a="http://schemas.openxmlformats.org/drawingml/2006/main" xmlns:r="http://schemas.openxmlformats.org/officeDocument/2006/relationships" xmlns:p="http://schemas.openxmlformats.org/presentationml/2006/main">
+  <p:cSld>
+    <p:spTree>
+      <p:nvGrpSpPr>
+        <p:cNvPr id="1" name=""/>
+        <p:cNvGrpSpPr/>
+        <p:nvPr/>
+      </p:nvGrpSpPr>
+      <p:grpSpPr>
+        <a:xfrm>
+          <a:off x="0" y="0"/>
+          <a:ext cx="0" cy="0"/>
+          <a:chOff x="0" y="0"/>
+          <a:chExt cx="0" cy="0"/>
+        </a:xfrm>
+      </p:grpSpPr>
+      <p:sp>
+        <p:nvSpPr>
           <p:cNvPr id="4" name="Title 3"/>
           <p:cNvSpPr>
             <a:spLocks noGrp="1"/>
@@ -9991,8 +11662,11 @@
           <a:p>
             <a:r>
               <a:rPr lang="en-US" dirty="0" smtClean="0"/>
-              <a:t>Database Initializers</a:t>
-            </a:r>
+              <a:t>Viewing queries and connection info</a:t>
+            </a:r>
+            <a:br>
+              <a:rPr lang="en-US" dirty="0" smtClean="0"/>
+            </a:br>
             <a:endParaRPr lang="en-US" dirty="0"/>
           </a:p>
         </p:txBody>
@@ -10000,7 +11674,7 @@
     </p:spTree>
     <p:extLst>
       <p:ext uri="{BB962C8B-B14F-4D97-AF65-F5344CB8AC3E}">
-        <p14:creationId xmlns:p14="http://schemas.microsoft.com/office/powerpoint/2010/main" val="4116856698"/>
+        <p14:creationId xmlns:p14="http://schemas.microsoft.com/office/powerpoint/2010/main" val="1336300272"/>
       </p:ext>
     </p:extLst>
   </p:cSld>
@@ -10017,7 +11691,416 @@
 </p:sld>
 </file>
 
-<file path=ppt/slides/slide2.xml><?xml version="1.0" encoding="utf-8"?>
+<file path=ppt/slides/slide21.xml><?xml version="1.0" encoding="utf-8"?>
+<p:sld xmlns:a="http://schemas.openxmlformats.org/drawingml/2006/main" xmlns:r="http://schemas.openxmlformats.org/officeDocument/2006/relationships" xmlns:p="http://schemas.openxmlformats.org/presentationml/2006/main">
+  <p:cSld>
+    <p:spTree>
+      <p:nvGrpSpPr>
+        <p:cNvPr id="1" name=""/>
+        <p:cNvGrpSpPr/>
+        <p:nvPr/>
+      </p:nvGrpSpPr>
+      <p:grpSpPr>
+        <a:xfrm>
+          <a:off x="0" y="0"/>
+          <a:ext cx="0" cy="0"/>
+          <a:chOff x="0" y="0"/>
+          <a:chExt cx="0" cy="0"/>
+        </a:xfrm>
+      </p:grpSpPr>
+      <p:sp>
+        <p:nvSpPr>
+          <p:cNvPr id="4" name="Text Placeholder 3"/>
+          <p:cNvSpPr>
+            <a:spLocks noGrp="1"/>
+          </p:cNvSpPr>
+          <p:nvPr>
+            <p:ph type="body" sz="quarter" idx="10"/>
+          </p:nvPr>
+        </p:nvSpPr>
+        <p:spPr/>
+        <p:txBody>
+          <a:bodyPr/>
+          <a:lstStyle/>
+          <a:p>
+            <a:r>
+              <a:rPr lang="en-US" dirty="0" smtClean="0"/>
+              <a:t>Generating EF classes</a:t>
+            </a:r>
+            <a:endParaRPr lang="en-US" dirty="0"/>
+          </a:p>
+        </p:txBody>
+      </p:sp>
+      <p:sp>
+        <p:nvSpPr>
+          <p:cNvPr id="3" name="Subtitle 2"/>
+          <p:cNvSpPr>
+            <a:spLocks noGrp="1"/>
+          </p:cNvSpPr>
+          <p:nvPr>
+            <p:ph type="subTitle" idx="1"/>
+          </p:nvPr>
+        </p:nvSpPr>
+        <p:spPr/>
+        <p:txBody>
+          <a:bodyPr/>
+          <a:lstStyle/>
+          <a:p>
+            <a:endParaRPr lang="en-US" dirty="0"/>
+          </a:p>
+        </p:txBody>
+      </p:sp>
+    </p:spTree>
+    <p:extLst>
+      <p:ext uri="{BB962C8B-B14F-4D97-AF65-F5344CB8AC3E}">
+        <p14:creationId xmlns:p14="http://schemas.microsoft.com/office/powerpoint/2010/main" val="3457981239"/>
+      </p:ext>
+    </p:extLst>
+  </p:cSld>
+  <p:clrMapOvr>
+    <a:masterClrMapping/>
+  </p:clrMapOvr>
+  <p:timing>
+    <p:tnLst>
+      <p:par>
+        <p:cTn id="1" dur="indefinite" restart="never" nodeType="tmRoot"/>
+      </p:par>
+    </p:tnLst>
+  </p:timing>
+</p:sld>
+</file>
+
+<file path=ppt/slides/slide22.xml><?xml version="1.0" encoding="utf-8"?>
+<p:sld xmlns:a="http://schemas.openxmlformats.org/drawingml/2006/main" xmlns:r="http://schemas.openxmlformats.org/officeDocument/2006/relationships" xmlns:p="http://schemas.openxmlformats.org/presentationml/2006/main">
+  <p:cSld>
+    <p:spTree>
+      <p:nvGrpSpPr>
+        <p:cNvPr id="1" name=""/>
+        <p:cNvGrpSpPr/>
+        <p:nvPr/>
+      </p:nvGrpSpPr>
+      <p:grpSpPr>
+        <a:xfrm>
+          <a:off x="0" y="0"/>
+          <a:ext cx="0" cy="0"/>
+          <a:chOff x="0" y="0"/>
+          <a:chExt cx="0" cy="0"/>
+        </a:xfrm>
+      </p:grpSpPr>
+      <p:sp>
+        <p:nvSpPr>
+          <p:cNvPr id="2" name="Title 1"/>
+          <p:cNvSpPr>
+            <a:spLocks noGrp="1"/>
+          </p:cNvSpPr>
+          <p:nvPr>
+            <p:ph type="title"/>
+          </p:nvPr>
+        </p:nvSpPr>
+        <p:spPr/>
+        <p:txBody>
+          <a:bodyPr/>
+          <a:lstStyle/>
+          <a:p>
+            <a:r>
+              <a:rPr lang="en-US" dirty="0" smtClean="0"/>
+              <a:t>Ways to generate</a:t>
+            </a:r>
+            <a:endParaRPr lang="en-US" dirty="0"/>
+          </a:p>
+        </p:txBody>
+      </p:sp>
+      <p:sp>
+        <p:nvSpPr>
+          <p:cNvPr id="3" name="Content Placeholder 2"/>
+          <p:cNvSpPr>
+            <a:spLocks noGrp="1"/>
+          </p:cNvSpPr>
+          <p:nvPr>
+            <p:ph sz="quarter" idx="10"/>
+          </p:nvPr>
+        </p:nvSpPr>
+        <p:spPr/>
+        <p:txBody>
+          <a:bodyPr/>
+          <a:lstStyle/>
+          <a:p>
+            <a:r>
+              <a:rPr lang="en-US" dirty="0" smtClean="0"/>
+              <a:t>Hand coding classes</a:t>
+            </a:r>
+          </a:p>
+          <a:p>
+            <a:r>
+              <a:rPr lang="en-US" dirty="0" smtClean="0"/>
+              <a:t>Use a visual designer</a:t>
+            </a:r>
+          </a:p>
+          <a:p>
+            <a:r>
+              <a:rPr lang="en-US" dirty="0" smtClean="0"/>
+              <a:t>Add-&gt;ADO.NET Entity Data Model</a:t>
+            </a:r>
+          </a:p>
+          <a:p>
+            <a:r>
+              <a:rPr lang="en-US" dirty="0" smtClean="0"/>
+              <a:t>Database First Entity Designer</a:t>
+            </a:r>
+            <a:endParaRPr lang="en-US" dirty="0"/>
+          </a:p>
+        </p:txBody>
+      </p:sp>
+      <p:pic>
+        <p:nvPicPr>
+          <p:cNvPr id="4" name="Picture 3"/>
+          <p:cNvPicPr>
+            <a:picLocks noChangeAspect="1"/>
+          </p:cNvPicPr>
+          <p:nvPr/>
+        </p:nvPicPr>
+        <p:blipFill>
+          <a:blip r:embed="rId2"/>
+          <a:stretch>
+            <a:fillRect/>
+          </a:stretch>
+        </p:blipFill>
+        <p:spPr>
+          <a:xfrm>
+            <a:off x="4351071" y="4245939"/>
+            <a:ext cx="6563672" cy="2876773"/>
+          </a:xfrm>
+          <a:prstGeom prst="rect">
+            <a:avLst/>
+          </a:prstGeom>
+        </p:spPr>
+      </p:pic>
+    </p:spTree>
+    <p:extLst>
+      <p:ext uri="{BB962C8B-B14F-4D97-AF65-F5344CB8AC3E}">
+        <p14:creationId xmlns:p14="http://schemas.microsoft.com/office/powerpoint/2010/main" val="1368863669"/>
+      </p:ext>
+    </p:extLst>
+  </p:cSld>
+  <p:clrMapOvr>
+    <a:masterClrMapping/>
+  </p:clrMapOvr>
+  <p:timing>
+    <p:tnLst>
+      <p:par>
+        <p:cTn id="1" dur="indefinite" restart="never" nodeType="tmRoot"/>
+      </p:par>
+    </p:tnLst>
+  </p:timing>
+</p:sld>
+</file>
+
+<file path=ppt/slides/slide23.xml><?xml version="1.0" encoding="utf-8"?>
+<p:sld xmlns:a="http://schemas.openxmlformats.org/drawingml/2006/main" xmlns:r="http://schemas.openxmlformats.org/officeDocument/2006/relationships" xmlns:p="http://schemas.openxmlformats.org/presentationml/2006/main">
+  <p:cSld>
+    <p:spTree>
+      <p:nvGrpSpPr>
+        <p:cNvPr id="1" name=""/>
+        <p:cNvGrpSpPr/>
+        <p:nvPr/>
+      </p:nvGrpSpPr>
+      <p:grpSpPr>
+        <a:xfrm>
+          <a:off x="0" y="0"/>
+          <a:ext cx="0" cy="0"/>
+          <a:chOff x="0" y="0"/>
+          <a:chExt cx="0" cy="0"/>
+        </a:xfrm>
+      </p:grpSpPr>
+      <p:sp>
+        <p:nvSpPr>
+          <p:cNvPr id="2" name="Title 1"/>
+          <p:cNvSpPr>
+            <a:spLocks noGrp="1"/>
+          </p:cNvSpPr>
+          <p:nvPr>
+            <p:ph type="title"/>
+          </p:nvPr>
+        </p:nvSpPr>
+        <p:spPr/>
+        <p:txBody>
+          <a:bodyPr/>
+          <a:lstStyle/>
+          <a:p>
+            <a:r>
+              <a:rPr lang="en-US" dirty="0" smtClean="0"/>
+              <a:t>Generating database and reverse engineering</a:t>
+            </a:r>
+            <a:endParaRPr lang="en-US" dirty="0"/>
+          </a:p>
+        </p:txBody>
+      </p:sp>
+    </p:spTree>
+    <p:extLst>
+      <p:ext uri="{BB962C8B-B14F-4D97-AF65-F5344CB8AC3E}">
+        <p14:creationId xmlns:p14="http://schemas.microsoft.com/office/powerpoint/2010/main" val="3526553108"/>
+      </p:ext>
+    </p:extLst>
+  </p:cSld>
+  <p:clrMapOvr>
+    <a:masterClrMapping/>
+  </p:clrMapOvr>
+  <p:timing>
+    <p:tnLst>
+      <p:par>
+        <p:cTn id="1" dur="indefinite" restart="never" nodeType="tmRoot"/>
+      </p:par>
+    </p:tnLst>
+  </p:timing>
+</p:sld>
+</file>
+
+<file path=ppt/slides/slide24.xml><?xml version="1.0" encoding="utf-8"?>
+<p:sld xmlns:a="http://schemas.openxmlformats.org/drawingml/2006/main" xmlns:r="http://schemas.openxmlformats.org/officeDocument/2006/relationships" xmlns:p="http://schemas.openxmlformats.org/presentationml/2006/main">
+  <p:cSld>
+    <p:spTree>
+      <p:nvGrpSpPr>
+        <p:cNvPr id="1" name=""/>
+        <p:cNvGrpSpPr/>
+        <p:nvPr/>
+      </p:nvGrpSpPr>
+      <p:grpSpPr>
+        <a:xfrm>
+          <a:off x="0" y="0"/>
+          <a:ext cx="0" cy="0"/>
+          <a:chOff x="0" y="0"/>
+          <a:chExt cx="0" cy="0"/>
+        </a:xfrm>
+      </p:grpSpPr>
+      <p:sp>
+        <p:nvSpPr>
+          <p:cNvPr id="3" name="Title 2"/>
+          <p:cNvSpPr>
+            <a:spLocks noGrp="1"/>
+          </p:cNvSpPr>
+          <p:nvPr>
+            <p:ph type="title"/>
+          </p:nvPr>
+        </p:nvSpPr>
+        <p:spPr/>
+        <p:txBody>
+          <a:bodyPr/>
+          <a:lstStyle/>
+          <a:p>
+            <a:r>
+              <a:rPr lang="en-US" dirty="0" smtClean="0"/>
+              <a:t>Resources</a:t>
+            </a:r>
+            <a:endParaRPr lang="en-US" dirty="0"/>
+          </a:p>
+        </p:txBody>
+      </p:sp>
+      <p:sp>
+        <p:nvSpPr>
+          <p:cNvPr id="4" name="Content Placeholder 3"/>
+          <p:cNvSpPr>
+            <a:spLocks noGrp="1"/>
+          </p:cNvSpPr>
+          <p:nvPr>
+            <p:ph sz="quarter" idx="10"/>
+          </p:nvPr>
+        </p:nvSpPr>
+        <p:spPr/>
+        <p:txBody>
+          <a:bodyPr/>
+          <a:lstStyle/>
+          <a:p>
+            <a:r>
+              <a:rPr lang="en-US" dirty="0">
+                <a:hlinkClick r:id="rId2"/>
+              </a:rPr>
+              <a:t>http://blogs.msdn.com/b/adonet</a:t>
+            </a:r>
+            <a:r>
+              <a:rPr lang="en-US" dirty="0" smtClean="0">
+                <a:hlinkClick r:id="rId2"/>
+              </a:rPr>
+              <a:t>/</a:t>
+            </a:r>
+            <a:endParaRPr lang="en-US" dirty="0" smtClean="0"/>
+          </a:p>
+          <a:p>
+            <a:r>
+              <a:rPr lang="en-US" dirty="0" smtClean="0"/>
+              <a:t>Add this to the last session </a:t>
+            </a:r>
+          </a:p>
+          <a:p>
+            <a:pPr lvl="1"/>
+            <a:r>
+              <a:rPr lang="en-US" dirty="0"/>
+              <a:t>http://romiller.com/2014/06/10/reducing-code-first-database-chatter/</a:t>
+            </a:r>
+            <a:endParaRPr lang="en-US" dirty="0" smtClean="0"/>
+          </a:p>
+          <a:p>
+            <a:endParaRPr lang="en-US" dirty="0"/>
+          </a:p>
+        </p:txBody>
+      </p:sp>
+    </p:spTree>
+    <p:extLst>
+      <p:ext uri="{BB962C8B-B14F-4D97-AF65-F5344CB8AC3E}">
+        <p14:creationId xmlns:p14="http://schemas.microsoft.com/office/powerpoint/2010/main" val="1970048791"/>
+      </p:ext>
+    </p:extLst>
+  </p:cSld>
+  <p:clrMapOvr>
+    <a:masterClrMapping/>
+  </p:clrMapOvr>
+  <p:timing>
+    <p:tnLst>
+      <p:par>
+        <p:cTn id="1" dur="indefinite" restart="never" nodeType="tmRoot"/>
+      </p:par>
+    </p:tnLst>
+  </p:timing>
+</p:sld>
+</file>
+
+<file path=ppt/slides/slide25.xml><?xml version="1.0" encoding="utf-8"?>
+<p:sld xmlns:a="http://schemas.openxmlformats.org/drawingml/2006/main" xmlns:r="http://schemas.openxmlformats.org/officeDocument/2006/relationships" xmlns:p="http://schemas.openxmlformats.org/presentationml/2006/main">
+  <p:cSld>
+    <p:spTree>
+      <p:nvGrpSpPr>
+        <p:cNvPr id="1" name=""/>
+        <p:cNvGrpSpPr/>
+        <p:nvPr/>
+      </p:nvGrpSpPr>
+      <p:grpSpPr>
+        <a:xfrm>
+          <a:off x="0" y="0"/>
+          <a:ext cx="0" cy="0"/>
+          <a:chOff x="0" y="0"/>
+          <a:chExt cx="0" cy="0"/>
+        </a:xfrm>
+      </p:grpSpPr>
+    </p:spTree>
+    <p:extLst>
+      <p:ext uri="{BB962C8B-B14F-4D97-AF65-F5344CB8AC3E}">
+        <p14:creationId xmlns:p14="http://schemas.microsoft.com/office/powerpoint/2010/main" val="898363405"/>
+      </p:ext>
+    </p:extLst>
+  </p:cSld>
+  <p:clrMapOvr>
+    <a:masterClrMapping/>
+  </p:clrMapOvr>
+  <p:timing>
+    <p:tnLst>
+      <p:par>
+        <p:cTn id="1" dur="indefinite" restart="never" nodeType="tmRoot"/>
+      </p:par>
+    </p:tnLst>
+  </p:timing>
+</p:sld>
+</file>
+
+<file path=ppt/slides/slide3.xml><?xml version="1.0" encoding="utf-8"?>
 <p:sld xmlns:a="http://schemas.openxmlformats.org/drawingml/2006/main" xmlns:r="http://schemas.openxmlformats.org/officeDocument/2006/relationships" xmlns:p="http://schemas.openxmlformats.org/presentationml/2006/main">
   <p:cSld>
     <p:spTree>
@@ -10089,14 +12172,14 @@
                 <a:gridCol w="5762625">
                   <a:extLst>
                     <a:ext uri="{9D8B030D-6E8A-4147-A177-3AD203B41FA5}">
-                      <a16:colId xmlns:a16="http://schemas.microsoft.com/office/drawing/2014/main" xmlns="" val="1632794655"/>
+                      <a16:colId xmlns="" xmlns:a16="http://schemas.microsoft.com/office/drawing/2014/main" val="1632794655"/>
                     </a:ext>
                   </a:extLst>
                 </a:gridCol>
                 <a:gridCol w="5762625">
                   <a:extLst>
                     <a:ext uri="{9D8B030D-6E8A-4147-A177-3AD203B41FA5}">
-                      <a16:colId xmlns:a16="http://schemas.microsoft.com/office/drawing/2014/main" xmlns="" val="2011313899"/>
+                      <a16:colId xmlns="" xmlns:a16="http://schemas.microsoft.com/office/drawing/2014/main" val="2011313899"/>
                     </a:ext>
                   </a:extLst>
                 </a:gridCol>
@@ -10131,7 +12214,7 @@
                 </a:tc>
                 <a:extLst>
                   <a:ext uri="{0D108BD9-81ED-4DB2-BD59-A6C34878D82A}">
-                    <a16:rowId xmlns:a16="http://schemas.microsoft.com/office/drawing/2014/main" xmlns="" val="1789177411"/>
+                    <a16:rowId xmlns="" xmlns:a16="http://schemas.microsoft.com/office/drawing/2014/main" val="1789177411"/>
                   </a:ext>
                 </a:extLst>
               </a:tr>
@@ -10191,7 +12274,7 @@
                 </a:tc>
                 <a:extLst>
                   <a:ext uri="{0D108BD9-81ED-4DB2-BD59-A6C34878D82A}">
-                    <a16:rowId xmlns:a16="http://schemas.microsoft.com/office/drawing/2014/main" xmlns="" val="3842815335"/>
+                    <a16:rowId xmlns="" xmlns:a16="http://schemas.microsoft.com/office/drawing/2014/main" val="3842815335"/>
                   </a:ext>
                 </a:extLst>
               </a:tr>
@@ -10258,7 +12341,7 @@
                 </a:tc>
                 <a:extLst>
                   <a:ext uri="{0D108BD9-81ED-4DB2-BD59-A6C34878D82A}">
-                    <a16:rowId xmlns:a16="http://schemas.microsoft.com/office/drawing/2014/main" xmlns="" val="321066646"/>
+                    <a16:rowId xmlns="" xmlns:a16="http://schemas.microsoft.com/office/drawing/2014/main" val="321066646"/>
                   </a:ext>
                 </a:extLst>
               </a:tr>
@@ -10334,14 +12417,7 @@
                           <a:latin typeface="Segoe UI Light" panose="020B0502040204020203" pitchFamily="34" charset="0"/>
                           <a:cs typeface="Segoe UI Light" panose="020B0502040204020203" pitchFamily="34" charset="0"/>
                         </a:rPr>
-                        <a:t>06 | </a:t>
-                      </a:r>
-                      <a:r>
-                        <a:rPr lang="en-US" sz="2400" dirty="0" smtClean="0">
-                          <a:latin typeface="Segoe UI Light" panose="020B0502040204020203" pitchFamily="34" charset="0"/>
-                          <a:cs typeface="Segoe UI Light" panose="020B0502040204020203" pitchFamily="34" charset="0"/>
-                        </a:rPr>
-                        <a:t>Integrating </a:t>
+                        <a:t>06 | Integrating </a:t>
                       </a:r>
                       <a:r>
                         <a:rPr lang="en-US" sz="2400" smtClean="0">
@@ -10363,7 +12439,7 @@
                 </a:tc>
                 <a:extLst>
                   <a:ext uri="{0D108BD9-81ED-4DB2-BD59-A6C34878D82A}">
-                    <a16:rowId xmlns:a16="http://schemas.microsoft.com/office/drawing/2014/main" xmlns="" val="3812060533"/>
+                    <a16:rowId xmlns="" xmlns:a16="http://schemas.microsoft.com/office/drawing/2014/main" val="3812060533"/>
                   </a:ext>
                 </a:extLst>
               </a:tr>
@@ -10399,589 +12475,6 @@
 </p:sld>
 </file>
 
-<file path=ppt/slides/slide20.xml><?xml version="1.0" encoding="utf-8"?>
-<p:sld xmlns:a="http://schemas.openxmlformats.org/drawingml/2006/main" xmlns:r="http://schemas.openxmlformats.org/officeDocument/2006/relationships" xmlns:p="http://schemas.openxmlformats.org/presentationml/2006/main">
-  <p:cSld>
-    <p:spTree>
-      <p:nvGrpSpPr>
-        <p:cNvPr id="1" name=""/>
-        <p:cNvGrpSpPr/>
-        <p:nvPr/>
-      </p:nvGrpSpPr>
-      <p:grpSpPr>
-        <a:xfrm>
-          <a:off x="0" y="0"/>
-          <a:ext cx="0" cy="0"/>
-          <a:chOff x="0" y="0"/>
-          <a:chExt cx="0" cy="0"/>
-        </a:xfrm>
-      </p:grpSpPr>
-      <p:sp>
-        <p:nvSpPr>
-          <p:cNvPr id="4" name="Title 3"/>
-          <p:cNvSpPr>
-            <a:spLocks noGrp="1"/>
-          </p:cNvSpPr>
-          <p:nvPr>
-            <p:ph type="title"/>
-          </p:nvPr>
-        </p:nvSpPr>
-        <p:spPr/>
-        <p:txBody>
-          <a:bodyPr/>
-          <a:lstStyle/>
-          <a:p>
-            <a:r>
-              <a:rPr lang="en-US" dirty="0" smtClean="0"/>
-              <a:t>Viewing queries </a:t>
-            </a:r>
-            <a:r>
-              <a:rPr lang="en-US" dirty="0" smtClean="0"/>
-              <a:t>and connection info</a:t>
-            </a:r>
-            <a:br>
-              <a:rPr lang="en-US" dirty="0" smtClean="0"/>
-            </a:br>
-            <a:endParaRPr lang="en-US" dirty="0"/>
-          </a:p>
-        </p:txBody>
-      </p:sp>
-    </p:spTree>
-    <p:extLst>
-      <p:ext uri="{BB962C8B-B14F-4D97-AF65-F5344CB8AC3E}">
-        <p14:creationId xmlns:p14="http://schemas.microsoft.com/office/powerpoint/2010/main" val="1336300272"/>
-      </p:ext>
-    </p:extLst>
-  </p:cSld>
-  <p:clrMapOvr>
-    <a:masterClrMapping/>
-  </p:clrMapOvr>
-  <p:timing>
-    <p:tnLst>
-      <p:par>
-        <p:cTn id="1" dur="indefinite" restart="never" nodeType="tmRoot"/>
-      </p:par>
-    </p:tnLst>
-  </p:timing>
-</p:sld>
-</file>
-
-<file path=ppt/slides/slide21.xml><?xml version="1.0" encoding="utf-8"?>
-<p:sld xmlns:a="http://schemas.openxmlformats.org/drawingml/2006/main" xmlns:r="http://schemas.openxmlformats.org/officeDocument/2006/relationships" xmlns:p="http://schemas.openxmlformats.org/presentationml/2006/main">
-  <p:cSld>
-    <p:spTree>
-      <p:nvGrpSpPr>
-        <p:cNvPr id="1" name=""/>
-        <p:cNvGrpSpPr/>
-        <p:nvPr/>
-      </p:nvGrpSpPr>
-      <p:grpSpPr>
-        <a:xfrm>
-          <a:off x="0" y="0"/>
-          <a:ext cx="0" cy="0"/>
-          <a:chOff x="0" y="0"/>
-          <a:chExt cx="0" cy="0"/>
-        </a:xfrm>
-      </p:grpSpPr>
-      <p:sp>
-        <p:nvSpPr>
-          <p:cNvPr id="4" name="Text Placeholder 3"/>
-          <p:cNvSpPr>
-            <a:spLocks noGrp="1"/>
-          </p:cNvSpPr>
-          <p:nvPr>
-            <p:ph type="body" sz="quarter" idx="10"/>
-          </p:nvPr>
-        </p:nvSpPr>
-        <p:spPr/>
-        <p:txBody>
-          <a:bodyPr/>
-          <a:lstStyle/>
-          <a:p>
-            <a:r>
-              <a:rPr lang="en-US" dirty="0" smtClean="0"/>
-              <a:t>Generating EF classes</a:t>
-            </a:r>
-            <a:endParaRPr lang="en-US" dirty="0"/>
-          </a:p>
-        </p:txBody>
-      </p:sp>
-      <p:sp>
-        <p:nvSpPr>
-          <p:cNvPr id="3" name="Subtitle 2"/>
-          <p:cNvSpPr>
-            <a:spLocks noGrp="1"/>
-          </p:cNvSpPr>
-          <p:nvPr>
-            <p:ph type="subTitle" idx="1"/>
-          </p:nvPr>
-        </p:nvSpPr>
-        <p:spPr/>
-        <p:txBody>
-          <a:bodyPr/>
-          <a:lstStyle/>
-          <a:p>
-            <a:endParaRPr lang="en-US" dirty="0"/>
-          </a:p>
-        </p:txBody>
-      </p:sp>
-    </p:spTree>
-    <p:extLst>
-      <p:ext uri="{BB962C8B-B14F-4D97-AF65-F5344CB8AC3E}">
-        <p14:creationId xmlns:p14="http://schemas.microsoft.com/office/powerpoint/2010/main" val="3457981239"/>
-      </p:ext>
-    </p:extLst>
-  </p:cSld>
-  <p:clrMapOvr>
-    <a:masterClrMapping/>
-  </p:clrMapOvr>
-  <p:timing>
-    <p:tnLst>
-      <p:par>
-        <p:cTn id="1" dur="indefinite" restart="never" nodeType="tmRoot"/>
-      </p:par>
-    </p:tnLst>
-  </p:timing>
-</p:sld>
-</file>
-
-<file path=ppt/slides/slide22.xml><?xml version="1.0" encoding="utf-8"?>
-<p:sld xmlns:a="http://schemas.openxmlformats.org/drawingml/2006/main" xmlns:r="http://schemas.openxmlformats.org/officeDocument/2006/relationships" xmlns:p="http://schemas.openxmlformats.org/presentationml/2006/main">
-  <p:cSld>
-    <p:spTree>
-      <p:nvGrpSpPr>
-        <p:cNvPr id="1" name=""/>
-        <p:cNvGrpSpPr/>
-        <p:nvPr/>
-      </p:nvGrpSpPr>
-      <p:grpSpPr>
-        <a:xfrm>
-          <a:off x="0" y="0"/>
-          <a:ext cx="0" cy="0"/>
-          <a:chOff x="0" y="0"/>
-          <a:chExt cx="0" cy="0"/>
-        </a:xfrm>
-      </p:grpSpPr>
-      <p:sp>
-        <p:nvSpPr>
-          <p:cNvPr id="2" name="Title 1"/>
-          <p:cNvSpPr>
-            <a:spLocks noGrp="1"/>
-          </p:cNvSpPr>
-          <p:nvPr>
-            <p:ph type="title"/>
-          </p:nvPr>
-        </p:nvSpPr>
-        <p:spPr/>
-        <p:txBody>
-          <a:bodyPr/>
-          <a:lstStyle/>
-          <a:p>
-            <a:r>
-              <a:rPr lang="en-US" dirty="0" smtClean="0"/>
-              <a:t>Ways to generate</a:t>
-            </a:r>
-            <a:endParaRPr lang="en-US" dirty="0"/>
-          </a:p>
-        </p:txBody>
-      </p:sp>
-      <p:sp>
-        <p:nvSpPr>
-          <p:cNvPr id="3" name="Content Placeholder 2"/>
-          <p:cNvSpPr>
-            <a:spLocks noGrp="1"/>
-          </p:cNvSpPr>
-          <p:nvPr>
-            <p:ph sz="quarter" idx="10"/>
-          </p:nvPr>
-        </p:nvSpPr>
-        <p:spPr/>
-        <p:txBody>
-          <a:bodyPr/>
-          <a:lstStyle/>
-          <a:p>
-            <a:r>
-              <a:rPr lang="en-US" dirty="0" smtClean="0"/>
-              <a:t>Hand coding classes</a:t>
-            </a:r>
-          </a:p>
-          <a:p>
-            <a:r>
-              <a:rPr lang="en-US" dirty="0" smtClean="0"/>
-              <a:t>Use a visual designer</a:t>
-            </a:r>
-          </a:p>
-          <a:p>
-            <a:r>
-              <a:rPr lang="en-US" dirty="0" smtClean="0"/>
-              <a:t>Add-&gt;ADO.NET Entity Data Model</a:t>
-            </a:r>
-          </a:p>
-          <a:p>
-            <a:r>
-              <a:rPr lang="en-US" dirty="0" smtClean="0"/>
-              <a:t>Database First Entity Designer</a:t>
-            </a:r>
-            <a:endParaRPr lang="en-US" dirty="0"/>
-          </a:p>
-        </p:txBody>
-      </p:sp>
-      <p:pic>
-        <p:nvPicPr>
-          <p:cNvPr id="4" name="Picture 3"/>
-          <p:cNvPicPr>
-            <a:picLocks noChangeAspect="1"/>
-          </p:cNvPicPr>
-          <p:nvPr/>
-        </p:nvPicPr>
-        <p:blipFill>
-          <a:blip r:embed="rId2"/>
-          <a:stretch>
-            <a:fillRect/>
-          </a:stretch>
-        </p:blipFill>
-        <p:spPr>
-          <a:xfrm>
-            <a:off x="4351071" y="4245939"/>
-            <a:ext cx="6563672" cy="2876773"/>
-          </a:xfrm>
-          <a:prstGeom prst="rect">
-            <a:avLst/>
-          </a:prstGeom>
-        </p:spPr>
-      </p:pic>
-    </p:spTree>
-    <p:extLst>
-      <p:ext uri="{BB962C8B-B14F-4D97-AF65-F5344CB8AC3E}">
-        <p14:creationId xmlns:p14="http://schemas.microsoft.com/office/powerpoint/2010/main" val="1368863669"/>
-      </p:ext>
-    </p:extLst>
-  </p:cSld>
-  <p:clrMapOvr>
-    <a:masterClrMapping/>
-  </p:clrMapOvr>
-  <p:timing>
-    <p:tnLst>
-      <p:par>
-        <p:cTn id="1" dur="indefinite" restart="never" nodeType="tmRoot"/>
-      </p:par>
-    </p:tnLst>
-  </p:timing>
-</p:sld>
-</file>
-
-<file path=ppt/slides/slide23.xml><?xml version="1.0" encoding="utf-8"?>
-<p:sld xmlns:a="http://schemas.openxmlformats.org/drawingml/2006/main" xmlns:r="http://schemas.openxmlformats.org/officeDocument/2006/relationships" xmlns:p="http://schemas.openxmlformats.org/presentationml/2006/main">
-  <p:cSld>
-    <p:spTree>
-      <p:nvGrpSpPr>
-        <p:cNvPr id="1" name=""/>
-        <p:cNvGrpSpPr/>
-        <p:nvPr/>
-      </p:nvGrpSpPr>
-      <p:grpSpPr>
-        <a:xfrm>
-          <a:off x="0" y="0"/>
-          <a:ext cx="0" cy="0"/>
-          <a:chOff x="0" y="0"/>
-          <a:chExt cx="0" cy="0"/>
-        </a:xfrm>
-      </p:grpSpPr>
-      <p:sp>
-        <p:nvSpPr>
-          <p:cNvPr id="2" name="Title 1"/>
-          <p:cNvSpPr>
-            <a:spLocks noGrp="1"/>
-          </p:cNvSpPr>
-          <p:nvPr>
-            <p:ph type="title"/>
-          </p:nvPr>
-        </p:nvSpPr>
-        <p:spPr/>
-        <p:txBody>
-          <a:bodyPr/>
-          <a:lstStyle/>
-          <a:p>
-            <a:r>
-              <a:rPr lang="en-US" dirty="0" smtClean="0"/>
-              <a:t>Generating database and reverse engineering</a:t>
-            </a:r>
-            <a:endParaRPr lang="en-US" dirty="0"/>
-          </a:p>
-        </p:txBody>
-      </p:sp>
-    </p:spTree>
-    <p:extLst>
-      <p:ext uri="{BB962C8B-B14F-4D97-AF65-F5344CB8AC3E}">
-        <p14:creationId xmlns:p14="http://schemas.microsoft.com/office/powerpoint/2010/main" val="3526553108"/>
-      </p:ext>
-    </p:extLst>
-  </p:cSld>
-  <p:clrMapOvr>
-    <a:masterClrMapping/>
-  </p:clrMapOvr>
-  <p:timing>
-    <p:tnLst>
-      <p:par>
-        <p:cTn id="1" dur="indefinite" restart="never" nodeType="tmRoot"/>
-      </p:par>
-    </p:tnLst>
-  </p:timing>
-</p:sld>
-</file>
-
-<file path=ppt/slides/slide24.xml><?xml version="1.0" encoding="utf-8"?>
-<p:sld xmlns:a="http://schemas.openxmlformats.org/drawingml/2006/main" xmlns:r="http://schemas.openxmlformats.org/officeDocument/2006/relationships" xmlns:p="http://schemas.openxmlformats.org/presentationml/2006/main">
-  <p:cSld>
-    <p:spTree>
-      <p:nvGrpSpPr>
-        <p:cNvPr id="1" name=""/>
-        <p:cNvGrpSpPr/>
-        <p:nvPr/>
-      </p:nvGrpSpPr>
-      <p:grpSpPr>
-        <a:xfrm>
-          <a:off x="0" y="0"/>
-          <a:ext cx="0" cy="0"/>
-          <a:chOff x="0" y="0"/>
-          <a:chExt cx="0" cy="0"/>
-        </a:xfrm>
-      </p:grpSpPr>
-      <p:sp>
-        <p:nvSpPr>
-          <p:cNvPr id="3" name="Title 2"/>
-          <p:cNvSpPr>
-            <a:spLocks noGrp="1"/>
-          </p:cNvSpPr>
-          <p:nvPr>
-            <p:ph type="title"/>
-          </p:nvPr>
-        </p:nvSpPr>
-        <p:spPr/>
-        <p:txBody>
-          <a:bodyPr/>
-          <a:lstStyle/>
-          <a:p>
-            <a:r>
-              <a:rPr lang="en-US" dirty="0" smtClean="0"/>
-              <a:t>Resources</a:t>
-            </a:r>
-            <a:endParaRPr lang="en-US" dirty="0"/>
-          </a:p>
-        </p:txBody>
-      </p:sp>
-      <p:sp>
-        <p:nvSpPr>
-          <p:cNvPr id="4" name="Content Placeholder 3"/>
-          <p:cNvSpPr>
-            <a:spLocks noGrp="1"/>
-          </p:cNvSpPr>
-          <p:nvPr>
-            <p:ph sz="quarter" idx="10"/>
-          </p:nvPr>
-        </p:nvSpPr>
-        <p:spPr/>
-        <p:txBody>
-          <a:bodyPr/>
-          <a:lstStyle/>
-          <a:p>
-            <a:r>
-              <a:rPr lang="en-US" dirty="0">
-                <a:hlinkClick r:id="rId2"/>
-              </a:rPr>
-              <a:t>http://blogs.msdn.com/b/adonet</a:t>
-            </a:r>
-            <a:r>
-              <a:rPr lang="en-US" dirty="0" smtClean="0">
-                <a:hlinkClick r:id="rId2"/>
-              </a:rPr>
-              <a:t>/</a:t>
-            </a:r>
-            <a:endParaRPr lang="en-US" dirty="0" smtClean="0"/>
-          </a:p>
-          <a:p>
-            <a:r>
-              <a:rPr lang="en-US" dirty="0" smtClean="0"/>
-              <a:t>Add this to the last session </a:t>
-            </a:r>
-          </a:p>
-          <a:p>
-            <a:pPr lvl="1"/>
-            <a:r>
-              <a:rPr lang="en-US" dirty="0"/>
-              <a:t>http://romiller.com/2014/06/10/reducing-code-first-database-chatter/</a:t>
-            </a:r>
-            <a:endParaRPr lang="en-US" dirty="0" smtClean="0"/>
-          </a:p>
-          <a:p>
-            <a:endParaRPr lang="en-US" dirty="0"/>
-          </a:p>
-        </p:txBody>
-      </p:sp>
-    </p:spTree>
-    <p:extLst>
-      <p:ext uri="{BB962C8B-B14F-4D97-AF65-F5344CB8AC3E}">
-        <p14:creationId xmlns:p14="http://schemas.microsoft.com/office/powerpoint/2010/main" val="1970048791"/>
-      </p:ext>
-    </p:extLst>
-  </p:cSld>
-  <p:clrMapOvr>
-    <a:masterClrMapping/>
-  </p:clrMapOvr>
-  <p:timing>
-    <p:tnLst>
-      <p:par>
-        <p:cTn id="1" dur="indefinite" restart="never" nodeType="tmRoot"/>
-      </p:par>
-    </p:tnLst>
-  </p:timing>
-</p:sld>
-</file>
-
-<file path=ppt/slides/slide25.xml><?xml version="1.0" encoding="utf-8"?>
-<p:sld xmlns:a="http://schemas.openxmlformats.org/drawingml/2006/main" xmlns:r="http://schemas.openxmlformats.org/officeDocument/2006/relationships" xmlns:p="http://schemas.openxmlformats.org/presentationml/2006/main">
-  <p:cSld>
-    <p:spTree>
-      <p:nvGrpSpPr>
-        <p:cNvPr id="1" name=""/>
-        <p:cNvGrpSpPr/>
-        <p:nvPr/>
-      </p:nvGrpSpPr>
-      <p:grpSpPr>
-        <a:xfrm>
-          <a:off x="0" y="0"/>
-          <a:ext cx="0" cy="0"/>
-          <a:chOff x="0" y="0"/>
-          <a:chExt cx="0" cy="0"/>
-        </a:xfrm>
-      </p:grpSpPr>
-    </p:spTree>
-    <p:extLst>
-      <p:ext uri="{BB962C8B-B14F-4D97-AF65-F5344CB8AC3E}">
-        <p14:creationId xmlns:p14="http://schemas.microsoft.com/office/powerpoint/2010/main" val="898363405"/>
-      </p:ext>
-    </p:extLst>
-  </p:cSld>
-  <p:clrMapOvr>
-    <a:masterClrMapping/>
-  </p:clrMapOvr>
-  <p:timing>
-    <p:tnLst>
-      <p:par>
-        <p:cTn id="1" dur="indefinite" restart="never" nodeType="tmRoot"/>
-      </p:par>
-    </p:tnLst>
-  </p:timing>
-</p:sld>
-</file>
-
-<file path=ppt/slides/slide3.xml><?xml version="1.0" encoding="utf-8"?>
-<p:sld xmlns:a="http://schemas.openxmlformats.org/drawingml/2006/main" xmlns:r="http://schemas.openxmlformats.org/officeDocument/2006/relationships" xmlns:p="http://schemas.openxmlformats.org/presentationml/2006/main">
-  <p:cSld>
-    <p:spTree>
-      <p:nvGrpSpPr>
-        <p:cNvPr id="1" name=""/>
-        <p:cNvGrpSpPr/>
-        <p:nvPr/>
-      </p:nvGrpSpPr>
-      <p:grpSpPr>
-        <a:xfrm>
-          <a:off x="0" y="0"/>
-          <a:ext cx="0" cy="0"/>
-          <a:chOff x="0" y="0"/>
-          <a:chExt cx="0" cy="0"/>
-        </a:xfrm>
-      </p:grpSpPr>
-      <p:sp>
-        <p:nvSpPr>
-          <p:cNvPr id="5" name="Text Placeholder 4"/>
-          <p:cNvSpPr>
-            <a:spLocks noGrp="1"/>
-          </p:cNvSpPr>
-          <p:nvPr>
-            <p:ph type="body" sz="quarter" idx="10"/>
-          </p:nvPr>
-        </p:nvSpPr>
-        <p:spPr>
-          <a:solidFill>
-            <a:srgbClr val="007233"/>
-          </a:solidFill>
-          <a:ln>
-            <a:noFill/>
-          </a:ln>
-        </p:spPr>
-        <p:txBody>
-          <a:bodyPr/>
-          <a:lstStyle/>
-          <a:p>
-            <a:pPr marL="914400" indent="-914400"/>
-            <a:r>
-              <a:rPr lang="en-US" dirty="0" smtClean="0"/>
-              <a:t>01 </a:t>
-            </a:r>
-            <a:r>
-              <a:rPr lang="en-US" dirty="0"/>
-              <a:t>| Introduction to Entity Framework</a:t>
-            </a:r>
-          </a:p>
-        </p:txBody>
-      </p:sp>
-      <p:sp>
-        <p:nvSpPr>
-          <p:cNvPr id="4" name="Subtitle 3"/>
-          <p:cNvSpPr>
-            <a:spLocks noGrp="1"/>
-          </p:cNvSpPr>
-          <p:nvPr>
-            <p:ph type="subTitle" idx="1"/>
-          </p:nvPr>
-        </p:nvSpPr>
-        <p:spPr/>
-        <p:txBody>
-          <a:bodyPr/>
-          <a:lstStyle/>
-          <a:p>
-            <a:r>
-              <a:rPr lang="en-US" dirty="0"/>
-              <a:t>Christopher Harrison | </a:t>
-            </a:r>
-            <a:r>
-              <a:rPr lang="en-US" dirty="0" smtClean="0"/>
-              <a:t>Content Developer, </a:t>
-            </a:r>
-            <a:r>
-              <a:rPr lang="en-US" dirty="0"/>
-              <a:t>Microsoft</a:t>
-            </a:r>
-          </a:p>
-          <a:p>
-            <a:r>
-              <a:rPr lang="en-US" dirty="0"/>
-              <a:t>Adam Tuliper | Technical Evangelist, Microsoft</a:t>
-            </a:r>
-          </a:p>
-        </p:txBody>
-      </p:sp>
-    </p:spTree>
-    <p:extLst>
-      <p:ext uri="{BB962C8B-B14F-4D97-AF65-F5344CB8AC3E}">
-        <p14:creationId xmlns:p14="http://schemas.microsoft.com/office/powerpoint/2010/main" val="282838134"/>
-      </p:ext>
-    </p:extLst>
-  </p:cSld>
-  <p:clrMapOvr>
-    <a:masterClrMapping/>
-  </p:clrMapOvr>
-  <p:timing>
-    <p:tnLst>
-      <p:par>
-        <p:cTn id="1" dur="indefinite" restart="never" nodeType="tmRoot"/>
-      </p:par>
-    </p:tnLst>
-  </p:timing>
-</p:sld>
-</file>
-
 <file path=ppt/slides/slide4.xml><?xml version="1.0" encoding="utf-8"?>
 <p:sld xmlns:a="http://schemas.openxmlformats.org/drawingml/2006/main" xmlns:r="http://schemas.openxmlformats.org/officeDocument/2006/relationships" xmlns:p="http://schemas.openxmlformats.org/presentationml/2006/main">
   <p:cSld>
@@ -11001,51 +12494,46 @@
       </p:grpSpPr>
       <p:sp>
         <p:nvSpPr>
-          <p:cNvPr id="7" name="Content Placeholder 6"/>
+          <p:cNvPr id="5" name="Text Placeholder 4"/>
           <p:cNvSpPr>
             <a:spLocks noGrp="1"/>
           </p:cNvSpPr>
           <p:nvPr>
-            <p:ph sz="quarter" idx="10"/>
+            <p:ph type="body" sz="quarter" idx="10"/>
           </p:nvPr>
         </p:nvSpPr>
-        <p:spPr/>
+        <p:spPr>
+          <a:solidFill>
+            <a:srgbClr val="007233"/>
+          </a:solidFill>
+          <a:ln>
+            <a:noFill/>
+          </a:ln>
+        </p:spPr>
         <p:txBody>
-          <a:bodyPr>
-            <a:normAutofit/>
-          </a:bodyPr>
+          <a:bodyPr/>
           <a:lstStyle/>
           <a:p>
-            <a:r>
-              <a:rPr lang="en-GB" dirty="0" smtClean="0"/>
-              <a:t>Architecture</a:t>
-            </a:r>
-          </a:p>
-          <a:p>
-            <a:r>
-              <a:rPr lang="en-GB" dirty="0"/>
-              <a:t>Intro to Code First</a:t>
-            </a:r>
-          </a:p>
-          <a:p>
-            <a:r>
-              <a:rPr lang="en-GB" dirty="0" smtClean="0"/>
-              <a:t>Generating EF Classes</a:t>
-            </a:r>
-          </a:p>
-          <a:p>
-            <a:endParaRPr lang="en-GB" dirty="0" smtClean="0"/>
+            <a:pPr marL="914400" indent="-914400"/>
+            <a:r>
+              <a:rPr lang="en-US" dirty="0" smtClean="0"/>
+              <a:t>01 </a:t>
+            </a:r>
+            <a:r>
+              <a:rPr lang="en-US" dirty="0"/>
+              <a:t>| Introduction to Entity Framework</a:t>
+            </a:r>
           </a:p>
         </p:txBody>
       </p:sp>
       <p:sp>
         <p:nvSpPr>
-          <p:cNvPr id="2" name="Title 1"/>
+          <p:cNvPr id="4" name="Subtitle 3"/>
           <p:cNvSpPr>
             <a:spLocks noGrp="1"/>
           </p:cNvSpPr>
           <p:nvPr>
-            <p:ph type="title"/>
+            <p:ph type="subTitle" idx="1"/>
           </p:nvPr>
         </p:nvSpPr>
         <p:spPr/>
@@ -11054,17 +12542,30 @@
           <a:lstStyle/>
           <a:p>
             <a:r>
-              <a:rPr lang="en-US" dirty="0" smtClean="0"/>
-              <a:t>Module Overview</a:t>
-            </a:r>
-            <a:endParaRPr lang="en-US" dirty="0"/>
+              <a:rPr lang="en-US" dirty="0"/>
+              <a:t>Christopher Harrison | </a:t>
+            </a:r>
+            <a:r>
+              <a:rPr lang="en-US" dirty="0" smtClean="0"/>
+              <a:t>Content Developer, </a:t>
+            </a:r>
+            <a:r>
+              <a:rPr lang="en-US" dirty="0"/>
+              <a:t>Microsoft</a:t>
+            </a:r>
+          </a:p>
+          <a:p>
+            <a:r>
+              <a:rPr lang="en-US" dirty="0"/>
+              <a:t>Adam Tuliper | Technical Evangelist, Microsoft</a:t>
+            </a:r>
           </a:p>
         </p:txBody>
       </p:sp>
     </p:spTree>
     <p:extLst>
       <p:ext uri="{BB962C8B-B14F-4D97-AF65-F5344CB8AC3E}">
-        <p14:creationId xmlns:p14="http://schemas.microsoft.com/office/powerpoint/2010/main" val="1732941805"/>
+        <p14:creationId xmlns:p14="http://schemas.microsoft.com/office/powerpoint/2010/main" val="282838134"/>
       </p:ext>
     </p:extLst>
   </p:cSld>
@@ -11100,6 +12601,105 @@
       </p:grpSpPr>
       <p:sp>
         <p:nvSpPr>
+          <p:cNvPr id="7" name="Content Placeholder 6"/>
+          <p:cNvSpPr>
+            <a:spLocks noGrp="1"/>
+          </p:cNvSpPr>
+          <p:nvPr>
+            <p:ph sz="quarter" idx="10"/>
+          </p:nvPr>
+        </p:nvSpPr>
+        <p:spPr/>
+        <p:txBody>
+          <a:bodyPr>
+            <a:normAutofit/>
+          </a:bodyPr>
+          <a:lstStyle/>
+          <a:p>
+            <a:r>
+              <a:rPr lang="en-GB" dirty="0" smtClean="0"/>
+              <a:t>Architecture</a:t>
+            </a:r>
+          </a:p>
+          <a:p>
+            <a:r>
+              <a:rPr lang="en-GB" dirty="0"/>
+              <a:t>Intro to Code First</a:t>
+            </a:r>
+          </a:p>
+          <a:p>
+            <a:r>
+              <a:rPr lang="en-GB" dirty="0" smtClean="0"/>
+              <a:t>Generating EF Classes</a:t>
+            </a:r>
+          </a:p>
+          <a:p>
+            <a:endParaRPr lang="en-GB" dirty="0" smtClean="0"/>
+          </a:p>
+        </p:txBody>
+      </p:sp>
+      <p:sp>
+        <p:nvSpPr>
+          <p:cNvPr id="2" name="Title 1"/>
+          <p:cNvSpPr>
+            <a:spLocks noGrp="1"/>
+          </p:cNvSpPr>
+          <p:nvPr>
+            <p:ph type="title"/>
+          </p:nvPr>
+        </p:nvSpPr>
+        <p:spPr/>
+        <p:txBody>
+          <a:bodyPr/>
+          <a:lstStyle/>
+          <a:p>
+            <a:r>
+              <a:rPr lang="en-US" dirty="0" smtClean="0"/>
+              <a:t>Module Overview</a:t>
+            </a:r>
+            <a:endParaRPr lang="en-US" dirty="0"/>
+          </a:p>
+        </p:txBody>
+      </p:sp>
+    </p:spTree>
+    <p:extLst>
+      <p:ext uri="{BB962C8B-B14F-4D97-AF65-F5344CB8AC3E}">
+        <p14:creationId xmlns:p14="http://schemas.microsoft.com/office/powerpoint/2010/main" val="1732941805"/>
+      </p:ext>
+    </p:extLst>
+  </p:cSld>
+  <p:clrMapOvr>
+    <a:masterClrMapping/>
+  </p:clrMapOvr>
+  <p:timing>
+    <p:tnLst>
+      <p:par>
+        <p:cTn id="1" dur="indefinite" restart="never" nodeType="tmRoot"/>
+      </p:par>
+    </p:tnLst>
+  </p:timing>
+</p:sld>
+</file>
+
+<file path=ppt/slides/slide6.xml><?xml version="1.0" encoding="utf-8"?>
+<p:sld xmlns:a="http://schemas.openxmlformats.org/drawingml/2006/main" xmlns:r="http://schemas.openxmlformats.org/officeDocument/2006/relationships" xmlns:p="http://schemas.openxmlformats.org/presentationml/2006/main">
+  <p:cSld>
+    <p:spTree>
+      <p:nvGrpSpPr>
+        <p:cNvPr id="1" name=""/>
+        <p:cNvGrpSpPr/>
+        <p:nvPr/>
+      </p:nvGrpSpPr>
+      <p:grpSpPr>
+        <a:xfrm>
+          <a:off x="0" y="0"/>
+          <a:ext cx="0" cy="0"/>
+          <a:chOff x="0" y="0"/>
+          <a:chExt cx="0" cy="0"/>
+        </a:xfrm>
+      </p:grpSpPr>
+      <p:sp>
+        <p:nvSpPr>
           <p:cNvPr id="4" name="Text Placeholder 3"/>
           <p:cNvSpPr>
             <a:spLocks noGrp="1"/>
@@ -11160,7 +12760,7 @@
 </p:sld>
 </file>
 
-<file path=ppt/slides/slide6.xml><?xml version="1.0" encoding="utf-8"?>
+<file path=ppt/slides/slide7.xml><?xml version="1.0" encoding="utf-8"?>
 <p:sld xmlns:a="http://schemas.openxmlformats.org/drawingml/2006/main" xmlns:r="http://schemas.openxmlformats.org/officeDocument/2006/relationships" xmlns:p="http://schemas.openxmlformats.org/presentationml/2006/main">
   <p:cSld>
     <p:spTree>
@@ -12708,7 +14308,7 @@
 </p:sld>
 </file>
 
-<file path=ppt/slides/slide7.xml><?xml version="1.0" encoding="utf-8"?>
+<file path=ppt/slides/slide8.xml><?xml version="1.0" encoding="utf-8"?>
 <p:sld xmlns:a="http://schemas.openxmlformats.org/drawingml/2006/main" xmlns:r="http://schemas.openxmlformats.org/officeDocument/2006/relationships" xmlns:p="http://schemas.openxmlformats.org/presentationml/2006/main">
   <p:cSld>
     <p:spTree>
@@ -13384,146 +14984,6 @@
 </p:sld>
 </file>
 
-<file path=ppt/slides/slide8.xml><?xml version="1.0" encoding="utf-8"?>
-<p:sld xmlns:a="http://schemas.openxmlformats.org/drawingml/2006/main" xmlns:r="http://schemas.openxmlformats.org/officeDocument/2006/relationships" xmlns:p="http://schemas.openxmlformats.org/presentationml/2006/main">
-  <p:cSld>
-    <p:spTree>
-      <p:nvGrpSpPr>
-        <p:cNvPr id="1" name=""/>
-        <p:cNvGrpSpPr/>
-        <p:nvPr/>
-      </p:nvGrpSpPr>
-      <p:grpSpPr>
-        <a:xfrm>
-          <a:off x="0" y="0"/>
-          <a:ext cx="0" cy="0"/>
-          <a:chOff x="0" y="0"/>
-          <a:chExt cx="0" cy="0"/>
-        </a:xfrm>
-      </p:grpSpPr>
-      <p:sp>
-        <p:nvSpPr>
-          <p:cNvPr id="2" name="Title 1"/>
-          <p:cNvSpPr>
-            <a:spLocks noGrp="1"/>
-          </p:cNvSpPr>
-          <p:nvPr>
-            <p:ph type="title"/>
-          </p:nvPr>
-        </p:nvSpPr>
-        <p:spPr/>
-        <p:txBody>
-          <a:bodyPr/>
-          <a:lstStyle/>
-          <a:p>
-            <a:r>
-              <a:rPr lang="en-US" dirty="0" smtClean="0"/>
-              <a:t>Some supported features</a:t>
-            </a:r>
-            <a:endParaRPr lang="en-US" dirty="0"/>
-          </a:p>
-        </p:txBody>
-      </p:sp>
-      <p:sp>
-        <p:nvSpPr>
-          <p:cNvPr id="3" name="Content Placeholder 2"/>
-          <p:cNvSpPr>
-            <a:spLocks noGrp="1"/>
-          </p:cNvSpPr>
-          <p:nvPr>
-            <p:ph sz="quarter" idx="10"/>
-          </p:nvPr>
-        </p:nvSpPr>
-        <p:spPr/>
-        <p:txBody>
-          <a:bodyPr/>
-          <a:lstStyle/>
-          <a:p>
-            <a:r>
-              <a:rPr lang="en-US" dirty="0" err="1" smtClean="0"/>
-              <a:t>Async</a:t>
-            </a:r>
-            <a:r>
-              <a:rPr lang="en-US" dirty="0" smtClean="0"/>
-              <a:t> Queries</a:t>
-            </a:r>
-          </a:p>
-          <a:p>
-            <a:r>
-              <a:rPr lang="en-US" dirty="0" smtClean="0"/>
-              <a:t>Connection Resiliency (retry)</a:t>
-            </a:r>
-          </a:p>
-          <a:p>
-            <a:r>
-              <a:rPr lang="en-US" dirty="0" smtClean="0"/>
-              <a:t>Stored Procedure mapping</a:t>
-            </a:r>
-          </a:p>
-          <a:p>
-            <a:r>
-              <a:rPr lang="en-US" dirty="0" smtClean="0"/>
-              <a:t>Custom migrations</a:t>
-            </a:r>
-          </a:p>
-          <a:p>
-            <a:r>
-              <a:rPr lang="en-US" dirty="0" smtClean="0"/>
-              <a:t>Reverse engineering existing database</a:t>
-            </a:r>
-          </a:p>
-          <a:p>
-            <a:r>
-              <a:rPr lang="en-US" dirty="0" smtClean="0"/>
-              <a:t>Using code to create </a:t>
-            </a:r>
-            <a:r>
-              <a:rPr lang="en-US" dirty="0" smtClean="0"/>
-              <a:t>database (code first)</a:t>
-            </a:r>
-            <a:endParaRPr lang="en-US" dirty="0" smtClean="0"/>
-          </a:p>
-          <a:p>
-            <a:r>
-              <a:rPr lang="en-US" dirty="0" smtClean="0"/>
-              <a:t>Concurrency detection</a:t>
-            </a:r>
-          </a:p>
-          <a:p>
-            <a:r>
-              <a:rPr lang="en-US" dirty="0" err="1" smtClean="0"/>
-              <a:t>Enum</a:t>
-            </a:r>
-            <a:r>
-              <a:rPr lang="en-US" dirty="0" smtClean="0"/>
-              <a:t> &amp; Spatial Data support</a:t>
-            </a:r>
-          </a:p>
-          <a:p>
-            <a:endParaRPr lang="en-US" dirty="0"/>
-          </a:p>
-        </p:txBody>
-      </p:sp>
-    </p:spTree>
-    <p:extLst>
-      <p:ext uri="{BB962C8B-B14F-4D97-AF65-F5344CB8AC3E}">
-        <p14:creationId xmlns:p14="http://schemas.microsoft.com/office/powerpoint/2010/main" val="553305050"/>
-      </p:ext>
-    </p:extLst>
-  </p:cSld>
-  <p:clrMapOvr>
-    <a:masterClrMapping/>
-  </p:clrMapOvr>
-  <p:timing>
-    <p:tnLst>
-      <p:par>
-        <p:cTn id="1" dur="indefinite" restart="never" nodeType="tmRoot"/>
-      </p:par>
-    </p:tnLst>
-  </p:timing>
-</p:sld>
-</file>
-
 <file path=ppt/slides/slide9.xml><?xml version="1.0" encoding="utf-8"?>
 <p:sld xmlns:a="http://schemas.openxmlformats.org/drawingml/2006/main" xmlns:r="http://schemas.openxmlformats.org/officeDocument/2006/relationships" xmlns:p="http://schemas.openxmlformats.org/presentationml/2006/main">
   <p:cSld>
@@ -13558,7 +15018,7 @@
           <a:p>
             <a:r>
               <a:rPr lang="en-US" dirty="0" smtClean="0"/>
-              <a:t>Installing Entity Framework</a:t>
+              <a:t>Some supported features</a:t>
             </a:r>
             <a:endParaRPr lang="en-US" dirty="0"/>
           </a:p>
@@ -13581,46 +15041,76 @@
           <a:p>
             <a:r>
               <a:rPr lang="en-US" dirty="0" smtClean="0"/>
-              <a:t>EF6 </a:t>
-            </a:r>
-            <a:r>
-              <a:rPr lang="en-US" dirty="0" smtClean="0"/>
-              <a:t>Requires Visual Studio 2010 or greater</a:t>
+              <a:t>Full ORM to map objects to code</a:t>
             </a:r>
           </a:p>
           <a:p>
             <a:r>
               <a:rPr lang="en-US" dirty="0" err="1" smtClean="0"/>
-              <a:t>NuGet</a:t>
-            </a:r>
-            <a:endParaRPr lang="en-US" dirty="0" smtClean="0"/>
-          </a:p>
-          <a:p>
-            <a:pPr lvl="1"/>
-            <a:r>
-              <a:rPr lang="en-US" dirty="0" smtClean="0"/>
-              <a:t>Install-package</a:t>
-            </a:r>
-          </a:p>
-          <a:p>
-            <a:r>
-              <a:rPr lang="en-US" dirty="0" smtClean="0"/>
-              <a:t>Comes as part of </a:t>
-            </a:r>
-          </a:p>
-          <a:p>
-            <a:pPr lvl="1"/>
-            <a:r>
-              <a:rPr lang="en-US" dirty="0" smtClean="0"/>
-              <a:t>MVC, Web Forms, Web API templates if Identity is used</a:t>
-            </a:r>
+              <a:t>Async</a:t>
+            </a:r>
+            <a:r>
+              <a:rPr lang="en-US" dirty="0" smtClean="0"/>
+              <a:t> </a:t>
+            </a:r>
+            <a:r>
+              <a:rPr lang="en-US" dirty="0" smtClean="0"/>
+              <a:t>Queries</a:t>
+            </a:r>
+          </a:p>
+          <a:p>
+            <a:r>
+              <a:rPr lang="en-US" dirty="0" smtClean="0"/>
+              <a:t>Connection Resiliency (retry)</a:t>
+            </a:r>
+          </a:p>
+          <a:p>
+            <a:r>
+              <a:rPr lang="en-US" dirty="0" smtClean="0"/>
+              <a:t>Stored Procedure mapping</a:t>
+            </a:r>
+          </a:p>
+          <a:p>
+            <a:r>
+              <a:rPr lang="en-US" dirty="0" smtClean="0"/>
+              <a:t>Reverse </a:t>
+            </a:r>
+            <a:r>
+              <a:rPr lang="en-US" dirty="0" smtClean="0"/>
+              <a:t>engineering existing database</a:t>
+            </a:r>
+          </a:p>
+          <a:p>
+            <a:r>
+              <a:rPr lang="en-US" dirty="0" smtClean="0"/>
+              <a:t>Using code to create database (code first)</a:t>
+            </a:r>
+          </a:p>
+          <a:p>
+            <a:r>
+              <a:rPr lang="en-US" dirty="0" smtClean="0"/>
+              <a:t>Concurrency detection</a:t>
+            </a:r>
+          </a:p>
+          <a:p>
+            <a:r>
+              <a:rPr lang="en-US" dirty="0" err="1" smtClean="0"/>
+              <a:t>Enum</a:t>
+            </a:r>
+            <a:r>
+              <a:rPr lang="en-US" dirty="0" smtClean="0"/>
+              <a:t> &amp; Spatial Data support</a:t>
+            </a:r>
+          </a:p>
+          <a:p>
+            <a:endParaRPr lang="en-US" dirty="0"/>
           </a:p>
         </p:txBody>
       </p:sp>
     </p:spTree>
     <p:extLst>
       <p:ext uri="{BB962C8B-B14F-4D97-AF65-F5344CB8AC3E}">
-        <p14:creationId xmlns:p14="http://schemas.microsoft.com/office/powerpoint/2010/main" val="526742605"/>
+        <p14:creationId xmlns:p14="http://schemas.microsoft.com/office/powerpoint/2010/main" val="553305050"/>
       </p:ext>
     </p:extLst>
   </p:cSld>
@@ -14445,6 +15935,28 @@
 </file>
 
 <file path=customXml/item1.xml><?xml version="1.0" encoding="utf-8"?>
+<?mso-contentType ?>
+<FormTemplates xmlns="http://schemas.microsoft.com/sharepoint/v3/contenttype/forms">
+  <Display>DocumentLibraryForm</Display>
+  <Edit>DocumentLibraryForm</Edit>
+  <New>DocumentLibraryForm</New>
+</FormTemplates>
+</file>
+
+<file path=customXml/item2.xml><?xml version="1.0" encoding="utf-8"?>
+<p:properties xmlns:p="http://schemas.microsoft.com/office/2006/metadata/properties" xmlns:xsi="http://www.w3.org/2001/XMLSchema-instance" xmlns:pc="http://schemas.microsoft.com/office/infopath/2007/PartnerControls">
+  <documentManagement>
+    <TaxCatchAll xmlns="230e9df3-be65-4c73-a93b-d1236ebd677e"/>
+    <PublishingExpirationDate xmlns="http://schemas.microsoft.com/sharepoint/v3" xsi:nil="true"/>
+    <PublishingStartDate xmlns="http://schemas.microsoft.com/sharepoint/v3" xsi:nil="true"/>
+    <TaxKeywordTaxHTField xmlns="230e9df3-be65-4c73-a93b-d1236ebd677e">
+      <Terms xmlns="http://schemas.microsoft.com/office/infopath/2007/PartnerControls"/>
+    </TaxKeywordTaxHTField>
+  </documentManagement>
+</p:properties>
+</file>
+
+<file path=customXml/item3.xml><?xml version="1.0" encoding="utf-8"?>
 <ct:contentTypeSchema xmlns:ct="http://schemas.microsoft.com/office/2006/metadata/contentType" xmlns:ma="http://schemas.microsoft.com/office/2006/metadata/properties/metaAttributes" ct:_="" ma:_="" ma:contentTypeName="Document" ma:contentTypeID="0x010100496889825850D44592AC5D2F43187AE4" ma:contentTypeVersion="5" ma:contentTypeDescription="Create a new document." ma:contentTypeScope="" ma:versionID="fde90edb5a63ba841bca516fd2abaf95">
   <xsd:schema xmlns:xsd="http://www.w3.org/2001/XMLSchema" xmlns:xs="http://www.w3.org/2001/XMLSchema" xmlns:p="http://schemas.microsoft.com/office/2006/metadata/properties" xmlns:ns1="http://schemas.microsoft.com/sharepoint/v3" xmlns:ns2="230e9df3-be65-4c73-a93b-d1236ebd677e" xmlns:ns3="27aa9422-7f1f-4c84-9cdf-302b1a67e513" targetNamespace="http://schemas.microsoft.com/office/2006/metadata/properties" ma:root="true" ma:fieldsID="5e7808ae941cc340dbe51a3031959734" ns1:_="" ns2:_="" ns3:_="">
     <xsd:import namespace="http://schemas.microsoft.com/sharepoint/v3"/>
@@ -14626,44 +16138,10 @@
 </ct:contentTypeSchema>
 </file>
 
-<file path=customXml/item2.xml><?xml version="1.0" encoding="utf-8"?>
-<p:properties xmlns:p="http://schemas.microsoft.com/office/2006/metadata/properties" xmlns:xsi="http://www.w3.org/2001/XMLSchema-instance" xmlns:pc="http://schemas.microsoft.com/office/infopath/2007/PartnerControls">
-  <documentManagement>
-    <TaxCatchAll xmlns="230e9df3-be65-4c73-a93b-d1236ebd677e"/>
-    <PublishingExpirationDate xmlns="http://schemas.microsoft.com/sharepoint/v3" xsi:nil="true"/>
-    <PublishingStartDate xmlns="http://schemas.microsoft.com/sharepoint/v3" xsi:nil="true"/>
-    <TaxKeywordTaxHTField xmlns="230e9df3-be65-4c73-a93b-d1236ebd677e">
-      <Terms xmlns="http://schemas.microsoft.com/office/infopath/2007/PartnerControls"/>
-    </TaxKeywordTaxHTField>
-  </documentManagement>
-</p:properties>
-</file>
-
-<file path=customXml/item3.xml><?xml version="1.0" encoding="utf-8"?>
-<?mso-contentType ?>
-<FormTemplates xmlns="http://schemas.microsoft.com/sharepoint/v3/contenttype/forms">
-  <Display>DocumentLibraryForm</Display>
-  <Edit>DocumentLibraryForm</Edit>
-  <New>DocumentLibraryForm</New>
-</FormTemplates>
-</file>
-
 <file path=customXml/itemProps1.xml><?xml version="1.0" encoding="utf-8"?>
-<ds:datastoreItem xmlns:ds="http://schemas.openxmlformats.org/officeDocument/2006/customXml" ds:itemID="{3253B29C-1CCD-4FE8-A1C4-023A0910DF96}">
+<ds:datastoreItem xmlns:ds="http://schemas.openxmlformats.org/officeDocument/2006/customXml" ds:itemID="{B0CA13EC-1D3C-4D6F-8D1C-E8A452CFC79A}">
   <ds:schemaRefs>
-    <ds:schemaRef ds:uri="http://schemas.microsoft.com/office/2006/metadata/contentType"/>
-    <ds:schemaRef ds:uri="http://schemas.microsoft.com/office/2006/metadata/properties/metaAttributes"/>
-    <ds:schemaRef ds:uri="http://www.w3.org/2001/XMLSchema"/>
-    <ds:schemaRef ds:uri="http://schemas.microsoft.com/office/2006/metadata/properties"/>
-    <ds:schemaRef ds:uri="http://schemas.microsoft.com/sharepoint/v3"/>
-    <ds:schemaRef ds:uri="230e9df3-be65-4c73-a93b-d1236ebd677e"/>
-    <ds:schemaRef ds:uri="27aa9422-7f1f-4c84-9cdf-302b1a67e513"/>
-    <ds:schemaRef ds:uri="http://schemas.microsoft.com/office/2006/documentManagement/types"/>
-    <ds:schemaRef ds:uri="http://schemas.microsoft.com/office/infopath/2007/PartnerControls"/>
-    <ds:schemaRef ds:uri="http://schemas.openxmlformats.org/package/2006/metadata/core-properties"/>
-    <ds:schemaRef ds:uri="http://purl.org/dc/elements/1.1/"/>
-    <ds:schemaRef ds:uri="http://purl.org/dc/terms/"/>
-    <ds:schemaRef ds:uri="http://schemas.microsoft.com/internal/obd"/>
+    <ds:schemaRef ds:uri="http://schemas.microsoft.com/sharepoint/v3/contenttype/forms"/>
   </ds:schemaRefs>
 </ds:datastoreItem>
 </file>
@@ -14687,9 +16165,21 @@
 </file>
 
 <file path=customXml/itemProps3.xml><?xml version="1.0" encoding="utf-8"?>
-<ds:datastoreItem xmlns:ds="http://schemas.openxmlformats.org/officeDocument/2006/customXml" ds:itemID="{B0CA13EC-1D3C-4D6F-8D1C-E8A452CFC79A}">
+<ds:datastoreItem xmlns:ds="http://schemas.openxmlformats.org/officeDocument/2006/customXml" ds:itemID="{3253B29C-1CCD-4FE8-A1C4-023A0910DF96}">
   <ds:schemaRefs>
-    <ds:schemaRef ds:uri="http://schemas.microsoft.com/sharepoint/v3/contenttype/forms"/>
+    <ds:schemaRef ds:uri="http://schemas.microsoft.com/office/2006/metadata/contentType"/>
+    <ds:schemaRef ds:uri="http://schemas.microsoft.com/office/2006/metadata/properties/metaAttributes"/>
+    <ds:schemaRef ds:uri="http://www.w3.org/2001/XMLSchema"/>
+    <ds:schemaRef ds:uri="http://schemas.microsoft.com/office/2006/metadata/properties"/>
+    <ds:schemaRef ds:uri="http://schemas.microsoft.com/sharepoint/v3"/>
+    <ds:schemaRef ds:uri="230e9df3-be65-4c73-a93b-d1236ebd677e"/>
+    <ds:schemaRef ds:uri="27aa9422-7f1f-4c84-9cdf-302b1a67e513"/>
+    <ds:schemaRef ds:uri="http://schemas.microsoft.com/office/2006/documentManagement/types"/>
+    <ds:schemaRef ds:uri="http://schemas.microsoft.com/office/infopath/2007/PartnerControls"/>
+    <ds:schemaRef ds:uri="http://schemas.openxmlformats.org/package/2006/metadata/core-properties"/>
+    <ds:schemaRef ds:uri="http://purl.org/dc/elements/1.1/"/>
+    <ds:schemaRef ds:uri="http://purl.org/dc/terms/"/>
+    <ds:schemaRef ds:uri="http://schemas.microsoft.com/internal/obd"/>
   </ds:schemaRefs>
 </ds:datastoreItem>
 </file>
--- a/Slides/01 - Introduction to Entity Framework.pptx
+++ b/Slides/01 - Introduction to Entity Framework.pptx
@@ -1273,8 +1273,17 @@
             </a:pPr>
             <a:r>
               <a:rPr lang="en-US" dirty="0" smtClean="0"/>
-              <a:t>Create a new console app</a:t>
-            </a:r>
+              <a:t>Create a new console app,</a:t>
+            </a:r>
+            <a:r>
+              <a:rPr lang="en-US" baseline="0" dirty="0" smtClean="0"/>
+              <a:t> </a:t>
+            </a:r>
+            <a:r>
+              <a:rPr lang="en-US" baseline="0" smtClean="0"/>
+              <a:t>then we’ll do web.</a:t>
+            </a:r>
+            <a:endParaRPr lang="en-US" dirty="0" smtClean="0"/>
           </a:p>
           <a:p>
             <a:pPr marL="228600" indent="-228600">
@@ -1720,13 +1729,8 @@
             </a:pPr>
             <a:r>
               <a:rPr lang="en-US" baseline="0" dirty="0" smtClean="0"/>
-              <a:t>4. Run the app. Explain the database is created because of connection string in the name in </a:t>
-            </a:r>
-            <a:r>
-              <a:rPr lang="en-US" baseline="0" dirty="0" err="1" smtClean="0"/>
-              <a:t>DbContext</a:t>
-            </a:r>
-            <a:endParaRPr lang="en-US" baseline="0" dirty="0" smtClean="0"/>
+              <a:t>4. </a:t>
+            </a:r>
           </a:p>
           <a:p>
             <a:pPr marL="0" indent="0">
@@ -1734,16 +1738,13 @@
             </a:pPr>
             <a:r>
               <a:rPr lang="en-US" baseline="0" dirty="0" smtClean="0"/>
-              <a:t>5. If </a:t>
+              <a:t>Run the app. Explain the database is created because of connection string in the name in </a:t>
             </a:r>
             <a:r>
               <a:rPr lang="en-US" baseline="0" dirty="0" err="1" smtClean="0"/>
               <a:t>DbContext</a:t>
             </a:r>
-            <a:r>
-              <a:rPr lang="en-US" baseline="0" dirty="0" smtClean="0"/>
-              <a:t> doesn’t have a connect string, we look for the name of the context class connection string.</a:t>
-            </a:r>
+            <a:endParaRPr lang="en-US" baseline="0" dirty="0" smtClean="0"/>
           </a:p>
           <a:p>
             <a:pPr marL="0" indent="0">
@@ -1751,35 +1752,15 @@
             </a:pPr>
             <a:r>
               <a:rPr lang="en-US" baseline="0" dirty="0" smtClean="0"/>
-              <a:t>If that’s not found, we try to create </a:t>
+              <a:t>5. If </a:t>
             </a:r>
             <a:r>
               <a:rPr lang="en-US" baseline="0" dirty="0" err="1" smtClean="0"/>
-              <a:t>SQLExpress</a:t>
+              <a:t>DbContext</a:t>
             </a:r>
             <a:r>
               <a:rPr lang="en-US" baseline="0" dirty="0" smtClean="0"/>
-              <a:t>, local </a:t>
-            </a:r>
-            <a:r>
-              <a:rPr lang="en-US" baseline="0" dirty="0" err="1" smtClean="0"/>
-              <a:t>db</a:t>
-            </a:r>
-            <a:r>
-              <a:rPr lang="en-US" baseline="0" dirty="0" smtClean="0"/>
-              <a:t> 12, local </a:t>
-            </a:r>
-            <a:r>
-              <a:rPr lang="en-US" baseline="0" dirty="0" err="1" smtClean="0"/>
-              <a:t>db</a:t>
-            </a:r>
-            <a:r>
-              <a:rPr lang="en-US" baseline="0" dirty="0" smtClean="0"/>
-              <a:t> </a:t>
-            </a:r>
-            <a:r>
-              <a:rPr lang="en-US" baseline="0" dirty="0" smtClean="0"/>
-              <a:t>11</a:t>
+              <a:t> doesn’t have a connect string, we look for the name of the context class connection string.</a:t>
             </a:r>
           </a:p>
           <a:p>
@@ -1788,11 +1769,40 @@
             </a:pPr>
             <a:r>
               <a:rPr lang="en-US" baseline="0" dirty="0" smtClean="0"/>
-              <a:t>6. Add a connection string and show that </a:t>
-            </a:r>
-            <a:r>
-              <a:rPr lang="en-US" baseline="0" smtClean="0"/>
-              <a:t>new database</a:t>
+              <a:t>If that’s not found, we try to create </a:t>
+            </a:r>
+            <a:r>
+              <a:rPr lang="en-US" baseline="0" dirty="0" err="1" smtClean="0"/>
+              <a:t>SQLExpress</a:t>
+            </a:r>
+            <a:r>
+              <a:rPr lang="en-US" baseline="0" dirty="0" smtClean="0"/>
+              <a:t>, local </a:t>
+            </a:r>
+            <a:r>
+              <a:rPr lang="en-US" baseline="0" dirty="0" err="1" smtClean="0"/>
+              <a:t>db</a:t>
+            </a:r>
+            <a:r>
+              <a:rPr lang="en-US" baseline="0" dirty="0" smtClean="0"/>
+              <a:t> 12, local </a:t>
+            </a:r>
+            <a:r>
+              <a:rPr lang="en-US" baseline="0" dirty="0" err="1" smtClean="0"/>
+              <a:t>db</a:t>
+            </a:r>
+            <a:r>
+              <a:rPr lang="en-US" baseline="0" dirty="0" smtClean="0"/>
+              <a:t> 11</a:t>
+            </a:r>
+          </a:p>
+          <a:p>
+            <a:pPr marL="0" indent="0">
+              <a:buNone/>
+            </a:pPr>
+            <a:r>
+              <a:rPr lang="en-US" baseline="0" dirty="0" smtClean="0"/>
+              <a:t>6. Add a connection string and show that new database</a:t>
             </a:r>
           </a:p>
           <a:p>
@@ -1805,6 +1815,596 @@
             <a:pPr marL="0" indent="0">
               <a:buNone/>
             </a:pPr>
+            <a:endParaRPr lang="en-US" baseline="0" dirty="0" smtClean="0"/>
+          </a:p>
+          <a:p>
+            <a:pPr marL="0" indent="0">
+              <a:buNone/>
+            </a:pPr>
+            <a:endParaRPr lang="en-US" baseline="0" dirty="0" smtClean="0"/>
+          </a:p>
+          <a:p>
+            <a:r>
+              <a:rPr lang="en-US" sz="1200" kern="1200" dirty="0" smtClean="0">
+                <a:solidFill>
+                  <a:schemeClr val="tx1"/>
+                </a:solidFill>
+                <a:latin typeface="+mn-lt"/>
+                <a:ea typeface="+mn-ea"/>
+                <a:cs typeface="+mn-cs"/>
+              </a:rPr>
+              <a:t> using (</a:t>
+            </a:r>
+            <a:r>
+              <a:rPr lang="en-US" sz="1200" kern="1200" dirty="0" err="1" smtClean="0">
+                <a:solidFill>
+                  <a:schemeClr val="tx1"/>
+                </a:solidFill>
+                <a:latin typeface="+mn-lt"/>
+                <a:ea typeface="+mn-ea"/>
+                <a:cs typeface="+mn-cs"/>
+              </a:rPr>
+              <a:t>var</a:t>
+            </a:r>
+            <a:r>
+              <a:rPr lang="en-US" sz="1200" kern="1200" dirty="0" smtClean="0">
+                <a:solidFill>
+                  <a:schemeClr val="tx1"/>
+                </a:solidFill>
+                <a:latin typeface="+mn-lt"/>
+                <a:ea typeface="+mn-ea"/>
+                <a:cs typeface="+mn-cs"/>
+              </a:rPr>
+              <a:t> context = new </a:t>
+            </a:r>
+            <a:r>
+              <a:rPr lang="en-US" sz="1200" kern="1200" dirty="0" err="1" smtClean="0">
+                <a:solidFill>
+                  <a:schemeClr val="tx1"/>
+                </a:solidFill>
+                <a:latin typeface="+mn-lt"/>
+                <a:ea typeface="+mn-ea"/>
+                <a:cs typeface="+mn-cs"/>
+              </a:rPr>
+              <a:t>MusicContext</a:t>
+            </a:r>
+            <a:r>
+              <a:rPr lang="en-US" sz="1200" kern="1200" dirty="0" smtClean="0">
+                <a:solidFill>
+                  <a:schemeClr val="tx1"/>
+                </a:solidFill>
+                <a:latin typeface="+mn-lt"/>
+                <a:ea typeface="+mn-ea"/>
+                <a:cs typeface="+mn-cs"/>
+              </a:rPr>
+              <a:t>())</a:t>
+            </a:r>
+          </a:p>
+          <a:p>
+            <a:r>
+              <a:rPr lang="en-US" sz="1200" kern="1200" dirty="0" smtClean="0">
+                <a:solidFill>
+                  <a:schemeClr val="tx1"/>
+                </a:solidFill>
+                <a:latin typeface="+mn-lt"/>
+                <a:ea typeface="+mn-ea"/>
+                <a:cs typeface="+mn-cs"/>
+              </a:rPr>
+              <a:t>            {</a:t>
+            </a:r>
+          </a:p>
+          <a:p>
+            <a:r>
+              <a:rPr lang="en-US" sz="1200" kern="1200" dirty="0" smtClean="0">
+                <a:solidFill>
+                  <a:schemeClr val="tx1"/>
+                </a:solidFill>
+                <a:latin typeface="+mn-lt"/>
+                <a:ea typeface="+mn-ea"/>
+                <a:cs typeface="+mn-cs"/>
+              </a:rPr>
+              <a:t>                </a:t>
+            </a:r>
+            <a:r>
+              <a:rPr lang="en-US" sz="1200" kern="1200" dirty="0" err="1" smtClean="0">
+                <a:solidFill>
+                  <a:schemeClr val="tx1"/>
+                </a:solidFill>
+                <a:latin typeface="+mn-lt"/>
+                <a:ea typeface="+mn-ea"/>
+                <a:cs typeface="+mn-cs"/>
+              </a:rPr>
+              <a:t>var</a:t>
+            </a:r>
+            <a:r>
+              <a:rPr lang="en-US" sz="1200" kern="1200" dirty="0" smtClean="0">
+                <a:solidFill>
+                  <a:schemeClr val="tx1"/>
+                </a:solidFill>
+                <a:latin typeface="+mn-lt"/>
+                <a:ea typeface="+mn-ea"/>
+                <a:cs typeface="+mn-cs"/>
+              </a:rPr>
+              <a:t> albums = </a:t>
+            </a:r>
+            <a:r>
+              <a:rPr lang="en-US" sz="1200" kern="1200" dirty="0" err="1" smtClean="0">
+                <a:solidFill>
+                  <a:schemeClr val="tx1"/>
+                </a:solidFill>
+                <a:latin typeface="+mn-lt"/>
+                <a:ea typeface="+mn-ea"/>
+                <a:cs typeface="+mn-cs"/>
+              </a:rPr>
+              <a:t>context.Albums.ToList</a:t>
+            </a:r>
+            <a:r>
+              <a:rPr lang="en-US" sz="1200" kern="1200" dirty="0" smtClean="0">
+                <a:solidFill>
+                  <a:schemeClr val="tx1"/>
+                </a:solidFill>
+                <a:latin typeface="+mn-lt"/>
+                <a:ea typeface="+mn-ea"/>
+                <a:cs typeface="+mn-cs"/>
+              </a:rPr>
+              <a:t>();</a:t>
+            </a:r>
+          </a:p>
+          <a:p>
+            <a:r>
+              <a:rPr lang="en-US" sz="1200" kern="1200" dirty="0" smtClean="0">
+                <a:solidFill>
+                  <a:schemeClr val="tx1"/>
+                </a:solidFill>
+                <a:latin typeface="+mn-lt"/>
+                <a:ea typeface="+mn-ea"/>
+                <a:cs typeface="+mn-cs"/>
+              </a:rPr>
+              <a:t>                </a:t>
+            </a:r>
+            <a:r>
+              <a:rPr lang="en-US" sz="1200" kern="1200" dirty="0" err="1" smtClean="0">
+                <a:solidFill>
+                  <a:schemeClr val="tx1"/>
+                </a:solidFill>
+                <a:latin typeface="+mn-lt"/>
+                <a:ea typeface="+mn-ea"/>
+                <a:cs typeface="+mn-cs"/>
+              </a:rPr>
+              <a:t>Console.WriteLine</a:t>
+            </a:r>
+            <a:r>
+              <a:rPr lang="en-US" sz="1200" kern="1200" dirty="0" smtClean="0">
+                <a:solidFill>
+                  <a:schemeClr val="tx1"/>
+                </a:solidFill>
+                <a:latin typeface="+mn-lt"/>
+                <a:ea typeface="+mn-ea"/>
+                <a:cs typeface="+mn-cs"/>
+              </a:rPr>
+              <a:t>(</a:t>
+            </a:r>
+            <a:r>
+              <a:rPr lang="en-US" sz="1200" kern="1200" dirty="0" err="1" smtClean="0">
+                <a:solidFill>
+                  <a:schemeClr val="tx1"/>
+                </a:solidFill>
+                <a:latin typeface="+mn-lt"/>
+                <a:ea typeface="+mn-ea"/>
+                <a:cs typeface="+mn-cs"/>
+              </a:rPr>
+              <a:t>albums.Count</a:t>
+            </a:r>
+            <a:r>
+              <a:rPr lang="en-US" sz="1200" kern="1200" dirty="0" smtClean="0">
+                <a:solidFill>
+                  <a:schemeClr val="tx1"/>
+                </a:solidFill>
+                <a:latin typeface="+mn-lt"/>
+                <a:ea typeface="+mn-ea"/>
+                <a:cs typeface="+mn-cs"/>
+              </a:rPr>
+              <a:t>());</a:t>
+            </a:r>
+          </a:p>
+          <a:p>
+            <a:endParaRPr lang="en-US" sz="1200" kern="1200" dirty="0" smtClean="0">
+              <a:solidFill>
+                <a:schemeClr val="tx1"/>
+              </a:solidFill>
+              <a:latin typeface="+mn-lt"/>
+              <a:ea typeface="+mn-ea"/>
+              <a:cs typeface="+mn-cs"/>
+            </a:endParaRPr>
+          </a:p>
+          <a:p>
+            <a:r>
+              <a:rPr lang="en-US" sz="1200" kern="1200" dirty="0" smtClean="0">
+                <a:solidFill>
+                  <a:schemeClr val="tx1"/>
+                </a:solidFill>
+                <a:latin typeface="+mn-lt"/>
+                <a:ea typeface="+mn-ea"/>
+                <a:cs typeface="+mn-cs"/>
+              </a:rPr>
+              <a:t>                </a:t>
+            </a:r>
+            <a:r>
+              <a:rPr lang="en-US" sz="1200" kern="1200" dirty="0" err="1" smtClean="0">
+                <a:solidFill>
+                  <a:schemeClr val="tx1"/>
+                </a:solidFill>
+                <a:latin typeface="+mn-lt"/>
+                <a:ea typeface="+mn-ea"/>
+                <a:cs typeface="+mn-cs"/>
+              </a:rPr>
+              <a:t>context.Albums.Add</a:t>
+            </a:r>
+            <a:r>
+              <a:rPr lang="en-US" sz="1200" kern="1200" dirty="0" smtClean="0">
+                <a:solidFill>
+                  <a:schemeClr val="tx1"/>
+                </a:solidFill>
+                <a:latin typeface="+mn-lt"/>
+                <a:ea typeface="+mn-ea"/>
+                <a:cs typeface="+mn-cs"/>
+              </a:rPr>
+              <a:t>(new Album() { </a:t>
+            </a:r>
+            <a:r>
+              <a:rPr lang="en-US" sz="1200" kern="1200" dirty="0" err="1" smtClean="0">
+                <a:solidFill>
+                  <a:schemeClr val="tx1"/>
+                </a:solidFill>
+                <a:latin typeface="+mn-lt"/>
+                <a:ea typeface="+mn-ea"/>
+                <a:cs typeface="+mn-cs"/>
+              </a:rPr>
+              <a:t>AlbumArtUrl</a:t>
+            </a:r>
+            <a:r>
+              <a:rPr lang="en-US" sz="1200" kern="1200" dirty="0" smtClean="0">
+                <a:solidFill>
+                  <a:schemeClr val="tx1"/>
+                </a:solidFill>
+                <a:latin typeface="+mn-lt"/>
+                <a:ea typeface="+mn-ea"/>
+                <a:cs typeface="+mn-cs"/>
+              </a:rPr>
+              <a:t>="http://no.com",</a:t>
+            </a:r>
+          </a:p>
+          <a:p>
+            <a:r>
+              <a:rPr lang="en-US" sz="1200" kern="1200" dirty="0" smtClean="0">
+                <a:solidFill>
+                  <a:schemeClr val="tx1"/>
+                </a:solidFill>
+                <a:latin typeface="+mn-lt"/>
+                <a:ea typeface="+mn-ea"/>
+                <a:cs typeface="+mn-cs"/>
+              </a:rPr>
+              <a:t>                </a:t>
+            </a:r>
+            <a:r>
+              <a:rPr lang="en-US" sz="1200" kern="1200" dirty="0" err="1" smtClean="0">
+                <a:solidFill>
+                  <a:schemeClr val="tx1"/>
+                </a:solidFill>
+                <a:latin typeface="+mn-lt"/>
+                <a:ea typeface="+mn-ea"/>
+                <a:cs typeface="+mn-cs"/>
+              </a:rPr>
+              <a:t>AlbumId</a:t>
+            </a:r>
+            <a:r>
+              <a:rPr lang="en-US" sz="1200" kern="1200" dirty="0" smtClean="0">
+                <a:solidFill>
+                  <a:schemeClr val="tx1"/>
+                </a:solidFill>
+                <a:latin typeface="+mn-lt"/>
+                <a:ea typeface="+mn-ea"/>
+                <a:cs typeface="+mn-cs"/>
+              </a:rPr>
+              <a:t>=1,</a:t>
+            </a:r>
+          </a:p>
+          <a:p>
+            <a:r>
+              <a:rPr lang="en-US" sz="1200" kern="1200" dirty="0" smtClean="0">
+                <a:solidFill>
+                  <a:schemeClr val="tx1"/>
+                </a:solidFill>
+                <a:latin typeface="+mn-lt"/>
+                <a:ea typeface="+mn-ea"/>
+                <a:cs typeface="+mn-cs"/>
+              </a:rPr>
+              <a:t>                </a:t>
+            </a:r>
+            <a:r>
+              <a:rPr lang="en-US" sz="1200" kern="1200" dirty="0" err="1" smtClean="0">
+                <a:solidFill>
+                  <a:schemeClr val="tx1"/>
+                </a:solidFill>
+                <a:latin typeface="+mn-lt"/>
+                <a:ea typeface="+mn-ea"/>
+                <a:cs typeface="+mn-cs"/>
+              </a:rPr>
+              <a:t>ArtistId</a:t>
+            </a:r>
+            <a:r>
+              <a:rPr lang="en-US" sz="1200" kern="1200" dirty="0" smtClean="0">
+                <a:solidFill>
+                  <a:schemeClr val="tx1"/>
+                </a:solidFill>
+                <a:latin typeface="+mn-lt"/>
+                <a:ea typeface="+mn-ea"/>
+                <a:cs typeface="+mn-cs"/>
+              </a:rPr>
+              <a:t>=1,</a:t>
+            </a:r>
+          </a:p>
+          <a:p>
+            <a:r>
+              <a:rPr lang="en-US" sz="1200" kern="1200" dirty="0" smtClean="0">
+                <a:solidFill>
+                  <a:schemeClr val="tx1"/>
+                </a:solidFill>
+                <a:latin typeface="+mn-lt"/>
+                <a:ea typeface="+mn-ea"/>
+                <a:cs typeface="+mn-cs"/>
+              </a:rPr>
+              <a:t>                </a:t>
+            </a:r>
+            <a:r>
+              <a:rPr lang="en-US" sz="1200" kern="1200" dirty="0" err="1" smtClean="0">
+                <a:solidFill>
+                  <a:schemeClr val="tx1"/>
+                </a:solidFill>
+                <a:latin typeface="+mn-lt"/>
+                <a:ea typeface="+mn-ea"/>
+                <a:cs typeface="+mn-cs"/>
+              </a:rPr>
+              <a:t>GenreId</a:t>
+            </a:r>
+            <a:r>
+              <a:rPr lang="en-US" sz="1200" kern="1200" dirty="0" smtClean="0">
+                <a:solidFill>
+                  <a:schemeClr val="tx1"/>
+                </a:solidFill>
+                <a:latin typeface="+mn-lt"/>
+                <a:ea typeface="+mn-ea"/>
+                <a:cs typeface="+mn-cs"/>
+              </a:rPr>
+              <a:t>=2,</a:t>
+            </a:r>
+          </a:p>
+          <a:p>
+            <a:r>
+              <a:rPr lang="en-US" sz="1200" kern="1200" dirty="0" smtClean="0">
+                <a:solidFill>
+                  <a:schemeClr val="tx1"/>
+                </a:solidFill>
+                <a:latin typeface="+mn-lt"/>
+                <a:ea typeface="+mn-ea"/>
+                <a:cs typeface="+mn-cs"/>
+              </a:rPr>
+              <a:t>                Price=9.99m,</a:t>
+            </a:r>
+          </a:p>
+          <a:p>
+            <a:r>
+              <a:rPr lang="en-US" sz="1200" kern="1200" dirty="0" smtClean="0">
+                <a:solidFill>
+                  <a:schemeClr val="tx1"/>
+                </a:solidFill>
+                <a:latin typeface="+mn-lt"/>
+                <a:ea typeface="+mn-ea"/>
+                <a:cs typeface="+mn-cs"/>
+              </a:rPr>
+              <a:t>                Title="My Album"});</a:t>
+            </a:r>
+          </a:p>
+          <a:p>
+            <a:endParaRPr lang="en-US" sz="1200" kern="1200" dirty="0" smtClean="0">
+              <a:solidFill>
+                <a:schemeClr val="tx1"/>
+              </a:solidFill>
+              <a:latin typeface="+mn-lt"/>
+              <a:ea typeface="+mn-ea"/>
+              <a:cs typeface="+mn-cs"/>
+            </a:endParaRPr>
+          </a:p>
+          <a:p>
+            <a:r>
+              <a:rPr lang="en-US" sz="1200" kern="1200" dirty="0" smtClean="0">
+                <a:solidFill>
+                  <a:schemeClr val="tx1"/>
+                </a:solidFill>
+                <a:latin typeface="+mn-lt"/>
+                <a:ea typeface="+mn-ea"/>
+                <a:cs typeface="+mn-cs"/>
+              </a:rPr>
+              <a:t>                </a:t>
+            </a:r>
+            <a:r>
+              <a:rPr lang="en-US" sz="1200" kern="1200" dirty="0" err="1" smtClean="0">
+                <a:solidFill>
+                  <a:schemeClr val="tx1"/>
+                </a:solidFill>
+                <a:latin typeface="+mn-lt"/>
+                <a:ea typeface="+mn-ea"/>
+                <a:cs typeface="+mn-cs"/>
+              </a:rPr>
+              <a:t>context.SaveChanges</a:t>
+            </a:r>
+            <a:r>
+              <a:rPr lang="en-US" sz="1200" kern="1200" dirty="0" smtClean="0">
+                <a:solidFill>
+                  <a:schemeClr val="tx1"/>
+                </a:solidFill>
+                <a:latin typeface="+mn-lt"/>
+                <a:ea typeface="+mn-ea"/>
+                <a:cs typeface="+mn-cs"/>
+              </a:rPr>
+              <a:t>();</a:t>
+            </a:r>
+          </a:p>
+          <a:p>
+            <a:endParaRPr lang="en-US" sz="1200" kern="1200" dirty="0" smtClean="0">
+              <a:solidFill>
+                <a:schemeClr val="tx1"/>
+              </a:solidFill>
+              <a:latin typeface="+mn-lt"/>
+              <a:ea typeface="+mn-ea"/>
+              <a:cs typeface="+mn-cs"/>
+            </a:endParaRPr>
+          </a:p>
+          <a:p>
+            <a:r>
+              <a:rPr lang="en-US" sz="1200" kern="1200" dirty="0" smtClean="0">
+                <a:solidFill>
+                  <a:schemeClr val="tx1"/>
+                </a:solidFill>
+                <a:latin typeface="+mn-lt"/>
+                <a:ea typeface="+mn-ea"/>
+                <a:cs typeface="+mn-cs"/>
+              </a:rPr>
+              <a:t>                </a:t>
+            </a:r>
+          </a:p>
+          <a:p>
+            <a:r>
+              <a:rPr lang="en-US" sz="1200" kern="1200" dirty="0" smtClean="0">
+                <a:solidFill>
+                  <a:schemeClr val="tx1"/>
+                </a:solidFill>
+                <a:latin typeface="+mn-lt"/>
+                <a:ea typeface="+mn-ea"/>
+                <a:cs typeface="+mn-cs"/>
+              </a:rPr>
+              <a:t>                albums = </a:t>
+            </a:r>
+            <a:r>
+              <a:rPr lang="en-US" sz="1200" kern="1200" dirty="0" err="1" smtClean="0">
+                <a:solidFill>
+                  <a:schemeClr val="tx1"/>
+                </a:solidFill>
+                <a:latin typeface="+mn-lt"/>
+                <a:ea typeface="+mn-ea"/>
+                <a:cs typeface="+mn-cs"/>
+              </a:rPr>
+              <a:t>context.Albums.ToList</a:t>
+            </a:r>
+            <a:r>
+              <a:rPr lang="en-US" sz="1200" kern="1200" dirty="0" smtClean="0">
+                <a:solidFill>
+                  <a:schemeClr val="tx1"/>
+                </a:solidFill>
+                <a:latin typeface="+mn-lt"/>
+                <a:ea typeface="+mn-ea"/>
+                <a:cs typeface="+mn-cs"/>
+              </a:rPr>
+              <a:t>();</a:t>
+            </a:r>
+          </a:p>
+          <a:p>
+            <a:r>
+              <a:rPr lang="en-US" sz="1200" kern="1200" dirty="0" smtClean="0">
+                <a:solidFill>
+                  <a:schemeClr val="tx1"/>
+                </a:solidFill>
+                <a:latin typeface="+mn-lt"/>
+                <a:ea typeface="+mn-ea"/>
+                <a:cs typeface="+mn-cs"/>
+              </a:rPr>
+              <a:t>                </a:t>
+            </a:r>
+            <a:r>
+              <a:rPr lang="en-US" sz="1200" kern="1200" dirty="0" err="1" smtClean="0">
+                <a:solidFill>
+                  <a:schemeClr val="tx1"/>
+                </a:solidFill>
+                <a:latin typeface="+mn-lt"/>
+                <a:ea typeface="+mn-ea"/>
+                <a:cs typeface="+mn-cs"/>
+              </a:rPr>
+              <a:t>Console.WriteLine</a:t>
+            </a:r>
+            <a:r>
+              <a:rPr lang="en-US" sz="1200" kern="1200" dirty="0" smtClean="0">
+                <a:solidFill>
+                  <a:schemeClr val="tx1"/>
+                </a:solidFill>
+                <a:latin typeface="+mn-lt"/>
+                <a:ea typeface="+mn-ea"/>
+                <a:cs typeface="+mn-cs"/>
+              </a:rPr>
+              <a:t>(</a:t>
+            </a:r>
+            <a:r>
+              <a:rPr lang="en-US" sz="1200" kern="1200" dirty="0" err="1" smtClean="0">
+                <a:solidFill>
+                  <a:schemeClr val="tx1"/>
+                </a:solidFill>
+                <a:latin typeface="+mn-lt"/>
+                <a:ea typeface="+mn-ea"/>
+                <a:cs typeface="+mn-cs"/>
+              </a:rPr>
+              <a:t>albums.Count</a:t>
+            </a:r>
+            <a:r>
+              <a:rPr lang="en-US" sz="1200" kern="1200" dirty="0" smtClean="0">
+                <a:solidFill>
+                  <a:schemeClr val="tx1"/>
+                </a:solidFill>
+                <a:latin typeface="+mn-lt"/>
+                <a:ea typeface="+mn-ea"/>
+                <a:cs typeface="+mn-cs"/>
+              </a:rPr>
+              <a:t>());</a:t>
+            </a:r>
+          </a:p>
+          <a:p>
+            <a:r>
+              <a:rPr lang="en-US" sz="1200" kern="1200" dirty="0" smtClean="0">
+                <a:solidFill>
+                  <a:schemeClr val="tx1"/>
+                </a:solidFill>
+                <a:latin typeface="+mn-lt"/>
+                <a:ea typeface="+mn-ea"/>
+                <a:cs typeface="+mn-cs"/>
+              </a:rPr>
+              <a:t>                </a:t>
+            </a:r>
+          </a:p>
+          <a:p>
+            <a:r>
+              <a:rPr lang="en-US" sz="1200" kern="1200" dirty="0" smtClean="0">
+                <a:solidFill>
+                  <a:schemeClr val="tx1"/>
+                </a:solidFill>
+                <a:latin typeface="+mn-lt"/>
+                <a:ea typeface="+mn-ea"/>
+                <a:cs typeface="+mn-cs"/>
+              </a:rPr>
+              <a:t>                </a:t>
+            </a:r>
+          </a:p>
+          <a:p>
+            <a:r>
+              <a:rPr lang="en-US" sz="1200" kern="1200" dirty="0" smtClean="0">
+                <a:solidFill>
+                  <a:schemeClr val="tx1"/>
+                </a:solidFill>
+                <a:latin typeface="+mn-lt"/>
+                <a:ea typeface="+mn-ea"/>
+                <a:cs typeface="+mn-cs"/>
+              </a:rPr>
+              <a:t>            }</a:t>
+            </a:r>
+          </a:p>
+          <a:p>
             <a:endParaRPr lang="en-US" baseline="0" dirty="0" smtClean="0"/>
           </a:p>
           <a:p>
@@ -3120,14 +3720,6 @@
               </a:rPr>
               <a:t>Choose an existing database with music store information in it and reverse engineer it. </a:t>
             </a:r>
-            <a:endParaRPr lang="en-US" sz="1200" kern="1200" baseline="0" dirty="0" smtClean="0">
-              <a:solidFill>
-                <a:schemeClr val="tx1"/>
-              </a:solidFill>
-              <a:latin typeface="+mn-lt"/>
-              <a:ea typeface="+mn-ea"/>
-              <a:cs typeface="+mn-cs"/>
-            </a:endParaRPr>
           </a:p>
           <a:p>
             <a:pPr marL="228600" indent="-228600">
@@ -4194,17 +4786,17 @@
   <p:extLst mod="1">
     <p:ext uri="{DCECCB84-F9BA-43D5-87BE-67443E8EF086}">
       <p15:sldGuideLst xmlns:p15="http://schemas.microsoft.com/office/powerpoint/2012/main">
-        <p15:guide id="4294967295" orient="horz" pos="3792">
+        <p15:guide id="1" orient="horz" pos="3792">
           <p15:clr>
             <a:srgbClr val="FBAE40"/>
           </p15:clr>
         </p15:guide>
-        <p15:guide id="4294967295" pos="3839">
+        <p15:guide id="2" pos="3839">
           <p15:clr>
             <a:srgbClr val="FBAE40"/>
           </p15:clr>
         </p15:guide>
-        <p15:guide id="4294967295" orient="horz" pos="720">
+        <p15:guide id="3" orient="horz" pos="720">
           <p15:clr>
             <a:srgbClr val="FBAE40"/>
           </p15:clr>
@@ -4707,17 +5299,17 @@
   <p:extLst mod="1">
     <p:ext uri="{DCECCB84-F9BA-43D5-87BE-67443E8EF086}">
       <p15:sldGuideLst xmlns:p15="http://schemas.microsoft.com/office/powerpoint/2012/main">
-        <p15:guide id="4294967295" orient="horz" pos="3792">
+        <p15:guide id="1" orient="horz" pos="3792">
           <p15:clr>
             <a:srgbClr val="FBAE40"/>
           </p15:clr>
         </p15:guide>
-        <p15:guide id="4294967295" pos="3839">
+        <p15:guide id="2" pos="3839">
           <p15:clr>
             <a:srgbClr val="FBAE40"/>
           </p15:clr>
         </p15:guide>
-        <p15:guide id="4294967295" orient="horz" pos="720">
+        <p15:guide id="3" orient="horz" pos="720">
           <p15:clr>
             <a:srgbClr val="FBAE40"/>
           </p15:clr>
@@ -5720,12 +6312,12 @@
   <p:extLst mod="1">
     <p:ext uri="{DCECCB84-F9BA-43D5-87BE-67443E8EF086}">
       <p15:sldGuideLst xmlns:p15="http://schemas.microsoft.com/office/powerpoint/2012/main">
-        <p15:guide id="4294967295" orient="horz" pos="2160">
+        <p15:guide id="1" orient="horz" pos="2160">
           <p15:clr>
             <a:srgbClr val="FBAE40"/>
           </p15:clr>
         </p15:guide>
-        <p15:guide id="4294967295" pos="3840">
+        <p15:guide id="2" pos="3840">
           <p15:clr>
             <a:srgbClr val="FBAE40"/>
           </p15:clr>
@@ -7233,11 +7825,11 @@
   <p:clrMapOvr>
     <a:masterClrMapping/>
   </p:clrMapOvr>
-  <mc:AlternateContent xmlns:mc="http://schemas.openxmlformats.org/markup-compatibility/2006">
-    <mc:Choice xmlns:p14="http://schemas.microsoft.com/office/powerpoint/2010/main" Requires="p14">
+  <mc:AlternateContent xmlns:mc="http://schemas.openxmlformats.org/markup-compatibility/2006" xmlns:p14="http://schemas.microsoft.com/office/powerpoint/2010/main">
+    <mc:Choice Requires="p14">
       <p:transition spd="slow" p14:dur="2000"/>
     </mc:Choice>
-    <mc:Fallback>
+    <mc:Fallback xmlns="">
       <p:transition spd="slow"/>
     </mc:Fallback>
   </mc:AlternateContent>
@@ -7854,12 +8446,12 @@
   <p:extLst mod="1">
     <p:ext uri="{DCECCB84-F9BA-43D5-87BE-67443E8EF086}">
       <p15:sldGuideLst xmlns:p15="http://schemas.microsoft.com/office/powerpoint/2012/main">
-        <p15:guide id="4294967295" orient="horz" pos="2160">
+        <p15:guide id="1" orient="horz" pos="2160">
           <p15:clr>
             <a:srgbClr val="FBAE40"/>
           </p15:clr>
         </p15:guide>
-        <p15:guide id="4294967295" pos="3840">
+        <p15:guide id="2" pos="3840">
           <p15:clr>
             <a:srgbClr val="FBAE40"/>
           </p15:clr>
@@ -9880,7 +10472,6 @@
               <a:rPr lang="en-US" dirty="0"/>
               <a:t>Christopher Harrison | Content Developer, Microsoft</a:t>
             </a:r>
-            <a:endParaRPr lang="en-US" dirty="0"/>
           </a:p>
         </p:txBody>
       </p:sp>
@@ -9982,6 +10573,10 @@
           <a:bodyPr/>
           <a:lstStyle/>
           <a:p>
+            <a:r>
+              <a:rPr lang="en-US" dirty="0" smtClean="0"/>
+              <a:t>Simplified View</a:t>
+            </a:r>
             <a:endParaRPr lang="en-US" dirty="0"/>
           </a:p>
         </p:txBody>
@@ -9994,8 +10589,8 @@
         </p:nvSpPr>
         <p:spPr>
           <a:xfrm>
-            <a:off x="2931336" y="2754441"/>
-            <a:ext cx="1798820" cy="1663908"/>
+            <a:off x="767256" y="2026920"/>
+            <a:ext cx="1798820" cy="640080"/>
           </a:xfrm>
           <a:prstGeom prst="roundRect">
             <a:avLst/>
@@ -10038,8 +10633,8 @@
         </p:nvSpPr>
         <p:spPr>
           <a:xfrm>
-            <a:off x="5242320" y="2754441"/>
-            <a:ext cx="1798820" cy="1663908"/>
+            <a:off x="3078240" y="2026920"/>
+            <a:ext cx="1798820" cy="640080"/>
           </a:xfrm>
           <a:prstGeom prst="roundRect">
             <a:avLst/>
@@ -10097,7 +10692,7 @@
         </p:blipFill>
         <p:spPr bwMode="auto">
           <a:xfrm>
-            <a:off x="2914739" y="961369"/>
+            <a:off x="6436272" y="1542932"/>
             <a:ext cx="5335178" cy="4980976"/>
           </a:xfrm>
           <a:prstGeom prst="rect">
@@ -10123,8 +10718,8 @@
         </p:nvSpPr>
         <p:spPr>
           <a:xfrm>
-            <a:off x="7533302" y="2754441"/>
-            <a:ext cx="1798820" cy="1663908"/>
+            <a:off x="5399702" y="2026920"/>
+            <a:ext cx="1798820" cy="640080"/>
           </a:xfrm>
           <a:prstGeom prst="roundRect">
             <a:avLst/>
@@ -10167,7 +10762,7 @@
         </p:nvSpPr>
         <p:spPr>
           <a:xfrm>
-            <a:off x="4795128" y="3417757"/>
+            <a:off x="2615808" y="2175768"/>
             <a:ext cx="417212" cy="344774"/>
           </a:xfrm>
           <a:prstGeom prst="rightArrow">
@@ -10207,7 +10802,7 @@
         </p:nvSpPr>
         <p:spPr>
           <a:xfrm>
-            <a:off x="7087823" y="3414008"/>
+            <a:off x="4938983" y="2187259"/>
             <a:ext cx="417212" cy="344774"/>
           </a:xfrm>
           <a:prstGeom prst="rightArrow">
@@ -10236,6 +10831,42 @@
           <a:p>
             <a:pPr algn="ctr"/>
             <a:endParaRPr lang="en-US"/>
+          </a:p>
+        </p:txBody>
+      </p:sp>
+      <p:sp>
+        <p:nvSpPr>
+          <p:cNvPr id="8" name="TextBox 7"/>
+          <p:cNvSpPr txBox="1"/>
+          <p:nvPr/>
+        </p:nvSpPr>
+        <p:spPr>
+          <a:xfrm>
+            <a:off x="1483272" y="3581400"/>
+            <a:ext cx="4693920" cy="584775"/>
+          </a:xfrm>
+          <a:prstGeom prst="rect">
+            <a:avLst/>
+          </a:prstGeom>
+          <a:noFill/>
+        </p:spPr>
+        <p:txBody>
+          <a:bodyPr wrap="square" rtlCol="0">
+            <a:spAutoFit/>
+          </a:bodyPr>
+          <a:lstStyle/>
+          <a:p>
+            <a:r>
+              <a:rPr lang="en-US" sz="3200" dirty="0" smtClean="0">
+                <a:latin typeface="Segoe UI Light" panose="020B0502040204020203" pitchFamily="34" charset="0"/>
+                <a:cs typeface="Segoe UI Light" panose="020B0502040204020203" pitchFamily="34" charset="0"/>
+              </a:rPr>
+              <a:t>EF System Components</a:t>
+            </a:r>
+            <a:endParaRPr lang="en-US" sz="3200" dirty="0">
+              <a:latin typeface="Segoe UI Light" panose="020B0502040204020203" pitchFamily="34" charset="0"/>
+              <a:cs typeface="Segoe UI Light" panose="020B0502040204020203" pitchFamily="34" charset="0"/>
+            </a:endParaRPr>
           </a:p>
         </p:txBody>
       </p:sp>
@@ -10304,15 +10935,68 @@
                                   </p:childTnLst>
                                 </p:cTn>
                               </p:par>
+                            </p:childTnLst>
+                          </p:cTn>
+                        </p:par>
+                      </p:childTnLst>
+                    </p:cTn>
+                  </p:par>
+                  <p:par>
+                    <p:cTn id="8" fill="hold">
+                      <p:stCondLst>
+                        <p:cond delay="indefinite"/>
+                      </p:stCondLst>
+                      <p:childTnLst>
+                        <p:par>
+                          <p:cTn id="9" fill="hold">
+                            <p:stCondLst>
+                              <p:cond delay="0"/>
+                            </p:stCondLst>
+                            <p:childTnLst>
                               <p:par>
-                                <p:cTn id="8" presetID="10" presetClass="entr" presetSubtype="0" fill="hold" grpId="0" nodeType="withEffect">
+                                <p:cTn id="10" presetID="10" presetClass="entr" presetSubtype="0" fill="hold" grpId="0" nodeType="clickEffect">
                                   <p:stCondLst>
                                     <p:cond delay="0"/>
                                   </p:stCondLst>
                                   <p:childTnLst>
                                     <p:set>
                                       <p:cBhvr>
-                                        <p:cTn id="9" dur="1" fill="hold">
+                                        <p:cTn id="11" dur="1" fill="hold">
+                                          <p:stCondLst>
+                                            <p:cond delay="0"/>
+                                          </p:stCondLst>
+                                        </p:cTn>
+                                        <p:tgtEl>
+                                          <p:spTgt spid="6"/>
+                                        </p:tgtEl>
+                                        <p:attrNameLst>
+                                          <p:attrName>style.visibility</p:attrName>
+                                        </p:attrNameLst>
+                                      </p:cBhvr>
+                                      <p:to>
+                                        <p:strVal val="visible"/>
+                                      </p:to>
+                                    </p:set>
+                                    <p:animEffect transition="in" filter="fade">
+                                      <p:cBhvr>
+                                        <p:cTn id="12" dur="500"/>
+                                        <p:tgtEl>
+                                          <p:spTgt spid="6"/>
+                                        </p:tgtEl>
+                                      </p:cBhvr>
+                                    </p:animEffect>
+                                  </p:childTnLst>
+                                </p:cTn>
+                              </p:par>
+                              <p:par>
+                                <p:cTn id="13" presetID="10" presetClass="entr" presetSubtype="0" fill="hold" grpId="0" nodeType="withEffect">
+                                  <p:stCondLst>
+                                    <p:cond delay="0"/>
+                                  </p:stCondLst>
+                                  <p:childTnLst>
+                                    <p:set>
+                                      <p:cBhvr>
+                                        <p:cTn id="14" dur="1" fill="hold">
                                           <p:stCondLst>
                                             <p:cond delay="0"/>
                                           </p:stCondLst>
@@ -10330,7 +11014,7 @@
                                     </p:set>
                                     <p:animEffect transition="in" filter="fade">
                                       <p:cBhvr>
-                                        <p:cTn id="10" dur="500"/>
+                                        <p:cTn id="15" dur="500"/>
                                         <p:tgtEl>
                                           <p:spTgt spid="5"/>
                                         </p:tgtEl>
@@ -10339,15 +11023,68 @@
                                   </p:childTnLst>
                                 </p:cTn>
                               </p:par>
+                            </p:childTnLst>
+                          </p:cTn>
+                        </p:par>
+                      </p:childTnLst>
+                    </p:cTn>
+                  </p:par>
+                  <p:par>
+                    <p:cTn id="16" fill="hold">
+                      <p:stCondLst>
+                        <p:cond delay="indefinite"/>
+                      </p:stCondLst>
+                      <p:childTnLst>
+                        <p:par>
+                          <p:cTn id="17" fill="hold">
+                            <p:stCondLst>
+                              <p:cond delay="0"/>
+                            </p:stCondLst>
+                            <p:childTnLst>
                               <p:par>
-                                <p:cTn id="11" presetID="10" presetClass="entr" presetSubtype="0" fill="hold" grpId="0" nodeType="withEffect">
+                                <p:cTn id="18" presetID="10" presetClass="entr" presetSubtype="0" fill="hold" grpId="0" nodeType="clickEffect">
                                   <p:stCondLst>
                                     <p:cond delay="0"/>
                                   </p:stCondLst>
                                   <p:childTnLst>
                                     <p:set>
                                       <p:cBhvr>
-                                        <p:cTn id="12" dur="1" fill="hold">
+                                        <p:cTn id="19" dur="1" fill="hold">
+                                          <p:stCondLst>
+                                            <p:cond delay="0"/>
+                                          </p:stCondLst>
+                                        </p:cTn>
+                                        <p:tgtEl>
+                                          <p:spTgt spid="9"/>
+                                        </p:tgtEl>
+                                        <p:attrNameLst>
+                                          <p:attrName>style.visibility</p:attrName>
+                                        </p:attrNameLst>
+                                      </p:cBhvr>
+                                      <p:to>
+                                        <p:strVal val="visible"/>
+                                      </p:to>
+                                    </p:set>
+                                    <p:animEffect transition="in" filter="fade">
+                                      <p:cBhvr>
+                                        <p:cTn id="20" dur="500"/>
+                                        <p:tgtEl>
+                                          <p:spTgt spid="9"/>
+                                        </p:tgtEl>
+                                      </p:cBhvr>
+                                    </p:animEffect>
+                                  </p:childTnLst>
+                                </p:cTn>
+                              </p:par>
+                              <p:par>
+                                <p:cTn id="21" presetID="10" presetClass="entr" presetSubtype="0" fill="hold" grpId="0" nodeType="withEffect">
+                                  <p:stCondLst>
+                                    <p:cond delay="0"/>
+                                  </p:stCondLst>
+                                  <p:childTnLst>
+                                    <p:set>
+                                      <p:cBhvr>
+                                        <p:cTn id="22" dur="1" fill="hold">
                                           <p:stCondLst>
                                             <p:cond delay="0"/>
                                           </p:stCondLst>
@@ -10365,79 +11102,9 @@
                                     </p:set>
                                     <p:animEffect transition="in" filter="fade">
                                       <p:cBhvr>
-                                        <p:cTn id="13" dur="500"/>
+                                        <p:cTn id="23" dur="500"/>
                                         <p:tgtEl>
                                           <p:spTgt spid="7"/>
-                                        </p:tgtEl>
-                                      </p:cBhvr>
-                                    </p:animEffect>
-                                  </p:childTnLst>
-                                </p:cTn>
-                              </p:par>
-                              <p:par>
-                                <p:cTn id="14" presetID="10" presetClass="entr" presetSubtype="0" fill="hold" grpId="0" nodeType="withEffect">
-                                  <p:stCondLst>
-                                    <p:cond delay="0"/>
-                                  </p:stCondLst>
-                                  <p:childTnLst>
-                                    <p:set>
-                                      <p:cBhvr>
-                                        <p:cTn id="15" dur="1" fill="hold">
-                                          <p:stCondLst>
-                                            <p:cond delay="0"/>
-                                          </p:stCondLst>
-                                        </p:cTn>
-                                        <p:tgtEl>
-                                          <p:spTgt spid="6"/>
-                                        </p:tgtEl>
-                                        <p:attrNameLst>
-                                          <p:attrName>style.visibility</p:attrName>
-                                        </p:attrNameLst>
-                                      </p:cBhvr>
-                                      <p:to>
-                                        <p:strVal val="visible"/>
-                                      </p:to>
-                                    </p:set>
-                                    <p:animEffect transition="in" filter="fade">
-                                      <p:cBhvr>
-                                        <p:cTn id="16" dur="500"/>
-                                        <p:tgtEl>
-                                          <p:spTgt spid="6"/>
-                                        </p:tgtEl>
-                                      </p:cBhvr>
-                                    </p:animEffect>
-                                  </p:childTnLst>
-                                </p:cTn>
-                              </p:par>
-                              <p:par>
-                                <p:cTn id="17" presetID="10" presetClass="entr" presetSubtype="0" fill="hold" grpId="0" nodeType="withEffect">
-                                  <p:stCondLst>
-                                    <p:cond delay="0"/>
-                                  </p:stCondLst>
-                                  <p:childTnLst>
-                                    <p:set>
-                                      <p:cBhvr>
-                                        <p:cTn id="18" dur="1" fill="hold">
-                                          <p:stCondLst>
-                                            <p:cond delay="0"/>
-                                          </p:stCondLst>
-                                        </p:cTn>
-                                        <p:tgtEl>
-                                          <p:spTgt spid="9"/>
-                                        </p:tgtEl>
-                                        <p:attrNameLst>
-                                          <p:attrName>style.visibility</p:attrName>
-                                        </p:attrNameLst>
-                                      </p:cBhvr>
-                                      <p:to>
-                                        <p:strVal val="visible"/>
-                                      </p:to>
-                                    </p:set>
-                                    <p:animEffect transition="in" filter="fade">
-                                      <p:cBhvr>
-                                        <p:cTn id="19" dur="500"/>
-                                        <p:tgtEl>
-                                          <p:spTgt spid="9"/>
                                         </p:tgtEl>
                                       </p:cBhvr>
                                     </p:animEffect>
@@ -10451,73 +11118,19 @@
                     </p:cTn>
                   </p:par>
                   <p:par>
-                    <p:cTn id="20" fill="hold">
+                    <p:cTn id="24" fill="hold">
                       <p:stCondLst>
                         <p:cond delay="indefinite"/>
                       </p:stCondLst>
                       <p:childTnLst>
                         <p:par>
-                          <p:cTn id="21" fill="hold">
+                          <p:cTn id="25" fill="hold">
                             <p:stCondLst>
                               <p:cond delay="0"/>
                             </p:stCondLst>
                             <p:childTnLst>
                               <p:par>
-                                <p:cTn id="22" presetID="1" presetClass="exit" presetSubtype="0" fill="hold" grpId="1" nodeType="clickEffect">
-                                  <p:stCondLst>
-                                    <p:cond delay="0"/>
-                                  </p:stCondLst>
-                                  <p:childTnLst>
-                                    <p:set>
-                                      <p:cBhvr>
-                                        <p:cTn id="23" dur="1" fill="hold">
-                                          <p:stCondLst>
-                                            <p:cond delay="0"/>
-                                          </p:stCondLst>
-                                        </p:cTn>
-                                        <p:tgtEl>
-                                          <p:spTgt spid="4"/>
-                                        </p:tgtEl>
-                                        <p:attrNameLst>
-                                          <p:attrName>style.visibility</p:attrName>
-                                        </p:attrNameLst>
-                                      </p:cBhvr>
-                                      <p:to>
-                                        <p:strVal val="hidden"/>
-                                      </p:to>
-                                    </p:set>
-                                  </p:childTnLst>
-                                </p:cTn>
-                              </p:par>
-                              <p:par>
-                                <p:cTn id="24" presetID="1" presetClass="exit" presetSubtype="0" fill="hold" grpId="1" nodeType="withEffect">
-                                  <p:stCondLst>
-                                    <p:cond delay="0"/>
-                                  </p:stCondLst>
-                                  <p:childTnLst>
-                                    <p:set>
-                                      <p:cBhvr>
-                                        <p:cTn id="25" dur="1" fill="hold">
-                                          <p:stCondLst>
-                                            <p:cond delay="0"/>
-                                          </p:stCondLst>
-                                        </p:cTn>
-                                        <p:tgtEl>
-                                          <p:spTgt spid="5"/>
-                                        </p:tgtEl>
-                                        <p:attrNameLst>
-                                          <p:attrName>style.visibility</p:attrName>
-                                        </p:attrNameLst>
-                                      </p:cBhvr>
-                                      <p:to>
-                                        <p:strVal val="hidden"/>
-                                      </p:to>
-                                    </p:set>
-                                  </p:childTnLst>
-                                </p:cTn>
-                              </p:par>
-                              <p:par>
-                                <p:cTn id="26" presetID="1" presetClass="exit" presetSubtype="0" fill="hold" grpId="1" nodeType="withEffect">
+                                <p:cTn id="26" presetID="10" presetClass="entr" presetSubtype="0" fill="hold" nodeType="clickEffect">
                                   <p:stCondLst>
                                     <p:cond delay="0"/>
                                   </p:stCondLst>
@@ -10525,105 +11138,6 @@
                                     <p:set>
                                       <p:cBhvr>
                                         <p:cTn id="27" dur="1" fill="hold">
-                                          <p:stCondLst>
-                                            <p:cond delay="0"/>
-                                          </p:stCondLst>
-                                        </p:cTn>
-                                        <p:tgtEl>
-                                          <p:spTgt spid="7"/>
-                                        </p:tgtEl>
-                                        <p:attrNameLst>
-                                          <p:attrName>style.visibility</p:attrName>
-                                        </p:attrNameLst>
-                                      </p:cBhvr>
-                                      <p:to>
-                                        <p:strVal val="hidden"/>
-                                      </p:to>
-                                    </p:set>
-                                  </p:childTnLst>
-                                </p:cTn>
-                              </p:par>
-                              <p:par>
-                                <p:cTn id="28" presetID="1" presetClass="exit" presetSubtype="0" fill="hold" grpId="1" nodeType="withEffect">
-                                  <p:stCondLst>
-                                    <p:cond delay="0"/>
-                                  </p:stCondLst>
-                                  <p:childTnLst>
-                                    <p:set>
-                                      <p:cBhvr>
-                                        <p:cTn id="29" dur="1" fill="hold">
-                                          <p:stCondLst>
-                                            <p:cond delay="0"/>
-                                          </p:stCondLst>
-                                        </p:cTn>
-                                        <p:tgtEl>
-                                          <p:spTgt spid="6"/>
-                                        </p:tgtEl>
-                                        <p:attrNameLst>
-                                          <p:attrName>style.visibility</p:attrName>
-                                        </p:attrNameLst>
-                                      </p:cBhvr>
-                                      <p:to>
-                                        <p:strVal val="hidden"/>
-                                      </p:to>
-                                    </p:set>
-                                  </p:childTnLst>
-                                </p:cTn>
-                              </p:par>
-                              <p:par>
-                                <p:cTn id="30" presetID="1" presetClass="exit" presetSubtype="0" fill="hold" grpId="1" nodeType="withEffect">
-                                  <p:stCondLst>
-                                    <p:cond delay="0"/>
-                                  </p:stCondLst>
-                                  <p:childTnLst>
-                                    <p:set>
-                                      <p:cBhvr>
-                                        <p:cTn id="31" dur="1" fill="hold">
-                                          <p:stCondLst>
-                                            <p:cond delay="0"/>
-                                          </p:stCondLst>
-                                        </p:cTn>
-                                        <p:tgtEl>
-                                          <p:spTgt spid="9"/>
-                                        </p:tgtEl>
-                                        <p:attrNameLst>
-                                          <p:attrName>style.visibility</p:attrName>
-                                        </p:attrNameLst>
-                                      </p:cBhvr>
-                                      <p:to>
-                                        <p:strVal val="hidden"/>
-                                      </p:to>
-                                    </p:set>
-                                  </p:childTnLst>
-                                </p:cTn>
-                              </p:par>
-                            </p:childTnLst>
-                          </p:cTn>
-                        </p:par>
-                      </p:childTnLst>
-                    </p:cTn>
-                  </p:par>
-                  <p:par>
-                    <p:cTn id="32" fill="hold">
-                      <p:stCondLst>
-                        <p:cond delay="indefinite"/>
-                      </p:stCondLst>
-                      <p:childTnLst>
-                        <p:par>
-                          <p:cTn id="33" fill="hold">
-                            <p:stCondLst>
-                              <p:cond delay="0"/>
-                            </p:stCondLst>
-                            <p:childTnLst>
-                              <p:par>
-                                <p:cTn id="34" presetID="10" presetClass="entr" presetSubtype="0" fill="hold" nodeType="clickEffect">
-                                  <p:stCondLst>
-                                    <p:cond delay="0"/>
-                                  </p:stCondLst>
-                                  <p:childTnLst>
-                                    <p:set>
-                                      <p:cBhvr>
-                                        <p:cTn id="35" dur="1" fill="hold">
                                           <p:stCondLst>
                                             <p:cond delay="0"/>
                                           </p:stCondLst>
@@ -10641,9 +11155,44 @@
                                     </p:set>
                                     <p:animEffect transition="in" filter="fade">
                                       <p:cBhvr>
-                                        <p:cTn id="36" dur="500"/>
+                                        <p:cTn id="28" dur="500"/>
                                         <p:tgtEl>
                                           <p:spTgt spid="1026"/>
+                                        </p:tgtEl>
+                                      </p:cBhvr>
+                                    </p:animEffect>
+                                  </p:childTnLst>
+                                </p:cTn>
+                              </p:par>
+                              <p:par>
+                                <p:cTn id="29" presetID="10" presetClass="entr" presetSubtype="0" fill="hold" grpId="0" nodeType="withEffect">
+                                  <p:stCondLst>
+                                    <p:cond delay="0"/>
+                                  </p:stCondLst>
+                                  <p:childTnLst>
+                                    <p:set>
+                                      <p:cBhvr>
+                                        <p:cTn id="30" dur="1" fill="hold">
+                                          <p:stCondLst>
+                                            <p:cond delay="0"/>
+                                          </p:stCondLst>
+                                        </p:cTn>
+                                        <p:tgtEl>
+                                          <p:spTgt spid="8"/>
+                                        </p:tgtEl>
+                                        <p:attrNameLst>
+                                          <p:attrName>style.visibility</p:attrName>
+                                        </p:attrNameLst>
+                                      </p:cBhvr>
+                                      <p:to>
+                                        <p:strVal val="visible"/>
+                                      </p:to>
+                                    </p:set>
+                                    <p:animEffect transition="in" filter="fade">
+                                      <p:cBhvr>
+                                        <p:cTn id="31" dur="500"/>
+                                        <p:tgtEl>
+                                          <p:spTgt spid="8"/>
                                         </p:tgtEl>
                                       </p:cBhvr>
                                     </p:animEffect>
@@ -10679,15 +11228,11 @@
     </p:tnLst>
     <p:bldLst>
       <p:bldP spid="4" grpId="0" animBg="1"/>
-      <p:bldP spid="4" grpId="1" animBg="1"/>
       <p:bldP spid="5" grpId="0" animBg="1"/>
-      <p:bldP spid="5" grpId="1" animBg="1"/>
       <p:bldP spid="7" grpId="0" animBg="1"/>
-      <p:bldP spid="7" grpId="1" animBg="1"/>
       <p:bldP spid="6" grpId="0" animBg="1"/>
-      <p:bldP spid="6" grpId="1" animBg="1"/>
       <p:bldP spid="9" grpId="0" animBg="1"/>
-      <p:bldP spid="9" grpId="1" animBg="1"/>
+      <p:bldP spid="8" grpId="0"/>
     </p:bldLst>
   </p:timing>
 </p:sld>
@@ -11243,7 +11788,7 @@
           <a:p>
             <a:r>
               <a:rPr lang="en-US" dirty="0" smtClean="0"/>
-              <a:t>Allows you to use POCO classes as entities</a:t>
+              <a:t>Maps your POCO classes to database</a:t>
             </a:r>
           </a:p>
           <a:p>
@@ -11287,7 +11832,7 @@
         </p:nvSpPr>
         <p:spPr>
           <a:xfrm>
-            <a:off x="698090" y="5205974"/>
+            <a:off x="682319" y="3309550"/>
             <a:ext cx="7728154" cy="1569660"/>
           </a:xfrm>
           <a:prstGeom prst="rect">
@@ -11557,7 +12102,7 @@
         </p:nvSpPr>
         <p:spPr>
           <a:xfrm>
-            <a:off x="698090" y="3364002"/>
+            <a:off x="682319" y="4882146"/>
             <a:ext cx="6381135" cy="1938992"/>
           </a:xfrm>
           <a:prstGeom prst="rect">
@@ -11901,6 +12446,166 @@
             </a:r>
             <a:endParaRPr lang="en-US" sz="2400" dirty="0">
               <a:sym typeface="Wingdings" panose="05000000000000000000" pitchFamily="2" charset="2"/>
+            </a:endParaRPr>
+          </a:p>
+        </p:txBody>
+      </p:sp>
+      <p:sp>
+        <p:nvSpPr>
+          <p:cNvPr id="6" name="Right Brace 5"/>
+          <p:cNvSpPr/>
+          <p:nvPr/>
+        </p:nvSpPr>
+        <p:spPr>
+          <a:xfrm>
+            <a:off x="8323755" y="3379335"/>
+            <a:ext cx="779247" cy="1308170"/>
+          </a:xfrm>
+          <a:prstGeom prst="rightBrace">
+            <a:avLst/>
+          </a:prstGeom>
+        </p:spPr>
+        <p:style>
+          <a:lnRef idx="1">
+            <a:schemeClr val="accent1"/>
+          </a:lnRef>
+          <a:fillRef idx="0">
+            <a:schemeClr val="accent1"/>
+          </a:fillRef>
+          <a:effectRef idx="0">
+            <a:schemeClr val="accent1"/>
+          </a:effectRef>
+          <a:fontRef idx="minor">
+            <a:schemeClr val="tx1"/>
+          </a:fontRef>
+        </p:style>
+        <p:txBody>
+          <a:bodyPr rtlCol="0" anchor="ctr"/>
+          <a:lstStyle/>
+          <a:p>
+            <a:pPr algn="ctr"/>
+            <a:endParaRPr lang="en-US"/>
+          </a:p>
+        </p:txBody>
+      </p:sp>
+      <p:sp>
+        <p:nvSpPr>
+          <p:cNvPr id="7" name="TextBox 6"/>
+          <p:cNvSpPr txBox="1"/>
+          <p:nvPr/>
+        </p:nvSpPr>
+        <p:spPr>
+          <a:xfrm>
+            <a:off x="9148722" y="3733800"/>
+            <a:ext cx="2326998" cy="584775"/>
+          </a:xfrm>
+          <a:prstGeom prst="rect">
+            <a:avLst/>
+          </a:prstGeom>
+          <a:noFill/>
+        </p:spPr>
+        <p:txBody>
+          <a:bodyPr wrap="square" rtlCol="0">
+            <a:spAutoFit/>
+          </a:bodyPr>
+          <a:lstStyle/>
+          <a:p>
+            <a:r>
+              <a:rPr lang="en-US" sz="3200" dirty="0" err="1" smtClean="0">
+                <a:solidFill>
+                  <a:schemeClr val="accent6"/>
+                </a:solidFill>
+                <a:latin typeface="Segoe UI Light" panose="020B0502040204020203" pitchFamily="34" charset="0"/>
+                <a:cs typeface="Segoe UI Light" panose="020B0502040204020203" pitchFamily="34" charset="0"/>
+              </a:rPr>
+              <a:t>DbContext</a:t>
+            </a:r>
+            <a:endParaRPr lang="en-US" sz="3200" dirty="0">
+              <a:solidFill>
+                <a:schemeClr val="accent6"/>
+              </a:solidFill>
+              <a:latin typeface="Segoe UI Light" panose="020B0502040204020203" pitchFamily="34" charset="0"/>
+              <a:cs typeface="Segoe UI Light" panose="020B0502040204020203" pitchFamily="34" charset="0"/>
+            </a:endParaRPr>
+          </a:p>
+        </p:txBody>
+      </p:sp>
+      <p:sp>
+        <p:nvSpPr>
+          <p:cNvPr id="8" name="Right Brace 7"/>
+          <p:cNvSpPr/>
+          <p:nvPr/>
+        </p:nvSpPr>
+        <p:spPr>
+          <a:xfrm>
+            <a:off x="6673830" y="5440229"/>
+            <a:ext cx="779247" cy="1308170"/>
+          </a:xfrm>
+          <a:prstGeom prst="rightBrace">
+            <a:avLst/>
+          </a:prstGeom>
+        </p:spPr>
+        <p:style>
+          <a:lnRef idx="1">
+            <a:schemeClr val="accent1"/>
+          </a:lnRef>
+          <a:fillRef idx="0">
+            <a:schemeClr val="accent1"/>
+          </a:fillRef>
+          <a:effectRef idx="0">
+            <a:schemeClr val="accent1"/>
+          </a:effectRef>
+          <a:fontRef idx="minor">
+            <a:schemeClr val="tx1"/>
+          </a:fontRef>
+        </p:style>
+        <p:txBody>
+          <a:bodyPr rtlCol="0" anchor="ctr"/>
+          <a:lstStyle/>
+          <a:p>
+            <a:pPr algn="ctr"/>
+            <a:endParaRPr lang="en-US"/>
+          </a:p>
+        </p:txBody>
+      </p:sp>
+      <p:sp>
+        <p:nvSpPr>
+          <p:cNvPr id="9" name="TextBox 8"/>
+          <p:cNvSpPr txBox="1"/>
+          <p:nvPr/>
+        </p:nvSpPr>
+        <p:spPr>
+          <a:xfrm>
+            <a:off x="7498796" y="5794694"/>
+            <a:ext cx="2788203" cy="584775"/>
+          </a:xfrm>
+          <a:prstGeom prst="rect">
+            <a:avLst/>
+          </a:prstGeom>
+          <a:noFill/>
+        </p:spPr>
+        <p:txBody>
+          <a:bodyPr wrap="square" rtlCol="0">
+            <a:spAutoFit/>
+          </a:bodyPr>
+          <a:lstStyle/>
+          <a:p>
+            <a:r>
+              <a:rPr lang="en-US" sz="3200" dirty="0" smtClean="0">
+                <a:solidFill>
+                  <a:schemeClr val="accent6"/>
+                </a:solidFill>
+                <a:latin typeface="Segoe UI Light" panose="020B0502040204020203" pitchFamily="34" charset="0"/>
+                <a:cs typeface="Segoe UI Light" panose="020B0502040204020203" pitchFamily="34" charset="0"/>
+              </a:rPr>
+              <a:t>POCO (Entity)</a:t>
+            </a:r>
+            <a:endParaRPr lang="en-US" sz="3200" dirty="0">
+              <a:solidFill>
+                <a:schemeClr val="accent6"/>
+              </a:solidFill>
+              <a:latin typeface="Segoe UI Light" panose="020B0502040204020203" pitchFamily="34" charset="0"/>
+              <a:cs typeface="Segoe UI Light" panose="020B0502040204020203" pitchFamily="34" charset="0"/>
             </a:endParaRPr>
           </a:p>
         </p:txBody>
@@ -11918,9 +12623,322 @@
   <p:timing>
     <p:tnLst>
       <p:par>
-        <p:cTn id="1" dur="indefinite" restart="never" nodeType="tmRoot"/>
+        <p:cTn id="1" dur="indefinite" restart="never" nodeType="tmRoot">
+          <p:childTnLst>
+            <p:seq concurrent="1" nextAc="seek">
+              <p:cTn id="2" dur="indefinite" nodeType="mainSeq">
+                <p:childTnLst>
+                  <p:par>
+                    <p:cTn id="3" fill="hold">
+                      <p:stCondLst>
+                        <p:cond delay="indefinite"/>
+                      </p:stCondLst>
+                      <p:childTnLst>
+                        <p:par>
+                          <p:cTn id="4" fill="hold">
+                            <p:stCondLst>
+                              <p:cond delay="0"/>
+                            </p:stCondLst>
+                            <p:childTnLst>
+                              <p:par>
+                                <p:cTn id="5" presetID="10" presetClass="entr" presetSubtype="0" fill="hold" grpId="0" nodeType="clickEffect">
+                                  <p:stCondLst>
+                                    <p:cond delay="0"/>
+                                  </p:stCondLst>
+                                  <p:childTnLst>
+                                    <p:set>
+                                      <p:cBhvr>
+                                        <p:cTn id="6" dur="1" fill="hold">
+                                          <p:stCondLst>
+                                            <p:cond delay="0"/>
+                                          </p:stCondLst>
+                                        </p:cTn>
+                                        <p:tgtEl>
+                                          <p:spTgt spid="4"/>
+                                        </p:tgtEl>
+                                        <p:attrNameLst>
+                                          <p:attrName>style.visibility</p:attrName>
+                                        </p:attrNameLst>
+                                      </p:cBhvr>
+                                      <p:to>
+                                        <p:strVal val="visible"/>
+                                      </p:to>
+                                    </p:set>
+                                    <p:animEffect transition="in" filter="fade">
+                                      <p:cBhvr>
+                                        <p:cTn id="7" dur="500"/>
+                                        <p:tgtEl>
+                                          <p:spTgt spid="4"/>
+                                        </p:tgtEl>
+                                      </p:cBhvr>
+                                    </p:animEffect>
+                                  </p:childTnLst>
+                                </p:cTn>
+                              </p:par>
+                            </p:childTnLst>
+                          </p:cTn>
+                        </p:par>
+                      </p:childTnLst>
+                    </p:cTn>
+                  </p:par>
+                  <p:par>
+                    <p:cTn id="8" fill="hold">
+                      <p:stCondLst>
+                        <p:cond delay="indefinite"/>
+                      </p:stCondLst>
+                      <p:childTnLst>
+                        <p:par>
+                          <p:cTn id="9" fill="hold">
+                            <p:stCondLst>
+                              <p:cond delay="0"/>
+                            </p:stCondLst>
+                            <p:childTnLst>
+                              <p:par>
+                                <p:cTn id="10" presetID="10" presetClass="entr" presetSubtype="0" fill="hold" grpId="0" nodeType="clickEffect">
+                                  <p:stCondLst>
+                                    <p:cond delay="0"/>
+                                  </p:stCondLst>
+                                  <p:childTnLst>
+                                    <p:set>
+                                      <p:cBhvr>
+                                        <p:cTn id="11" dur="1" fill="hold">
+                                          <p:stCondLst>
+                                            <p:cond delay="0"/>
+                                          </p:stCondLst>
+                                        </p:cTn>
+                                        <p:tgtEl>
+                                          <p:spTgt spid="6"/>
+                                        </p:tgtEl>
+                                        <p:attrNameLst>
+                                          <p:attrName>style.visibility</p:attrName>
+                                        </p:attrNameLst>
+                                      </p:cBhvr>
+                                      <p:to>
+                                        <p:strVal val="visible"/>
+                                      </p:to>
+                                    </p:set>
+                                    <p:animEffect transition="in" filter="fade">
+                                      <p:cBhvr>
+                                        <p:cTn id="12" dur="500"/>
+                                        <p:tgtEl>
+                                          <p:spTgt spid="6"/>
+                                        </p:tgtEl>
+                                      </p:cBhvr>
+                                    </p:animEffect>
+                                  </p:childTnLst>
+                                </p:cTn>
+                              </p:par>
+                              <p:par>
+                                <p:cTn id="13" presetID="10" presetClass="entr" presetSubtype="0" fill="hold" grpId="0" nodeType="withEffect">
+                                  <p:stCondLst>
+                                    <p:cond delay="0"/>
+                                  </p:stCondLst>
+                                  <p:childTnLst>
+                                    <p:set>
+                                      <p:cBhvr>
+                                        <p:cTn id="14" dur="1" fill="hold">
+                                          <p:stCondLst>
+                                            <p:cond delay="0"/>
+                                          </p:stCondLst>
+                                        </p:cTn>
+                                        <p:tgtEl>
+                                          <p:spTgt spid="7"/>
+                                        </p:tgtEl>
+                                        <p:attrNameLst>
+                                          <p:attrName>style.visibility</p:attrName>
+                                        </p:attrNameLst>
+                                      </p:cBhvr>
+                                      <p:to>
+                                        <p:strVal val="visible"/>
+                                      </p:to>
+                                    </p:set>
+                                    <p:animEffect transition="in" filter="fade">
+                                      <p:cBhvr>
+                                        <p:cTn id="15" dur="500"/>
+                                        <p:tgtEl>
+                                          <p:spTgt spid="7"/>
+                                        </p:tgtEl>
+                                      </p:cBhvr>
+                                    </p:animEffect>
+                                  </p:childTnLst>
+                                </p:cTn>
+                              </p:par>
+                            </p:childTnLst>
+                          </p:cTn>
+                        </p:par>
+                      </p:childTnLst>
+                    </p:cTn>
+                  </p:par>
+                  <p:par>
+                    <p:cTn id="16" fill="hold">
+                      <p:stCondLst>
+                        <p:cond delay="indefinite"/>
+                      </p:stCondLst>
+                      <p:childTnLst>
+                        <p:par>
+                          <p:cTn id="17" fill="hold">
+                            <p:stCondLst>
+                              <p:cond delay="0"/>
+                            </p:stCondLst>
+                            <p:childTnLst>
+                              <p:par>
+                                <p:cTn id="18" presetID="10" presetClass="entr" presetSubtype="0" fill="hold" grpId="0" nodeType="clickEffect">
+                                  <p:stCondLst>
+                                    <p:cond delay="0"/>
+                                  </p:stCondLst>
+                                  <p:childTnLst>
+                                    <p:set>
+                                      <p:cBhvr>
+                                        <p:cTn id="19" dur="1" fill="hold">
+                                          <p:stCondLst>
+                                            <p:cond delay="0"/>
+                                          </p:stCondLst>
+                                        </p:cTn>
+                                        <p:tgtEl>
+                                          <p:spTgt spid="5"/>
+                                        </p:tgtEl>
+                                        <p:attrNameLst>
+                                          <p:attrName>style.visibility</p:attrName>
+                                        </p:attrNameLst>
+                                      </p:cBhvr>
+                                      <p:to>
+                                        <p:strVal val="visible"/>
+                                      </p:to>
+                                    </p:set>
+                                    <p:animEffect transition="in" filter="fade">
+                                      <p:cBhvr>
+                                        <p:cTn id="20" dur="500"/>
+                                        <p:tgtEl>
+                                          <p:spTgt spid="5"/>
+                                        </p:tgtEl>
+                                      </p:cBhvr>
+                                    </p:animEffect>
+                                  </p:childTnLst>
+                                </p:cTn>
+                              </p:par>
+                            </p:childTnLst>
+                          </p:cTn>
+                        </p:par>
+                      </p:childTnLst>
+                    </p:cTn>
+                  </p:par>
+                  <p:par>
+                    <p:cTn id="21" fill="hold">
+                      <p:stCondLst>
+                        <p:cond delay="indefinite"/>
+                      </p:stCondLst>
+                      <p:childTnLst>
+                        <p:par>
+                          <p:cTn id="22" fill="hold">
+                            <p:stCondLst>
+                              <p:cond delay="0"/>
+                            </p:stCondLst>
+                            <p:childTnLst>
+                              <p:par>
+                                <p:cTn id="23" presetID="10" presetClass="entr" presetSubtype="0" fill="hold" grpId="0" nodeType="clickEffect">
+                                  <p:stCondLst>
+                                    <p:cond delay="0"/>
+                                  </p:stCondLst>
+                                  <p:childTnLst>
+                                    <p:set>
+                                      <p:cBhvr>
+                                        <p:cTn id="24" dur="1" fill="hold">
+                                          <p:stCondLst>
+                                            <p:cond delay="0"/>
+                                          </p:stCondLst>
+                                        </p:cTn>
+                                        <p:tgtEl>
+                                          <p:spTgt spid="9"/>
+                                        </p:tgtEl>
+                                        <p:attrNameLst>
+                                          <p:attrName>style.visibility</p:attrName>
+                                        </p:attrNameLst>
+                                      </p:cBhvr>
+                                      <p:to>
+                                        <p:strVal val="visible"/>
+                                      </p:to>
+                                    </p:set>
+                                    <p:animEffect transition="in" filter="fade">
+                                      <p:cBhvr>
+                                        <p:cTn id="25" dur="500"/>
+                                        <p:tgtEl>
+                                          <p:spTgt spid="9"/>
+                                        </p:tgtEl>
+                                      </p:cBhvr>
+                                    </p:animEffect>
+                                  </p:childTnLst>
+                                </p:cTn>
+                              </p:par>
+                              <p:par>
+                                <p:cTn id="26" presetID="10" presetClass="entr" presetSubtype="0" fill="hold" grpId="0" nodeType="withEffect">
+                                  <p:stCondLst>
+                                    <p:cond delay="0"/>
+                                  </p:stCondLst>
+                                  <p:childTnLst>
+                                    <p:set>
+                                      <p:cBhvr>
+                                        <p:cTn id="27" dur="1" fill="hold">
+                                          <p:stCondLst>
+                                            <p:cond delay="0"/>
+                                          </p:stCondLst>
+                                        </p:cTn>
+                                        <p:tgtEl>
+                                          <p:spTgt spid="8"/>
+                                        </p:tgtEl>
+                                        <p:attrNameLst>
+                                          <p:attrName>style.visibility</p:attrName>
+                                        </p:attrNameLst>
+                                      </p:cBhvr>
+                                      <p:to>
+                                        <p:strVal val="visible"/>
+                                      </p:to>
+                                    </p:set>
+                                    <p:animEffect transition="in" filter="fade">
+                                      <p:cBhvr>
+                                        <p:cTn id="28" dur="500"/>
+                                        <p:tgtEl>
+                                          <p:spTgt spid="8"/>
+                                        </p:tgtEl>
+                                      </p:cBhvr>
+                                    </p:animEffect>
+                                  </p:childTnLst>
+                                </p:cTn>
+                              </p:par>
+                            </p:childTnLst>
+                          </p:cTn>
+                        </p:par>
+                      </p:childTnLst>
+                    </p:cTn>
+                  </p:par>
+                </p:childTnLst>
+              </p:cTn>
+              <p:prevCondLst>
+                <p:cond evt="onPrev" delay="0">
+                  <p:tgtEl>
+                    <p:sldTgt/>
+                  </p:tgtEl>
+                </p:cond>
+              </p:prevCondLst>
+              <p:nextCondLst>
+                <p:cond evt="onNext" delay="0">
+                  <p:tgtEl>
+                    <p:sldTgt/>
+                  </p:tgtEl>
+                </p:cond>
+              </p:nextCondLst>
+            </p:seq>
+          </p:childTnLst>
+        </p:cTn>
       </p:par>
     </p:tnLst>
+    <p:bldLst>
+      <p:bldP spid="4" grpId="0"/>
+      <p:bldP spid="5" grpId="0"/>
+      <p:bldP spid="6" grpId="0" animBg="1"/>
+      <p:bldP spid="7" grpId="0"/>
+      <p:bldP spid="8" grpId="0" animBg="1"/>
+      <p:bldP spid="9" grpId="0"/>
+    </p:bldLst>
   </p:timing>
 </p:sld>
 </file>
@@ -14166,7 +15184,6 @@
               <a:rPr lang="en-US" dirty="0" smtClean="0"/>
               <a:t>adamtuliper.com</a:t>
             </a:r>
-            <a:endParaRPr lang="en-US" dirty="0" smtClean="0"/>
           </a:p>
         </p:txBody>
       </p:sp>
@@ -15623,11 +16640,7 @@
           <a:p>
             <a:r>
               <a:rPr lang="en-US" dirty="0" smtClean="0"/>
-              <a:t>What is </a:t>
-            </a:r>
-            <a:r>
-              <a:rPr lang="en-US" dirty="0" err="1" smtClean="0"/>
-              <a:t>EntityFramework</a:t>
+              <a:t>What is the Entity Framework</a:t>
             </a:r>
             <a:endParaRPr lang="en-US" dirty="0"/>
           </a:p>
@@ -17068,36 +18081,6 @@
           <a:chExt cx="0" cy="0"/>
         </a:xfrm>
       </p:grpSpPr>
-      <p:pic>
-        <p:nvPicPr>
-          <p:cNvPr id="4" name="Picture 3"/>
-          <p:cNvPicPr>
-            <a:picLocks noChangeAspect="1"/>
-          </p:cNvPicPr>
-          <p:nvPr/>
-        </p:nvPicPr>
-        <p:blipFill>
-          <a:blip r:embed="rId3">
-            <a:extLst>
-              <a:ext uri="{28A0092B-C50C-407E-A947-70E740481C1C}">
-                <a14:useLocalDpi xmlns:a14="http://schemas.microsoft.com/office/drawing/2010/main" val="0"/>
-              </a:ext>
-            </a:extLst>
-          </a:blip>
-          <a:stretch>
-            <a:fillRect/>
-          </a:stretch>
-        </p:blipFill>
-        <p:spPr>
-          <a:xfrm>
-            <a:off x="7179845" y="5511563"/>
-            <a:ext cx="2028563" cy="1514660"/>
-          </a:xfrm>
-          <a:prstGeom prst="rect">
-            <a:avLst/>
-          </a:prstGeom>
-        </p:spPr>
-      </p:pic>
       <p:sp>
         <p:nvSpPr>
           <p:cNvPr id="2" name="Title 1"/>
@@ -17142,10 +18125,9 @@
             </a:r>
           </a:p>
           <a:p>
-            <a:pPr lvl="1"/>
             <a:r>
               <a:rPr lang="en-US" dirty="0" smtClean="0"/>
-              <a:t>Excluding Windows Phone / Store (see EF7)</a:t>
+              <a:t>All Microsoft SQL Databases</a:t>
             </a:r>
           </a:p>
           <a:p>
@@ -17156,557 +18138,45 @@
           </a:p>
           <a:p>
             <a:r>
+              <a:rPr lang="en-US" dirty="0" smtClean="0"/>
+              <a:t>Newer ones to include Azure Table Storage, </a:t>
+            </a:r>
+            <a:r>
+              <a:rPr lang="en-US" dirty="0" err="1" smtClean="0"/>
+              <a:t>Redis</a:t>
+            </a:r>
+            <a:r>
+              <a:rPr lang="en-US" dirty="0" smtClean="0"/>
+              <a:t>, Linux, </a:t>
+            </a:r>
+            <a:r>
+              <a:rPr lang="en-US" dirty="0" err="1" smtClean="0"/>
+              <a:t>etc</a:t>
+            </a:r>
+            <a:endParaRPr lang="en-US" dirty="0" smtClean="0"/>
+          </a:p>
+          <a:p>
+            <a:r>
+              <a:rPr lang="en-US" dirty="0" smtClean="0"/>
+              <a:t>Supported ADO.NET Providers</a:t>
+            </a:r>
+          </a:p>
+          <a:p>
+            <a:pPr lvl="1"/>
+            <a:r>
               <a:rPr lang="en-US" dirty="0"/>
-              <a:t>Azure Table Storage, </a:t>
-            </a:r>
-            <a:r>
-              <a:rPr lang="en-US" dirty="0" err="1"/>
-              <a:t>Redis</a:t>
-            </a:r>
-            <a:r>
-              <a:rPr lang="en-US" dirty="0"/>
-              <a:t>, Mono Mac Linux (EF7)</a:t>
+              <a:t>https://msdn.microsoft.com/en-us/data/dd363565.aspx</a:t>
             </a:r>
             <a:endParaRPr lang="en-US" dirty="0" smtClean="0"/>
           </a:p>
           <a:p>
+            <a:endParaRPr lang="en-US" dirty="0" smtClean="0"/>
+          </a:p>
+          <a:p>
             <a:endParaRPr lang="en-US" dirty="0"/>
           </a:p>
         </p:txBody>
       </p:sp>
-      <p:pic>
-        <p:nvPicPr>
-          <p:cNvPr id="1028" name="Picture 4" descr="MySQL"/>
-          <p:cNvPicPr>
-            <a:picLocks noChangeAspect="1" noChangeArrowheads="1"/>
-          </p:cNvPicPr>
-          <p:nvPr/>
-        </p:nvPicPr>
-        <p:blipFill>
-          <a:blip r:embed="rId4">
-            <a:extLst>
-              <a:ext uri="{28A0092B-C50C-407E-A947-70E740481C1C}">
-                <a14:useLocalDpi xmlns:a14="http://schemas.microsoft.com/office/drawing/2010/main" val="0"/>
-              </a:ext>
-            </a:extLst>
-          </a:blip>
-          <a:srcRect/>
-          <a:stretch>
-            <a:fillRect/>
-          </a:stretch>
-        </p:blipFill>
-        <p:spPr bwMode="auto">
-          <a:xfrm>
-            <a:off x="2739335" y="4814318"/>
-            <a:ext cx="1428750" cy="1047751"/>
-          </a:xfrm>
-          <a:prstGeom prst="rect">
-            <a:avLst/>
-          </a:prstGeom>
-          <a:noFill/>
-          <a:extLst>
-            <a:ext uri="{909E8E84-426E-40DD-AFC4-6F175D3DCCD1}">
-              <a14:hiddenFill xmlns:a14="http://schemas.microsoft.com/office/drawing/2010/main">
-                <a:solidFill>
-                  <a:srgbClr val="FFFFFF"/>
-                </a:solidFill>
-              </a14:hiddenFill>
-            </a:ext>
-          </a:extLst>
-        </p:spPr>
-      </p:pic>
-      <p:pic>
-        <p:nvPicPr>
-          <p:cNvPr id="1030" name="Picture 6" descr="http://i.msdn.microsoft.com/dd363565.oracle_sig_clr.gif"/>
-          <p:cNvPicPr>
-            <a:picLocks noChangeAspect="1" noChangeArrowheads="1"/>
-          </p:cNvPicPr>
-          <p:nvPr/>
-        </p:nvPicPr>
-        <p:blipFill>
-          <a:blip r:embed="rId5">
-            <a:extLst>
-              <a:ext uri="{28A0092B-C50C-407E-A947-70E740481C1C}">
-                <a14:useLocalDpi xmlns:a14="http://schemas.microsoft.com/office/drawing/2010/main" val="0"/>
-              </a:ext>
-            </a:extLst>
-          </a:blip>
-          <a:srcRect/>
-          <a:stretch>
-            <a:fillRect/>
-          </a:stretch>
-        </p:blipFill>
-        <p:spPr bwMode="auto">
-          <a:xfrm>
-            <a:off x="7167336" y="4315426"/>
-            <a:ext cx="1774824" cy="409576"/>
-          </a:xfrm>
-          <a:prstGeom prst="rect">
-            <a:avLst/>
-          </a:prstGeom>
-          <a:noFill/>
-          <a:extLst>
-            <a:ext uri="{909E8E84-426E-40DD-AFC4-6F175D3DCCD1}">
-              <a14:hiddenFill xmlns:a14="http://schemas.microsoft.com/office/drawing/2010/main">
-                <a:solidFill>
-                  <a:srgbClr val="FFFFFF"/>
-                </a:solidFill>
-              </a14:hiddenFill>
-            </a:ext>
-          </a:extLst>
-        </p:spPr>
-      </p:pic>
-      <p:pic>
-        <p:nvPicPr>
-          <p:cNvPr id="1032" name="Picture 8" descr="http://i.msdn.microsoft.com/dd363565.PreogressDataDirect2_logo.png"/>
-          <p:cNvPicPr>
-            <a:picLocks noChangeAspect="1" noChangeArrowheads="1"/>
-          </p:cNvPicPr>
-          <p:nvPr/>
-        </p:nvPicPr>
-        <p:blipFill>
-          <a:blip r:embed="rId6">
-            <a:extLst>
-              <a:ext uri="{28A0092B-C50C-407E-A947-70E740481C1C}">
-                <a14:useLocalDpi xmlns:a14="http://schemas.microsoft.com/office/drawing/2010/main" val="0"/>
-              </a:ext>
-            </a:extLst>
-          </a:blip>
-          <a:srcRect/>
-          <a:stretch>
-            <a:fillRect/>
-          </a:stretch>
-        </p:blipFill>
-        <p:spPr bwMode="auto">
-          <a:xfrm>
-            <a:off x="5059023" y="5203317"/>
-            <a:ext cx="1714500" cy="352426"/>
-          </a:xfrm>
-          <a:prstGeom prst="rect">
-            <a:avLst/>
-          </a:prstGeom>
-          <a:noFill/>
-          <a:extLst>
-            <a:ext uri="{909E8E84-426E-40DD-AFC4-6F175D3DCCD1}">
-              <a14:hiddenFill xmlns:a14="http://schemas.microsoft.com/office/drawing/2010/main">
-                <a:solidFill>
-                  <a:srgbClr val="FFFFFF"/>
-                </a:solidFill>
-              </a14:hiddenFill>
-            </a:ext>
-          </a:extLst>
-        </p:spPr>
-      </p:pic>
-      <p:pic>
-        <p:nvPicPr>
-          <p:cNvPr id="1034" name="Picture 10" descr="http://i.msdn.microsoft.com/dd363565.vistadb(en-us,MSDN.10).png"/>
-          <p:cNvPicPr>
-            <a:picLocks noChangeAspect="1" noChangeArrowheads="1"/>
-          </p:cNvPicPr>
-          <p:nvPr/>
-        </p:nvPicPr>
-        <p:blipFill>
-          <a:blip r:embed="rId7">
-            <a:extLst>
-              <a:ext uri="{28A0092B-C50C-407E-A947-70E740481C1C}">
-                <a14:useLocalDpi xmlns:a14="http://schemas.microsoft.com/office/drawing/2010/main" val="0"/>
-              </a:ext>
-            </a:extLst>
-          </a:blip>
-          <a:srcRect/>
-          <a:stretch>
-            <a:fillRect/>
-          </a:stretch>
-        </p:blipFill>
-        <p:spPr bwMode="auto">
-          <a:xfrm>
-            <a:off x="9297556" y="4929614"/>
-            <a:ext cx="628650" cy="752476"/>
-          </a:xfrm>
-          <a:prstGeom prst="rect">
-            <a:avLst/>
-          </a:prstGeom>
-          <a:noFill/>
-          <a:extLst>
-            <a:ext uri="{909E8E84-426E-40DD-AFC4-6F175D3DCCD1}">
-              <a14:hiddenFill xmlns:a14="http://schemas.microsoft.com/office/drawing/2010/main">
-                <a:solidFill>
-                  <a:srgbClr val="FFFFFF"/>
-                </a:solidFill>
-              </a14:hiddenFill>
-            </a:ext>
-          </a:extLst>
-        </p:spPr>
-      </p:pic>
-      <p:pic>
-        <p:nvPicPr>
-          <p:cNvPr id="1036" name="Picture 12" descr="http://i.msdn.microsoft.com/dd363565.devart(en-us,MSDN.10).png"/>
-          <p:cNvPicPr>
-            <a:picLocks noChangeAspect="1" noChangeArrowheads="1"/>
-          </p:cNvPicPr>
-          <p:nvPr/>
-        </p:nvPicPr>
-        <p:blipFill>
-          <a:blip r:embed="rId8">
-            <a:extLst>
-              <a:ext uri="{28A0092B-C50C-407E-A947-70E740481C1C}">
-                <a14:useLocalDpi xmlns:a14="http://schemas.microsoft.com/office/drawing/2010/main" val="0"/>
-              </a:ext>
-            </a:extLst>
-          </a:blip>
-          <a:srcRect/>
-          <a:stretch>
-            <a:fillRect/>
-          </a:stretch>
-        </p:blipFill>
-        <p:spPr bwMode="auto">
-          <a:xfrm>
-            <a:off x="5011965" y="4245425"/>
-            <a:ext cx="1428750" cy="504826"/>
-          </a:xfrm>
-          <a:prstGeom prst="rect">
-            <a:avLst/>
-          </a:prstGeom>
-          <a:noFill/>
-          <a:extLst>
-            <a:ext uri="{909E8E84-426E-40DD-AFC4-6F175D3DCCD1}">
-              <a14:hiddenFill xmlns:a14="http://schemas.microsoft.com/office/drawing/2010/main">
-                <a:solidFill>
-                  <a:srgbClr val="FFFFFF"/>
-                </a:solidFill>
-              </a14:hiddenFill>
-            </a:ext>
-          </a:extLst>
-        </p:spPr>
-      </p:pic>
-      <p:pic>
-        <p:nvPicPr>
-          <p:cNvPr id="1038" name="Picture 14" descr="http://i.msdn.microsoft.com/dd363565.open_link153(en-us,MSDN.10).gif"/>
-          <p:cNvPicPr>
-            <a:picLocks noChangeAspect="1" noChangeArrowheads="1"/>
-          </p:cNvPicPr>
-          <p:nvPr/>
-        </p:nvPicPr>
-        <p:blipFill>
-          <a:blip r:embed="rId9">
-            <a:extLst>
-              <a:ext uri="{28A0092B-C50C-407E-A947-70E740481C1C}">
-                <a14:useLocalDpi xmlns:a14="http://schemas.microsoft.com/office/drawing/2010/main" val="0"/>
-              </a:ext>
-            </a:extLst>
-          </a:blip>
-          <a:srcRect/>
-          <a:stretch>
-            <a:fillRect/>
-          </a:stretch>
-        </p:blipFill>
-        <p:spPr bwMode="auto">
-          <a:xfrm>
-            <a:off x="695213" y="4259183"/>
-            <a:ext cx="1457325" cy="523875"/>
-          </a:xfrm>
-          <a:prstGeom prst="rect">
-            <a:avLst/>
-          </a:prstGeom>
-          <a:noFill/>
-          <a:extLst>
-            <a:ext uri="{909E8E84-426E-40DD-AFC4-6F175D3DCCD1}">
-              <a14:hiddenFill xmlns:a14="http://schemas.microsoft.com/office/drawing/2010/main">
-                <a:solidFill>
-                  <a:srgbClr val="FFFFFF"/>
-                </a:solidFill>
-              </a14:hiddenFill>
-            </a:ext>
-          </a:extLst>
-        </p:spPr>
-      </p:pic>
-      <p:pic>
-        <p:nvPicPr>
-          <p:cNvPr id="1040" name="Picture 16" descr="http://i.msdn.microsoft.com/dd363565.IBM_logo(en-us,MSDN.10).png"/>
-          <p:cNvPicPr>
-            <a:picLocks noChangeAspect="1" noChangeArrowheads="1"/>
-          </p:cNvPicPr>
-          <p:nvPr/>
-        </p:nvPicPr>
-        <p:blipFill>
-          <a:blip r:embed="rId10">
-            <a:extLst>
-              <a:ext uri="{28A0092B-C50C-407E-A947-70E740481C1C}">
-                <a14:useLocalDpi xmlns:a14="http://schemas.microsoft.com/office/drawing/2010/main" val="0"/>
-              </a:ext>
-            </a:extLst>
-          </a:blip>
-          <a:srcRect/>
-          <a:stretch>
-            <a:fillRect/>
-          </a:stretch>
-        </p:blipFill>
-        <p:spPr bwMode="auto">
-          <a:xfrm>
-            <a:off x="5054829" y="5922296"/>
-            <a:ext cx="1457325" cy="523875"/>
-          </a:xfrm>
-          <a:prstGeom prst="rect">
-            <a:avLst/>
-          </a:prstGeom>
-          <a:noFill/>
-          <a:extLst>
-            <a:ext uri="{909E8E84-426E-40DD-AFC4-6F175D3DCCD1}">
-              <a14:hiddenFill xmlns:a14="http://schemas.microsoft.com/office/drawing/2010/main">
-                <a:solidFill>
-                  <a:srgbClr val="FFFFFF"/>
-                </a:solidFill>
-              </a14:hiddenFill>
-            </a:ext>
-          </a:extLst>
-        </p:spPr>
-      </p:pic>
-      <p:pic>
-        <p:nvPicPr>
-          <p:cNvPr id="1042" name="Picture 18" descr="http://i.msdn.microsoft.com/dd363565.Sybase_logo(en-us,MSDN.10).png"/>
-          <p:cNvPicPr>
-            <a:picLocks noChangeAspect="1" noChangeArrowheads="1"/>
-          </p:cNvPicPr>
-          <p:nvPr/>
-        </p:nvPicPr>
-        <p:blipFill>
-          <a:blip r:embed="rId11">
-            <a:extLst>
-              <a:ext uri="{28A0092B-C50C-407E-A947-70E740481C1C}">
-                <a14:useLocalDpi xmlns:a14="http://schemas.microsoft.com/office/drawing/2010/main" val="0"/>
-              </a:ext>
-            </a:extLst>
-          </a:blip>
-          <a:srcRect/>
-          <a:stretch>
-            <a:fillRect/>
-          </a:stretch>
-        </p:blipFill>
-        <p:spPr bwMode="auto">
-          <a:xfrm>
-            <a:off x="761548" y="5888038"/>
-            <a:ext cx="1304925" cy="790576"/>
-          </a:xfrm>
-          <a:prstGeom prst="rect">
-            <a:avLst/>
-          </a:prstGeom>
-          <a:noFill/>
-          <a:extLst>
-            <a:ext uri="{909E8E84-426E-40DD-AFC4-6F175D3DCCD1}">
-              <a14:hiddenFill xmlns:a14="http://schemas.microsoft.com/office/drawing/2010/main">
-                <a:solidFill>
-                  <a:srgbClr val="FFFFFF"/>
-                </a:solidFill>
-              </a14:hiddenFill>
-            </a:ext>
-          </a:extLst>
-        </p:spPr>
-      </p:pic>
-      <p:pic>
-        <p:nvPicPr>
-          <p:cNvPr id="1044" name="Picture 20" descr="http://i.msdn.microsoft.com/dd363565.SybaseSAP_logo(en-us,MSDN.10).png"/>
-          <p:cNvPicPr>
-            <a:picLocks noChangeAspect="1" noChangeArrowheads="1"/>
-          </p:cNvPicPr>
-          <p:nvPr/>
-        </p:nvPicPr>
-        <p:blipFill>
-          <a:blip r:embed="rId12">
-            <a:extLst>
-              <a:ext uri="{28A0092B-C50C-407E-A947-70E740481C1C}">
-                <a14:useLocalDpi xmlns:a14="http://schemas.microsoft.com/office/drawing/2010/main" val="0"/>
-              </a:ext>
-            </a:extLst>
-          </a:blip>
-          <a:srcRect/>
-          <a:stretch>
-            <a:fillRect/>
-          </a:stretch>
-        </p:blipFill>
-        <p:spPr bwMode="auto">
-          <a:xfrm>
-            <a:off x="2856594" y="4127341"/>
-            <a:ext cx="1428750" cy="742951"/>
-          </a:xfrm>
-          <a:prstGeom prst="rect">
-            <a:avLst/>
-          </a:prstGeom>
-          <a:noFill/>
-          <a:extLst>
-            <a:ext uri="{909E8E84-426E-40DD-AFC4-6F175D3DCCD1}">
-              <a14:hiddenFill xmlns:a14="http://schemas.microsoft.com/office/drawing/2010/main">
-                <a:solidFill>
-                  <a:srgbClr val="FFFFFF"/>
-                </a:solidFill>
-              </a14:hiddenFill>
-            </a:ext>
-          </a:extLst>
-        </p:spPr>
-      </p:pic>
-      <p:pic>
-        <p:nvPicPr>
-          <p:cNvPr id="1046" name="Picture 22" descr="http://i.msdn.microsoft.com/dd363565.SQLite-Logo2(en-us,MSDN.10).png"/>
-          <p:cNvPicPr>
-            <a:picLocks noChangeAspect="1" noChangeArrowheads="1"/>
-          </p:cNvPicPr>
-          <p:nvPr/>
-        </p:nvPicPr>
-        <p:blipFill>
-          <a:blip r:embed="rId13">
-            <a:extLst>
-              <a:ext uri="{28A0092B-C50C-407E-A947-70E740481C1C}">
-                <a14:useLocalDpi xmlns:a14="http://schemas.microsoft.com/office/drawing/2010/main" val="0"/>
-              </a:ext>
-            </a:extLst>
-          </a:blip>
-          <a:srcRect/>
-          <a:stretch>
-            <a:fillRect/>
-          </a:stretch>
-        </p:blipFill>
-        <p:spPr bwMode="auto">
-          <a:xfrm>
-            <a:off x="761548" y="5165217"/>
-            <a:ext cx="1457325" cy="428626"/>
-          </a:xfrm>
-          <a:prstGeom prst="rect">
-            <a:avLst/>
-          </a:prstGeom>
-          <a:noFill/>
-          <a:extLst>
-            <a:ext uri="{909E8E84-426E-40DD-AFC4-6F175D3DCCD1}">
-              <a14:hiddenFill xmlns:a14="http://schemas.microsoft.com/office/drawing/2010/main">
-                <a:solidFill>
-                  <a:srgbClr val="FFFFFF"/>
-                </a:solidFill>
-              </a14:hiddenFill>
-            </a:ext>
-          </a:extLst>
-        </p:spPr>
-      </p:pic>
-      <p:pic>
-        <p:nvPicPr>
-          <p:cNvPr id="1048" name="Picture 24" descr="http://i.msdn.microsoft.com/dd363565.synergyde_logo(en-us).jpg"/>
-          <p:cNvPicPr>
-            <a:picLocks noChangeAspect="1" noChangeArrowheads="1"/>
-          </p:cNvPicPr>
-          <p:nvPr/>
-        </p:nvPicPr>
-        <p:blipFill>
-          <a:blip r:embed="rId14">
-            <a:extLst>
-              <a:ext uri="{28A0092B-C50C-407E-A947-70E740481C1C}">
-                <a14:useLocalDpi xmlns:a14="http://schemas.microsoft.com/office/drawing/2010/main" val="0"/>
-              </a:ext>
-            </a:extLst>
-          </a:blip>
-          <a:srcRect/>
-          <a:stretch>
-            <a:fillRect/>
-          </a:stretch>
-        </p:blipFill>
-        <p:spPr bwMode="auto">
-          <a:xfrm>
-            <a:off x="2856594" y="5784183"/>
-            <a:ext cx="1333500" cy="800100"/>
-          </a:xfrm>
-          <a:prstGeom prst="rect">
-            <a:avLst/>
-          </a:prstGeom>
-          <a:noFill/>
-          <a:extLst>
-            <a:ext uri="{909E8E84-426E-40DD-AFC4-6F175D3DCCD1}">
-              <a14:hiddenFill xmlns:a14="http://schemas.microsoft.com/office/drawing/2010/main">
-                <a:solidFill>
-                  <a:srgbClr val="FFFFFF"/>
-                </a:solidFill>
-              </a14:hiddenFill>
-            </a:ext>
-          </a:extLst>
-        </p:spPr>
-      </p:pic>
-      <p:pic>
-        <p:nvPicPr>
-          <p:cNvPr id="1050" name="Picture 26" descr="http://i.msdn.microsoft.com/dd363565.Firebird_logo(en-us,MSDN.10).png"/>
-          <p:cNvPicPr>
-            <a:picLocks noChangeAspect="1" noChangeArrowheads="1"/>
-          </p:cNvPicPr>
-          <p:nvPr/>
-        </p:nvPicPr>
-        <p:blipFill>
-          <a:blip r:embed="rId15">
-            <a:extLst>
-              <a:ext uri="{28A0092B-C50C-407E-A947-70E740481C1C}">
-                <a14:useLocalDpi xmlns:a14="http://schemas.microsoft.com/office/drawing/2010/main" val="0"/>
-              </a:ext>
-            </a:extLst>
-          </a:blip>
-          <a:srcRect/>
-          <a:stretch>
-            <a:fillRect/>
-          </a:stretch>
-        </p:blipFill>
-        <p:spPr bwMode="auto">
-          <a:xfrm>
-            <a:off x="8143091" y="4869256"/>
-            <a:ext cx="857250" cy="857251"/>
-          </a:xfrm>
-          <a:prstGeom prst="rect">
-            <a:avLst/>
-          </a:prstGeom>
-          <a:noFill/>
-          <a:extLst>
-            <a:ext uri="{909E8E84-426E-40DD-AFC4-6F175D3DCCD1}">
-              <a14:hiddenFill xmlns:a14="http://schemas.microsoft.com/office/drawing/2010/main">
-                <a:solidFill>
-                  <a:srgbClr val="FFFFFF"/>
-                </a:solidFill>
-              </a14:hiddenFill>
-            </a:ext>
-          </a:extLst>
-        </p:spPr>
-      </p:pic>
-      <p:pic>
-        <p:nvPicPr>
-          <p:cNvPr id="1052" name="Picture 28" descr="http://i.msdn.microsoft.com/dd363565.Npgsql_logo(en-us,MSDN.10).png"/>
-          <p:cNvPicPr>
-            <a:picLocks noChangeAspect="1" noChangeArrowheads="1"/>
-          </p:cNvPicPr>
-          <p:nvPr/>
-        </p:nvPicPr>
-        <p:blipFill>
-          <a:blip r:embed="rId16">
-            <a:extLst>
-              <a:ext uri="{28A0092B-C50C-407E-A947-70E740481C1C}">
-                <a14:useLocalDpi xmlns:a14="http://schemas.microsoft.com/office/drawing/2010/main" val="0"/>
-              </a:ext>
-            </a:extLst>
-          </a:blip>
-          <a:srcRect/>
-          <a:stretch>
-            <a:fillRect/>
-          </a:stretch>
-        </p:blipFill>
-        <p:spPr bwMode="auto">
-          <a:xfrm>
-            <a:off x="7236277" y="4984243"/>
-            <a:ext cx="609600" cy="609600"/>
-          </a:xfrm>
-          <a:prstGeom prst="rect">
-            <a:avLst/>
-          </a:prstGeom>
-          <a:noFill/>
-          <a:extLst>
-            <a:ext uri="{909E8E84-426E-40DD-AFC4-6F175D3DCCD1}">
-              <a14:hiddenFill xmlns:a14="http://schemas.microsoft.com/office/drawing/2010/main">
-                <a:solidFill>
-                  <a:srgbClr val="FFFFFF"/>
-                </a:solidFill>
-              </a14:hiddenFill>
-            </a:ext>
-          </a:extLst>
-        </p:spPr>
-      </p:pic>
     </p:spTree>
     <p:extLst>
       <p:ext uri="{BB962C8B-B14F-4D97-AF65-F5344CB8AC3E}">

--- a/Slides/01 - Introduction to Entity Framework.pptx
+++ b/Slides/01 - Introduction to Entity Framework.pptx
@@ -6,36 +6,40 @@
     <p:sldMasterId id="2147483671" r:id="rId5"/>
   </p:sldMasterIdLst>
   <p:notesMasterIdLst>
-    <p:notesMasterId r:id="rId30"/>
+    <p:notesMasterId r:id="rId34"/>
   </p:notesMasterIdLst>
   <p:handoutMasterIdLst>
-    <p:handoutMasterId r:id="rId31"/>
+    <p:handoutMasterId r:id="rId35"/>
   </p:handoutMasterIdLst>
   <p:sldIdLst>
     <p:sldId id="336" r:id="rId6"/>
     <p:sldId id="374" r:id="rId7"/>
-    <p:sldId id="351" r:id="rId8"/>
-    <p:sldId id="376" r:id="rId9"/>
-    <p:sldId id="314" r:id="rId10"/>
-    <p:sldId id="343" r:id="rId11"/>
-    <p:sldId id="331" r:id="rId12"/>
-    <p:sldId id="352" r:id="rId13"/>
-    <p:sldId id="353" r:id="rId14"/>
-    <p:sldId id="373" r:id="rId15"/>
-    <p:sldId id="354" r:id="rId16"/>
-    <p:sldId id="355" r:id="rId17"/>
-    <p:sldId id="360" r:id="rId18"/>
-    <p:sldId id="361" r:id="rId19"/>
-    <p:sldId id="362" r:id="rId20"/>
-    <p:sldId id="367" r:id="rId21"/>
-    <p:sldId id="333" r:id="rId22"/>
-    <p:sldId id="375" r:id="rId23"/>
-    <p:sldId id="372" r:id="rId24"/>
-    <p:sldId id="364" r:id="rId25"/>
-    <p:sldId id="365" r:id="rId26"/>
-    <p:sldId id="366" r:id="rId27"/>
-    <p:sldId id="347" r:id="rId28"/>
-    <p:sldId id="269" r:id="rId29"/>
+    <p:sldId id="377" r:id="rId8"/>
+    <p:sldId id="378" r:id="rId9"/>
+    <p:sldId id="379" r:id="rId10"/>
+    <p:sldId id="380" r:id="rId11"/>
+    <p:sldId id="351" r:id="rId12"/>
+    <p:sldId id="376" r:id="rId13"/>
+    <p:sldId id="314" r:id="rId14"/>
+    <p:sldId id="343" r:id="rId15"/>
+    <p:sldId id="331" r:id="rId16"/>
+    <p:sldId id="352" r:id="rId17"/>
+    <p:sldId id="353" r:id="rId18"/>
+    <p:sldId id="373" r:id="rId19"/>
+    <p:sldId id="354" r:id="rId20"/>
+    <p:sldId id="355" r:id="rId21"/>
+    <p:sldId id="360" r:id="rId22"/>
+    <p:sldId id="361" r:id="rId23"/>
+    <p:sldId id="362" r:id="rId24"/>
+    <p:sldId id="367" r:id="rId25"/>
+    <p:sldId id="333" r:id="rId26"/>
+    <p:sldId id="375" r:id="rId27"/>
+    <p:sldId id="372" r:id="rId28"/>
+    <p:sldId id="364" r:id="rId29"/>
+    <p:sldId id="365" r:id="rId30"/>
+    <p:sldId id="366" r:id="rId31"/>
+    <p:sldId id="347" r:id="rId32"/>
+    <p:sldId id="269" r:id="rId33"/>
   </p:sldIdLst>
   <p:sldSz cx="12192000" cy="6858000"/>
   <p:notesSz cx="6858000" cy="9144000"/>
@@ -800,37 +804,6 @@
           <a:bodyPr/>
           <a:lstStyle/>
           <a:p>
-            <a:pPr marL="0" marR="0" indent="0" algn="l" defTabSz="914400" rtl="0" eaLnBrk="1" fontAlgn="auto" latinLnBrk="0" hangingPunct="1">
-              <a:lnSpc>
-                <a:spcPct val="100000"/>
-              </a:lnSpc>
-              <a:spcBef>
-                <a:spcPts val="0"/>
-              </a:spcBef>
-              <a:spcAft>
-                <a:spcPts val="0"/>
-              </a:spcAft>
-              <a:buClrTx/>
-              <a:buSzTx/>
-              <a:buFontTx/>
-              <a:buNone/>
-              <a:tabLst/>
-              <a:defRPr/>
-            </a:pPr>
-            <a:r>
-              <a:rPr lang="en-US" kern="1200" dirty="0" smtClean="0">
-                <a:solidFill>
-                  <a:schemeClr val="accent6"/>
-                </a:solidFill>
-              </a:rPr>
-              <a:t>Update-Package</a:t>
-            </a:r>
-            <a:r>
-              <a:rPr lang="en-US" kern="1200" dirty="0" smtClean="0"/>
-              <a:t> -Reinstall  (reinstall all packages in all projects)</a:t>
-            </a:r>
-          </a:p>
-          <a:p>
             <a:endParaRPr lang="en-US" dirty="0"/>
           </a:p>
         </p:txBody>
@@ -852,7 +825,7 @@
           <a:p>
             <a:fld id="{4CFD207A-07DF-40AD-A916-9872E089CE7A}" type="slidenum">
               <a:rPr lang="en-US" smtClean="0"/>
-              <a:t>12</a:t>
+              <a:t>13</a:t>
             </a:fld>
             <a:endParaRPr lang="en-US" dirty="0"/>
           </a:p>
@@ -861,7 +834,7 @@
     </p:spTree>
     <p:extLst>
       <p:ext uri="{BB962C8B-B14F-4D97-AF65-F5344CB8AC3E}">
-        <p14:creationId xmlns:p14="http://schemas.microsoft.com/office/powerpoint/2010/main" val="2318670183"/>
+        <p14:creationId xmlns:p14="http://schemas.microsoft.com/office/powerpoint/2010/main" val="4025094468"/>
       </p:ext>
     </p:extLst>
   </p:cSld>
@@ -915,108 +888,15 @@
           <a:bodyPr/>
           <a:lstStyle/>
           <a:p>
-            <a:pPr marL="228600" marR="0" indent="-228600" algn="l" defTabSz="914400" rtl="0" eaLnBrk="1" fontAlgn="auto" latinLnBrk="0" hangingPunct="1">
-              <a:lnSpc>
-                <a:spcPct val="100000"/>
-              </a:lnSpc>
-              <a:spcBef>
-                <a:spcPts val="0"/>
-              </a:spcBef>
-              <a:spcAft>
-                <a:spcPts val="0"/>
-              </a:spcAft>
-              <a:buClrTx/>
-              <a:buSzTx/>
-              <a:buFontTx/>
-              <a:buAutoNum type="arabicPeriod"/>
-              <a:tabLst/>
-              <a:defRPr/>
-            </a:pPr>
-            <a:r>
-              <a:rPr lang="en-US" dirty="0" smtClean="0"/>
-              <a:t>Create MVC app without identity, Install-package</a:t>
-            </a:r>
-            <a:r>
-              <a:rPr lang="en-US" baseline="0" dirty="0" smtClean="0"/>
-              <a:t> </a:t>
-            </a:r>
-            <a:r>
-              <a:rPr lang="en-US" baseline="0" dirty="0" err="1" smtClean="0"/>
-              <a:t>entityframework</a:t>
-            </a:r>
-            <a:endParaRPr lang="en-US" dirty="0" smtClean="0"/>
-          </a:p>
-          <a:p>
-            <a:pPr marL="228600" indent="-228600">
-              <a:buAutoNum type="arabicPeriod"/>
-            </a:pPr>
-            <a:r>
-              <a:rPr lang="en-US" dirty="0" smtClean="0"/>
-              <a:t>Create MVC app</a:t>
-            </a:r>
-            <a:r>
-              <a:rPr lang="en-US" baseline="0" dirty="0" smtClean="0"/>
-              <a:t> with identity, show it already exists. Show how to upgrade, remove, reinstall.</a:t>
-            </a:r>
-          </a:p>
-          <a:p>
-            <a:pPr marL="685800" lvl="1" indent="-228600">
-              <a:buAutoNum type="arabicPeriod"/>
-            </a:pPr>
-            <a:r>
-              <a:rPr lang="en-US" kern="1200" dirty="0" smtClean="0">
-                <a:solidFill>
-                  <a:schemeClr val="accent6"/>
-                </a:solidFill>
-              </a:rPr>
-              <a:t>Update-Package </a:t>
-            </a:r>
-            <a:r>
-              <a:rPr lang="en-US" kern="1200" dirty="0" err="1" smtClean="0">
-                <a:solidFill>
-                  <a:schemeClr val="accent6"/>
-                </a:solidFill>
-              </a:rPr>
-              <a:t>EntityFramework</a:t>
-            </a:r>
-            <a:r>
-              <a:rPr lang="en-US" kern="1200" dirty="0" smtClean="0">
-                <a:solidFill>
-                  <a:schemeClr val="accent6"/>
-                </a:solidFill>
-              </a:rPr>
-              <a:t> (maybe</a:t>
-            </a:r>
-            <a:r>
-              <a:rPr lang="en-US" kern="1200" baseline="0" dirty="0" smtClean="0">
-                <a:solidFill>
-                  <a:schemeClr val="accent6"/>
-                </a:solidFill>
-              </a:rPr>
-              <a:t> –pre if </a:t>
-            </a:r>
-            <a:r>
-              <a:rPr lang="en-US" kern="1200" baseline="0" dirty="0" err="1" smtClean="0">
-                <a:solidFill>
-                  <a:schemeClr val="accent6"/>
-                </a:solidFill>
-              </a:rPr>
-              <a:t>theres</a:t>
-            </a:r>
-            <a:r>
-              <a:rPr lang="en-US" kern="1200" baseline="0" dirty="0" smtClean="0">
-                <a:solidFill>
-                  <a:schemeClr val="accent6"/>
-                </a:solidFill>
-              </a:rPr>
-              <a:t> time)</a:t>
-            </a:r>
-          </a:p>
-          <a:p>
-            <a:pPr marL="685800" lvl="1" indent="-228600">
-              <a:buAutoNum type="arabicPeriod"/>
-            </a:pPr>
-            <a:endParaRPr lang="en-US" baseline="0" dirty="0" smtClean="0"/>
+            <a:endParaRPr lang="en-US" sz="1200" b="1" i="0" kern="1200" baseline="0" dirty="0" smtClean="0">
+              <a:solidFill>
+                <a:schemeClr val="tx1"/>
+              </a:solidFill>
+              <a:effectLst/>
+              <a:latin typeface="+mn-lt"/>
+              <a:ea typeface="+mn-ea"/>
+              <a:cs typeface="+mn-cs"/>
+            </a:endParaRPr>
           </a:p>
         </p:txBody>
       </p:sp>
@@ -1037,7 +917,7 @@
           <a:p>
             <a:fld id="{4CFD207A-07DF-40AD-A916-9872E089CE7A}" type="slidenum">
               <a:rPr lang="en-US" smtClean="0"/>
-              <a:t>13</a:t>
+              <a:t>15</a:t>
             </a:fld>
             <a:endParaRPr lang="en-US" dirty="0"/>
           </a:p>
@@ -1046,7 +926,7 @@
     </p:spTree>
     <p:extLst>
       <p:ext uri="{BB962C8B-B14F-4D97-AF65-F5344CB8AC3E}">
-        <p14:creationId xmlns:p14="http://schemas.microsoft.com/office/powerpoint/2010/main" val="3476266708"/>
+        <p14:creationId xmlns:p14="http://schemas.microsoft.com/office/powerpoint/2010/main" val="2396487134"/>
       </p:ext>
     </p:extLst>
   </p:cSld>
@@ -1100,6 +980,37 @@
           <a:bodyPr/>
           <a:lstStyle/>
           <a:p>
+            <a:pPr marL="0" marR="0" indent="0" algn="l" defTabSz="914400" rtl="0" eaLnBrk="1" fontAlgn="auto" latinLnBrk="0" hangingPunct="1">
+              <a:lnSpc>
+                <a:spcPct val="100000"/>
+              </a:lnSpc>
+              <a:spcBef>
+                <a:spcPts val="0"/>
+              </a:spcBef>
+              <a:spcAft>
+                <a:spcPts val="0"/>
+              </a:spcAft>
+              <a:buClrTx/>
+              <a:buSzTx/>
+              <a:buFontTx/>
+              <a:buNone/>
+              <a:tabLst/>
+              <a:defRPr/>
+            </a:pPr>
+            <a:r>
+              <a:rPr lang="en-US" kern="1200" dirty="0" smtClean="0">
+                <a:solidFill>
+                  <a:schemeClr val="accent6"/>
+                </a:solidFill>
+              </a:rPr>
+              <a:t>Update-Package</a:t>
+            </a:r>
+            <a:r>
+              <a:rPr lang="en-US" kern="1200" dirty="0" smtClean="0"/>
+              <a:t> -Reinstall  (reinstall all packages in all projects)</a:t>
+            </a:r>
+          </a:p>
+          <a:p>
             <a:endParaRPr lang="en-US" dirty="0"/>
           </a:p>
         </p:txBody>
@@ -1121,7 +1032,7 @@
           <a:p>
             <a:fld id="{4CFD207A-07DF-40AD-A916-9872E089CE7A}" type="slidenum">
               <a:rPr lang="en-US" smtClean="0"/>
-              <a:t>14</a:t>
+              <a:t>16</a:t>
             </a:fld>
             <a:endParaRPr lang="en-US" dirty="0"/>
           </a:p>
@@ -1130,7 +1041,7 @@
     </p:spTree>
     <p:extLst>
       <p:ext uri="{BB962C8B-B14F-4D97-AF65-F5344CB8AC3E}">
-        <p14:creationId xmlns:p14="http://schemas.microsoft.com/office/powerpoint/2010/main" val="1162175093"/>
+        <p14:creationId xmlns:p14="http://schemas.microsoft.com/office/powerpoint/2010/main" val="2318670183"/>
       </p:ext>
     </p:extLst>
   </p:cSld>
@@ -1184,7 +1095,108 @@
           <a:bodyPr/>
           <a:lstStyle/>
           <a:p>
-            <a:endParaRPr lang="en-US" dirty="0"/>
+            <a:pPr marL="228600" marR="0" indent="-228600" algn="l" defTabSz="914400" rtl="0" eaLnBrk="1" fontAlgn="auto" latinLnBrk="0" hangingPunct="1">
+              <a:lnSpc>
+                <a:spcPct val="100000"/>
+              </a:lnSpc>
+              <a:spcBef>
+                <a:spcPts val="0"/>
+              </a:spcBef>
+              <a:spcAft>
+                <a:spcPts val="0"/>
+              </a:spcAft>
+              <a:buClrTx/>
+              <a:buSzTx/>
+              <a:buFontTx/>
+              <a:buAutoNum type="arabicPeriod"/>
+              <a:tabLst/>
+              <a:defRPr/>
+            </a:pPr>
+            <a:r>
+              <a:rPr lang="en-US" dirty="0" smtClean="0"/>
+              <a:t>Create MVC app without identity, Install-package</a:t>
+            </a:r>
+            <a:r>
+              <a:rPr lang="en-US" baseline="0" dirty="0" smtClean="0"/>
+              <a:t> </a:t>
+            </a:r>
+            <a:r>
+              <a:rPr lang="en-US" baseline="0" dirty="0" err="1" smtClean="0"/>
+              <a:t>entityframework</a:t>
+            </a:r>
+            <a:endParaRPr lang="en-US" dirty="0" smtClean="0"/>
+          </a:p>
+          <a:p>
+            <a:pPr marL="228600" indent="-228600">
+              <a:buAutoNum type="arabicPeriod"/>
+            </a:pPr>
+            <a:r>
+              <a:rPr lang="en-US" dirty="0" smtClean="0"/>
+              <a:t>Create MVC app</a:t>
+            </a:r>
+            <a:r>
+              <a:rPr lang="en-US" baseline="0" dirty="0" smtClean="0"/>
+              <a:t> with identity, show it already exists. Show how to upgrade, remove, reinstall.</a:t>
+            </a:r>
+          </a:p>
+          <a:p>
+            <a:pPr marL="685800" lvl="1" indent="-228600">
+              <a:buAutoNum type="arabicPeriod"/>
+            </a:pPr>
+            <a:r>
+              <a:rPr lang="en-US" kern="1200" dirty="0" smtClean="0">
+                <a:solidFill>
+                  <a:schemeClr val="accent6"/>
+                </a:solidFill>
+              </a:rPr>
+              <a:t>Update-Package </a:t>
+            </a:r>
+            <a:r>
+              <a:rPr lang="en-US" kern="1200" dirty="0" err="1" smtClean="0">
+                <a:solidFill>
+                  <a:schemeClr val="accent6"/>
+                </a:solidFill>
+              </a:rPr>
+              <a:t>EntityFramework</a:t>
+            </a:r>
+            <a:r>
+              <a:rPr lang="en-US" kern="1200" dirty="0" smtClean="0">
+                <a:solidFill>
+                  <a:schemeClr val="accent6"/>
+                </a:solidFill>
+              </a:rPr>
+              <a:t> (maybe</a:t>
+            </a:r>
+            <a:r>
+              <a:rPr lang="en-US" kern="1200" baseline="0" dirty="0" smtClean="0">
+                <a:solidFill>
+                  <a:schemeClr val="accent6"/>
+                </a:solidFill>
+              </a:rPr>
+              <a:t> –pre if </a:t>
+            </a:r>
+            <a:r>
+              <a:rPr lang="en-US" kern="1200" baseline="0" dirty="0" err="1" smtClean="0">
+                <a:solidFill>
+                  <a:schemeClr val="accent6"/>
+                </a:solidFill>
+              </a:rPr>
+              <a:t>theres</a:t>
+            </a:r>
+            <a:r>
+              <a:rPr lang="en-US" kern="1200" baseline="0" dirty="0" smtClean="0">
+                <a:solidFill>
+                  <a:schemeClr val="accent6"/>
+                </a:solidFill>
+              </a:rPr>
+              <a:t> time)</a:t>
+            </a:r>
+          </a:p>
+          <a:p>
+            <a:pPr marL="685800" lvl="1" indent="-228600">
+              <a:buAutoNum type="arabicPeriod"/>
+            </a:pPr>
+            <a:endParaRPr lang="en-US" baseline="0" dirty="0" smtClean="0"/>
           </a:p>
         </p:txBody>
       </p:sp>
@@ -1205,7 +1217,7 @@
           <a:p>
             <a:fld id="{4CFD207A-07DF-40AD-A916-9872E089CE7A}" type="slidenum">
               <a:rPr lang="en-US" smtClean="0"/>
-              <a:t>15</a:t>
+              <a:t>17</a:t>
             </a:fld>
             <a:endParaRPr lang="en-US" dirty="0"/>
           </a:p>
@@ -1214,7 +1226,7 @@
     </p:spTree>
     <p:extLst>
       <p:ext uri="{BB962C8B-B14F-4D97-AF65-F5344CB8AC3E}">
-        <p14:creationId xmlns:p14="http://schemas.microsoft.com/office/powerpoint/2010/main" val="732209066"/>
+        <p14:creationId xmlns:p14="http://schemas.microsoft.com/office/powerpoint/2010/main" val="3476266708"/>
       </p:ext>
     </p:extLst>
   </p:cSld>
@@ -1268,1150 +1280,7 @@
           <a:bodyPr/>
           <a:lstStyle/>
           <a:p>
-            <a:pPr marL="228600" indent="-228600">
-              <a:buAutoNum type="arabicPeriod"/>
-            </a:pPr>
-            <a:r>
-              <a:rPr lang="en-US" dirty="0" smtClean="0"/>
-              <a:t>Create a new console app,</a:t>
-            </a:r>
-            <a:r>
-              <a:rPr lang="en-US" baseline="0" dirty="0" smtClean="0"/>
-              <a:t> </a:t>
-            </a:r>
-            <a:r>
-              <a:rPr lang="en-US" baseline="0" smtClean="0"/>
-              <a:t>then we’ll do web.</a:t>
-            </a:r>
-            <a:endParaRPr lang="en-US" dirty="0" smtClean="0"/>
-          </a:p>
-          <a:p>
-            <a:pPr marL="228600" indent="-228600">
-              <a:buAutoNum type="arabicPeriod"/>
-            </a:pPr>
-            <a:r>
-              <a:rPr lang="en-US" dirty="0" smtClean="0"/>
-              <a:t>Install-package EF</a:t>
-            </a:r>
-          </a:p>
-          <a:p>
-            <a:pPr marL="228600" indent="-228600">
-              <a:buAutoNum type="arabicPeriod"/>
-            </a:pPr>
-            <a:r>
-              <a:rPr lang="en-US" baseline="0" dirty="0" smtClean="0"/>
-              <a:t>Add class</a:t>
-            </a:r>
-          </a:p>
-          <a:p>
-            <a:pPr marL="228600" indent="-228600">
-              <a:buAutoNum type="arabicPeriod"/>
-            </a:pPr>
-            <a:endParaRPr lang="en-US" baseline="0" dirty="0" smtClean="0"/>
-          </a:p>
-          <a:p>
-            <a:pPr lvl="1"/>
-            <a:r>
-              <a:rPr lang="en-US" sz="1200" kern="1200" dirty="0" smtClean="0">
-                <a:solidFill>
-                  <a:schemeClr val="tx1"/>
-                </a:solidFill>
-                <a:latin typeface="+mn-lt"/>
-                <a:ea typeface="+mn-ea"/>
-                <a:cs typeface="+mn-cs"/>
-              </a:rPr>
-              <a:t>public class Album</a:t>
-            </a:r>
-          </a:p>
-          <a:p>
-            <a:pPr lvl="1"/>
-            <a:r>
-              <a:rPr lang="en-US" sz="1200" kern="1200" dirty="0" smtClean="0">
-                <a:solidFill>
-                  <a:schemeClr val="tx1"/>
-                </a:solidFill>
-                <a:latin typeface="+mn-lt"/>
-                <a:ea typeface="+mn-ea"/>
-                <a:cs typeface="+mn-cs"/>
-              </a:rPr>
-              <a:t>    {</a:t>
-            </a:r>
-          </a:p>
-          <a:p>
-            <a:pPr lvl="1"/>
-            <a:r>
-              <a:rPr lang="en-US" sz="1200" kern="1200" dirty="0" smtClean="0">
-                <a:solidFill>
-                  <a:schemeClr val="tx1"/>
-                </a:solidFill>
-                <a:latin typeface="+mn-lt"/>
-                <a:ea typeface="+mn-ea"/>
-                <a:cs typeface="+mn-cs"/>
-              </a:rPr>
-              <a:t>        public </a:t>
-            </a:r>
-            <a:r>
-              <a:rPr lang="en-US" sz="1200" kern="1200" dirty="0" err="1" smtClean="0">
-                <a:solidFill>
-                  <a:schemeClr val="tx1"/>
-                </a:solidFill>
-                <a:latin typeface="+mn-lt"/>
-                <a:ea typeface="+mn-ea"/>
-                <a:cs typeface="+mn-cs"/>
-              </a:rPr>
-              <a:t>int</a:t>
-            </a:r>
-            <a:r>
-              <a:rPr lang="en-US" sz="1200" kern="1200" dirty="0" smtClean="0">
-                <a:solidFill>
-                  <a:schemeClr val="tx1"/>
-                </a:solidFill>
-                <a:latin typeface="+mn-lt"/>
-                <a:ea typeface="+mn-ea"/>
-                <a:cs typeface="+mn-cs"/>
-              </a:rPr>
-              <a:t> </a:t>
-            </a:r>
-            <a:r>
-              <a:rPr lang="en-US" sz="1200" kern="1200" dirty="0" err="1" smtClean="0">
-                <a:solidFill>
-                  <a:schemeClr val="tx1"/>
-                </a:solidFill>
-                <a:latin typeface="+mn-lt"/>
-                <a:ea typeface="+mn-ea"/>
-                <a:cs typeface="+mn-cs"/>
-              </a:rPr>
-              <a:t>AlbumId</a:t>
-            </a:r>
-            <a:r>
-              <a:rPr lang="en-US" sz="1200" kern="1200" dirty="0" smtClean="0">
-                <a:solidFill>
-                  <a:schemeClr val="tx1"/>
-                </a:solidFill>
-                <a:latin typeface="+mn-lt"/>
-                <a:ea typeface="+mn-ea"/>
-                <a:cs typeface="+mn-cs"/>
-              </a:rPr>
-              <a:t> { get; set; }</a:t>
-            </a:r>
-          </a:p>
-          <a:p>
-            <a:pPr lvl="1"/>
-            <a:r>
-              <a:rPr lang="en-US" sz="1200" kern="1200" dirty="0" smtClean="0">
-                <a:solidFill>
-                  <a:schemeClr val="tx1"/>
-                </a:solidFill>
-                <a:latin typeface="+mn-lt"/>
-                <a:ea typeface="+mn-ea"/>
-                <a:cs typeface="+mn-cs"/>
-              </a:rPr>
-              <a:t>        public </a:t>
-            </a:r>
-            <a:r>
-              <a:rPr lang="en-US" sz="1200" kern="1200" dirty="0" err="1" smtClean="0">
-                <a:solidFill>
-                  <a:schemeClr val="tx1"/>
-                </a:solidFill>
-                <a:latin typeface="+mn-lt"/>
-                <a:ea typeface="+mn-ea"/>
-                <a:cs typeface="+mn-cs"/>
-              </a:rPr>
-              <a:t>int</a:t>
-            </a:r>
-            <a:r>
-              <a:rPr lang="en-US" sz="1200" kern="1200" dirty="0" smtClean="0">
-                <a:solidFill>
-                  <a:schemeClr val="tx1"/>
-                </a:solidFill>
-                <a:latin typeface="+mn-lt"/>
-                <a:ea typeface="+mn-ea"/>
-                <a:cs typeface="+mn-cs"/>
-              </a:rPr>
-              <a:t> </a:t>
-            </a:r>
-            <a:r>
-              <a:rPr lang="en-US" sz="1200" kern="1200" dirty="0" err="1" smtClean="0">
-                <a:solidFill>
-                  <a:schemeClr val="tx1"/>
-                </a:solidFill>
-                <a:latin typeface="+mn-lt"/>
-                <a:ea typeface="+mn-ea"/>
-                <a:cs typeface="+mn-cs"/>
-              </a:rPr>
-              <a:t>GenreId</a:t>
-            </a:r>
-            <a:r>
-              <a:rPr lang="en-US" sz="1200" kern="1200" dirty="0" smtClean="0">
-                <a:solidFill>
-                  <a:schemeClr val="tx1"/>
-                </a:solidFill>
-                <a:latin typeface="+mn-lt"/>
-                <a:ea typeface="+mn-ea"/>
-                <a:cs typeface="+mn-cs"/>
-              </a:rPr>
-              <a:t> { get; set; }</a:t>
-            </a:r>
-          </a:p>
-          <a:p>
-            <a:pPr lvl="1"/>
-            <a:r>
-              <a:rPr lang="en-US" sz="1200" kern="1200" dirty="0" smtClean="0">
-                <a:solidFill>
-                  <a:schemeClr val="tx1"/>
-                </a:solidFill>
-                <a:latin typeface="+mn-lt"/>
-                <a:ea typeface="+mn-ea"/>
-                <a:cs typeface="+mn-cs"/>
-              </a:rPr>
-              <a:t>        public </a:t>
-            </a:r>
-            <a:r>
-              <a:rPr lang="en-US" sz="1200" kern="1200" dirty="0" err="1" smtClean="0">
-                <a:solidFill>
-                  <a:schemeClr val="tx1"/>
-                </a:solidFill>
-                <a:latin typeface="+mn-lt"/>
-                <a:ea typeface="+mn-ea"/>
-                <a:cs typeface="+mn-cs"/>
-              </a:rPr>
-              <a:t>int</a:t>
-            </a:r>
-            <a:r>
-              <a:rPr lang="en-US" sz="1200" kern="1200" dirty="0" smtClean="0">
-                <a:solidFill>
-                  <a:schemeClr val="tx1"/>
-                </a:solidFill>
-                <a:latin typeface="+mn-lt"/>
-                <a:ea typeface="+mn-ea"/>
-                <a:cs typeface="+mn-cs"/>
-              </a:rPr>
-              <a:t> </a:t>
-            </a:r>
-            <a:r>
-              <a:rPr lang="en-US" sz="1200" kern="1200" dirty="0" err="1" smtClean="0">
-                <a:solidFill>
-                  <a:schemeClr val="tx1"/>
-                </a:solidFill>
-                <a:latin typeface="+mn-lt"/>
-                <a:ea typeface="+mn-ea"/>
-                <a:cs typeface="+mn-cs"/>
-              </a:rPr>
-              <a:t>ArtistId</a:t>
-            </a:r>
-            <a:r>
-              <a:rPr lang="en-US" sz="1200" kern="1200" dirty="0" smtClean="0">
-                <a:solidFill>
-                  <a:schemeClr val="tx1"/>
-                </a:solidFill>
-                <a:latin typeface="+mn-lt"/>
-                <a:ea typeface="+mn-ea"/>
-                <a:cs typeface="+mn-cs"/>
-              </a:rPr>
-              <a:t> { get; set; }</a:t>
-            </a:r>
-          </a:p>
-          <a:p>
-            <a:pPr lvl="1"/>
-            <a:r>
-              <a:rPr lang="en-US" sz="1200" kern="1200" dirty="0" smtClean="0">
-                <a:solidFill>
-                  <a:schemeClr val="tx1"/>
-                </a:solidFill>
-                <a:latin typeface="+mn-lt"/>
-                <a:ea typeface="+mn-ea"/>
-                <a:cs typeface="+mn-cs"/>
-              </a:rPr>
-              <a:t>        public string Title { get; set; }</a:t>
-            </a:r>
-          </a:p>
-          <a:p>
-            <a:pPr lvl="1"/>
-            <a:r>
-              <a:rPr lang="en-US" sz="1200" kern="1200" dirty="0" smtClean="0">
-                <a:solidFill>
-                  <a:schemeClr val="tx1"/>
-                </a:solidFill>
-                <a:latin typeface="+mn-lt"/>
-                <a:ea typeface="+mn-ea"/>
-                <a:cs typeface="+mn-cs"/>
-              </a:rPr>
-              <a:t>        public decimal Price { get; set; }</a:t>
-            </a:r>
-          </a:p>
-          <a:p>
-            <a:pPr lvl="1"/>
-            <a:r>
-              <a:rPr lang="en-US" sz="1200" kern="1200" dirty="0" smtClean="0">
-                <a:solidFill>
-                  <a:schemeClr val="tx1"/>
-                </a:solidFill>
-                <a:latin typeface="+mn-lt"/>
-                <a:ea typeface="+mn-ea"/>
-                <a:cs typeface="+mn-cs"/>
-              </a:rPr>
-              <a:t>        public string </a:t>
-            </a:r>
-            <a:r>
-              <a:rPr lang="en-US" sz="1200" kern="1200" dirty="0" err="1" smtClean="0">
-                <a:solidFill>
-                  <a:schemeClr val="tx1"/>
-                </a:solidFill>
-                <a:latin typeface="+mn-lt"/>
-                <a:ea typeface="+mn-ea"/>
-                <a:cs typeface="+mn-cs"/>
-              </a:rPr>
-              <a:t>AlbumArtUrl</a:t>
-            </a:r>
-            <a:r>
-              <a:rPr lang="en-US" sz="1200" kern="1200" dirty="0" smtClean="0">
-                <a:solidFill>
-                  <a:schemeClr val="tx1"/>
-                </a:solidFill>
-                <a:latin typeface="+mn-lt"/>
-                <a:ea typeface="+mn-ea"/>
-                <a:cs typeface="+mn-cs"/>
-              </a:rPr>
-              <a:t> { get; set; }</a:t>
-            </a:r>
-          </a:p>
-          <a:p>
-            <a:pPr lvl="1"/>
-            <a:r>
-              <a:rPr lang="en-US" sz="1200" kern="1200" dirty="0" smtClean="0">
-                <a:solidFill>
-                  <a:schemeClr val="tx1"/>
-                </a:solidFill>
-                <a:latin typeface="+mn-lt"/>
-                <a:ea typeface="+mn-ea"/>
-                <a:cs typeface="+mn-cs"/>
-              </a:rPr>
-              <a:t>    }</a:t>
-            </a:r>
-            <a:endParaRPr lang="en-US" baseline="0" dirty="0" smtClean="0"/>
-          </a:p>
-          <a:p>
-            <a:pPr marL="0" indent="0">
-              <a:buNone/>
-            </a:pPr>
-            <a:endParaRPr lang="en-US" baseline="0" dirty="0" smtClean="0"/>
-          </a:p>
-          <a:p>
-            <a:r>
-              <a:rPr lang="en-US" sz="1200" kern="1200" dirty="0" smtClean="0">
-                <a:solidFill>
-                  <a:schemeClr val="tx1"/>
-                </a:solidFill>
-                <a:latin typeface="+mn-lt"/>
-                <a:ea typeface="+mn-ea"/>
-                <a:cs typeface="+mn-cs"/>
-              </a:rPr>
-              <a:t> public class </a:t>
-            </a:r>
-            <a:r>
-              <a:rPr lang="en-US" sz="1200" kern="1200" dirty="0" err="1" smtClean="0">
-                <a:solidFill>
-                  <a:schemeClr val="tx1"/>
-                </a:solidFill>
-                <a:latin typeface="+mn-lt"/>
-                <a:ea typeface="+mn-ea"/>
-                <a:cs typeface="+mn-cs"/>
-              </a:rPr>
-              <a:t>MusicContext</a:t>
-            </a:r>
-            <a:r>
-              <a:rPr lang="en-US" sz="1200" kern="1200" dirty="0" smtClean="0">
-                <a:solidFill>
-                  <a:schemeClr val="tx1"/>
-                </a:solidFill>
-                <a:latin typeface="+mn-lt"/>
-                <a:ea typeface="+mn-ea"/>
-                <a:cs typeface="+mn-cs"/>
-              </a:rPr>
-              <a:t> : </a:t>
-            </a:r>
-            <a:r>
-              <a:rPr lang="en-US" sz="1200" kern="1200" dirty="0" err="1" smtClean="0">
-                <a:solidFill>
-                  <a:schemeClr val="tx1"/>
-                </a:solidFill>
-                <a:latin typeface="+mn-lt"/>
-                <a:ea typeface="+mn-ea"/>
-                <a:cs typeface="+mn-cs"/>
-              </a:rPr>
-              <a:t>DbContext</a:t>
-            </a:r>
-            <a:endParaRPr lang="en-US" sz="1200" kern="1200" dirty="0" smtClean="0">
-              <a:solidFill>
-                <a:schemeClr val="tx1"/>
-              </a:solidFill>
-              <a:latin typeface="+mn-lt"/>
-              <a:ea typeface="+mn-ea"/>
-              <a:cs typeface="+mn-cs"/>
-            </a:endParaRPr>
-          </a:p>
-          <a:p>
-            <a:r>
-              <a:rPr lang="en-US" sz="1200" kern="1200" dirty="0" smtClean="0">
-                <a:solidFill>
-                  <a:schemeClr val="tx1"/>
-                </a:solidFill>
-                <a:latin typeface="+mn-lt"/>
-                <a:ea typeface="+mn-ea"/>
-                <a:cs typeface="+mn-cs"/>
-              </a:rPr>
-              <a:t>    {</a:t>
-            </a:r>
-          </a:p>
-          <a:p>
-            <a:r>
-              <a:rPr lang="en-US" sz="1200" kern="1200" dirty="0" smtClean="0">
-                <a:solidFill>
-                  <a:schemeClr val="tx1"/>
-                </a:solidFill>
-                <a:latin typeface="+mn-lt"/>
-                <a:ea typeface="+mn-ea"/>
-                <a:cs typeface="+mn-cs"/>
-              </a:rPr>
-              <a:t>        public</a:t>
-            </a:r>
-            <a:r>
-              <a:rPr lang="en-US" sz="1200" kern="1200" baseline="0" dirty="0" smtClean="0">
-                <a:solidFill>
-                  <a:schemeClr val="tx1"/>
-                </a:solidFill>
-                <a:latin typeface="+mn-lt"/>
-                <a:ea typeface="+mn-ea"/>
-                <a:cs typeface="+mn-cs"/>
-              </a:rPr>
-              <a:t> </a:t>
-            </a:r>
-            <a:r>
-              <a:rPr lang="en-US" sz="1200" kern="1200" dirty="0" err="1" smtClean="0">
-                <a:solidFill>
-                  <a:schemeClr val="tx1"/>
-                </a:solidFill>
-                <a:latin typeface="+mn-lt"/>
-                <a:ea typeface="+mn-ea"/>
-                <a:cs typeface="+mn-cs"/>
-              </a:rPr>
-              <a:t>DbSet</a:t>
-            </a:r>
-            <a:r>
-              <a:rPr lang="en-US" sz="1200" kern="1200" dirty="0" smtClean="0">
-                <a:solidFill>
-                  <a:schemeClr val="tx1"/>
-                </a:solidFill>
-                <a:latin typeface="+mn-lt"/>
-                <a:ea typeface="+mn-ea"/>
-                <a:cs typeface="+mn-cs"/>
-              </a:rPr>
-              <a:t>&lt;Album&gt; Albums { get; set; }</a:t>
-            </a:r>
-          </a:p>
-          <a:p>
-            <a:r>
-              <a:rPr lang="en-US" sz="1200" kern="1200" dirty="0" smtClean="0">
-                <a:solidFill>
-                  <a:schemeClr val="tx1"/>
-                </a:solidFill>
-                <a:latin typeface="+mn-lt"/>
-                <a:ea typeface="+mn-ea"/>
-                <a:cs typeface="+mn-cs"/>
-              </a:rPr>
-              <a:t>    }</a:t>
-            </a:r>
-            <a:endParaRPr lang="en-US" baseline="0" dirty="0" smtClean="0"/>
-          </a:p>
-          <a:p>
-            <a:pPr marL="0" indent="0">
-              <a:buNone/>
-            </a:pPr>
-            <a:r>
-              <a:rPr lang="en-US" baseline="0" dirty="0" smtClean="0"/>
-              <a:t>4. </a:t>
-            </a:r>
-          </a:p>
-          <a:p>
-            <a:pPr marL="0" indent="0">
-              <a:buNone/>
-            </a:pPr>
-            <a:r>
-              <a:rPr lang="en-US" baseline="0" dirty="0" smtClean="0"/>
-              <a:t>Run the app. Explain the database is created because of connection string in the name in </a:t>
-            </a:r>
-            <a:r>
-              <a:rPr lang="en-US" baseline="0" dirty="0" err="1" smtClean="0"/>
-              <a:t>DbContext</a:t>
-            </a:r>
-            <a:endParaRPr lang="en-US" baseline="0" dirty="0" smtClean="0"/>
-          </a:p>
-          <a:p>
-            <a:pPr marL="0" indent="0">
-              <a:buNone/>
-            </a:pPr>
-            <a:r>
-              <a:rPr lang="en-US" baseline="0" dirty="0" smtClean="0"/>
-              <a:t>5. If </a:t>
-            </a:r>
-            <a:r>
-              <a:rPr lang="en-US" baseline="0" dirty="0" err="1" smtClean="0"/>
-              <a:t>DbContext</a:t>
-            </a:r>
-            <a:r>
-              <a:rPr lang="en-US" baseline="0" dirty="0" smtClean="0"/>
-              <a:t> doesn’t have a connect string, we look for the name of the context class connection string.</a:t>
-            </a:r>
-          </a:p>
-          <a:p>
-            <a:pPr marL="0" indent="0">
-              <a:buNone/>
-            </a:pPr>
-            <a:r>
-              <a:rPr lang="en-US" baseline="0" dirty="0" smtClean="0"/>
-              <a:t>If that’s not found, we try to create </a:t>
-            </a:r>
-            <a:r>
-              <a:rPr lang="en-US" baseline="0" dirty="0" err="1" smtClean="0"/>
-              <a:t>SQLExpress</a:t>
-            </a:r>
-            <a:r>
-              <a:rPr lang="en-US" baseline="0" dirty="0" smtClean="0"/>
-              <a:t>, local </a:t>
-            </a:r>
-            <a:r>
-              <a:rPr lang="en-US" baseline="0" dirty="0" err="1" smtClean="0"/>
-              <a:t>db</a:t>
-            </a:r>
-            <a:r>
-              <a:rPr lang="en-US" baseline="0" dirty="0" smtClean="0"/>
-              <a:t> 12, local </a:t>
-            </a:r>
-            <a:r>
-              <a:rPr lang="en-US" baseline="0" dirty="0" err="1" smtClean="0"/>
-              <a:t>db</a:t>
-            </a:r>
-            <a:r>
-              <a:rPr lang="en-US" baseline="0" dirty="0" smtClean="0"/>
-              <a:t> 11</a:t>
-            </a:r>
-          </a:p>
-          <a:p>
-            <a:pPr marL="0" indent="0">
-              <a:buNone/>
-            </a:pPr>
-            <a:r>
-              <a:rPr lang="en-US" baseline="0" dirty="0" smtClean="0"/>
-              <a:t>6. Add a connection string and show that new database</a:t>
-            </a:r>
-          </a:p>
-          <a:p>
-            <a:pPr marL="0" indent="0">
-              <a:buNone/>
-            </a:pPr>
-            <a:endParaRPr lang="en-US" baseline="0" dirty="0" smtClean="0"/>
-          </a:p>
-          <a:p>
-            <a:pPr marL="0" indent="0">
-              <a:buNone/>
-            </a:pPr>
-            <a:endParaRPr lang="en-US" baseline="0" dirty="0" smtClean="0"/>
-          </a:p>
-          <a:p>
-            <a:pPr marL="0" indent="0">
-              <a:buNone/>
-            </a:pPr>
-            <a:endParaRPr lang="en-US" baseline="0" dirty="0" smtClean="0"/>
-          </a:p>
-          <a:p>
-            <a:r>
-              <a:rPr lang="en-US" sz="1200" kern="1200" dirty="0" smtClean="0">
-                <a:solidFill>
-                  <a:schemeClr val="tx1"/>
-                </a:solidFill>
-                <a:latin typeface="+mn-lt"/>
-                <a:ea typeface="+mn-ea"/>
-                <a:cs typeface="+mn-cs"/>
-              </a:rPr>
-              <a:t> using (</a:t>
-            </a:r>
-            <a:r>
-              <a:rPr lang="en-US" sz="1200" kern="1200" dirty="0" err="1" smtClean="0">
-                <a:solidFill>
-                  <a:schemeClr val="tx1"/>
-                </a:solidFill>
-                <a:latin typeface="+mn-lt"/>
-                <a:ea typeface="+mn-ea"/>
-                <a:cs typeface="+mn-cs"/>
-              </a:rPr>
-              <a:t>var</a:t>
-            </a:r>
-            <a:r>
-              <a:rPr lang="en-US" sz="1200" kern="1200" dirty="0" smtClean="0">
-                <a:solidFill>
-                  <a:schemeClr val="tx1"/>
-                </a:solidFill>
-                <a:latin typeface="+mn-lt"/>
-                <a:ea typeface="+mn-ea"/>
-                <a:cs typeface="+mn-cs"/>
-              </a:rPr>
-              <a:t> context = new </a:t>
-            </a:r>
-            <a:r>
-              <a:rPr lang="en-US" sz="1200" kern="1200" dirty="0" err="1" smtClean="0">
-                <a:solidFill>
-                  <a:schemeClr val="tx1"/>
-                </a:solidFill>
-                <a:latin typeface="+mn-lt"/>
-                <a:ea typeface="+mn-ea"/>
-                <a:cs typeface="+mn-cs"/>
-              </a:rPr>
-              <a:t>MusicContext</a:t>
-            </a:r>
-            <a:r>
-              <a:rPr lang="en-US" sz="1200" kern="1200" dirty="0" smtClean="0">
-                <a:solidFill>
-                  <a:schemeClr val="tx1"/>
-                </a:solidFill>
-                <a:latin typeface="+mn-lt"/>
-                <a:ea typeface="+mn-ea"/>
-                <a:cs typeface="+mn-cs"/>
-              </a:rPr>
-              <a:t>())</a:t>
-            </a:r>
-          </a:p>
-          <a:p>
-            <a:r>
-              <a:rPr lang="en-US" sz="1200" kern="1200" dirty="0" smtClean="0">
-                <a:solidFill>
-                  <a:schemeClr val="tx1"/>
-                </a:solidFill>
-                <a:latin typeface="+mn-lt"/>
-                <a:ea typeface="+mn-ea"/>
-                <a:cs typeface="+mn-cs"/>
-              </a:rPr>
-              <a:t>            {</a:t>
-            </a:r>
-          </a:p>
-          <a:p>
-            <a:r>
-              <a:rPr lang="en-US" sz="1200" kern="1200" dirty="0" smtClean="0">
-                <a:solidFill>
-                  <a:schemeClr val="tx1"/>
-                </a:solidFill>
-                <a:latin typeface="+mn-lt"/>
-                <a:ea typeface="+mn-ea"/>
-                <a:cs typeface="+mn-cs"/>
-              </a:rPr>
-              <a:t>                </a:t>
-            </a:r>
-            <a:r>
-              <a:rPr lang="en-US" sz="1200" kern="1200" dirty="0" err="1" smtClean="0">
-                <a:solidFill>
-                  <a:schemeClr val="tx1"/>
-                </a:solidFill>
-                <a:latin typeface="+mn-lt"/>
-                <a:ea typeface="+mn-ea"/>
-                <a:cs typeface="+mn-cs"/>
-              </a:rPr>
-              <a:t>var</a:t>
-            </a:r>
-            <a:r>
-              <a:rPr lang="en-US" sz="1200" kern="1200" dirty="0" smtClean="0">
-                <a:solidFill>
-                  <a:schemeClr val="tx1"/>
-                </a:solidFill>
-                <a:latin typeface="+mn-lt"/>
-                <a:ea typeface="+mn-ea"/>
-                <a:cs typeface="+mn-cs"/>
-              </a:rPr>
-              <a:t> albums = </a:t>
-            </a:r>
-            <a:r>
-              <a:rPr lang="en-US" sz="1200" kern="1200" dirty="0" err="1" smtClean="0">
-                <a:solidFill>
-                  <a:schemeClr val="tx1"/>
-                </a:solidFill>
-                <a:latin typeface="+mn-lt"/>
-                <a:ea typeface="+mn-ea"/>
-                <a:cs typeface="+mn-cs"/>
-              </a:rPr>
-              <a:t>context.Albums.ToList</a:t>
-            </a:r>
-            <a:r>
-              <a:rPr lang="en-US" sz="1200" kern="1200" dirty="0" smtClean="0">
-                <a:solidFill>
-                  <a:schemeClr val="tx1"/>
-                </a:solidFill>
-                <a:latin typeface="+mn-lt"/>
-                <a:ea typeface="+mn-ea"/>
-                <a:cs typeface="+mn-cs"/>
-              </a:rPr>
-              <a:t>();</a:t>
-            </a:r>
-          </a:p>
-          <a:p>
-            <a:r>
-              <a:rPr lang="en-US" sz="1200" kern="1200" dirty="0" smtClean="0">
-                <a:solidFill>
-                  <a:schemeClr val="tx1"/>
-                </a:solidFill>
-                <a:latin typeface="+mn-lt"/>
-                <a:ea typeface="+mn-ea"/>
-                <a:cs typeface="+mn-cs"/>
-              </a:rPr>
-              <a:t>                </a:t>
-            </a:r>
-            <a:r>
-              <a:rPr lang="en-US" sz="1200" kern="1200" dirty="0" err="1" smtClean="0">
-                <a:solidFill>
-                  <a:schemeClr val="tx1"/>
-                </a:solidFill>
-                <a:latin typeface="+mn-lt"/>
-                <a:ea typeface="+mn-ea"/>
-                <a:cs typeface="+mn-cs"/>
-              </a:rPr>
-              <a:t>Console.WriteLine</a:t>
-            </a:r>
-            <a:r>
-              <a:rPr lang="en-US" sz="1200" kern="1200" dirty="0" smtClean="0">
-                <a:solidFill>
-                  <a:schemeClr val="tx1"/>
-                </a:solidFill>
-                <a:latin typeface="+mn-lt"/>
-                <a:ea typeface="+mn-ea"/>
-                <a:cs typeface="+mn-cs"/>
-              </a:rPr>
-              <a:t>(</a:t>
-            </a:r>
-            <a:r>
-              <a:rPr lang="en-US" sz="1200" kern="1200" dirty="0" err="1" smtClean="0">
-                <a:solidFill>
-                  <a:schemeClr val="tx1"/>
-                </a:solidFill>
-                <a:latin typeface="+mn-lt"/>
-                <a:ea typeface="+mn-ea"/>
-                <a:cs typeface="+mn-cs"/>
-              </a:rPr>
-              <a:t>albums.Count</a:t>
-            </a:r>
-            <a:r>
-              <a:rPr lang="en-US" sz="1200" kern="1200" dirty="0" smtClean="0">
-                <a:solidFill>
-                  <a:schemeClr val="tx1"/>
-                </a:solidFill>
-                <a:latin typeface="+mn-lt"/>
-                <a:ea typeface="+mn-ea"/>
-                <a:cs typeface="+mn-cs"/>
-              </a:rPr>
-              <a:t>());</a:t>
-            </a:r>
-          </a:p>
-          <a:p>
-            <a:endParaRPr lang="en-US" sz="1200" kern="1200" dirty="0" smtClean="0">
-              <a:solidFill>
-                <a:schemeClr val="tx1"/>
-              </a:solidFill>
-              <a:latin typeface="+mn-lt"/>
-              <a:ea typeface="+mn-ea"/>
-              <a:cs typeface="+mn-cs"/>
-            </a:endParaRPr>
-          </a:p>
-          <a:p>
-            <a:r>
-              <a:rPr lang="en-US" sz="1200" kern="1200" dirty="0" smtClean="0">
-                <a:solidFill>
-                  <a:schemeClr val="tx1"/>
-                </a:solidFill>
-                <a:latin typeface="+mn-lt"/>
-                <a:ea typeface="+mn-ea"/>
-                <a:cs typeface="+mn-cs"/>
-              </a:rPr>
-              <a:t>                </a:t>
-            </a:r>
-            <a:r>
-              <a:rPr lang="en-US" sz="1200" kern="1200" dirty="0" err="1" smtClean="0">
-                <a:solidFill>
-                  <a:schemeClr val="tx1"/>
-                </a:solidFill>
-                <a:latin typeface="+mn-lt"/>
-                <a:ea typeface="+mn-ea"/>
-                <a:cs typeface="+mn-cs"/>
-              </a:rPr>
-              <a:t>context.Albums.Add</a:t>
-            </a:r>
-            <a:r>
-              <a:rPr lang="en-US" sz="1200" kern="1200" dirty="0" smtClean="0">
-                <a:solidFill>
-                  <a:schemeClr val="tx1"/>
-                </a:solidFill>
-                <a:latin typeface="+mn-lt"/>
-                <a:ea typeface="+mn-ea"/>
-                <a:cs typeface="+mn-cs"/>
-              </a:rPr>
-              <a:t>(new Album() { </a:t>
-            </a:r>
-            <a:r>
-              <a:rPr lang="en-US" sz="1200" kern="1200" dirty="0" err="1" smtClean="0">
-                <a:solidFill>
-                  <a:schemeClr val="tx1"/>
-                </a:solidFill>
-                <a:latin typeface="+mn-lt"/>
-                <a:ea typeface="+mn-ea"/>
-                <a:cs typeface="+mn-cs"/>
-              </a:rPr>
-              <a:t>AlbumArtUrl</a:t>
-            </a:r>
-            <a:r>
-              <a:rPr lang="en-US" sz="1200" kern="1200" dirty="0" smtClean="0">
-                <a:solidFill>
-                  <a:schemeClr val="tx1"/>
-                </a:solidFill>
-                <a:latin typeface="+mn-lt"/>
-                <a:ea typeface="+mn-ea"/>
-                <a:cs typeface="+mn-cs"/>
-              </a:rPr>
-              <a:t>="http://no.com",</a:t>
-            </a:r>
-          </a:p>
-          <a:p>
-            <a:r>
-              <a:rPr lang="en-US" sz="1200" kern="1200" dirty="0" smtClean="0">
-                <a:solidFill>
-                  <a:schemeClr val="tx1"/>
-                </a:solidFill>
-                <a:latin typeface="+mn-lt"/>
-                <a:ea typeface="+mn-ea"/>
-                <a:cs typeface="+mn-cs"/>
-              </a:rPr>
-              <a:t>                </a:t>
-            </a:r>
-            <a:r>
-              <a:rPr lang="en-US" sz="1200" kern="1200" dirty="0" err="1" smtClean="0">
-                <a:solidFill>
-                  <a:schemeClr val="tx1"/>
-                </a:solidFill>
-                <a:latin typeface="+mn-lt"/>
-                <a:ea typeface="+mn-ea"/>
-                <a:cs typeface="+mn-cs"/>
-              </a:rPr>
-              <a:t>AlbumId</a:t>
-            </a:r>
-            <a:r>
-              <a:rPr lang="en-US" sz="1200" kern="1200" dirty="0" smtClean="0">
-                <a:solidFill>
-                  <a:schemeClr val="tx1"/>
-                </a:solidFill>
-                <a:latin typeface="+mn-lt"/>
-                <a:ea typeface="+mn-ea"/>
-                <a:cs typeface="+mn-cs"/>
-              </a:rPr>
-              <a:t>=1,</a:t>
-            </a:r>
-          </a:p>
-          <a:p>
-            <a:r>
-              <a:rPr lang="en-US" sz="1200" kern="1200" dirty="0" smtClean="0">
-                <a:solidFill>
-                  <a:schemeClr val="tx1"/>
-                </a:solidFill>
-                <a:latin typeface="+mn-lt"/>
-                <a:ea typeface="+mn-ea"/>
-                <a:cs typeface="+mn-cs"/>
-              </a:rPr>
-              <a:t>                </a:t>
-            </a:r>
-            <a:r>
-              <a:rPr lang="en-US" sz="1200" kern="1200" dirty="0" err="1" smtClean="0">
-                <a:solidFill>
-                  <a:schemeClr val="tx1"/>
-                </a:solidFill>
-                <a:latin typeface="+mn-lt"/>
-                <a:ea typeface="+mn-ea"/>
-                <a:cs typeface="+mn-cs"/>
-              </a:rPr>
-              <a:t>ArtistId</a:t>
-            </a:r>
-            <a:r>
-              <a:rPr lang="en-US" sz="1200" kern="1200" dirty="0" smtClean="0">
-                <a:solidFill>
-                  <a:schemeClr val="tx1"/>
-                </a:solidFill>
-                <a:latin typeface="+mn-lt"/>
-                <a:ea typeface="+mn-ea"/>
-                <a:cs typeface="+mn-cs"/>
-              </a:rPr>
-              <a:t>=1,</a:t>
-            </a:r>
-          </a:p>
-          <a:p>
-            <a:r>
-              <a:rPr lang="en-US" sz="1200" kern="1200" dirty="0" smtClean="0">
-                <a:solidFill>
-                  <a:schemeClr val="tx1"/>
-                </a:solidFill>
-                <a:latin typeface="+mn-lt"/>
-                <a:ea typeface="+mn-ea"/>
-                <a:cs typeface="+mn-cs"/>
-              </a:rPr>
-              <a:t>                </a:t>
-            </a:r>
-            <a:r>
-              <a:rPr lang="en-US" sz="1200" kern="1200" dirty="0" err="1" smtClean="0">
-                <a:solidFill>
-                  <a:schemeClr val="tx1"/>
-                </a:solidFill>
-                <a:latin typeface="+mn-lt"/>
-                <a:ea typeface="+mn-ea"/>
-                <a:cs typeface="+mn-cs"/>
-              </a:rPr>
-              <a:t>GenreId</a:t>
-            </a:r>
-            <a:r>
-              <a:rPr lang="en-US" sz="1200" kern="1200" dirty="0" smtClean="0">
-                <a:solidFill>
-                  <a:schemeClr val="tx1"/>
-                </a:solidFill>
-                <a:latin typeface="+mn-lt"/>
-                <a:ea typeface="+mn-ea"/>
-                <a:cs typeface="+mn-cs"/>
-              </a:rPr>
-              <a:t>=2,</a:t>
-            </a:r>
-          </a:p>
-          <a:p>
-            <a:r>
-              <a:rPr lang="en-US" sz="1200" kern="1200" dirty="0" smtClean="0">
-                <a:solidFill>
-                  <a:schemeClr val="tx1"/>
-                </a:solidFill>
-                <a:latin typeface="+mn-lt"/>
-                <a:ea typeface="+mn-ea"/>
-                <a:cs typeface="+mn-cs"/>
-              </a:rPr>
-              <a:t>                Price=9.99m,</a:t>
-            </a:r>
-          </a:p>
-          <a:p>
-            <a:r>
-              <a:rPr lang="en-US" sz="1200" kern="1200" dirty="0" smtClean="0">
-                <a:solidFill>
-                  <a:schemeClr val="tx1"/>
-                </a:solidFill>
-                <a:latin typeface="+mn-lt"/>
-                <a:ea typeface="+mn-ea"/>
-                <a:cs typeface="+mn-cs"/>
-              </a:rPr>
-              <a:t>                Title="My Album"});</a:t>
-            </a:r>
-          </a:p>
-          <a:p>
-            <a:endParaRPr lang="en-US" sz="1200" kern="1200" dirty="0" smtClean="0">
-              <a:solidFill>
-                <a:schemeClr val="tx1"/>
-              </a:solidFill>
-              <a:latin typeface="+mn-lt"/>
-              <a:ea typeface="+mn-ea"/>
-              <a:cs typeface="+mn-cs"/>
-            </a:endParaRPr>
-          </a:p>
-          <a:p>
-            <a:r>
-              <a:rPr lang="en-US" sz="1200" kern="1200" dirty="0" smtClean="0">
-                <a:solidFill>
-                  <a:schemeClr val="tx1"/>
-                </a:solidFill>
-                <a:latin typeface="+mn-lt"/>
-                <a:ea typeface="+mn-ea"/>
-                <a:cs typeface="+mn-cs"/>
-              </a:rPr>
-              <a:t>                </a:t>
-            </a:r>
-            <a:r>
-              <a:rPr lang="en-US" sz="1200" kern="1200" dirty="0" err="1" smtClean="0">
-                <a:solidFill>
-                  <a:schemeClr val="tx1"/>
-                </a:solidFill>
-                <a:latin typeface="+mn-lt"/>
-                <a:ea typeface="+mn-ea"/>
-                <a:cs typeface="+mn-cs"/>
-              </a:rPr>
-              <a:t>context.SaveChanges</a:t>
-            </a:r>
-            <a:r>
-              <a:rPr lang="en-US" sz="1200" kern="1200" dirty="0" smtClean="0">
-                <a:solidFill>
-                  <a:schemeClr val="tx1"/>
-                </a:solidFill>
-                <a:latin typeface="+mn-lt"/>
-                <a:ea typeface="+mn-ea"/>
-                <a:cs typeface="+mn-cs"/>
-              </a:rPr>
-              <a:t>();</a:t>
-            </a:r>
-          </a:p>
-          <a:p>
-            <a:endParaRPr lang="en-US" sz="1200" kern="1200" dirty="0" smtClean="0">
-              <a:solidFill>
-                <a:schemeClr val="tx1"/>
-              </a:solidFill>
-              <a:latin typeface="+mn-lt"/>
-              <a:ea typeface="+mn-ea"/>
-              <a:cs typeface="+mn-cs"/>
-            </a:endParaRPr>
-          </a:p>
-          <a:p>
-            <a:r>
-              <a:rPr lang="en-US" sz="1200" kern="1200" dirty="0" smtClean="0">
-                <a:solidFill>
-                  <a:schemeClr val="tx1"/>
-                </a:solidFill>
-                <a:latin typeface="+mn-lt"/>
-                <a:ea typeface="+mn-ea"/>
-                <a:cs typeface="+mn-cs"/>
-              </a:rPr>
-              <a:t>                </a:t>
-            </a:r>
-          </a:p>
-          <a:p>
-            <a:r>
-              <a:rPr lang="en-US" sz="1200" kern="1200" dirty="0" smtClean="0">
-                <a:solidFill>
-                  <a:schemeClr val="tx1"/>
-                </a:solidFill>
-                <a:latin typeface="+mn-lt"/>
-                <a:ea typeface="+mn-ea"/>
-                <a:cs typeface="+mn-cs"/>
-              </a:rPr>
-              <a:t>                albums = </a:t>
-            </a:r>
-            <a:r>
-              <a:rPr lang="en-US" sz="1200" kern="1200" dirty="0" err="1" smtClean="0">
-                <a:solidFill>
-                  <a:schemeClr val="tx1"/>
-                </a:solidFill>
-                <a:latin typeface="+mn-lt"/>
-                <a:ea typeface="+mn-ea"/>
-                <a:cs typeface="+mn-cs"/>
-              </a:rPr>
-              <a:t>context.Albums.ToList</a:t>
-            </a:r>
-            <a:r>
-              <a:rPr lang="en-US" sz="1200" kern="1200" dirty="0" smtClean="0">
-                <a:solidFill>
-                  <a:schemeClr val="tx1"/>
-                </a:solidFill>
-                <a:latin typeface="+mn-lt"/>
-                <a:ea typeface="+mn-ea"/>
-                <a:cs typeface="+mn-cs"/>
-              </a:rPr>
-              <a:t>();</a:t>
-            </a:r>
-          </a:p>
-          <a:p>
-            <a:r>
-              <a:rPr lang="en-US" sz="1200" kern="1200" dirty="0" smtClean="0">
-                <a:solidFill>
-                  <a:schemeClr val="tx1"/>
-                </a:solidFill>
-                <a:latin typeface="+mn-lt"/>
-                <a:ea typeface="+mn-ea"/>
-                <a:cs typeface="+mn-cs"/>
-              </a:rPr>
-              <a:t>                </a:t>
-            </a:r>
-            <a:r>
-              <a:rPr lang="en-US" sz="1200" kern="1200" dirty="0" err="1" smtClean="0">
-                <a:solidFill>
-                  <a:schemeClr val="tx1"/>
-                </a:solidFill>
-                <a:latin typeface="+mn-lt"/>
-                <a:ea typeface="+mn-ea"/>
-                <a:cs typeface="+mn-cs"/>
-              </a:rPr>
-              <a:t>Console.WriteLine</a:t>
-            </a:r>
-            <a:r>
-              <a:rPr lang="en-US" sz="1200" kern="1200" dirty="0" smtClean="0">
-                <a:solidFill>
-                  <a:schemeClr val="tx1"/>
-                </a:solidFill>
-                <a:latin typeface="+mn-lt"/>
-                <a:ea typeface="+mn-ea"/>
-                <a:cs typeface="+mn-cs"/>
-              </a:rPr>
-              <a:t>(</a:t>
-            </a:r>
-            <a:r>
-              <a:rPr lang="en-US" sz="1200" kern="1200" dirty="0" err="1" smtClean="0">
-                <a:solidFill>
-                  <a:schemeClr val="tx1"/>
-                </a:solidFill>
-                <a:latin typeface="+mn-lt"/>
-                <a:ea typeface="+mn-ea"/>
-                <a:cs typeface="+mn-cs"/>
-              </a:rPr>
-              <a:t>albums.Count</a:t>
-            </a:r>
-            <a:r>
-              <a:rPr lang="en-US" sz="1200" kern="1200" dirty="0" smtClean="0">
-                <a:solidFill>
-                  <a:schemeClr val="tx1"/>
-                </a:solidFill>
-                <a:latin typeface="+mn-lt"/>
-                <a:ea typeface="+mn-ea"/>
-                <a:cs typeface="+mn-cs"/>
-              </a:rPr>
-              <a:t>());</a:t>
-            </a:r>
-          </a:p>
-          <a:p>
-            <a:r>
-              <a:rPr lang="en-US" sz="1200" kern="1200" dirty="0" smtClean="0">
-                <a:solidFill>
-                  <a:schemeClr val="tx1"/>
-                </a:solidFill>
-                <a:latin typeface="+mn-lt"/>
-                <a:ea typeface="+mn-ea"/>
-                <a:cs typeface="+mn-cs"/>
-              </a:rPr>
-              <a:t>                </a:t>
-            </a:r>
-          </a:p>
-          <a:p>
-            <a:r>
-              <a:rPr lang="en-US" sz="1200" kern="1200" dirty="0" smtClean="0">
-                <a:solidFill>
-                  <a:schemeClr val="tx1"/>
-                </a:solidFill>
-                <a:latin typeface="+mn-lt"/>
-                <a:ea typeface="+mn-ea"/>
-                <a:cs typeface="+mn-cs"/>
-              </a:rPr>
-              <a:t>                </a:t>
-            </a:r>
-          </a:p>
-          <a:p>
-            <a:r>
-              <a:rPr lang="en-US" sz="1200" kern="1200" dirty="0" smtClean="0">
-                <a:solidFill>
-                  <a:schemeClr val="tx1"/>
-                </a:solidFill>
-                <a:latin typeface="+mn-lt"/>
-                <a:ea typeface="+mn-ea"/>
-                <a:cs typeface="+mn-cs"/>
-              </a:rPr>
-              <a:t>            }</a:t>
-            </a:r>
-          </a:p>
-          <a:p>
-            <a:endParaRPr lang="en-US" baseline="0" dirty="0" smtClean="0"/>
-          </a:p>
-          <a:p>
-            <a:pPr marL="0" indent="0">
-              <a:buNone/>
-            </a:pPr>
-            <a:endParaRPr lang="en-US" baseline="0" dirty="0" smtClean="0"/>
+            <a:endParaRPr lang="en-US" dirty="0"/>
           </a:p>
         </p:txBody>
       </p:sp>
@@ -2432,7 +1301,7 @@
           <a:p>
             <a:fld id="{4CFD207A-07DF-40AD-A916-9872E089CE7A}" type="slidenum">
               <a:rPr lang="en-US" smtClean="0"/>
-              <a:t>16</a:t>
+              <a:t>18</a:t>
             </a:fld>
             <a:endParaRPr lang="en-US" dirty="0"/>
           </a:p>
@@ -2441,7 +1310,7 @@
     </p:spTree>
     <p:extLst>
       <p:ext uri="{BB962C8B-B14F-4D97-AF65-F5344CB8AC3E}">
-        <p14:creationId xmlns:p14="http://schemas.microsoft.com/office/powerpoint/2010/main" val="2360327334"/>
+        <p14:creationId xmlns:p14="http://schemas.microsoft.com/office/powerpoint/2010/main" val="1162175093"/>
       </p:ext>
     </p:extLst>
   </p:cSld>
@@ -2495,244 +1364,7 @@
           <a:bodyPr/>
           <a:lstStyle/>
           <a:p>
-            <a:pPr marL="0" marR="0" indent="0" algn="l" defTabSz="914400" rtl="0" eaLnBrk="1" fontAlgn="auto" latinLnBrk="0" hangingPunct="1">
-              <a:lnSpc>
-                <a:spcPct val="100000"/>
-              </a:lnSpc>
-              <a:spcBef>
-                <a:spcPts val="0"/>
-              </a:spcBef>
-              <a:spcAft>
-                <a:spcPts val="0"/>
-              </a:spcAft>
-              <a:buClrTx/>
-              <a:buSzTx/>
-              <a:buFontTx/>
-              <a:buNone/>
-              <a:tabLst/>
-              <a:defRPr/>
-            </a:pPr>
-            <a:r>
-              <a:rPr lang="en-US" dirty="0" smtClean="0"/>
-              <a:t>SHOW HOW TO STORE CREDENTIALS as a best practice?</a:t>
-            </a:r>
-          </a:p>
-          <a:p>
-            <a:pPr marL="0" marR="0" indent="0" algn="l" defTabSz="914400" rtl="0" eaLnBrk="1" fontAlgn="auto" latinLnBrk="0" hangingPunct="1">
-              <a:lnSpc>
-                <a:spcPct val="100000"/>
-              </a:lnSpc>
-              <a:spcBef>
-                <a:spcPts val="0"/>
-              </a:spcBef>
-              <a:spcAft>
-                <a:spcPts val="0"/>
-              </a:spcAft>
-              <a:buClrTx/>
-              <a:buSzTx/>
-              <a:buFontTx/>
-              <a:buNone/>
-              <a:tabLst/>
-              <a:defRPr/>
-            </a:pPr>
-            <a:endParaRPr lang="en-US" dirty="0" smtClean="0"/>
-          </a:p>
-          <a:p>
-            <a:pPr marL="0" marR="0" indent="0" algn="l" defTabSz="914400" rtl="0" eaLnBrk="1" fontAlgn="auto" latinLnBrk="0" hangingPunct="1">
-              <a:lnSpc>
-                <a:spcPct val="100000"/>
-              </a:lnSpc>
-              <a:spcBef>
-                <a:spcPts val="0"/>
-              </a:spcBef>
-              <a:spcAft>
-                <a:spcPts val="0"/>
-              </a:spcAft>
-              <a:buClrTx/>
-              <a:buSzTx/>
-              <a:buFontTx/>
-              <a:buNone/>
-              <a:tabLst/>
-              <a:defRPr/>
-            </a:pPr>
-            <a:endParaRPr lang="en-US" dirty="0" smtClean="0"/>
-          </a:p>
-          <a:p>
-            <a:pPr marL="0" marR="0" indent="0" algn="l" defTabSz="914400" rtl="0" eaLnBrk="1" fontAlgn="auto" latinLnBrk="0" hangingPunct="1">
-              <a:lnSpc>
-                <a:spcPct val="100000"/>
-              </a:lnSpc>
-              <a:spcBef>
-                <a:spcPts val="0"/>
-              </a:spcBef>
-              <a:spcAft>
-                <a:spcPts val="0"/>
-              </a:spcAft>
-              <a:buClrTx/>
-              <a:buSzTx/>
-              <a:buFontTx/>
-              <a:buNone/>
-              <a:tabLst/>
-              <a:defRPr/>
-            </a:pPr>
-            <a:r>
-              <a:rPr lang="en-US" dirty="0" smtClean="0"/>
-              <a:t>DB name will be that of the connection string name, </a:t>
-            </a:r>
-            <a:r>
-              <a:rPr lang="en-US" dirty="0" err="1" smtClean="0"/>
-              <a:t>ie</a:t>
-            </a:r>
-            <a:r>
-              <a:rPr lang="en-US" dirty="0" smtClean="0"/>
-              <a:t> </a:t>
-            </a:r>
-          </a:p>
-          <a:p>
-            <a:pPr marL="0" marR="0" indent="0" algn="l" defTabSz="914400" rtl="0" eaLnBrk="1" fontAlgn="auto" latinLnBrk="0" hangingPunct="1">
-              <a:lnSpc>
-                <a:spcPct val="100000"/>
-              </a:lnSpc>
-              <a:spcBef>
-                <a:spcPts val="0"/>
-              </a:spcBef>
-              <a:spcAft>
-                <a:spcPts val="0"/>
-              </a:spcAft>
-              <a:buClrTx/>
-              <a:buSzTx/>
-              <a:buFontTx/>
-              <a:buNone/>
-              <a:tabLst/>
-              <a:defRPr/>
-            </a:pPr>
-            <a:r>
-              <a:rPr lang="en-US" dirty="0" smtClean="0"/>
-              <a:t>Data Source=(</a:t>
-            </a:r>
-            <a:r>
-              <a:rPr lang="en-US" dirty="0" err="1" smtClean="0"/>
-              <a:t>localdb</a:t>
-            </a:r>
-            <a:r>
-              <a:rPr lang="en-US" dirty="0" smtClean="0"/>
-              <a:t>)\</a:t>
-            </a:r>
-            <a:r>
-              <a:rPr lang="en-US" dirty="0" err="1" smtClean="0"/>
-              <a:t>mssqllocaldb;Initial</a:t>
-            </a:r>
-            <a:r>
-              <a:rPr lang="en-US" dirty="0" smtClean="0"/>
-              <a:t> Catalog=</a:t>
-            </a:r>
-            <a:r>
-              <a:rPr lang="en-US" dirty="0" err="1" smtClean="0"/>
-              <a:t>MusicStoreConnection;Integrated</a:t>
-            </a:r>
-            <a:r>
-              <a:rPr lang="en-US" dirty="0" smtClean="0"/>
-              <a:t> Security=True</a:t>
-            </a:r>
-          </a:p>
-          <a:p>
-            <a:r>
-              <a:rPr lang="en-US" sz="1200" kern="1200" dirty="0" smtClean="0">
-                <a:solidFill>
-                  <a:schemeClr val="tx1"/>
-                </a:solidFill>
-                <a:latin typeface="+mn-lt"/>
-                <a:ea typeface="+mn-ea"/>
-                <a:cs typeface="+mn-cs"/>
-              </a:rPr>
-              <a:t>public </a:t>
-            </a:r>
-            <a:r>
-              <a:rPr lang="en-US" sz="1200" kern="1200" dirty="0" err="1" smtClean="0">
-                <a:solidFill>
-                  <a:schemeClr val="tx1"/>
-                </a:solidFill>
-                <a:latin typeface="+mn-lt"/>
-                <a:ea typeface="+mn-ea"/>
-                <a:cs typeface="+mn-cs"/>
-              </a:rPr>
-              <a:t>MusicContext</a:t>
-            </a:r>
-            <a:r>
-              <a:rPr lang="en-US" sz="1200" kern="1200" dirty="0" smtClean="0">
-                <a:solidFill>
-                  <a:schemeClr val="tx1"/>
-                </a:solidFill>
-                <a:latin typeface="+mn-lt"/>
-                <a:ea typeface="+mn-ea"/>
-                <a:cs typeface="+mn-cs"/>
-              </a:rPr>
-              <a:t>()</a:t>
-            </a:r>
-          </a:p>
-          <a:p>
-            <a:r>
-              <a:rPr lang="en-US" sz="1200" kern="1200" dirty="0" smtClean="0">
-                <a:solidFill>
-                  <a:schemeClr val="tx1"/>
-                </a:solidFill>
-                <a:latin typeface="+mn-lt"/>
-                <a:ea typeface="+mn-ea"/>
-                <a:cs typeface="+mn-cs"/>
-              </a:rPr>
-              <a:t>    : base("</a:t>
-            </a:r>
-            <a:r>
-              <a:rPr lang="en-US" sz="1200" kern="1200" dirty="0" err="1" smtClean="0">
-                <a:solidFill>
-                  <a:schemeClr val="tx1"/>
-                </a:solidFill>
-                <a:latin typeface="+mn-lt"/>
-                <a:ea typeface="+mn-ea"/>
-                <a:cs typeface="+mn-cs"/>
-              </a:rPr>
-              <a:t>MusicStoreConnection</a:t>
-            </a:r>
-            <a:r>
-              <a:rPr lang="en-US" sz="1200" kern="1200" dirty="0" smtClean="0">
-                <a:solidFill>
-                  <a:schemeClr val="tx1"/>
-                </a:solidFill>
-                <a:latin typeface="+mn-lt"/>
-                <a:ea typeface="+mn-ea"/>
-                <a:cs typeface="+mn-cs"/>
-              </a:rPr>
-              <a:t>")</a:t>
-            </a:r>
-          </a:p>
-          <a:p>
-            <a:r>
-              <a:rPr lang="en-US" sz="1200" kern="1200" dirty="0" smtClean="0">
-                <a:solidFill>
-                  <a:schemeClr val="tx1"/>
-                </a:solidFill>
-                <a:latin typeface="+mn-lt"/>
-                <a:ea typeface="+mn-ea"/>
-                <a:cs typeface="+mn-cs"/>
-              </a:rPr>
-              <a:t>{</a:t>
-            </a:r>
-          </a:p>
-          <a:p>
-            <a:r>
-              <a:rPr lang="en-US" sz="1200" kern="1200" dirty="0" smtClean="0">
-                <a:solidFill>
-                  <a:schemeClr val="tx1"/>
-                </a:solidFill>
-                <a:latin typeface="+mn-lt"/>
-                <a:ea typeface="+mn-ea"/>
-                <a:cs typeface="+mn-cs"/>
-              </a:rPr>
-              <a:t>}</a:t>
-            </a:r>
-          </a:p>
-          <a:p>
-            <a:endParaRPr lang="en-US" dirty="0" smtClean="0"/>
+            <a:endParaRPr lang="en-US" dirty="0"/>
           </a:p>
         </p:txBody>
       </p:sp>
@@ -2753,7 +1385,7 @@
           <a:p>
             <a:fld id="{4CFD207A-07DF-40AD-A916-9872E089CE7A}" type="slidenum">
               <a:rPr lang="en-US" smtClean="0"/>
-              <a:t>17</a:t>
+              <a:t>19</a:t>
             </a:fld>
             <a:endParaRPr lang="en-US" dirty="0"/>
           </a:p>
@@ -2762,7 +1394,7 @@
     </p:spTree>
     <p:extLst>
       <p:ext uri="{BB962C8B-B14F-4D97-AF65-F5344CB8AC3E}">
-        <p14:creationId xmlns:p14="http://schemas.microsoft.com/office/powerpoint/2010/main" val="798992426"/>
+        <p14:creationId xmlns:p14="http://schemas.microsoft.com/office/powerpoint/2010/main" val="732209066"/>
       </p:ext>
     </p:extLst>
   </p:cSld>
@@ -2816,51 +1448,1150 @@
           <a:bodyPr/>
           <a:lstStyle/>
           <a:p>
+            <a:pPr marL="228600" indent="-228600">
+              <a:buAutoNum type="arabicPeriod"/>
+            </a:pPr>
             <a:r>
               <a:rPr lang="en-US" dirty="0" smtClean="0"/>
-              <a:t>Connection string can be double slash</a:t>
-            </a:r>
-          </a:p>
-          <a:p>
+              <a:t>Create a new console app,</a:t>
+            </a:r>
+            <a:r>
+              <a:rPr lang="en-US" baseline="0" dirty="0" smtClean="0"/>
+              <a:t> </a:t>
+            </a:r>
+            <a:r>
+              <a:rPr lang="en-US" baseline="0" smtClean="0"/>
+              <a:t>then we’ll do web.</a:t>
+            </a:r>
+            <a:endParaRPr lang="en-US" dirty="0" smtClean="0"/>
+          </a:p>
+          <a:p>
+            <a:pPr marL="228600" indent="-228600">
+              <a:buAutoNum type="arabicPeriod"/>
+            </a:pPr>
             <a:r>
               <a:rPr lang="en-US" dirty="0" smtClean="0"/>
-              <a:t>"Data Source=(</a:t>
-            </a:r>
-            <a:r>
-              <a:rPr lang="en-US" dirty="0" err="1" smtClean="0"/>
-              <a:t>localdb</a:t>
-            </a:r>
-            <a:r>
-              <a:rPr lang="en-US" dirty="0" smtClean="0"/>
-              <a:t>)\\</a:t>
-            </a:r>
-            <a:r>
-              <a:rPr lang="en-US" dirty="0" err="1" smtClean="0"/>
-              <a:t>mssqllocaldb;Initial</a:t>
-            </a:r>
-            <a:r>
-              <a:rPr lang="en-US" dirty="0" smtClean="0"/>
-              <a:t> Catalog=</a:t>
-            </a:r>
-            <a:r>
-              <a:rPr lang="en-US" dirty="0" err="1" smtClean="0"/>
-              <a:t>MusicStoreConnection;Integrated</a:t>
-            </a:r>
-            <a:r>
-              <a:rPr lang="en-US" dirty="0" smtClean="0"/>
-              <a:t> Security=</a:t>
-            </a:r>
-            <a:r>
-              <a:rPr lang="en-US" dirty="0" err="1" smtClean="0"/>
-              <a:t>True;MultipleActiveResultSets</a:t>
-            </a:r>
-            <a:r>
-              <a:rPr lang="en-US" dirty="0" smtClean="0"/>
-              <a:t>=True“</a:t>
-            </a:r>
-          </a:p>
-          <a:p>
-            <a:endParaRPr lang="en-US" dirty="0"/>
+              <a:t>Install-package EF</a:t>
+            </a:r>
+          </a:p>
+          <a:p>
+            <a:pPr marL="228600" indent="-228600">
+              <a:buAutoNum type="arabicPeriod"/>
+            </a:pPr>
+            <a:r>
+              <a:rPr lang="en-US" baseline="0" dirty="0" smtClean="0"/>
+              <a:t>Add class</a:t>
+            </a:r>
+          </a:p>
+          <a:p>
+            <a:pPr marL="228600" indent="-228600">
+              <a:buAutoNum type="arabicPeriod"/>
+            </a:pPr>
+            <a:endParaRPr lang="en-US" baseline="0" dirty="0" smtClean="0"/>
+          </a:p>
+          <a:p>
+            <a:pPr lvl="1"/>
+            <a:r>
+              <a:rPr lang="en-US" sz="1200" kern="1200" dirty="0" smtClean="0">
+                <a:solidFill>
+                  <a:schemeClr val="tx1"/>
+                </a:solidFill>
+                <a:latin typeface="+mn-lt"/>
+                <a:ea typeface="+mn-ea"/>
+                <a:cs typeface="+mn-cs"/>
+              </a:rPr>
+              <a:t>public class Album</a:t>
+            </a:r>
+          </a:p>
+          <a:p>
+            <a:pPr lvl="1"/>
+            <a:r>
+              <a:rPr lang="en-US" sz="1200" kern="1200" dirty="0" smtClean="0">
+                <a:solidFill>
+                  <a:schemeClr val="tx1"/>
+                </a:solidFill>
+                <a:latin typeface="+mn-lt"/>
+                <a:ea typeface="+mn-ea"/>
+                <a:cs typeface="+mn-cs"/>
+              </a:rPr>
+              <a:t>    {</a:t>
+            </a:r>
+          </a:p>
+          <a:p>
+            <a:pPr lvl="1"/>
+            <a:r>
+              <a:rPr lang="en-US" sz="1200" kern="1200" dirty="0" smtClean="0">
+                <a:solidFill>
+                  <a:schemeClr val="tx1"/>
+                </a:solidFill>
+                <a:latin typeface="+mn-lt"/>
+                <a:ea typeface="+mn-ea"/>
+                <a:cs typeface="+mn-cs"/>
+              </a:rPr>
+              <a:t>        public </a:t>
+            </a:r>
+            <a:r>
+              <a:rPr lang="en-US" sz="1200" kern="1200" dirty="0" err="1" smtClean="0">
+                <a:solidFill>
+                  <a:schemeClr val="tx1"/>
+                </a:solidFill>
+                <a:latin typeface="+mn-lt"/>
+                <a:ea typeface="+mn-ea"/>
+                <a:cs typeface="+mn-cs"/>
+              </a:rPr>
+              <a:t>int</a:t>
+            </a:r>
+            <a:r>
+              <a:rPr lang="en-US" sz="1200" kern="1200" dirty="0" smtClean="0">
+                <a:solidFill>
+                  <a:schemeClr val="tx1"/>
+                </a:solidFill>
+                <a:latin typeface="+mn-lt"/>
+                <a:ea typeface="+mn-ea"/>
+                <a:cs typeface="+mn-cs"/>
+              </a:rPr>
+              <a:t> </a:t>
+            </a:r>
+            <a:r>
+              <a:rPr lang="en-US" sz="1200" kern="1200" dirty="0" err="1" smtClean="0">
+                <a:solidFill>
+                  <a:schemeClr val="tx1"/>
+                </a:solidFill>
+                <a:latin typeface="+mn-lt"/>
+                <a:ea typeface="+mn-ea"/>
+                <a:cs typeface="+mn-cs"/>
+              </a:rPr>
+              <a:t>AlbumId</a:t>
+            </a:r>
+            <a:r>
+              <a:rPr lang="en-US" sz="1200" kern="1200" dirty="0" smtClean="0">
+                <a:solidFill>
+                  <a:schemeClr val="tx1"/>
+                </a:solidFill>
+                <a:latin typeface="+mn-lt"/>
+                <a:ea typeface="+mn-ea"/>
+                <a:cs typeface="+mn-cs"/>
+              </a:rPr>
+              <a:t> { get; set; }</a:t>
+            </a:r>
+          </a:p>
+          <a:p>
+            <a:pPr lvl="1"/>
+            <a:r>
+              <a:rPr lang="en-US" sz="1200" kern="1200" dirty="0" smtClean="0">
+                <a:solidFill>
+                  <a:schemeClr val="tx1"/>
+                </a:solidFill>
+                <a:latin typeface="+mn-lt"/>
+                <a:ea typeface="+mn-ea"/>
+                <a:cs typeface="+mn-cs"/>
+              </a:rPr>
+              <a:t>        public </a:t>
+            </a:r>
+            <a:r>
+              <a:rPr lang="en-US" sz="1200" kern="1200" dirty="0" err="1" smtClean="0">
+                <a:solidFill>
+                  <a:schemeClr val="tx1"/>
+                </a:solidFill>
+                <a:latin typeface="+mn-lt"/>
+                <a:ea typeface="+mn-ea"/>
+                <a:cs typeface="+mn-cs"/>
+              </a:rPr>
+              <a:t>int</a:t>
+            </a:r>
+            <a:r>
+              <a:rPr lang="en-US" sz="1200" kern="1200" dirty="0" smtClean="0">
+                <a:solidFill>
+                  <a:schemeClr val="tx1"/>
+                </a:solidFill>
+                <a:latin typeface="+mn-lt"/>
+                <a:ea typeface="+mn-ea"/>
+                <a:cs typeface="+mn-cs"/>
+              </a:rPr>
+              <a:t> </a:t>
+            </a:r>
+            <a:r>
+              <a:rPr lang="en-US" sz="1200" kern="1200" dirty="0" err="1" smtClean="0">
+                <a:solidFill>
+                  <a:schemeClr val="tx1"/>
+                </a:solidFill>
+                <a:latin typeface="+mn-lt"/>
+                <a:ea typeface="+mn-ea"/>
+                <a:cs typeface="+mn-cs"/>
+              </a:rPr>
+              <a:t>GenreId</a:t>
+            </a:r>
+            <a:r>
+              <a:rPr lang="en-US" sz="1200" kern="1200" dirty="0" smtClean="0">
+                <a:solidFill>
+                  <a:schemeClr val="tx1"/>
+                </a:solidFill>
+                <a:latin typeface="+mn-lt"/>
+                <a:ea typeface="+mn-ea"/>
+                <a:cs typeface="+mn-cs"/>
+              </a:rPr>
+              <a:t> { get; set; }</a:t>
+            </a:r>
+          </a:p>
+          <a:p>
+            <a:pPr lvl="1"/>
+            <a:r>
+              <a:rPr lang="en-US" sz="1200" kern="1200" dirty="0" smtClean="0">
+                <a:solidFill>
+                  <a:schemeClr val="tx1"/>
+                </a:solidFill>
+                <a:latin typeface="+mn-lt"/>
+                <a:ea typeface="+mn-ea"/>
+                <a:cs typeface="+mn-cs"/>
+              </a:rPr>
+              <a:t>        public </a:t>
+            </a:r>
+            <a:r>
+              <a:rPr lang="en-US" sz="1200" kern="1200" dirty="0" err="1" smtClean="0">
+                <a:solidFill>
+                  <a:schemeClr val="tx1"/>
+                </a:solidFill>
+                <a:latin typeface="+mn-lt"/>
+                <a:ea typeface="+mn-ea"/>
+                <a:cs typeface="+mn-cs"/>
+              </a:rPr>
+              <a:t>int</a:t>
+            </a:r>
+            <a:r>
+              <a:rPr lang="en-US" sz="1200" kern="1200" dirty="0" smtClean="0">
+                <a:solidFill>
+                  <a:schemeClr val="tx1"/>
+                </a:solidFill>
+                <a:latin typeface="+mn-lt"/>
+                <a:ea typeface="+mn-ea"/>
+                <a:cs typeface="+mn-cs"/>
+              </a:rPr>
+              <a:t> </a:t>
+            </a:r>
+            <a:r>
+              <a:rPr lang="en-US" sz="1200" kern="1200" dirty="0" err="1" smtClean="0">
+                <a:solidFill>
+                  <a:schemeClr val="tx1"/>
+                </a:solidFill>
+                <a:latin typeface="+mn-lt"/>
+                <a:ea typeface="+mn-ea"/>
+                <a:cs typeface="+mn-cs"/>
+              </a:rPr>
+              <a:t>ArtistId</a:t>
+            </a:r>
+            <a:r>
+              <a:rPr lang="en-US" sz="1200" kern="1200" dirty="0" smtClean="0">
+                <a:solidFill>
+                  <a:schemeClr val="tx1"/>
+                </a:solidFill>
+                <a:latin typeface="+mn-lt"/>
+                <a:ea typeface="+mn-ea"/>
+                <a:cs typeface="+mn-cs"/>
+              </a:rPr>
+              <a:t> { get; set; }</a:t>
+            </a:r>
+          </a:p>
+          <a:p>
+            <a:pPr lvl="1"/>
+            <a:r>
+              <a:rPr lang="en-US" sz="1200" kern="1200" dirty="0" smtClean="0">
+                <a:solidFill>
+                  <a:schemeClr val="tx1"/>
+                </a:solidFill>
+                <a:latin typeface="+mn-lt"/>
+                <a:ea typeface="+mn-ea"/>
+                <a:cs typeface="+mn-cs"/>
+              </a:rPr>
+              <a:t>        public string Title { get; set; }</a:t>
+            </a:r>
+          </a:p>
+          <a:p>
+            <a:pPr lvl="1"/>
+            <a:r>
+              <a:rPr lang="en-US" sz="1200" kern="1200" dirty="0" smtClean="0">
+                <a:solidFill>
+                  <a:schemeClr val="tx1"/>
+                </a:solidFill>
+                <a:latin typeface="+mn-lt"/>
+                <a:ea typeface="+mn-ea"/>
+                <a:cs typeface="+mn-cs"/>
+              </a:rPr>
+              <a:t>        public decimal Price { get; set; }</a:t>
+            </a:r>
+          </a:p>
+          <a:p>
+            <a:pPr lvl="1"/>
+            <a:r>
+              <a:rPr lang="en-US" sz="1200" kern="1200" dirty="0" smtClean="0">
+                <a:solidFill>
+                  <a:schemeClr val="tx1"/>
+                </a:solidFill>
+                <a:latin typeface="+mn-lt"/>
+                <a:ea typeface="+mn-ea"/>
+                <a:cs typeface="+mn-cs"/>
+              </a:rPr>
+              <a:t>        public string </a:t>
+            </a:r>
+            <a:r>
+              <a:rPr lang="en-US" sz="1200" kern="1200" dirty="0" err="1" smtClean="0">
+                <a:solidFill>
+                  <a:schemeClr val="tx1"/>
+                </a:solidFill>
+                <a:latin typeface="+mn-lt"/>
+                <a:ea typeface="+mn-ea"/>
+                <a:cs typeface="+mn-cs"/>
+              </a:rPr>
+              <a:t>AlbumArtUrl</a:t>
+            </a:r>
+            <a:r>
+              <a:rPr lang="en-US" sz="1200" kern="1200" dirty="0" smtClean="0">
+                <a:solidFill>
+                  <a:schemeClr val="tx1"/>
+                </a:solidFill>
+                <a:latin typeface="+mn-lt"/>
+                <a:ea typeface="+mn-ea"/>
+                <a:cs typeface="+mn-cs"/>
+              </a:rPr>
+              <a:t> { get; set; }</a:t>
+            </a:r>
+          </a:p>
+          <a:p>
+            <a:pPr lvl="1"/>
+            <a:r>
+              <a:rPr lang="en-US" sz="1200" kern="1200" dirty="0" smtClean="0">
+                <a:solidFill>
+                  <a:schemeClr val="tx1"/>
+                </a:solidFill>
+                <a:latin typeface="+mn-lt"/>
+                <a:ea typeface="+mn-ea"/>
+                <a:cs typeface="+mn-cs"/>
+              </a:rPr>
+              <a:t>    }</a:t>
+            </a:r>
+            <a:endParaRPr lang="en-US" baseline="0" dirty="0" smtClean="0"/>
+          </a:p>
+          <a:p>
+            <a:pPr marL="0" indent="0">
+              <a:buNone/>
+            </a:pPr>
+            <a:endParaRPr lang="en-US" baseline="0" dirty="0" smtClean="0"/>
+          </a:p>
+          <a:p>
+            <a:r>
+              <a:rPr lang="en-US" sz="1200" kern="1200" dirty="0" smtClean="0">
+                <a:solidFill>
+                  <a:schemeClr val="tx1"/>
+                </a:solidFill>
+                <a:latin typeface="+mn-lt"/>
+                <a:ea typeface="+mn-ea"/>
+                <a:cs typeface="+mn-cs"/>
+              </a:rPr>
+              <a:t> public class </a:t>
+            </a:r>
+            <a:r>
+              <a:rPr lang="en-US" sz="1200" kern="1200" dirty="0" err="1" smtClean="0">
+                <a:solidFill>
+                  <a:schemeClr val="tx1"/>
+                </a:solidFill>
+                <a:latin typeface="+mn-lt"/>
+                <a:ea typeface="+mn-ea"/>
+                <a:cs typeface="+mn-cs"/>
+              </a:rPr>
+              <a:t>MusicContext</a:t>
+            </a:r>
+            <a:r>
+              <a:rPr lang="en-US" sz="1200" kern="1200" dirty="0" smtClean="0">
+                <a:solidFill>
+                  <a:schemeClr val="tx1"/>
+                </a:solidFill>
+                <a:latin typeface="+mn-lt"/>
+                <a:ea typeface="+mn-ea"/>
+                <a:cs typeface="+mn-cs"/>
+              </a:rPr>
+              <a:t> : </a:t>
+            </a:r>
+            <a:r>
+              <a:rPr lang="en-US" sz="1200" kern="1200" dirty="0" err="1" smtClean="0">
+                <a:solidFill>
+                  <a:schemeClr val="tx1"/>
+                </a:solidFill>
+                <a:latin typeface="+mn-lt"/>
+                <a:ea typeface="+mn-ea"/>
+                <a:cs typeface="+mn-cs"/>
+              </a:rPr>
+              <a:t>DbContext</a:t>
+            </a:r>
+            <a:endParaRPr lang="en-US" sz="1200" kern="1200" dirty="0" smtClean="0">
+              <a:solidFill>
+                <a:schemeClr val="tx1"/>
+              </a:solidFill>
+              <a:latin typeface="+mn-lt"/>
+              <a:ea typeface="+mn-ea"/>
+              <a:cs typeface="+mn-cs"/>
+            </a:endParaRPr>
+          </a:p>
+          <a:p>
+            <a:r>
+              <a:rPr lang="en-US" sz="1200" kern="1200" dirty="0" smtClean="0">
+                <a:solidFill>
+                  <a:schemeClr val="tx1"/>
+                </a:solidFill>
+                <a:latin typeface="+mn-lt"/>
+                <a:ea typeface="+mn-ea"/>
+                <a:cs typeface="+mn-cs"/>
+              </a:rPr>
+              <a:t>    {</a:t>
+            </a:r>
+          </a:p>
+          <a:p>
+            <a:r>
+              <a:rPr lang="en-US" sz="1200" kern="1200" dirty="0" smtClean="0">
+                <a:solidFill>
+                  <a:schemeClr val="tx1"/>
+                </a:solidFill>
+                <a:latin typeface="+mn-lt"/>
+                <a:ea typeface="+mn-ea"/>
+                <a:cs typeface="+mn-cs"/>
+              </a:rPr>
+              <a:t>        public</a:t>
+            </a:r>
+            <a:r>
+              <a:rPr lang="en-US" sz="1200" kern="1200" baseline="0" dirty="0" smtClean="0">
+                <a:solidFill>
+                  <a:schemeClr val="tx1"/>
+                </a:solidFill>
+                <a:latin typeface="+mn-lt"/>
+                <a:ea typeface="+mn-ea"/>
+                <a:cs typeface="+mn-cs"/>
+              </a:rPr>
+              <a:t> </a:t>
+            </a:r>
+            <a:r>
+              <a:rPr lang="en-US" sz="1200" kern="1200" dirty="0" err="1" smtClean="0">
+                <a:solidFill>
+                  <a:schemeClr val="tx1"/>
+                </a:solidFill>
+                <a:latin typeface="+mn-lt"/>
+                <a:ea typeface="+mn-ea"/>
+                <a:cs typeface="+mn-cs"/>
+              </a:rPr>
+              <a:t>DbSet</a:t>
+            </a:r>
+            <a:r>
+              <a:rPr lang="en-US" sz="1200" kern="1200" dirty="0" smtClean="0">
+                <a:solidFill>
+                  <a:schemeClr val="tx1"/>
+                </a:solidFill>
+                <a:latin typeface="+mn-lt"/>
+                <a:ea typeface="+mn-ea"/>
+                <a:cs typeface="+mn-cs"/>
+              </a:rPr>
+              <a:t>&lt;Album&gt; Albums { get; set; }</a:t>
+            </a:r>
+          </a:p>
+          <a:p>
+            <a:r>
+              <a:rPr lang="en-US" sz="1200" kern="1200" dirty="0" smtClean="0">
+                <a:solidFill>
+                  <a:schemeClr val="tx1"/>
+                </a:solidFill>
+                <a:latin typeface="+mn-lt"/>
+                <a:ea typeface="+mn-ea"/>
+                <a:cs typeface="+mn-cs"/>
+              </a:rPr>
+              <a:t>    }</a:t>
+            </a:r>
+            <a:endParaRPr lang="en-US" baseline="0" dirty="0" smtClean="0"/>
+          </a:p>
+          <a:p>
+            <a:pPr marL="0" indent="0">
+              <a:buNone/>
+            </a:pPr>
+            <a:r>
+              <a:rPr lang="en-US" baseline="0" dirty="0" smtClean="0"/>
+              <a:t>4. </a:t>
+            </a:r>
+          </a:p>
+          <a:p>
+            <a:pPr marL="0" indent="0">
+              <a:buNone/>
+            </a:pPr>
+            <a:r>
+              <a:rPr lang="en-US" baseline="0" dirty="0" smtClean="0"/>
+              <a:t>Run the app. Explain the database is created because of connection string in the name in </a:t>
+            </a:r>
+            <a:r>
+              <a:rPr lang="en-US" baseline="0" dirty="0" err="1" smtClean="0"/>
+              <a:t>DbContext</a:t>
+            </a:r>
+            <a:endParaRPr lang="en-US" baseline="0" dirty="0" smtClean="0"/>
+          </a:p>
+          <a:p>
+            <a:pPr marL="0" indent="0">
+              <a:buNone/>
+            </a:pPr>
+            <a:r>
+              <a:rPr lang="en-US" baseline="0" dirty="0" smtClean="0"/>
+              <a:t>5. If </a:t>
+            </a:r>
+            <a:r>
+              <a:rPr lang="en-US" baseline="0" dirty="0" err="1" smtClean="0"/>
+              <a:t>DbContext</a:t>
+            </a:r>
+            <a:r>
+              <a:rPr lang="en-US" baseline="0" dirty="0" smtClean="0"/>
+              <a:t> doesn’t have a connect string, we look for the name of the context class connection string.</a:t>
+            </a:r>
+          </a:p>
+          <a:p>
+            <a:pPr marL="0" indent="0">
+              <a:buNone/>
+            </a:pPr>
+            <a:r>
+              <a:rPr lang="en-US" baseline="0" dirty="0" smtClean="0"/>
+              <a:t>If that’s not found, we try to create </a:t>
+            </a:r>
+            <a:r>
+              <a:rPr lang="en-US" baseline="0" dirty="0" err="1" smtClean="0"/>
+              <a:t>SQLExpress</a:t>
+            </a:r>
+            <a:r>
+              <a:rPr lang="en-US" baseline="0" dirty="0" smtClean="0"/>
+              <a:t>, local </a:t>
+            </a:r>
+            <a:r>
+              <a:rPr lang="en-US" baseline="0" dirty="0" err="1" smtClean="0"/>
+              <a:t>db</a:t>
+            </a:r>
+            <a:r>
+              <a:rPr lang="en-US" baseline="0" dirty="0" smtClean="0"/>
+              <a:t> 12, local </a:t>
+            </a:r>
+            <a:r>
+              <a:rPr lang="en-US" baseline="0" dirty="0" err="1" smtClean="0"/>
+              <a:t>db</a:t>
+            </a:r>
+            <a:r>
+              <a:rPr lang="en-US" baseline="0" dirty="0" smtClean="0"/>
+              <a:t> 11</a:t>
+            </a:r>
+          </a:p>
+          <a:p>
+            <a:pPr marL="0" indent="0">
+              <a:buNone/>
+            </a:pPr>
+            <a:r>
+              <a:rPr lang="en-US" baseline="0" dirty="0" smtClean="0"/>
+              <a:t>6. Add a connection string and show that new database</a:t>
+            </a:r>
+          </a:p>
+          <a:p>
+            <a:pPr marL="0" indent="0">
+              <a:buNone/>
+            </a:pPr>
+            <a:endParaRPr lang="en-US" baseline="0" dirty="0" smtClean="0"/>
+          </a:p>
+          <a:p>
+            <a:pPr marL="0" indent="0">
+              <a:buNone/>
+            </a:pPr>
+            <a:endParaRPr lang="en-US" baseline="0" dirty="0" smtClean="0"/>
+          </a:p>
+          <a:p>
+            <a:pPr marL="0" indent="0">
+              <a:buNone/>
+            </a:pPr>
+            <a:endParaRPr lang="en-US" baseline="0" dirty="0" smtClean="0"/>
+          </a:p>
+          <a:p>
+            <a:r>
+              <a:rPr lang="en-US" sz="1200" kern="1200" dirty="0" smtClean="0">
+                <a:solidFill>
+                  <a:schemeClr val="tx1"/>
+                </a:solidFill>
+                <a:latin typeface="+mn-lt"/>
+                <a:ea typeface="+mn-ea"/>
+                <a:cs typeface="+mn-cs"/>
+              </a:rPr>
+              <a:t> using (</a:t>
+            </a:r>
+            <a:r>
+              <a:rPr lang="en-US" sz="1200" kern="1200" dirty="0" err="1" smtClean="0">
+                <a:solidFill>
+                  <a:schemeClr val="tx1"/>
+                </a:solidFill>
+                <a:latin typeface="+mn-lt"/>
+                <a:ea typeface="+mn-ea"/>
+                <a:cs typeface="+mn-cs"/>
+              </a:rPr>
+              <a:t>var</a:t>
+            </a:r>
+            <a:r>
+              <a:rPr lang="en-US" sz="1200" kern="1200" dirty="0" smtClean="0">
+                <a:solidFill>
+                  <a:schemeClr val="tx1"/>
+                </a:solidFill>
+                <a:latin typeface="+mn-lt"/>
+                <a:ea typeface="+mn-ea"/>
+                <a:cs typeface="+mn-cs"/>
+              </a:rPr>
+              <a:t> context = new </a:t>
+            </a:r>
+            <a:r>
+              <a:rPr lang="en-US" sz="1200" kern="1200" dirty="0" err="1" smtClean="0">
+                <a:solidFill>
+                  <a:schemeClr val="tx1"/>
+                </a:solidFill>
+                <a:latin typeface="+mn-lt"/>
+                <a:ea typeface="+mn-ea"/>
+                <a:cs typeface="+mn-cs"/>
+              </a:rPr>
+              <a:t>MusicContext</a:t>
+            </a:r>
+            <a:r>
+              <a:rPr lang="en-US" sz="1200" kern="1200" dirty="0" smtClean="0">
+                <a:solidFill>
+                  <a:schemeClr val="tx1"/>
+                </a:solidFill>
+                <a:latin typeface="+mn-lt"/>
+                <a:ea typeface="+mn-ea"/>
+                <a:cs typeface="+mn-cs"/>
+              </a:rPr>
+              <a:t>())</a:t>
+            </a:r>
+          </a:p>
+          <a:p>
+            <a:r>
+              <a:rPr lang="en-US" sz="1200" kern="1200" dirty="0" smtClean="0">
+                <a:solidFill>
+                  <a:schemeClr val="tx1"/>
+                </a:solidFill>
+                <a:latin typeface="+mn-lt"/>
+                <a:ea typeface="+mn-ea"/>
+                <a:cs typeface="+mn-cs"/>
+              </a:rPr>
+              <a:t>            {</a:t>
+            </a:r>
+          </a:p>
+          <a:p>
+            <a:r>
+              <a:rPr lang="en-US" sz="1200" kern="1200" dirty="0" smtClean="0">
+                <a:solidFill>
+                  <a:schemeClr val="tx1"/>
+                </a:solidFill>
+                <a:latin typeface="+mn-lt"/>
+                <a:ea typeface="+mn-ea"/>
+                <a:cs typeface="+mn-cs"/>
+              </a:rPr>
+              <a:t>                </a:t>
+            </a:r>
+            <a:r>
+              <a:rPr lang="en-US" sz="1200" kern="1200" dirty="0" err="1" smtClean="0">
+                <a:solidFill>
+                  <a:schemeClr val="tx1"/>
+                </a:solidFill>
+                <a:latin typeface="+mn-lt"/>
+                <a:ea typeface="+mn-ea"/>
+                <a:cs typeface="+mn-cs"/>
+              </a:rPr>
+              <a:t>var</a:t>
+            </a:r>
+            <a:r>
+              <a:rPr lang="en-US" sz="1200" kern="1200" dirty="0" smtClean="0">
+                <a:solidFill>
+                  <a:schemeClr val="tx1"/>
+                </a:solidFill>
+                <a:latin typeface="+mn-lt"/>
+                <a:ea typeface="+mn-ea"/>
+                <a:cs typeface="+mn-cs"/>
+              </a:rPr>
+              <a:t> albums = </a:t>
+            </a:r>
+            <a:r>
+              <a:rPr lang="en-US" sz="1200" kern="1200" dirty="0" err="1" smtClean="0">
+                <a:solidFill>
+                  <a:schemeClr val="tx1"/>
+                </a:solidFill>
+                <a:latin typeface="+mn-lt"/>
+                <a:ea typeface="+mn-ea"/>
+                <a:cs typeface="+mn-cs"/>
+              </a:rPr>
+              <a:t>context.Albums.ToList</a:t>
+            </a:r>
+            <a:r>
+              <a:rPr lang="en-US" sz="1200" kern="1200" dirty="0" smtClean="0">
+                <a:solidFill>
+                  <a:schemeClr val="tx1"/>
+                </a:solidFill>
+                <a:latin typeface="+mn-lt"/>
+                <a:ea typeface="+mn-ea"/>
+                <a:cs typeface="+mn-cs"/>
+              </a:rPr>
+              <a:t>();</a:t>
+            </a:r>
+          </a:p>
+          <a:p>
+            <a:r>
+              <a:rPr lang="en-US" sz="1200" kern="1200" dirty="0" smtClean="0">
+                <a:solidFill>
+                  <a:schemeClr val="tx1"/>
+                </a:solidFill>
+                <a:latin typeface="+mn-lt"/>
+                <a:ea typeface="+mn-ea"/>
+                <a:cs typeface="+mn-cs"/>
+              </a:rPr>
+              <a:t>                </a:t>
+            </a:r>
+            <a:r>
+              <a:rPr lang="en-US" sz="1200" kern="1200" dirty="0" err="1" smtClean="0">
+                <a:solidFill>
+                  <a:schemeClr val="tx1"/>
+                </a:solidFill>
+                <a:latin typeface="+mn-lt"/>
+                <a:ea typeface="+mn-ea"/>
+                <a:cs typeface="+mn-cs"/>
+              </a:rPr>
+              <a:t>Console.WriteLine</a:t>
+            </a:r>
+            <a:r>
+              <a:rPr lang="en-US" sz="1200" kern="1200" dirty="0" smtClean="0">
+                <a:solidFill>
+                  <a:schemeClr val="tx1"/>
+                </a:solidFill>
+                <a:latin typeface="+mn-lt"/>
+                <a:ea typeface="+mn-ea"/>
+                <a:cs typeface="+mn-cs"/>
+              </a:rPr>
+              <a:t>(</a:t>
+            </a:r>
+            <a:r>
+              <a:rPr lang="en-US" sz="1200" kern="1200" dirty="0" err="1" smtClean="0">
+                <a:solidFill>
+                  <a:schemeClr val="tx1"/>
+                </a:solidFill>
+                <a:latin typeface="+mn-lt"/>
+                <a:ea typeface="+mn-ea"/>
+                <a:cs typeface="+mn-cs"/>
+              </a:rPr>
+              <a:t>albums.Count</a:t>
+            </a:r>
+            <a:r>
+              <a:rPr lang="en-US" sz="1200" kern="1200" dirty="0" smtClean="0">
+                <a:solidFill>
+                  <a:schemeClr val="tx1"/>
+                </a:solidFill>
+                <a:latin typeface="+mn-lt"/>
+                <a:ea typeface="+mn-ea"/>
+                <a:cs typeface="+mn-cs"/>
+              </a:rPr>
+              <a:t>());</a:t>
+            </a:r>
+          </a:p>
+          <a:p>
+            <a:endParaRPr lang="en-US" sz="1200" kern="1200" dirty="0" smtClean="0">
+              <a:solidFill>
+                <a:schemeClr val="tx1"/>
+              </a:solidFill>
+              <a:latin typeface="+mn-lt"/>
+              <a:ea typeface="+mn-ea"/>
+              <a:cs typeface="+mn-cs"/>
+            </a:endParaRPr>
+          </a:p>
+          <a:p>
+            <a:r>
+              <a:rPr lang="en-US" sz="1200" kern="1200" dirty="0" smtClean="0">
+                <a:solidFill>
+                  <a:schemeClr val="tx1"/>
+                </a:solidFill>
+                <a:latin typeface="+mn-lt"/>
+                <a:ea typeface="+mn-ea"/>
+                <a:cs typeface="+mn-cs"/>
+              </a:rPr>
+              <a:t>                </a:t>
+            </a:r>
+            <a:r>
+              <a:rPr lang="en-US" sz="1200" kern="1200" dirty="0" err="1" smtClean="0">
+                <a:solidFill>
+                  <a:schemeClr val="tx1"/>
+                </a:solidFill>
+                <a:latin typeface="+mn-lt"/>
+                <a:ea typeface="+mn-ea"/>
+                <a:cs typeface="+mn-cs"/>
+              </a:rPr>
+              <a:t>context.Albums.Add</a:t>
+            </a:r>
+            <a:r>
+              <a:rPr lang="en-US" sz="1200" kern="1200" dirty="0" smtClean="0">
+                <a:solidFill>
+                  <a:schemeClr val="tx1"/>
+                </a:solidFill>
+                <a:latin typeface="+mn-lt"/>
+                <a:ea typeface="+mn-ea"/>
+                <a:cs typeface="+mn-cs"/>
+              </a:rPr>
+              <a:t>(new Album() { </a:t>
+            </a:r>
+            <a:r>
+              <a:rPr lang="en-US" sz="1200" kern="1200" dirty="0" err="1" smtClean="0">
+                <a:solidFill>
+                  <a:schemeClr val="tx1"/>
+                </a:solidFill>
+                <a:latin typeface="+mn-lt"/>
+                <a:ea typeface="+mn-ea"/>
+                <a:cs typeface="+mn-cs"/>
+              </a:rPr>
+              <a:t>AlbumArtUrl</a:t>
+            </a:r>
+            <a:r>
+              <a:rPr lang="en-US" sz="1200" kern="1200" dirty="0" smtClean="0">
+                <a:solidFill>
+                  <a:schemeClr val="tx1"/>
+                </a:solidFill>
+                <a:latin typeface="+mn-lt"/>
+                <a:ea typeface="+mn-ea"/>
+                <a:cs typeface="+mn-cs"/>
+              </a:rPr>
+              <a:t>="http://no.com",</a:t>
+            </a:r>
+          </a:p>
+          <a:p>
+            <a:r>
+              <a:rPr lang="en-US" sz="1200" kern="1200" dirty="0" smtClean="0">
+                <a:solidFill>
+                  <a:schemeClr val="tx1"/>
+                </a:solidFill>
+                <a:latin typeface="+mn-lt"/>
+                <a:ea typeface="+mn-ea"/>
+                <a:cs typeface="+mn-cs"/>
+              </a:rPr>
+              <a:t>                </a:t>
+            </a:r>
+            <a:r>
+              <a:rPr lang="en-US" sz="1200" kern="1200" dirty="0" err="1" smtClean="0">
+                <a:solidFill>
+                  <a:schemeClr val="tx1"/>
+                </a:solidFill>
+                <a:latin typeface="+mn-lt"/>
+                <a:ea typeface="+mn-ea"/>
+                <a:cs typeface="+mn-cs"/>
+              </a:rPr>
+              <a:t>AlbumId</a:t>
+            </a:r>
+            <a:r>
+              <a:rPr lang="en-US" sz="1200" kern="1200" dirty="0" smtClean="0">
+                <a:solidFill>
+                  <a:schemeClr val="tx1"/>
+                </a:solidFill>
+                <a:latin typeface="+mn-lt"/>
+                <a:ea typeface="+mn-ea"/>
+                <a:cs typeface="+mn-cs"/>
+              </a:rPr>
+              <a:t>=1,</a:t>
+            </a:r>
+          </a:p>
+          <a:p>
+            <a:r>
+              <a:rPr lang="en-US" sz="1200" kern="1200" dirty="0" smtClean="0">
+                <a:solidFill>
+                  <a:schemeClr val="tx1"/>
+                </a:solidFill>
+                <a:latin typeface="+mn-lt"/>
+                <a:ea typeface="+mn-ea"/>
+                <a:cs typeface="+mn-cs"/>
+              </a:rPr>
+              <a:t>                </a:t>
+            </a:r>
+            <a:r>
+              <a:rPr lang="en-US" sz="1200" kern="1200" dirty="0" err="1" smtClean="0">
+                <a:solidFill>
+                  <a:schemeClr val="tx1"/>
+                </a:solidFill>
+                <a:latin typeface="+mn-lt"/>
+                <a:ea typeface="+mn-ea"/>
+                <a:cs typeface="+mn-cs"/>
+              </a:rPr>
+              <a:t>ArtistId</a:t>
+            </a:r>
+            <a:r>
+              <a:rPr lang="en-US" sz="1200" kern="1200" dirty="0" smtClean="0">
+                <a:solidFill>
+                  <a:schemeClr val="tx1"/>
+                </a:solidFill>
+                <a:latin typeface="+mn-lt"/>
+                <a:ea typeface="+mn-ea"/>
+                <a:cs typeface="+mn-cs"/>
+              </a:rPr>
+              <a:t>=1,</a:t>
+            </a:r>
+          </a:p>
+          <a:p>
+            <a:r>
+              <a:rPr lang="en-US" sz="1200" kern="1200" dirty="0" smtClean="0">
+                <a:solidFill>
+                  <a:schemeClr val="tx1"/>
+                </a:solidFill>
+                <a:latin typeface="+mn-lt"/>
+                <a:ea typeface="+mn-ea"/>
+                <a:cs typeface="+mn-cs"/>
+              </a:rPr>
+              <a:t>                </a:t>
+            </a:r>
+            <a:r>
+              <a:rPr lang="en-US" sz="1200" kern="1200" dirty="0" err="1" smtClean="0">
+                <a:solidFill>
+                  <a:schemeClr val="tx1"/>
+                </a:solidFill>
+                <a:latin typeface="+mn-lt"/>
+                <a:ea typeface="+mn-ea"/>
+                <a:cs typeface="+mn-cs"/>
+              </a:rPr>
+              <a:t>GenreId</a:t>
+            </a:r>
+            <a:r>
+              <a:rPr lang="en-US" sz="1200" kern="1200" dirty="0" smtClean="0">
+                <a:solidFill>
+                  <a:schemeClr val="tx1"/>
+                </a:solidFill>
+                <a:latin typeface="+mn-lt"/>
+                <a:ea typeface="+mn-ea"/>
+                <a:cs typeface="+mn-cs"/>
+              </a:rPr>
+              <a:t>=2,</a:t>
+            </a:r>
+          </a:p>
+          <a:p>
+            <a:r>
+              <a:rPr lang="en-US" sz="1200" kern="1200" dirty="0" smtClean="0">
+                <a:solidFill>
+                  <a:schemeClr val="tx1"/>
+                </a:solidFill>
+                <a:latin typeface="+mn-lt"/>
+                <a:ea typeface="+mn-ea"/>
+                <a:cs typeface="+mn-cs"/>
+              </a:rPr>
+              <a:t>                Price=9.99m,</a:t>
+            </a:r>
+          </a:p>
+          <a:p>
+            <a:r>
+              <a:rPr lang="en-US" sz="1200" kern="1200" dirty="0" smtClean="0">
+                <a:solidFill>
+                  <a:schemeClr val="tx1"/>
+                </a:solidFill>
+                <a:latin typeface="+mn-lt"/>
+                <a:ea typeface="+mn-ea"/>
+                <a:cs typeface="+mn-cs"/>
+              </a:rPr>
+              <a:t>                Title="My Album"});</a:t>
+            </a:r>
+          </a:p>
+          <a:p>
+            <a:endParaRPr lang="en-US" sz="1200" kern="1200" dirty="0" smtClean="0">
+              <a:solidFill>
+                <a:schemeClr val="tx1"/>
+              </a:solidFill>
+              <a:latin typeface="+mn-lt"/>
+              <a:ea typeface="+mn-ea"/>
+              <a:cs typeface="+mn-cs"/>
+            </a:endParaRPr>
+          </a:p>
+          <a:p>
+            <a:r>
+              <a:rPr lang="en-US" sz="1200" kern="1200" dirty="0" smtClean="0">
+                <a:solidFill>
+                  <a:schemeClr val="tx1"/>
+                </a:solidFill>
+                <a:latin typeface="+mn-lt"/>
+                <a:ea typeface="+mn-ea"/>
+                <a:cs typeface="+mn-cs"/>
+              </a:rPr>
+              <a:t>                </a:t>
+            </a:r>
+            <a:r>
+              <a:rPr lang="en-US" sz="1200" kern="1200" dirty="0" err="1" smtClean="0">
+                <a:solidFill>
+                  <a:schemeClr val="tx1"/>
+                </a:solidFill>
+                <a:latin typeface="+mn-lt"/>
+                <a:ea typeface="+mn-ea"/>
+                <a:cs typeface="+mn-cs"/>
+              </a:rPr>
+              <a:t>context.SaveChanges</a:t>
+            </a:r>
+            <a:r>
+              <a:rPr lang="en-US" sz="1200" kern="1200" dirty="0" smtClean="0">
+                <a:solidFill>
+                  <a:schemeClr val="tx1"/>
+                </a:solidFill>
+                <a:latin typeface="+mn-lt"/>
+                <a:ea typeface="+mn-ea"/>
+                <a:cs typeface="+mn-cs"/>
+              </a:rPr>
+              <a:t>();</a:t>
+            </a:r>
+          </a:p>
+          <a:p>
+            <a:endParaRPr lang="en-US" sz="1200" kern="1200" dirty="0" smtClean="0">
+              <a:solidFill>
+                <a:schemeClr val="tx1"/>
+              </a:solidFill>
+              <a:latin typeface="+mn-lt"/>
+              <a:ea typeface="+mn-ea"/>
+              <a:cs typeface="+mn-cs"/>
+            </a:endParaRPr>
+          </a:p>
+          <a:p>
+            <a:r>
+              <a:rPr lang="en-US" sz="1200" kern="1200" dirty="0" smtClean="0">
+                <a:solidFill>
+                  <a:schemeClr val="tx1"/>
+                </a:solidFill>
+                <a:latin typeface="+mn-lt"/>
+                <a:ea typeface="+mn-ea"/>
+                <a:cs typeface="+mn-cs"/>
+              </a:rPr>
+              <a:t>                </a:t>
+            </a:r>
+          </a:p>
+          <a:p>
+            <a:r>
+              <a:rPr lang="en-US" sz="1200" kern="1200" dirty="0" smtClean="0">
+                <a:solidFill>
+                  <a:schemeClr val="tx1"/>
+                </a:solidFill>
+                <a:latin typeface="+mn-lt"/>
+                <a:ea typeface="+mn-ea"/>
+                <a:cs typeface="+mn-cs"/>
+              </a:rPr>
+              <a:t>                albums = </a:t>
+            </a:r>
+            <a:r>
+              <a:rPr lang="en-US" sz="1200" kern="1200" dirty="0" err="1" smtClean="0">
+                <a:solidFill>
+                  <a:schemeClr val="tx1"/>
+                </a:solidFill>
+                <a:latin typeface="+mn-lt"/>
+                <a:ea typeface="+mn-ea"/>
+                <a:cs typeface="+mn-cs"/>
+              </a:rPr>
+              <a:t>context.Albums.ToList</a:t>
+            </a:r>
+            <a:r>
+              <a:rPr lang="en-US" sz="1200" kern="1200" dirty="0" smtClean="0">
+                <a:solidFill>
+                  <a:schemeClr val="tx1"/>
+                </a:solidFill>
+                <a:latin typeface="+mn-lt"/>
+                <a:ea typeface="+mn-ea"/>
+                <a:cs typeface="+mn-cs"/>
+              </a:rPr>
+              <a:t>();</a:t>
+            </a:r>
+          </a:p>
+          <a:p>
+            <a:r>
+              <a:rPr lang="en-US" sz="1200" kern="1200" dirty="0" smtClean="0">
+                <a:solidFill>
+                  <a:schemeClr val="tx1"/>
+                </a:solidFill>
+                <a:latin typeface="+mn-lt"/>
+                <a:ea typeface="+mn-ea"/>
+                <a:cs typeface="+mn-cs"/>
+              </a:rPr>
+              <a:t>                </a:t>
+            </a:r>
+            <a:r>
+              <a:rPr lang="en-US" sz="1200" kern="1200" dirty="0" err="1" smtClean="0">
+                <a:solidFill>
+                  <a:schemeClr val="tx1"/>
+                </a:solidFill>
+                <a:latin typeface="+mn-lt"/>
+                <a:ea typeface="+mn-ea"/>
+                <a:cs typeface="+mn-cs"/>
+              </a:rPr>
+              <a:t>Console.WriteLine</a:t>
+            </a:r>
+            <a:r>
+              <a:rPr lang="en-US" sz="1200" kern="1200" dirty="0" smtClean="0">
+                <a:solidFill>
+                  <a:schemeClr val="tx1"/>
+                </a:solidFill>
+                <a:latin typeface="+mn-lt"/>
+                <a:ea typeface="+mn-ea"/>
+                <a:cs typeface="+mn-cs"/>
+              </a:rPr>
+              <a:t>(</a:t>
+            </a:r>
+            <a:r>
+              <a:rPr lang="en-US" sz="1200" kern="1200" dirty="0" err="1" smtClean="0">
+                <a:solidFill>
+                  <a:schemeClr val="tx1"/>
+                </a:solidFill>
+                <a:latin typeface="+mn-lt"/>
+                <a:ea typeface="+mn-ea"/>
+                <a:cs typeface="+mn-cs"/>
+              </a:rPr>
+              <a:t>albums.Count</a:t>
+            </a:r>
+            <a:r>
+              <a:rPr lang="en-US" sz="1200" kern="1200" dirty="0" smtClean="0">
+                <a:solidFill>
+                  <a:schemeClr val="tx1"/>
+                </a:solidFill>
+                <a:latin typeface="+mn-lt"/>
+                <a:ea typeface="+mn-ea"/>
+                <a:cs typeface="+mn-cs"/>
+              </a:rPr>
+              <a:t>());</a:t>
+            </a:r>
+          </a:p>
+          <a:p>
+            <a:r>
+              <a:rPr lang="en-US" sz="1200" kern="1200" dirty="0" smtClean="0">
+                <a:solidFill>
+                  <a:schemeClr val="tx1"/>
+                </a:solidFill>
+                <a:latin typeface="+mn-lt"/>
+                <a:ea typeface="+mn-ea"/>
+                <a:cs typeface="+mn-cs"/>
+              </a:rPr>
+              <a:t>                </a:t>
+            </a:r>
+          </a:p>
+          <a:p>
+            <a:r>
+              <a:rPr lang="en-US" sz="1200" kern="1200" dirty="0" smtClean="0">
+                <a:solidFill>
+                  <a:schemeClr val="tx1"/>
+                </a:solidFill>
+                <a:latin typeface="+mn-lt"/>
+                <a:ea typeface="+mn-ea"/>
+                <a:cs typeface="+mn-cs"/>
+              </a:rPr>
+              <a:t>                </a:t>
+            </a:r>
+          </a:p>
+          <a:p>
+            <a:r>
+              <a:rPr lang="en-US" sz="1200" kern="1200" dirty="0" smtClean="0">
+                <a:solidFill>
+                  <a:schemeClr val="tx1"/>
+                </a:solidFill>
+                <a:latin typeface="+mn-lt"/>
+                <a:ea typeface="+mn-ea"/>
+                <a:cs typeface="+mn-cs"/>
+              </a:rPr>
+              <a:t>            }</a:t>
+            </a:r>
+          </a:p>
+          <a:p>
+            <a:endParaRPr lang="en-US" baseline="0" dirty="0" smtClean="0"/>
+          </a:p>
+          <a:p>
+            <a:pPr marL="0" indent="0">
+              <a:buNone/>
+            </a:pPr>
+            <a:endParaRPr lang="en-US" baseline="0" dirty="0" smtClean="0"/>
           </a:p>
         </p:txBody>
       </p:sp>
@@ -2881,7 +2612,7 @@
           <a:p>
             <a:fld id="{4CFD207A-07DF-40AD-A916-9872E089CE7A}" type="slidenum">
               <a:rPr lang="en-US" smtClean="0"/>
-              <a:t>18</a:t>
+              <a:t>20</a:t>
             </a:fld>
             <a:endParaRPr lang="en-US" dirty="0"/>
           </a:p>
@@ -2890,7 +2621,7 @@
     </p:spTree>
     <p:extLst>
       <p:ext uri="{BB962C8B-B14F-4D97-AF65-F5344CB8AC3E}">
-        <p14:creationId xmlns:p14="http://schemas.microsoft.com/office/powerpoint/2010/main" val="1249411103"/>
+        <p14:creationId xmlns:p14="http://schemas.microsoft.com/office/powerpoint/2010/main" val="2360327334"/>
       </p:ext>
     </p:extLst>
   </p:cSld>
@@ -2944,6 +2675,147 @@
           <a:bodyPr/>
           <a:lstStyle/>
           <a:p>
+            <a:pPr marL="0" marR="0" indent="0" algn="l" defTabSz="914400" rtl="0" eaLnBrk="1" fontAlgn="auto" latinLnBrk="0" hangingPunct="1">
+              <a:lnSpc>
+                <a:spcPct val="100000"/>
+              </a:lnSpc>
+              <a:spcBef>
+                <a:spcPts val="0"/>
+              </a:spcBef>
+              <a:spcAft>
+                <a:spcPts val="0"/>
+              </a:spcAft>
+              <a:buClrTx/>
+              <a:buSzTx/>
+              <a:buFontTx/>
+              <a:buNone/>
+              <a:tabLst/>
+              <a:defRPr/>
+            </a:pPr>
+            <a:r>
+              <a:rPr lang="en-US" dirty="0" smtClean="0"/>
+              <a:t>SHOW HOW TO STORE CREDENTIALS as a best practice?</a:t>
+            </a:r>
+          </a:p>
+          <a:p>
+            <a:pPr marL="0" marR="0" indent="0" algn="l" defTabSz="914400" rtl="0" eaLnBrk="1" fontAlgn="auto" latinLnBrk="0" hangingPunct="1">
+              <a:lnSpc>
+                <a:spcPct val="100000"/>
+              </a:lnSpc>
+              <a:spcBef>
+                <a:spcPts val="0"/>
+              </a:spcBef>
+              <a:spcAft>
+                <a:spcPts val="0"/>
+              </a:spcAft>
+              <a:buClrTx/>
+              <a:buSzTx/>
+              <a:buFontTx/>
+              <a:buNone/>
+              <a:tabLst/>
+              <a:defRPr/>
+            </a:pPr>
+            <a:endParaRPr lang="en-US" dirty="0" smtClean="0"/>
+          </a:p>
+          <a:p>
+            <a:pPr marL="0" marR="0" indent="0" algn="l" defTabSz="914400" rtl="0" eaLnBrk="1" fontAlgn="auto" latinLnBrk="0" hangingPunct="1">
+              <a:lnSpc>
+                <a:spcPct val="100000"/>
+              </a:lnSpc>
+              <a:spcBef>
+                <a:spcPts val="0"/>
+              </a:spcBef>
+              <a:spcAft>
+                <a:spcPts val="0"/>
+              </a:spcAft>
+              <a:buClrTx/>
+              <a:buSzTx/>
+              <a:buFontTx/>
+              <a:buNone/>
+              <a:tabLst/>
+              <a:defRPr/>
+            </a:pPr>
+            <a:endParaRPr lang="en-US" dirty="0" smtClean="0"/>
+          </a:p>
+          <a:p>
+            <a:pPr marL="0" marR="0" indent="0" algn="l" defTabSz="914400" rtl="0" eaLnBrk="1" fontAlgn="auto" latinLnBrk="0" hangingPunct="1">
+              <a:lnSpc>
+                <a:spcPct val="100000"/>
+              </a:lnSpc>
+              <a:spcBef>
+                <a:spcPts val="0"/>
+              </a:spcBef>
+              <a:spcAft>
+                <a:spcPts val="0"/>
+              </a:spcAft>
+              <a:buClrTx/>
+              <a:buSzTx/>
+              <a:buFontTx/>
+              <a:buNone/>
+              <a:tabLst/>
+              <a:defRPr/>
+            </a:pPr>
+            <a:r>
+              <a:rPr lang="en-US" dirty="0" smtClean="0"/>
+              <a:t>DB name will be that of the connection string name, </a:t>
+            </a:r>
+            <a:r>
+              <a:rPr lang="en-US" dirty="0" err="1" smtClean="0"/>
+              <a:t>ie</a:t>
+            </a:r>
+            <a:r>
+              <a:rPr lang="en-US" dirty="0" smtClean="0"/>
+              <a:t> </a:t>
+            </a:r>
+          </a:p>
+          <a:p>
+            <a:pPr marL="0" marR="0" indent="0" algn="l" defTabSz="914400" rtl="0" eaLnBrk="1" fontAlgn="auto" latinLnBrk="0" hangingPunct="1">
+              <a:lnSpc>
+                <a:spcPct val="100000"/>
+              </a:lnSpc>
+              <a:spcBef>
+                <a:spcPts val="0"/>
+              </a:spcBef>
+              <a:spcAft>
+                <a:spcPts val="0"/>
+              </a:spcAft>
+              <a:buClrTx/>
+              <a:buSzTx/>
+              <a:buFontTx/>
+              <a:buNone/>
+              <a:tabLst/>
+              <a:defRPr/>
+            </a:pPr>
+            <a:r>
+              <a:rPr lang="en-US" dirty="0" smtClean="0"/>
+              <a:t>Data Source=(</a:t>
+            </a:r>
+            <a:r>
+              <a:rPr lang="en-US" dirty="0" err="1" smtClean="0"/>
+              <a:t>localdb</a:t>
+            </a:r>
+            <a:r>
+              <a:rPr lang="en-US" dirty="0" smtClean="0"/>
+              <a:t>)\</a:t>
+            </a:r>
+            <a:r>
+              <a:rPr lang="en-US" dirty="0" err="1" smtClean="0"/>
+              <a:t>mssqllocaldb;Initial</a:t>
+            </a:r>
+            <a:r>
+              <a:rPr lang="en-US" dirty="0" smtClean="0"/>
+              <a:t> Catalog=</a:t>
+            </a:r>
+            <a:r>
+              <a:rPr lang="en-US" dirty="0" err="1" smtClean="0"/>
+              <a:t>MusicStoreConnection;Integrated</a:t>
+            </a:r>
+            <a:r>
+              <a:rPr lang="en-US" dirty="0" smtClean="0"/>
+              <a:t> Security=True</a:t>
+            </a:r>
+          </a:p>
+          <a:p>
             <a:r>
               <a:rPr lang="en-US" sz="1200" kern="1200" dirty="0" smtClean="0">
                 <a:solidFill>
@@ -2953,10 +2825,8 @@
                 <a:ea typeface="+mn-ea"/>
                 <a:cs typeface="+mn-cs"/>
               </a:rPr>
-              <a:t>//View queries</a:t>
-            </a:r>
-          </a:p>
-          <a:p>
+              <a:t>public </a:t>
+            </a:r>
             <a:r>
               <a:rPr lang="en-US" sz="1200" kern="1200" dirty="0" err="1" smtClean="0">
                 <a:solidFill>
@@ -2966,7 +2836,7 @@
                 <a:ea typeface="+mn-ea"/>
                 <a:cs typeface="+mn-cs"/>
               </a:rPr>
-              <a:t>context.Database.Log</a:t>
+              <a:t>MusicContext</a:t>
             </a:r>
             <a:r>
               <a:rPr lang="en-US" sz="1200" kern="1200" dirty="0" smtClean="0">
@@ -2977,10 +2847,12 @@
                 <a:ea typeface="+mn-ea"/>
                 <a:cs typeface="+mn-cs"/>
               </a:rPr>
-              <a:t> = s =&gt; </a:t>
-            </a:r>
-            <a:r>
-              <a:rPr lang="en-US" sz="1200" kern="1200" dirty="0" err="1" smtClean="0">
+              <a:t>()</a:t>
+            </a:r>
+          </a:p>
+          <a:p>
+            <a:r>
+              <a:rPr lang="en-US" sz="1200" kern="1200" dirty="0" smtClean="0">
                 <a:solidFill>
                   <a:schemeClr val="tx1"/>
                 </a:solidFill>
@@ -2988,10 +2860,10 @@
                 <a:ea typeface="+mn-ea"/>
                 <a:cs typeface="+mn-cs"/>
               </a:rPr>
-              <a:t>Console.WriteLine</a:t>
-            </a:r>
-            <a:r>
-              <a:rPr lang="en-US" sz="1200" kern="1200" dirty="0" smtClean="0">
+              <a:t>    : base("</a:t>
+            </a:r>
+            <a:r>
+              <a:rPr lang="en-US" sz="1200" kern="1200" dirty="0" err="1" smtClean="0">
                 <a:solidFill>
                   <a:schemeClr val="tx1"/>
                 </a:solidFill>
@@ -2999,20 +2871,8 @@
                 <a:ea typeface="+mn-ea"/>
                 <a:cs typeface="+mn-cs"/>
               </a:rPr>
-              <a:t>(s);</a:t>
-            </a:r>
-          </a:p>
-          <a:p>
-            <a:endParaRPr lang="en-US" sz="1200" kern="1200" dirty="0" smtClean="0">
-              <a:solidFill>
-                <a:schemeClr val="tx1"/>
-              </a:solidFill>
-              <a:latin typeface="+mn-lt"/>
-              <a:ea typeface="+mn-ea"/>
-              <a:cs typeface="+mn-cs"/>
-            </a:endParaRPr>
-          </a:p>
-          <a:p>
+              <a:t>MusicStoreConnection</a:t>
+            </a:r>
             <a:r>
               <a:rPr lang="en-US" sz="1200" kern="1200" dirty="0" smtClean="0">
                 <a:solidFill>
@@ -3022,12 +2882,12 @@
                 <a:ea typeface="+mn-ea"/>
                 <a:cs typeface="+mn-cs"/>
               </a:rPr>
-              <a:t>//Log connection</a:t>
-            </a:r>
-          </a:p>
-          <a:p>
-            <a:r>
-              <a:rPr lang="en-US" sz="1200" kern="1200" dirty="0" err="1" smtClean="0">
+              <a:t>")</a:t>
+            </a:r>
+          </a:p>
+          <a:p>
+            <a:r>
+              <a:rPr lang="en-US" sz="1200" kern="1200" dirty="0" smtClean="0">
                 <a:solidFill>
                   <a:schemeClr val="tx1"/>
                 </a:solidFill>
@@ -3035,8 +2895,10 @@
                 <a:ea typeface="+mn-ea"/>
                 <a:cs typeface="+mn-cs"/>
               </a:rPr>
-              <a:t>Console.WriteLine</a:t>
-            </a:r>
+              <a:t>{</a:t>
+            </a:r>
+          </a:p>
+          <a:p>
             <a:r>
               <a:rPr lang="en-US" sz="1200" kern="1200" dirty="0" smtClean="0">
                 <a:solidFill>
@@ -3046,304 +2908,11 @@
                 <a:ea typeface="+mn-ea"/>
                 <a:cs typeface="+mn-cs"/>
               </a:rPr>
-              <a:t>(</a:t>
-            </a:r>
-            <a:r>
-              <a:rPr lang="en-US" sz="1200" kern="1200" dirty="0" err="1" smtClean="0">
-                <a:solidFill>
-                  <a:schemeClr val="tx1"/>
-                </a:solidFill>
-                <a:latin typeface="+mn-lt"/>
-                <a:ea typeface="+mn-ea"/>
-                <a:cs typeface="+mn-cs"/>
-              </a:rPr>
-              <a:t>context.Database.Connection.ConnectionString</a:t>
-            </a:r>
-            <a:r>
-              <a:rPr lang="en-US" sz="1200" kern="1200" dirty="0" smtClean="0">
-                <a:solidFill>
-                  <a:schemeClr val="tx1"/>
-                </a:solidFill>
-                <a:latin typeface="+mn-lt"/>
-                <a:ea typeface="+mn-ea"/>
-                <a:cs typeface="+mn-cs"/>
-              </a:rPr>
-              <a:t>);</a:t>
+              <a:t>}</a:t>
             </a:r>
           </a:p>
           <a:p>
             <a:endParaRPr lang="en-US" dirty="0" smtClean="0"/>
-          </a:p>
-          <a:p>
-            <a:r>
-              <a:rPr lang="en-US" dirty="0" smtClean="0"/>
-              <a:t>Using glimpse</a:t>
-            </a:r>
-          </a:p>
-          <a:p>
-            <a:r>
-              <a:rPr lang="en-US" dirty="0" smtClean="0"/>
-              <a:t>Install-package</a:t>
-            </a:r>
-            <a:r>
-              <a:rPr lang="en-US" baseline="0" dirty="0" smtClean="0"/>
-              <a:t> glimpse.mvc5</a:t>
-            </a:r>
-          </a:p>
-          <a:p>
-            <a:r>
-              <a:rPr lang="en-US" baseline="0" dirty="0" smtClean="0"/>
-              <a:t>install-package </a:t>
-            </a:r>
-            <a:r>
-              <a:rPr lang="en-US" baseline="0" dirty="0" err="1" smtClean="0"/>
-              <a:t>glimpse.entityframework</a:t>
-            </a:r>
-            <a:endParaRPr lang="en-US" baseline="0" dirty="0" smtClean="0"/>
-          </a:p>
-          <a:p>
-            <a:endParaRPr lang="en-US" baseline="0" dirty="0" smtClean="0"/>
-          </a:p>
-          <a:p>
-            <a:r>
-              <a:rPr lang="en-US" baseline="0" dirty="0" smtClean="0"/>
-              <a:t>Inside the </a:t>
-            </a:r>
-            <a:r>
-              <a:rPr lang="en-US" sz="1200" kern="1200" dirty="0" smtClean="0">
-                <a:solidFill>
-                  <a:schemeClr val="tx1"/>
-                </a:solidFill>
-                <a:latin typeface="+mn-lt"/>
-                <a:ea typeface="+mn-ea"/>
-                <a:cs typeface="+mn-cs"/>
-              </a:rPr>
-              <a:t>&lt;</a:t>
-            </a:r>
-            <a:r>
-              <a:rPr lang="en-US" sz="1200" kern="1200" dirty="0" err="1" smtClean="0">
-                <a:solidFill>
-                  <a:schemeClr val="tx1"/>
-                </a:solidFill>
-                <a:latin typeface="+mn-lt"/>
-                <a:ea typeface="+mn-ea"/>
-                <a:cs typeface="+mn-cs"/>
-              </a:rPr>
-              <a:t>entityFramework</a:t>
-            </a:r>
-            <a:r>
-              <a:rPr lang="en-US" sz="1200" kern="1200" dirty="0" smtClean="0">
-                <a:solidFill>
-                  <a:schemeClr val="tx1"/>
-                </a:solidFill>
-                <a:latin typeface="+mn-lt"/>
-                <a:ea typeface="+mn-ea"/>
-                <a:cs typeface="+mn-cs"/>
-              </a:rPr>
-              <a:t>&gt; element</a:t>
-            </a:r>
-            <a:endParaRPr lang="en-US" baseline="0" dirty="0" smtClean="0"/>
-          </a:p>
-          <a:p>
-            <a:pPr rtl="0" fontAlgn="base"/>
-            <a:r>
-              <a:rPr lang="en-US" sz="1200" b="0" i="0" kern="1200" dirty="0" smtClean="0">
-                <a:solidFill>
-                  <a:schemeClr val="tx1"/>
-                </a:solidFill>
-                <a:effectLst/>
-                <a:latin typeface="+mn-lt"/>
-                <a:ea typeface="+mn-ea"/>
-                <a:cs typeface="+mn-cs"/>
-              </a:rPr>
-              <a:t>&lt;interceptors&gt;</a:t>
-            </a:r>
-          </a:p>
-          <a:p>
-            <a:pPr rtl="0" fontAlgn="base"/>
-            <a:r>
-              <a:rPr lang="en-US" sz="1200" b="0" i="0" kern="1200" dirty="0" smtClean="0">
-                <a:solidFill>
-                  <a:schemeClr val="tx1"/>
-                </a:solidFill>
-                <a:effectLst/>
-                <a:latin typeface="+mn-lt"/>
-                <a:ea typeface="+mn-ea"/>
-                <a:cs typeface="+mn-cs"/>
-              </a:rPr>
-              <a:t>  &lt;interceptor type="</a:t>
-            </a:r>
-            <a:r>
-              <a:rPr lang="en-US" sz="1200" b="0" i="0" kern="1200" dirty="0" err="1" smtClean="0">
-                <a:solidFill>
-                  <a:schemeClr val="tx1"/>
-                </a:solidFill>
-                <a:effectLst/>
-                <a:latin typeface="+mn-lt"/>
-                <a:ea typeface="+mn-ea"/>
-                <a:cs typeface="+mn-cs"/>
-              </a:rPr>
-              <a:t>System.Data.Entity.Infrastructure.Interception.DatabaseLogger</a:t>
-            </a:r>
-            <a:r>
-              <a:rPr lang="en-US" sz="1200" b="0" i="0" kern="1200" dirty="0" smtClean="0">
-                <a:solidFill>
-                  <a:schemeClr val="tx1"/>
-                </a:solidFill>
-                <a:effectLst/>
-                <a:latin typeface="+mn-lt"/>
-                <a:ea typeface="+mn-ea"/>
-                <a:cs typeface="+mn-cs"/>
-              </a:rPr>
-              <a:t>, </a:t>
-            </a:r>
-            <a:r>
-              <a:rPr lang="en-US" sz="1200" b="0" i="0" kern="1200" dirty="0" err="1" smtClean="0">
-                <a:solidFill>
-                  <a:schemeClr val="tx1"/>
-                </a:solidFill>
-                <a:effectLst/>
-                <a:latin typeface="+mn-lt"/>
-                <a:ea typeface="+mn-ea"/>
-                <a:cs typeface="+mn-cs"/>
-              </a:rPr>
-              <a:t>EntityFramework</a:t>
-            </a:r>
-            <a:r>
-              <a:rPr lang="en-US" sz="1200" b="0" i="0" kern="1200" dirty="0" smtClean="0">
-                <a:solidFill>
-                  <a:schemeClr val="tx1"/>
-                </a:solidFill>
-                <a:effectLst/>
-                <a:latin typeface="+mn-lt"/>
-                <a:ea typeface="+mn-ea"/>
-                <a:cs typeface="+mn-cs"/>
-              </a:rPr>
-              <a:t>"&gt;</a:t>
-            </a:r>
-          </a:p>
-          <a:p>
-            <a:pPr rtl="0" fontAlgn="base"/>
-            <a:r>
-              <a:rPr lang="en-US" sz="1200" b="0" i="0" kern="1200" dirty="0" smtClean="0">
-                <a:solidFill>
-                  <a:schemeClr val="tx1"/>
-                </a:solidFill>
-                <a:effectLst/>
-                <a:latin typeface="+mn-lt"/>
-                <a:ea typeface="+mn-ea"/>
-                <a:cs typeface="+mn-cs"/>
-              </a:rPr>
-              <a:t>    &lt;parameters&gt;</a:t>
-            </a:r>
-          </a:p>
-          <a:p>
-            <a:pPr rtl="0" fontAlgn="base"/>
-            <a:r>
-              <a:rPr lang="en-US" sz="1200" b="0" i="0" kern="1200" dirty="0" smtClean="0">
-                <a:solidFill>
-                  <a:schemeClr val="tx1"/>
-                </a:solidFill>
-                <a:effectLst/>
-                <a:latin typeface="+mn-lt"/>
-                <a:ea typeface="+mn-ea"/>
-                <a:cs typeface="+mn-cs"/>
-              </a:rPr>
-              <a:t>      &lt;parameter value=“MyAppsOutput.txt"/&gt;</a:t>
-            </a:r>
-          </a:p>
-          <a:p>
-            <a:pPr rtl="0" fontAlgn="base"/>
-            <a:r>
-              <a:rPr lang="en-US" sz="1200" b="0" i="0" kern="1200" dirty="0" smtClean="0">
-                <a:solidFill>
-                  <a:schemeClr val="tx1"/>
-                </a:solidFill>
-                <a:effectLst/>
-                <a:latin typeface="+mn-lt"/>
-                <a:ea typeface="+mn-ea"/>
-                <a:cs typeface="+mn-cs"/>
-              </a:rPr>
-              <a:t>      &lt;parameter value="true" type="</a:t>
-            </a:r>
-            <a:r>
-              <a:rPr lang="en-US" sz="1200" b="0" i="0" kern="1200" dirty="0" err="1" smtClean="0">
-                <a:solidFill>
-                  <a:schemeClr val="tx1"/>
-                </a:solidFill>
-                <a:effectLst/>
-                <a:latin typeface="+mn-lt"/>
-                <a:ea typeface="+mn-ea"/>
-                <a:cs typeface="+mn-cs"/>
-              </a:rPr>
-              <a:t>System.Boolean</a:t>
-            </a:r>
-            <a:r>
-              <a:rPr lang="en-US" sz="1200" b="0" i="0" kern="1200" dirty="0" smtClean="0">
-                <a:solidFill>
-                  <a:schemeClr val="tx1"/>
-                </a:solidFill>
-                <a:effectLst/>
-                <a:latin typeface="+mn-lt"/>
-                <a:ea typeface="+mn-ea"/>
-                <a:cs typeface="+mn-cs"/>
-              </a:rPr>
-              <a:t>"/&gt;</a:t>
-            </a:r>
-          </a:p>
-          <a:p>
-            <a:pPr rtl="0" fontAlgn="base"/>
-            <a:r>
-              <a:rPr lang="en-US" sz="1200" b="0" i="0" kern="1200" dirty="0" smtClean="0">
-                <a:solidFill>
-                  <a:schemeClr val="tx1"/>
-                </a:solidFill>
-                <a:effectLst/>
-                <a:latin typeface="+mn-lt"/>
-                <a:ea typeface="+mn-ea"/>
-                <a:cs typeface="+mn-cs"/>
-              </a:rPr>
-              <a:t>    &lt;/parameters&gt;</a:t>
-            </a:r>
-          </a:p>
-          <a:p>
-            <a:pPr rtl="0" fontAlgn="base"/>
-            <a:r>
-              <a:rPr lang="en-US" sz="1200" b="0" i="0" kern="1200" dirty="0" smtClean="0">
-                <a:solidFill>
-                  <a:schemeClr val="tx1"/>
-                </a:solidFill>
-                <a:effectLst/>
-                <a:latin typeface="+mn-lt"/>
-                <a:ea typeface="+mn-ea"/>
-                <a:cs typeface="+mn-cs"/>
-              </a:rPr>
-              <a:t>  &lt;/interceptor&gt;</a:t>
-            </a:r>
-          </a:p>
-          <a:p>
-            <a:pPr rtl="0" fontAlgn="base"/>
-            <a:r>
-              <a:rPr lang="en-US" sz="1200" b="0" i="0" kern="1200" dirty="0" smtClean="0">
-                <a:solidFill>
-                  <a:schemeClr val="tx1"/>
-                </a:solidFill>
-                <a:effectLst/>
-                <a:latin typeface="+mn-lt"/>
-                <a:ea typeface="+mn-ea"/>
-                <a:cs typeface="+mn-cs"/>
-              </a:rPr>
-              <a:t>&lt;/interceptors&gt;</a:t>
-            </a:r>
-          </a:p>
-          <a:p>
-            <a:endParaRPr lang="en-US" dirty="0" smtClean="0"/>
-          </a:p>
-          <a:p>
-            <a:endParaRPr lang="en-US" dirty="0" smtClean="0"/>
-          </a:p>
-          <a:p>
-            <a:endParaRPr lang="en-US" dirty="0"/>
           </a:p>
         </p:txBody>
       </p:sp>
@@ -3364,7 +2933,7 @@
           <a:p>
             <a:fld id="{4CFD207A-07DF-40AD-A916-9872E089CE7A}" type="slidenum">
               <a:rPr lang="en-US" smtClean="0"/>
-              <a:t>19</a:t>
+              <a:t>21</a:t>
             </a:fld>
             <a:endParaRPr lang="en-US" dirty="0"/>
           </a:p>
@@ -3373,7 +2942,7 @@
     </p:spTree>
     <p:extLst>
       <p:ext uri="{BB962C8B-B14F-4D97-AF65-F5344CB8AC3E}">
-        <p14:creationId xmlns:p14="http://schemas.microsoft.com/office/powerpoint/2010/main" val="997388523"/>
+        <p14:creationId xmlns:p14="http://schemas.microsoft.com/office/powerpoint/2010/main" val="798992426"/>
       </p:ext>
     </p:extLst>
   </p:cSld>
@@ -3427,6 +2996,50 @@
           <a:bodyPr/>
           <a:lstStyle/>
           <a:p>
+            <a:r>
+              <a:rPr lang="en-US" dirty="0" smtClean="0"/>
+              <a:t>Connection string can be double slash</a:t>
+            </a:r>
+          </a:p>
+          <a:p>
+            <a:r>
+              <a:rPr lang="en-US" dirty="0" smtClean="0"/>
+              <a:t>"Data Source=(</a:t>
+            </a:r>
+            <a:r>
+              <a:rPr lang="en-US" dirty="0" err="1" smtClean="0"/>
+              <a:t>localdb</a:t>
+            </a:r>
+            <a:r>
+              <a:rPr lang="en-US" dirty="0" smtClean="0"/>
+              <a:t>)\\</a:t>
+            </a:r>
+            <a:r>
+              <a:rPr lang="en-US" dirty="0" err="1" smtClean="0"/>
+              <a:t>mssqllocaldb;Initial</a:t>
+            </a:r>
+            <a:r>
+              <a:rPr lang="en-US" dirty="0" smtClean="0"/>
+              <a:t> Catalog=</a:t>
+            </a:r>
+            <a:r>
+              <a:rPr lang="en-US" dirty="0" err="1" smtClean="0"/>
+              <a:t>MusicStoreConnection;Integrated</a:t>
+            </a:r>
+            <a:r>
+              <a:rPr lang="en-US" dirty="0" smtClean="0"/>
+              <a:t> Security=</a:t>
+            </a:r>
+            <a:r>
+              <a:rPr lang="en-US" dirty="0" err="1" smtClean="0"/>
+              <a:t>True;MultipleActiveResultSets</a:t>
+            </a:r>
+            <a:r>
+              <a:rPr lang="en-US" dirty="0" smtClean="0"/>
+              <a:t>=True“</a:t>
+            </a:r>
+          </a:p>
+          <a:p>
             <a:endParaRPr lang="en-US" dirty="0"/>
           </a:p>
         </p:txBody>
@@ -3448,7 +3061,7 @@
           <a:p>
             <a:fld id="{4CFD207A-07DF-40AD-A916-9872E089CE7A}" type="slidenum">
               <a:rPr lang="en-US" smtClean="0"/>
-              <a:t>20</a:t>
+              <a:t>22</a:t>
             </a:fld>
             <a:endParaRPr lang="en-US" dirty="0"/>
           </a:p>
@@ -3457,7 +3070,7 @@
     </p:spTree>
     <p:extLst>
       <p:ext uri="{BB962C8B-B14F-4D97-AF65-F5344CB8AC3E}">
-        <p14:creationId xmlns:p14="http://schemas.microsoft.com/office/powerpoint/2010/main" val="2520240092"/>
+        <p14:creationId xmlns:p14="http://schemas.microsoft.com/office/powerpoint/2010/main" val="1249411103"/>
       </p:ext>
     </p:extLst>
   </p:cSld>
@@ -3512,13 +3125,402 @@
           <a:lstStyle/>
           <a:p>
             <a:r>
+              <a:rPr lang="en-US" sz="1200" kern="1200" dirty="0" smtClean="0">
+                <a:solidFill>
+                  <a:schemeClr val="tx1"/>
+                </a:solidFill>
+                <a:latin typeface="+mn-lt"/>
+                <a:ea typeface="+mn-ea"/>
+                <a:cs typeface="+mn-cs"/>
+              </a:rPr>
+              <a:t>//View queries</a:t>
+            </a:r>
+          </a:p>
+          <a:p>
+            <a:r>
+              <a:rPr lang="en-US" sz="1200" kern="1200" dirty="0" err="1" smtClean="0">
+                <a:solidFill>
+                  <a:schemeClr val="tx1"/>
+                </a:solidFill>
+                <a:latin typeface="+mn-lt"/>
+                <a:ea typeface="+mn-ea"/>
+                <a:cs typeface="+mn-cs"/>
+              </a:rPr>
+              <a:t>context.Database.Log</a:t>
+            </a:r>
+            <a:r>
+              <a:rPr lang="en-US" sz="1200" kern="1200" dirty="0" smtClean="0">
+                <a:solidFill>
+                  <a:schemeClr val="tx1"/>
+                </a:solidFill>
+                <a:latin typeface="+mn-lt"/>
+                <a:ea typeface="+mn-ea"/>
+                <a:cs typeface="+mn-cs"/>
+              </a:rPr>
+              <a:t> = s =&gt; </a:t>
+            </a:r>
+            <a:r>
+              <a:rPr lang="en-US" sz="1200" kern="1200" dirty="0" err="1" smtClean="0">
+                <a:solidFill>
+                  <a:schemeClr val="tx1"/>
+                </a:solidFill>
+                <a:latin typeface="+mn-lt"/>
+                <a:ea typeface="+mn-ea"/>
+                <a:cs typeface="+mn-cs"/>
+              </a:rPr>
+              <a:t>Console.WriteLine</a:t>
+            </a:r>
+            <a:r>
+              <a:rPr lang="en-US" sz="1200" kern="1200" dirty="0" smtClean="0">
+                <a:solidFill>
+                  <a:schemeClr val="tx1"/>
+                </a:solidFill>
+                <a:latin typeface="+mn-lt"/>
+                <a:ea typeface="+mn-ea"/>
+                <a:cs typeface="+mn-cs"/>
+              </a:rPr>
+              <a:t>(s);</a:t>
+            </a:r>
+          </a:p>
+          <a:p>
+            <a:endParaRPr lang="en-US" sz="1200" kern="1200" dirty="0" smtClean="0">
+              <a:solidFill>
+                <a:schemeClr val="tx1"/>
+              </a:solidFill>
+              <a:latin typeface="+mn-lt"/>
+              <a:ea typeface="+mn-ea"/>
+              <a:cs typeface="+mn-cs"/>
+            </a:endParaRPr>
+          </a:p>
+          <a:p>
+            <a:r>
+              <a:rPr lang="en-US" sz="1200" kern="1200" dirty="0" smtClean="0">
+                <a:solidFill>
+                  <a:schemeClr val="tx1"/>
+                </a:solidFill>
+                <a:latin typeface="+mn-lt"/>
+                <a:ea typeface="+mn-ea"/>
+                <a:cs typeface="+mn-cs"/>
+              </a:rPr>
+              <a:t>//Log connection</a:t>
+            </a:r>
+          </a:p>
+          <a:p>
+            <a:r>
+              <a:rPr lang="en-US" sz="1200" kern="1200" dirty="0" err="1" smtClean="0">
+                <a:solidFill>
+                  <a:schemeClr val="tx1"/>
+                </a:solidFill>
+                <a:latin typeface="+mn-lt"/>
+                <a:ea typeface="+mn-ea"/>
+                <a:cs typeface="+mn-cs"/>
+              </a:rPr>
+              <a:t>Console.WriteLine</a:t>
+            </a:r>
+            <a:r>
+              <a:rPr lang="en-US" sz="1200" kern="1200" dirty="0" smtClean="0">
+                <a:solidFill>
+                  <a:schemeClr val="tx1"/>
+                </a:solidFill>
+                <a:latin typeface="+mn-lt"/>
+                <a:ea typeface="+mn-ea"/>
+                <a:cs typeface="+mn-cs"/>
+              </a:rPr>
+              <a:t>(</a:t>
+            </a:r>
+            <a:r>
+              <a:rPr lang="en-US" sz="1200" kern="1200" dirty="0" err="1" smtClean="0">
+                <a:solidFill>
+                  <a:schemeClr val="tx1"/>
+                </a:solidFill>
+                <a:latin typeface="+mn-lt"/>
+                <a:ea typeface="+mn-ea"/>
+                <a:cs typeface="+mn-cs"/>
+              </a:rPr>
+              <a:t>context.Database.Connection.ConnectionString</a:t>
+            </a:r>
+            <a:r>
+              <a:rPr lang="en-US" sz="1200" kern="1200" dirty="0" smtClean="0">
+                <a:solidFill>
+                  <a:schemeClr val="tx1"/>
+                </a:solidFill>
+                <a:latin typeface="+mn-lt"/>
+                <a:ea typeface="+mn-ea"/>
+                <a:cs typeface="+mn-cs"/>
+              </a:rPr>
+              <a:t>);</a:t>
+            </a:r>
+          </a:p>
+          <a:p>
+            <a:endParaRPr lang="en-US" dirty="0" smtClean="0"/>
+          </a:p>
+          <a:p>
+            <a:r>
               <a:rPr lang="en-US" dirty="0" smtClean="0"/>
-              <a:t>Discuss</a:t>
+              <a:t>Using glimpse</a:t>
+            </a:r>
+          </a:p>
+          <a:p>
+            <a:r>
+              <a:rPr lang="en-US" dirty="0" smtClean="0"/>
+              <a:t>Install-package</a:t>
             </a:r>
             <a:r>
               <a:rPr lang="en-US" baseline="0" dirty="0" smtClean="0"/>
-              <a:t> manual method, deprecating the designer, and revere engineering</a:t>
-            </a:r>
+              <a:t> glimpse.mvc5</a:t>
+            </a:r>
+          </a:p>
+          <a:p>
+            <a:r>
+              <a:rPr lang="en-US" baseline="0" dirty="0" smtClean="0"/>
+              <a:t>install-package </a:t>
+            </a:r>
+            <a:r>
+              <a:rPr lang="en-US" baseline="0" dirty="0" err="1" smtClean="0"/>
+              <a:t>glimpse.entityframework</a:t>
+            </a:r>
+            <a:endParaRPr lang="en-US" baseline="0" dirty="0" smtClean="0"/>
+          </a:p>
+          <a:p>
+            <a:endParaRPr lang="en-US" baseline="0" dirty="0" smtClean="0"/>
+          </a:p>
+          <a:p>
+            <a:r>
+              <a:rPr lang="en-US" baseline="0" dirty="0" smtClean="0"/>
+              <a:t>Inside the </a:t>
+            </a:r>
+            <a:r>
+              <a:rPr lang="en-US" sz="1200" kern="1200" dirty="0" smtClean="0">
+                <a:solidFill>
+                  <a:schemeClr val="tx1"/>
+                </a:solidFill>
+                <a:latin typeface="+mn-lt"/>
+                <a:ea typeface="+mn-ea"/>
+                <a:cs typeface="+mn-cs"/>
+              </a:rPr>
+              <a:t>&lt;</a:t>
+            </a:r>
+            <a:r>
+              <a:rPr lang="en-US" sz="1200" kern="1200" dirty="0" err="1" smtClean="0">
+                <a:solidFill>
+                  <a:schemeClr val="tx1"/>
+                </a:solidFill>
+                <a:latin typeface="+mn-lt"/>
+                <a:ea typeface="+mn-ea"/>
+                <a:cs typeface="+mn-cs"/>
+              </a:rPr>
+              <a:t>entityFramework</a:t>
+            </a:r>
+            <a:r>
+              <a:rPr lang="en-US" sz="1200" kern="1200" dirty="0" smtClean="0">
+                <a:solidFill>
+                  <a:schemeClr val="tx1"/>
+                </a:solidFill>
+                <a:latin typeface="+mn-lt"/>
+                <a:ea typeface="+mn-ea"/>
+                <a:cs typeface="+mn-cs"/>
+              </a:rPr>
+              <a:t>&gt; element</a:t>
+            </a:r>
+            <a:endParaRPr lang="en-US" baseline="0" dirty="0" smtClean="0"/>
+          </a:p>
+          <a:p>
+            <a:pPr rtl="0" fontAlgn="base"/>
+            <a:r>
+              <a:rPr lang="en-US" sz="1200" b="0" i="0" kern="1200" dirty="0" smtClean="0">
+                <a:solidFill>
+                  <a:schemeClr val="tx1"/>
+                </a:solidFill>
+                <a:effectLst/>
+                <a:latin typeface="+mn-lt"/>
+                <a:ea typeface="+mn-ea"/>
+                <a:cs typeface="+mn-cs"/>
+              </a:rPr>
+              <a:t>&lt;interceptors&gt;</a:t>
+            </a:r>
+          </a:p>
+          <a:p>
+            <a:pPr rtl="0" fontAlgn="base"/>
+            <a:r>
+              <a:rPr lang="en-US" sz="1200" b="0" i="0" kern="1200" dirty="0" smtClean="0">
+                <a:solidFill>
+                  <a:schemeClr val="tx1"/>
+                </a:solidFill>
+                <a:effectLst/>
+                <a:latin typeface="+mn-lt"/>
+                <a:ea typeface="+mn-ea"/>
+                <a:cs typeface="+mn-cs"/>
+              </a:rPr>
+              <a:t>  &lt;interceptor type="</a:t>
+            </a:r>
+            <a:r>
+              <a:rPr lang="en-US" sz="1200" b="0" i="0" kern="1200" dirty="0" err="1" smtClean="0">
+                <a:solidFill>
+                  <a:schemeClr val="tx1"/>
+                </a:solidFill>
+                <a:effectLst/>
+                <a:latin typeface="+mn-lt"/>
+                <a:ea typeface="+mn-ea"/>
+                <a:cs typeface="+mn-cs"/>
+              </a:rPr>
+              <a:t>System.Data.Entity.Infrastructure.Interception.DatabaseLogger</a:t>
+            </a:r>
+            <a:r>
+              <a:rPr lang="en-US" sz="1200" b="0" i="0" kern="1200" dirty="0" smtClean="0">
+                <a:solidFill>
+                  <a:schemeClr val="tx1"/>
+                </a:solidFill>
+                <a:effectLst/>
+                <a:latin typeface="+mn-lt"/>
+                <a:ea typeface="+mn-ea"/>
+                <a:cs typeface="+mn-cs"/>
+              </a:rPr>
+              <a:t>, </a:t>
+            </a:r>
+            <a:r>
+              <a:rPr lang="en-US" sz="1200" b="0" i="0" kern="1200" dirty="0" err="1" smtClean="0">
+                <a:solidFill>
+                  <a:schemeClr val="tx1"/>
+                </a:solidFill>
+                <a:effectLst/>
+                <a:latin typeface="+mn-lt"/>
+                <a:ea typeface="+mn-ea"/>
+                <a:cs typeface="+mn-cs"/>
+              </a:rPr>
+              <a:t>EntityFramework</a:t>
+            </a:r>
+            <a:r>
+              <a:rPr lang="en-US" sz="1200" b="0" i="0" kern="1200" dirty="0" smtClean="0">
+                <a:solidFill>
+                  <a:schemeClr val="tx1"/>
+                </a:solidFill>
+                <a:effectLst/>
+                <a:latin typeface="+mn-lt"/>
+                <a:ea typeface="+mn-ea"/>
+                <a:cs typeface="+mn-cs"/>
+              </a:rPr>
+              <a:t>"&gt;</a:t>
+            </a:r>
+          </a:p>
+          <a:p>
+            <a:pPr rtl="0" fontAlgn="base"/>
+            <a:r>
+              <a:rPr lang="en-US" sz="1200" b="0" i="0" kern="1200" dirty="0" smtClean="0">
+                <a:solidFill>
+                  <a:schemeClr val="tx1"/>
+                </a:solidFill>
+                <a:effectLst/>
+                <a:latin typeface="+mn-lt"/>
+                <a:ea typeface="+mn-ea"/>
+                <a:cs typeface="+mn-cs"/>
+              </a:rPr>
+              <a:t>    &lt;parameters&gt;</a:t>
+            </a:r>
+          </a:p>
+          <a:p>
+            <a:pPr rtl="0" fontAlgn="base"/>
+            <a:r>
+              <a:rPr lang="en-US" sz="1200" b="0" i="0" kern="1200" dirty="0" smtClean="0">
+                <a:solidFill>
+                  <a:schemeClr val="tx1"/>
+                </a:solidFill>
+                <a:effectLst/>
+                <a:latin typeface="+mn-lt"/>
+                <a:ea typeface="+mn-ea"/>
+                <a:cs typeface="+mn-cs"/>
+              </a:rPr>
+              <a:t>      &lt;parameter value=“MyAppsOutput.txt"/&gt;</a:t>
+            </a:r>
+          </a:p>
+          <a:p>
+            <a:pPr rtl="0" fontAlgn="base"/>
+            <a:r>
+              <a:rPr lang="en-US" sz="1200" b="0" i="0" kern="1200" dirty="0" smtClean="0">
+                <a:solidFill>
+                  <a:schemeClr val="tx1"/>
+                </a:solidFill>
+                <a:effectLst/>
+                <a:latin typeface="+mn-lt"/>
+                <a:ea typeface="+mn-ea"/>
+                <a:cs typeface="+mn-cs"/>
+              </a:rPr>
+              <a:t>      &lt;parameter value="true" type="</a:t>
+            </a:r>
+            <a:r>
+              <a:rPr lang="en-US" sz="1200" b="0" i="0" kern="1200" dirty="0" err="1" smtClean="0">
+                <a:solidFill>
+                  <a:schemeClr val="tx1"/>
+                </a:solidFill>
+                <a:effectLst/>
+                <a:latin typeface="+mn-lt"/>
+                <a:ea typeface="+mn-ea"/>
+                <a:cs typeface="+mn-cs"/>
+              </a:rPr>
+              <a:t>System.Boolean</a:t>
+            </a:r>
+            <a:r>
+              <a:rPr lang="en-US" sz="1200" b="0" i="0" kern="1200" dirty="0" smtClean="0">
+                <a:solidFill>
+                  <a:schemeClr val="tx1"/>
+                </a:solidFill>
+                <a:effectLst/>
+                <a:latin typeface="+mn-lt"/>
+                <a:ea typeface="+mn-ea"/>
+                <a:cs typeface="+mn-cs"/>
+              </a:rPr>
+              <a:t>"/&gt;</a:t>
+            </a:r>
+          </a:p>
+          <a:p>
+            <a:pPr rtl="0" fontAlgn="base"/>
+            <a:r>
+              <a:rPr lang="en-US" sz="1200" b="0" i="0" kern="1200" dirty="0" smtClean="0">
+                <a:solidFill>
+                  <a:schemeClr val="tx1"/>
+                </a:solidFill>
+                <a:effectLst/>
+                <a:latin typeface="+mn-lt"/>
+                <a:ea typeface="+mn-ea"/>
+                <a:cs typeface="+mn-cs"/>
+              </a:rPr>
+              <a:t>    &lt;/parameters&gt;</a:t>
+            </a:r>
+          </a:p>
+          <a:p>
+            <a:pPr rtl="0" fontAlgn="base"/>
+            <a:r>
+              <a:rPr lang="en-US" sz="1200" b="0" i="0" kern="1200" dirty="0" smtClean="0">
+                <a:solidFill>
+                  <a:schemeClr val="tx1"/>
+                </a:solidFill>
+                <a:effectLst/>
+                <a:latin typeface="+mn-lt"/>
+                <a:ea typeface="+mn-ea"/>
+                <a:cs typeface="+mn-cs"/>
+              </a:rPr>
+              <a:t>  &lt;/interceptor&gt;</a:t>
+            </a:r>
+          </a:p>
+          <a:p>
+            <a:pPr rtl="0" fontAlgn="base"/>
+            <a:r>
+              <a:rPr lang="en-US" sz="1200" b="0" i="0" kern="1200" dirty="0" smtClean="0">
+                <a:solidFill>
+                  <a:schemeClr val="tx1"/>
+                </a:solidFill>
+                <a:effectLst/>
+                <a:latin typeface="+mn-lt"/>
+                <a:ea typeface="+mn-ea"/>
+                <a:cs typeface="+mn-cs"/>
+              </a:rPr>
+              <a:t>&lt;/interceptors&gt;</a:t>
+            </a:r>
+          </a:p>
+          <a:p>
+            <a:endParaRPr lang="en-US" dirty="0" smtClean="0"/>
+          </a:p>
+          <a:p>
+            <a:endParaRPr lang="en-US" dirty="0" smtClean="0"/>
           </a:p>
           <a:p>
             <a:endParaRPr lang="en-US" dirty="0"/>
@@ -3542,7 +3544,7 @@
           <a:p>
             <a:fld id="{4CFD207A-07DF-40AD-A916-9872E089CE7A}" type="slidenum">
               <a:rPr lang="en-US" smtClean="0"/>
-              <a:t>21</a:t>
+              <a:t>23</a:t>
             </a:fld>
             <a:endParaRPr lang="en-US" dirty="0"/>
           </a:p>
@@ -3551,7 +3553,7 @@
     </p:spTree>
     <p:extLst>
       <p:ext uri="{BB962C8B-B14F-4D97-AF65-F5344CB8AC3E}">
-        <p14:creationId xmlns:p14="http://schemas.microsoft.com/office/powerpoint/2010/main" val="2659573956"/>
+        <p14:creationId xmlns:p14="http://schemas.microsoft.com/office/powerpoint/2010/main" val="997388523"/>
       </p:ext>
     </p:extLst>
   </p:cSld>
@@ -3690,6 +3692,184 @@
           <a:bodyPr/>
           <a:lstStyle/>
           <a:p>
+            <a:endParaRPr lang="en-US" dirty="0"/>
+          </a:p>
+        </p:txBody>
+      </p:sp>
+      <p:sp>
+        <p:nvSpPr>
+          <p:cNvPr id="4" name="Slide Number Placeholder 3"/>
+          <p:cNvSpPr>
+            <a:spLocks noGrp="1"/>
+          </p:cNvSpPr>
+          <p:nvPr>
+            <p:ph type="sldNum" sz="quarter" idx="10"/>
+          </p:nvPr>
+        </p:nvSpPr>
+        <p:spPr/>
+        <p:txBody>
+          <a:bodyPr/>
+          <a:lstStyle/>
+          <a:p>
+            <a:fld id="{4CFD207A-07DF-40AD-A916-9872E089CE7A}" type="slidenum">
+              <a:rPr lang="en-US" smtClean="0"/>
+              <a:t>24</a:t>
+            </a:fld>
+            <a:endParaRPr lang="en-US" dirty="0"/>
+          </a:p>
+        </p:txBody>
+      </p:sp>
+    </p:spTree>
+    <p:extLst>
+      <p:ext uri="{BB962C8B-B14F-4D97-AF65-F5344CB8AC3E}">
+        <p14:creationId xmlns:p14="http://schemas.microsoft.com/office/powerpoint/2010/main" val="2520240092"/>
+      </p:ext>
+    </p:extLst>
+  </p:cSld>
+  <p:clrMapOvr>
+    <a:masterClrMapping/>
+  </p:clrMapOvr>
+</p:notes>
+</file>
+
+<file path=ppt/notesSlides/notesSlide21.xml><?xml version="1.0" encoding="utf-8"?>
+<p:notes xmlns:a="http://schemas.openxmlformats.org/drawingml/2006/main" xmlns:r="http://schemas.openxmlformats.org/officeDocument/2006/relationships" xmlns:p="http://schemas.openxmlformats.org/presentationml/2006/main">
+  <p:cSld>
+    <p:spTree>
+      <p:nvGrpSpPr>
+        <p:cNvPr id="1" name=""/>
+        <p:cNvGrpSpPr/>
+        <p:nvPr/>
+      </p:nvGrpSpPr>
+      <p:grpSpPr>
+        <a:xfrm>
+          <a:off x="0" y="0"/>
+          <a:ext cx="0" cy="0"/>
+          <a:chOff x="0" y="0"/>
+          <a:chExt cx="0" cy="0"/>
+        </a:xfrm>
+      </p:grpSpPr>
+      <p:sp>
+        <p:nvSpPr>
+          <p:cNvPr id="2" name="Slide Image Placeholder 1"/>
+          <p:cNvSpPr>
+            <a:spLocks noGrp="1" noRot="1" noChangeAspect="1"/>
+          </p:cNvSpPr>
+          <p:nvPr>
+            <p:ph type="sldImg"/>
+          </p:nvPr>
+        </p:nvSpPr>
+        <p:spPr/>
+      </p:sp>
+      <p:sp>
+        <p:nvSpPr>
+          <p:cNvPr id="3" name="Notes Placeholder 2"/>
+          <p:cNvSpPr>
+            <a:spLocks noGrp="1"/>
+          </p:cNvSpPr>
+          <p:nvPr>
+            <p:ph type="body" idx="1"/>
+          </p:nvPr>
+        </p:nvSpPr>
+        <p:spPr/>
+        <p:txBody>
+          <a:bodyPr/>
+          <a:lstStyle/>
+          <a:p>
+            <a:r>
+              <a:rPr lang="en-US" dirty="0" smtClean="0"/>
+              <a:t>Discuss</a:t>
+            </a:r>
+            <a:r>
+              <a:rPr lang="en-US" baseline="0" dirty="0" smtClean="0"/>
+              <a:t> manual method, deprecating the designer, and revere engineering</a:t>
+            </a:r>
+          </a:p>
+          <a:p>
+            <a:endParaRPr lang="en-US" dirty="0"/>
+          </a:p>
+        </p:txBody>
+      </p:sp>
+      <p:sp>
+        <p:nvSpPr>
+          <p:cNvPr id="4" name="Slide Number Placeholder 3"/>
+          <p:cNvSpPr>
+            <a:spLocks noGrp="1"/>
+          </p:cNvSpPr>
+          <p:nvPr>
+            <p:ph type="sldNum" sz="quarter" idx="10"/>
+          </p:nvPr>
+        </p:nvSpPr>
+        <p:spPr/>
+        <p:txBody>
+          <a:bodyPr/>
+          <a:lstStyle/>
+          <a:p>
+            <a:fld id="{4CFD207A-07DF-40AD-A916-9872E089CE7A}" type="slidenum">
+              <a:rPr lang="en-US" smtClean="0"/>
+              <a:t>25</a:t>
+            </a:fld>
+            <a:endParaRPr lang="en-US" dirty="0"/>
+          </a:p>
+        </p:txBody>
+      </p:sp>
+    </p:spTree>
+    <p:extLst>
+      <p:ext uri="{BB962C8B-B14F-4D97-AF65-F5344CB8AC3E}">
+        <p14:creationId xmlns:p14="http://schemas.microsoft.com/office/powerpoint/2010/main" val="2659573956"/>
+      </p:ext>
+    </p:extLst>
+  </p:cSld>
+  <p:clrMapOvr>
+    <a:masterClrMapping/>
+  </p:clrMapOvr>
+</p:notes>
+</file>
+
+<file path=ppt/notesSlides/notesSlide22.xml><?xml version="1.0" encoding="utf-8"?>
+<p:notes xmlns:a="http://schemas.openxmlformats.org/drawingml/2006/main" xmlns:r="http://schemas.openxmlformats.org/officeDocument/2006/relationships" xmlns:p="http://schemas.openxmlformats.org/presentationml/2006/main">
+  <p:cSld>
+    <p:spTree>
+      <p:nvGrpSpPr>
+        <p:cNvPr id="1" name=""/>
+        <p:cNvGrpSpPr/>
+        <p:nvPr/>
+      </p:nvGrpSpPr>
+      <p:grpSpPr>
+        <a:xfrm>
+          <a:off x="0" y="0"/>
+          <a:ext cx="0" cy="0"/>
+          <a:chOff x="0" y="0"/>
+          <a:chExt cx="0" cy="0"/>
+        </a:xfrm>
+      </p:grpSpPr>
+      <p:sp>
+        <p:nvSpPr>
+          <p:cNvPr id="2" name="Slide Image Placeholder 1"/>
+          <p:cNvSpPr>
+            <a:spLocks noGrp="1" noRot="1" noChangeAspect="1"/>
+          </p:cNvSpPr>
+          <p:nvPr>
+            <p:ph type="sldImg"/>
+          </p:nvPr>
+        </p:nvSpPr>
+        <p:spPr/>
+      </p:sp>
+      <p:sp>
+        <p:nvSpPr>
+          <p:cNvPr id="3" name="Notes Placeholder 2"/>
+          <p:cNvSpPr>
+            <a:spLocks noGrp="1"/>
+          </p:cNvSpPr>
+          <p:nvPr>
+            <p:ph type="body" idx="1"/>
+          </p:nvPr>
+        </p:nvSpPr>
+        <p:spPr/>
+        <p:txBody>
+          <a:bodyPr/>
+          <a:lstStyle/>
+          <a:p>
             <a:pPr marL="228600" indent="-228600">
               <a:buAutoNum type="arabicPeriod"/>
             </a:pPr>
@@ -3764,7 +3944,7 @@
           <a:p>
             <a:fld id="{4CFD207A-07DF-40AD-A916-9872E089CE7A}" type="slidenum">
               <a:rPr lang="en-US" smtClean="0"/>
-              <a:t>22</a:t>
+              <a:t>26</a:t>
             </a:fld>
             <a:endParaRPr lang="en-US" dirty="0"/>
           </a:p>
@@ -3858,7 +4038,7 @@
     </p:spTree>
     <p:extLst>
       <p:ext uri="{BB962C8B-B14F-4D97-AF65-F5344CB8AC3E}">
-        <p14:creationId xmlns:p14="http://schemas.microsoft.com/office/powerpoint/2010/main" val="3307750677"/>
+        <p14:creationId xmlns:p14="http://schemas.microsoft.com/office/powerpoint/2010/main" val="1212044481"/>
       </p:ext>
     </p:extLst>
   </p:cSld>
@@ -3895,7 +4075,12 @@
             <p:ph type="sldImg"/>
           </p:nvPr>
         </p:nvSpPr>
-        <p:spPr/>
+        <p:spPr>
+          <a:xfrm>
+            <a:off x="381000" y="685800"/>
+            <a:ext cx="6096000" cy="3429000"/>
+          </a:xfrm>
+        </p:spPr>
       </p:sp>
       <p:sp>
         <p:nvSpPr>
@@ -3910,16 +4095,11 @@
         <p:spPr/>
         <p:txBody>
           <a:bodyPr>
-            <a:noAutofit/>
+            <a:normAutofit/>
           </a:bodyPr>
           <a:lstStyle/>
           <a:p>
-            <a:endParaRPr lang="en-GB" dirty="0">
-              <a:solidFill>
-                <a:schemeClr val="tx2"/>
-              </a:solidFill>
-              <a:latin typeface="Segoe" pitchFamily="34" charset="0"/>
-            </a:endParaRPr>
+            <a:endParaRPr lang="en-CA" b="0" dirty="0" smtClean="0"/>
           </a:p>
         </p:txBody>
       </p:sp>
@@ -3941,7 +4121,7 @@
             <a:fld id="{13F0F35F-DD44-4607-AEC1-49D7A4BC4066}" type="slidenum">
               <a:rPr lang="en-US" smtClean="0"/>
               <a:pPr/>
-              <a:t>5</a:t>
+              <a:t>4</a:t>
             </a:fld>
             <a:endParaRPr lang="en-US" dirty="0"/>
           </a:p>
@@ -3950,7 +4130,7 @@
     </p:spTree>
     <p:extLst>
       <p:ext uri="{BB962C8B-B14F-4D97-AF65-F5344CB8AC3E}">
-        <p14:creationId xmlns:p14="http://schemas.microsoft.com/office/powerpoint/2010/main" val="3597947551"/>
+        <p14:creationId xmlns:p14="http://schemas.microsoft.com/office/powerpoint/2010/main" val="3721944218"/>
       </p:ext>
     </p:extLst>
   </p:cSld>
@@ -4023,9 +4203,10 @@
           <a:bodyPr/>
           <a:lstStyle/>
           <a:p>
-            <a:fld id="{4CFD207A-07DF-40AD-A916-9872E089CE7A}" type="slidenum">
+            <a:fld id="{13F0F35F-DD44-4607-AEC1-49D7A4BC4066}" type="slidenum">
               <a:rPr lang="en-US" smtClean="0"/>
-              <a:t>6</a:t>
+              <a:pPr/>
+              <a:t>7</a:t>
             </a:fld>
             <a:endParaRPr lang="en-US" dirty="0"/>
           </a:p>
@@ -4034,7 +4215,7 @@
     </p:spTree>
     <p:extLst>
       <p:ext uri="{BB962C8B-B14F-4D97-AF65-F5344CB8AC3E}">
-        <p14:creationId xmlns:p14="http://schemas.microsoft.com/office/powerpoint/2010/main" val="3390353495"/>
+        <p14:creationId xmlns:p14="http://schemas.microsoft.com/office/powerpoint/2010/main" val="3307750677"/>
       </p:ext>
     </p:extLst>
   </p:cSld>
@@ -4085,10 +4266,17 @@
         </p:nvSpPr>
         <p:spPr/>
         <p:txBody>
-          <a:bodyPr/>
+          <a:bodyPr>
+            <a:noAutofit/>
+          </a:bodyPr>
           <a:lstStyle/>
           <a:p>
-            <a:endParaRPr lang="en-US" dirty="0"/>
+            <a:endParaRPr lang="en-GB" dirty="0">
+              <a:solidFill>
+                <a:schemeClr val="tx2"/>
+              </a:solidFill>
+              <a:latin typeface="Segoe" pitchFamily="34" charset="0"/>
+            </a:endParaRPr>
           </a:p>
         </p:txBody>
       </p:sp>
@@ -4107,9 +4295,10 @@
           <a:bodyPr/>
           <a:lstStyle/>
           <a:p>
-            <a:fld id="{4CFD207A-07DF-40AD-A916-9872E089CE7A}" type="slidenum">
+            <a:fld id="{13F0F35F-DD44-4607-AEC1-49D7A4BC4066}" type="slidenum">
               <a:rPr lang="en-US" smtClean="0"/>
-              <a:t>7</a:t>
+              <a:pPr/>
+              <a:t>9</a:t>
             </a:fld>
             <a:endParaRPr lang="en-US" dirty="0"/>
           </a:p>
@@ -4118,7 +4307,7 @@
     </p:spTree>
     <p:extLst>
       <p:ext uri="{BB962C8B-B14F-4D97-AF65-F5344CB8AC3E}">
-        <p14:creationId xmlns:p14="http://schemas.microsoft.com/office/powerpoint/2010/main" val="353902637"/>
+        <p14:creationId xmlns:p14="http://schemas.microsoft.com/office/powerpoint/2010/main" val="3597947551"/>
       </p:ext>
     </p:extLst>
   </p:cSld>
@@ -4172,44 +4361,6 @@
           <a:bodyPr/>
           <a:lstStyle/>
           <a:p>
-            <a:r>
-              <a:rPr lang="en-US" baseline="0" smtClean="0"/>
-              <a:t>Talk about </a:t>
-            </a:r>
-            <a:r>
-              <a:rPr lang="en-US" baseline="0" dirty="0" err="1" smtClean="0"/>
-              <a:t>nuget</a:t>
-            </a:r>
-            <a:r>
-              <a:rPr lang="en-US" baseline="0" dirty="0" smtClean="0"/>
-              <a:t> packages, upgrading, rolling back, etc.</a:t>
-            </a:r>
-          </a:p>
-          <a:p>
-            <a:endParaRPr lang="en-US" dirty="0" smtClean="0"/>
-          </a:p>
-          <a:p>
-            <a:r>
-              <a:rPr lang="en-US" sz="1200" b="0" i="0" kern="1200" dirty="0" smtClean="0">
-                <a:solidFill>
-                  <a:schemeClr val="tx1"/>
-                </a:solidFill>
-                <a:effectLst/>
-                <a:latin typeface="+mn-lt"/>
-                <a:ea typeface="+mn-ea"/>
-                <a:cs typeface="+mn-cs"/>
-              </a:rPr>
-              <a:t>IBM supplies ADO.NET data providers for access to DB2, Informix, and U2 databases.</a:t>
-            </a:r>
-          </a:p>
-          <a:p>
-            <a:endParaRPr lang="en-US" dirty="0" smtClean="0"/>
-          </a:p>
-          <a:p>
-            <a:r>
-              <a:rPr lang="en-US" dirty="0" smtClean="0"/>
-              <a:t>Any ADO.NET Data Provider?</a:t>
-            </a:r>
             <a:endParaRPr lang="en-US" dirty="0"/>
           </a:p>
         </p:txBody>
@@ -4231,7 +4382,7 @@
           <a:p>
             <a:fld id="{4CFD207A-07DF-40AD-A916-9872E089CE7A}" type="slidenum">
               <a:rPr lang="en-US" smtClean="0"/>
-              <a:t>8</a:t>
+              <a:t>10</a:t>
             </a:fld>
             <a:endParaRPr lang="en-US" dirty="0"/>
           </a:p>
@@ -4240,7 +4391,7 @@
     </p:spTree>
     <p:extLst>
       <p:ext uri="{BB962C8B-B14F-4D97-AF65-F5344CB8AC3E}">
-        <p14:creationId xmlns:p14="http://schemas.microsoft.com/office/powerpoint/2010/main" val="1247555321"/>
+        <p14:creationId xmlns:p14="http://schemas.microsoft.com/office/powerpoint/2010/main" val="3390353495"/>
       </p:ext>
     </p:extLst>
   </p:cSld>
@@ -4315,7 +4466,7 @@
           <a:p>
             <a:fld id="{4CFD207A-07DF-40AD-A916-9872E089CE7A}" type="slidenum">
               <a:rPr lang="en-US" smtClean="0"/>
-              <a:t>9</a:t>
+              <a:t>11</a:t>
             </a:fld>
             <a:endParaRPr lang="en-US" dirty="0"/>
           </a:p>
@@ -4324,7 +4475,7 @@
     </p:spTree>
     <p:extLst>
       <p:ext uri="{BB962C8B-B14F-4D97-AF65-F5344CB8AC3E}">
-        <p14:creationId xmlns:p14="http://schemas.microsoft.com/office/powerpoint/2010/main" val="4025094468"/>
+        <p14:creationId xmlns:p14="http://schemas.microsoft.com/office/powerpoint/2010/main" val="353902637"/>
       </p:ext>
     </p:extLst>
   </p:cSld>
@@ -4378,15 +4529,45 @@
           <a:bodyPr/>
           <a:lstStyle/>
           <a:p>
-            <a:endParaRPr lang="en-US" sz="1200" b="1" i="0" kern="1200" baseline="0" dirty="0" smtClean="0">
-              <a:solidFill>
-                <a:schemeClr val="tx1"/>
-              </a:solidFill>
-              <a:effectLst/>
-              <a:latin typeface="+mn-lt"/>
-              <a:ea typeface="+mn-ea"/>
-              <a:cs typeface="+mn-cs"/>
-            </a:endParaRPr>
+            <a:r>
+              <a:rPr lang="en-US" baseline="0" smtClean="0"/>
+              <a:t>Talk about </a:t>
+            </a:r>
+            <a:r>
+              <a:rPr lang="en-US" baseline="0" dirty="0" err="1" smtClean="0"/>
+              <a:t>nuget</a:t>
+            </a:r>
+            <a:r>
+              <a:rPr lang="en-US" baseline="0" dirty="0" smtClean="0"/>
+              <a:t> packages, upgrading, rolling back, etc.</a:t>
+            </a:r>
+          </a:p>
+          <a:p>
+            <a:endParaRPr lang="en-US" dirty="0" smtClean="0"/>
+          </a:p>
+          <a:p>
+            <a:r>
+              <a:rPr lang="en-US" sz="1200" b="0" i="0" kern="1200" dirty="0" smtClean="0">
+                <a:solidFill>
+                  <a:schemeClr val="tx1"/>
+                </a:solidFill>
+                <a:effectLst/>
+                <a:latin typeface="+mn-lt"/>
+                <a:ea typeface="+mn-ea"/>
+                <a:cs typeface="+mn-cs"/>
+              </a:rPr>
+              <a:t>IBM supplies ADO.NET data providers for access to DB2, Informix, and U2 databases.</a:t>
+            </a:r>
+          </a:p>
+          <a:p>
+            <a:endParaRPr lang="en-US" dirty="0" smtClean="0"/>
+          </a:p>
+          <a:p>
+            <a:r>
+              <a:rPr lang="en-US" dirty="0" smtClean="0"/>
+              <a:t>Any ADO.NET Data Provider?</a:t>
+            </a:r>
+            <a:endParaRPr lang="en-US" dirty="0"/>
           </a:p>
         </p:txBody>
       </p:sp>
@@ -4407,7 +4588,7 @@
           <a:p>
             <a:fld id="{4CFD207A-07DF-40AD-A916-9872E089CE7A}" type="slidenum">
               <a:rPr lang="en-US" smtClean="0"/>
-              <a:t>11</a:t>
+              <a:t>12</a:t>
             </a:fld>
             <a:endParaRPr lang="en-US" dirty="0"/>
           </a:p>
@@ -4416,7 +4597,7 @@
     </p:spTree>
     <p:extLst>
       <p:ext uri="{BB962C8B-B14F-4D97-AF65-F5344CB8AC3E}">
-        <p14:creationId xmlns:p14="http://schemas.microsoft.com/office/powerpoint/2010/main" val="2396487134"/>
+        <p14:creationId xmlns:p14="http://schemas.microsoft.com/office/powerpoint/2010/main" val="1247555321"/>
       </p:ext>
     </p:extLst>
   </p:cSld>
@@ -10519,6 +10700,1897 @@
 </file>
 
 <file path=ppt/slides/slide10.xml><?xml version="1.0" encoding="utf-8"?>
+<p:sld xmlns:a="http://schemas.openxmlformats.org/drawingml/2006/main" xmlns:r="http://schemas.openxmlformats.org/officeDocument/2006/relationships" xmlns:p="http://schemas.openxmlformats.org/presentationml/2006/main">
+  <p:cSld>
+    <p:spTree>
+      <p:nvGrpSpPr>
+        <p:cNvPr id="1" name=""/>
+        <p:cNvGrpSpPr/>
+        <p:nvPr/>
+      </p:nvGrpSpPr>
+      <p:grpSpPr>
+        <a:xfrm>
+          <a:off x="0" y="0"/>
+          <a:ext cx="0" cy="0"/>
+          <a:chOff x="0" y="0"/>
+          <a:chExt cx="0" cy="0"/>
+        </a:xfrm>
+      </p:grpSpPr>
+      <p:sp>
+        <p:nvSpPr>
+          <p:cNvPr id="4" name="Text Placeholder 3"/>
+          <p:cNvSpPr>
+            <a:spLocks noGrp="1"/>
+          </p:cNvSpPr>
+          <p:nvPr>
+            <p:ph type="body" sz="quarter" idx="10"/>
+          </p:nvPr>
+        </p:nvSpPr>
+        <p:spPr/>
+        <p:txBody>
+          <a:bodyPr/>
+          <a:lstStyle/>
+          <a:p>
+            <a:r>
+              <a:rPr lang="en-US" smtClean="0"/>
+              <a:t>Architecture</a:t>
+            </a:r>
+            <a:endParaRPr lang="en-US" dirty="0"/>
+          </a:p>
+        </p:txBody>
+      </p:sp>
+      <p:sp>
+        <p:nvSpPr>
+          <p:cNvPr id="18" name="Subtitle 17"/>
+          <p:cNvSpPr>
+            <a:spLocks noGrp="1"/>
+          </p:cNvSpPr>
+          <p:nvPr>
+            <p:ph type="subTitle" idx="1"/>
+          </p:nvPr>
+        </p:nvSpPr>
+        <p:spPr/>
+        <p:txBody>
+          <a:bodyPr/>
+          <a:lstStyle/>
+          <a:p>
+            <a:endParaRPr lang="en-US"/>
+          </a:p>
+        </p:txBody>
+      </p:sp>
+    </p:spTree>
+    <p:extLst>
+      <p:ext uri="{BB962C8B-B14F-4D97-AF65-F5344CB8AC3E}">
+        <p14:creationId xmlns:p14="http://schemas.microsoft.com/office/powerpoint/2010/main" val="1080225099"/>
+      </p:ext>
+    </p:extLst>
+  </p:cSld>
+  <p:clrMapOvr>
+    <a:masterClrMapping/>
+  </p:clrMapOvr>
+  <p:timing>
+    <p:tnLst>
+      <p:par>
+        <p:cTn id="1" dur="indefinite" restart="never" nodeType="tmRoot"/>
+      </p:par>
+    </p:tnLst>
+  </p:timing>
+</p:sld>
+</file>
+
+<file path=ppt/slides/slide11.xml><?xml version="1.0" encoding="utf-8"?>
+<p:sld xmlns:a="http://schemas.openxmlformats.org/drawingml/2006/main" xmlns:r="http://schemas.openxmlformats.org/officeDocument/2006/relationships" xmlns:p="http://schemas.openxmlformats.org/presentationml/2006/main">
+  <p:cSld>
+    <p:spTree>
+      <p:nvGrpSpPr>
+        <p:cNvPr id="1" name=""/>
+        <p:cNvGrpSpPr/>
+        <p:nvPr/>
+      </p:nvGrpSpPr>
+      <p:grpSpPr>
+        <a:xfrm>
+          <a:off x="0" y="0"/>
+          <a:ext cx="0" cy="0"/>
+          <a:chOff x="0" y="0"/>
+          <a:chExt cx="0" cy="0"/>
+        </a:xfrm>
+      </p:grpSpPr>
+      <p:sp>
+        <p:nvSpPr>
+          <p:cNvPr id="19" name="Rounded Rectangle 18"/>
+          <p:cNvSpPr/>
+          <p:nvPr/>
+        </p:nvSpPr>
+        <p:spPr>
+          <a:xfrm>
+            <a:off x="6552555" y="3046993"/>
+            <a:ext cx="5000816" cy="3466731"/>
+          </a:xfrm>
+          <a:prstGeom prst="roundRect">
+            <a:avLst/>
+          </a:prstGeom>
+          <a:solidFill>
+            <a:schemeClr val="bg1"/>
+          </a:solidFill>
+        </p:spPr>
+        <p:style>
+          <a:lnRef idx="2">
+            <a:schemeClr val="accent1">
+              <a:shade val="50000"/>
+            </a:schemeClr>
+          </a:lnRef>
+          <a:fillRef idx="1">
+            <a:schemeClr val="accent1"/>
+          </a:fillRef>
+          <a:effectRef idx="0">
+            <a:schemeClr val="accent1"/>
+          </a:effectRef>
+          <a:fontRef idx="minor">
+            <a:schemeClr val="lt1"/>
+          </a:fontRef>
+        </p:style>
+        <p:txBody>
+          <a:bodyPr rtlCol="0" anchor="ctr"/>
+          <a:lstStyle/>
+          <a:p>
+            <a:pPr algn="ctr"/>
+            <a:endParaRPr lang="en-US"/>
+          </a:p>
+        </p:txBody>
+      </p:sp>
+      <p:sp>
+        <p:nvSpPr>
+          <p:cNvPr id="18" name="Rounded Rectangle 17"/>
+          <p:cNvSpPr/>
+          <p:nvPr/>
+        </p:nvSpPr>
+        <p:spPr>
+          <a:xfrm>
+            <a:off x="392486" y="3665303"/>
+            <a:ext cx="5384621" cy="2378982"/>
+          </a:xfrm>
+          <a:prstGeom prst="roundRect">
+            <a:avLst/>
+          </a:prstGeom>
+          <a:solidFill>
+            <a:schemeClr val="bg1"/>
+          </a:solidFill>
+        </p:spPr>
+        <p:style>
+          <a:lnRef idx="2">
+            <a:schemeClr val="accent1">
+              <a:shade val="50000"/>
+            </a:schemeClr>
+          </a:lnRef>
+          <a:fillRef idx="1">
+            <a:schemeClr val="accent1"/>
+          </a:fillRef>
+          <a:effectRef idx="0">
+            <a:schemeClr val="accent1"/>
+          </a:effectRef>
+          <a:fontRef idx="minor">
+            <a:schemeClr val="lt1"/>
+          </a:fontRef>
+        </p:style>
+        <p:txBody>
+          <a:bodyPr rtlCol="0" anchor="ctr"/>
+          <a:lstStyle/>
+          <a:p>
+            <a:pPr algn="ctr"/>
+            <a:endParaRPr lang="en-US"/>
+          </a:p>
+        </p:txBody>
+      </p:sp>
+      <p:sp>
+        <p:nvSpPr>
+          <p:cNvPr id="2" name="Title 1"/>
+          <p:cNvSpPr>
+            <a:spLocks noGrp="1"/>
+          </p:cNvSpPr>
+          <p:nvPr>
+            <p:ph type="title"/>
+          </p:nvPr>
+        </p:nvSpPr>
+        <p:spPr/>
+        <p:txBody>
+          <a:bodyPr/>
+          <a:lstStyle/>
+          <a:p>
+            <a:r>
+              <a:rPr lang="en-US" dirty="0" smtClean="0"/>
+              <a:t>What is the Entity Framework</a:t>
+            </a:r>
+            <a:endParaRPr lang="en-US" dirty="0"/>
+          </a:p>
+        </p:txBody>
+      </p:sp>
+      <p:sp>
+        <p:nvSpPr>
+          <p:cNvPr id="3" name="Content Placeholder 2"/>
+          <p:cNvSpPr>
+            <a:spLocks noGrp="1"/>
+          </p:cNvSpPr>
+          <p:nvPr>
+            <p:ph sz="quarter" idx="10"/>
+          </p:nvPr>
+        </p:nvSpPr>
+        <p:spPr>
+          <a:xfrm>
+            <a:off x="379413" y="1223336"/>
+            <a:ext cx="11525250" cy="5290388"/>
+          </a:xfrm>
+        </p:spPr>
+        <p:txBody>
+          <a:bodyPr/>
+          <a:lstStyle/>
+          <a:p>
+            <a:r>
+              <a:rPr lang="en-US" dirty="0" smtClean="0"/>
+              <a:t>It IS an ORM</a:t>
+            </a:r>
+          </a:p>
+          <a:p>
+            <a:r>
+              <a:rPr lang="en-US" dirty="0" smtClean="0"/>
+              <a:t>What’s an ORM?</a:t>
+            </a:r>
+          </a:p>
+          <a:p>
+            <a:pPr lvl="1"/>
+            <a:r>
+              <a:rPr lang="en-US" dirty="0" smtClean="0"/>
+              <a:t>Maps your database types to your code types</a:t>
+            </a:r>
+          </a:p>
+          <a:p>
+            <a:pPr lvl="1"/>
+            <a:r>
+              <a:rPr lang="en-US" dirty="0" smtClean="0"/>
+              <a:t>Avoids repetitive data access code</a:t>
+            </a:r>
+          </a:p>
+        </p:txBody>
+      </p:sp>
+      <p:pic>
+        <p:nvPicPr>
+          <p:cNvPr id="4" name="Picture 3"/>
+          <p:cNvPicPr>
+            <a:picLocks noChangeAspect="1"/>
+          </p:cNvPicPr>
+          <p:nvPr/>
+        </p:nvPicPr>
+        <p:blipFill>
+          <a:blip r:embed="rId3">
+            <a:duotone>
+              <a:prstClr val="black"/>
+              <a:schemeClr val="accent1">
+                <a:tint val="45000"/>
+                <a:satMod val="400000"/>
+              </a:schemeClr>
+            </a:duotone>
+          </a:blip>
+          <a:stretch>
+            <a:fillRect/>
+          </a:stretch>
+        </p:blipFill>
+        <p:spPr>
+          <a:xfrm>
+            <a:off x="1624929" y="4006738"/>
+            <a:ext cx="1419066" cy="1233568"/>
+          </a:xfrm>
+          <a:prstGeom prst="rect">
+            <a:avLst/>
+          </a:prstGeom>
+        </p:spPr>
+      </p:pic>
+      <p:pic>
+        <p:nvPicPr>
+          <p:cNvPr id="5" name="Picture 4"/>
+          <p:cNvPicPr>
+            <a:picLocks noChangeAspect="1"/>
+          </p:cNvPicPr>
+          <p:nvPr/>
+        </p:nvPicPr>
+        <p:blipFill>
+          <a:blip r:embed="rId4">
+            <a:duotone>
+              <a:prstClr val="black"/>
+              <a:schemeClr val="accent1">
+                <a:tint val="45000"/>
+                <a:satMod val="400000"/>
+              </a:schemeClr>
+            </a:duotone>
+          </a:blip>
+          <a:stretch>
+            <a:fillRect/>
+          </a:stretch>
+        </p:blipFill>
+        <p:spPr>
+          <a:xfrm>
+            <a:off x="530462" y="3960410"/>
+            <a:ext cx="1004017" cy="1302236"/>
+          </a:xfrm>
+          <a:prstGeom prst="rect">
+            <a:avLst/>
+          </a:prstGeom>
+        </p:spPr>
+      </p:pic>
+      <p:pic>
+        <p:nvPicPr>
+          <p:cNvPr id="6" name="Picture 5"/>
+          <p:cNvPicPr>
+            <a:picLocks noChangeAspect="1"/>
+          </p:cNvPicPr>
+          <p:nvPr/>
+        </p:nvPicPr>
+        <p:blipFill>
+          <a:blip r:embed="rId5">
+            <a:duotone>
+              <a:prstClr val="black"/>
+              <a:schemeClr val="accent1">
+                <a:tint val="45000"/>
+                <a:satMod val="400000"/>
+              </a:schemeClr>
+            </a:duotone>
+          </a:blip>
+          <a:stretch>
+            <a:fillRect/>
+          </a:stretch>
+        </p:blipFill>
+        <p:spPr>
+          <a:xfrm>
+            <a:off x="4193240" y="4006738"/>
+            <a:ext cx="1232942" cy="1261999"/>
+          </a:xfrm>
+          <a:prstGeom prst="rect">
+            <a:avLst/>
+          </a:prstGeom>
+        </p:spPr>
+      </p:pic>
+      <p:sp>
+        <p:nvSpPr>
+          <p:cNvPr id="7" name="TextBox 6"/>
+          <p:cNvSpPr txBox="1"/>
+          <p:nvPr/>
+        </p:nvSpPr>
+        <p:spPr>
+          <a:xfrm>
+            <a:off x="1686920" y="5240306"/>
+            <a:ext cx="1509516" cy="461665"/>
+          </a:xfrm>
+          <a:prstGeom prst="rect">
+            <a:avLst/>
+          </a:prstGeom>
+          <a:noFill/>
+        </p:spPr>
+        <p:txBody>
+          <a:bodyPr wrap="square" rtlCol="0">
+            <a:spAutoFit/>
+          </a:bodyPr>
+          <a:lstStyle/>
+          <a:p>
+            <a:r>
+              <a:rPr lang="en-US" sz="2400" dirty="0" smtClean="0">
+                <a:solidFill>
+                  <a:srgbClr val="576C8B"/>
+                </a:solidFill>
+              </a:rPr>
+              <a:t>Customer</a:t>
+            </a:r>
+            <a:endParaRPr lang="en-US" sz="2400" dirty="0">
+              <a:solidFill>
+                <a:srgbClr val="576C8B"/>
+              </a:solidFill>
+            </a:endParaRPr>
+          </a:p>
+        </p:txBody>
+      </p:sp>
+      <p:sp>
+        <p:nvSpPr>
+          <p:cNvPr id="8" name="TextBox 7"/>
+          <p:cNvSpPr txBox="1"/>
+          <p:nvPr/>
+        </p:nvSpPr>
+        <p:spPr>
+          <a:xfrm>
+            <a:off x="4040799" y="5240306"/>
+            <a:ext cx="1771185" cy="461665"/>
+          </a:xfrm>
+          <a:prstGeom prst="rect">
+            <a:avLst/>
+          </a:prstGeom>
+          <a:noFill/>
+        </p:spPr>
+        <p:txBody>
+          <a:bodyPr wrap="square" rtlCol="0">
+            <a:spAutoFit/>
+          </a:bodyPr>
+          <a:lstStyle/>
+          <a:p>
+            <a:r>
+              <a:rPr lang="en-US" sz="2400" dirty="0" err="1" smtClean="0">
+                <a:solidFill>
+                  <a:srgbClr val="576C8B"/>
+                </a:solidFill>
+              </a:rPr>
+              <a:t>Customer.cs</a:t>
+            </a:r>
+            <a:endParaRPr lang="en-US" sz="2400" dirty="0">
+              <a:solidFill>
+                <a:srgbClr val="576C8B"/>
+              </a:solidFill>
+            </a:endParaRPr>
+          </a:p>
+        </p:txBody>
+      </p:sp>
+      <p:sp>
+        <p:nvSpPr>
+          <p:cNvPr id="9" name="Left-Right Arrow 8"/>
+          <p:cNvSpPr/>
+          <p:nvPr/>
+        </p:nvSpPr>
+        <p:spPr>
+          <a:xfrm>
+            <a:off x="3120215" y="4413064"/>
+            <a:ext cx="846877" cy="435130"/>
+          </a:xfrm>
+          <a:prstGeom prst="leftRightArrow">
+            <a:avLst/>
+          </a:prstGeom>
+          <a:solidFill>
+            <a:srgbClr val="576C8B"/>
+          </a:solidFill>
+        </p:spPr>
+        <p:style>
+          <a:lnRef idx="2">
+            <a:schemeClr val="accent1">
+              <a:shade val="50000"/>
+            </a:schemeClr>
+          </a:lnRef>
+          <a:fillRef idx="1">
+            <a:schemeClr val="accent1"/>
+          </a:fillRef>
+          <a:effectRef idx="0">
+            <a:schemeClr val="accent1"/>
+          </a:effectRef>
+          <a:fontRef idx="minor">
+            <a:schemeClr val="lt1"/>
+          </a:fontRef>
+        </p:style>
+        <p:txBody>
+          <a:bodyPr rtlCol="0" anchor="ctr"/>
+          <a:lstStyle/>
+          <a:p>
+            <a:pPr algn="ctr"/>
+            <a:endParaRPr lang="en-US"/>
+          </a:p>
+        </p:txBody>
+      </p:sp>
+      <p:pic>
+        <p:nvPicPr>
+          <p:cNvPr id="10" name="Picture 9"/>
+          <p:cNvPicPr>
+            <a:picLocks noChangeAspect="1"/>
+          </p:cNvPicPr>
+          <p:nvPr/>
+        </p:nvPicPr>
+        <p:blipFill>
+          <a:blip r:embed="rId3">
+            <a:duotone>
+              <a:prstClr val="black"/>
+              <a:schemeClr val="accent1">
+                <a:tint val="45000"/>
+                <a:satMod val="400000"/>
+              </a:schemeClr>
+            </a:duotone>
+          </a:blip>
+          <a:stretch>
+            <a:fillRect/>
+          </a:stretch>
+        </p:blipFill>
+        <p:spPr>
+          <a:xfrm>
+            <a:off x="6621509" y="3192811"/>
+            <a:ext cx="1419066" cy="1233568"/>
+          </a:xfrm>
+          <a:prstGeom prst="rect">
+            <a:avLst/>
+          </a:prstGeom>
+        </p:spPr>
+      </p:pic>
+      <p:pic>
+        <p:nvPicPr>
+          <p:cNvPr id="11" name="Picture 10"/>
+          <p:cNvPicPr>
+            <a:picLocks noChangeAspect="1"/>
+          </p:cNvPicPr>
+          <p:nvPr/>
+        </p:nvPicPr>
+        <p:blipFill>
+          <a:blip r:embed="rId5">
+            <a:duotone>
+              <a:prstClr val="black"/>
+              <a:schemeClr val="accent1">
+                <a:tint val="45000"/>
+                <a:satMod val="400000"/>
+              </a:schemeClr>
+            </a:duotone>
+          </a:blip>
+          <a:stretch>
+            <a:fillRect/>
+          </a:stretch>
+        </p:blipFill>
+        <p:spPr>
+          <a:xfrm>
+            <a:off x="9551351" y="3795379"/>
+            <a:ext cx="1232942" cy="1261999"/>
+          </a:xfrm>
+          <a:prstGeom prst="rect">
+            <a:avLst/>
+          </a:prstGeom>
+        </p:spPr>
+      </p:pic>
+      <p:sp>
+        <p:nvSpPr>
+          <p:cNvPr id="12" name="TextBox 11"/>
+          <p:cNvSpPr txBox="1"/>
+          <p:nvPr/>
+        </p:nvSpPr>
+        <p:spPr>
+          <a:xfrm>
+            <a:off x="6683500" y="4426379"/>
+            <a:ext cx="1509516" cy="461665"/>
+          </a:xfrm>
+          <a:prstGeom prst="rect">
+            <a:avLst/>
+          </a:prstGeom>
+          <a:noFill/>
+        </p:spPr>
+        <p:txBody>
+          <a:bodyPr wrap="square" rtlCol="0">
+            <a:spAutoFit/>
+          </a:bodyPr>
+          <a:lstStyle/>
+          <a:p>
+            <a:r>
+              <a:rPr lang="en-US" sz="2400" dirty="0" smtClean="0">
+                <a:solidFill>
+                  <a:srgbClr val="576C8B"/>
+                </a:solidFill>
+              </a:rPr>
+              <a:t>Customer</a:t>
+            </a:r>
+            <a:endParaRPr lang="en-US" sz="2400" dirty="0">
+              <a:solidFill>
+                <a:srgbClr val="576C8B"/>
+              </a:solidFill>
+            </a:endParaRPr>
+          </a:p>
+        </p:txBody>
+      </p:sp>
+      <p:sp>
+        <p:nvSpPr>
+          <p:cNvPr id="13" name="TextBox 12"/>
+          <p:cNvSpPr txBox="1"/>
+          <p:nvPr/>
+        </p:nvSpPr>
+        <p:spPr>
+          <a:xfrm>
+            <a:off x="9114409" y="5013063"/>
+            <a:ext cx="2301360" cy="461665"/>
+          </a:xfrm>
+          <a:prstGeom prst="rect">
+            <a:avLst/>
+          </a:prstGeom>
+          <a:noFill/>
+        </p:spPr>
+        <p:txBody>
+          <a:bodyPr wrap="square" rtlCol="0">
+            <a:spAutoFit/>
+          </a:bodyPr>
+          <a:lstStyle/>
+          <a:p>
+            <a:r>
+              <a:rPr lang="en-US" sz="2400" dirty="0" err="1" smtClean="0">
+                <a:solidFill>
+                  <a:srgbClr val="576C8B"/>
+                </a:solidFill>
+              </a:rPr>
+              <a:t>CustomerInfo.cs</a:t>
+            </a:r>
+            <a:endParaRPr lang="en-US" sz="2400" dirty="0">
+              <a:solidFill>
+                <a:srgbClr val="576C8B"/>
+              </a:solidFill>
+            </a:endParaRPr>
+          </a:p>
+        </p:txBody>
+      </p:sp>
+      <p:sp>
+        <p:nvSpPr>
+          <p:cNvPr id="14" name="Left-Right Arrow 13"/>
+          <p:cNvSpPr/>
+          <p:nvPr/>
+        </p:nvSpPr>
+        <p:spPr>
+          <a:xfrm>
+            <a:off x="8116795" y="3599137"/>
+            <a:ext cx="846877" cy="435130"/>
+          </a:xfrm>
+          <a:prstGeom prst="leftRightArrow">
+            <a:avLst/>
+          </a:prstGeom>
+          <a:solidFill>
+            <a:srgbClr val="576C8B"/>
+          </a:solidFill>
+        </p:spPr>
+        <p:style>
+          <a:lnRef idx="2">
+            <a:schemeClr val="accent1">
+              <a:shade val="50000"/>
+            </a:schemeClr>
+          </a:lnRef>
+          <a:fillRef idx="1">
+            <a:schemeClr val="accent1"/>
+          </a:fillRef>
+          <a:effectRef idx="0">
+            <a:schemeClr val="accent1"/>
+          </a:effectRef>
+          <a:fontRef idx="minor">
+            <a:schemeClr val="lt1"/>
+          </a:fontRef>
+        </p:style>
+        <p:txBody>
+          <a:bodyPr rtlCol="0" anchor="ctr"/>
+          <a:lstStyle/>
+          <a:p>
+            <a:pPr algn="ctr"/>
+            <a:endParaRPr lang="en-US"/>
+          </a:p>
+        </p:txBody>
+      </p:sp>
+      <p:pic>
+        <p:nvPicPr>
+          <p:cNvPr id="15" name="Picture 14"/>
+          <p:cNvPicPr>
+            <a:picLocks noChangeAspect="1"/>
+          </p:cNvPicPr>
+          <p:nvPr/>
+        </p:nvPicPr>
+        <p:blipFill>
+          <a:blip r:embed="rId3">
+            <a:duotone>
+              <a:prstClr val="black"/>
+              <a:schemeClr val="accent1">
+                <a:tint val="45000"/>
+                <a:satMod val="400000"/>
+              </a:schemeClr>
+            </a:duotone>
+          </a:blip>
+          <a:stretch>
+            <a:fillRect/>
+          </a:stretch>
+        </p:blipFill>
+        <p:spPr>
+          <a:xfrm>
+            <a:off x="6633812" y="4818491"/>
+            <a:ext cx="1419066" cy="1233568"/>
+          </a:xfrm>
+          <a:prstGeom prst="rect">
+            <a:avLst/>
+          </a:prstGeom>
+        </p:spPr>
+      </p:pic>
+      <p:sp>
+        <p:nvSpPr>
+          <p:cNvPr id="16" name="TextBox 15"/>
+          <p:cNvSpPr txBox="1"/>
+          <p:nvPr/>
+        </p:nvSpPr>
+        <p:spPr>
+          <a:xfrm>
+            <a:off x="6919215" y="6052059"/>
+            <a:ext cx="1038085" cy="461665"/>
+          </a:xfrm>
+          <a:prstGeom prst="rect">
+            <a:avLst/>
+          </a:prstGeom>
+          <a:noFill/>
+        </p:spPr>
+        <p:txBody>
+          <a:bodyPr wrap="square" rtlCol="0">
+            <a:spAutoFit/>
+          </a:bodyPr>
+          <a:lstStyle/>
+          <a:p>
+            <a:r>
+              <a:rPr lang="en-US" sz="2400" dirty="0" err="1" smtClean="0">
+                <a:solidFill>
+                  <a:srgbClr val="576C8B"/>
+                </a:solidFill>
+              </a:rPr>
+              <a:t>ShipTo</a:t>
+            </a:r>
+            <a:endParaRPr lang="en-US" sz="2400" dirty="0">
+              <a:solidFill>
+                <a:srgbClr val="576C8B"/>
+              </a:solidFill>
+            </a:endParaRPr>
+          </a:p>
+        </p:txBody>
+      </p:sp>
+      <p:sp>
+        <p:nvSpPr>
+          <p:cNvPr id="17" name="Left-Right Arrow 16"/>
+          <p:cNvSpPr/>
+          <p:nvPr/>
+        </p:nvSpPr>
+        <p:spPr>
+          <a:xfrm>
+            <a:off x="8193016" y="5157082"/>
+            <a:ext cx="846877" cy="435130"/>
+          </a:xfrm>
+          <a:prstGeom prst="leftRightArrow">
+            <a:avLst/>
+          </a:prstGeom>
+          <a:solidFill>
+            <a:srgbClr val="576C8B"/>
+          </a:solidFill>
+        </p:spPr>
+        <p:style>
+          <a:lnRef idx="2">
+            <a:schemeClr val="accent1">
+              <a:shade val="50000"/>
+            </a:schemeClr>
+          </a:lnRef>
+          <a:fillRef idx="1">
+            <a:schemeClr val="accent1"/>
+          </a:fillRef>
+          <a:effectRef idx="0">
+            <a:schemeClr val="accent1"/>
+          </a:effectRef>
+          <a:fontRef idx="minor">
+            <a:schemeClr val="lt1"/>
+          </a:fontRef>
+        </p:style>
+        <p:txBody>
+          <a:bodyPr rtlCol="0" anchor="ctr"/>
+          <a:lstStyle/>
+          <a:p>
+            <a:pPr algn="ctr"/>
+            <a:endParaRPr lang="en-US"/>
+          </a:p>
+        </p:txBody>
+      </p:sp>
+    </p:spTree>
+    <p:extLst>
+      <p:ext uri="{BB962C8B-B14F-4D97-AF65-F5344CB8AC3E}">
+        <p14:creationId xmlns:p14="http://schemas.microsoft.com/office/powerpoint/2010/main" val="1205528098"/>
+      </p:ext>
+    </p:extLst>
+  </p:cSld>
+  <p:clrMapOvr>
+    <a:masterClrMapping/>
+  </p:clrMapOvr>
+  <p:timing>
+    <p:tnLst>
+      <p:par>
+        <p:cTn id="1" dur="indefinite" restart="never" nodeType="tmRoot">
+          <p:childTnLst>
+            <p:seq concurrent="1" nextAc="seek">
+              <p:cTn id="2" dur="indefinite" nodeType="mainSeq">
+                <p:childTnLst>
+                  <p:par>
+                    <p:cTn id="3" fill="hold">
+                      <p:stCondLst>
+                        <p:cond delay="indefinite"/>
+                      </p:stCondLst>
+                      <p:childTnLst>
+                        <p:par>
+                          <p:cTn id="4" fill="hold">
+                            <p:stCondLst>
+                              <p:cond delay="0"/>
+                            </p:stCondLst>
+                            <p:childTnLst>
+                              <p:par>
+                                <p:cTn id="5" presetID="10" presetClass="entr" presetSubtype="0" fill="hold" grpId="0" nodeType="clickEffect">
+                                  <p:stCondLst>
+                                    <p:cond delay="0"/>
+                                  </p:stCondLst>
+                                  <p:childTnLst>
+                                    <p:set>
+                                      <p:cBhvr>
+                                        <p:cTn id="6" dur="1" fill="hold">
+                                          <p:stCondLst>
+                                            <p:cond delay="0"/>
+                                          </p:stCondLst>
+                                        </p:cTn>
+                                        <p:tgtEl>
+                                          <p:spTgt spid="3">
+                                            <p:txEl>
+                                              <p:pRg st="0" end="0"/>
+                                            </p:txEl>
+                                          </p:spTgt>
+                                        </p:tgtEl>
+                                        <p:attrNameLst>
+                                          <p:attrName>style.visibility</p:attrName>
+                                        </p:attrNameLst>
+                                      </p:cBhvr>
+                                      <p:to>
+                                        <p:strVal val="visible"/>
+                                      </p:to>
+                                    </p:set>
+                                    <p:animEffect transition="in" filter="fade">
+                                      <p:cBhvr>
+                                        <p:cTn id="7" dur="500"/>
+                                        <p:tgtEl>
+                                          <p:spTgt spid="3">
+                                            <p:txEl>
+                                              <p:pRg st="0" end="0"/>
+                                            </p:txEl>
+                                          </p:spTgt>
+                                        </p:tgtEl>
+                                      </p:cBhvr>
+                                    </p:animEffect>
+                                  </p:childTnLst>
+                                </p:cTn>
+                              </p:par>
+                            </p:childTnLst>
+                          </p:cTn>
+                        </p:par>
+                      </p:childTnLst>
+                    </p:cTn>
+                  </p:par>
+                  <p:par>
+                    <p:cTn id="8" fill="hold">
+                      <p:stCondLst>
+                        <p:cond delay="indefinite"/>
+                      </p:stCondLst>
+                      <p:childTnLst>
+                        <p:par>
+                          <p:cTn id="9" fill="hold">
+                            <p:stCondLst>
+                              <p:cond delay="0"/>
+                            </p:stCondLst>
+                            <p:childTnLst>
+                              <p:par>
+                                <p:cTn id="10" presetID="10" presetClass="entr" presetSubtype="0" fill="hold" grpId="0" nodeType="clickEffect">
+                                  <p:stCondLst>
+                                    <p:cond delay="0"/>
+                                  </p:stCondLst>
+                                  <p:childTnLst>
+                                    <p:set>
+                                      <p:cBhvr>
+                                        <p:cTn id="11" dur="1" fill="hold">
+                                          <p:stCondLst>
+                                            <p:cond delay="0"/>
+                                          </p:stCondLst>
+                                        </p:cTn>
+                                        <p:tgtEl>
+                                          <p:spTgt spid="3">
+                                            <p:txEl>
+                                              <p:pRg st="1" end="1"/>
+                                            </p:txEl>
+                                          </p:spTgt>
+                                        </p:tgtEl>
+                                        <p:attrNameLst>
+                                          <p:attrName>style.visibility</p:attrName>
+                                        </p:attrNameLst>
+                                      </p:cBhvr>
+                                      <p:to>
+                                        <p:strVal val="visible"/>
+                                      </p:to>
+                                    </p:set>
+                                    <p:animEffect transition="in" filter="fade">
+                                      <p:cBhvr>
+                                        <p:cTn id="12" dur="500"/>
+                                        <p:tgtEl>
+                                          <p:spTgt spid="3">
+                                            <p:txEl>
+                                              <p:pRg st="1" end="1"/>
+                                            </p:txEl>
+                                          </p:spTgt>
+                                        </p:tgtEl>
+                                      </p:cBhvr>
+                                    </p:animEffect>
+                                  </p:childTnLst>
+                                </p:cTn>
+                              </p:par>
+                              <p:par>
+                                <p:cTn id="13" presetID="10" presetClass="entr" presetSubtype="0" fill="hold" grpId="0" nodeType="withEffect">
+                                  <p:stCondLst>
+                                    <p:cond delay="0"/>
+                                  </p:stCondLst>
+                                  <p:childTnLst>
+                                    <p:set>
+                                      <p:cBhvr>
+                                        <p:cTn id="14" dur="1" fill="hold">
+                                          <p:stCondLst>
+                                            <p:cond delay="0"/>
+                                          </p:stCondLst>
+                                        </p:cTn>
+                                        <p:tgtEl>
+                                          <p:spTgt spid="3">
+                                            <p:txEl>
+                                              <p:pRg st="2" end="2"/>
+                                            </p:txEl>
+                                          </p:spTgt>
+                                        </p:tgtEl>
+                                        <p:attrNameLst>
+                                          <p:attrName>style.visibility</p:attrName>
+                                        </p:attrNameLst>
+                                      </p:cBhvr>
+                                      <p:to>
+                                        <p:strVal val="visible"/>
+                                      </p:to>
+                                    </p:set>
+                                    <p:animEffect transition="in" filter="fade">
+                                      <p:cBhvr>
+                                        <p:cTn id="15" dur="500"/>
+                                        <p:tgtEl>
+                                          <p:spTgt spid="3">
+                                            <p:txEl>
+                                              <p:pRg st="2" end="2"/>
+                                            </p:txEl>
+                                          </p:spTgt>
+                                        </p:tgtEl>
+                                      </p:cBhvr>
+                                    </p:animEffect>
+                                  </p:childTnLst>
+                                </p:cTn>
+                              </p:par>
+                              <p:par>
+                                <p:cTn id="16" presetID="10" presetClass="entr" presetSubtype="0" fill="hold" grpId="0" nodeType="withEffect">
+                                  <p:stCondLst>
+                                    <p:cond delay="0"/>
+                                  </p:stCondLst>
+                                  <p:childTnLst>
+                                    <p:set>
+                                      <p:cBhvr>
+                                        <p:cTn id="17" dur="1" fill="hold">
+                                          <p:stCondLst>
+                                            <p:cond delay="0"/>
+                                          </p:stCondLst>
+                                        </p:cTn>
+                                        <p:tgtEl>
+                                          <p:spTgt spid="3">
+                                            <p:txEl>
+                                              <p:pRg st="3" end="3"/>
+                                            </p:txEl>
+                                          </p:spTgt>
+                                        </p:tgtEl>
+                                        <p:attrNameLst>
+                                          <p:attrName>style.visibility</p:attrName>
+                                        </p:attrNameLst>
+                                      </p:cBhvr>
+                                      <p:to>
+                                        <p:strVal val="visible"/>
+                                      </p:to>
+                                    </p:set>
+                                    <p:animEffect transition="in" filter="fade">
+                                      <p:cBhvr>
+                                        <p:cTn id="18" dur="500"/>
+                                        <p:tgtEl>
+                                          <p:spTgt spid="3">
+                                            <p:txEl>
+                                              <p:pRg st="3" end="3"/>
+                                            </p:txEl>
+                                          </p:spTgt>
+                                        </p:tgtEl>
+                                      </p:cBhvr>
+                                    </p:animEffect>
+                                  </p:childTnLst>
+                                </p:cTn>
+                              </p:par>
+                            </p:childTnLst>
+                          </p:cTn>
+                        </p:par>
+                      </p:childTnLst>
+                    </p:cTn>
+                  </p:par>
+                  <p:par>
+                    <p:cTn id="19" fill="hold">
+                      <p:stCondLst>
+                        <p:cond delay="indefinite"/>
+                      </p:stCondLst>
+                      <p:childTnLst>
+                        <p:par>
+                          <p:cTn id="20" fill="hold">
+                            <p:stCondLst>
+                              <p:cond delay="0"/>
+                            </p:stCondLst>
+                            <p:childTnLst>
+                              <p:par>
+                                <p:cTn id="21" presetID="10" presetClass="entr" presetSubtype="0" fill="hold" grpId="0" nodeType="clickEffect">
+                                  <p:stCondLst>
+                                    <p:cond delay="0"/>
+                                  </p:stCondLst>
+                                  <p:childTnLst>
+                                    <p:set>
+                                      <p:cBhvr>
+                                        <p:cTn id="22" dur="1" fill="hold">
+                                          <p:stCondLst>
+                                            <p:cond delay="0"/>
+                                          </p:stCondLst>
+                                        </p:cTn>
+                                        <p:tgtEl>
+                                          <p:spTgt spid="18"/>
+                                        </p:tgtEl>
+                                        <p:attrNameLst>
+                                          <p:attrName>style.visibility</p:attrName>
+                                        </p:attrNameLst>
+                                      </p:cBhvr>
+                                      <p:to>
+                                        <p:strVal val="visible"/>
+                                      </p:to>
+                                    </p:set>
+                                    <p:animEffect transition="in" filter="fade">
+                                      <p:cBhvr>
+                                        <p:cTn id="23" dur="500"/>
+                                        <p:tgtEl>
+                                          <p:spTgt spid="18"/>
+                                        </p:tgtEl>
+                                      </p:cBhvr>
+                                    </p:animEffect>
+                                  </p:childTnLst>
+                                </p:cTn>
+                              </p:par>
+                              <p:par>
+                                <p:cTn id="24" presetID="10" presetClass="entr" presetSubtype="0" fill="hold" nodeType="withEffect">
+                                  <p:stCondLst>
+                                    <p:cond delay="0"/>
+                                  </p:stCondLst>
+                                  <p:childTnLst>
+                                    <p:set>
+                                      <p:cBhvr>
+                                        <p:cTn id="25" dur="1" fill="hold">
+                                          <p:stCondLst>
+                                            <p:cond delay="0"/>
+                                          </p:stCondLst>
+                                        </p:cTn>
+                                        <p:tgtEl>
+                                          <p:spTgt spid="4"/>
+                                        </p:tgtEl>
+                                        <p:attrNameLst>
+                                          <p:attrName>style.visibility</p:attrName>
+                                        </p:attrNameLst>
+                                      </p:cBhvr>
+                                      <p:to>
+                                        <p:strVal val="visible"/>
+                                      </p:to>
+                                    </p:set>
+                                    <p:animEffect transition="in" filter="fade">
+                                      <p:cBhvr>
+                                        <p:cTn id="26" dur="500"/>
+                                        <p:tgtEl>
+                                          <p:spTgt spid="4"/>
+                                        </p:tgtEl>
+                                      </p:cBhvr>
+                                    </p:animEffect>
+                                  </p:childTnLst>
+                                </p:cTn>
+                              </p:par>
+                              <p:par>
+                                <p:cTn id="27" presetID="10" presetClass="entr" presetSubtype="0" fill="hold" nodeType="withEffect">
+                                  <p:stCondLst>
+                                    <p:cond delay="0"/>
+                                  </p:stCondLst>
+                                  <p:childTnLst>
+                                    <p:set>
+                                      <p:cBhvr>
+                                        <p:cTn id="28" dur="1" fill="hold">
+                                          <p:stCondLst>
+                                            <p:cond delay="0"/>
+                                          </p:stCondLst>
+                                        </p:cTn>
+                                        <p:tgtEl>
+                                          <p:spTgt spid="5"/>
+                                        </p:tgtEl>
+                                        <p:attrNameLst>
+                                          <p:attrName>style.visibility</p:attrName>
+                                        </p:attrNameLst>
+                                      </p:cBhvr>
+                                      <p:to>
+                                        <p:strVal val="visible"/>
+                                      </p:to>
+                                    </p:set>
+                                    <p:animEffect transition="in" filter="fade">
+                                      <p:cBhvr>
+                                        <p:cTn id="29" dur="500"/>
+                                        <p:tgtEl>
+                                          <p:spTgt spid="5"/>
+                                        </p:tgtEl>
+                                      </p:cBhvr>
+                                    </p:animEffect>
+                                  </p:childTnLst>
+                                </p:cTn>
+                              </p:par>
+                              <p:par>
+                                <p:cTn id="30" presetID="10" presetClass="entr" presetSubtype="0" fill="hold" nodeType="withEffect">
+                                  <p:stCondLst>
+                                    <p:cond delay="0"/>
+                                  </p:stCondLst>
+                                  <p:childTnLst>
+                                    <p:set>
+                                      <p:cBhvr>
+                                        <p:cTn id="31" dur="1" fill="hold">
+                                          <p:stCondLst>
+                                            <p:cond delay="0"/>
+                                          </p:stCondLst>
+                                        </p:cTn>
+                                        <p:tgtEl>
+                                          <p:spTgt spid="6"/>
+                                        </p:tgtEl>
+                                        <p:attrNameLst>
+                                          <p:attrName>style.visibility</p:attrName>
+                                        </p:attrNameLst>
+                                      </p:cBhvr>
+                                      <p:to>
+                                        <p:strVal val="visible"/>
+                                      </p:to>
+                                    </p:set>
+                                    <p:animEffect transition="in" filter="fade">
+                                      <p:cBhvr>
+                                        <p:cTn id="32" dur="500"/>
+                                        <p:tgtEl>
+                                          <p:spTgt spid="6"/>
+                                        </p:tgtEl>
+                                      </p:cBhvr>
+                                    </p:animEffect>
+                                  </p:childTnLst>
+                                </p:cTn>
+                              </p:par>
+                              <p:par>
+                                <p:cTn id="33" presetID="10" presetClass="entr" presetSubtype="0" fill="hold" grpId="0" nodeType="withEffect">
+                                  <p:stCondLst>
+                                    <p:cond delay="0"/>
+                                  </p:stCondLst>
+                                  <p:childTnLst>
+                                    <p:set>
+                                      <p:cBhvr>
+                                        <p:cTn id="34" dur="1" fill="hold">
+                                          <p:stCondLst>
+                                            <p:cond delay="0"/>
+                                          </p:stCondLst>
+                                        </p:cTn>
+                                        <p:tgtEl>
+                                          <p:spTgt spid="7"/>
+                                        </p:tgtEl>
+                                        <p:attrNameLst>
+                                          <p:attrName>style.visibility</p:attrName>
+                                        </p:attrNameLst>
+                                      </p:cBhvr>
+                                      <p:to>
+                                        <p:strVal val="visible"/>
+                                      </p:to>
+                                    </p:set>
+                                    <p:animEffect transition="in" filter="fade">
+                                      <p:cBhvr>
+                                        <p:cTn id="35" dur="500"/>
+                                        <p:tgtEl>
+                                          <p:spTgt spid="7"/>
+                                        </p:tgtEl>
+                                      </p:cBhvr>
+                                    </p:animEffect>
+                                  </p:childTnLst>
+                                </p:cTn>
+                              </p:par>
+                              <p:par>
+                                <p:cTn id="36" presetID="10" presetClass="entr" presetSubtype="0" fill="hold" grpId="0" nodeType="withEffect">
+                                  <p:stCondLst>
+                                    <p:cond delay="0"/>
+                                  </p:stCondLst>
+                                  <p:childTnLst>
+                                    <p:set>
+                                      <p:cBhvr>
+                                        <p:cTn id="37" dur="1" fill="hold">
+                                          <p:stCondLst>
+                                            <p:cond delay="0"/>
+                                          </p:stCondLst>
+                                        </p:cTn>
+                                        <p:tgtEl>
+                                          <p:spTgt spid="8"/>
+                                        </p:tgtEl>
+                                        <p:attrNameLst>
+                                          <p:attrName>style.visibility</p:attrName>
+                                        </p:attrNameLst>
+                                      </p:cBhvr>
+                                      <p:to>
+                                        <p:strVal val="visible"/>
+                                      </p:to>
+                                    </p:set>
+                                    <p:animEffect transition="in" filter="fade">
+                                      <p:cBhvr>
+                                        <p:cTn id="38" dur="500"/>
+                                        <p:tgtEl>
+                                          <p:spTgt spid="8"/>
+                                        </p:tgtEl>
+                                      </p:cBhvr>
+                                    </p:animEffect>
+                                  </p:childTnLst>
+                                </p:cTn>
+                              </p:par>
+                              <p:par>
+                                <p:cTn id="39" presetID="10" presetClass="entr" presetSubtype="0" fill="hold" grpId="0" nodeType="withEffect">
+                                  <p:stCondLst>
+                                    <p:cond delay="0"/>
+                                  </p:stCondLst>
+                                  <p:childTnLst>
+                                    <p:set>
+                                      <p:cBhvr>
+                                        <p:cTn id="40" dur="1" fill="hold">
+                                          <p:stCondLst>
+                                            <p:cond delay="0"/>
+                                          </p:stCondLst>
+                                        </p:cTn>
+                                        <p:tgtEl>
+                                          <p:spTgt spid="9"/>
+                                        </p:tgtEl>
+                                        <p:attrNameLst>
+                                          <p:attrName>style.visibility</p:attrName>
+                                        </p:attrNameLst>
+                                      </p:cBhvr>
+                                      <p:to>
+                                        <p:strVal val="visible"/>
+                                      </p:to>
+                                    </p:set>
+                                    <p:animEffect transition="in" filter="fade">
+                                      <p:cBhvr>
+                                        <p:cTn id="41" dur="500"/>
+                                        <p:tgtEl>
+                                          <p:spTgt spid="9"/>
+                                        </p:tgtEl>
+                                      </p:cBhvr>
+                                    </p:animEffect>
+                                  </p:childTnLst>
+                                </p:cTn>
+                              </p:par>
+                            </p:childTnLst>
+                          </p:cTn>
+                        </p:par>
+                      </p:childTnLst>
+                    </p:cTn>
+                  </p:par>
+                  <p:par>
+                    <p:cTn id="42" fill="hold">
+                      <p:stCondLst>
+                        <p:cond delay="indefinite"/>
+                      </p:stCondLst>
+                      <p:childTnLst>
+                        <p:par>
+                          <p:cTn id="43" fill="hold">
+                            <p:stCondLst>
+                              <p:cond delay="0"/>
+                            </p:stCondLst>
+                            <p:childTnLst>
+                              <p:par>
+                                <p:cTn id="44" presetID="10" presetClass="entr" presetSubtype="0" fill="hold" grpId="0" nodeType="clickEffect">
+                                  <p:stCondLst>
+                                    <p:cond delay="0"/>
+                                  </p:stCondLst>
+                                  <p:childTnLst>
+                                    <p:set>
+                                      <p:cBhvr>
+                                        <p:cTn id="45" dur="1" fill="hold">
+                                          <p:stCondLst>
+                                            <p:cond delay="0"/>
+                                          </p:stCondLst>
+                                        </p:cTn>
+                                        <p:tgtEl>
+                                          <p:spTgt spid="19"/>
+                                        </p:tgtEl>
+                                        <p:attrNameLst>
+                                          <p:attrName>style.visibility</p:attrName>
+                                        </p:attrNameLst>
+                                      </p:cBhvr>
+                                      <p:to>
+                                        <p:strVal val="visible"/>
+                                      </p:to>
+                                    </p:set>
+                                    <p:animEffect transition="in" filter="fade">
+                                      <p:cBhvr>
+                                        <p:cTn id="46" dur="500"/>
+                                        <p:tgtEl>
+                                          <p:spTgt spid="19"/>
+                                        </p:tgtEl>
+                                      </p:cBhvr>
+                                    </p:animEffect>
+                                  </p:childTnLst>
+                                </p:cTn>
+                              </p:par>
+                              <p:par>
+                                <p:cTn id="47" presetID="10" presetClass="entr" presetSubtype="0" fill="hold" nodeType="withEffect">
+                                  <p:stCondLst>
+                                    <p:cond delay="0"/>
+                                  </p:stCondLst>
+                                  <p:childTnLst>
+                                    <p:set>
+                                      <p:cBhvr>
+                                        <p:cTn id="48" dur="1" fill="hold">
+                                          <p:stCondLst>
+                                            <p:cond delay="0"/>
+                                          </p:stCondLst>
+                                        </p:cTn>
+                                        <p:tgtEl>
+                                          <p:spTgt spid="10"/>
+                                        </p:tgtEl>
+                                        <p:attrNameLst>
+                                          <p:attrName>style.visibility</p:attrName>
+                                        </p:attrNameLst>
+                                      </p:cBhvr>
+                                      <p:to>
+                                        <p:strVal val="visible"/>
+                                      </p:to>
+                                    </p:set>
+                                    <p:animEffect transition="in" filter="fade">
+                                      <p:cBhvr>
+                                        <p:cTn id="49" dur="500"/>
+                                        <p:tgtEl>
+                                          <p:spTgt spid="10"/>
+                                        </p:tgtEl>
+                                      </p:cBhvr>
+                                    </p:animEffect>
+                                  </p:childTnLst>
+                                </p:cTn>
+                              </p:par>
+                              <p:par>
+                                <p:cTn id="50" presetID="10" presetClass="entr" presetSubtype="0" fill="hold" nodeType="withEffect">
+                                  <p:stCondLst>
+                                    <p:cond delay="0"/>
+                                  </p:stCondLst>
+                                  <p:childTnLst>
+                                    <p:set>
+                                      <p:cBhvr>
+                                        <p:cTn id="51" dur="1" fill="hold">
+                                          <p:stCondLst>
+                                            <p:cond delay="0"/>
+                                          </p:stCondLst>
+                                        </p:cTn>
+                                        <p:tgtEl>
+                                          <p:spTgt spid="11"/>
+                                        </p:tgtEl>
+                                        <p:attrNameLst>
+                                          <p:attrName>style.visibility</p:attrName>
+                                        </p:attrNameLst>
+                                      </p:cBhvr>
+                                      <p:to>
+                                        <p:strVal val="visible"/>
+                                      </p:to>
+                                    </p:set>
+                                    <p:animEffect transition="in" filter="fade">
+                                      <p:cBhvr>
+                                        <p:cTn id="52" dur="500"/>
+                                        <p:tgtEl>
+                                          <p:spTgt spid="11"/>
+                                        </p:tgtEl>
+                                      </p:cBhvr>
+                                    </p:animEffect>
+                                  </p:childTnLst>
+                                </p:cTn>
+                              </p:par>
+                              <p:par>
+                                <p:cTn id="53" presetID="10" presetClass="entr" presetSubtype="0" fill="hold" grpId="0" nodeType="withEffect">
+                                  <p:stCondLst>
+                                    <p:cond delay="0"/>
+                                  </p:stCondLst>
+                                  <p:childTnLst>
+                                    <p:set>
+                                      <p:cBhvr>
+                                        <p:cTn id="54" dur="1" fill="hold">
+                                          <p:stCondLst>
+                                            <p:cond delay="0"/>
+                                          </p:stCondLst>
+                                        </p:cTn>
+                                        <p:tgtEl>
+                                          <p:spTgt spid="12"/>
+                                        </p:tgtEl>
+                                        <p:attrNameLst>
+                                          <p:attrName>style.visibility</p:attrName>
+                                        </p:attrNameLst>
+                                      </p:cBhvr>
+                                      <p:to>
+                                        <p:strVal val="visible"/>
+                                      </p:to>
+                                    </p:set>
+                                    <p:animEffect transition="in" filter="fade">
+                                      <p:cBhvr>
+                                        <p:cTn id="55" dur="500"/>
+                                        <p:tgtEl>
+                                          <p:spTgt spid="12"/>
+                                        </p:tgtEl>
+                                      </p:cBhvr>
+                                    </p:animEffect>
+                                  </p:childTnLst>
+                                </p:cTn>
+                              </p:par>
+                              <p:par>
+                                <p:cTn id="56" presetID="10" presetClass="entr" presetSubtype="0" fill="hold" grpId="0" nodeType="withEffect">
+                                  <p:stCondLst>
+                                    <p:cond delay="0"/>
+                                  </p:stCondLst>
+                                  <p:childTnLst>
+                                    <p:set>
+                                      <p:cBhvr>
+                                        <p:cTn id="57" dur="1" fill="hold">
+                                          <p:stCondLst>
+                                            <p:cond delay="0"/>
+                                          </p:stCondLst>
+                                        </p:cTn>
+                                        <p:tgtEl>
+                                          <p:spTgt spid="13"/>
+                                        </p:tgtEl>
+                                        <p:attrNameLst>
+                                          <p:attrName>style.visibility</p:attrName>
+                                        </p:attrNameLst>
+                                      </p:cBhvr>
+                                      <p:to>
+                                        <p:strVal val="visible"/>
+                                      </p:to>
+                                    </p:set>
+                                    <p:animEffect transition="in" filter="fade">
+                                      <p:cBhvr>
+                                        <p:cTn id="58" dur="500"/>
+                                        <p:tgtEl>
+                                          <p:spTgt spid="13"/>
+                                        </p:tgtEl>
+                                      </p:cBhvr>
+                                    </p:animEffect>
+                                  </p:childTnLst>
+                                </p:cTn>
+                              </p:par>
+                              <p:par>
+                                <p:cTn id="59" presetID="10" presetClass="entr" presetSubtype="0" fill="hold" grpId="0" nodeType="withEffect">
+                                  <p:stCondLst>
+                                    <p:cond delay="0"/>
+                                  </p:stCondLst>
+                                  <p:childTnLst>
+                                    <p:set>
+                                      <p:cBhvr>
+                                        <p:cTn id="60" dur="1" fill="hold">
+                                          <p:stCondLst>
+                                            <p:cond delay="0"/>
+                                          </p:stCondLst>
+                                        </p:cTn>
+                                        <p:tgtEl>
+                                          <p:spTgt spid="14"/>
+                                        </p:tgtEl>
+                                        <p:attrNameLst>
+                                          <p:attrName>style.visibility</p:attrName>
+                                        </p:attrNameLst>
+                                      </p:cBhvr>
+                                      <p:to>
+                                        <p:strVal val="visible"/>
+                                      </p:to>
+                                    </p:set>
+                                    <p:animEffect transition="in" filter="fade">
+                                      <p:cBhvr>
+                                        <p:cTn id="61" dur="500"/>
+                                        <p:tgtEl>
+                                          <p:spTgt spid="14"/>
+                                        </p:tgtEl>
+                                      </p:cBhvr>
+                                    </p:animEffect>
+                                  </p:childTnLst>
+                                </p:cTn>
+                              </p:par>
+                              <p:par>
+                                <p:cTn id="62" presetID="10" presetClass="entr" presetSubtype="0" fill="hold" nodeType="withEffect">
+                                  <p:stCondLst>
+                                    <p:cond delay="0"/>
+                                  </p:stCondLst>
+                                  <p:childTnLst>
+                                    <p:set>
+                                      <p:cBhvr>
+                                        <p:cTn id="63" dur="1" fill="hold">
+                                          <p:stCondLst>
+                                            <p:cond delay="0"/>
+                                          </p:stCondLst>
+                                        </p:cTn>
+                                        <p:tgtEl>
+                                          <p:spTgt spid="15"/>
+                                        </p:tgtEl>
+                                        <p:attrNameLst>
+                                          <p:attrName>style.visibility</p:attrName>
+                                        </p:attrNameLst>
+                                      </p:cBhvr>
+                                      <p:to>
+                                        <p:strVal val="visible"/>
+                                      </p:to>
+                                    </p:set>
+                                    <p:animEffect transition="in" filter="fade">
+                                      <p:cBhvr>
+                                        <p:cTn id="64" dur="500"/>
+                                        <p:tgtEl>
+                                          <p:spTgt spid="15"/>
+                                        </p:tgtEl>
+                                      </p:cBhvr>
+                                    </p:animEffect>
+                                  </p:childTnLst>
+                                </p:cTn>
+                              </p:par>
+                              <p:par>
+                                <p:cTn id="65" presetID="10" presetClass="entr" presetSubtype="0" fill="hold" grpId="0" nodeType="withEffect">
+                                  <p:stCondLst>
+                                    <p:cond delay="0"/>
+                                  </p:stCondLst>
+                                  <p:childTnLst>
+                                    <p:set>
+                                      <p:cBhvr>
+                                        <p:cTn id="66" dur="1" fill="hold">
+                                          <p:stCondLst>
+                                            <p:cond delay="0"/>
+                                          </p:stCondLst>
+                                        </p:cTn>
+                                        <p:tgtEl>
+                                          <p:spTgt spid="16"/>
+                                        </p:tgtEl>
+                                        <p:attrNameLst>
+                                          <p:attrName>style.visibility</p:attrName>
+                                        </p:attrNameLst>
+                                      </p:cBhvr>
+                                      <p:to>
+                                        <p:strVal val="visible"/>
+                                      </p:to>
+                                    </p:set>
+                                    <p:animEffect transition="in" filter="fade">
+                                      <p:cBhvr>
+                                        <p:cTn id="67" dur="500"/>
+                                        <p:tgtEl>
+                                          <p:spTgt spid="16"/>
+                                        </p:tgtEl>
+                                      </p:cBhvr>
+                                    </p:animEffect>
+                                  </p:childTnLst>
+                                </p:cTn>
+                              </p:par>
+                              <p:par>
+                                <p:cTn id="68" presetID="10" presetClass="entr" presetSubtype="0" fill="hold" grpId="0" nodeType="withEffect">
+                                  <p:stCondLst>
+                                    <p:cond delay="0"/>
+                                  </p:stCondLst>
+                                  <p:childTnLst>
+                                    <p:set>
+                                      <p:cBhvr>
+                                        <p:cTn id="69" dur="1" fill="hold">
+                                          <p:stCondLst>
+                                            <p:cond delay="0"/>
+                                          </p:stCondLst>
+                                        </p:cTn>
+                                        <p:tgtEl>
+                                          <p:spTgt spid="17"/>
+                                        </p:tgtEl>
+                                        <p:attrNameLst>
+                                          <p:attrName>style.visibility</p:attrName>
+                                        </p:attrNameLst>
+                                      </p:cBhvr>
+                                      <p:to>
+                                        <p:strVal val="visible"/>
+                                      </p:to>
+                                    </p:set>
+                                    <p:animEffect transition="in" filter="fade">
+                                      <p:cBhvr>
+                                        <p:cTn id="70" dur="500"/>
+                                        <p:tgtEl>
+                                          <p:spTgt spid="17"/>
+                                        </p:tgtEl>
+                                      </p:cBhvr>
+                                    </p:animEffect>
+                                  </p:childTnLst>
+                                </p:cTn>
+                              </p:par>
+                            </p:childTnLst>
+                          </p:cTn>
+                        </p:par>
+                      </p:childTnLst>
+                    </p:cTn>
+                  </p:par>
+                </p:childTnLst>
+              </p:cTn>
+              <p:prevCondLst>
+                <p:cond evt="onPrev" delay="0">
+                  <p:tgtEl>
+                    <p:sldTgt/>
+                  </p:tgtEl>
+                </p:cond>
+              </p:prevCondLst>
+              <p:nextCondLst>
+                <p:cond evt="onNext" delay="0">
+                  <p:tgtEl>
+                    <p:sldTgt/>
+                  </p:tgtEl>
+                </p:cond>
+              </p:nextCondLst>
+            </p:seq>
+          </p:childTnLst>
+        </p:cTn>
+      </p:par>
+    </p:tnLst>
+    <p:bldLst>
+      <p:bldP spid="19" grpId="0" animBg="1"/>
+      <p:bldP spid="18" grpId="0" animBg="1"/>
+      <p:bldP spid="3" grpId="0" build="p"/>
+      <p:bldP spid="7" grpId="0"/>
+      <p:bldP spid="8" grpId="0"/>
+      <p:bldP spid="9" grpId="0" animBg="1"/>
+      <p:bldP spid="12" grpId="0"/>
+      <p:bldP spid="13" grpId="0"/>
+      <p:bldP spid="14" grpId="0" animBg="1"/>
+      <p:bldP spid="16" grpId="0"/>
+      <p:bldP spid="17" grpId="0" animBg="1"/>
+    </p:bldLst>
+  </p:timing>
+</p:sld>
+</file>
+
+<file path=ppt/slides/slide12.xml><?xml version="1.0" encoding="utf-8"?>
+<p:sld xmlns:a="http://schemas.openxmlformats.org/drawingml/2006/main" xmlns:r="http://schemas.openxmlformats.org/officeDocument/2006/relationships" xmlns:p="http://schemas.openxmlformats.org/presentationml/2006/main">
+  <p:cSld>
+    <p:spTree>
+      <p:nvGrpSpPr>
+        <p:cNvPr id="1" name=""/>
+        <p:cNvGrpSpPr/>
+        <p:nvPr/>
+      </p:nvGrpSpPr>
+      <p:grpSpPr>
+        <a:xfrm>
+          <a:off x="0" y="0"/>
+          <a:ext cx="0" cy="0"/>
+          <a:chOff x="0" y="0"/>
+          <a:chExt cx="0" cy="0"/>
+        </a:xfrm>
+      </p:grpSpPr>
+      <p:sp>
+        <p:nvSpPr>
+          <p:cNvPr id="2" name="Title 1"/>
+          <p:cNvSpPr>
+            <a:spLocks noGrp="1"/>
+          </p:cNvSpPr>
+          <p:nvPr>
+            <p:ph type="title"/>
+          </p:nvPr>
+        </p:nvSpPr>
+        <p:spPr/>
+        <p:txBody>
+          <a:bodyPr/>
+          <a:lstStyle/>
+          <a:p>
+            <a:r>
+              <a:rPr lang="en-US" dirty="0" smtClean="0"/>
+              <a:t>EF Platforms</a:t>
+            </a:r>
+            <a:endParaRPr lang="en-US" dirty="0"/>
+          </a:p>
+        </p:txBody>
+      </p:sp>
+      <p:sp>
+        <p:nvSpPr>
+          <p:cNvPr id="3" name="Content Placeholder 2"/>
+          <p:cNvSpPr>
+            <a:spLocks noGrp="1"/>
+          </p:cNvSpPr>
+          <p:nvPr>
+            <p:ph sz="quarter" idx="10"/>
+          </p:nvPr>
+        </p:nvSpPr>
+        <p:spPr/>
+        <p:txBody>
+          <a:bodyPr/>
+          <a:lstStyle/>
+          <a:p>
+            <a:r>
+              <a:rPr lang="en-US" dirty="0" smtClean="0"/>
+              <a:t>EF 6.1 Any project that is full .NET 4+</a:t>
+            </a:r>
+          </a:p>
+          <a:p>
+            <a:r>
+              <a:rPr lang="en-US" dirty="0" smtClean="0"/>
+              <a:t>All Microsoft SQL Databases</a:t>
+            </a:r>
+          </a:p>
+          <a:p>
+            <a:r>
+              <a:rPr lang="en-US" dirty="0" smtClean="0"/>
+              <a:t>Web Forms, MVC, WPF, WCF, Web API, Web Forms</a:t>
+            </a:r>
+          </a:p>
+          <a:p>
+            <a:r>
+              <a:rPr lang="en-US" dirty="0" smtClean="0"/>
+              <a:t>Newer ones to include Azure Table Storage, </a:t>
+            </a:r>
+            <a:r>
+              <a:rPr lang="en-US" dirty="0" err="1" smtClean="0"/>
+              <a:t>Redis</a:t>
+            </a:r>
+            <a:r>
+              <a:rPr lang="en-US" dirty="0" smtClean="0"/>
+              <a:t>, Linux, </a:t>
+            </a:r>
+            <a:r>
+              <a:rPr lang="en-US" dirty="0" err="1" smtClean="0"/>
+              <a:t>etc</a:t>
+            </a:r>
+            <a:endParaRPr lang="en-US" dirty="0" smtClean="0"/>
+          </a:p>
+          <a:p>
+            <a:r>
+              <a:rPr lang="en-US" dirty="0" smtClean="0"/>
+              <a:t>Supported ADO.NET Providers</a:t>
+            </a:r>
+          </a:p>
+          <a:p>
+            <a:pPr lvl="1"/>
+            <a:r>
+              <a:rPr lang="en-US" dirty="0"/>
+              <a:t>https://msdn.microsoft.com/en-us/data/dd363565.aspx</a:t>
+            </a:r>
+            <a:endParaRPr lang="en-US" dirty="0" smtClean="0"/>
+          </a:p>
+          <a:p>
+            <a:endParaRPr lang="en-US" dirty="0" smtClean="0"/>
+          </a:p>
+          <a:p>
+            <a:endParaRPr lang="en-US" dirty="0"/>
+          </a:p>
+        </p:txBody>
+      </p:sp>
+    </p:spTree>
+    <p:extLst>
+      <p:ext uri="{BB962C8B-B14F-4D97-AF65-F5344CB8AC3E}">
+        <p14:creationId xmlns:p14="http://schemas.microsoft.com/office/powerpoint/2010/main" val="561592073"/>
+      </p:ext>
+    </p:extLst>
+  </p:cSld>
+  <p:clrMapOvr>
+    <a:masterClrMapping/>
+  </p:clrMapOvr>
+  <p:timing>
+    <p:tnLst>
+      <p:par>
+        <p:cTn id="1" dur="indefinite" restart="never" nodeType="tmRoot"/>
+      </p:par>
+    </p:tnLst>
+  </p:timing>
+</p:sld>
+</file>
+
+<file path=ppt/slides/slide13.xml><?xml version="1.0" encoding="utf-8"?>
+<p:sld xmlns:a="http://schemas.openxmlformats.org/drawingml/2006/main" xmlns:r="http://schemas.openxmlformats.org/officeDocument/2006/relationships" xmlns:p="http://schemas.openxmlformats.org/presentationml/2006/main">
+  <p:cSld>
+    <p:spTree>
+      <p:nvGrpSpPr>
+        <p:cNvPr id="1" name=""/>
+        <p:cNvGrpSpPr/>
+        <p:nvPr/>
+      </p:nvGrpSpPr>
+      <p:grpSpPr>
+        <a:xfrm>
+          <a:off x="0" y="0"/>
+          <a:ext cx="0" cy="0"/>
+          <a:chOff x="0" y="0"/>
+          <a:chExt cx="0" cy="0"/>
+        </a:xfrm>
+      </p:grpSpPr>
+      <p:sp>
+        <p:nvSpPr>
+          <p:cNvPr id="2" name="Title 1"/>
+          <p:cNvSpPr>
+            <a:spLocks noGrp="1"/>
+          </p:cNvSpPr>
+          <p:nvPr>
+            <p:ph type="title"/>
+          </p:nvPr>
+        </p:nvSpPr>
+        <p:spPr/>
+        <p:txBody>
+          <a:bodyPr/>
+          <a:lstStyle/>
+          <a:p>
+            <a:r>
+              <a:rPr lang="en-US" dirty="0" smtClean="0"/>
+              <a:t>Some supported features</a:t>
+            </a:r>
+            <a:endParaRPr lang="en-US" dirty="0"/>
+          </a:p>
+        </p:txBody>
+      </p:sp>
+      <p:sp>
+        <p:nvSpPr>
+          <p:cNvPr id="3" name="Content Placeholder 2"/>
+          <p:cNvSpPr>
+            <a:spLocks noGrp="1"/>
+          </p:cNvSpPr>
+          <p:nvPr>
+            <p:ph sz="quarter" idx="10"/>
+          </p:nvPr>
+        </p:nvSpPr>
+        <p:spPr/>
+        <p:txBody>
+          <a:bodyPr/>
+          <a:lstStyle/>
+          <a:p>
+            <a:r>
+              <a:rPr lang="en-US" dirty="0" smtClean="0"/>
+              <a:t>Full ORM to map objects to code</a:t>
+            </a:r>
+          </a:p>
+          <a:p>
+            <a:r>
+              <a:rPr lang="en-US" dirty="0" err="1" smtClean="0"/>
+              <a:t>Async</a:t>
+            </a:r>
+            <a:r>
+              <a:rPr lang="en-US" dirty="0" smtClean="0"/>
+              <a:t> Queries</a:t>
+            </a:r>
+          </a:p>
+          <a:p>
+            <a:r>
+              <a:rPr lang="en-US" dirty="0" smtClean="0"/>
+              <a:t>Connection Resiliency (retry)</a:t>
+            </a:r>
+          </a:p>
+          <a:p>
+            <a:r>
+              <a:rPr lang="en-US" dirty="0" smtClean="0"/>
+              <a:t>Stored Procedure mapping</a:t>
+            </a:r>
+          </a:p>
+          <a:p>
+            <a:r>
+              <a:rPr lang="en-US" dirty="0" smtClean="0"/>
+              <a:t>Reverse engineering existing database</a:t>
+            </a:r>
+          </a:p>
+          <a:p>
+            <a:r>
+              <a:rPr lang="en-US" dirty="0" smtClean="0"/>
+              <a:t>Using code to create database (code first)</a:t>
+            </a:r>
+          </a:p>
+          <a:p>
+            <a:r>
+              <a:rPr lang="en-US" dirty="0" smtClean="0"/>
+              <a:t>Concurrency detection</a:t>
+            </a:r>
+          </a:p>
+          <a:p>
+            <a:r>
+              <a:rPr lang="en-US" dirty="0" err="1" smtClean="0"/>
+              <a:t>Enum</a:t>
+            </a:r>
+            <a:r>
+              <a:rPr lang="en-US" dirty="0" smtClean="0"/>
+              <a:t> &amp; Spatial Data support</a:t>
+            </a:r>
+          </a:p>
+          <a:p>
+            <a:endParaRPr lang="en-US" dirty="0"/>
+          </a:p>
+        </p:txBody>
+      </p:sp>
+    </p:spTree>
+    <p:extLst>
+      <p:ext uri="{BB962C8B-B14F-4D97-AF65-F5344CB8AC3E}">
+        <p14:creationId xmlns:p14="http://schemas.microsoft.com/office/powerpoint/2010/main" val="553305050"/>
+      </p:ext>
+    </p:extLst>
+  </p:cSld>
+  <p:clrMapOvr>
+    <a:masterClrMapping/>
+  </p:clrMapOvr>
+  <p:timing>
+    <p:tnLst>
+      <p:par>
+        <p:cTn id="1" dur="indefinite" restart="never" nodeType="tmRoot"/>
+      </p:par>
+    </p:tnLst>
+  </p:timing>
+</p:sld>
+</file>
+
+<file path=ppt/slides/slide14.xml><?xml version="1.0" encoding="utf-8"?>
 <p:sld xmlns:a="http://schemas.openxmlformats.org/drawingml/2006/main" xmlns:r="http://schemas.openxmlformats.org/officeDocument/2006/relationships" xmlns:p="http://schemas.openxmlformats.org/presentationml/2006/main">
   <p:cSld>
     <p:spTree>
@@ -11238,7 +13310,7 @@
 </p:sld>
 </file>
 
-<file path=ppt/slides/slide11.xml><?xml version="1.0" encoding="utf-8"?>
+<file path=ppt/slides/slide15.xml><?xml version="1.0" encoding="utf-8"?>
 <p:sld xmlns:a="http://schemas.openxmlformats.org/drawingml/2006/main" xmlns:r="http://schemas.openxmlformats.org/officeDocument/2006/relationships" xmlns:p="http://schemas.openxmlformats.org/presentationml/2006/main">
   <p:cSld>
     <p:spTree>
@@ -11352,7 +13424,7 @@
 </p:sld>
 </file>
 
-<file path=ppt/slides/slide12.xml><?xml version="1.0" encoding="utf-8"?>
+<file path=ppt/slides/slide16.xml><?xml version="1.0" encoding="utf-8"?>
 <p:sld xmlns:a="http://schemas.openxmlformats.org/drawingml/2006/main" xmlns:r="http://schemas.openxmlformats.org/officeDocument/2006/relationships" xmlns:p="http://schemas.openxmlformats.org/presentationml/2006/main">
   <p:cSld>
     <p:spTree>
@@ -11586,7 +13658,7 @@
 </p:sld>
 </file>
 
-<file path=ppt/slides/slide13.xml><?xml version="1.0" encoding="utf-8"?>
+<file path=ppt/slides/slide17.xml><?xml version="1.0" encoding="utf-8"?>
 <p:sld xmlns:a="http://schemas.openxmlformats.org/drawingml/2006/main" xmlns:r="http://schemas.openxmlformats.org/officeDocument/2006/relationships" xmlns:p="http://schemas.openxmlformats.org/presentationml/2006/main">
   <p:cSld>
     <p:spTree>
@@ -11646,7 +13718,7 @@
 </p:sld>
 </file>
 
-<file path=ppt/slides/slide14.xml><?xml version="1.0" encoding="utf-8"?>
+<file path=ppt/slides/slide18.xml><?xml version="1.0" encoding="utf-8"?>
 <p:sld xmlns:a="http://schemas.openxmlformats.org/drawingml/2006/main" xmlns:r="http://schemas.openxmlformats.org/officeDocument/2006/relationships" xmlns:p="http://schemas.openxmlformats.org/presentationml/2006/main">
   <p:cSld>
     <p:spTree>
@@ -11725,7 +13797,7 @@
 </p:sld>
 </file>
 
-<file path=ppt/slides/slide15.xml><?xml version="1.0" encoding="utf-8"?>
+<file path=ppt/slides/slide19.xml><?xml version="1.0" encoding="utf-8"?>
 <p:sld xmlns:a="http://schemas.openxmlformats.org/drawingml/2006/main" xmlns:r="http://schemas.openxmlformats.org/officeDocument/2006/relationships" xmlns:p="http://schemas.openxmlformats.org/presentationml/2006/main">
   <p:cSld>
     <p:spTree>
@@ -12943,7 +15015,204 @@
 </p:sld>
 </file>
 
-<file path=ppt/slides/slide16.xml><?xml version="1.0" encoding="utf-8"?>
+<file path=ppt/slides/slide2.xml><?xml version="1.0" encoding="utf-8"?>
+<p:sld xmlns:a="http://schemas.openxmlformats.org/drawingml/2006/main" xmlns:r="http://schemas.openxmlformats.org/officeDocument/2006/relationships" xmlns:p="http://schemas.openxmlformats.org/presentationml/2006/main">
+  <p:cSld>
+    <p:spTree>
+      <p:nvGrpSpPr>
+        <p:cNvPr id="1" name=""/>
+        <p:cNvGrpSpPr/>
+        <p:nvPr/>
+      </p:nvGrpSpPr>
+      <p:grpSpPr>
+        <a:xfrm>
+          <a:off x="0" y="0"/>
+          <a:ext cx="0" cy="0"/>
+          <a:chOff x="0" y="0"/>
+          <a:chExt cx="0" cy="0"/>
+        </a:xfrm>
+      </p:grpSpPr>
+      <p:sp>
+        <p:nvSpPr>
+          <p:cNvPr id="2" name="Title 1"/>
+          <p:cNvSpPr>
+            <a:spLocks noGrp="1"/>
+          </p:cNvSpPr>
+          <p:nvPr>
+            <p:ph type="title"/>
+          </p:nvPr>
+        </p:nvSpPr>
+        <p:spPr/>
+        <p:txBody>
+          <a:bodyPr/>
+          <a:lstStyle/>
+          <a:p>
+            <a:r>
+              <a:rPr lang="en-US" smtClean="0"/>
+              <a:t>Meet Adam Tuliper | ‏@AdamTuliper </a:t>
+            </a:r>
+            <a:endParaRPr lang="en-US" dirty="0"/>
+          </a:p>
+        </p:txBody>
+      </p:sp>
+      <p:sp>
+        <p:nvSpPr>
+          <p:cNvPr id="7" name="Content Placeholder 6"/>
+          <p:cNvSpPr>
+            <a:spLocks noGrp="1"/>
+          </p:cNvSpPr>
+          <p:nvPr>
+            <p:ph sz="quarter" idx="10"/>
+          </p:nvPr>
+        </p:nvSpPr>
+        <p:spPr/>
+        <p:txBody>
+          <a:bodyPr/>
+          <a:lstStyle/>
+          <a:p>
+            <a:r>
+              <a:rPr lang="en-US" dirty="0" smtClean="0"/>
+              <a:t>Technical Evangelist, Microsoft</a:t>
+            </a:r>
+          </a:p>
+          <a:p>
+            <a:pPr lvl="1"/>
+            <a:r>
+              <a:rPr lang="en-US" dirty="0" smtClean="0"/>
+              <a:t>Focused on Web, Data, Gaming, and Cloud Technologies</a:t>
+            </a:r>
+          </a:p>
+          <a:p>
+            <a:pPr lvl="1"/>
+            <a:r>
+              <a:rPr lang="en-US" dirty="0" smtClean="0"/>
+              <a:t>Emphasis on secure development practices</a:t>
+            </a:r>
+          </a:p>
+          <a:p>
+            <a:r>
+              <a:rPr lang="en-US" dirty="0" smtClean="0"/>
+              <a:t>20 years of industry experience as software architect</a:t>
+            </a:r>
+          </a:p>
+          <a:p>
+            <a:pPr lvl="1"/>
+            <a:r>
+              <a:rPr lang="en-US" dirty="0" smtClean="0"/>
+              <a:t>Enterprise, startups, public sector, defense, healthcare, financial industries</a:t>
+            </a:r>
+          </a:p>
+          <a:p>
+            <a:pPr lvl="1"/>
+            <a:r>
+              <a:rPr lang="en-US" dirty="0" smtClean="0"/>
+              <a:t>channel9.msdn.com/Blogs/</a:t>
+            </a:r>
+            <a:r>
+              <a:rPr lang="en-US" dirty="0" err="1" smtClean="0"/>
+              <a:t>AdamTuliper</a:t>
+            </a:r>
+            <a:endParaRPr lang="en-US" dirty="0" smtClean="0"/>
+          </a:p>
+          <a:p>
+            <a:pPr lvl="2"/>
+            <a:r>
+              <a:rPr lang="en-US" dirty="0" smtClean="0"/>
+              <a:t>Video content</a:t>
+            </a:r>
+          </a:p>
+          <a:p>
+            <a:pPr lvl="1"/>
+            <a:r>
+              <a:rPr lang="en-US" dirty="0" smtClean="0"/>
+              <a:t>adamtuliper.com</a:t>
+            </a:r>
+          </a:p>
+        </p:txBody>
+      </p:sp>
+      <p:pic>
+        <p:nvPicPr>
+          <p:cNvPr id="3" name="Picture 2"/>
+          <p:cNvPicPr>
+            <a:picLocks noChangeAspect="1"/>
+          </p:cNvPicPr>
+          <p:nvPr/>
+        </p:nvPicPr>
+        <p:blipFill>
+          <a:blip r:embed="rId3" cstate="print">
+            <a:extLst>
+              <a:ext uri="{28A0092B-C50C-407E-A947-70E740481C1C}">
+                <a14:useLocalDpi xmlns:a14="http://schemas.microsoft.com/office/drawing/2010/main" val="0"/>
+              </a:ext>
+            </a:extLst>
+          </a:blip>
+          <a:stretch>
+            <a:fillRect/>
+          </a:stretch>
+        </p:blipFill>
+        <p:spPr>
+          <a:xfrm>
+            <a:off x="10190602" y="182215"/>
+            <a:ext cx="1803093" cy="1689143"/>
+          </a:xfrm>
+          <a:prstGeom prst="rect">
+            <a:avLst/>
+          </a:prstGeom>
+        </p:spPr>
+      </p:pic>
+      <p:pic>
+        <p:nvPicPr>
+          <p:cNvPr id="5" name="Picture 4"/>
+          <p:cNvPicPr>
+            <a:picLocks noChangeAspect="1"/>
+          </p:cNvPicPr>
+          <p:nvPr/>
+        </p:nvPicPr>
+        <p:blipFill>
+          <a:blip r:embed="rId4"/>
+          <a:stretch>
+            <a:fillRect/>
+          </a:stretch>
+        </p:blipFill>
+        <p:spPr>
+          <a:xfrm>
+            <a:off x="10671823" y="5441114"/>
+            <a:ext cx="1428750" cy="1237500"/>
+          </a:xfrm>
+          <a:prstGeom prst="rect">
+            <a:avLst/>
+          </a:prstGeom>
+        </p:spPr>
+      </p:pic>
+    </p:spTree>
+    <p:extLst>
+      <p:ext uri="{BB962C8B-B14F-4D97-AF65-F5344CB8AC3E}">
+        <p14:creationId xmlns:p14="http://schemas.microsoft.com/office/powerpoint/2010/main" val="1784940003"/>
+      </p:ext>
+    </p:extLst>
+  </p:cSld>
+  <p:clrMapOvr>
+    <a:masterClrMapping/>
+  </p:clrMapOvr>
+  <mc:AlternateContent xmlns:mc="http://schemas.openxmlformats.org/markup-compatibility/2006" xmlns:p14="http://schemas.microsoft.com/office/powerpoint/2010/main">
+    <mc:Choice Requires="p14">
+      <p:transition spd="slow" p14:dur="2000"/>
+    </mc:Choice>
+    <mc:Fallback xmlns="">
+      <p:transition spd="slow"/>
+    </mc:Fallback>
+  </mc:AlternateContent>
+  <p:timing>
+    <p:tnLst>
+      <p:par>
+        <p:cTn id="1" dur="indefinite" restart="never" nodeType="tmRoot"/>
+      </p:par>
+    </p:tnLst>
+  </p:timing>
+</p:sld>
+</file>
+
+<file path=ppt/slides/slide20.xml><?xml version="1.0" encoding="utf-8"?>
 <p:sld xmlns:a="http://schemas.openxmlformats.org/drawingml/2006/main" xmlns:r="http://schemas.openxmlformats.org/officeDocument/2006/relationships" xmlns:p="http://schemas.openxmlformats.org/presentationml/2006/main">
   <p:cSld>
     <p:spTree>
@@ -13003,7 +15272,7 @@
 </p:sld>
 </file>
 
-<file path=ppt/slides/slide17.xml><?xml version="1.0" encoding="utf-8"?>
+<file path=ppt/slides/slide21.xml><?xml version="1.0" encoding="utf-8"?>
 <p:sld xmlns:a="http://schemas.openxmlformats.org/drawingml/2006/main" xmlns:r="http://schemas.openxmlformats.org/officeDocument/2006/relationships" xmlns:p="http://schemas.openxmlformats.org/presentationml/2006/main">
   <p:cSld>
     <p:spTree>
@@ -14812,7 +17081,7 @@
 </p:sld>
 </file>
 
-<file path=ppt/slides/slide18.xml><?xml version="1.0" encoding="utf-8"?>
+<file path=ppt/slides/slide22.xml><?xml version="1.0" encoding="utf-8"?>
 <p:sld xmlns:a="http://schemas.openxmlformats.org/drawingml/2006/main" xmlns:r="http://schemas.openxmlformats.org/officeDocument/2006/relationships" xmlns:p="http://schemas.openxmlformats.org/presentationml/2006/main">
   <p:cSld>
     <p:spTree>
@@ -15009,7 +17278,7 @@
 </p:sld>
 </file>
 
-<file path=ppt/slides/slide19.xml><?xml version="1.0" encoding="utf-8"?>
+<file path=ppt/slides/slide23.xml><?xml version="1.0" encoding="utf-8"?>
 <p:sld xmlns:a="http://schemas.openxmlformats.org/drawingml/2006/main" xmlns:r="http://schemas.openxmlformats.org/officeDocument/2006/relationships" xmlns:p="http://schemas.openxmlformats.org/presentationml/2006/main">
   <p:cSld>
     <p:spTree>
@@ -15072,204 +17341,7 @@
 </p:sld>
 </file>
 
-<file path=ppt/slides/slide2.xml><?xml version="1.0" encoding="utf-8"?>
-<p:sld xmlns:a="http://schemas.openxmlformats.org/drawingml/2006/main" xmlns:r="http://schemas.openxmlformats.org/officeDocument/2006/relationships" xmlns:p="http://schemas.openxmlformats.org/presentationml/2006/main">
-  <p:cSld>
-    <p:spTree>
-      <p:nvGrpSpPr>
-        <p:cNvPr id="1" name=""/>
-        <p:cNvGrpSpPr/>
-        <p:nvPr/>
-      </p:nvGrpSpPr>
-      <p:grpSpPr>
-        <a:xfrm>
-          <a:off x="0" y="0"/>
-          <a:ext cx="0" cy="0"/>
-          <a:chOff x="0" y="0"/>
-          <a:chExt cx="0" cy="0"/>
-        </a:xfrm>
-      </p:grpSpPr>
-      <p:sp>
-        <p:nvSpPr>
-          <p:cNvPr id="2" name="Title 1"/>
-          <p:cNvSpPr>
-            <a:spLocks noGrp="1"/>
-          </p:cNvSpPr>
-          <p:nvPr>
-            <p:ph type="title"/>
-          </p:nvPr>
-        </p:nvSpPr>
-        <p:spPr/>
-        <p:txBody>
-          <a:bodyPr/>
-          <a:lstStyle/>
-          <a:p>
-            <a:r>
-              <a:rPr lang="en-US" smtClean="0"/>
-              <a:t>Meet Adam Tuliper | ‏@AdamTuliper </a:t>
-            </a:r>
-            <a:endParaRPr lang="en-US" dirty="0"/>
-          </a:p>
-        </p:txBody>
-      </p:sp>
-      <p:sp>
-        <p:nvSpPr>
-          <p:cNvPr id="7" name="Content Placeholder 6"/>
-          <p:cNvSpPr>
-            <a:spLocks noGrp="1"/>
-          </p:cNvSpPr>
-          <p:nvPr>
-            <p:ph sz="quarter" idx="10"/>
-          </p:nvPr>
-        </p:nvSpPr>
-        <p:spPr/>
-        <p:txBody>
-          <a:bodyPr/>
-          <a:lstStyle/>
-          <a:p>
-            <a:r>
-              <a:rPr lang="en-US" dirty="0" smtClean="0"/>
-              <a:t>Technical Evangelist, Microsoft</a:t>
-            </a:r>
-          </a:p>
-          <a:p>
-            <a:pPr lvl="1"/>
-            <a:r>
-              <a:rPr lang="en-US" dirty="0" smtClean="0"/>
-              <a:t>Focused on Web, Data, Gaming, and Cloud Technologies</a:t>
-            </a:r>
-          </a:p>
-          <a:p>
-            <a:pPr lvl="1"/>
-            <a:r>
-              <a:rPr lang="en-US" dirty="0" smtClean="0"/>
-              <a:t>Emphasis on secure development practices</a:t>
-            </a:r>
-          </a:p>
-          <a:p>
-            <a:r>
-              <a:rPr lang="en-US" dirty="0" smtClean="0"/>
-              <a:t>20 years of industry experience as software architect</a:t>
-            </a:r>
-          </a:p>
-          <a:p>
-            <a:pPr lvl="1"/>
-            <a:r>
-              <a:rPr lang="en-US" dirty="0" smtClean="0"/>
-              <a:t>Enterprise, startups, public sector, defense, healthcare, financial industries</a:t>
-            </a:r>
-          </a:p>
-          <a:p>
-            <a:pPr lvl="1"/>
-            <a:r>
-              <a:rPr lang="en-US" dirty="0" smtClean="0"/>
-              <a:t>channel9.msdn.com/Blogs/</a:t>
-            </a:r>
-            <a:r>
-              <a:rPr lang="en-US" dirty="0" err="1" smtClean="0"/>
-              <a:t>AdamTuliper</a:t>
-            </a:r>
-            <a:endParaRPr lang="en-US" dirty="0" smtClean="0"/>
-          </a:p>
-          <a:p>
-            <a:pPr lvl="2"/>
-            <a:r>
-              <a:rPr lang="en-US" dirty="0" smtClean="0"/>
-              <a:t>Video content</a:t>
-            </a:r>
-          </a:p>
-          <a:p>
-            <a:pPr lvl="1"/>
-            <a:r>
-              <a:rPr lang="en-US" dirty="0" smtClean="0"/>
-              <a:t>adamtuliper.com</a:t>
-            </a:r>
-          </a:p>
-        </p:txBody>
-      </p:sp>
-      <p:pic>
-        <p:nvPicPr>
-          <p:cNvPr id="3" name="Picture 2"/>
-          <p:cNvPicPr>
-            <a:picLocks noChangeAspect="1"/>
-          </p:cNvPicPr>
-          <p:nvPr/>
-        </p:nvPicPr>
-        <p:blipFill>
-          <a:blip r:embed="rId3" cstate="print">
-            <a:extLst>
-              <a:ext uri="{28A0092B-C50C-407E-A947-70E740481C1C}">
-                <a14:useLocalDpi xmlns:a14="http://schemas.microsoft.com/office/drawing/2010/main" val="0"/>
-              </a:ext>
-            </a:extLst>
-          </a:blip>
-          <a:stretch>
-            <a:fillRect/>
-          </a:stretch>
-        </p:blipFill>
-        <p:spPr>
-          <a:xfrm>
-            <a:off x="10190602" y="182215"/>
-            <a:ext cx="1803093" cy="1689143"/>
-          </a:xfrm>
-          <a:prstGeom prst="rect">
-            <a:avLst/>
-          </a:prstGeom>
-        </p:spPr>
-      </p:pic>
-      <p:pic>
-        <p:nvPicPr>
-          <p:cNvPr id="5" name="Picture 4"/>
-          <p:cNvPicPr>
-            <a:picLocks noChangeAspect="1"/>
-          </p:cNvPicPr>
-          <p:nvPr/>
-        </p:nvPicPr>
-        <p:blipFill>
-          <a:blip r:embed="rId4"/>
-          <a:stretch>
-            <a:fillRect/>
-          </a:stretch>
-        </p:blipFill>
-        <p:spPr>
-          <a:xfrm>
-            <a:off x="10671823" y="5441114"/>
-            <a:ext cx="1428750" cy="1237500"/>
-          </a:xfrm>
-          <a:prstGeom prst="rect">
-            <a:avLst/>
-          </a:prstGeom>
-        </p:spPr>
-      </p:pic>
-    </p:spTree>
-    <p:extLst>
-      <p:ext uri="{BB962C8B-B14F-4D97-AF65-F5344CB8AC3E}">
-        <p14:creationId xmlns:p14="http://schemas.microsoft.com/office/powerpoint/2010/main" val="1784940003"/>
-      </p:ext>
-    </p:extLst>
-  </p:cSld>
-  <p:clrMapOvr>
-    <a:masterClrMapping/>
-  </p:clrMapOvr>
-  <mc:AlternateContent xmlns:mc="http://schemas.openxmlformats.org/markup-compatibility/2006" xmlns:p14="http://schemas.microsoft.com/office/powerpoint/2010/main">
-    <mc:Choice Requires="p14">
-      <p:transition spd="slow" p14:dur="2000"/>
-    </mc:Choice>
-    <mc:Fallback xmlns="">
-      <p:transition spd="slow"/>
-    </mc:Fallback>
-  </mc:AlternateContent>
-  <p:timing>
-    <p:tnLst>
-      <p:par>
-        <p:cTn id="1" dur="indefinite" restart="never" nodeType="tmRoot"/>
-      </p:par>
-    </p:tnLst>
-  </p:timing>
-</p:sld>
-</file>
-
-<file path=ppt/slides/slide20.xml><?xml version="1.0" encoding="utf-8"?>
+<file path=ppt/slides/slide24.xml><?xml version="1.0" encoding="utf-8"?>
 <p:sld xmlns:a="http://schemas.openxmlformats.org/drawingml/2006/main" xmlns:r="http://schemas.openxmlformats.org/officeDocument/2006/relationships" xmlns:p="http://schemas.openxmlformats.org/presentationml/2006/main">
   <p:cSld>
     <p:spTree>
@@ -15348,7 +17420,7 @@
 </p:sld>
 </file>
 
-<file path=ppt/slides/slide21.xml><?xml version="1.0" encoding="utf-8"?>
+<file path=ppt/slides/slide25.xml><?xml version="1.0" encoding="utf-8"?>
 <p:sld xmlns:a="http://schemas.openxmlformats.org/drawingml/2006/main" xmlns:r="http://schemas.openxmlformats.org/officeDocument/2006/relationships" xmlns:p="http://schemas.openxmlformats.org/presentationml/2006/main">
   <p:cSld>
     <p:spTree>
@@ -15473,7 +17545,7 @@
 </p:sld>
 </file>
 
-<file path=ppt/slides/slide22.xml><?xml version="1.0" encoding="utf-8"?>
+<file path=ppt/slides/slide26.xml><?xml version="1.0" encoding="utf-8"?>
 <p:sld xmlns:a="http://schemas.openxmlformats.org/drawingml/2006/main" xmlns:r="http://schemas.openxmlformats.org/officeDocument/2006/relationships" xmlns:p="http://schemas.openxmlformats.org/presentationml/2006/main">
   <p:cSld>
     <p:spTree>
@@ -15533,7 +17605,7 @@
 </p:sld>
 </file>
 
-<file path=ppt/slides/slide23.xml><?xml version="1.0" encoding="utf-8"?>
+<file path=ppt/slides/slide27.xml><?xml version="1.0" encoding="utf-8"?>
 <p:sld xmlns:a="http://schemas.openxmlformats.org/drawingml/2006/main" xmlns:r="http://schemas.openxmlformats.org/officeDocument/2006/relationships" xmlns:p="http://schemas.openxmlformats.org/presentationml/2006/main">
   <p:cSld>
     <p:spTree>
@@ -15670,7 +17742,7 @@
 </p:sld>
 </file>
 
-<file path=ppt/slides/slide24.xml><?xml version="1.0" encoding="utf-8"?>
+<file path=ppt/slides/slide28.xml><?xml version="1.0" encoding="utf-8"?>
 <p:sld xmlns:a="http://schemas.openxmlformats.org/drawingml/2006/main" xmlns:r="http://schemas.openxmlformats.org/officeDocument/2006/relationships" xmlns:p="http://schemas.openxmlformats.org/presentationml/2006/main">
   <p:cSld>
     <p:spTree>
@@ -15739,6 +17811,618 @@
           <a:bodyPr/>
           <a:lstStyle/>
           <a:p>
+            <a:r>
+              <a:rPr lang="en-US" sz="4000" dirty="0" smtClean="0"/>
+              <a:t>Meet Christopher Harrison | ‏@</a:t>
+            </a:r>
+            <a:r>
+              <a:rPr lang="en-US" sz="4000" dirty="0" err="1" smtClean="0"/>
+              <a:t>geektrainer</a:t>
+            </a:r>
+            <a:r>
+              <a:rPr lang="en-US" dirty="0" smtClean="0"/>
+              <a:t> </a:t>
+            </a:r>
+            <a:endParaRPr lang="en-US" dirty="0"/>
+          </a:p>
+        </p:txBody>
+      </p:sp>
+      <p:sp>
+        <p:nvSpPr>
+          <p:cNvPr id="7" name="Content Placeholder 6"/>
+          <p:cNvSpPr>
+            <a:spLocks noGrp="1"/>
+          </p:cNvSpPr>
+          <p:nvPr>
+            <p:ph idx="10"/>
+          </p:nvPr>
+        </p:nvSpPr>
+        <p:spPr/>
+        <p:txBody>
+          <a:bodyPr/>
+          <a:lstStyle/>
+          <a:p>
+            <a:pPr marL="0" indent="0">
+              <a:buNone/>
+            </a:pPr>
+            <a:r>
+              <a:rPr lang="en-US" dirty="0" smtClean="0"/>
+              <a:t>Content Developer</a:t>
+            </a:r>
+          </a:p>
+          <a:p>
+            <a:pPr marL="457046" lvl="1" indent="0">
+              <a:buNone/>
+            </a:pPr>
+            <a:r>
+              <a:rPr lang="en-US" dirty="0" smtClean="0"/>
+              <a:t>Focused on ASP.NET and Office 365 development</a:t>
+            </a:r>
+          </a:p>
+          <a:p>
+            <a:pPr marL="457046" lvl="1" indent="0">
+              <a:buNone/>
+            </a:pPr>
+            <a:r>
+              <a:rPr lang="en-US" dirty="0" smtClean="0"/>
+              <a:t>Microsoft Certified Trainer</a:t>
+            </a:r>
+          </a:p>
+          <a:p>
+            <a:pPr marL="457046" lvl="1" indent="0">
+              <a:buNone/>
+            </a:pPr>
+            <a:r>
+              <a:rPr lang="en-US" dirty="0"/>
+              <a:t>Regular presenter at TechEd</a:t>
+            </a:r>
+          </a:p>
+          <a:p>
+            <a:pPr marL="0" indent="0">
+              <a:buNone/>
+            </a:pPr>
+            <a:r>
+              <a:rPr lang="en-US" dirty="0" smtClean="0"/>
+              <a:t>Long time geek</a:t>
+            </a:r>
+          </a:p>
+          <a:p>
+            <a:pPr marL="457046" lvl="1" indent="0">
+              <a:buNone/>
+            </a:pPr>
+            <a:r>
+              <a:rPr lang="en-US" dirty="0" smtClean="0"/>
+              <a:t>Still misses his Commodore 64</a:t>
+            </a:r>
+          </a:p>
+          <a:p>
+            <a:pPr marL="457046" lvl="1" indent="0">
+              <a:buNone/>
+            </a:pPr>
+            <a:r>
+              <a:rPr lang="en-US" dirty="0" smtClean="0"/>
+              <a:t>Periodic blogger (</a:t>
+            </a:r>
+            <a:r>
+              <a:rPr lang="en-US" dirty="0" smtClean="0">
+                <a:hlinkClick r:id="rId3"/>
+              </a:rPr>
+              <a:t>blog.geektrainer.com</a:t>
+            </a:r>
+            <a:r>
+              <a:rPr lang="en-US" dirty="0" smtClean="0"/>
+              <a:t>)</a:t>
+            </a:r>
+          </a:p>
+          <a:p>
+            <a:pPr marL="457046" lvl="1" indent="0">
+              <a:buNone/>
+            </a:pPr>
+            <a:r>
+              <a:rPr lang="en-US" dirty="0" smtClean="0"/>
+              <a:t>Marathoner, husband, father of one four legged child</a:t>
+            </a:r>
+          </a:p>
+        </p:txBody>
+      </p:sp>
+      <p:pic>
+        <p:nvPicPr>
+          <p:cNvPr id="3" name="Picture 2"/>
+          <p:cNvPicPr>
+            <a:picLocks noChangeAspect="1"/>
+          </p:cNvPicPr>
+          <p:nvPr/>
+        </p:nvPicPr>
+        <p:blipFill>
+          <a:blip r:embed="rId4" cstate="print">
+            <a:extLst>
+              <a:ext uri="{28A0092B-C50C-407E-A947-70E740481C1C}">
+                <a14:useLocalDpi xmlns:a14="http://schemas.microsoft.com/office/drawing/2010/main" val="0"/>
+              </a:ext>
+            </a:extLst>
+          </a:blip>
+          <a:stretch>
+            <a:fillRect/>
+          </a:stretch>
+        </p:blipFill>
+        <p:spPr>
+          <a:xfrm>
+            <a:off x="9462977" y="0"/>
+            <a:ext cx="2729023" cy="2729023"/>
+          </a:xfrm>
+          <a:prstGeom prst="rect">
+            <a:avLst/>
+          </a:prstGeom>
+        </p:spPr>
+      </p:pic>
+    </p:spTree>
+    <p:extLst>
+      <p:ext uri="{BB962C8B-B14F-4D97-AF65-F5344CB8AC3E}">
+        <p14:creationId xmlns:p14="http://schemas.microsoft.com/office/powerpoint/2010/main" val="2151080193"/>
+      </p:ext>
+    </p:extLst>
+  </p:cSld>
+  <p:clrMapOvr>
+    <a:masterClrMapping/>
+  </p:clrMapOvr>
+  <mc:AlternateContent xmlns:mc="http://schemas.openxmlformats.org/markup-compatibility/2006">
+    <mc:Choice xmlns:p14="http://schemas.microsoft.com/office/powerpoint/2010/main" Requires="p14">
+      <p:transition spd="slow" p14:dur="2000"/>
+    </mc:Choice>
+    <mc:Fallback>
+      <p:transition spd="slow"/>
+    </mc:Fallback>
+  </mc:AlternateContent>
+  <p:timing>
+    <p:tnLst>
+      <p:par>
+        <p:cTn id="1" dur="indefinite" restart="never" nodeType="tmRoot"/>
+      </p:par>
+    </p:tnLst>
+  </p:timing>
+</p:sld>
+</file>
+
+<file path=ppt/slides/slide4.xml><?xml version="1.0" encoding="utf-8"?>
+<p:sld xmlns:a="http://schemas.openxmlformats.org/drawingml/2006/main" xmlns:r="http://schemas.openxmlformats.org/officeDocument/2006/relationships" xmlns:p="http://schemas.openxmlformats.org/presentationml/2006/main">
+  <p:cSld>
+    <p:spTree>
+      <p:nvGrpSpPr>
+        <p:cNvPr id="1" name=""/>
+        <p:cNvGrpSpPr/>
+        <p:nvPr/>
+      </p:nvGrpSpPr>
+      <p:grpSpPr>
+        <a:xfrm>
+          <a:off x="0" y="0"/>
+          <a:ext cx="0" cy="0"/>
+          <a:chOff x="0" y="0"/>
+          <a:chExt cx="0" cy="0"/>
+        </a:xfrm>
+      </p:grpSpPr>
+      <p:sp>
+        <p:nvSpPr>
+          <p:cNvPr id="2" name="Title 1"/>
+          <p:cNvSpPr>
+            <a:spLocks noGrp="1"/>
+          </p:cNvSpPr>
+          <p:nvPr>
+            <p:ph type="title"/>
+          </p:nvPr>
+        </p:nvSpPr>
+        <p:spPr/>
+        <p:txBody>
+          <a:bodyPr/>
+          <a:lstStyle/>
+          <a:p>
+            <a:pPr lvl="0"/>
+            <a:r>
+              <a:rPr lang="en-US" smtClean="0"/>
+              <a:t>Setting Expectations</a:t>
+            </a:r>
+            <a:endParaRPr lang="en-US" dirty="0"/>
+          </a:p>
+        </p:txBody>
+      </p:sp>
+      <p:sp>
+        <p:nvSpPr>
+          <p:cNvPr id="3" name="Content Placeholder 2"/>
+          <p:cNvSpPr>
+            <a:spLocks noGrp="1"/>
+          </p:cNvSpPr>
+          <p:nvPr>
+            <p:ph sz="quarter" idx="10"/>
+          </p:nvPr>
+        </p:nvSpPr>
+        <p:spPr/>
+        <p:txBody>
+          <a:bodyPr/>
+          <a:lstStyle/>
+          <a:p>
+            <a:r>
+              <a:rPr lang="en-US" sz="4000" dirty="0" smtClean="0"/>
+              <a:t>Target Audience</a:t>
+            </a:r>
+          </a:p>
+          <a:p>
+            <a:pPr lvl="1"/>
+            <a:r>
+              <a:rPr lang="en-US" sz="3600" dirty="0" smtClean="0"/>
+              <a:t>Web Developers</a:t>
+            </a:r>
+          </a:p>
+          <a:p>
+            <a:pPr lvl="1"/>
+            <a:r>
+              <a:rPr lang="en-US" sz="3600" dirty="0" smtClean="0"/>
+              <a:t>Experience with </a:t>
+            </a:r>
+            <a:r>
+              <a:rPr lang="en-US" sz="3600" dirty="0" smtClean="0"/>
+              <a:t>C#</a:t>
+            </a:r>
+            <a:endParaRPr lang="en-US" sz="3600" dirty="0" smtClean="0"/>
+          </a:p>
+          <a:p>
+            <a:r>
+              <a:rPr lang="en-US" sz="4000" dirty="0" smtClean="0"/>
+              <a:t>Suggested </a:t>
+            </a:r>
+            <a:r>
+              <a:rPr lang="en-US" sz="4000" dirty="0" smtClean="0"/>
+              <a:t>Prerequisites/Supporting Material</a:t>
+            </a:r>
+          </a:p>
+          <a:p>
+            <a:pPr lvl="1"/>
+            <a:r>
+              <a:rPr lang="en-US" sz="3600" dirty="0" smtClean="0"/>
+              <a:t>Introduction to MVC</a:t>
+            </a:r>
+            <a:endParaRPr lang="en-US" sz="3600" dirty="0" smtClean="0"/>
+          </a:p>
+        </p:txBody>
+      </p:sp>
+    </p:spTree>
+    <p:extLst>
+      <p:ext uri="{BB962C8B-B14F-4D97-AF65-F5344CB8AC3E}">
+        <p14:creationId xmlns:p14="http://schemas.microsoft.com/office/powerpoint/2010/main" val="4157320794"/>
+      </p:ext>
+    </p:extLst>
+  </p:cSld>
+  <p:clrMapOvr>
+    <a:masterClrMapping/>
+  </p:clrMapOvr>
+  <p:timing>
+    <p:tnLst>
+      <p:par>
+        <p:cTn id="1" dur="indefinite" restart="never" nodeType="tmRoot"/>
+      </p:par>
+    </p:tnLst>
+  </p:timing>
+</p:sld>
+</file>
+
+<file path=ppt/slides/slide5.xml><?xml version="1.0" encoding="utf-8"?>
+<p:sld xmlns:a="http://schemas.openxmlformats.org/drawingml/2006/main" xmlns:r="http://schemas.openxmlformats.org/officeDocument/2006/relationships" xmlns:p="http://schemas.openxmlformats.org/presentationml/2006/main">
+  <p:cSld>
+    <p:spTree>
+      <p:nvGrpSpPr>
+        <p:cNvPr id="1" name=""/>
+        <p:cNvGrpSpPr/>
+        <p:nvPr/>
+      </p:nvGrpSpPr>
+      <p:grpSpPr>
+        <a:xfrm>
+          <a:off x="0" y="0"/>
+          <a:ext cx="0" cy="0"/>
+          <a:chOff x="0" y="0"/>
+          <a:chExt cx="0" cy="0"/>
+        </a:xfrm>
+      </p:grpSpPr>
+      <p:sp>
+        <p:nvSpPr>
+          <p:cNvPr id="2" name="Content Placeholder 1"/>
+          <p:cNvSpPr>
+            <a:spLocks noGrp="1"/>
+          </p:cNvSpPr>
+          <p:nvPr>
+            <p:ph sz="quarter" idx="10"/>
+          </p:nvPr>
+        </p:nvSpPr>
+        <p:spPr>
+          <a:xfrm>
+            <a:off x="277813" y="1427918"/>
+            <a:ext cx="11525250" cy="5290388"/>
+          </a:xfrm>
+        </p:spPr>
+        <p:txBody>
+          <a:bodyPr/>
+          <a:lstStyle/>
+          <a:p>
+            <a:r>
+              <a:rPr lang="en-US" dirty="0" smtClean="0"/>
+              <a:t>Microsoft Virtual Academy</a:t>
+            </a:r>
+          </a:p>
+          <a:p>
+            <a:pPr lvl="1"/>
+            <a:r>
+              <a:rPr lang="en-US" dirty="0" smtClean="0"/>
+              <a:t>Free online learning tailored for IT Pros and Developers </a:t>
+            </a:r>
+          </a:p>
+          <a:p>
+            <a:pPr lvl="1"/>
+            <a:r>
+              <a:rPr lang="en-US" dirty="0"/>
+              <a:t>Over </a:t>
+            </a:r>
+            <a:r>
+              <a:rPr lang="en-US" dirty="0" smtClean="0"/>
+              <a:t>2.6 million registered users</a:t>
+            </a:r>
+          </a:p>
+          <a:p>
+            <a:pPr lvl="1"/>
+            <a:r>
+              <a:rPr lang="en-US" dirty="0" smtClean="0"/>
+              <a:t>Up-to-date, relevant training on variety of Microsoft products</a:t>
+            </a:r>
+          </a:p>
+          <a:p>
+            <a:r>
+              <a:rPr lang="en-US" dirty="0" smtClean="0"/>
+              <a:t>“Earn while you learn!” </a:t>
+            </a:r>
+          </a:p>
+          <a:p>
+            <a:pPr lvl="1"/>
+            <a:r>
+              <a:rPr lang="en-US" dirty="0" smtClean="0"/>
+              <a:t>Get 50 MVA Points for this event!</a:t>
+            </a:r>
+          </a:p>
+          <a:p>
+            <a:pPr lvl="1"/>
+            <a:r>
+              <a:rPr lang="en-US" dirty="0" smtClean="0"/>
+              <a:t>Visit </a:t>
+            </a:r>
+            <a:r>
+              <a:rPr lang="en-US" dirty="0" smtClean="0">
+                <a:hlinkClick r:id="rId2"/>
+              </a:rPr>
+              <a:t>http://aka.ms/MVA-Voucher</a:t>
+            </a:r>
+            <a:r>
+              <a:rPr lang="en-US" dirty="0" smtClean="0"/>
+              <a:t> </a:t>
+            </a:r>
+          </a:p>
+          <a:p>
+            <a:pPr lvl="1"/>
+            <a:r>
+              <a:rPr lang="en-US" dirty="0" smtClean="0"/>
+              <a:t>Enter this code: </a:t>
+            </a:r>
+            <a:r>
+              <a:rPr lang="en-US" dirty="0" err="1">
+                <a:solidFill>
+                  <a:srgbClr val="444444"/>
+                </a:solidFill>
+                <a:latin typeface="Segoe UI" panose="020B0502040204020203" pitchFamily="34" charset="0"/>
+              </a:rPr>
+              <a:t>MVCEntityFrmwrk</a:t>
+            </a:r>
+            <a:r>
+              <a:rPr lang="en-US" dirty="0">
+                <a:solidFill>
+                  <a:srgbClr val="444444"/>
+                </a:solidFill>
+                <a:latin typeface="Segoe UI" panose="020B0502040204020203" pitchFamily="34" charset="0"/>
+              </a:rPr>
+              <a:t> </a:t>
+            </a:r>
+            <a:r>
+              <a:rPr lang="en-US" dirty="0" smtClean="0"/>
+              <a:t>(</a:t>
+            </a:r>
+            <a:r>
+              <a:rPr lang="en-US" dirty="0"/>
+              <a:t>Expires </a:t>
+            </a:r>
+            <a:r>
+              <a:rPr lang="en-US" dirty="0" smtClean="0"/>
+              <a:t>2Mar15)</a:t>
+            </a:r>
+            <a:endParaRPr lang="en-US" dirty="0"/>
+          </a:p>
+        </p:txBody>
+      </p:sp>
+      <p:sp>
+        <p:nvSpPr>
+          <p:cNvPr id="3" name="Title 2"/>
+          <p:cNvSpPr>
+            <a:spLocks noGrp="1"/>
+          </p:cNvSpPr>
+          <p:nvPr>
+            <p:ph type="title"/>
+          </p:nvPr>
+        </p:nvSpPr>
+        <p:spPr>
+          <a:xfrm>
+            <a:off x="-367266" y="182215"/>
+            <a:ext cx="11416266" cy="1063487"/>
+          </a:xfrm>
+        </p:spPr>
+        <p:txBody>
+          <a:bodyPr/>
+          <a:lstStyle/>
+          <a:p>
+            <a:r>
+              <a:rPr lang="en-US" dirty="0" smtClean="0"/>
+              <a:t>     Join the MVA Community!</a:t>
+            </a:r>
+            <a:endParaRPr lang="en-US" dirty="0"/>
+          </a:p>
+        </p:txBody>
+      </p:sp>
+    </p:spTree>
+    <p:extLst>
+      <p:ext uri="{BB962C8B-B14F-4D97-AF65-F5344CB8AC3E}">
+        <p14:creationId xmlns:p14="http://schemas.microsoft.com/office/powerpoint/2010/main" val="1300022386"/>
+      </p:ext>
+    </p:extLst>
+  </p:cSld>
+  <p:clrMapOvr>
+    <a:masterClrMapping/>
+  </p:clrMapOvr>
+  <mc:AlternateContent xmlns:mc="http://schemas.openxmlformats.org/markup-compatibility/2006">
+    <mc:Choice xmlns:p14="http://schemas.microsoft.com/office/powerpoint/2010/main" Requires="p14">
+      <p:transition spd="med" p14:dur="700">
+        <p:fade/>
+      </p:transition>
+    </mc:Choice>
+    <mc:Fallback>
+      <p:transition spd="med">
+        <p:fade/>
+      </p:transition>
+    </mc:Fallback>
+  </mc:AlternateContent>
+  <p:timing>
+    <p:tnLst>
+      <p:par>
+        <p:cTn id="1" dur="indefinite" restart="never" nodeType="tmRoot"/>
+      </p:par>
+    </p:tnLst>
+  </p:timing>
+</p:sld>
+</file>
+
+<file path=ppt/slides/slide6.xml><?xml version="1.0" encoding="utf-8"?>
+<p:sld xmlns:a="http://schemas.openxmlformats.org/drawingml/2006/main" xmlns:r="http://schemas.openxmlformats.org/officeDocument/2006/relationships" xmlns:p="http://schemas.openxmlformats.org/presentationml/2006/main">
+  <p:cSld>
+    <p:spTree>
+      <p:nvGrpSpPr>
+        <p:cNvPr id="1" name=""/>
+        <p:cNvGrpSpPr/>
+        <p:nvPr/>
+      </p:nvGrpSpPr>
+      <p:grpSpPr>
+        <a:xfrm>
+          <a:off x="0" y="0"/>
+          <a:ext cx="0" cy="0"/>
+          <a:chOff x="0" y="0"/>
+          <a:chExt cx="0" cy="0"/>
+        </a:xfrm>
+      </p:grpSpPr>
+      <p:sp>
+        <p:nvSpPr>
+          <p:cNvPr id="2" name="Title 1"/>
+          <p:cNvSpPr>
+            <a:spLocks noGrp="1"/>
+          </p:cNvSpPr>
+          <p:nvPr>
+            <p:ph type="title"/>
+          </p:nvPr>
+        </p:nvSpPr>
+        <p:spPr/>
+        <p:txBody>
+          <a:bodyPr/>
+          <a:lstStyle/>
+          <a:p>
+            <a:r>
+              <a:rPr lang="en-US" dirty="0" err="1" smtClean="0"/>
+              <a:t>Github</a:t>
+            </a:r>
+            <a:r>
+              <a:rPr lang="en-US" dirty="0" smtClean="0"/>
+              <a:t> Repository</a:t>
+            </a:r>
+            <a:endParaRPr lang="en-US" dirty="0"/>
+          </a:p>
+        </p:txBody>
+      </p:sp>
+      <p:sp>
+        <p:nvSpPr>
+          <p:cNvPr id="3" name="Content Placeholder 2"/>
+          <p:cNvSpPr>
+            <a:spLocks noGrp="1"/>
+          </p:cNvSpPr>
+          <p:nvPr>
+            <p:ph sz="quarter" idx="10"/>
+          </p:nvPr>
+        </p:nvSpPr>
+        <p:spPr/>
+        <p:txBody>
+          <a:bodyPr/>
+          <a:lstStyle/>
+          <a:p>
+            <a:r>
+              <a:rPr lang="en-US" dirty="0" smtClean="0"/>
+              <a:t>Has all demo files along with slides from this session</a:t>
+            </a:r>
+          </a:p>
+          <a:p>
+            <a:r>
+              <a:rPr lang="en-US" dirty="0" smtClean="0">
+                <a:hlinkClick r:id="rId2"/>
+              </a:rPr>
+              <a:t>http://github.com/MicrosoftLearning/EntityFramework</a:t>
+            </a:r>
+            <a:endParaRPr lang="en-US" dirty="0" smtClean="0"/>
+          </a:p>
+          <a:p>
+            <a:endParaRPr lang="en-US" dirty="0"/>
+          </a:p>
+        </p:txBody>
+      </p:sp>
+    </p:spTree>
+    <p:extLst>
+      <p:ext uri="{BB962C8B-B14F-4D97-AF65-F5344CB8AC3E}">
+        <p14:creationId xmlns:p14="http://schemas.microsoft.com/office/powerpoint/2010/main" val="446854931"/>
+      </p:ext>
+    </p:extLst>
+  </p:cSld>
+  <p:clrMapOvr>
+    <a:masterClrMapping/>
+  </p:clrMapOvr>
+</p:sld>
+</file>
+
+<file path=ppt/slides/slide7.xml><?xml version="1.0" encoding="utf-8"?>
+<p:sld xmlns:a="http://schemas.openxmlformats.org/drawingml/2006/main" xmlns:r="http://schemas.openxmlformats.org/officeDocument/2006/relationships" xmlns:p="http://schemas.openxmlformats.org/presentationml/2006/main">
+  <p:cSld>
+    <p:spTree>
+      <p:nvGrpSpPr>
+        <p:cNvPr id="1" name=""/>
+        <p:cNvGrpSpPr/>
+        <p:nvPr/>
+      </p:nvGrpSpPr>
+      <p:grpSpPr>
+        <a:xfrm>
+          <a:off x="0" y="0"/>
+          <a:ext cx="0" cy="0"/>
+          <a:chOff x="0" y="0"/>
+          <a:chExt cx="0" cy="0"/>
+        </a:xfrm>
+      </p:grpSpPr>
+      <p:sp>
+        <p:nvSpPr>
+          <p:cNvPr id="2" name="Title 1"/>
+          <p:cNvSpPr>
+            <a:spLocks noGrp="1"/>
+          </p:cNvSpPr>
+          <p:nvPr>
+            <p:ph type="title"/>
+          </p:nvPr>
+        </p:nvSpPr>
+        <p:spPr/>
+        <p:txBody>
+          <a:bodyPr/>
+          <a:lstStyle/>
+          <a:p>
             <a:pPr lvl="0"/>
             <a:r>
               <a:rPr lang="en-US" smtClean="0"/>
@@ -15777,14 +18461,14 @@
                 <a:gridCol w="5762625">
                   <a:extLst>
                     <a:ext uri="{9D8B030D-6E8A-4147-A177-3AD203B41FA5}">
-                      <a16:colId xmlns:a16="http://schemas.microsoft.com/office/drawing/2014/main" xmlns="" val="1632794655"/>
+                      <a16:colId xmlns="" xmlns:a16="http://schemas.microsoft.com/office/drawing/2014/main" val="1632794655"/>
                     </a:ext>
                   </a:extLst>
                 </a:gridCol>
                 <a:gridCol w="5762625">
                   <a:extLst>
                     <a:ext uri="{9D8B030D-6E8A-4147-A177-3AD203B41FA5}">
-                      <a16:colId xmlns:a16="http://schemas.microsoft.com/office/drawing/2014/main" xmlns="" val="2011313899"/>
+                      <a16:colId xmlns="" xmlns:a16="http://schemas.microsoft.com/office/drawing/2014/main" val="2011313899"/>
                     </a:ext>
                   </a:extLst>
                 </a:gridCol>
@@ -15819,7 +18503,7 @@
                 </a:tc>
                 <a:extLst>
                   <a:ext uri="{0D108BD9-81ED-4DB2-BD59-A6C34878D82A}">
-                    <a16:rowId xmlns:a16="http://schemas.microsoft.com/office/drawing/2014/main" xmlns="" val="1789177411"/>
+                    <a16:rowId xmlns="" xmlns:a16="http://schemas.microsoft.com/office/drawing/2014/main" val="1789177411"/>
                   </a:ext>
                 </a:extLst>
               </a:tr>
@@ -15879,7 +18563,7 @@
                 </a:tc>
                 <a:extLst>
                   <a:ext uri="{0D108BD9-81ED-4DB2-BD59-A6C34878D82A}">
-                    <a16:rowId xmlns:a16="http://schemas.microsoft.com/office/drawing/2014/main" xmlns="" val="3842815335"/>
+                    <a16:rowId xmlns="" xmlns:a16="http://schemas.microsoft.com/office/drawing/2014/main" val="3842815335"/>
                   </a:ext>
                 </a:extLst>
               </a:tr>
@@ -15946,7 +18630,7 @@
                 </a:tc>
                 <a:extLst>
                   <a:ext uri="{0D108BD9-81ED-4DB2-BD59-A6C34878D82A}">
-                    <a16:rowId xmlns:a16="http://schemas.microsoft.com/office/drawing/2014/main" xmlns="" val="321066646"/>
+                    <a16:rowId xmlns="" xmlns:a16="http://schemas.microsoft.com/office/drawing/2014/main" val="321066646"/>
                   </a:ext>
                 </a:extLst>
               </a:tr>
@@ -16044,7 +18728,7 @@
                 </a:tc>
                 <a:extLst>
                   <a:ext uri="{0D108BD9-81ED-4DB2-BD59-A6C34878D82A}">
-                    <a16:rowId xmlns:a16="http://schemas.microsoft.com/office/drawing/2014/main" xmlns="" val="3812060533"/>
+                    <a16:rowId xmlns="" xmlns:a16="http://schemas.microsoft.com/office/drawing/2014/main" val="3812060533"/>
                   </a:ext>
                 </a:extLst>
               </a:tr>
@@ -16080,7 +18764,7 @@
 </p:sld>
 </file>
 
-<file path=ppt/slides/slide4.xml><?xml version="1.0" encoding="utf-8"?>
+<file path=ppt/slides/slide8.xml><?xml version="1.0" encoding="utf-8"?>
 <p:sld xmlns:a="http://schemas.openxmlformats.org/drawingml/2006/main" xmlns:r="http://schemas.openxmlformats.org/officeDocument/2006/relationships" xmlns:p="http://schemas.openxmlformats.org/presentationml/2006/main">
   <p:cSld>
     <p:spTree>
@@ -16326,1861 +19010,6 @@
     <p:extLst>
       <p:ext uri="{BB962C8B-B14F-4D97-AF65-F5344CB8AC3E}">
         <p14:creationId xmlns:p14="http://schemas.microsoft.com/office/powerpoint/2010/main" val="2223918660"/>
-      </p:ext>
-    </p:extLst>
-  </p:cSld>
-  <p:clrMapOvr>
-    <a:masterClrMapping/>
-  </p:clrMapOvr>
-  <p:timing>
-    <p:tnLst>
-      <p:par>
-        <p:cTn id="1" dur="indefinite" restart="never" nodeType="tmRoot"/>
-      </p:par>
-    </p:tnLst>
-  </p:timing>
-</p:sld>
-</file>
-
-<file path=ppt/slides/slide5.xml><?xml version="1.0" encoding="utf-8"?>
-<p:sld xmlns:a="http://schemas.openxmlformats.org/drawingml/2006/main" xmlns:r="http://schemas.openxmlformats.org/officeDocument/2006/relationships" xmlns:p="http://schemas.openxmlformats.org/presentationml/2006/main">
-  <p:cSld>
-    <p:spTree>
-      <p:nvGrpSpPr>
-        <p:cNvPr id="1" name=""/>
-        <p:cNvGrpSpPr/>
-        <p:nvPr/>
-      </p:nvGrpSpPr>
-      <p:grpSpPr>
-        <a:xfrm>
-          <a:off x="0" y="0"/>
-          <a:ext cx="0" cy="0"/>
-          <a:chOff x="0" y="0"/>
-          <a:chExt cx="0" cy="0"/>
-        </a:xfrm>
-      </p:grpSpPr>
-      <p:sp>
-        <p:nvSpPr>
-          <p:cNvPr id="2" name="Title 1"/>
-          <p:cNvSpPr>
-            <a:spLocks noGrp="1"/>
-          </p:cNvSpPr>
-          <p:nvPr>
-            <p:ph type="title"/>
-          </p:nvPr>
-        </p:nvSpPr>
-        <p:spPr/>
-        <p:txBody>
-          <a:bodyPr/>
-          <a:lstStyle/>
-          <a:p>
-            <a:r>
-              <a:rPr lang="en-US" dirty="0" smtClean="0"/>
-              <a:t>Module Overview</a:t>
-            </a:r>
-            <a:endParaRPr lang="en-US" dirty="0"/>
-          </a:p>
-        </p:txBody>
-      </p:sp>
-      <p:sp>
-        <p:nvSpPr>
-          <p:cNvPr id="7" name="Content Placeholder 6"/>
-          <p:cNvSpPr>
-            <a:spLocks noGrp="1"/>
-          </p:cNvSpPr>
-          <p:nvPr>
-            <p:ph sz="quarter" idx="10"/>
-          </p:nvPr>
-        </p:nvSpPr>
-        <p:spPr/>
-        <p:txBody>
-          <a:bodyPr>
-            <a:normAutofit/>
-          </a:bodyPr>
-          <a:lstStyle/>
-          <a:p>
-            <a:r>
-              <a:rPr lang="en-GB" dirty="0" smtClean="0"/>
-              <a:t>Architecture</a:t>
-            </a:r>
-          </a:p>
-          <a:p>
-            <a:r>
-              <a:rPr lang="en-GB" dirty="0"/>
-              <a:t>Intro to Code First</a:t>
-            </a:r>
-          </a:p>
-          <a:p>
-            <a:r>
-              <a:rPr lang="en-GB" dirty="0" smtClean="0"/>
-              <a:t>Generating EF Classes</a:t>
-            </a:r>
-          </a:p>
-          <a:p>
-            <a:endParaRPr lang="en-GB" dirty="0" smtClean="0"/>
-          </a:p>
-        </p:txBody>
-      </p:sp>
-    </p:spTree>
-    <p:extLst>
-      <p:ext uri="{BB962C8B-B14F-4D97-AF65-F5344CB8AC3E}">
-        <p14:creationId xmlns:p14="http://schemas.microsoft.com/office/powerpoint/2010/main" val="1732941805"/>
-      </p:ext>
-    </p:extLst>
-  </p:cSld>
-  <p:clrMapOvr>
-    <a:masterClrMapping/>
-  </p:clrMapOvr>
-  <p:timing>
-    <p:tnLst>
-      <p:par>
-        <p:cTn id="1" dur="indefinite" restart="never" nodeType="tmRoot"/>
-      </p:par>
-    </p:tnLst>
-  </p:timing>
-</p:sld>
-</file>
-
-<file path=ppt/slides/slide6.xml><?xml version="1.0" encoding="utf-8"?>
-<p:sld xmlns:a="http://schemas.openxmlformats.org/drawingml/2006/main" xmlns:r="http://schemas.openxmlformats.org/officeDocument/2006/relationships" xmlns:p="http://schemas.openxmlformats.org/presentationml/2006/main">
-  <p:cSld>
-    <p:spTree>
-      <p:nvGrpSpPr>
-        <p:cNvPr id="1" name=""/>
-        <p:cNvGrpSpPr/>
-        <p:nvPr/>
-      </p:nvGrpSpPr>
-      <p:grpSpPr>
-        <a:xfrm>
-          <a:off x="0" y="0"/>
-          <a:ext cx="0" cy="0"/>
-          <a:chOff x="0" y="0"/>
-          <a:chExt cx="0" cy="0"/>
-        </a:xfrm>
-      </p:grpSpPr>
-      <p:sp>
-        <p:nvSpPr>
-          <p:cNvPr id="4" name="Text Placeholder 3"/>
-          <p:cNvSpPr>
-            <a:spLocks noGrp="1"/>
-          </p:cNvSpPr>
-          <p:nvPr>
-            <p:ph type="body" sz="quarter" idx="10"/>
-          </p:nvPr>
-        </p:nvSpPr>
-        <p:spPr/>
-        <p:txBody>
-          <a:bodyPr/>
-          <a:lstStyle/>
-          <a:p>
-            <a:r>
-              <a:rPr lang="en-US" smtClean="0"/>
-              <a:t>Architecture</a:t>
-            </a:r>
-            <a:endParaRPr lang="en-US" dirty="0"/>
-          </a:p>
-        </p:txBody>
-      </p:sp>
-      <p:sp>
-        <p:nvSpPr>
-          <p:cNvPr id="18" name="Subtitle 17"/>
-          <p:cNvSpPr>
-            <a:spLocks noGrp="1"/>
-          </p:cNvSpPr>
-          <p:nvPr>
-            <p:ph type="subTitle" idx="1"/>
-          </p:nvPr>
-        </p:nvSpPr>
-        <p:spPr/>
-        <p:txBody>
-          <a:bodyPr/>
-          <a:lstStyle/>
-          <a:p>
-            <a:endParaRPr lang="en-US"/>
-          </a:p>
-        </p:txBody>
-      </p:sp>
-    </p:spTree>
-    <p:extLst>
-      <p:ext uri="{BB962C8B-B14F-4D97-AF65-F5344CB8AC3E}">
-        <p14:creationId xmlns:p14="http://schemas.microsoft.com/office/powerpoint/2010/main" val="1080225099"/>
-      </p:ext>
-    </p:extLst>
-  </p:cSld>
-  <p:clrMapOvr>
-    <a:masterClrMapping/>
-  </p:clrMapOvr>
-  <p:timing>
-    <p:tnLst>
-      <p:par>
-        <p:cTn id="1" dur="indefinite" restart="never" nodeType="tmRoot"/>
-      </p:par>
-    </p:tnLst>
-  </p:timing>
-</p:sld>
-</file>
-
-<file path=ppt/slides/slide7.xml><?xml version="1.0" encoding="utf-8"?>
-<p:sld xmlns:a="http://schemas.openxmlformats.org/drawingml/2006/main" xmlns:r="http://schemas.openxmlformats.org/officeDocument/2006/relationships" xmlns:p="http://schemas.openxmlformats.org/presentationml/2006/main">
-  <p:cSld>
-    <p:spTree>
-      <p:nvGrpSpPr>
-        <p:cNvPr id="1" name=""/>
-        <p:cNvGrpSpPr/>
-        <p:nvPr/>
-      </p:nvGrpSpPr>
-      <p:grpSpPr>
-        <a:xfrm>
-          <a:off x="0" y="0"/>
-          <a:ext cx="0" cy="0"/>
-          <a:chOff x="0" y="0"/>
-          <a:chExt cx="0" cy="0"/>
-        </a:xfrm>
-      </p:grpSpPr>
-      <p:sp>
-        <p:nvSpPr>
-          <p:cNvPr id="19" name="Rounded Rectangle 18"/>
-          <p:cNvSpPr/>
-          <p:nvPr/>
-        </p:nvSpPr>
-        <p:spPr>
-          <a:xfrm>
-            <a:off x="6552555" y="3046993"/>
-            <a:ext cx="5000816" cy="3466731"/>
-          </a:xfrm>
-          <a:prstGeom prst="roundRect">
-            <a:avLst/>
-          </a:prstGeom>
-          <a:solidFill>
-            <a:schemeClr val="bg1"/>
-          </a:solidFill>
-        </p:spPr>
-        <p:style>
-          <a:lnRef idx="2">
-            <a:schemeClr val="accent1">
-              <a:shade val="50000"/>
-            </a:schemeClr>
-          </a:lnRef>
-          <a:fillRef idx="1">
-            <a:schemeClr val="accent1"/>
-          </a:fillRef>
-          <a:effectRef idx="0">
-            <a:schemeClr val="accent1"/>
-          </a:effectRef>
-          <a:fontRef idx="minor">
-            <a:schemeClr val="lt1"/>
-          </a:fontRef>
-        </p:style>
-        <p:txBody>
-          <a:bodyPr rtlCol="0" anchor="ctr"/>
-          <a:lstStyle/>
-          <a:p>
-            <a:pPr algn="ctr"/>
-            <a:endParaRPr lang="en-US"/>
-          </a:p>
-        </p:txBody>
-      </p:sp>
-      <p:sp>
-        <p:nvSpPr>
-          <p:cNvPr id="18" name="Rounded Rectangle 17"/>
-          <p:cNvSpPr/>
-          <p:nvPr/>
-        </p:nvSpPr>
-        <p:spPr>
-          <a:xfrm>
-            <a:off x="392486" y="3665303"/>
-            <a:ext cx="5384621" cy="2378982"/>
-          </a:xfrm>
-          <a:prstGeom prst="roundRect">
-            <a:avLst/>
-          </a:prstGeom>
-          <a:solidFill>
-            <a:schemeClr val="bg1"/>
-          </a:solidFill>
-        </p:spPr>
-        <p:style>
-          <a:lnRef idx="2">
-            <a:schemeClr val="accent1">
-              <a:shade val="50000"/>
-            </a:schemeClr>
-          </a:lnRef>
-          <a:fillRef idx="1">
-            <a:schemeClr val="accent1"/>
-          </a:fillRef>
-          <a:effectRef idx="0">
-            <a:schemeClr val="accent1"/>
-          </a:effectRef>
-          <a:fontRef idx="minor">
-            <a:schemeClr val="lt1"/>
-          </a:fontRef>
-        </p:style>
-        <p:txBody>
-          <a:bodyPr rtlCol="0" anchor="ctr"/>
-          <a:lstStyle/>
-          <a:p>
-            <a:pPr algn="ctr"/>
-            <a:endParaRPr lang="en-US"/>
-          </a:p>
-        </p:txBody>
-      </p:sp>
-      <p:sp>
-        <p:nvSpPr>
-          <p:cNvPr id="2" name="Title 1"/>
-          <p:cNvSpPr>
-            <a:spLocks noGrp="1"/>
-          </p:cNvSpPr>
-          <p:nvPr>
-            <p:ph type="title"/>
-          </p:nvPr>
-        </p:nvSpPr>
-        <p:spPr/>
-        <p:txBody>
-          <a:bodyPr/>
-          <a:lstStyle/>
-          <a:p>
-            <a:r>
-              <a:rPr lang="en-US" dirty="0" smtClean="0"/>
-              <a:t>What is the Entity Framework</a:t>
-            </a:r>
-            <a:endParaRPr lang="en-US" dirty="0"/>
-          </a:p>
-        </p:txBody>
-      </p:sp>
-      <p:sp>
-        <p:nvSpPr>
-          <p:cNvPr id="3" name="Content Placeholder 2"/>
-          <p:cNvSpPr>
-            <a:spLocks noGrp="1"/>
-          </p:cNvSpPr>
-          <p:nvPr>
-            <p:ph sz="quarter" idx="10"/>
-          </p:nvPr>
-        </p:nvSpPr>
-        <p:spPr>
-          <a:xfrm>
-            <a:off x="379413" y="1223336"/>
-            <a:ext cx="11525250" cy="5290388"/>
-          </a:xfrm>
-        </p:spPr>
-        <p:txBody>
-          <a:bodyPr/>
-          <a:lstStyle/>
-          <a:p>
-            <a:r>
-              <a:rPr lang="en-US" dirty="0" smtClean="0"/>
-              <a:t>It IS an ORM</a:t>
-            </a:r>
-          </a:p>
-          <a:p>
-            <a:r>
-              <a:rPr lang="en-US" dirty="0" smtClean="0"/>
-              <a:t>What’s an ORM?</a:t>
-            </a:r>
-          </a:p>
-          <a:p>
-            <a:pPr lvl="1"/>
-            <a:r>
-              <a:rPr lang="en-US" dirty="0" smtClean="0"/>
-              <a:t>Maps your database types to your code types</a:t>
-            </a:r>
-          </a:p>
-          <a:p>
-            <a:pPr lvl="1"/>
-            <a:r>
-              <a:rPr lang="en-US" dirty="0" smtClean="0"/>
-              <a:t>Avoids repetitive data access code</a:t>
-            </a:r>
-          </a:p>
-        </p:txBody>
-      </p:sp>
-      <p:pic>
-        <p:nvPicPr>
-          <p:cNvPr id="4" name="Picture 3"/>
-          <p:cNvPicPr>
-            <a:picLocks noChangeAspect="1"/>
-          </p:cNvPicPr>
-          <p:nvPr/>
-        </p:nvPicPr>
-        <p:blipFill>
-          <a:blip r:embed="rId3">
-            <a:duotone>
-              <a:prstClr val="black"/>
-              <a:schemeClr val="accent1">
-                <a:tint val="45000"/>
-                <a:satMod val="400000"/>
-              </a:schemeClr>
-            </a:duotone>
-          </a:blip>
-          <a:stretch>
-            <a:fillRect/>
-          </a:stretch>
-        </p:blipFill>
-        <p:spPr>
-          <a:xfrm>
-            <a:off x="1624929" y="4006738"/>
-            <a:ext cx="1419066" cy="1233568"/>
-          </a:xfrm>
-          <a:prstGeom prst="rect">
-            <a:avLst/>
-          </a:prstGeom>
-        </p:spPr>
-      </p:pic>
-      <p:pic>
-        <p:nvPicPr>
-          <p:cNvPr id="5" name="Picture 4"/>
-          <p:cNvPicPr>
-            <a:picLocks noChangeAspect="1"/>
-          </p:cNvPicPr>
-          <p:nvPr/>
-        </p:nvPicPr>
-        <p:blipFill>
-          <a:blip r:embed="rId4">
-            <a:duotone>
-              <a:prstClr val="black"/>
-              <a:schemeClr val="accent1">
-                <a:tint val="45000"/>
-                <a:satMod val="400000"/>
-              </a:schemeClr>
-            </a:duotone>
-          </a:blip>
-          <a:stretch>
-            <a:fillRect/>
-          </a:stretch>
-        </p:blipFill>
-        <p:spPr>
-          <a:xfrm>
-            <a:off x="530462" y="3960410"/>
-            <a:ext cx="1004017" cy="1302236"/>
-          </a:xfrm>
-          <a:prstGeom prst="rect">
-            <a:avLst/>
-          </a:prstGeom>
-        </p:spPr>
-      </p:pic>
-      <p:pic>
-        <p:nvPicPr>
-          <p:cNvPr id="6" name="Picture 5"/>
-          <p:cNvPicPr>
-            <a:picLocks noChangeAspect="1"/>
-          </p:cNvPicPr>
-          <p:nvPr/>
-        </p:nvPicPr>
-        <p:blipFill>
-          <a:blip r:embed="rId5">
-            <a:duotone>
-              <a:prstClr val="black"/>
-              <a:schemeClr val="accent1">
-                <a:tint val="45000"/>
-                <a:satMod val="400000"/>
-              </a:schemeClr>
-            </a:duotone>
-          </a:blip>
-          <a:stretch>
-            <a:fillRect/>
-          </a:stretch>
-        </p:blipFill>
-        <p:spPr>
-          <a:xfrm>
-            <a:off x="4193240" y="4006738"/>
-            <a:ext cx="1232942" cy="1261999"/>
-          </a:xfrm>
-          <a:prstGeom prst="rect">
-            <a:avLst/>
-          </a:prstGeom>
-        </p:spPr>
-      </p:pic>
-      <p:sp>
-        <p:nvSpPr>
-          <p:cNvPr id="7" name="TextBox 6"/>
-          <p:cNvSpPr txBox="1"/>
-          <p:nvPr/>
-        </p:nvSpPr>
-        <p:spPr>
-          <a:xfrm>
-            <a:off x="1686920" y="5240306"/>
-            <a:ext cx="1509516" cy="461665"/>
-          </a:xfrm>
-          <a:prstGeom prst="rect">
-            <a:avLst/>
-          </a:prstGeom>
-          <a:noFill/>
-        </p:spPr>
-        <p:txBody>
-          <a:bodyPr wrap="square" rtlCol="0">
-            <a:spAutoFit/>
-          </a:bodyPr>
-          <a:lstStyle/>
-          <a:p>
-            <a:r>
-              <a:rPr lang="en-US" sz="2400" dirty="0" smtClean="0">
-                <a:solidFill>
-                  <a:srgbClr val="576C8B"/>
-                </a:solidFill>
-              </a:rPr>
-              <a:t>Customer</a:t>
-            </a:r>
-            <a:endParaRPr lang="en-US" sz="2400" dirty="0">
-              <a:solidFill>
-                <a:srgbClr val="576C8B"/>
-              </a:solidFill>
-            </a:endParaRPr>
-          </a:p>
-        </p:txBody>
-      </p:sp>
-      <p:sp>
-        <p:nvSpPr>
-          <p:cNvPr id="8" name="TextBox 7"/>
-          <p:cNvSpPr txBox="1"/>
-          <p:nvPr/>
-        </p:nvSpPr>
-        <p:spPr>
-          <a:xfrm>
-            <a:off x="4040799" y="5240306"/>
-            <a:ext cx="1771185" cy="461665"/>
-          </a:xfrm>
-          <a:prstGeom prst="rect">
-            <a:avLst/>
-          </a:prstGeom>
-          <a:noFill/>
-        </p:spPr>
-        <p:txBody>
-          <a:bodyPr wrap="square" rtlCol="0">
-            <a:spAutoFit/>
-          </a:bodyPr>
-          <a:lstStyle/>
-          <a:p>
-            <a:r>
-              <a:rPr lang="en-US" sz="2400" dirty="0" err="1" smtClean="0">
-                <a:solidFill>
-                  <a:srgbClr val="576C8B"/>
-                </a:solidFill>
-              </a:rPr>
-              <a:t>Customer.cs</a:t>
-            </a:r>
-            <a:endParaRPr lang="en-US" sz="2400" dirty="0">
-              <a:solidFill>
-                <a:srgbClr val="576C8B"/>
-              </a:solidFill>
-            </a:endParaRPr>
-          </a:p>
-        </p:txBody>
-      </p:sp>
-      <p:sp>
-        <p:nvSpPr>
-          <p:cNvPr id="9" name="Left-Right Arrow 8"/>
-          <p:cNvSpPr/>
-          <p:nvPr/>
-        </p:nvSpPr>
-        <p:spPr>
-          <a:xfrm>
-            <a:off x="3120215" y="4413064"/>
-            <a:ext cx="846877" cy="435130"/>
-          </a:xfrm>
-          <a:prstGeom prst="leftRightArrow">
-            <a:avLst/>
-          </a:prstGeom>
-          <a:solidFill>
-            <a:srgbClr val="576C8B"/>
-          </a:solidFill>
-        </p:spPr>
-        <p:style>
-          <a:lnRef idx="2">
-            <a:schemeClr val="accent1">
-              <a:shade val="50000"/>
-            </a:schemeClr>
-          </a:lnRef>
-          <a:fillRef idx="1">
-            <a:schemeClr val="accent1"/>
-          </a:fillRef>
-          <a:effectRef idx="0">
-            <a:schemeClr val="accent1"/>
-          </a:effectRef>
-          <a:fontRef idx="minor">
-            <a:schemeClr val="lt1"/>
-          </a:fontRef>
-        </p:style>
-        <p:txBody>
-          <a:bodyPr rtlCol="0" anchor="ctr"/>
-          <a:lstStyle/>
-          <a:p>
-            <a:pPr algn="ctr"/>
-            <a:endParaRPr lang="en-US"/>
-          </a:p>
-        </p:txBody>
-      </p:sp>
-      <p:pic>
-        <p:nvPicPr>
-          <p:cNvPr id="10" name="Picture 9"/>
-          <p:cNvPicPr>
-            <a:picLocks noChangeAspect="1"/>
-          </p:cNvPicPr>
-          <p:nvPr/>
-        </p:nvPicPr>
-        <p:blipFill>
-          <a:blip r:embed="rId3">
-            <a:duotone>
-              <a:prstClr val="black"/>
-              <a:schemeClr val="accent1">
-                <a:tint val="45000"/>
-                <a:satMod val="400000"/>
-              </a:schemeClr>
-            </a:duotone>
-          </a:blip>
-          <a:stretch>
-            <a:fillRect/>
-          </a:stretch>
-        </p:blipFill>
-        <p:spPr>
-          <a:xfrm>
-            <a:off x="6621509" y="3192811"/>
-            <a:ext cx="1419066" cy="1233568"/>
-          </a:xfrm>
-          <a:prstGeom prst="rect">
-            <a:avLst/>
-          </a:prstGeom>
-        </p:spPr>
-      </p:pic>
-      <p:pic>
-        <p:nvPicPr>
-          <p:cNvPr id="11" name="Picture 10"/>
-          <p:cNvPicPr>
-            <a:picLocks noChangeAspect="1"/>
-          </p:cNvPicPr>
-          <p:nvPr/>
-        </p:nvPicPr>
-        <p:blipFill>
-          <a:blip r:embed="rId5">
-            <a:duotone>
-              <a:prstClr val="black"/>
-              <a:schemeClr val="accent1">
-                <a:tint val="45000"/>
-                <a:satMod val="400000"/>
-              </a:schemeClr>
-            </a:duotone>
-          </a:blip>
-          <a:stretch>
-            <a:fillRect/>
-          </a:stretch>
-        </p:blipFill>
-        <p:spPr>
-          <a:xfrm>
-            <a:off x="9551351" y="3795379"/>
-            <a:ext cx="1232942" cy="1261999"/>
-          </a:xfrm>
-          <a:prstGeom prst="rect">
-            <a:avLst/>
-          </a:prstGeom>
-        </p:spPr>
-      </p:pic>
-      <p:sp>
-        <p:nvSpPr>
-          <p:cNvPr id="12" name="TextBox 11"/>
-          <p:cNvSpPr txBox="1"/>
-          <p:nvPr/>
-        </p:nvSpPr>
-        <p:spPr>
-          <a:xfrm>
-            <a:off x="6683500" y="4426379"/>
-            <a:ext cx="1509516" cy="461665"/>
-          </a:xfrm>
-          <a:prstGeom prst="rect">
-            <a:avLst/>
-          </a:prstGeom>
-          <a:noFill/>
-        </p:spPr>
-        <p:txBody>
-          <a:bodyPr wrap="square" rtlCol="0">
-            <a:spAutoFit/>
-          </a:bodyPr>
-          <a:lstStyle/>
-          <a:p>
-            <a:r>
-              <a:rPr lang="en-US" sz="2400" dirty="0" smtClean="0">
-                <a:solidFill>
-                  <a:srgbClr val="576C8B"/>
-                </a:solidFill>
-              </a:rPr>
-              <a:t>Customer</a:t>
-            </a:r>
-            <a:endParaRPr lang="en-US" sz="2400" dirty="0">
-              <a:solidFill>
-                <a:srgbClr val="576C8B"/>
-              </a:solidFill>
-            </a:endParaRPr>
-          </a:p>
-        </p:txBody>
-      </p:sp>
-      <p:sp>
-        <p:nvSpPr>
-          <p:cNvPr id="13" name="TextBox 12"/>
-          <p:cNvSpPr txBox="1"/>
-          <p:nvPr/>
-        </p:nvSpPr>
-        <p:spPr>
-          <a:xfrm>
-            <a:off x="9114409" y="5013063"/>
-            <a:ext cx="2301360" cy="461665"/>
-          </a:xfrm>
-          <a:prstGeom prst="rect">
-            <a:avLst/>
-          </a:prstGeom>
-          <a:noFill/>
-        </p:spPr>
-        <p:txBody>
-          <a:bodyPr wrap="square" rtlCol="0">
-            <a:spAutoFit/>
-          </a:bodyPr>
-          <a:lstStyle/>
-          <a:p>
-            <a:r>
-              <a:rPr lang="en-US" sz="2400" dirty="0" err="1" smtClean="0">
-                <a:solidFill>
-                  <a:srgbClr val="576C8B"/>
-                </a:solidFill>
-              </a:rPr>
-              <a:t>CustomerInfo.cs</a:t>
-            </a:r>
-            <a:endParaRPr lang="en-US" sz="2400" dirty="0">
-              <a:solidFill>
-                <a:srgbClr val="576C8B"/>
-              </a:solidFill>
-            </a:endParaRPr>
-          </a:p>
-        </p:txBody>
-      </p:sp>
-      <p:sp>
-        <p:nvSpPr>
-          <p:cNvPr id="14" name="Left-Right Arrow 13"/>
-          <p:cNvSpPr/>
-          <p:nvPr/>
-        </p:nvSpPr>
-        <p:spPr>
-          <a:xfrm>
-            <a:off x="8116795" y="3599137"/>
-            <a:ext cx="846877" cy="435130"/>
-          </a:xfrm>
-          <a:prstGeom prst="leftRightArrow">
-            <a:avLst/>
-          </a:prstGeom>
-          <a:solidFill>
-            <a:srgbClr val="576C8B"/>
-          </a:solidFill>
-        </p:spPr>
-        <p:style>
-          <a:lnRef idx="2">
-            <a:schemeClr val="accent1">
-              <a:shade val="50000"/>
-            </a:schemeClr>
-          </a:lnRef>
-          <a:fillRef idx="1">
-            <a:schemeClr val="accent1"/>
-          </a:fillRef>
-          <a:effectRef idx="0">
-            <a:schemeClr val="accent1"/>
-          </a:effectRef>
-          <a:fontRef idx="minor">
-            <a:schemeClr val="lt1"/>
-          </a:fontRef>
-        </p:style>
-        <p:txBody>
-          <a:bodyPr rtlCol="0" anchor="ctr"/>
-          <a:lstStyle/>
-          <a:p>
-            <a:pPr algn="ctr"/>
-            <a:endParaRPr lang="en-US"/>
-          </a:p>
-        </p:txBody>
-      </p:sp>
-      <p:pic>
-        <p:nvPicPr>
-          <p:cNvPr id="15" name="Picture 14"/>
-          <p:cNvPicPr>
-            <a:picLocks noChangeAspect="1"/>
-          </p:cNvPicPr>
-          <p:nvPr/>
-        </p:nvPicPr>
-        <p:blipFill>
-          <a:blip r:embed="rId3">
-            <a:duotone>
-              <a:prstClr val="black"/>
-              <a:schemeClr val="accent1">
-                <a:tint val="45000"/>
-                <a:satMod val="400000"/>
-              </a:schemeClr>
-            </a:duotone>
-          </a:blip>
-          <a:stretch>
-            <a:fillRect/>
-          </a:stretch>
-        </p:blipFill>
-        <p:spPr>
-          <a:xfrm>
-            <a:off x="6633812" y="4818491"/>
-            <a:ext cx="1419066" cy="1233568"/>
-          </a:xfrm>
-          <a:prstGeom prst="rect">
-            <a:avLst/>
-          </a:prstGeom>
-        </p:spPr>
-      </p:pic>
-      <p:sp>
-        <p:nvSpPr>
-          <p:cNvPr id="16" name="TextBox 15"/>
-          <p:cNvSpPr txBox="1"/>
-          <p:nvPr/>
-        </p:nvSpPr>
-        <p:spPr>
-          <a:xfrm>
-            <a:off x="6919215" y="6052059"/>
-            <a:ext cx="1038085" cy="461665"/>
-          </a:xfrm>
-          <a:prstGeom prst="rect">
-            <a:avLst/>
-          </a:prstGeom>
-          <a:noFill/>
-        </p:spPr>
-        <p:txBody>
-          <a:bodyPr wrap="square" rtlCol="0">
-            <a:spAutoFit/>
-          </a:bodyPr>
-          <a:lstStyle/>
-          <a:p>
-            <a:r>
-              <a:rPr lang="en-US" sz="2400" dirty="0" err="1" smtClean="0">
-                <a:solidFill>
-                  <a:srgbClr val="576C8B"/>
-                </a:solidFill>
-              </a:rPr>
-              <a:t>ShipTo</a:t>
-            </a:r>
-            <a:endParaRPr lang="en-US" sz="2400" dirty="0">
-              <a:solidFill>
-                <a:srgbClr val="576C8B"/>
-              </a:solidFill>
-            </a:endParaRPr>
-          </a:p>
-        </p:txBody>
-      </p:sp>
-      <p:sp>
-        <p:nvSpPr>
-          <p:cNvPr id="17" name="Left-Right Arrow 16"/>
-          <p:cNvSpPr/>
-          <p:nvPr/>
-        </p:nvSpPr>
-        <p:spPr>
-          <a:xfrm>
-            <a:off x="8193016" y="5157082"/>
-            <a:ext cx="846877" cy="435130"/>
-          </a:xfrm>
-          <a:prstGeom prst="leftRightArrow">
-            <a:avLst/>
-          </a:prstGeom>
-          <a:solidFill>
-            <a:srgbClr val="576C8B"/>
-          </a:solidFill>
-        </p:spPr>
-        <p:style>
-          <a:lnRef idx="2">
-            <a:schemeClr val="accent1">
-              <a:shade val="50000"/>
-            </a:schemeClr>
-          </a:lnRef>
-          <a:fillRef idx="1">
-            <a:schemeClr val="accent1"/>
-          </a:fillRef>
-          <a:effectRef idx="0">
-            <a:schemeClr val="accent1"/>
-          </a:effectRef>
-          <a:fontRef idx="minor">
-            <a:schemeClr val="lt1"/>
-          </a:fontRef>
-        </p:style>
-        <p:txBody>
-          <a:bodyPr rtlCol="0" anchor="ctr"/>
-          <a:lstStyle/>
-          <a:p>
-            <a:pPr algn="ctr"/>
-            <a:endParaRPr lang="en-US"/>
-          </a:p>
-        </p:txBody>
-      </p:sp>
-    </p:spTree>
-    <p:extLst>
-      <p:ext uri="{BB962C8B-B14F-4D97-AF65-F5344CB8AC3E}">
-        <p14:creationId xmlns:p14="http://schemas.microsoft.com/office/powerpoint/2010/main" val="1205528098"/>
-      </p:ext>
-    </p:extLst>
-  </p:cSld>
-  <p:clrMapOvr>
-    <a:masterClrMapping/>
-  </p:clrMapOvr>
-  <p:timing>
-    <p:tnLst>
-      <p:par>
-        <p:cTn id="1" dur="indefinite" restart="never" nodeType="tmRoot">
-          <p:childTnLst>
-            <p:seq concurrent="1" nextAc="seek">
-              <p:cTn id="2" dur="indefinite" nodeType="mainSeq">
-                <p:childTnLst>
-                  <p:par>
-                    <p:cTn id="3" fill="hold">
-                      <p:stCondLst>
-                        <p:cond delay="indefinite"/>
-                      </p:stCondLst>
-                      <p:childTnLst>
-                        <p:par>
-                          <p:cTn id="4" fill="hold">
-                            <p:stCondLst>
-                              <p:cond delay="0"/>
-                            </p:stCondLst>
-                            <p:childTnLst>
-                              <p:par>
-                                <p:cTn id="5" presetID="10" presetClass="entr" presetSubtype="0" fill="hold" grpId="0" nodeType="clickEffect">
-                                  <p:stCondLst>
-                                    <p:cond delay="0"/>
-                                  </p:stCondLst>
-                                  <p:childTnLst>
-                                    <p:set>
-                                      <p:cBhvr>
-                                        <p:cTn id="6" dur="1" fill="hold">
-                                          <p:stCondLst>
-                                            <p:cond delay="0"/>
-                                          </p:stCondLst>
-                                        </p:cTn>
-                                        <p:tgtEl>
-                                          <p:spTgt spid="3">
-                                            <p:txEl>
-                                              <p:pRg st="0" end="0"/>
-                                            </p:txEl>
-                                          </p:spTgt>
-                                        </p:tgtEl>
-                                        <p:attrNameLst>
-                                          <p:attrName>style.visibility</p:attrName>
-                                        </p:attrNameLst>
-                                      </p:cBhvr>
-                                      <p:to>
-                                        <p:strVal val="visible"/>
-                                      </p:to>
-                                    </p:set>
-                                    <p:animEffect transition="in" filter="fade">
-                                      <p:cBhvr>
-                                        <p:cTn id="7" dur="500"/>
-                                        <p:tgtEl>
-                                          <p:spTgt spid="3">
-                                            <p:txEl>
-                                              <p:pRg st="0" end="0"/>
-                                            </p:txEl>
-                                          </p:spTgt>
-                                        </p:tgtEl>
-                                      </p:cBhvr>
-                                    </p:animEffect>
-                                  </p:childTnLst>
-                                </p:cTn>
-                              </p:par>
-                            </p:childTnLst>
-                          </p:cTn>
-                        </p:par>
-                      </p:childTnLst>
-                    </p:cTn>
-                  </p:par>
-                  <p:par>
-                    <p:cTn id="8" fill="hold">
-                      <p:stCondLst>
-                        <p:cond delay="indefinite"/>
-                      </p:stCondLst>
-                      <p:childTnLst>
-                        <p:par>
-                          <p:cTn id="9" fill="hold">
-                            <p:stCondLst>
-                              <p:cond delay="0"/>
-                            </p:stCondLst>
-                            <p:childTnLst>
-                              <p:par>
-                                <p:cTn id="10" presetID="10" presetClass="entr" presetSubtype="0" fill="hold" grpId="0" nodeType="clickEffect">
-                                  <p:stCondLst>
-                                    <p:cond delay="0"/>
-                                  </p:stCondLst>
-                                  <p:childTnLst>
-                                    <p:set>
-                                      <p:cBhvr>
-                                        <p:cTn id="11" dur="1" fill="hold">
-                                          <p:stCondLst>
-                                            <p:cond delay="0"/>
-                                          </p:stCondLst>
-                                        </p:cTn>
-                                        <p:tgtEl>
-                                          <p:spTgt spid="3">
-                                            <p:txEl>
-                                              <p:pRg st="1" end="1"/>
-                                            </p:txEl>
-                                          </p:spTgt>
-                                        </p:tgtEl>
-                                        <p:attrNameLst>
-                                          <p:attrName>style.visibility</p:attrName>
-                                        </p:attrNameLst>
-                                      </p:cBhvr>
-                                      <p:to>
-                                        <p:strVal val="visible"/>
-                                      </p:to>
-                                    </p:set>
-                                    <p:animEffect transition="in" filter="fade">
-                                      <p:cBhvr>
-                                        <p:cTn id="12" dur="500"/>
-                                        <p:tgtEl>
-                                          <p:spTgt spid="3">
-                                            <p:txEl>
-                                              <p:pRg st="1" end="1"/>
-                                            </p:txEl>
-                                          </p:spTgt>
-                                        </p:tgtEl>
-                                      </p:cBhvr>
-                                    </p:animEffect>
-                                  </p:childTnLst>
-                                </p:cTn>
-                              </p:par>
-                              <p:par>
-                                <p:cTn id="13" presetID="10" presetClass="entr" presetSubtype="0" fill="hold" grpId="0" nodeType="withEffect">
-                                  <p:stCondLst>
-                                    <p:cond delay="0"/>
-                                  </p:stCondLst>
-                                  <p:childTnLst>
-                                    <p:set>
-                                      <p:cBhvr>
-                                        <p:cTn id="14" dur="1" fill="hold">
-                                          <p:stCondLst>
-                                            <p:cond delay="0"/>
-                                          </p:stCondLst>
-                                        </p:cTn>
-                                        <p:tgtEl>
-                                          <p:spTgt spid="3">
-                                            <p:txEl>
-                                              <p:pRg st="2" end="2"/>
-                                            </p:txEl>
-                                          </p:spTgt>
-                                        </p:tgtEl>
-                                        <p:attrNameLst>
-                                          <p:attrName>style.visibility</p:attrName>
-                                        </p:attrNameLst>
-                                      </p:cBhvr>
-                                      <p:to>
-                                        <p:strVal val="visible"/>
-                                      </p:to>
-                                    </p:set>
-                                    <p:animEffect transition="in" filter="fade">
-                                      <p:cBhvr>
-                                        <p:cTn id="15" dur="500"/>
-                                        <p:tgtEl>
-                                          <p:spTgt spid="3">
-                                            <p:txEl>
-                                              <p:pRg st="2" end="2"/>
-                                            </p:txEl>
-                                          </p:spTgt>
-                                        </p:tgtEl>
-                                      </p:cBhvr>
-                                    </p:animEffect>
-                                  </p:childTnLst>
-                                </p:cTn>
-                              </p:par>
-                              <p:par>
-                                <p:cTn id="16" presetID="10" presetClass="entr" presetSubtype="0" fill="hold" grpId="0" nodeType="withEffect">
-                                  <p:stCondLst>
-                                    <p:cond delay="0"/>
-                                  </p:stCondLst>
-                                  <p:childTnLst>
-                                    <p:set>
-                                      <p:cBhvr>
-                                        <p:cTn id="17" dur="1" fill="hold">
-                                          <p:stCondLst>
-                                            <p:cond delay="0"/>
-                                          </p:stCondLst>
-                                        </p:cTn>
-                                        <p:tgtEl>
-                                          <p:spTgt spid="3">
-                                            <p:txEl>
-                                              <p:pRg st="3" end="3"/>
-                                            </p:txEl>
-                                          </p:spTgt>
-                                        </p:tgtEl>
-                                        <p:attrNameLst>
-                                          <p:attrName>style.visibility</p:attrName>
-                                        </p:attrNameLst>
-                                      </p:cBhvr>
-                                      <p:to>
-                                        <p:strVal val="visible"/>
-                                      </p:to>
-                                    </p:set>
-                                    <p:animEffect transition="in" filter="fade">
-                                      <p:cBhvr>
-                                        <p:cTn id="18" dur="500"/>
-                                        <p:tgtEl>
-                                          <p:spTgt spid="3">
-                                            <p:txEl>
-                                              <p:pRg st="3" end="3"/>
-                                            </p:txEl>
-                                          </p:spTgt>
-                                        </p:tgtEl>
-                                      </p:cBhvr>
-                                    </p:animEffect>
-                                  </p:childTnLst>
-                                </p:cTn>
-                              </p:par>
-                            </p:childTnLst>
-                          </p:cTn>
-                        </p:par>
-                      </p:childTnLst>
-                    </p:cTn>
-                  </p:par>
-                  <p:par>
-                    <p:cTn id="19" fill="hold">
-                      <p:stCondLst>
-                        <p:cond delay="indefinite"/>
-                      </p:stCondLst>
-                      <p:childTnLst>
-                        <p:par>
-                          <p:cTn id="20" fill="hold">
-                            <p:stCondLst>
-                              <p:cond delay="0"/>
-                            </p:stCondLst>
-                            <p:childTnLst>
-                              <p:par>
-                                <p:cTn id="21" presetID="10" presetClass="entr" presetSubtype="0" fill="hold" grpId="0" nodeType="clickEffect">
-                                  <p:stCondLst>
-                                    <p:cond delay="0"/>
-                                  </p:stCondLst>
-                                  <p:childTnLst>
-                                    <p:set>
-                                      <p:cBhvr>
-                                        <p:cTn id="22" dur="1" fill="hold">
-                                          <p:stCondLst>
-                                            <p:cond delay="0"/>
-                                          </p:stCondLst>
-                                        </p:cTn>
-                                        <p:tgtEl>
-                                          <p:spTgt spid="18"/>
-                                        </p:tgtEl>
-                                        <p:attrNameLst>
-                                          <p:attrName>style.visibility</p:attrName>
-                                        </p:attrNameLst>
-                                      </p:cBhvr>
-                                      <p:to>
-                                        <p:strVal val="visible"/>
-                                      </p:to>
-                                    </p:set>
-                                    <p:animEffect transition="in" filter="fade">
-                                      <p:cBhvr>
-                                        <p:cTn id="23" dur="500"/>
-                                        <p:tgtEl>
-                                          <p:spTgt spid="18"/>
-                                        </p:tgtEl>
-                                      </p:cBhvr>
-                                    </p:animEffect>
-                                  </p:childTnLst>
-                                </p:cTn>
-                              </p:par>
-                              <p:par>
-                                <p:cTn id="24" presetID="10" presetClass="entr" presetSubtype="0" fill="hold" nodeType="withEffect">
-                                  <p:stCondLst>
-                                    <p:cond delay="0"/>
-                                  </p:stCondLst>
-                                  <p:childTnLst>
-                                    <p:set>
-                                      <p:cBhvr>
-                                        <p:cTn id="25" dur="1" fill="hold">
-                                          <p:stCondLst>
-                                            <p:cond delay="0"/>
-                                          </p:stCondLst>
-                                        </p:cTn>
-                                        <p:tgtEl>
-                                          <p:spTgt spid="4"/>
-                                        </p:tgtEl>
-                                        <p:attrNameLst>
-                                          <p:attrName>style.visibility</p:attrName>
-                                        </p:attrNameLst>
-                                      </p:cBhvr>
-                                      <p:to>
-                                        <p:strVal val="visible"/>
-                                      </p:to>
-                                    </p:set>
-                                    <p:animEffect transition="in" filter="fade">
-                                      <p:cBhvr>
-                                        <p:cTn id="26" dur="500"/>
-                                        <p:tgtEl>
-                                          <p:spTgt spid="4"/>
-                                        </p:tgtEl>
-                                      </p:cBhvr>
-                                    </p:animEffect>
-                                  </p:childTnLst>
-                                </p:cTn>
-                              </p:par>
-                              <p:par>
-                                <p:cTn id="27" presetID="10" presetClass="entr" presetSubtype="0" fill="hold" nodeType="withEffect">
-                                  <p:stCondLst>
-                                    <p:cond delay="0"/>
-                                  </p:stCondLst>
-                                  <p:childTnLst>
-                                    <p:set>
-                                      <p:cBhvr>
-                                        <p:cTn id="28" dur="1" fill="hold">
-                                          <p:stCondLst>
-                                            <p:cond delay="0"/>
-                                          </p:stCondLst>
-                                        </p:cTn>
-                                        <p:tgtEl>
-                                          <p:spTgt spid="5"/>
-                                        </p:tgtEl>
-                                        <p:attrNameLst>
-                                          <p:attrName>style.visibility</p:attrName>
-                                        </p:attrNameLst>
-                                      </p:cBhvr>
-                                      <p:to>
-                                        <p:strVal val="visible"/>
-                                      </p:to>
-                                    </p:set>
-                                    <p:animEffect transition="in" filter="fade">
-                                      <p:cBhvr>
-                                        <p:cTn id="29" dur="500"/>
-                                        <p:tgtEl>
-                                          <p:spTgt spid="5"/>
-                                        </p:tgtEl>
-                                      </p:cBhvr>
-                                    </p:animEffect>
-                                  </p:childTnLst>
-                                </p:cTn>
-                              </p:par>
-                              <p:par>
-                                <p:cTn id="30" presetID="10" presetClass="entr" presetSubtype="0" fill="hold" nodeType="withEffect">
-                                  <p:stCondLst>
-                                    <p:cond delay="0"/>
-                                  </p:stCondLst>
-                                  <p:childTnLst>
-                                    <p:set>
-                                      <p:cBhvr>
-                                        <p:cTn id="31" dur="1" fill="hold">
-                                          <p:stCondLst>
-                                            <p:cond delay="0"/>
-                                          </p:stCondLst>
-                                        </p:cTn>
-                                        <p:tgtEl>
-                                          <p:spTgt spid="6"/>
-                                        </p:tgtEl>
-                                        <p:attrNameLst>
-                                          <p:attrName>style.visibility</p:attrName>
-                                        </p:attrNameLst>
-                                      </p:cBhvr>
-                                      <p:to>
-                                        <p:strVal val="visible"/>
-                                      </p:to>
-                                    </p:set>
-                                    <p:animEffect transition="in" filter="fade">
-                                      <p:cBhvr>
-                                        <p:cTn id="32" dur="500"/>
-                                        <p:tgtEl>
-                                          <p:spTgt spid="6"/>
-                                        </p:tgtEl>
-                                      </p:cBhvr>
-                                    </p:animEffect>
-                                  </p:childTnLst>
-                                </p:cTn>
-                              </p:par>
-                              <p:par>
-                                <p:cTn id="33" presetID="10" presetClass="entr" presetSubtype="0" fill="hold" grpId="0" nodeType="withEffect">
-                                  <p:stCondLst>
-                                    <p:cond delay="0"/>
-                                  </p:stCondLst>
-                                  <p:childTnLst>
-                                    <p:set>
-                                      <p:cBhvr>
-                                        <p:cTn id="34" dur="1" fill="hold">
-                                          <p:stCondLst>
-                                            <p:cond delay="0"/>
-                                          </p:stCondLst>
-                                        </p:cTn>
-                                        <p:tgtEl>
-                                          <p:spTgt spid="7"/>
-                                        </p:tgtEl>
-                                        <p:attrNameLst>
-                                          <p:attrName>style.visibility</p:attrName>
-                                        </p:attrNameLst>
-                                      </p:cBhvr>
-                                      <p:to>
-                                        <p:strVal val="visible"/>
-                                      </p:to>
-                                    </p:set>
-                                    <p:animEffect transition="in" filter="fade">
-                                      <p:cBhvr>
-                                        <p:cTn id="35" dur="500"/>
-                                        <p:tgtEl>
-                                          <p:spTgt spid="7"/>
-                                        </p:tgtEl>
-                                      </p:cBhvr>
-                                    </p:animEffect>
-                                  </p:childTnLst>
-                                </p:cTn>
-                              </p:par>
-                              <p:par>
-                                <p:cTn id="36" presetID="10" presetClass="entr" presetSubtype="0" fill="hold" grpId="0" nodeType="withEffect">
-                                  <p:stCondLst>
-                                    <p:cond delay="0"/>
-                                  </p:stCondLst>
-                                  <p:childTnLst>
-                                    <p:set>
-                                      <p:cBhvr>
-                                        <p:cTn id="37" dur="1" fill="hold">
-                                          <p:stCondLst>
-                                            <p:cond delay="0"/>
-                                          </p:stCondLst>
-                                        </p:cTn>
-                                        <p:tgtEl>
-                                          <p:spTgt spid="8"/>
-                                        </p:tgtEl>
-                                        <p:attrNameLst>
-                                          <p:attrName>style.visibility</p:attrName>
-                                        </p:attrNameLst>
-                                      </p:cBhvr>
-                                      <p:to>
-                                        <p:strVal val="visible"/>
-                                      </p:to>
-                                    </p:set>
-                                    <p:animEffect transition="in" filter="fade">
-                                      <p:cBhvr>
-                                        <p:cTn id="38" dur="500"/>
-                                        <p:tgtEl>
-                                          <p:spTgt spid="8"/>
-                                        </p:tgtEl>
-                                      </p:cBhvr>
-                                    </p:animEffect>
-                                  </p:childTnLst>
-                                </p:cTn>
-                              </p:par>
-                              <p:par>
-                                <p:cTn id="39" presetID="10" presetClass="entr" presetSubtype="0" fill="hold" grpId="0" nodeType="withEffect">
-                                  <p:stCondLst>
-                                    <p:cond delay="0"/>
-                                  </p:stCondLst>
-                                  <p:childTnLst>
-                                    <p:set>
-                                      <p:cBhvr>
-                                        <p:cTn id="40" dur="1" fill="hold">
-                                          <p:stCondLst>
-                                            <p:cond delay="0"/>
-                                          </p:stCondLst>
-                                        </p:cTn>
-                                        <p:tgtEl>
-                                          <p:spTgt spid="9"/>
-                                        </p:tgtEl>
-                                        <p:attrNameLst>
-                                          <p:attrName>style.visibility</p:attrName>
-                                        </p:attrNameLst>
-                                      </p:cBhvr>
-                                      <p:to>
-                                        <p:strVal val="visible"/>
-                                      </p:to>
-                                    </p:set>
-                                    <p:animEffect transition="in" filter="fade">
-                                      <p:cBhvr>
-                                        <p:cTn id="41" dur="500"/>
-                                        <p:tgtEl>
-                                          <p:spTgt spid="9"/>
-                                        </p:tgtEl>
-                                      </p:cBhvr>
-                                    </p:animEffect>
-                                  </p:childTnLst>
-                                </p:cTn>
-                              </p:par>
-                            </p:childTnLst>
-                          </p:cTn>
-                        </p:par>
-                      </p:childTnLst>
-                    </p:cTn>
-                  </p:par>
-                  <p:par>
-                    <p:cTn id="42" fill="hold">
-                      <p:stCondLst>
-                        <p:cond delay="indefinite"/>
-                      </p:stCondLst>
-                      <p:childTnLst>
-                        <p:par>
-                          <p:cTn id="43" fill="hold">
-                            <p:stCondLst>
-                              <p:cond delay="0"/>
-                            </p:stCondLst>
-                            <p:childTnLst>
-                              <p:par>
-                                <p:cTn id="44" presetID="10" presetClass="entr" presetSubtype="0" fill="hold" grpId="0" nodeType="clickEffect">
-                                  <p:stCondLst>
-                                    <p:cond delay="0"/>
-                                  </p:stCondLst>
-                                  <p:childTnLst>
-                                    <p:set>
-                                      <p:cBhvr>
-                                        <p:cTn id="45" dur="1" fill="hold">
-                                          <p:stCondLst>
-                                            <p:cond delay="0"/>
-                                          </p:stCondLst>
-                                        </p:cTn>
-                                        <p:tgtEl>
-                                          <p:spTgt spid="19"/>
-                                        </p:tgtEl>
-                                        <p:attrNameLst>
-                                          <p:attrName>style.visibility</p:attrName>
-                                        </p:attrNameLst>
-                                      </p:cBhvr>
-                                      <p:to>
-                                        <p:strVal val="visible"/>
-                                      </p:to>
-                                    </p:set>
-                                    <p:animEffect transition="in" filter="fade">
-                                      <p:cBhvr>
-                                        <p:cTn id="46" dur="500"/>
-                                        <p:tgtEl>
-                                          <p:spTgt spid="19"/>
-                                        </p:tgtEl>
-                                      </p:cBhvr>
-                                    </p:animEffect>
-                                  </p:childTnLst>
-                                </p:cTn>
-                              </p:par>
-                              <p:par>
-                                <p:cTn id="47" presetID="10" presetClass="entr" presetSubtype="0" fill="hold" nodeType="withEffect">
-                                  <p:stCondLst>
-                                    <p:cond delay="0"/>
-                                  </p:stCondLst>
-                                  <p:childTnLst>
-                                    <p:set>
-                                      <p:cBhvr>
-                                        <p:cTn id="48" dur="1" fill="hold">
-                                          <p:stCondLst>
-                                            <p:cond delay="0"/>
-                                          </p:stCondLst>
-                                        </p:cTn>
-                                        <p:tgtEl>
-                                          <p:spTgt spid="10"/>
-                                        </p:tgtEl>
-                                        <p:attrNameLst>
-                                          <p:attrName>style.visibility</p:attrName>
-                                        </p:attrNameLst>
-                                      </p:cBhvr>
-                                      <p:to>
-                                        <p:strVal val="visible"/>
-                                      </p:to>
-                                    </p:set>
-                                    <p:animEffect transition="in" filter="fade">
-                                      <p:cBhvr>
-                                        <p:cTn id="49" dur="500"/>
-                                        <p:tgtEl>
-                                          <p:spTgt spid="10"/>
-                                        </p:tgtEl>
-                                      </p:cBhvr>
-                                    </p:animEffect>
-                                  </p:childTnLst>
-                                </p:cTn>
-                              </p:par>
-                              <p:par>
-                                <p:cTn id="50" presetID="10" presetClass="entr" presetSubtype="0" fill="hold" nodeType="withEffect">
-                                  <p:stCondLst>
-                                    <p:cond delay="0"/>
-                                  </p:stCondLst>
-                                  <p:childTnLst>
-                                    <p:set>
-                                      <p:cBhvr>
-                                        <p:cTn id="51" dur="1" fill="hold">
-                                          <p:stCondLst>
-                                            <p:cond delay="0"/>
-                                          </p:stCondLst>
-                                        </p:cTn>
-                                        <p:tgtEl>
-                                          <p:spTgt spid="11"/>
-                                        </p:tgtEl>
-                                        <p:attrNameLst>
-                                          <p:attrName>style.visibility</p:attrName>
-                                        </p:attrNameLst>
-                                      </p:cBhvr>
-                                      <p:to>
-                                        <p:strVal val="visible"/>
-                                      </p:to>
-                                    </p:set>
-                                    <p:animEffect transition="in" filter="fade">
-                                      <p:cBhvr>
-                                        <p:cTn id="52" dur="500"/>
-                                        <p:tgtEl>
-                                          <p:spTgt spid="11"/>
-                                        </p:tgtEl>
-                                      </p:cBhvr>
-                                    </p:animEffect>
-                                  </p:childTnLst>
-                                </p:cTn>
-                              </p:par>
-                              <p:par>
-                                <p:cTn id="53" presetID="10" presetClass="entr" presetSubtype="0" fill="hold" grpId="0" nodeType="withEffect">
-                                  <p:stCondLst>
-                                    <p:cond delay="0"/>
-                                  </p:stCondLst>
-                                  <p:childTnLst>
-                                    <p:set>
-                                      <p:cBhvr>
-                                        <p:cTn id="54" dur="1" fill="hold">
-                                          <p:stCondLst>
-                                            <p:cond delay="0"/>
-                                          </p:stCondLst>
-                                        </p:cTn>
-                                        <p:tgtEl>
-                                          <p:spTgt spid="12"/>
-                                        </p:tgtEl>
-                                        <p:attrNameLst>
-                                          <p:attrName>style.visibility</p:attrName>
-                                        </p:attrNameLst>
-                                      </p:cBhvr>
-                                      <p:to>
-                                        <p:strVal val="visible"/>
-                                      </p:to>
-                                    </p:set>
-                                    <p:animEffect transition="in" filter="fade">
-                                      <p:cBhvr>
-                                        <p:cTn id="55" dur="500"/>
-                                        <p:tgtEl>
-                                          <p:spTgt spid="12"/>
-                                        </p:tgtEl>
-                                      </p:cBhvr>
-                                    </p:animEffect>
-                                  </p:childTnLst>
-                                </p:cTn>
-                              </p:par>
-                              <p:par>
-                                <p:cTn id="56" presetID="10" presetClass="entr" presetSubtype="0" fill="hold" grpId="0" nodeType="withEffect">
-                                  <p:stCondLst>
-                                    <p:cond delay="0"/>
-                                  </p:stCondLst>
-                                  <p:childTnLst>
-                                    <p:set>
-                                      <p:cBhvr>
-                                        <p:cTn id="57" dur="1" fill="hold">
-                                          <p:stCondLst>
-                                            <p:cond delay="0"/>
-                                          </p:stCondLst>
-                                        </p:cTn>
-                                        <p:tgtEl>
-                                          <p:spTgt spid="13"/>
-                                        </p:tgtEl>
-                                        <p:attrNameLst>
-                                          <p:attrName>style.visibility</p:attrName>
-                                        </p:attrNameLst>
-                                      </p:cBhvr>
-                                      <p:to>
-                                        <p:strVal val="visible"/>
-                                      </p:to>
-                                    </p:set>
-                                    <p:animEffect transition="in" filter="fade">
-                                      <p:cBhvr>
-                                        <p:cTn id="58" dur="500"/>
-                                        <p:tgtEl>
-                                          <p:spTgt spid="13"/>
-                                        </p:tgtEl>
-                                      </p:cBhvr>
-                                    </p:animEffect>
-                                  </p:childTnLst>
-                                </p:cTn>
-                              </p:par>
-                              <p:par>
-                                <p:cTn id="59" presetID="10" presetClass="entr" presetSubtype="0" fill="hold" grpId="0" nodeType="withEffect">
-                                  <p:stCondLst>
-                                    <p:cond delay="0"/>
-                                  </p:stCondLst>
-                                  <p:childTnLst>
-                                    <p:set>
-                                      <p:cBhvr>
-                                        <p:cTn id="60" dur="1" fill="hold">
-                                          <p:stCondLst>
-                                            <p:cond delay="0"/>
-                                          </p:stCondLst>
-                                        </p:cTn>
-                                        <p:tgtEl>
-                                          <p:spTgt spid="14"/>
-                                        </p:tgtEl>
-                                        <p:attrNameLst>
-                                          <p:attrName>style.visibility</p:attrName>
-                                        </p:attrNameLst>
-                                      </p:cBhvr>
-                                      <p:to>
-                                        <p:strVal val="visible"/>
-                                      </p:to>
-                                    </p:set>
-                                    <p:animEffect transition="in" filter="fade">
-                                      <p:cBhvr>
-                                        <p:cTn id="61" dur="500"/>
-                                        <p:tgtEl>
-                                          <p:spTgt spid="14"/>
-                                        </p:tgtEl>
-                                      </p:cBhvr>
-                                    </p:animEffect>
-                                  </p:childTnLst>
-                                </p:cTn>
-                              </p:par>
-                              <p:par>
-                                <p:cTn id="62" presetID="10" presetClass="entr" presetSubtype="0" fill="hold" nodeType="withEffect">
-                                  <p:stCondLst>
-                                    <p:cond delay="0"/>
-                                  </p:stCondLst>
-                                  <p:childTnLst>
-                                    <p:set>
-                                      <p:cBhvr>
-                                        <p:cTn id="63" dur="1" fill="hold">
-                                          <p:stCondLst>
-                                            <p:cond delay="0"/>
-                                          </p:stCondLst>
-                                        </p:cTn>
-                                        <p:tgtEl>
-                                          <p:spTgt spid="15"/>
-                                        </p:tgtEl>
-                                        <p:attrNameLst>
-                                          <p:attrName>style.visibility</p:attrName>
-                                        </p:attrNameLst>
-                                      </p:cBhvr>
-                                      <p:to>
-                                        <p:strVal val="visible"/>
-                                      </p:to>
-                                    </p:set>
-                                    <p:animEffect transition="in" filter="fade">
-                                      <p:cBhvr>
-                                        <p:cTn id="64" dur="500"/>
-                                        <p:tgtEl>
-                                          <p:spTgt spid="15"/>
-                                        </p:tgtEl>
-                                      </p:cBhvr>
-                                    </p:animEffect>
-                                  </p:childTnLst>
-                                </p:cTn>
-                              </p:par>
-                              <p:par>
-                                <p:cTn id="65" presetID="10" presetClass="entr" presetSubtype="0" fill="hold" grpId="0" nodeType="withEffect">
-                                  <p:stCondLst>
-                                    <p:cond delay="0"/>
-                                  </p:stCondLst>
-                                  <p:childTnLst>
-                                    <p:set>
-                                      <p:cBhvr>
-                                        <p:cTn id="66" dur="1" fill="hold">
-                                          <p:stCondLst>
-                                            <p:cond delay="0"/>
-                                          </p:stCondLst>
-                                        </p:cTn>
-                                        <p:tgtEl>
-                                          <p:spTgt spid="16"/>
-                                        </p:tgtEl>
-                                        <p:attrNameLst>
-                                          <p:attrName>style.visibility</p:attrName>
-                                        </p:attrNameLst>
-                                      </p:cBhvr>
-                                      <p:to>
-                                        <p:strVal val="visible"/>
-                                      </p:to>
-                                    </p:set>
-                                    <p:animEffect transition="in" filter="fade">
-                                      <p:cBhvr>
-                                        <p:cTn id="67" dur="500"/>
-                                        <p:tgtEl>
-                                          <p:spTgt spid="16"/>
-                                        </p:tgtEl>
-                                      </p:cBhvr>
-                                    </p:animEffect>
-                                  </p:childTnLst>
-                                </p:cTn>
-                              </p:par>
-                              <p:par>
-                                <p:cTn id="68" presetID="10" presetClass="entr" presetSubtype="0" fill="hold" grpId="0" nodeType="withEffect">
-                                  <p:stCondLst>
-                                    <p:cond delay="0"/>
-                                  </p:stCondLst>
-                                  <p:childTnLst>
-                                    <p:set>
-                                      <p:cBhvr>
-                                        <p:cTn id="69" dur="1" fill="hold">
-                                          <p:stCondLst>
-                                            <p:cond delay="0"/>
-                                          </p:stCondLst>
-                                        </p:cTn>
-                                        <p:tgtEl>
-                                          <p:spTgt spid="17"/>
-                                        </p:tgtEl>
-                                        <p:attrNameLst>
-                                          <p:attrName>style.visibility</p:attrName>
-                                        </p:attrNameLst>
-                                      </p:cBhvr>
-                                      <p:to>
-                                        <p:strVal val="visible"/>
-                                      </p:to>
-                                    </p:set>
-                                    <p:animEffect transition="in" filter="fade">
-                                      <p:cBhvr>
-                                        <p:cTn id="70" dur="500"/>
-                                        <p:tgtEl>
-                                          <p:spTgt spid="17"/>
-                                        </p:tgtEl>
-                                      </p:cBhvr>
-                                    </p:animEffect>
-                                  </p:childTnLst>
-                                </p:cTn>
-                              </p:par>
-                            </p:childTnLst>
-                          </p:cTn>
-                        </p:par>
-                      </p:childTnLst>
-                    </p:cTn>
-                  </p:par>
-                </p:childTnLst>
-              </p:cTn>
-              <p:prevCondLst>
-                <p:cond evt="onPrev" delay="0">
-                  <p:tgtEl>
-                    <p:sldTgt/>
-                  </p:tgtEl>
-                </p:cond>
-              </p:prevCondLst>
-              <p:nextCondLst>
-                <p:cond evt="onNext" delay="0">
-                  <p:tgtEl>
-                    <p:sldTgt/>
-                  </p:tgtEl>
-                </p:cond>
-              </p:nextCondLst>
-            </p:seq>
-          </p:childTnLst>
-        </p:cTn>
-      </p:par>
-    </p:tnLst>
-    <p:bldLst>
-      <p:bldP spid="19" grpId="0" animBg="1"/>
-      <p:bldP spid="18" grpId="0" animBg="1"/>
-      <p:bldP spid="3" grpId="0" build="p"/>
-      <p:bldP spid="7" grpId="0"/>
-      <p:bldP spid="8" grpId="0"/>
-      <p:bldP spid="9" grpId="0" animBg="1"/>
-      <p:bldP spid="12" grpId="0"/>
-      <p:bldP spid="13" grpId="0"/>
-      <p:bldP spid="14" grpId="0" animBg="1"/>
-      <p:bldP spid="16" grpId="0"/>
-      <p:bldP spid="17" grpId="0" animBg="1"/>
-    </p:bldLst>
-  </p:timing>
-</p:sld>
-</file>
-
-<file path=ppt/slides/slide8.xml><?xml version="1.0" encoding="utf-8"?>
-<p:sld xmlns:a="http://schemas.openxmlformats.org/drawingml/2006/main" xmlns:r="http://schemas.openxmlformats.org/officeDocument/2006/relationships" xmlns:p="http://schemas.openxmlformats.org/presentationml/2006/main">
-  <p:cSld>
-    <p:spTree>
-      <p:nvGrpSpPr>
-        <p:cNvPr id="1" name=""/>
-        <p:cNvGrpSpPr/>
-        <p:nvPr/>
-      </p:nvGrpSpPr>
-      <p:grpSpPr>
-        <a:xfrm>
-          <a:off x="0" y="0"/>
-          <a:ext cx="0" cy="0"/>
-          <a:chOff x="0" y="0"/>
-          <a:chExt cx="0" cy="0"/>
-        </a:xfrm>
-      </p:grpSpPr>
-      <p:sp>
-        <p:nvSpPr>
-          <p:cNvPr id="2" name="Title 1"/>
-          <p:cNvSpPr>
-            <a:spLocks noGrp="1"/>
-          </p:cNvSpPr>
-          <p:nvPr>
-            <p:ph type="title"/>
-          </p:nvPr>
-        </p:nvSpPr>
-        <p:spPr/>
-        <p:txBody>
-          <a:bodyPr/>
-          <a:lstStyle/>
-          <a:p>
-            <a:r>
-              <a:rPr lang="en-US" dirty="0" smtClean="0"/>
-              <a:t>EF Platforms</a:t>
-            </a:r>
-            <a:endParaRPr lang="en-US" dirty="0"/>
-          </a:p>
-        </p:txBody>
-      </p:sp>
-      <p:sp>
-        <p:nvSpPr>
-          <p:cNvPr id="3" name="Content Placeholder 2"/>
-          <p:cNvSpPr>
-            <a:spLocks noGrp="1"/>
-          </p:cNvSpPr>
-          <p:nvPr>
-            <p:ph sz="quarter" idx="10"/>
-          </p:nvPr>
-        </p:nvSpPr>
-        <p:spPr/>
-        <p:txBody>
-          <a:bodyPr/>
-          <a:lstStyle/>
-          <a:p>
-            <a:r>
-              <a:rPr lang="en-US" dirty="0" smtClean="0"/>
-              <a:t>EF 6.1 Any project that is full .NET 4+</a:t>
-            </a:r>
-          </a:p>
-          <a:p>
-            <a:r>
-              <a:rPr lang="en-US" dirty="0" smtClean="0"/>
-              <a:t>All Microsoft SQL Databases</a:t>
-            </a:r>
-          </a:p>
-          <a:p>
-            <a:r>
-              <a:rPr lang="en-US" dirty="0" smtClean="0"/>
-              <a:t>Web Forms, MVC, WPF, WCF, Web API, Web Forms</a:t>
-            </a:r>
-          </a:p>
-          <a:p>
-            <a:r>
-              <a:rPr lang="en-US" dirty="0" smtClean="0"/>
-              <a:t>Newer ones to include Azure Table Storage, </a:t>
-            </a:r>
-            <a:r>
-              <a:rPr lang="en-US" dirty="0" err="1" smtClean="0"/>
-              <a:t>Redis</a:t>
-            </a:r>
-            <a:r>
-              <a:rPr lang="en-US" dirty="0" smtClean="0"/>
-              <a:t>, Linux, </a:t>
-            </a:r>
-            <a:r>
-              <a:rPr lang="en-US" dirty="0" err="1" smtClean="0"/>
-              <a:t>etc</a:t>
-            </a:r>
-            <a:endParaRPr lang="en-US" dirty="0" smtClean="0"/>
-          </a:p>
-          <a:p>
-            <a:r>
-              <a:rPr lang="en-US" dirty="0" smtClean="0"/>
-              <a:t>Supported ADO.NET Providers</a:t>
-            </a:r>
-          </a:p>
-          <a:p>
-            <a:pPr lvl="1"/>
-            <a:r>
-              <a:rPr lang="en-US" dirty="0"/>
-              <a:t>https://msdn.microsoft.com/en-us/data/dd363565.aspx</a:t>
-            </a:r>
-            <a:endParaRPr lang="en-US" dirty="0" smtClean="0"/>
-          </a:p>
-          <a:p>
-            <a:endParaRPr lang="en-US" dirty="0" smtClean="0"/>
-          </a:p>
-          <a:p>
-            <a:endParaRPr lang="en-US" dirty="0"/>
-          </a:p>
-        </p:txBody>
-      </p:sp>
-    </p:spTree>
-    <p:extLst>
-      <p:ext uri="{BB962C8B-B14F-4D97-AF65-F5344CB8AC3E}">
-        <p14:creationId xmlns:p14="http://schemas.microsoft.com/office/powerpoint/2010/main" val="561592073"/>
       </p:ext>
     </p:extLst>
   </p:cSld>
@@ -18231,7 +19060,7 @@
           <a:p>
             <a:r>
               <a:rPr lang="en-US" dirty="0" smtClean="0"/>
-              <a:t>Some supported features</a:t>
+              <a:t>Module Overview</a:t>
             </a:r>
             <a:endParaRPr lang="en-US" dirty="0"/>
           </a:p>
@@ -18239,7 +19068,7 @@
       </p:sp>
       <p:sp>
         <p:nvSpPr>
-          <p:cNvPr id="3" name="Content Placeholder 2"/>
+          <p:cNvPr id="7" name="Content Placeholder 6"/>
           <p:cNvSpPr>
             <a:spLocks noGrp="1"/>
           </p:cNvSpPr>
@@ -18249,73 +19078,37 @@
         </p:nvSpPr>
         <p:spPr/>
         <p:txBody>
-          <a:bodyPr/>
+          <a:bodyPr>
+            <a:normAutofit/>
+          </a:bodyPr>
           <a:lstStyle/>
           <a:p>
             <a:r>
-              <a:rPr lang="en-US" dirty="0" smtClean="0"/>
-              <a:t>Full ORM to map objects to code</a:t>
-            </a:r>
-          </a:p>
-          <a:p>
-            <a:r>
-              <a:rPr lang="en-US" dirty="0" err="1" smtClean="0"/>
-              <a:t>Async</a:t>
-            </a:r>
-            <a:r>
-              <a:rPr lang="en-US" dirty="0" smtClean="0"/>
-              <a:t> Queries</a:t>
-            </a:r>
-          </a:p>
-          <a:p>
-            <a:r>
-              <a:rPr lang="en-US" dirty="0" smtClean="0"/>
-              <a:t>Connection Resiliency (retry)</a:t>
-            </a:r>
-          </a:p>
-          <a:p>
-            <a:r>
-              <a:rPr lang="en-US" dirty="0" smtClean="0"/>
-              <a:t>Stored Procedure mapping</a:t>
-            </a:r>
-          </a:p>
-          <a:p>
-            <a:r>
-              <a:rPr lang="en-US" dirty="0" smtClean="0"/>
-              <a:t>Reverse engineering existing database</a:t>
-            </a:r>
-          </a:p>
-          <a:p>
-            <a:r>
-              <a:rPr lang="en-US" dirty="0" smtClean="0"/>
-              <a:t>Using code to create database (code first)</a:t>
-            </a:r>
-          </a:p>
-          <a:p>
-            <a:r>
-              <a:rPr lang="en-US" dirty="0" smtClean="0"/>
-              <a:t>Concurrency detection</a:t>
-            </a:r>
-          </a:p>
-          <a:p>
-            <a:r>
-              <a:rPr lang="en-US" dirty="0" err="1" smtClean="0"/>
-              <a:t>Enum</a:t>
-            </a:r>
-            <a:r>
-              <a:rPr lang="en-US" dirty="0" smtClean="0"/>
-              <a:t> &amp; Spatial Data support</a:t>
-            </a:r>
-          </a:p>
-          <a:p>
-            <a:endParaRPr lang="en-US" dirty="0"/>
+              <a:rPr lang="en-GB" dirty="0" smtClean="0"/>
+              <a:t>Architecture</a:t>
+            </a:r>
+          </a:p>
+          <a:p>
+            <a:r>
+              <a:rPr lang="en-GB" dirty="0"/>
+              <a:t>Intro to Code First</a:t>
+            </a:r>
+          </a:p>
+          <a:p>
+            <a:r>
+              <a:rPr lang="en-GB" dirty="0" smtClean="0"/>
+              <a:t>Generating EF Classes</a:t>
+            </a:r>
+          </a:p>
+          <a:p>
+            <a:endParaRPr lang="en-GB" dirty="0" smtClean="0"/>
           </a:p>
         </p:txBody>
       </p:sp>
     </p:spTree>
     <p:extLst>
       <p:ext uri="{BB962C8B-B14F-4D97-AF65-F5344CB8AC3E}">
-        <p14:creationId xmlns:p14="http://schemas.microsoft.com/office/powerpoint/2010/main" val="553305050"/>
+        <p14:creationId xmlns:p14="http://schemas.microsoft.com/office/powerpoint/2010/main" val="1732941805"/>
       </p:ext>
     </p:extLst>
   </p:cSld>
@@ -19612,6 +20405,15 @@
 </file>
 
 <file path=customXml/item2.xml><?xml version="1.0" encoding="utf-8"?>
+<?mso-contentType ?>
+<FormTemplates xmlns="http://schemas.microsoft.com/sharepoint/v3/contenttype/forms">
+  <Display>DocumentLibraryForm</Display>
+  <Edit>DocumentLibraryForm</Edit>
+  <New>DocumentLibraryForm</New>
+</FormTemplates>
+</file>
+
+<file path=customXml/item3.xml><?xml version="1.0" encoding="utf-8"?>
 <p:properties xmlns:p="http://schemas.microsoft.com/office/2006/metadata/properties" xmlns:xsi="http://www.w3.org/2001/XMLSchema-instance" xmlns:pc="http://schemas.microsoft.com/office/infopath/2007/PartnerControls">
   <documentManagement>
     <TaxCatchAll xmlns="230e9df3-be65-4c73-a93b-d1236ebd677e"/>
@@ -19622,15 +20424,6 @@
     </TaxKeywordTaxHTField>
   </documentManagement>
 </p:properties>
-</file>
-
-<file path=customXml/item3.xml><?xml version="1.0" encoding="utf-8"?>
-<?mso-contentType ?>
-<FormTemplates xmlns="http://schemas.microsoft.com/sharepoint/v3/contenttype/forms">
-  <Display>DocumentLibraryForm</Display>
-  <Edit>DocumentLibraryForm</Edit>
-  <New>DocumentLibraryForm</New>
-</FormTemplates>
 </file>
 
 <file path=customXml/itemProps1.xml><?xml version="1.0" encoding="utf-8"?>
@@ -19654,6 +20447,14 @@
 </file>
 
 <file path=customXml/itemProps2.xml><?xml version="1.0" encoding="utf-8"?>
+<ds:datastoreItem xmlns:ds="http://schemas.openxmlformats.org/officeDocument/2006/customXml" ds:itemID="{B0CA13EC-1D3C-4D6F-8D1C-E8A452CFC79A}">
+  <ds:schemaRefs>
+    <ds:schemaRef ds:uri="http://schemas.microsoft.com/sharepoint/v3/contenttype/forms"/>
+  </ds:schemaRefs>
+</ds:datastoreItem>
+</file>
+
+<file path=customXml/itemProps3.xml><?xml version="1.0" encoding="utf-8"?>
 <ds:datastoreItem xmlns:ds="http://schemas.openxmlformats.org/officeDocument/2006/customXml" ds:itemID="{7025FDD9-4C58-4084-9F89-0E6ADD6FFF55}">
   <ds:schemaRefs>
     <ds:schemaRef ds:uri="http://schemas.microsoft.com/office/infopath/2007/PartnerControls"/>
@@ -19669,12 +20470,4 @@
     <ds:schemaRef ds:uri="http://purl.org/dc/elements/1.1/"/>
   </ds:schemaRefs>
 </ds:datastoreItem>
-</file>
-
-<file path=customXml/itemProps3.xml><?xml version="1.0" encoding="utf-8"?>
-<ds:datastoreItem xmlns:ds="http://schemas.openxmlformats.org/officeDocument/2006/customXml" ds:itemID="{B0CA13EC-1D3C-4D6F-8D1C-E8A452CFC79A}">
-  <ds:schemaRefs>
-    <ds:schemaRef ds:uri="http://schemas.microsoft.com/sharepoint/v3/contenttype/forms"/>
-  </ds:schemaRefs>
-</ds:datastoreItem>
 </file>
--- a/Slides/01 - Introduction to Entity Framework.pptx
+++ b/Slides/01 - Introduction to Entity Framework.pptx
@@ -6,19 +6,19 @@
     <p:sldMasterId id="2147483671" r:id="rId5"/>
   </p:sldMasterIdLst>
   <p:notesMasterIdLst>
-    <p:notesMasterId r:id="rId34"/>
+    <p:notesMasterId r:id="rId35"/>
   </p:notesMasterIdLst>
   <p:handoutMasterIdLst>
-    <p:handoutMasterId r:id="rId35"/>
+    <p:handoutMasterId r:id="rId36"/>
   </p:handoutMasterIdLst>
   <p:sldIdLst>
-    <p:sldId id="336" r:id="rId6"/>
-    <p:sldId id="374" r:id="rId7"/>
-    <p:sldId id="377" r:id="rId8"/>
-    <p:sldId id="378" r:id="rId9"/>
-    <p:sldId id="379" r:id="rId10"/>
-    <p:sldId id="380" r:id="rId11"/>
-    <p:sldId id="351" r:id="rId12"/>
+    <p:sldId id="378" r:id="rId6"/>
+    <p:sldId id="379" r:id="rId7"/>
+    <p:sldId id="380" r:id="rId8"/>
+    <p:sldId id="381" r:id="rId9"/>
+    <p:sldId id="382" r:id="rId10"/>
+    <p:sldId id="383" r:id="rId11"/>
+    <p:sldId id="384" r:id="rId12"/>
     <p:sldId id="376" r:id="rId13"/>
     <p:sldId id="314" r:id="rId14"/>
     <p:sldId id="343" r:id="rId15"/>
@@ -34,12 +34,13 @@
     <p:sldId id="367" r:id="rId25"/>
     <p:sldId id="333" r:id="rId26"/>
     <p:sldId id="375" r:id="rId27"/>
-    <p:sldId id="372" r:id="rId28"/>
-    <p:sldId id="364" r:id="rId29"/>
-    <p:sldId id="365" r:id="rId30"/>
-    <p:sldId id="366" r:id="rId31"/>
-    <p:sldId id="347" r:id="rId32"/>
-    <p:sldId id="269" r:id="rId33"/>
+    <p:sldId id="377" r:id="rId28"/>
+    <p:sldId id="372" r:id="rId29"/>
+    <p:sldId id="364" r:id="rId30"/>
+    <p:sldId id="365" r:id="rId31"/>
+    <p:sldId id="366" r:id="rId32"/>
+    <p:sldId id="347" r:id="rId33"/>
+    <p:sldId id="269" r:id="rId34"/>
   </p:sldIdLst>
   <p:sldSz cx="12192000" cy="6858000"/>
   <p:notesSz cx="6858000" cy="9144000"/>
@@ -237,7 +238,7 @@
           <a:p>
             <a:fld id="{312E7B4A-039C-48A2-9B2C-AF16AA3873D8}" type="datetimeFigureOut">
               <a:rPr lang="en-US" smtClean="0"/>
-              <a:t>1/27/2015</a:t>
+              <a:t>1/28/2015</a:t>
             </a:fld>
             <a:endParaRPr lang="en-US" dirty="0"/>
           </a:p>
@@ -402,7 +403,7 @@
           <a:p>
             <a:fld id="{DA005A0C-54D9-45AA-87D4-C551D08DFCE1}" type="datetimeFigureOut">
               <a:rPr lang="en-US" smtClean="0"/>
-              <a:t>1/27/2015</a:t>
+              <a:t>1/28/2015</a:t>
             </a:fld>
             <a:endParaRPr lang="en-US" dirty="0"/>
           </a:p>
@@ -750,7 +751,7 @@
     </p:spTree>
     <p:extLst>
       <p:ext uri="{BB962C8B-B14F-4D97-AF65-F5344CB8AC3E}">
-        <p14:creationId xmlns:p14="http://schemas.microsoft.com/office/powerpoint/2010/main" val="3593048231"/>
+        <p14:creationId xmlns:p14="http://schemas.microsoft.com/office/powerpoint/2010/main" val="2082419819"/>
       </p:ext>
     </p:extLst>
   </p:cSld>
@@ -1457,11 +1458,7 @@
             </a:r>
             <a:r>
               <a:rPr lang="en-US" baseline="0" dirty="0" smtClean="0"/>
-              <a:t> </a:t>
-            </a:r>
-            <a:r>
-              <a:rPr lang="en-US" baseline="0" smtClean="0"/>
-              <a:t>then we’ll do web.</a:t>
+              <a:t> then we’ll do web.</a:t>
             </a:r>
             <a:endParaRPr lang="en-US" dirty="0" smtClean="0"/>
           </a:p>
@@ -2694,7 +2691,15 @@
             </a:pPr>
             <a:r>
               <a:rPr lang="en-US" dirty="0" smtClean="0"/>
-              <a:t>SHOW HOW TO STORE CREDENTIALS as a best practice?</a:t>
+              <a:t>DB name will be that of the connection string name, </a:t>
+            </a:r>
+            <a:r>
+              <a:rPr lang="en-US" dirty="0" err="1" smtClean="0"/>
+              <a:t>ie</a:t>
+            </a:r>
+            <a:r>
+              <a:rPr lang="en-US" dirty="0" smtClean="0"/>
+              <a:t> </a:t>
             </a:r>
           </a:p>
           <a:p>
@@ -2715,6 +2720,132 @@
               <a:tabLst/>
               <a:defRPr/>
             </a:pPr>
+            <a:r>
+              <a:rPr lang="en-US" dirty="0" smtClean="0"/>
+              <a:t>Data Source=(</a:t>
+            </a:r>
+            <a:r>
+              <a:rPr lang="en-US" dirty="0" err="1" smtClean="0"/>
+              <a:t>localdb</a:t>
+            </a:r>
+            <a:r>
+              <a:rPr lang="en-US" dirty="0" smtClean="0"/>
+              <a:t>)\</a:t>
+            </a:r>
+            <a:r>
+              <a:rPr lang="en-US" dirty="0" err="1" smtClean="0"/>
+              <a:t>mssqllocaldb;Initial</a:t>
+            </a:r>
+            <a:r>
+              <a:rPr lang="en-US" dirty="0" smtClean="0"/>
+              <a:t> Catalog=</a:t>
+            </a:r>
+            <a:r>
+              <a:rPr lang="en-US" dirty="0" err="1" smtClean="0"/>
+              <a:t>MusicStoreConnection;Integrated</a:t>
+            </a:r>
+            <a:r>
+              <a:rPr lang="en-US" dirty="0" smtClean="0"/>
+              <a:t> Security=True</a:t>
+            </a:r>
+          </a:p>
+          <a:p>
+            <a:r>
+              <a:rPr lang="en-US" sz="1200" kern="1200" dirty="0" smtClean="0">
+                <a:solidFill>
+                  <a:schemeClr val="tx1"/>
+                </a:solidFill>
+                <a:latin typeface="+mn-lt"/>
+                <a:ea typeface="+mn-ea"/>
+                <a:cs typeface="+mn-cs"/>
+              </a:rPr>
+              <a:t>public </a:t>
+            </a:r>
+            <a:r>
+              <a:rPr lang="en-US" sz="1200" kern="1200" dirty="0" err="1" smtClean="0">
+                <a:solidFill>
+                  <a:schemeClr val="tx1"/>
+                </a:solidFill>
+                <a:latin typeface="+mn-lt"/>
+                <a:ea typeface="+mn-ea"/>
+                <a:cs typeface="+mn-cs"/>
+              </a:rPr>
+              <a:t>MusicContext</a:t>
+            </a:r>
+            <a:r>
+              <a:rPr lang="en-US" sz="1200" kern="1200" dirty="0" smtClean="0">
+                <a:solidFill>
+                  <a:schemeClr val="tx1"/>
+                </a:solidFill>
+                <a:latin typeface="+mn-lt"/>
+                <a:ea typeface="+mn-ea"/>
+                <a:cs typeface="+mn-cs"/>
+              </a:rPr>
+              <a:t>()</a:t>
+            </a:r>
+          </a:p>
+          <a:p>
+            <a:r>
+              <a:rPr lang="en-US" sz="1200" kern="1200" dirty="0" smtClean="0">
+                <a:solidFill>
+                  <a:schemeClr val="tx1"/>
+                </a:solidFill>
+                <a:latin typeface="+mn-lt"/>
+                <a:ea typeface="+mn-ea"/>
+                <a:cs typeface="+mn-cs"/>
+              </a:rPr>
+              <a:t>    : base("</a:t>
+            </a:r>
+            <a:r>
+              <a:rPr lang="en-US" sz="1200" kern="1200" dirty="0" err="1" smtClean="0">
+                <a:solidFill>
+                  <a:schemeClr val="tx1"/>
+                </a:solidFill>
+                <a:latin typeface="+mn-lt"/>
+                <a:ea typeface="+mn-ea"/>
+                <a:cs typeface="+mn-cs"/>
+              </a:rPr>
+              <a:t>MusicStoreConnection</a:t>
+            </a:r>
+            <a:r>
+              <a:rPr lang="en-US" sz="1200" kern="1200" dirty="0" smtClean="0">
+                <a:solidFill>
+                  <a:schemeClr val="tx1"/>
+                </a:solidFill>
+                <a:latin typeface="+mn-lt"/>
+                <a:ea typeface="+mn-ea"/>
+                <a:cs typeface="+mn-cs"/>
+              </a:rPr>
+              <a:t>")</a:t>
+            </a:r>
+          </a:p>
+          <a:p>
+            <a:r>
+              <a:rPr lang="en-US" sz="1200" kern="1200" dirty="0" smtClean="0">
+                <a:solidFill>
+                  <a:schemeClr val="tx1"/>
+                </a:solidFill>
+                <a:latin typeface="+mn-lt"/>
+                <a:ea typeface="+mn-ea"/>
+                <a:cs typeface="+mn-cs"/>
+              </a:rPr>
+              <a:t>{</a:t>
+            </a:r>
+          </a:p>
+          <a:p>
+            <a:r>
+              <a:rPr lang="en-US" sz="1200" kern="1200" dirty="0" smtClean="0">
+                <a:solidFill>
+                  <a:schemeClr val="tx1"/>
+                </a:solidFill>
+                <a:latin typeface="+mn-lt"/>
+                <a:ea typeface="+mn-ea"/>
+                <a:cs typeface="+mn-cs"/>
+              </a:rPr>
+              <a:t>}</a:t>
+            </a:r>
+          </a:p>
+          <a:p>
             <a:endParaRPr lang="en-US" dirty="0" smtClean="0"/>
           </a:p>
           <a:p>
@@ -2735,120 +2866,126 @@
               <a:tabLst/>
               <a:defRPr/>
             </a:pPr>
-            <a:endParaRPr lang="en-US" dirty="0" smtClean="0"/>
-          </a:p>
-          <a:p>
-            <a:pPr marL="0" marR="0" indent="0" algn="l" defTabSz="914400" rtl="0" eaLnBrk="1" fontAlgn="auto" latinLnBrk="0" hangingPunct="1">
-              <a:lnSpc>
-                <a:spcPct val="100000"/>
-              </a:lnSpc>
-              <a:spcBef>
-                <a:spcPts val="0"/>
-              </a:spcBef>
-              <a:spcAft>
-                <a:spcPts val="0"/>
-              </a:spcAft>
-              <a:buClrTx/>
-              <a:buSzTx/>
-              <a:buFontTx/>
-              <a:buNone/>
-              <a:tabLst/>
-              <a:defRPr/>
-            </a:pPr>
-            <a:r>
-              <a:rPr lang="en-US" dirty="0" smtClean="0"/>
-              <a:t>DB name will be that of the connection string name, </a:t>
-            </a:r>
-            <a:r>
-              <a:rPr lang="en-US" dirty="0" err="1" smtClean="0"/>
-              <a:t>ie</a:t>
-            </a:r>
-            <a:r>
-              <a:rPr lang="en-US" dirty="0" smtClean="0"/>
-              <a:t> </a:t>
-            </a:r>
-          </a:p>
-          <a:p>
-            <a:pPr marL="0" marR="0" indent="0" algn="l" defTabSz="914400" rtl="0" eaLnBrk="1" fontAlgn="auto" latinLnBrk="0" hangingPunct="1">
-              <a:lnSpc>
-                <a:spcPct val="100000"/>
-              </a:lnSpc>
-              <a:spcBef>
-                <a:spcPts val="0"/>
-              </a:spcBef>
-              <a:spcAft>
-                <a:spcPts val="0"/>
-              </a:spcAft>
-              <a:buClrTx/>
-              <a:buSzTx/>
-              <a:buFontTx/>
-              <a:buNone/>
-              <a:tabLst/>
-              <a:defRPr/>
-            </a:pPr>
-            <a:r>
-              <a:rPr lang="en-US" dirty="0" smtClean="0"/>
-              <a:t>Data Source=(</a:t>
-            </a:r>
-            <a:r>
-              <a:rPr lang="en-US" dirty="0" err="1" smtClean="0"/>
-              <a:t>localdb</a:t>
-            </a:r>
-            <a:r>
-              <a:rPr lang="en-US" dirty="0" smtClean="0"/>
-              <a:t>)\</a:t>
-            </a:r>
-            <a:r>
-              <a:rPr lang="en-US" dirty="0" err="1" smtClean="0"/>
-              <a:t>mssqllocaldb;Initial</a:t>
-            </a:r>
-            <a:r>
-              <a:rPr lang="en-US" dirty="0" smtClean="0"/>
-              <a:t> Catalog=</a:t>
-            </a:r>
-            <a:r>
-              <a:rPr lang="en-US" dirty="0" err="1" smtClean="0"/>
-              <a:t>MusicStoreConnection;Integrated</a:t>
-            </a:r>
-            <a:r>
-              <a:rPr lang="en-US" dirty="0" smtClean="0"/>
-              <a:t> Security=True</a:t>
-            </a:r>
-          </a:p>
-          <a:p>
             <a:r>
               <a:rPr lang="en-US" sz="1200" kern="1200" dirty="0" smtClean="0">
                 <a:solidFill>
                   <a:schemeClr val="tx1"/>
                 </a:solidFill>
+                <a:effectLst/>
                 <a:latin typeface="+mn-lt"/>
                 <a:ea typeface="+mn-ea"/>
                 <a:cs typeface="+mn-cs"/>
               </a:rPr>
-              <a:t>public </a:t>
+              <a:t>&lt;</a:t>
             </a:r>
             <a:r>
               <a:rPr lang="en-US" sz="1200" kern="1200" dirty="0" err="1" smtClean="0">
                 <a:solidFill>
                   <a:schemeClr val="tx1"/>
                 </a:solidFill>
+                <a:effectLst/>
                 <a:latin typeface="+mn-lt"/>
                 <a:ea typeface="+mn-ea"/>
                 <a:cs typeface="+mn-cs"/>
               </a:rPr>
-              <a:t>MusicContext</a:t>
+              <a:t>connectionStrings</a:t>
             </a:r>
             <a:r>
               <a:rPr lang="en-US" sz="1200" kern="1200" dirty="0" smtClean="0">
                 <a:solidFill>
                   <a:schemeClr val="tx1"/>
                 </a:solidFill>
+                <a:effectLst/>
                 <a:latin typeface="+mn-lt"/>
                 <a:ea typeface="+mn-ea"/>
                 <a:cs typeface="+mn-cs"/>
               </a:rPr>
-              <a:t>()</a:t>
-            </a:r>
+              <a:t>&gt; </a:t>
+            </a:r>
+          </a:p>
+          <a:p>
+            <a:endParaRPr lang="en-US" dirty="0" smtClean="0"/>
+          </a:p>
+          <a:p>
+            <a:r>
+              <a:rPr lang="en-US" dirty="0" smtClean="0"/>
+              <a:t>&lt;add name="</a:t>
+            </a:r>
+            <a:r>
+              <a:rPr lang="en-US" dirty="0" err="1" smtClean="0"/>
+              <a:t>MusicStoreContext</a:t>
+            </a:r>
+            <a:r>
+              <a:rPr lang="en-US" dirty="0" smtClean="0"/>
+              <a:t>" </a:t>
+            </a:r>
+            <a:r>
+              <a:rPr lang="en-US" dirty="0" err="1" smtClean="0"/>
+              <a:t>connectionString</a:t>
+            </a:r>
+            <a:r>
+              <a:rPr lang="en-US" dirty="0" smtClean="0"/>
+              <a:t>="Data Source=(</a:t>
+            </a:r>
+            <a:r>
+              <a:rPr lang="en-US" dirty="0" err="1" smtClean="0"/>
+              <a:t>localdb</a:t>
+            </a:r>
+            <a:r>
+              <a:rPr lang="en-US" dirty="0" smtClean="0"/>
+              <a:t>)\v12.0; Initial Catalog=</a:t>
+            </a:r>
+            <a:r>
+              <a:rPr lang="en-US" dirty="0" err="1" smtClean="0"/>
+              <a:t>MusicStoreDev</a:t>
+            </a:r>
+            <a:r>
+              <a:rPr lang="en-US" dirty="0" smtClean="0"/>
+              <a:t>; Integrated Security=True; </a:t>
+            </a:r>
+            <a:r>
+              <a:rPr lang="en-US" dirty="0" err="1" smtClean="0"/>
+              <a:t>MultipleActiveResultSets</a:t>
+            </a:r>
+            <a:r>
+              <a:rPr lang="en-US" dirty="0" smtClean="0"/>
+              <a:t>=True; </a:t>
+            </a:r>
+            <a:r>
+              <a:rPr lang="en-US" dirty="0" err="1" smtClean="0"/>
+              <a:t>AttachDbFilename</a:t>
+            </a:r>
+            <a:r>
+              <a:rPr lang="en-US" dirty="0" smtClean="0"/>
+              <a:t>=|</a:t>
+            </a:r>
+            <a:r>
+              <a:rPr lang="en-US" dirty="0" err="1" smtClean="0"/>
+              <a:t>DataDirectory|MusicStoreDev.mdf</a:t>
+            </a:r>
+            <a:r>
+              <a:rPr lang="en-US" dirty="0" smtClean="0"/>
+              <a:t>" </a:t>
+            </a:r>
+            <a:r>
+              <a:rPr lang="en-US" dirty="0" err="1" smtClean="0"/>
+              <a:t>providerName</a:t>
+            </a:r>
+            <a:r>
+              <a:rPr lang="en-US" dirty="0" smtClean="0"/>
+              <a:t>="</a:t>
+            </a:r>
+            <a:r>
+              <a:rPr lang="en-US" dirty="0" err="1" smtClean="0"/>
+              <a:t>System.Data.SqlClient</a:t>
+            </a:r>
+            <a:r>
+              <a:rPr lang="en-US" dirty="0" smtClean="0"/>
+              <a:t>" /&gt;</a:t>
+            </a:r>
+          </a:p>
+          <a:p>
+            <a:endParaRPr lang="en-US" dirty="0" smtClean="0"/>
           </a:p>
           <a:p>
             <a:r>
@@ -2856,62 +2993,37 @@
                 <a:solidFill>
                   <a:schemeClr val="tx1"/>
                 </a:solidFill>
+                <a:effectLst/>
                 <a:latin typeface="+mn-lt"/>
                 <a:ea typeface="+mn-ea"/>
                 <a:cs typeface="+mn-cs"/>
               </a:rPr>
-              <a:t>    : base("</a:t>
+              <a:t>&lt;/</a:t>
             </a:r>
             <a:r>
               <a:rPr lang="en-US" sz="1200" kern="1200" dirty="0" err="1" smtClean="0">
                 <a:solidFill>
                   <a:schemeClr val="tx1"/>
                 </a:solidFill>
+                <a:effectLst/>
                 <a:latin typeface="+mn-lt"/>
                 <a:ea typeface="+mn-ea"/>
                 <a:cs typeface="+mn-cs"/>
               </a:rPr>
-              <a:t>MusicStoreConnection</a:t>
+              <a:t>connectionStrings</a:t>
             </a:r>
             <a:r>
               <a:rPr lang="en-US" sz="1200" kern="1200" dirty="0" smtClean="0">
                 <a:solidFill>
                   <a:schemeClr val="tx1"/>
                 </a:solidFill>
+                <a:effectLst/>
                 <a:latin typeface="+mn-lt"/>
                 <a:ea typeface="+mn-ea"/>
                 <a:cs typeface="+mn-cs"/>
               </a:rPr>
-              <a:t>")</a:t>
-            </a:r>
-          </a:p>
-          <a:p>
-            <a:r>
-              <a:rPr lang="en-US" sz="1200" kern="1200" dirty="0" smtClean="0">
-                <a:solidFill>
-                  <a:schemeClr val="tx1"/>
-                </a:solidFill>
-                <a:latin typeface="+mn-lt"/>
-                <a:ea typeface="+mn-ea"/>
-                <a:cs typeface="+mn-cs"/>
-              </a:rPr>
-              <a:t>{</a:t>
-            </a:r>
-          </a:p>
-          <a:p>
-            <a:r>
-              <a:rPr lang="en-US" sz="1200" kern="1200" dirty="0" smtClean="0">
-                <a:solidFill>
-                  <a:schemeClr val="tx1"/>
-                </a:solidFill>
-                <a:latin typeface="+mn-lt"/>
-                <a:ea typeface="+mn-ea"/>
-                <a:cs typeface="+mn-cs"/>
-              </a:rPr>
-              <a:t>}</a:t>
-            </a:r>
-          </a:p>
-          <a:p>
+              <a:t>&gt;</a:t>
+            </a:r>
             <a:endParaRPr lang="en-US" dirty="0" smtClean="0"/>
           </a:p>
         </p:txBody>
@@ -3125,402 +3237,75 @@
           <a:lstStyle/>
           <a:p>
             <a:r>
-              <a:rPr lang="en-US" sz="1200" kern="1200" dirty="0" smtClean="0">
-                <a:solidFill>
-                  <a:schemeClr val="tx1"/>
-                </a:solidFill>
-                <a:latin typeface="+mn-lt"/>
-                <a:ea typeface="+mn-ea"/>
-                <a:cs typeface="+mn-cs"/>
-              </a:rPr>
-              <a:t>//View queries</a:t>
-            </a:r>
-          </a:p>
-          <a:p>
-            <a:r>
-              <a:rPr lang="en-US" sz="1200" kern="1200" dirty="0" err="1" smtClean="0">
-                <a:solidFill>
-                  <a:schemeClr val="tx1"/>
-                </a:solidFill>
-                <a:latin typeface="+mn-lt"/>
-                <a:ea typeface="+mn-ea"/>
-                <a:cs typeface="+mn-cs"/>
-              </a:rPr>
-              <a:t>context.Database.Log</a:t>
-            </a:r>
-            <a:r>
-              <a:rPr lang="en-US" sz="1200" kern="1200" dirty="0" smtClean="0">
-                <a:solidFill>
-                  <a:schemeClr val="tx1"/>
-                </a:solidFill>
-                <a:latin typeface="+mn-lt"/>
-                <a:ea typeface="+mn-ea"/>
-                <a:cs typeface="+mn-cs"/>
-              </a:rPr>
-              <a:t> = s =&gt; </a:t>
-            </a:r>
-            <a:r>
-              <a:rPr lang="en-US" sz="1200" kern="1200" dirty="0" err="1" smtClean="0">
-                <a:solidFill>
-                  <a:schemeClr val="tx1"/>
-                </a:solidFill>
-                <a:latin typeface="+mn-lt"/>
-                <a:ea typeface="+mn-ea"/>
-                <a:cs typeface="+mn-cs"/>
-              </a:rPr>
-              <a:t>Console.WriteLine</a:t>
-            </a:r>
-            <a:r>
-              <a:rPr lang="en-US" sz="1200" kern="1200" dirty="0" smtClean="0">
-                <a:solidFill>
-                  <a:schemeClr val="tx1"/>
-                </a:solidFill>
-                <a:latin typeface="+mn-lt"/>
-                <a:ea typeface="+mn-ea"/>
-                <a:cs typeface="+mn-cs"/>
-              </a:rPr>
-              <a:t>(s);</a:t>
-            </a:r>
-          </a:p>
-          <a:p>
-            <a:endParaRPr lang="en-US" sz="1200" kern="1200" dirty="0" smtClean="0">
-              <a:solidFill>
-                <a:schemeClr val="tx1"/>
-              </a:solidFill>
-              <a:latin typeface="+mn-lt"/>
-              <a:ea typeface="+mn-ea"/>
-              <a:cs typeface="+mn-cs"/>
-            </a:endParaRPr>
-          </a:p>
-          <a:p>
-            <a:r>
-              <a:rPr lang="en-US" sz="1200" kern="1200" dirty="0" smtClean="0">
-                <a:solidFill>
-                  <a:schemeClr val="tx1"/>
-                </a:solidFill>
-                <a:latin typeface="+mn-lt"/>
-                <a:ea typeface="+mn-ea"/>
-                <a:cs typeface="+mn-cs"/>
-              </a:rPr>
-              <a:t>//Log connection</a:t>
-            </a:r>
-          </a:p>
-          <a:p>
-            <a:r>
-              <a:rPr lang="en-US" sz="1200" kern="1200" dirty="0" err="1" smtClean="0">
-                <a:solidFill>
-                  <a:schemeClr val="tx1"/>
-                </a:solidFill>
-                <a:latin typeface="+mn-lt"/>
-                <a:ea typeface="+mn-ea"/>
-                <a:cs typeface="+mn-cs"/>
-              </a:rPr>
-              <a:t>Console.WriteLine</a:t>
-            </a:r>
-            <a:r>
-              <a:rPr lang="en-US" sz="1200" kern="1200" dirty="0" smtClean="0">
-                <a:solidFill>
-                  <a:schemeClr val="tx1"/>
-                </a:solidFill>
-                <a:latin typeface="+mn-lt"/>
-                <a:ea typeface="+mn-ea"/>
-                <a:cs typeface="+mn-cs"/>
-              </a:rPr>
-              <a:t>(</a:t>
-            </a:r>
-            <a:r>
-              <a:rPr lang="en-US" sz="1200" kern="1200" dirty="0" err="1" smtClean="0">
-                <a:solidFill>
-                  <a:schemeClr val="tx1"/>
-                </a:solidFill>
-                <a:latin typeface="+mn-lt"/>
-                <a:ea typeface="+mn-ea"/>
-                <a:cs typeface="+mn-cs"/>
-              </a:rPr>
-              <a:t>context.Database.Connection.ConnectionString</a:t>
-            </a:r>
-            <a:r>
-              <a:rPr lang="en-US" sz="1200" kern="1200" dirty="0" smtClean="0">
-                <a:solidFill>
-                  <a:schemeClr val="tx1"/>
-                </a:solidFill>
-                <a:latin typeface="+mn-lt"/>
-                <a:ea typeface="+mn-ea"/>
-                <a:cs typeface="+mn-cs"/>
-              </a:rPr>
-              <a:t>);</a:t>
-            </a:r>
-          </a:p>
-          <a:p>
-            <a:endParaRPr lang="en-US" dirty="0" smtClean="0"/>
-          </a:p>
-          <a:p>
-            <a:r>
               <a:rPr lang="en-US" dirty="0" smtClean="0"/>
-              <a:t>Using glimpse</a:t>
+              <a:t>&lt;interceptors&gt;</a:t>
             </a:r>
           </a:p>
           <a:p>
             <a:r>
               <a:rPr lang="en-US" dirty="0" smtClean="0"/>
-              <a:t>Install-package</a:t>
-            </a:r>
-            <a:r>
-              <a:rPr lang="en-US" baseline="0" dirty="0" smtClean="0"/>
-              <a:t> glimpse.mvc5</a:t>
-            </a:r>
-          </a:p>
-          <a:p>
-            <a:r>
-              <a:rPr lang="en-US" baseline="0" dirty="0" smtClean="0"/>
-              <a:t>install-package </a:t>
-            </a:r>
-            <a:r>
-              <a:rPr lang="en-US" baseline="0" dirty="0" err="1" smtClean="0"/>
-              <a:t>glimpse.entityframework</a:t>
-            </a:r>
-            <a:endParaRPr lang="en-US" baseline="0" dirty="0" smtClean="0"/>
-          </a:p>
-          <a:p>
-            <a:endParaRPr lang="en-US" baseline="0" dirty="0" smtClean="0"/>
-          </a:p>
-          <a:p>
-            <a:r>
-              <a:rPr lang="en-US" baseline="0" dirty="0" smtClean="0"/>
-              <a:t>Inside the </a:t>
-            </a:r>
-            <a:r>
-              <a:rPr lang="en-US" sz="1200" kern="1200" dirty="0" smtClean="0">
-                <a:solidFill>
-                  <a:schemeClr val="tx1"/>
-                </a:solidFill>
-                <a:latin typeface="+mn-lt"/>
-                <a:ea typeface="+mn-ea"/>
-                <a:cs typeface="+mn-cs"/>
-              </a:rPr>
-              <a:t>&lt;</a:t>
-            </a:r>
-            <a:r>
-              <a:rPr lang="en-US" sz="1200" kern="1200" dirty="0" err="1" smtClean="0">
-                <a:solidFill>
-                  <a:schemeClr val="tx1"/>
-                </a:solidFill>
-                <a:latin typeface="+mn-lt"/>
-                <a:ea typeface="+mn-ea"/>
-                <a:cs typeface="+mn-cs"/>
-              </a:rPr>
-              <a:t>entityFramework</a:t>
-            </a:r>
-            <a:r>
-              <a:rPr lang="en-US" sz="1200" kern="1200" dirty="0" smtClean="0">
-                <a:solidFill>
-                  <a:schemeClr val="tx1"/>
-                </a:solidFill>
-                <a:latin typeface="+mn-lt"/>
-                <a:ea typeface="+mn-ea"/>
-                <a:cs typeface="+mn-cs"/>
-              </a:rPr>
-              <a:t>&gt; element</a:t>
-            </a:r>
-            <a:endParaRPr lang="en-US" baseline="0" dirty="0" smtClean="0"/>
-          </a:p>
-          <a:p>
-            <a:pPr rtl="0" fontAlgn="base"/>
-            <a:r>
-              <a:rPr lang="en-US" sz="1200" b="0" i="0" kern="1200" dirty="0" smtClean="0">
-                <a:solidFill>
-                  <a:schemeClr val="tx1"/>
-                </a:solidFill>
-                <a:effectLst/>
-                <a:latin typeface="+mn-lt"/>
-                <a:ea typeface="+mn-ea"/>
-                <a:cs typeface="+mn-cs"/>
-              </a:rPr>
-              <a:t>&lt;interceptors&gt;</a:t>
-            </a:r>
-          </a:p>
-          <a:p>
-            <a:pPr rtl="0" fontAlgn="base"/>
-            <a:r>
-              <a:rPr lang="en-US" sz="1200" b="0" i="0" kern="1200" dirty="0" smtClean="0">
-                <a:solidFill>
-                  <a:schemeClr val="tx1"/>
-                </a:solidFill>
-                <a:effectLst/>
-                <a:latin typeface="+mn-lt"/>
-                <a:ea typeface="+mn-ea"/>
-                <a:cs typeface="+mn-cs"/>
-              </a:rPr>
               <a:t>  &lt;interceptor type="</a:t>
             </a:r>
             <a:r>
-              <a:rPr lang="en-US" sz="1200" b="0" i="0" kern="1200" dirty="0" err="1" smtClean="0">
-                <a:solidFill>
-                  <a:schemeClr val="tx1"/>
-                </a:solidFill>
-                <a:effectLst/>
-                <a:latin typeface="+mn-lt"/>
-                <a:ea typeface="+mn-ea"/>
-                <a:cs typeface="+mn-cs"/>
-              </a:rPr>
+              <a:rPr lang="en-US" dirty="0" err="1" smtClean="0"/>
               <a:t>System.Data.Entity.Infrastructure.Interception.DatabaseLogger</a:t>
             </a:r>
             <a:r>
-              <a:rPr lang="en-US" sz="1200" b="0" i="0" kern="1200" dirty="0" smtClean="0">
-                <a:solidFill>
-                  <a:schemeClr val="tx1"/>
-                </a:solidFill>
-                <a:effectLst/>
-                <a:latin typeface="+mn-lt"/>
-                <a:ea typeface="+mn-ea"/>
-                <a:cs typeface="+mn-cs"/>
-              </a:rPr>
+              <a:rPr lang="en-US" dirty="0" smtClean="0"/>
               <a:t>, </a:t>
             </a:r>
             <a:r>
-              <a:rPr lang="en-US" sz="1200" b="0" i="0" kern="1200" dirty="0" err="1" smtClean="0">
-                <a:solidFill>
-                  <a:schemeClr val="tx1"/>
-                </a:solidFill>
-                <a:effectLst/>
-                <a:latin typeface="+mn-lt"/>
-                <a:ea typeface="+mn-ea"/>
-                <a:cs typeface="+mn-cs"/>
-              </a:rPr>
+              <a:rPr lang="en-US" dirty="0" err="1" smtClean="0"/>
               <a:t>EntityFramework</a:t>
             </a:r>
             <a:r>
-              <a:rPr lang="en-US" sz="1200" b="0" i="0" kern="1200" dirty="0" smtClean="0">
-                <a:solidFill>
-                  <a:schemeClr val="tx1"/>
-                </a:solidFill>
-                <a:effectLst/>
-                <a:latin typeface="+mn-lt"/>
-                <a:ea typeface="+mn-ea"/>
-                <a:cs typeface="+mn-cs"/>
-              </a:rPr>
+              <a:rPr lang="en-US" dirty="0" smtClean="0"/>
               <a:t>"&gt;</a:t>
             </a:r>
           </a:p>
           <a:p>
-            <a:pPr rtl="0" fontAlgn="base"/>
-            <a:r>
-              <a:rPr lang="en-US" sz="1200" b="0" i="0" kern="1200" dirty="0" smtClean="0">
-                <a:solidFill>
-                  <a:schemeClr val="tx1"/>
-                </a:solidFill>
-                <a:effectLst/>
-                <a:latin typeface="+mn-lt"/>
-                <a:ea typeface="+mn-ea"/>
-                <a:cs typeface="+mn-cs"/>
-              </a:rPr>
+            <a:r>
+              <a:rPr lang="en-US" dirty="0" smtClean="0"/>
               <a:t>    &lt;parameters&gt;</a:t>
             </a:r>
           </a:p>
           <a:p>
-            <a:pPr rtl="0" fontAlgn="base"/>
-            <a:r>
-              <a:rPr lang="en-US" sz="1200" b="0" i="0" kern="1200" dirty="0" smtClean="0">
-                <a:solidFill>
-                  <a:schemeClr val="tx1"/>
-                </a:solidFill>
-                <a:effectLst/>
-                <a:latin typeface="+mn-lt"/>
-                <a:ea typeface="+mn-ea"/>
-                <a:cs typeface="+mn-cs"/>
-              </a:rPr>
+            <a:r>
+              <a:rPr lang="en-US" dirty="0" smtClean="0"/>
               <a:t>      &lt;parameter value=“MyAppsOutput.txt"/&gt;</a:t>
             </a:r>
           </a:p>
           <a:p>
-            <a:pPr rtl="0" fontAlgn="base"/>
-            <a:r>
-              <a:rPr lang="en-US" sz="1200" b="0" i="0" kern="1200" dirty="0" smtClean="0">
-                <a:solidFill>
-                  <a:schemeClr val="tx1"/>
-                </a:solidFill>
-                <a:effectLst/>
-                <a:latin typeface="+mn-lt"/>
-                <a:ea typeface="+mn-ea"/>
-                <a:cs typeface="+mn-cs"/>
-              </a:rPr>
+            <a:r>
+              <a:rPr lang="en-US" dirty="0" smtClean="0"/>
               <a:t>      &lt;parameter value="true" type="</a:t>
             </a:r>
             <a:r>
-              <a:rPr lang="en-US" sz="1200" b="0" i="0" kern="1200" dirty="0" err="1" smtClean="0">
-                <a:solidFill>
-                  <a:schemeClr val="tx1"/>
-                </a:solidFill>
-                <a:effectLst/>
-                <a:latin typeface="+mn-lt"/>
-                <a:ea typeface="+mn-ea"/>
-                <a:cs typeface="+mn-cs"/>
-              </a:rPr>
+              <a:rPr lang="en-US" dirty="0" err="1" smtClean="0"/>
               <a:t>System.Boolean</a:t>
             </a:r>
             <a:r>
-              <a:rPr lang="en-US" sz="1200" b="0" i="0" kern="1200" dirty="0" smtClean="0">
-                <a:solidFill>
-                  <a:schemeClr val="tx1"/>
-                </a:solidFill>
-                <a:effectLst/>
-                <a:latin typeface="+mn-lt"/>
-                <a:ea typeface="+mn-ea"/>
-                <a:cs typeface="+mn-cs"/>
-              </a:rPr>
+              <a:rPr lang="en-US" dirty="0" smtClean="0"/>
               <a:t>"/&gt;</a:t>
             </a:r>
           </a:p>
           <a:p>
-            <a:pPr rtl="0" fontAlgn="base"/>
-            <a:r>
-              <a:rPr lang="en-US" sz="1200" b="0" i="0" kern="1200" dirty="0" smtClean="0">
-                <a:solidFill>
-                  <a:schemeClr val="tx1"/>
-                </a:solidFill>
-                <a:effectLst/>
-                <a:latin typeface="+mn-lt"/>
-                <a:ea typeface="+mn-ea"/>
-                <a:cs typeface="+mn-cs"/>
-              </a:rPr>
+            <a:r>
+              <a:rPr lang="en-US" dirty="0" smtClean="0"/>
               <a:t>    &lt;/parameters&gt;</a:t>
             </a:r>
           </a:p>
           <a:p>
-            <a:pPr rtl="0" fontAlgn="base"/>
-            <a:r>
-              <a:rPr lang="en-US" sz="1200" b="0" i="0" kern="1200" dirty="0" smtClean="0">
-                <a:solidFill>
-                  <a:schemeClr val="tx1"/>
-                </a:solidFill>
-                <a:effectLst/>
-                <a:latin typeface="+mn-lt"/>
-                <a:ea typeface="+mn-ea"/>
-                <a:cs typeface="+mn-cs"/>
-              </a:rPr>
+            <a:r>
+              <a:rPr lang="en-US" dirty="0" smtClean="0"/>
               <a:t>  &lt;/interceptor&gt;</a:t>
             </a:r>
           </a:p>
           <a:p>
-            <a:pPr rtl="0" fontAlgn="base"/>
-            <a:r>
-              <a:rPr lang="en-US" sz="1200" b="0" i="0" kern="1200" dirty="0" smtClean="0">
-                <a:solidFill>
-                  <a:schemeClr val="tx1"/>
-                </a:solidFill>
-                <a:effectLst/>
-                <a:latin typeface="+mn-lt"/>
-                <a:ea typeface="+mn-ea"/>
-                <a:cs typeface="+mn-cs"/>
-              </a:rPr>
+            <a:r>
+              <a:rPr lang="en-US" dirty="0" smtClean="0"/>
               <a:t>&lt;/interceptors&gt;</a:t>
             </a:r>
-          </a:p>
-          <a:p>
-            <a:endParaRPr lang="en-US" dirty="0" smtClean="0"/>
-          </a:p>
-          <a:p>
-            <a:endParaRPr lang="en-US" dirty="0" smtClean="0"/>
           </a:p>
           <a:p>
             <a:endParaRPr lang="en-US" dirty="0"/>
@@ -3553,7 +3338,7 @@
     </p:spTree>
     <p:extLst>
       <p:ext uri="{BB962C8B-B14F-4D97-AF65-F5344CB8AC3E}">
-        <p14:creationId xmlns:p14="http://schemas.microsoft.com/office/powerpoint/2010/main" val="997388523"/>
+        <p14:creationId xmlns:p14="http://schemas.microsoft.com/office/powerpoint/2010/main" val="2104673195"/>
       </p:ext>
     </p:extLst>
   </p:cSld>
@@ -3638,7 +3423,7 @@
     </p:spTree>
     <p:extLst>
       <p:ext uri="{BB962C8B-B14F-4D97-AF65-F5344CB8AC3E}">
-        <p14:creationId xmlns:p14="http://schemas.microsoft.com/office/powerpoint/2010/main" val="2821245544"/>
+        <p14:creationId xmlns:p14="http://schemas.microsoft.com/office/powerpoint/2010/main" val="4166987030"/>
       </p:ext>
     </p:extLst>
   </p:cSld>
@@ -3692,6 +3477,405 @@
           <a:bodyPr/>
           <a:lstStyle/>
           <a:p>
+            <a:r>
+              <a:rPr lang="en-US" sz="1200" kern="1200" dirty="0" smtClean="0">
+                <a:solidFill>
+                  <a:schemeClr val="tx1"/>
+                </a:solidFill>
+                <a:latin typeface="+mn-lt"/>
+                <a:ea typeface="+mn-ea"/>
+                <a:cs typeface="+mn-cs"/>
+              </a:rPr>
+              <a:t>//View queries</a:t>
+            </a:r>
+          </a:p>
+          <a:p>
+            <a:r>
+              <a:rPr lang="en-US" sz="1200" kern="1200" dirty="0" err="1" smtClean="0">
+                <a:solidFill>
+                  <a:schemeClr val="tx1"/>
+                </a:solidFill>
+                <a:latin typeface="+mn-lt"/>
+                <a:ea typeface="+mn-ea"/>
+                <a:cs typeface="+mn-cs"/>
+              </a:rPr>
+              <a:t>context.Database.Log</a:t>
+            </a:r>
+            <a:r>
+              <a:rPr lang="en-US" sz="1200" kern="1200" dirty="0" smtClean="0">
+                <a:solidFill>
+                  <a:schemeClr val="tx1"/>
+                </a:solidFill>
+                <a:latin typeface="+mn-lt"/>
+                <a:ea typeface="+mn-ea"/>
+                <a:cs typeface="+mn-cs"/>
+              </a:rPr>
+              <a:t> = s =&gt; </a:t>
+            </a:r>
+            <a:r>
+              <a:rPr lang="en-US" sz="1200" kern="1200" dirty="0" err="1" smtClean="0">
+                <a:solidFill>
+                  <a:schemeClr val="tx1"/>
+                </a:solidFill>
+                <a:latin typeface="+mn-lt"/>
+                <a:ea typeface="+mn-ea"/>
+                <a:cs typeface="+mn-cs"/>
+              </a:rPr>
+              <a:t>Console.WriteLine</a:t>
+            </a:r>
+            <a:r>
+              <a:rPr lang="en-US" sz="1200" kern="1200" dirty="0" smtClean="0">
+                <a:solidFill>
+                  <a:schemeClr val="tx1"/>
+                </a:solidFill>
+                <a:latin typeface="+mn-lt"/>
+                <a:ea typeface="+mn-ea"/>
+                <a:cs typeface="+mn-cs"/>
+              </a:rPr>
+              <a:t>(s);</a:t>
+            </a:r>
+          </a:p>
+          <a:p>
+            <a:endParaRPr lang="en-US" sz="1200" kern="1200" dirty="0" smtClean="0">
+              <a:solidFill>
+                <a:schemeClr val="tx1"/>
+              </a:solidFill>
+              <a:latin typeface="+mn-lt"/>
+              <a:ea typeface="+mn-ea"/>
+              <a:cs typeface="+mn-cs"/>
+            </a:endParaRPr>
+          </a:p>
+          <a:p>
+            <a:r>
+              <a:rPr lang="en-US" sz="1200" kern="1200" dirty="0" smtClean="0">
+                <a:solidFill>
+                  <a:schemeClr val="tx1"/>
+                </a:solidFill>
+                <a:latin typeface="+mn-lt"/>
+                <a:ea typeface="+mn-ea"/>
+                <a:cs typeface="+mn-cs"/>
+              </a:rPr>
+              <a:t>//Log connection</a:t>
+            </a:r>
+          </a:p>
+          <a:p>
+            <a:r>
+              <a:rPr lang="en-US" sz="1200" kern="1200" dirty="0" err="1" smtClean="0">
+                <a:solidFill>
+                  <a:schemeClr val="tx1"/>
+                </a:solidFill>
+                <a:latin typeface="+mn-lt"/>
+                <a:ea typeface="+mn-ea"/>
+                <a:cs typeface="+mn-cs"/>
+              </a:rPr>
+              <a:t>Console.WriteLine</a:t>
+            </a:r>
+            <a:r>
+              <a:rPr lang="en-US" sz="1200" kern="1200" dirty="0" smtClean="0">
+                <a:solidFill>
+                  <a:schemeClr val="tx1"/>
+                </a:solidFill>
+                <a:latin typeface="+mn-lt"/>
+                <a:ea typeface="+mn-ea"/>
+                <a:cs typeface="+mn-cs"/>
+              </a:rPr>
+              <a:t>(</a:t>
+            </a:r>
+            <a:r>
+              <a:rPr lang="en-US" sz="1200" kern="1200" dirty="0" err="1" smtClean="0">
+                <a:solidFill>
+                  <a:schemeClr val="tx1"/>
+                </a:solidFill>
+                <a:latin typeface="+mn-lt"/>
+                <a:ea typeface="+mn-ea"/>
+                <a:cs typeface="+mn-cs"/>
+              </a:rPr>
+              <a:t>context.Database.Connection.ConnectionString</a:t>
+            </a:r>
+            <a:r>
+              <a:rPr lang="en-US" sz="1200" kern="1200" dirty="0" smtClean="0">
+                <a:solidFill>
+                  <a:schemeClr val="tx1"/>
+                </a:solidFill>
+                <a:latin typeface="+mn-lt"/>
+                <a:ea typeface="+mn-ea"/>
+                <a:cs typeface="+mn-cs"/>
+              </a:rPr>
+              <a:t>);</a:t>
+            </a:r>
+          </a:p>
+          <a:p>
+            <a:endParaRPr lang="en-US" dirty="0" smtClean="0"/>
+          </a:p>
+          <a:p>
+            <a:r>
+              <a:rPr lang="en-US" dirty="0" smtClean="0"/>
+              <a:t>Using glimpse</a:t>
+            </a:r>
+          </a:p>
+          <a:p>
+            <a:r>
+              <a:rPr lang="en-US" dirty="0" smtClean="0"/>
+              <a:t>Install-package</a:t>
+            </a:r>
+            <a:r>
+              <a:rPr lang="en-US" baseline="0" dirty="0" smtClean="0"/>
+              <a:t> glimpse.mvc5</a:t>
+            </a:r>
+          </a:p>
+          <a:p>
+            <a:r>
+              <a:rPr lang="en-US" baseline="0" dirty="0" smtClean="0"/>
+              <a:t>install-package </a:t>
+            </a:r>
+            <a:r>
+              <a:rPr lang="en-US" baseline="0" dirty="0" err="1" smtClean="0"/>
+              <a:t>glimpse.entityframework</a:t>
+            </a:r>
+            <a:endParaRPr lang="en-US" baseline="0" dirty="0" smtClean="0"/>
+          </a:p>
+          <a:p>
+            <a:endParaRPr lang="en-US" baseline="0" dirty="0" smtClean="0"/>
+          </a:p>
+          <a:p>
+            <a:r>
+              <a:rPr lang="en-US" baseline="0" dirty="0" smtClean="0"/>
+              <a:t>Inside the </a:t>
+            </a:r>
+            <a:r>
+              <a:rPr lang="en-US" sz="1200" kern="1200" dirty="0" smtClean="0">
+                <a:solidFill>
+                  <a:schemeClr val="tx1"/>
+                </a:solidFill>
+                <a:latin typeface="+mn-lt"/>
+                <a:ea typeface="+mn-ea"/>
+                <a:cs typeface="+mn-cs"/>
+              </a:rPr>
+              <a:t>&lt;</a:t>
+            </a:r>
+            <a:r>
+              <a:rPr lang="en-US" sz="1200" kern="1200" dirty="0" err="1" smtClean="0">
+                <a:solidFill>
+                  <a:schemeClr val="tx1"/>
+                </a:solidFill>
+                <a:latin typeface="+mn-lt"/>
+                <a:ea typeface="+mn-ea"/>
+                <a:cs typeface="+mn-cs"/>
+              </a:rPr>
+              <a:t>entityFramework</a:t>
+            </a:r>
+            <a:r>
+              <a:rPr lang="en-US" sz="1200" kern="1200" dirty="0" smtClean="0">
+                <a:solidFill>
+                  <a:schemeClr val="tx1"/>
+                </a:solidFill>
+                <a:latin typeface="+mn-lt"/>
+                <a:ea typeface="+mn-ea"/>
+                <a:cs typeface="+mn-cs"/>
+              </a:rPr>
+              <a:t>&gt; element</a:t>
+            </a:r>
+            <a:endParaRPr lang="en-US" baseline="0" dirty="0" smtClean="0"/>
+          </a:p>
+          <a:p>
+            <a:pPr rtl="0" fontAlgn="base"/>
+            <a:r>
+              <a:rPr lang="en-US" sz="1200" b="0" i="0" kern="1200" dirty="0" smtClean="0">
+                <a:solidFill>
+                  <a:schemeClr val="tx1"/>
+                </a:solidFill>
+                <a:effectLst/>
+                <a:latin typeface="+mn-lt"/>
+                <a:ea typeface="+mn-ea"/>
+                <a:cs typeface="+mn-cs"/>
+              </a:rPr>
+              <a:t>&lt;interceptors&gt;</a:t>
+            </a:r>
+          </a:p>
+          <a:p>
+            <a:pPr rtl="0" fontAlgn="base"/>
+            <a:r>
+              <a:rPr lang="en-US" sz="1200" b="0" i="0" kern="1200" dirty="0" smtClean="0">
+                <a:solidFill>
+                  <a:schemeClr val="tx1"/>
+                </a:solidFill>
+                <a:effectLst/>
+                <a:latin typeface="+mn-lt"/>
+                <a:ea typeface="+mn-ea"/>
+                <a:cs typeface="+mn-cs"/>
+              </a:rPr>
+              <a:t>  &lt;interceptor type="</a:t>
+            </a:r>
+            <a:r>
+              <a:rPr lang="en-US" sz="1200" b="0" i="0" kern="1200" dirty="0" err="1" smtClean="0">
+                <a:solidFill>
+                  <a:schemeClr val="tx1"/>
+                </a:solidFill>
+                <a:effectLst/>
+                <a:latin typeface="+mn-lt"/>
+                <a:ea typeface="+mn-ea"/>
+                <a:cs typeface="+mn-cs"/>
+              </a:rPr>
+              <a:t>System.Data.Entity.Infrastructure.Interception.DatabaseLogger</a:t>
+            </a:r>
+            <a:r>
+              <a:rPr lang="en-US" sz="1200" b="0" i="0" kern="1200" dirty="0" smtClean="0">
+                <a:solidFill>
+                  <a:schemeClr val="tx1"/>
+                </a:solidFill>
+                <a:effectLst/>
+                <a:latin typeface="+mn-lt"/>
+                <a:ea typeface="+mn-ea"/>
+                <a:cs typeface="+mn-cs"/>
+              </a:rPr>
+              <a:t>, </a:t>
+            </a:r>
+            <a:r>
+              <a:rPr lang="en-US" sz="1200" b="0" i="0" kern="1200" dirty="0" err="1" smtClean="0">
+                <a:solidFill>
+                  <a:schemeClr val="tx1"/>
+                </a:solidFill>
+                <a:effectLst/>
+                <a:latin typeface="+mn-lt"/>
+                <a:ea typeface="+mn-ea"/>
+                <a:cs typeface="+mn-cs"/>
+              </a:rPr>
+              <a:t>EntityFramework</a:t>
+            </a:r>
+            <a:r>
+              <a:rPr lang="en-US" sz="1200" b="0" i="0" kern="1200" dirty="0" smtClean="0">
+                <a:solidFill>
+                  <a:schemeClr val="tx1"/>
+                </a:solidFill>
+                <a:effectLst/>
+                <a:latin typeface="+mn-lt"/>
+                <a:ea typeface="+mn-ea"/>
+                <a:cs typeface="+mn-cs"/>
+              </a:rPr>
+              <a:t>"&gt;</a:t>
+            </a:r>
+          </a:p>
+          <a:p>
+            <a:pPr rtl="0" fontAlgn="base"/>
+            <a:r>
+              <a:rPr lang="en-US" sz="1200" b="0" i="0" kern="1200" dirty="0" smtClean="0">
+                <a:solidFill>
+                  <a:schemeClr val="tx1"/>
+                </a:solidFill>
+                <a:effectLst/>
+                <a:latin typeface="+mn-lt"/>
+                <a:ea typeface="+mn-ea"/>
+                <a:cs typeface="+mn-cs"/>
+              </a:rPr>
+              <a:t>    &lt;parameters&gt;</a:t>
+            </a:r>
+          </a:p>
+          <a:p>
+            <a:pPr rtl="0" fontAlgn="base"/>
+            <a:r>
+              <a:rPr lang="en-US" sz="1200" b="0" i="0" kern="1200" dirty="0" smtClean="0">
+                <a:solidFill>
+                  <a:schemeClr val="tx1"/>
+                </a:solidFill>
+                <a:effectLst/>
+                <a:latin typeface="+mn-lt"/>
+                <a:ea typeface="+mn-ea"/>
+                <a:cs typeface="+mn-cs"/>
+              </a:rPr>
+              <a:t>      &lt;parameter value=“MyAppsOutput.txt"/&gt;</a:t>
+            </a:r>
+          </a:p>
+          <a:p>
+            <a:pPr rtl="0" fontAlgn="base"/>
+            <a:r>
+              <a:rPr lang="en-US" sz="1200" b="0" i="0" kern="1200" dirty="0" smtClean="0">
+                <a:solidFill>
+                  <a:schemeClr val="tx1"/>
+                </a:solidFill>
+                <a:effectLst/>
+                <a:latin typeface="+mn-lt"/>
+                <a:ea typeface="+mn-ea"/>
+                <a:cs typeface="+mn-cs"/>
+              </a:rPr>
+              <a:t>      &lt;parameter value="true" type="</a:t>
+            </a:r>
+            <a:r>
+              <a:rPr lang="en-US" sz="1200" b="0" i="0" kern="1200" dirty="0" err="1" smtClean="0">
+                <a:solidFill>
+                  <a:schemeClr val="tx1"/>
+                </a:solidFill>
+                <a:effectLst/>
+                <a:latin typeface="+mn-lt"/>
+                <a:ea typeface="+mn-ea"/>
+                <a:cs typeface="+mn-cs"/>
+              </a:rPr>
+              <a:t>System.Boolean</a:t>
+            </a:r>
+            <a:r>
+              <a:rPr lang="en-US" sz="1200" b="0" i="0" kern="1200" dirty="0" smtClean="0">
+                <a:solidFill>
+                  <a:schemeClr val="tx1"/>
+                </a:solidFill>
+                <a:effectLst/>
+                <a:latin typeface="+mn-lt"/>
+                <a:ea typeface="+mn-ea"/>
+                <a:cs typeface="+mn-cs"/>
+              </a:rPr>
+              <a:t>"/&gt;</a:t>
+            </a:r>
+          </a:p>
+          <a:p>
+            <a:pPr rtl="0" fontAlgn="base"/>
+            <a:r>
+              <a:rPr lang="en-US" sz="1200" b="0" i="0" kern="1200" dirty="0" smtClean="0">
+                <a:solidFill>
+                  <a:schemeClr val="tx1"/>
+                </a:solidFill>
+                <a:effectLst/>
+                <a:latin typeface="+mn-lt"/>
+                <a:ea typeface="+mn-ea"/>
+                <a:cs typeface="+mn-cs"/>
+              </a:rPr>
+              <a:t>    &lt;/parameters&gt;</a:t>
+            </a:r>
+          </a:p>
+          <a:p>
+            <a:pPr rtl="0" fontAlgn="base"/>
+            <a:r>
+              <a:rPr lang="en-US" sz="1200" b="0" i="0" kern="1200" dirty="0" smtClean="0">
+                <a:solidFill>
+                  <a:schemeClr val="tx1"/>
+                </a:solidFill>
+                <a:effectLst/>
+                <a:latin typeface="+mn-lt"/>
+                <a:ea typeface="+mn-ea"/>
+                <a:cs typeface="+mn-cs"/>
+              </a:rPr>
+              <a:t>  &lt;/interceptor&gt;</a:t>
+            </a:r>
+          </a:p>
+          <a:p>
+            <a:pPr rtl="0" fontAlgn="base"/>
+            <a:r>
+              <a:rPr lang="en-US" sz="1200" b="0" i="0" kern="1200" dirty="0" smtClean="0">
+                <a:solidFill>
+                  <a:schemeClr val="tx1"/>
+                </a:solidFill>
+                <a:effectLst/>
+                <a:latin typeface="+mn-lt"/>
+                <a:ea typeface="+mn-ea"/>
+                <a:cs typeface="+mn-cs"/>
+              </a:rPr>
+              <a:t>&lt;/interceptors&gt;</a:t>
+            </a:r>
+          </a:p>
+          <a:p>
+            <a:endParaRPr lang="en-US" dirty="0" smtClean="0"/>
+          </a:p>
+          <a:p>
+            <a:endParaRPr lang="en-US" dirty="0" smtClean="0"/>
+          </a:p>
+          <a:p>
             <a:endParaRPr lang="en-US" dirty="0"/>
           </a:p>
         </p:txBody>
@@ -3722,7 +3906,7 @@
     </p:spTree>
     <p:extLst>
       <p:ext uri="{BB962C8B-B14F-4D97-AF65-F5344CB8AC3E}">
-        <p14:creationId xmlns:p14="http://schemas.microsoft.com/office/powerpoint/2010/main" val="2520240092"/>
+        <p14:creationId xmlns:p14="http://schemas.microsoft.com/office/powerpoint/2010/main" val="997388523"/>
       </p:ext>
     </p:extLst>
   </p:cSld>
@@ -3776,16 +3960,6 @@
           <a:bodyPr/>
           <a:lstStyle/>
           <a:p>
-            <a:r>
-              <a:rPr lang="en-US" dirty="0" smtClean="0"/>
-              <a:t>Discuss</a:t>
-            </a:r>
-            <a:r>
-              <a:rPr lang="en-US" baseline="0" dirty="0" smtClean="0"/>
-              <a:t> manual method, deprecating the designer, and revere engineering</a:t>
-            </a:r>
-          </a:p>
-          <a:p>
             <a:endParaRPr lang="en-US" dirty="0"/>
           </a:p>
         </p:txBody>
@@ -3816,7 +3990,7 @@
     </p:spTree>
     <p:extLst>
       <p:ext uri="{BB962C8B-B14F-4D97-AF65-F5344CB8AC3E}">
-        <p14:creationId xmlns:p14="http://schemas.microsoft.com/office/powerpoint/2010/main" val="2659573956"/>
+        <p14:creationId xmlns:p14="http://schemas.microsoft.com/office/powerpoint/2010/main" val="2520240092"/>
       </p:ext>
     </p:extLst>
   </p:cSld>
@@ -3870,6 +4044,100 @@
           <a:bodyPr/>
           <a:lstStyle/>
           <a:p>
+            <a:r>
+              <a:rPr lang="en-US" dirty="0" smtClean="0"/>
+              <a:t>Discuss</a:t>
+            </a:r>
+            <a:r>
+              <a:rPr lang="en-US" baseline="0" dirty="0" smtClean="0"/>
+              <a:t> manual method, deprecating the designer, and revere engineering</a:t>
+            </a:r>
+          </a:p>
+          <a:p>
+            <a:endParaRPr lang="en-US" dirty="0"/>
+          </a:p>
+        </p:txBody>
+      </p:sp>
+      <p:sp>
+        <p:nvSpPr>
+          <p:cNvPr id="4" name="Slide Number Placeholder 3"/>
+          <p:cNvSpPr>
+            <a:spLocks noGrp="1"/>
+          </p:cNvSpPr>
+          <p:nvPr>
+            <p:ph type="sldNum" sz="quarter" idx="10"/>
+          </p:nvPr>
+        </p:nvSpPr>
+        <p:spPr/>
+        <p:txBody>
+          <a:bodyPr/>
+          <a:lstStyle/>
+          <a:p>
+            <a:fld id="{4CFD207A-07DF-40AD-A916-9872E089CE7A}" type="slidenum">
+              <a:rPr lang="en-US" smtClean="0"/>
+              <a:t>26</a:t>
+            </a:fld>
+            <a:endParaRPr lang="en-US" dirty="0"/>
+          </a:p>
+        </p:txBody>
+      </p:sp>
+    </p:spTree>
+    <p:extLst>
+      <p:ext uri="{BB962C8B-B14F-4D97-AF65-F5344CB8AC3E}">
+        <p14:creationId xmlns:p14="http://schemas.microsoft.com/office/powerpoint/2010/main" val="2659573956"/>
+      </p:ext>
+    </p:extLst>
+  </p:cSld>
+  <p:clrMapOvr>
+    <a:masterClrMapping/>
+  </p:clrMapOvr>
+</p:notes>
+</file>
+
+<file path=ppt/notesSlides/notesSlide23.xml><?xml version="1.0" encoding="utf-8"?>
+<p:notes xmlns:a="http://schemas.openxmlformats.org/drawingml/2006/main" xmlns:r="http://schemas.openxmlformats.org/officeDocument/2006/relationships" xmlns:p="http://schemas.openxmlformats.org/presentationml/2006/main">
+  <p:cSld>
+    <p:spTree>
+      <p:nvGrpSpPr>
+        <p:cNvPr id="1" name=""/>
+        <p:cNvGrpSpPr/>
+        <p:nvPr/>
+      </p:nvGrpSpPr>
+      <p:grpSpPr>
+        <a:xfrm>
+          <a:off x="0" y="0"/>
+          <a:ext cx="0" cy="0"/>
+          <a:chOff x="0" y="0"/>
+          <a:chExt cx="0" cy="0"/>
+        </a:xfrm>
+      </p:grpSpPr>
+      <p:sp>
+        <p:nvSpPr>
+          <p:cNvPr id="2" name="Slide Image Placeholder 1"/>
+          <p:cNvSpPr>
+            <a:spLocks noGrp="1" noRot="1" noChangeAspect="1"/>
+          </p:cNvSpPr>
+          <p:nvPr>
+            <p:ph type="sldImg"/>
+          </p:nvPr>
+        </p:nvSpPr>
+        <p:spPr/>
+      </p:sp>
+      <p:sp>
+        <p:nvSpPr>
+          <p:cNvPr id="3" name="Notes Placeholder 2"/>
+          <p:cNvSpPr>
+            <a:spLocks noGrp="1"/>
+          </p:cNvSpPr>
+          <p:nvPr>
+            <p:ph type="body" idx="1"/>
+          </p:nvPr>
+        </p:nvSpPr>
+        <p:spPr/>
+        <p:txBody>
+          <a:bodyPr/>
+          <a:lstStyle/>
+          <a:p>
             <a:pPr marL="228600" indent="-228600">
               <a:buAutoNum type="arabicPeriod"/>
             </a:pPr>
@@ -3944,7 +4212,7 @@
           <a:p>
             <a:fld id="{4CFD207A-07DF-40AD-A916-9872E089CE7A}" type="slidenum">
               <a:rPr lang="en-US" smtClean="0"/>
-              <a:t>26</a:t>
+              <a:t>27</a:t>
             </a:fld>
             <a:endParaRPr lang="en-US" dirty="0"/>
           </a:p>
@@ -4038,7 +4306,7 @@
     </p:spTree>
     <p:extLst>
       <p:ext uri="{BB962C8B-B14F-4D97-AF65-F5344CB8AC3E}">
-        <p14:creationId xmlns:p14="http://schemas.microsoft.com/office/powerpoint/2010/main" val="1212044481"/>
+        <p14:creationId xmlns:p14="http://schemas.microsoft.com/office/powerpoint/2010/main" val="1569962125"/>
       </p:ext>
     </p:extLst>
   </p:cSld>
@@ -4130,7 +4398,7 @@
     </p:spTree>
     <p:extLst>
       <p:ext uri="{BB962C8B-B14F-4D97-AF65-F5344CB8AC3E}">
-        <p14:creationId xmlns:p14="http://schemas.microsoft.com/office/powerpoint/2010/main" val="3721944218"/>
+        <p14:creationId xmlns:p14="http://schemas.microsoft.com/office/powerpoint/2010/main" val="2376362301"/>
       </p:ext>
     </p:extLst>
   </p:cSld>
@@ -4215,7 +4483,7 @@
     </p:spTree>
     <p:extLst>
       <p:ext uri="{BB962C8B-B14F-4D97-AF65-F5344CB8AC3E}">
-        <p14:creationId xmlns:p14="http://schemas.microsoft.com/office/powerpoint/2010/main" val="3307750677"/>
+        <p14:creationId xmlns:p14="http://schemas.microsoft.com/office/powerpoint/2010/main" val="3037387679"/>
       </p:ext>
     </p:extLst>
   </p:cSld>
@@ -4989,6 +5257,519 @@
 </file>
 
 <file path=ppt/slideLayouts/slideLayout10.xml><?xml version="1.0" encoding="utf-8"?>
+<p:sldLayout xmlns:a="http://schemas.openxmlformats.org/drawingml/2006/main" xmlns:r="http://schemas.openxmlformats.org/officeDocument/2006/relationships" xmlns:p="http://schemas.openxmlformats.org/presentationml/2006/main">
+  <p:cSld name="Title Slide">
+    <p:spTree>
+      <p:nvGrpSpPr>
+        <p:cNvPr id="1" name=""/>
+        <p:cNvGrpSpPr/>
+        <p:nvPr/>
+      </p:nvGrpSpPr>
+      <p:grpSpPr>
+        <a:xfrm>
+          <a:off x="0" y="0"/>
+          <a:ext cx="0" cy="0"/>
+          <a:chOff x="0" y="0"/>
+          <a:chExt cx="0" cy="0"/>
+        </a:xfrm>
+      </p:grpSpPr>
+      <p:sp>
+        <p:nvSpPr>
+          <p:cNvPr id="3" name="Subtitle 2"/>
+          <p:cNvSpPr>
+            <a:spLocks noGrp="1"/>
+          </p:cNvSpPr>
+          <p:nvPr>
+            <p:ph type="subTitle" idx="1"/>
+          </p:nvPr>
+        </p:nvSpPr>
+        <p:spPr>
+          <a:xfrm>
+            <a:off x="193271" y="5132437"/>
+            <a:ext cx="8579886" cy="1460779"/>
+          </a:xfrm>
+          <a:prstGeom prst="rect">
+            <a:avLst/>
+          </a:prstGeom>
+        </p:spPr>
+        <p:txBody>
+          <a:bodyPr lIns="137160" tIns="137160" rIns="137160" bIns="137160" anchor="b" anchorCtr="0">
+            <a:normAutofit/>
+          </a:bodyPr>
+          <a:lstStyle>
+            <a:lvl1pPr marL="0" indent="0" algn="l" defTabSz="914052" rtl="0" eaLnBrk="1" latinLnBrk="0" hangingPunct="1">
+              <a:lnSpc>
+                <a:spcPct val="100000"/>
+              </a:lnSpc>
+              <a:spcBef>
+                <a:spcPts val="0"/>
+              </a:spcBef>
+              <a:buSzPct val="90000"/>
+              <a:buFont typeface="Arial" pitchFamily="34" charset="0"/>
+              <a:buNone/>
+              <a:defRPr lang="en-US" sz="2400" b="0" kern="0" spc="0" baseline="0" dirty="0">
+                <a:solidFill>
+                  <a:schemeClr val="tx1"/>
+                </a:solidFill>
+                <a:latin typeface="Segoe UI Light" panose="020B0502040204020203" pitchFamily="34" charset="0"/>
+                <a:ea typeface="Segoe UI Light" panose="020B0502040204020203" pitchFamily="34" charset="0"/>
+                <a:cs typeface="Segoe UI Light" panose="020B0502040204020203" pitchFamily="34" charset="0"/>
+              </a:defRPr>
+            </a:lvl1pPr>
+            <a:lvl2pPr marL="457044" indent="0" algn="ctr">
+              <a:buNone/>
+              <a:defRPr>
+                <a:solidFill>
+                  <a:schemeClr val="tx1">
+                    <a:tint val="75000"/>
+                  </a:schemeClr>
+                </a:solidFill>
+              </a:defRPr>
+            </a:lvl2pPr>
+            <a:lvl3pPr marL="914088" indent="0" algn="ctr">
+              <a:buNone/>
+              <a:defRPr>
+                <a:solidFill>
+                  <a:schemeClr val="tx1">
+                    <a:tint val="75000"/>
+                  </a:schemeClr>
+                </a:solidFill>
+              </a:defRPr>
+            </a:lvl3pPr>
+            <a:lvl4pPr marL="1371133" indent="0" algn="ctr">
+              <a:buNone/>
+              <a:defRPr>
+                <a:solidFill>
+                  <a:schemeClr val="tx1">
+                    <a:tint val="75000"/>
+                  </a:schemeClr>
+                </a:solidFill>
+              </a:defRPr>
+            </a:lvl4pPr>
+            <a:lvl5pPr marL="1828178" indent="0" algn="ctr">
+              <a:buNone/>
+              <a:defRPr>
+                <a:solidFill>
+                  <a:schemeClr val="tx1">
+                    <a:tint val="75000"/>
+                  </a:schemeClr>
+                </a:solidFill>
+              </a:defRPr>
+            </a:lvl5pPr>
+            <a:lvl6pPr marL="2285222" indent="0" algn="ctr">
+              <a:buNone/>
+              <a:defRPr>
+                <a:solidFill>
+                  <a:schemeClr val="tx1">
+                    <a:tint val="75000"/>
+                  </a:schemeClr>
+                </a:solidFill>
+              </a:defRPr>
+            </a:lvl6pPr>
+            <a:lvl7pPr marL="2742267" indent="0" algn="ctr">
+              <a:buNone/>
+              <a:defRPr>
+                <a:solidFill>
+                  <a:schemeClr val="tx1">
+                    <a:tint val="75000"/>
+                  </a:schemeClr>
+                </a:solidFill>
+              </a:defRPr>
+            </a:lvl7pPr>
+            <a:lvl8pPr marL="3199311" indent="0" algn="ctr">
+              <a:buNone/>
+              <a:defRPr>
+                <a:solidFill>
+                  <a:schemeClr val="tx1">
+                    <a:tint val="75000"/>
+                  </a:schemeClr>
+                </a:solidFill>
+              </a:defRPr>
+            </a:lvl8pPr>
+            <a:lvl9pPr marL="3656358" indent="0" algn="ctr">
+              <a:buNone/>
+              <a:defRPr>
+                <a:solidFill>
+                  <a:schemeClr val="tx1">
+                    <a:tint val="75000"/>
+                  </a:schemeClr>
+                </a:solidFill>
+              </a:defRPr>
+            </a:lvl9pPr>
+          </a:lstStyle>
+          <a:p>
+            <a:r>
+              <a:rPr lang="en-US" smtClean="0"/>
+              <a:t>Click to edit Master subtitle style</a:t>
+            </a:r>
+            <a:endParaRPr lang="en-US" dirty="0"/>
+          </a:p>
+        </p:txBody>
+      </p:sp>
+      <p:sp>
+        <p:nvSpPr>
+          <p:cNvPr id="10" name="Title 1"/>
+          <p:cNvSpPr>
+            <a:spLocks noGrp="1"/>
+          </p:cNvSpPr>
+          <p:nvPr>
+            <p:ph type="ctrTitle" hasCustomPrompt="1"/>
+          </p:nvPr>
+        </p:nvSpPr>
+        <p:spPr>
+          <a:xfrm>
+            <a:off x="193271" y="2415641"/>
+            <a:ext cx="8579886" cy="2603307"/>
+          </a:xfrm>
+          <a:prstGeom prst="rect">
+            <a:avLst/>
+          </a:prstGeom>
+          <a:solidFill>
+            <a:srgbClr val="7FBA00"/>
+          </a:solidFill>
+          <a:effectLst/>
+        </p:spPr>
+        <p:txBody>
+          <a:bodyPr vert="horz" lIns="137160" tIns="137160" rIns="91409" bIns="137160" rtlCol="0" anchor="b" anchorCtr="0">
+            <a:noAutofit/>
+          </a:bodyPr>
+          <a:lstStyle>
+            <a:lvl1pPr>
+              <a:defRPr lang="en-US" sz="4800" kern="0" dirty="0">
+                <a:ln w="3175">
+                  <a:noFill/>
+                </a:ln>
+                <a:gradFill flip="none" rotWithShape="1">
+                  <a:gsLst>
+                    <a:gs pos="4583">
+                      <a:srgbClr val="FFFFFF"/>
+                    </a:gs>
+                    <a:gs pos="100000">
+                      <a:srgbClr val="FFFFFF"/>
+                    </a:gs>
+                  </a:gsLst>
+                  <a:lin ang="5400000" scaled="0"/>
+                  <a:tileRect/>
+                </a:gradFill>
+              </a:defRPr>
+            </a:lvl1pPr>
+          </a:lstStyle>
+          <a:p>
+            <a:pPr lvl="0"/>
+            <a:r>
+              <a:rPr lang="en-US" dirty="0" smtClean="0"/>
+              <a:t>Course title style</a:t>
+            </a:r>
+            <a:endParaRPr lang="en-US" dirty="0"/>
+          </a:p>
+        </p:txBody>
+      </p:sp>
+      <p:sp>
+        <p:nvSpPr>
+          <p:cNvPr id="8" name="top right small rectangle"/>
+          <p:cNvSpPr/>
+          <p:nvPr/>
+        </p:nvSpPr>
+        <p:spPr bwMode="auto">
+          <a:xfrm>
+            <a:off x="8902492" y="2418735"/>
+            <a:ext cx="3087947" cy="2600214"/>
+          </a:xfrm>
+          <a:prstGeom prst="rect">
+            <a:avLst/>
+          </a:prstGeom>
+          <a:solidFill>
+            <a:schemeClr val="tx2"/>
+          </a:solidFill>
+          <a:ln>
+            <a:noFill/>
+            <a:headEnd type="none" w="med" len="med"/>
+            <a:tailEnd type="none" w="med" len="med"/>
+          </a:ln>
+        </p:spPr>
+        <p:style>
+          <a:lnRef idx="2">
+            <a:schemeClr val="accent5">
+              <a:shade val="50000"/>
+            </a:schemeClr>
+          </a:lnRef>
+          <a:fillRef idx="1">
+            <a:schemeClr val="accent5"/>
+          </a:fillRef>
+          <a:effectRef idx="0">
+            <a:schemeClr val="accent5"/>
+          </a:effectRef>
+          <a:fontRef idx="minor">
+            <a:schemeClr val="lt1"/>
+          </a:fontRef>
+        </p:style>
+        <p:txBody>
+          <a:bodyPr vert="horz" wrap="square" lIns="137160" tIns="137160" rIns="137160" bIns="137160" numCol="1" rtlCol="0" anchor="b" anchorCtr="0" compatLnSpc="1">
+            <a:prstTxWarp prst="textNoShape">
+              <a:avLst/>
+            </a:prstTxWarp>
+          </a:bodyPr>
+          <a:lstStyle/>
+          <a:p>
+            <a:pPr defTabSz="913788" fontAlgn="base">
+              <a:spcBef>
+                <a:spcPct val="0"/>
+              </a:spcBef>
+              <a:spcAft>
+                <a:spcPct val="0"/>
+              </a:spcAft>
+            </a:pPr>
+            <a:endParaRPr lang="en-US" sz="2000" dirty="0">
+              <a:gradFill>
+                <a:gsLst>
+                  <a:gs pos="0">
+                    <a:srgbClr val="FFFFFF"/>
+                  </a:gs>
+                  <a:gs pos="100000">
+                    <a:srgbClr val="FFFFFF"/>
+                  </a:gs>
+                </a:gsLst>
+                <a:lin ang="5400000" scaled="0"/>
+              </a:gradFill>
+              <a:latin typeface="Segoe UI Light" panose="020B0502040204020203" pitchFamily="34" charset="0"/>
+              <a:cs typeface="Segoe UI Light" panose="020B0502040204020203" pitchFamily="34" charset="0"/>
+            </a:endParaRPr>
+          </a:p>
+        </p:txBody>
+      </p:sp>
+      <p:pic>
+        <p:nvPicPr>
+          <p:cNvPr id="11" name="Picture 10"/>
+          <p:cNvPicPr>
+            <a:picLocks noChangeAspect="1"/>
+          </p:cNvPicPr>
+          <p:nvPr/>
+        </p:nvPicPr>
+        <p:blipFill rotWithShape="1">
+          <a:blip r:embed="rId2" cstate="print">
+            <a:extLst>
+              <a:ext uri="{28A0092B-C50C-407E-A947-70E740481C1C}">
+                <a14:useLocalDpi xmlns:a14="http://schemas.microsoft.com/office/drawing/2010/main" val="0"/>
+              </a:ext>
+            </a:extLst>
+          </a:blip>
+          <a:srcRect l="9720" t="16544" r="7275" b="16691"/>
+          <a:stretch/>
+        </p:blipFill>
+        <p:spPr>
+          <a:xfrm>
+            <a:off x="10731799" y="4630992"/>
+            <a:ext cx="1131688" cy="334740"/>
+          </a:xfrm>
+          <a:prstGeom prst="rect">
+            <a:avLst/>
+          </a:prstGeom>
+        </p:spPr>
+      </p:pic>
+      <p:pic>
+        <p:nvPicPr>
+          <p:cNvPr id="2" name="Picture 1"/>
+          <p:cNvPicPr>
+            <a:picLocks noChangeAspect="1"/>
+          </p:cNvPicPr>
+          <p:nvPr/>
+        </p:nvPicPr>
+        <p:blipFill>
+          <a:blip r:embed="rId3">
+            <a:extLst>
+              <a:ext uri="{28A0092B-C50C-407E-A947-70E740481C1C}">
+                <a14:useLocalDpi xmlns:a14="http://schemas.microsoft.com/office/drawing/2010/main" val="0"/>
+              </a:ext>
+            </a:extLst>
+          </a:blip>
+          <a:stretch>
+            <a:fillRect/>
+          </a:stretch>
+        </p:blipFill>
+        <p:spPr>
+          <a:xfrm>
+            <a:off x="193271" y="164177"/>
+            <a:ext cx="2084416" cy="833766"/>
+          </a:xfrm>
+          <a:prstGeom prst="rect">
+            <a:avLst/>
+          </a:prstGeom>
+        </p:spPr>
+      </p:pic>
+      <p:sp>
+        <p:nvSpPr>
+          <p:cNvPr id="7" name="top right small rectangle"/>
+          <p:cNvSpPr/>
+          <p:nvPr userDrawn="1"/>
+        </p:nvSpPr>
+        <p:spPr bwMode="auto">
+          <a:xfrm>
+            <a:off x="8902492" y="2418735"/>
+            <a:ext cx="3087947" cy="2600214"/>
+          </a:xfrm>
+          <a:prstGeom prst="rect">
+            <a:avLst/>
+          </a:prstGeom>
+          <a:solidFill>
+            <a:schemeClr val="tx2"/>
+          </a:solidFill>
+          <a:ln>
+            <a:noFill/>
+            <a:headEnd type="none" w="med" len="med"/>
+            <a:tailEnd type="none" w="med" len="med"/>
+          </a:ln>
+        </p:spPr>
+        <p:style>
+          <a:lnRef idx="2">
+            <a:schemeClr val="accent5">
+              <a:shade val="50000"/>
+            </a:schemeClr>
+          </a:lnRef>
+          <a:fillRef idx="1">
+            <a:schemeClr val="accent5"/>
+          </a:fillRef>
+          <a:effectRef idx="0">
+            <a:schemeClr val="accent5"/>
+          </a:effectRef>
+          <a:fontRef idx="minor">
+            <a:schemeClr val="lt1"/>
+          </a:fontRef>
+        </p:style>
+        <p:txBody>
+          <a:bodyPr vert="horz" wrap="square" lIns="137160" tIns="137160" rIns="137160" bIns="137160" numCol="1" rtlCol="0" anchor="b" anchorCtr="0" compatLnSpc="1">
+            <a:prstTxWarp prst="textNoShape">
+              <a:avLst/>
+            </a:prstTxWarp>
+          </a:bodyPr>
+          <a:lstStyle/>
+          <a:p>
+            <a:pPr defTabSz="913788" fontAlgn="base">
+              <a:spcBef>
+                <a:spcPct val="0"/>
+              </a:spcBef>
+              <a:spcAft>
+                <a:spcPct val="0"/>
+              </a:spcAft>
+            </a:pPr>
+            <a:endParaRPr lang="en-US" sz="2000" dirty="0">
+              <a:gradFill>
+                <a:gsLst>
+                  <a:gs pos="0">
+                    <a:srgbClr val="FFFFFF"/>
+                  </a:gs>
+                  <a:gs pos="100000">
+                    <a:srgbClr val="FFFFFF"/>
+                  </a:gs>
+                </a:gsLst>
+                <a:lin ang="5400000" scaled="0"/>
+              </a:gradFill>
+              <a:latin typeface="Segoe UI Light" panose="020B0502040204020203" pitchFamily="34" charset="0"/>
+              <a:cs typeface="Segoe UI Light" panose="020B0502040204020203" pitchFamily="34" charset="0"/>
+            </a:endParaRPr>
+          </a:p>
+        </p:txBody>
+      </p:sp>
+      <p:pic>
+        <p:nvPicPr>
+          <p:cNvPr id="9" name="Picture 8"/>
+          <p:cNvPicPr>
+            <a:picLocks noChangeAspect="1"/>
+          </p:cNvPicPr>
+          <p:nvPr userDrawn="1"/>
+        </p:nvPicPr>
+        <p:blipFill rotWithShape="1">
+          <a:blip r:embed="rId2" cstate="print">
+            <a:extLst>
+              <a:ext uri="{28A0092B-C50C-407E-A947-70E740481C1C}">
+                <a14:useLocalDpi xmlns:a14="http://schemas.microsoft.com/office/drawing/2010/main" val="0"/>
+              </a:ext>
+            </a:extLst>
+          </a:blip>
+          <a:srcRect l="9720" t="16544" r="7275" b="16691"/>
+          <a:stretch/>
+        </p:blipFill>
+        <p:spPr>
+          <a:xfrm>
+            <a:off x="10731799" y="4630992"/>
+            <a:ext cx="1131688" cy="334740"/>
+          </a:xfrm>
+          <a:prstGeom prst="rect">
+            <a:avLst/>
+          </a:prstGeom>
+        </p:spPr>
+      </p:pic>
+      <p:pic>
+        <p:nvPicPr>
+          <p:cNvPr id="12" name="Picture 11"/>
+          <p:cNvPicPr>
+            <a:picLocks noChangeAspect="1"/>
+          </p:cNvPicPr>
+          <p:nvPr userDrawn="1"/>
+        </p:nvPicPr>
+        <p:blipFill>
+          <a:blip r:embed="rId3">
+            <a:extLst>
+              <a:ext uri="{28A0092B-C50C-407E-A947-70E740481C1C}">
+                <a14:useLocalDpi xmlns:a14="http://schemas.microsoft.com/office/drawing/2010/main" val="0"/>
+              </a:ext>
+            </a:extLst>
+          </a:blip>
+          <a:stretch>
+            <a:fillRect/>
+          </a:stretch>
+        </p:blipFill>
+        <p:spPr>
+          <a:xfrm>
+            <a:off x="193271" y="164177"/>
+            <a:ext cx="2084416" cy="833766"/>
+          </a:xfrm>
+          <a:prstGeom prst="rect">
+            <a:avLst/>
+          </a:prstGeom>
+        </p:spPr>
+      </p:pic>
+    </p:spTree>
+    <p:extLst>
+      <p:ext uri="{BB962C8B-B14F-4D97-AF65-F5344CB8AC3E}">
+        <p14:creationId xmlns:p14="http://schemas.microsoft.com/office/powerpoint/2010/main" val="2947266553"/>
+      </p:ext>
+    </p:extLst>
+  </p:cSld>
+  <p:clrMapOvr>
+    <a:masterClrMapping/>
+  </p:clrMapOvr>
+  <p:timing>
+    <p:tnLst>
+      <p:par>
+        <p:cTn id="1" dur="indefinite" restart="never" nodeType="tmRoot"/>
+      </p:par>
+    </p:tnLst>
+  </p:timing>
+  <p:extLst mod="1">
+    <p:ext uri="{DCECCB84-F9BA-43D5-87BE-67443E8EF086}">
+      <p15:sldGuideLst xmlns:p15="http://schemas.microsoft.com/office/powerpoint/2012/main">
+        <p15:guide id="4294967295" orient="horz" pos="3792">
+          <p15:clr>
+            <a:srgbClr val="FBAE40"/>
+          </p15:clr>
+        </p15:guide>
+        <p15:guide id="4294967295" pos="3839">
+          <p15:clr>
+            <a:srgbClr val="FBAE40"/>
+          </p15:clr>
+        </p15:guide>
+        <p15:guide id="4294967295" orient="horz" pos="720">
+          <p15:clr>
+            <a:srgbClr val="FBAE40"/>
+          </p15:clr>
+        </p15:guide>
+      </p15:sldGuideLst>
+    </p:ext>
+  </p:extLst>
+</p:sldLayout>
+</file>
+
+<file path=ppt/slideLayouts/slideLayout11.xml><?xml version="1.0" encoding="utf-8"?>
 <p:sldLayout xmlns:a="http://schemas.openxmlformats.org/drawingml/2006/main" xmlns:r="http://schemas.openxmlformats.org/officeDocument/2006/relationships" xmlns:p="http://schemas.openxmlformats.org/presentationml/2006/main" preserve="1">
   <p:cSld name="Title Slide">
     <p:spTree>
@@ -5501,7 +6282,7 @@
 </p:sldLayout>
 </file>
 
-<file path=ppt/slideLayouts/slideLayout11.xml><?xml version="1.0" encoding="utf-8"?>
+<file path=ppt/slideLayouts/slideLayout12.xml><?xml version="1.0" encoding="utf-8"?>
 <p:sldLayout xmlns:a="http://schemas.openxmlformats.org/drawingml/2006/main" xmlns:r="http://schemas.openxmlformats.org/officeDocument/2006/relationships" xmlns:p="http://schemas.openxmlformats.org/presentationml/2006/main">
   <p:cSld name="1_Section Header">
     <p:spTree>
@@ -6509,7 +7290,7 @@
 </p:sldLayout>
 </file>
 
-<file path=ppt/slideLayouts/slideLayout12.xml><?xml version="1.0" encoding="utf-8"?>
+<file path=ppt/slideLayouts/slideLayout13.xml><?xml version="1.0" encoding="utf-8"?>
 <p:sldLayout xmlns:a="http://schemas.openxmlformats.org/drawingml/2006/main" xmlns:r="http://schemas.openxmlformats.org/officeDocument/2006/relationships" xmlns:p="http://schemas.openxmlformats.org/presentationml/2006/main" preserve="1">
   <p:cSld name="DEMO Layout">
     <p:spTree>
@@ -6801,7 +7582,7 @@
 </p:sldLayout>
 </file>
 
-<file path=ppt/slideLayouts/slideLayout13.xml><?xml version="1.0" encoding="utf-8"?>
+<file path=ppt/slideLayouts/slideLayout14.xml><?xml version="1.0" encoding="utf-8"?>
 <p:sldLayout xmlns:a="http://schemas.openxmlformats.org/drawingml/2006/main" xmlns:r="http://schemas.openxmlformats.org/officeDocument/2006/relationships" xmlns:p="http://schemas.openxmlformats.org/presentationml/2006/main" preserve="1">
   <p:cSld name="Title and Content">
     <p:spTree>
@@ -6938,7 +7719,7 @@
 </p:sldLayout>
 </file>
 
-<file path=ppt/slideLayouts/slideLayout14.xml><?xml version="1.0" encoding="utf-8"?>
+<file path=ppt/slideLayouts/slideLayout15.xml><?xml version="1.0" encoding="utf-8"?>
 <p:sldLayout xmlns:a="http://schemas.openxmlformats.org/drawingml/2006/main" xmlns:r="http://schemas.openxmlformats.org/officeDocument/2006/relationships" xmlns:p="http://schemas.openxmlformats.org/presentationml/2006/main" preserve="1">
   <p:cSld name="Two Content">
     <p:spTree>
@@ -7178,7 +7959,7 @@
 </p:sldLayout>
 </file>
 
-<file path=ppt/slideLayouts/slideLayout15.xml><?xml version="1.0" encoding="utf-8"?>
+<file path=ppt/slideLayouts/slideLayout16.xml><?xml version="1.0" encoding="utf-8"?>
 <p:sldLayout xmlns:a="http://schemas.openxmlformats.org/drawingml/2006/main" xmlns:r="http://schemas.openxmlformats.org/officeDocument/2006/relationships" xmlns:p="http://schemas.openxmlformats.org/presentationml/2006/main" preserve="1">
   <p:cSld name="Comparison">
     <p:spTree>
@@ -7570,7 +8351,7 @@
 </p:sldLayout>
 </file>
 
-<file path=ppt/slideLayouts/slideLayout16.xml><?xml version="1.0" encoding="utf-8"?>
+<file path=ppt/slideLayouts/slideLayout17.xml><?xml version="1.0" encoding="utf-8"?>
 <p:sldLayout xmlns:a="http://schemas.openxmlformats.org/drawingml/2006/main" xmlns:r="http://schemas.openxmlformats.org/officeDocument/2006/relationships" xmlns:p="http://schemas.openxmlformats.org/presentationml/2006/main" preserve="1">
   <p:cSld name="Title Only">
     <p:spTree>
@@ -7630,7 +8411,7 @@
 </p:sldLayout>
 </file>
 
-<file path=ppt/slideLayouts/slideLayout17.xml><?xml version="1.0" encoding="utf-8"?>
+<file path=ppt/slideLayouts/slideLayout18.xml><?xml version="1.0" encoding="utf-8"?>
 <p:sldLayout xmlns:a="http://schemas.openxmlformats.org/drawingml/2006/main" xmlns:r="http://schemas.openxmlformats.org/officeDocument/2006/relationships" xmlns:p="http://schemas.openxmlformats.org/presentationml/2006/main" type="blank" preserve="1">
   <p:cSld name="Blank">
     <p:spTree>
@@ -7667,7 +8448,7 @@
 </p:sldLayout>
 </file>
 
-<file path=ppt/slideLayouts/slideLayout18.xml><?xml version="1.0" encoding="utf-8"?>
+<file path=ppt/slideLayouts/slideLayout19.xml><?xml version="1.0" encoding="utf-8"?>
 <p:sldLayout xmlns:a="http://schemas.openxmlformats.org/drawingml/2006/main" xmlns:r="http://schemas.openxmlformats.org/officeDocument/2006/relationships" xmlns:p="http://schemas.openxmlformats.org/presentationml/2006/main" preserve="1">
   <p:cSld name="5_Blank Color 1 Layout">
     <p:spTree>
@@ -9998,6 +10779,7 @@
     <p:sldLayoutId id="2147483666" r:id="rId7"/>
     <p:sldLayoutId id="2147483668" r:id="rId8"/>
     <p:sldLayoutId id="2147483669" r:id="rId9"/>
+    <p:sldLayoutId id="2147483683" r:id="rId10"/>
   </p:sldLayoutIdLst>
   <p:timing>
     <p:tnLst>
@@ -10682,7 +11464,7 @@
     </p:spTree>
     <p:extLst>
       <p:ext uri="{BB962C8B-B14F-4D97-AF65-F5344CB8AC3E}">
-        <p14:creationId xmlns:p14="http://schemas.microsoft.com/office/powerpoint/2010/main" val="3173853340"/>
+        <p14:creationId xmlns:p14="http://schemas.microsoft.com/office/powerpoint/2010/main" val="2543533330"/>
       </p:ext>
     </p:extLst>
   </p:cSld>
@@ -15187,18 +15969,18 @@
     </p:spTree>
     <p:extLst>
       <p:ext uri="{BB962C8B-B14F-4D97-AF65-F5344CB8AC3E}">
-        <p14:creationId xmlns:p14="http://schemas.microsoft.com/office/powerpoint/2010/main" val="1784940003"/>
+        <p14:creationId xmlns:p14="http://schemas.microsoft.com/office/powerpoint/2010/main" val="3544645479"/>
       </p:ext>
     </p:extLst>
   </p:cSld>
   <p:clrMapOvr>
     <a:masterClrMapping/>
   </p:clrMapOvr>
-  <mc:AlternateContent xmlns:mc="http://schemas.openxmlformats.org/markup-compatibility/2006" xmlns:p14="http://schemas.microsoft.com/office/powerpoint/2010/main">
-    <mc:Choice Requires="p14">
+  <mc:AlternateContent xmlns:mc="http://schemas.openxmlformats.org/markup-compatibility/2006">
+    <mc:Choice xmlns:p14="http://schemas.microsoft.com/office/powerpoint/2010/main" Requires="p14">
       <p:transition spd="slow" p14:dur="2000"/>
     </mc:Choice>
-    <mc:Fallback xmlns="">
+    <mc:Fallback>
       <p:transition spd="slow"/>
     </mc:Fallback>
   </mc:AlternateContent>
@@ -16157,7 +16939,21 @@
                 <a:latin typeface="Segoe UI Light" panose="020B0502040204020203" pitchFamily="34" charset="0"/>
                 <a:cs typeface="Segoe UI Light" panose="020B0502040204020203" pitchFamily="34" charset="0"/>
               </a:rPr>
-              <a:t>You should always </a:t>
+              <a:t>You should </a:t>
+            </a:r>
+            <a:r>
+              <a:rPr lang="en-US" sz="2400" b="1" i="1" dirty="0">
+                <a:latin typeface="Segoe UI Light" panose="020B0502040204020203" pitchFamily="34" charset="0"/>
+                <a:cs typeface="Segoe UI Light" panose="020B0502040204020203" pitchFamily="34" charset="0"/>
+              </a:rPr>
+              <a:t>always</a:t>
+            </a:r>
+            <a:r>
+              <a:rPr lang="en-US" sz="2400" i="1" dirty="0">
+                <a:latin typeface="Segoe UI Light" panose="020B0502040204020203" pitchFamily="34" charset="0"/>
+                <a:cs typeface="Segoe UI Light" panose="020B0502040204020203" pitchFamily="34" charset="0"/>
+              </a:rPr>
+              <a:t> </a:t>
             </a:r>
             <a:r>
               <a:rPr lang="en-US" sz="2400" i="1" dirty="0" smtClean="0">
@@ -16204,6 +17000,328 @@
             <a:endParaRPr lang="en-US" sz="2400" dirty="0">
               <a:latin typeface="Segoe UI Light" panose="020B0502040204020203" pitchFamily="34" charset="0"/>
               <a:cs typeface="Segoe UI Light" panose="020B0502040204020203" pitchFamily="34" charset="0"/>
+            </a:endParaRPr>
+          </a:p>
+        </p:txBody>
+      </p:sp>
+      <p:sp>
+        <p:nvSpPr>
+          <p:cNvPr id="20" name="TextBox 19"/>
+          <p:cNvSpPr txBox="1"/>
+          <p:nvPr/>
+        </p:nvSpPr>
+        <p:spPr>
+          <a:xfrm>
+            <a:off x="573872" y="4773228"/>
+            <a:ext cx="11330074" cy="830997"/>
+          </a:xfrm>
+          <a:prstGeom prst="rect">
+            <a:avLst/>
+          </a:prstGeom>
+          <a:noFill/>
+        </p:spPr>
+        <p:txBody>
+          <a:bodyPr wrap="square" rtlCol="0">
+            <a:spAutoFit/>
+          </a:bodyPr>
+          <a:lstStyle/>
+          <a:p>
+            <a:r>
+              <a:rPr lang="en-US" sz="2400" dirty="0">
+                <a:solidFill>
+                  <a:srgbClr val="0000FF"/>
+                </a:solidFill>
+                <a:highlight>
+                  <a:srgbClr val="FFFFFF"/>
+                </a:highlight>
+                <a:latin typeface="Consolas" panose="020B0609020204030204" pitchFamily="49" charset="0"/>
+              </a:rPr>
+              <a:t>&lt;</a:t>
+            </a:r>
+            <a:r>
+              <a:rPr lang="en-US" sz="2400" dirty="0">
+                <a:solidFill>
+                  <a:srgbClr val="A31515"/>
+                </a:solidFill>
+                <a:highlight>
+                  <a:srgbClr val="FFFFFF"/>
+                </a:highlight>
+                <a:latin typeface="Consolas" panose="020B0609020204030204" pitchFamily="49" charset="0"/>
+              </a:rPr>
+              <a:t>add</a:t>
+            </a:r>
+            <a:r>
+              <a:rPr lang="en-US" sz="2400" dirty="0">
+                <a:solidFill>
+                  <a:srgbClr val="0000FF"/>
+                </a:solidFill>
+                <a:highlight>
+                  <a:srgbClr val="FFFFFF"/>
+                </a:highlight>
+                <a:latin typeface="Consolas" panose="020B0609020204030204" pitchFamily="49" charset="0"/>
+              </a:rPr>
+              <a:t> </a:t>
+            </a:r>
+            <a:r>
+              <a:rPr lang="en-US" sz="2400" dirty="0">
+                <a:solidFill>
+                  <a:srgbClr val="FF0000"/>
+                </a:solidFill>
+                <a:highlight>
+                  <a:srgbClr val="FFFFFF"/>
+                </a:highlight>
+                <a:latin typeface="Consolas" panose="020B0609020204030204" pitchFamily="49" charset="0"/>
+              </a:rPr>
+              <a:t>name</a:t>
+            </a:r>
+            <a:r>
+              <a:rPr lang="en-US" sz="2400" dirty="0">
+                <a:solidFill>
+                  <a:srgbClr val="0000FF"/>
+                </a:solidFill>
+                <a:highlight>
+                  <a:srgbClr val="FFFFFF"/>
+                </a:highlight>
+                <a:latin typeface="Consolas" panose="020B0609020204030204" pitchFamily="49" charset="0"/>
+              </a:rPr>
+              <a:t>=</a:t>
+            </a:r>
+            <a:r>
+              <a:rPr lang="en-US" sz="2400" dirty="0">
+                <a:solidFill>
+                  <a:srgbClr val="000000"/>
+                </a:solidFill>
+                <a:highlight>
+                  <a:srgbClr val="FFFFFF"/>
+                </a:highlight>
+                <a:latin typeface="Consolas" panose="020B0609020204030204" pitchFamily="49" charset="0"/>
+              </a:rPr>
+              <a:t>"</a:t>
+            </a:r>
+            <a:r>
+              <a:rPr lang="en-US" sz="2400" dirty="0" err="1">
+                <a:solidFill>
+                  <a:srgbClr val="0000FF"/>
+                </a:solidFill>
+                <a:highlight>
+                  <a:srgbClr val="FFFFFF"/>
+                </a:highlight>
+                <a:latin typeface="Consolas" panose="020B0609020204030204" pitchFamily="49" charset="0"/>
+              </a:rPr>
+              <a:t>MusicStoreContext</a:t>
+            </a:r>
+            <a:r>
+              <a:rPr lang="en-US" sz="2400" dirty="0">
+                <a:solidFill>
+                  <a:srgbClr val="000000"/>
+                </a:solidFill>
+                <a:highlight>
+                  <a:srgbClr val="FFFFFF"/>
+                </a:highlight>
+                <a:latin typeface="Consolas" panose="020B0609020204030204" pitchFamily="49" charset="0"/>
+              </a:rPr>
+              <a:t>"</a:t>
+            </a:r>
+            <a:r>
+              <a:rPr lang="en-US" sz="2400" dirty="0">
+                <a:solidFill>
+                  <a:srgbClr val="0000FF"/>
+                </a:solidFill>
+                <a:highlight>
+                  <a:srgbClr val="FFFFFF"/>
+                </a:highlight>
+                <a:latin typeface="Consolas" panose="020B0609020204030204" pitchFamily="49" charset="0"/>
+              </a:rPr>
+              <a:t> </a:t>
+            </a:r>
+            <a:r>
+              <a:rPr lang="en-US" sz="2400" dirty="0" err="1">
+                <a:solidFill>
+                  <a:srgbClr val="FF0000"/>
+                </a:solidFill>
+                <a:highlight>
+                  <a:srgbClr val="FFFFFF"/>
+                </a:highlight>
+                <a:latin typeface="Consolas" panose="020B0609020204030204" pitchFamily="49" charset="0"/>
+              </a:rPr>
+              <a:t>connectionString</a:t>
+            </a:r>
+            <a:r>
+              <a:rPr lang="en-US" sz="2400" dirty="0">
+                <a:solidFill>
+                  <a:srgbClr val="0000FF"/>
+                </a:solidFill>
+                <a:highlight>
+                  <a:srgbClr val="FFFFFF"/>
+                </a:highlight>
+                <a:latin typeface="Consolas" panose="020B0609020204030204" pitchFamily="49" charset="0"/>
+              </a:rPr>
+              <a:t>=</a:t>
+            </a:r>
+            <a:r>
+              <a:rPr lang="en-US" sz="2400" dirty="0">
+                <a:solidFill>
+                  <a:srgbClr val="000000"/>
+                </a:solidFill>
+                <a:highlight>
+                  <a:srgbClr val="FFFFFF"/>
+                </a:highlight>
+                <a:latin typeface="Consolas" panose="020B0609020204030204" pitchFamily="49" charset="0"/>
+              </a:rPr>
+              <a:t>"</a:t>
+            </a:r>
+            <a:r>
+              <a:rPr lang="en-US" sz="2400" dirty="0">
+                <a:solidFill>
+                  <a:srgbClr val="0000FF"/>
+                </a:solidFill>
+                <a:highlight>
+                  <a:srgbClr val="FFFFFF"/>
+                </a:highlight>
+                <a:latin typeface="Consolas" panose="020B0609020204030204" pitchFamily="49" charset="0"/>
+              </a:rPr>
+              <a:t>Data Source=(</a:t>
+            </a:r>
+            <a:r>
+              <a:rPr lang="en-US" sz="2400" dirty="0" err="1">
+                <a:solidFill>
+                  <a:srgbClr val="0000FF"/>
+                </a:solidFill>
+                <a:highlight>
+                  <a:srgbClr val="FFFFFF"/>
+                </a:highlight>
+                <a:latin typeface="Consolas" panose="020B0609020204030204" pitchFamily="49" charset="0"/>
+              </a:rPr>
+              <a:t>localdb</a:t>
+            </a:r>
+            <a:r>
+              <a:rPr lang="en-US" sz="2400" dirty="0">
+                <a:solidFill>
+                  <a:srgbClr val="0000FF"/>
+                </a:solidFill>
+                <a:highlight>
+                  <a:srgbClr val="FFFFFF"/>
+                </a:highlight>
+                <a:latin typeface="Consolas" panose="020B0609020204030204" pitchFamily="49" charset="0"/>
+              </a:rPr>
+              <a:t>)\v12.0</a:t>
+            </a:r>
+            <a:r>
+              <a:rPr lang="en-US" sz="2400" dirty="0" smtClean="0">
+                <a:solidFill>
+                  <a:srgbClr val="0000FF"/>
+                </a:solidFill>
+                <a:highlight>
+                  <a:srgbClr val="FFFFFF"/>
+                </a:highlight>
+                <a:latin typeface="Consolas" panose="020B0609020204030204" pitchFamily="49" charset="0"/>
+              </a:rPr>
+              <a:t>;..</a:t>
+            </a:r>
+            <a:r>
+              <a:rPr lang="en-US" sz="2400" dirty="0" smtClean="0">
+                <a:solidFill>
+                  <a:srgbClr val="000000"/>
+                </a:solidFill>
+                <a:highlight>
+                  <a:srgbClr val="FFFFFF"/>
+                </a:highlight>
+                <a:latin typeface="Consolas" panose="020B0609020204030204" pitchFamily="49" charset="0"/>
+              </a:rPr>
+              <a:t>"</a:t>
+            </a:r>
+            <a:r>
+              <a:rPr lang="en-US" sz="2400" dirty="0" smtClean="0">
+                <a:solidFill>
+                  <a:srgbClr val="0000FF"/>
+                </a:solidFill>
+                <a:highlight>
+                  <a:srgbClr val="FFFFFF"/>
+                </a:highlight>
+                <a:latin typeface="Consolas" panose="020B0609020204030204" pitchFamily="49" charset="0"/>
+              </a:rPr>
+              <a:t> </a:t>
+            </a:r>
+            <a:r>
+              <a:rPr lang="en-US" sz="2400" dirty="0" err="1">
+                <a:solidFill>
+                  <a:srgbClr val="FF0000"/>
+                </a:solidFill>
+                <a:highlight>
+                  <a:srgbClr val="FFFFFF"/>
+                </a:highlight>
+                <a:latin typeface="Consolas" panose="020B0609020204030204" pitchFamily="49" charset="0"/>
+              </a:rPr>
+              <a:t>providerName</a:t>
+            </a:r>
+            <a:r>
+              <a:rPr lang="en-US" sz="2400" dirty="0">
+                <a:solidFill>
+                  <a:srgbClr val="0000FF"/>
+                </a:solidFill>
+                <a:highlight>
+                  <a:srgbClr val="FFFFFF"/>
+                </a:highlight>
+                <a:latin typeface="Consolas" panose="020B0609020204030204" pitchFamily="49" charset="0"/>
+              </a:rPr>
+              <a:t>=</a:t>
+            </a:r>
+            <a:r>
+              <a:rPr lang="en-US" sz="2400" dirty="0">
+                <a:solidFill>
+                  <a:srgbClr val="000000"/>
+                </a:solidFill>
+                <a:highlight>
+                  <a:srgbClr val="FFFFFF"/>
+                </a:highlight>
+                <a:latin typeface="Consolas" panose="020B0609020204030204" pitchFamily="49" charset="0"/>
+              </a:rPr>
+              <a:t>"</a:t>
+            </a:r>
+            <a:r>
+              <a:rPr lang="en-US" sz="2400" dirty="0" err="1">
+                <a:solidFill>
+                  <a:srgbClr val="0000FF"/>
+                </a:solidFill>
+                <a:highlight>
+                  <a:srgbClr val="FFFFFF"/>
+                </a:highlight>
+                <a:latin typeface="Consolas" panose="020B0609020204030204" pitchFamily="49" charset="0"/>
+              </a:rPr>
+              <a:t>System.Data.SqlClient</a:t>
+            </a:r>
+            <a:r>
+              <a:rPr lang="en-US" sz="2400" dirty="0">
+                <a:solidFill>
+                  <a:srgbClr val="000000"/>
+                </a:solidFill>
+                <a:highlight>
+                  <a:srgbClr val="FFFFFF"/>
+                </a:highlight>
+                <a:latin typeface="Consolas" panose="020B0609020204030204" pitchFamily="49" charset="0"/>
+              </a:rPr>
+              <a:t>"</a:t>
+            </a:r>
+            <a:r>
+              <a:rPr lang="en-US" sz="2400" dirty="0">
+                <a:solidFill>
+                  <a:srgbClr val="0000FF"/>
+                </a:solidFill>
+                <a:highlight>
+                  <a:srgbClr val="FFFFFF"/>
+                </a:highlight>
+                <a:latin typeface="Consolas" panose="020B0609020204030204" pitchFamily="49" charset="0"/>
+              </a:rPr>
+              <a:t> /&gt;</a:t>
+            </a:r>
+            <a:endParaRPr lang="en-US" sz="2400" dirty="0">
+              <a:solidFill>
+                <a:srgbClr val="000000"/>
+              </a:solidFill>
+              <a:highlight>
+                <a:srgbClr val="FFFFFF"/>
+              </a:highlight>
+              <a:latin typeface="Consolas" panose="020B0609020204030204" pitchFamily="49" charset="0"/>
             </a:endParaRPr>
           </a:p>
         </p:txBody>
@@ -16476,7 +17594,7 @@
                                 </p:cTn>
                               </p:par>
                               <p:par>
-                                <p:cTn id="26" presetID="1" presetClass="exit" presetSubtype="0" fill="hold" grpId="1" nodeType="withEffect">
+                                <p:cTn id="26" presetID="10" presetClass="entr" presetSubtype="0" fill="hold" grpId="0" nodeType="withEffect">
                                   <p:stCondLst>
                                     <p:cond delay="0"/>
                                   </p:stCondLst>
@@ -16484,6 +17602,41 @@
                                     <p:set>
                                       <p:cBhvr>
                                         <p:cTn id="27" dur="1" fill="hold">
+                                          <p:stCondLst>
+                                            <p:cond delay="0"/>
+                                          </p:stCondLst>
+                                        </p:cTn>
+                                        <p:tgtEl>
+                                          <p:spTgt spid="20"/>
+                                        </p:tgtEl>
+                                        <p:attrNameLst>
+                                          <p:attrName>style.visibility</p:attrName>
+                                        </p:attrNameLst>
+                                      </p:cBhvr>
+                                      <p:to>
+                                        <p:strVal val="visible"/>
+                                      </p:to>
+                                    </p:set>
+                                    <p:animEffect transition="in" filter="fade">
+                                      <p:cBhvr>
+                                        <p:cTn id="28" dur="500"/>
+                                        <p:tgtEl>
+                                          <p:spTgt spid="20"/>
+                                        </p:tgtEl>
+                                      </p:cBhvr>
+                                    </p:animEffect>
+                                  </p:childTnLst>
+                                </p:cTn>
+                              </p:par>
+                              <p:par>
+                                <p:cTn id="29" presetID="1" presetClass="exit" presetSubtype="0" fill="hold" grpId="1" nodeType="withEffect">
+                                  <p:stCondLst>
+                                    <p:cond delay="0"/>
+                                  </p:stCondLst>
+                                  <p:childTnLst>
+                                    <p:set>
+                                      <p:cBhvr>
+                                        <p:cTn id="30" dur="1" fill="hold">
                                           <p:stCondLst>
                                             <p:cond delay="0"/>
                                           </p:stCondLst>
@@ -16509,26 +17662,26 @@
                     </p:cTn>
                   </p:par>
                   <p:par>
-                    <p:cTn id="28" fill="hold">
+                    <p:cTn id="31" fill="hold">
                       <p:stCondLst>
                         <p:cond delay="indefinite"/>
                       </p:stCondLst>
                       <p:childTnLst>
                         <p:par>
-                          <p:cTn id="29" fill="hold">
+                          <p:cTn id="32" fill="hold">
                             <p:stCondLst>
                               <p:cond delay="0"/>
                             </p:stCondLst>
                             <p:childTnLst>
                               <p:par>
-                                <p:cTn id="30" presetID="10" presetClass="entr" presetSubtype="0" fill="hold" grpId="0" nodeType="clickEffect">
+                                <p:cTn id="33" presetID="10" presetClass="entr" presetSubtype="0" fill="hold" grpId="0" nodeType="clickEffect">
                                   <p:stCondLst>
                                     <p:cond delay="0"/>
                                   </p:stCondLst>
                                   <p:childTnLst>
                                     <p:set>
                                       <p:cBhvr>
-                                        <p:cTn id="31" dur="1" fill="hold">
+                                        <p:cTn id="34" dur="1" fill="hold">
                                           <p:stCondLst>
                                             <p:cond delay="0"/>
                                           </p:stCondLst>
@@ -16546,7 +17699,7 @@
                                     </p:set>
                                     <p:animEffect transition="in" filter="fade">
                                       <p:cBhvr>
-                                        <p:cTn id="32" dur="500"/>
+                                        <p:cTn id="35" dur="500"/>
                                         <p:tgtEl>
                                           <p:spTgt spid="13"/>
                                         </p:tgtEl>
@@ -16562,26 +17715,26 @@
                     </p:cTn>
                   </p:par>
                   <p:par>
-                    <p:cTn id="33" fill="hold">
+                    <p:cTn id="36" fill="hold">
                       <p:stCondLst>
                         <p:cond delay="indefinite"/>
                       </p:stCondLst>
                       <p:childTnLst>
                         <p:par>
-                          <p:cTn id="34" fill="hold">
+                          <p:cTn id="37" fill="hold">
                             <p:stCondLst>
                               <p:cond delay="0"/>
                             </p:stCondLst>
                             <p:childTnLst>
                               <p:par>
-                                <p:cTn id="35" presetID="10" presetClass="entr" presetSubtype="0" fill="hold" grpId="0" nodeType="clickEffect">
+                                <p:cTn id="38" presetID="10" presetClass="entr" presetSubtype="0" fill="hold" grpId="0" nodeType="clickEffect">
                                   <p:stCondLst>
                                     <p:cond delay="0"/>
                                   </p:stCondLst>
                                   <p:childTnLst>
                                     <p:set>
                                       <p:cBhvr>
-                                        <p:cTn id="36" dur="1" fill="hold">
+                                        <p:cTn id="39" dur="1" fill="hold">
                                           <p:stCondLst>
                                             <p:cond delay="0"/>
                                           </p:stCondLst>
@@ -16599,7 +17752,7 @@
                                     </p:set>
                                     <p:animEffect transition="in" filter="fade">
                                       <p:cBhvr>
-                                        <p:cTn id="37" dur="500"/>
+                                        <p:cTn id="40" dur="500"/>
                                         <p:tgtEl>
                                           <p:spTgt spid="17"/>
                                         </p:tgtEl>
@@ -16615,26 +17768,26 @@
                     </p:cTn>
                   </p:par>
                   <p:par>
-                    <p:cTn id="38" fill="hold">
+                    <p:cTn id="41" fill="hold">
                       <p:stCondLst>
                         <p:cond delay="indefinite"/>
                       </p:stCondLst>
                       <p:childTnLst>
                         <p:par>
-                          <p:cTn id="39" fill="hold">
+                          <p:cTn id="42" fill="hold">
                             <p:stCondLst>
                               <p:cond delay="0"/>
                             </p:stCondLst>
                             <p:childTnLst>
                               <p:par>
-                                <p:cTn id="40" presetID="10" presetClass="entr" presetSubtype="0" fill="hold" grpId="0" nodeType="clickEffect">
+                                <p:cTn id="43" presetID="10" presetClass="entr" presetSubtype="0" fill="hold" grpId="0" nodeType="clickEffect">
                                   <p:stCondLst>
                                     <p:cond delay="0"/>
                                   </p:stCondLst>
                                   <p:childTnLst>
                                     <p:set>
                                       <p:cBhvr>
-                                        <p:cTn id="41" dur="1" fill="hold">
+                                        <p:cTn id="44" dur="1" fill="hold">
                                           <p:stCondLst>
                                             <p:cond delay="0"/>
                                           </p:stCondLst>
@@ -16652,12 +17805,47 @@
                                     </p:set>
                                     <p:animEffect transition="in" filter="fade">
                                       <p:cBhvr>
-                                        <p:cTn id="42" dur="500"/>
+                                        <p:cTn id="45" dur="500"/>
                                         <p:tgtEl>
                                           <p:spTgt spid="12"/>
                                         </p:tgtEl>
                                       </p:cBhvr>
                                     </p:animEffect>
+                                  </p:childTnLst>
+                                </p:cTn>
+                              </p:par>
+                              <p:par>
+                                <p:cTn id="46" presetID="10" presetClass="exit" presetSubtype="0" fill="hold" grpId="1" nodeType="withEffect">
+                                  <p:stCondLst>
+                                    <p:cond delay="0"/>
+                                  </p:stCondLst>
+                                  <p:childTnLst>
+                                    <p:animEffect transition="out" filter="fade">
+                                      <p:cBhvr>
+                                        <p:cTn id="47" dur="500"/>
+                                        <p:tgtEl>
+                                          <p:spTgt spid="20"/>
+                                        </p:tgtEl>
+                                      </p:cBhvr>
+                                    </p:animEffect>
+                                    <p:set>
+                                      <p:cBhvr>
+                                        <p:cTn id="48" dur="1" fill="hold">
+                                          <p:stCondLst>
+                                            <p:cond delay="499"/>
+                                          </p:stCondLst>
+                                        </p:cTn>
+                                        <p:tgtEl>
+                                          <p:spTgt spid="20"/>
+                                        </p:tgtEl>
+                                        <p:attrNameLst>
+                                          <p:attrName>style.visibility</p:attrName>
+                                        </p:attrNameLst>
+                                      </p:cBhvr>
+                                      <p:to>
+                                        <p:strVal val="hidden"/>
+                                      </p:to>
+                                    </p:set>
                                   </p:childTnLst>
                                 </p:cTn>
                               </p:par>
@@ -16668,26 +17856,26 @@
                     </p:cTn>
                   </p:par>
                   <p:par>
-                    <p:cTn id="43" fill="hold">
+                    <p:cTn id="49" fill="hold">
                       <p:stCondLst>
                         <p:cond delay="indefinite"/>
                       </p:stCondLst>
                       <p:childTnLst>
                         <p:par>
-                          <p:cTn id="44" fill="hold">
+                          <p:cTn id="50" fill="hold">
                             <p:stCondLst>
                               <p:cond delay="0"/>
                             </p:stCondLst>
                             <p:childTnLst>
                               <p:par>
-                                <p:cTn id="45" presetID="10" presetClass="entr" presetSubtype="0" fill="hold" grpId="0" nodeType="clickEffect">
+                                <p:cTn id="51" presetID="10" presetClass="entr" presetSubtype="0" fill="hold" grpId="0" nodeType="clickEffect">
                                   <p:stCondLst>
                                     <p:cond delay="0"/>
                                   </p:stCondLst>
                                   <p:childTnLst>
                                     <p:set>
                                       <p:cBhvr>
-                                        <p:cTn id="46" dur="1" fill="hold">
+                                        <p:cTn id="52" dur="1" fill="hold">
                                           <p:stCondLst>
                                             <p:cond delay="0"/>
                                           </p:stCondLst>
@@ -16705,7 +17893,7 @@
                                     </p:set>
                                     <p:animEffect transition="in" filter="fade">
                                       <p:cBhvr>
-                                        <p:cTn id="47" dur="500"/>
+                                        <p:cTn id="53" dur="500"/>
                                         <p:tgtEl>
                                           <p:spTgt spid="14"/>
                                         </p:tgtEl>
@@ -16721,26 +17909,26 @@
                     </p:cTn>
                   </p:par>
                   <p:par>
-                    <p:cTn id="48" fill="hold">
+                    <p:cTn id="54" fill="hold">
                       <p:stCondLst>
                         <p:cond delay="indefinite"/>
                       </p:stCondLst>
                       <p:childTnLst>
                         <p:par>
-                          <p:cTn id="49" fill="hold">
+                          <p:cTn id="55" fill="hold">
                             <p:stCondLst>
                               <p:cond delay="0"/>
                             </p:stCondLst>
                             <p:childTnLst>
                               <p:par>
-                                <p:cTn id="50" presetID="10" presetClass="entr" presetSubtype="0" fill="hold" grpId="0" nodeType="clickEffect">
+                                <p:cTn id="56" presetID="10" presetClass="entr" presetSubtype="0" fill="hold" grpId="0" nodeType="clickEffect">
                                   <p:stCondLst>
                                     <p:cond delay="0"/>
                                   </p:stCondLst>
                                   <p:childTnLst>
                                     <p:set>
                                       <p:cBhvr>
-                                        <p:cTn id="51" dur="1" fill="hold">
+                                        <p:cTn id="57" dur="1" fill="hold">
                                           <p:stCondLst>
                                             <p:cond delay="0"/>
                                           </p:stCondLst>
@@ -16758,7 +17946,7 @@
                                     </p:set>
                                     <p:animEffect transition="in" filter="fade">
                                       <p:cBhvr>
-                                        <p:cTn id="52" dur="500"/>
+                                        <p:cTn id="58" dur="500"/>
                                         <p:tgtEl>
                                           <p:spTgt spid="26"/>
                                         </p:tgtEl>
@@ -16774,26 +17962,26 @@
                     </p:cTn>
                   </p:par>
                   <p:par>
-                    <p:cTn id="53" fill="hold">
+                    <p:cTn id="59" fill="hold">
                       <p:stCondLst>
                         <p:cond delay="indefinite"/>
                       </p:stCondLst>
                       <p:childTnLst>
                         <p:par>
-                          <p:cTn id="54" fill="hold">
+                          <p:cTn id="60" fill="hold">
                             <p:stCondLst>
                               <p:cond delay="0"/>
                             </p:stCondLst>
                             <p:childTnLst>
                               <p:par>
-                                <p:cTn id="55" presetID="10" presetClass="entr" presetSubtype="0" fill="hold" grpId="0" nodeType="clickEffect">
+                                <p:cTn id="61" presetID="10" presetClass="entr" presetSubtype="0" fill="hold" grpId="0" nodeType="clickEffect">
                                   <p:stCondLst>
                                     <p:cond delay="0"/>
                                   </p:stCondLst>
                                   <p:childTnLst>
                                     <p:set>
                                       <p:cBhvr>
-                                        <p:cTn id="56" dur="1" fill="hold">
+                                        <p:cTn id="62" dur="1" fill="hold">
                                           <p:stCondLst>
                                             <p:cond delay="0"/>
                                           </p:stCondLst>
@@ -16811,7 +17999,7 @@
                                     </p:set>
                                     <p:animEffect transition="in" filter="fade">
                                       <p:cBhvr>
-                                        <p:cTn id="57" dur="500"/>
+                                        <p:cTn id="63" dur="500"/>
                                         <p:tgtEl>
                                           <p:spTgt spid="18"/>
                                         </p:tgtEl>
@@ -16827,26 +18015,26 @@
                     </p:cTn>
                   </p:par>
                   <p:par>
-                    <p:cTn id="58" fill="hold">
+                    <p:cTn id="64" fill="hold">
                       <p:stCondLst>
                         <p:cond delay="indefinite"/>
                       </p:stCondLst>
                       <p:childTnLst>
                         <p:par>
-                          <p:cTn id="59" fill="hold">
+                          <p:cTn id="65" fill="hold">
                             <p:stCondLst>
                               <p:cond delay="0"/>
                             </p:stCondLst>
                             <p:childTnLst>
                               <p:par>
-                                <p:cTn id="60" presetID="10" presetClass="entr" presetSubtype="0" fill="hold" grpId="0" nodeType="clickEffect">
+                                <p:cTn id="66" presetID="10" presetClass="entr" presetSubtype="0" fill="hold" grpId="0" nodeType="clickEffect">
                                   <p:stCondLst>
                                     <p:cond delay="0"/>
                                   </p:stCondLst>
                                   <p:childTnLst>
                                     <p:set>
                                       <p:cBhvr>
-                                        <p:cTn id="61" dur="1" fill="hold">
+                                        <p:cTn id="67" dur="1" fill="hold">
                                           <p:stCondLst>
                                             <p:cond delay="0"/>
                                           </p:stCondLst>
@@ -16864,7 +18052,7 @@
                                     </p:set>
                                     <p:animEffect transition="in" filter="fade">
                                       <p:cBhvr>
-                                        <p:cTn id="62" dur="500"/>
+                                        <p:cTn id="68" dur="500"/>
                                         <p:tgtEl>
                                           <p:spTgt spid="30"/>
                                         </p:tgtEl>
@@ -16880,26 +18068,26 @@
                     </p:cTn>
                   </p:par>
                   <p:par>
-                    <p:cTn id="63" fill="hold">
+                    <p:cTn id="69" fill="hold">
                       <p:stCondLst>
                         <p:cond delay="indefinite"/>
                       </p:stCondLst>
                       <p:childTnLst>
                         <p:par>
-                          <p:cTn id="64" fill="hold">
+                          <p:cTn id="70" fill="hold">
                             <p:stCondLst>
                               <p:cond delay="0"/>
                             </p:stCondLst>
                             <p:childTnLst>
                               <p:par>
-                                <p:cTn id="65" presetID="10" presetClass="entr" presetSubtype="0" fill="hold" grpId="0" nodeType="clickEffect">
+                                <p:cTn id="71" presetID="10" presetClass="entr" presetSubtype="0" fill="hold" grpId="0" nodeType="clickEffect">
                                   <p:stCondLst>
                                     <p:cond delay="0"/>
                                   </p:stCondLst>
                                   <p:childTnLst>
                                     <p:set>
                                       <p:cBhvr>
-                                        <p:cTn id="66" dur="1" fill="hold">
+                                        <p:cTn id="72" dur="1" fill="hold">
                                           <p:stCondLst>
                                             <p:cond delay="0"/>
                                           </p:stCondLst>
@@ -16917,7 +18105,7 @@
                                     </p:set>
                                     <p:animEffect transition="in" filter="fade">
                                       <p:cBhvr>
-                                        <p:cTn id="67" dur="500"/>
+                                        <p:cTn id="73" dur="500"/>
                                         <p:tgtEl>
                                           <p:spTgt spid="19"/>
                                         </p:tgtEl>
@@ -16933,26 +18121,26 @@
                     </p:cTn>
                   </p:par>
                   <p:par>
-                    <p:cTn id="68" fill="hold">
+                    <p:cTn id="74" fill="hold">
                       <p:stCondLst>
                         <p:cond delay="indefinite"/>
                       </p:stCondLst>
                       <p:childTnLst>
                         <p:par>
-                          <p:cTn id="69" fill="hold">
+                          <p:cTn id="75" fill="hold">
                             <p:stCondLst>
                               <p:cond delay="0"/>
                             </p:stCondLst>
                             <p:childTnLst>
                               <p:par>
-                                <p:cTn id="70" presetID="10" presetClass="entr" presetSubtype="0" fill="hold" grpId="0" nodeType="clickEffect">
+                                <p:cTn id="76" presetID="10" presetClass="entr" presetSubtype="0" fill="hold" grpId="0" nodeType="clickEffect">
                                   <p:stCondLst>
                                     <p:cond delay="0"/>
                                   </p:stCondLst>
                                   <p:childTnLst>
                                     <p:set>
                                       <p:cBhvr>
-                                        <p:cTn id="71" dur="1" fill="hold">
+                                        <p:cTn id="77" dur="1" fill="hold">
                                           <p:stCondLst>
                                             <p:cond delay="0"/>
                                           </p:stCondLst>
@@ -16970,7 +18158,7 @@
                                     </p:set>
                                     <p:animEffect transition="in" filter="fade">
                                       <p:cBhvr>
-                                        <p:cTn id="72" dur="500"/>
+                                        <p:cTn id="78" dur="500"/>
                                         <p:tgtEl>
                                           <p:spTgt spid="31"/>
                                         </p:tgtEl>
@@ -16986,26 +18174,26 @@
                     </p:cTn>
                   </p:par>
                   <p:par>
-                    <p:cTn id="73" fill="hold">
+                    <p:cTn id="79" fill="hold">
                       <p:stCondLst>
                         <p:cond delay="indefinite"/>
                       </p:stCondLst>
                       <p:childTnLst>
                         <p:par>
-                          <p:cTn id="74" fill="hold">
+                          <p:cTn id="80" fill="hold">
                             <p:stCondLst>
                               <p:cond delay="0"/>
                             </p:stCondLst>
                             <p:childTnLst>
                               <p:par>
-                                <p:cTn id="75" presetID="10" presetClass="entr" presetSubtype="0" fill="hold" grpId="0" nodeType="clickEffect">
+                                <p:cTn id="81" presetID="10" presetClass="entr" presetSubtype="0" fill="hold" grpId="0" nodeType="clickEffect">
                                   <p:stCondLst>
                                     <p:cond delay="0"/>
                                   </p:stCondLst>
                                   <p:childTnLst>
                                     <p:set>
                                       <p:cBhvr>
-                                        <p:cTn id="76" dur="1" fill="hold">
+                                        <p:cTn id="82" dur="1" fill="hold">
                                           <p:stCondLst>
                                             <p:cond delay="0"/>
                                           </p:stCondLst>
@@ -17023,7 +18211,7 @@
                                     </p:set>
                                     <p:animEffect transition="in" filter="fade">
                                       <p:cBhvr>
-                                        <p:cTn id="77" dur="500"/>
+                                        <p:cTn id="83" dur="500"/>
                                         <p:tgtEl>
                                           <p:spTgt spid="7"/>
                                         </p:tgtEl>
@@ -17076,6 +18264,8 @@
       <p:bldP spid="18" grpId="0" animBg="1"/>
       <p:bldP spid="19" grpId="0" animBg="1"/>
       <p:bldP spid="7" grpId="0" animBg="1"/>
+      <p:bldP spid="20" grpId="0"/>
+      <p:bldP spid="20" grpId="1"/>
     </p:bldLst>
   </p:timing>
 </p:sld>
@@ -17143,15 +18333,34 @@
           <a:p>
             <a:r>
               <a:rPr lang="en-US" dirty="0" smtClean="0"/>
-              <a:t>Note differences in </a:t>
+              <a:t>Connecting to </a:t>
             </a:r>
             <a:r>
               <a:rPr lang="en-US" dirty="0" err="1" smtClean="0"/>
-              <a:t>localdb</a:t>
+              <a:t>LocalDb</a:t>
             </a:r>
             <a:r>
               <a:rPr lang="en-US" dirty="0" smtClean="0"/>
-              <a:t> connection string</a:t>
+              <a:t> be aware of instance names</a:t>
+            </a:r>
+          </a:p>
+          <a:p>
+            <a:pPr lvl="1"/>
+            <a:r>
+              <a:rPr lang="en-US" dirty="0" smtClean="0"/>
+              <a:t>Typically v11.0, </a:t>
+            </a:r>
+            <a:r>
+              <a:rPr lang="en-US" dirty="0" err="1" smtClean="0"/>
+              <a:t>mssqllocaldb</a:t>
+            </a:r>
+            <a:endParaRPr lang="en-US" dirty="0" smtClean="0"/>
+          </a:p>
+          <a:p>
+            <a:pPr lvl="1"/>
+            <a:r>
+              <a:rPr lang="en-US" dirty="0" smtClean="0"/>
+              <a:t>ProjectsV12 is created by data tools, ignore</a:t>
             </a:r>
           </a:p>
           <a:p>
@@ -17175,48 +18384,11 @@
               <a:t>localdb</a:t>
             </a:r>
             <a:r>
-              <a:rPr lang="en-US" dirty="0"/>
+              <a:rPr lang="en-US" dirty="0" smtClean="0"/>
               <a:t>)</a:t>
             </a:r>
             <a:r>
-              <a:rPr lang="en-US" b="1" dirty="0">
-                <a:solidFill>
-                  <a:srgbClr val="FF0000"/>
-                </a:solidFill>
-              </a:rPr>
-              <a:t>\\</a:t>
-            </a:r>
-            <a:r>
-              <a:rPr lang="en-US" dirty="0" err="1"/>
-              <a:t>mssqllocaldb</a:t>
-            </a:r>
-            <a:r>
-              <a:rPr lang="en-US" dirty="0"/>
-              <a:t>;</a:t>
-            </a:r>
-          </a:p>
-          <a:p>
-            <a:r>
-              <a:rPr lang="en-US" dirty="0" smtClean="0"/>
-              <a:t>In dialog to connect</a:t>
-            </a:r>
-          </a:p>
-          <a:p>
-            <a:pPr lvl="1"/>
-            <a:r>
-              <a:rPr lang="en-US" dirty="0" smtClean="0"/>
-              <a:t>(</a:t>
-            </a:r>
-            <a:r>
-              <a:rPr lang="en-US" dirty="0" err="1" smtClean="0"/>
-              <a:t>localdb</a:t>
-            </a:r>
-            <a:r>
-              <a:rPr lang="en-US" dirty="0"/>
-              <a:t>)</a:t>
-            </a:r>
-            <a:r>
-              <a:rPr lang="en-US" b="1" dirty="0">
+              <a:rPr lang="en-US" b="1" dirty="0" smtClean="0">
                 <a:solidFill>
                   <a:srgbClr val="FF0000"/>
                 </a:solidFill>
@@ -17227,7 +18399,45 @@
               <a:rPr lang="en-US" dirty="0" err="1" smtClean="0"/>
               <a:t>mssqllocaldb</a:t>
             </a:r>
-            <a:endParaRPr lang="en-US" dirty="0" smtClean="0"/>
+            <a:r>
+              <a:rPr lang="en-US" dirty="0" smtClean="0"/>
+              <a:t>;</a:t>
+            </a:r>
+          </a:p>
+          <a:p>
+            <a:r>
+              <a:rPr lang="en-US" dirty="0" smtClean="0"/>
+              <a:t>Get </a:t>
+            </a:r>
+            <a:r>
+              <a:rPr lang="en-US" dirty="0"/>
+              <a:t>versions </a:t>
+            </a:r>
+            <a:r>
+              <a:rPr lang="en-US" dirty="0" smtClean="0"/>
+              <a:t>via </a:t>
+            </a:r>
+            <a:r>
+              <a:rPr lang="en-US" dirty="0">
+                <a:solidFill>
+                  <a:schemeClr val="accent1"/>
+                </a:solidFill>
+              </a:rPr>
+              <a:t>sqllocaldb.exe </a:t>
+            </a:r>
+            <a:r>
+              <a:rPr lang="en-US" dirty="0" err="1">
+                <a:solidFill>
+                  <a:schemeClr val="accent1"/>
+                </a:solidFill>
+              </a:rPr>
+              <a:t>i</a:t>
+            </a:r>
+            <a:endParaRPr lang="en-US" dirty="0" smtClean="0">
+              <a:solidFill>
+                <a:schemeClr val="accent1"/>
+              </a:solidFill>
+            </a:endParaRPr>
           </a:p>
           <a:p>
             <a:endParaRPr lang="en-US" dirty="0"/>
@@ -17250,7 +18460,7 @@
         </p:blipFill>
         <p:spPr>
           <a:xfrm>
-            <a:off x="6810873" y="3129326"/>
+            <a:off x="6932793" y="3245882"/>
             <a:ext cx="5093073" cy="3432732"/>
           </a:xfrm>
           <a:prstGeom prst="rect">
@@ -17297,7 +18507,7 @@
       </p:grpSpPr>
       <p:sp>
         <p:nvSpPr>
-          <p:cNvPr id="4" name="Title 3"/>
+          <p:cNvPr id="2" name="Title 1"/>
           <p:cNvSpPr>
             <a:spLocks noGrp="1"/>
           </p:cNvSpPr>
@@ -17312,19 +18522,102 @@
           <a:p>
             <a:r>
               <a:rPr lang="en-US" dirty="0" smtClean="0"/>
-              <a:t>Viewing queries and connection info</a:t>
-            </a:r>
-            <a:br>
+              <a:t>Viewing queries</a:t>
+            </a:r>
+            <a:endParaRPr lang="en-US" dirty="0"/>
+          </a:p>
+        </p:txBody>
+      </p:sp>
+      <p:sp>
+        <p:nvSpPr>
+          <p:cNvPr id="3" name="Content Placeholder 2"/>
+          <p:cNvSpPr>
+            <a:spLocks noGrp="1"/>
+          </p:cNvSpPr>
+          <p:nvPr>
+            <p:ph sz="quarter" idx="10"/>
+          </p:nvPr>
+        </p:nvSpPr>
+        <p:spPr/>
+        <p:txBody>
+          <a:bodyPr/>
+          <a:lstStyle/>
+          <a:p>
+            <a:r>
+              <a:rPr lang="en-US" dirty="0" err="1"/>
+              <a:t>context.Database.Log</a:t>
+            </a:r>
+            <a:r>
+              <a:rPr lang="en-US" dirty="0"/>
+              <a:t> = s =&gt; </a:t>
+            </a:r>
+            <a:r>
+              <a:rPr lang="en-US" dirty="0" err="1"/>
+              <a:t>Console.WriteLine</a:t>
+            </a:r>
+            <a:r>
+              <a:rPr lang="en-US" dirty="0"/>
+              <a:t>(s</a:t>
+            </a:r>
+            <a:r>
               <a:rPr lang="en-US" dirty="0" smtClean="0"/>
-            </a:br>
+              <a:t>);</a:t>
+            </a:r>
+          </a:p>
+          <a:p>
+            <a:r>
+              <a:rPr lang="en-US" dirty="0" smtClean="0"/>
+              <a:t>Glimpse</a:t>
+            </a:r>
+          </a:p>
+          <a:p>
+            <a:pPr lvl="1"/>
+            <a:r>
+              <a:rPr lang="en-US" dirty="0" smtClean="0"/>
+              <a:t>Install-package </a:t>
+            </a:r>
+            <a:r>
+              <a:rPr lang="en-US" dirty="0"/>
+              <a:t>glimpse.mvc5</a:t>
+            </a:r>
+          </a:p>
+          <a:p>
+            <a:pPr lvl="1"/>
+            <a:r>
+              <a:rPr lang="en-US" dirty="0"/>
+              <a:t>install-package </a:t>
+            </a:r>
+            <a:r>
+              <a:rPr lang="en-US" dirty="0" err="1"/>
+              <a:t>glimpse.entityframework</a:t>
+            </a:r>
             <a:endParaRPr lang="en-US" dirty="0"/>
+          </a:p>
+          <a:p>
+            <a:r>
+              <a:rPr lang="en-US" dirty="0" smtClean="0"/>
+              <a:t>Interceptors</a:t>
+            </a:r>
+            <a:endParaRPr lang="en-US" dirty="0"/>
+          </a:p>
+          <a:p>
+            <a:pPr lvl="1"/>
+            <a:r>
+              <a:rPr lang="en-US" dirty="0" smtClean="0"/>
+              <a:t>Goes in .</a:t>
+            </a:r>
+            <a:r>
+              <a:rPr lang="en-US" dirty="0" err="1" smtClean="0"/>
+              <a:t>config</a:t>
+            </a:r>
+            <a:endParaRPr lang="en-US" dirty="0" smtClean="0"/>
           </a:p>
         </p:txBody>
       </p:sp>
     </p:spTree>
     <p:extLst>
       <p:ext uri="{BB962C8B-B14F-4D97-AF65-F5344CB8AC3E}">
-        <p14:creationId xmlns:p14="http://schemas.microsoft.com/office/powerpoint/2010/main" val="1336300272"/>
+        <p14:creationId xmlns:p14="http://schemas.microsoft.com/office/powerpoint/2010/main" val="3027112560"/>
       </p:ext>
     </p:extLst>
   </p:cSld>
@@ -17360,6 +18653,69 @@
       </p:grpSpPr>
       <p:sp>
         <p:nvSpPr>
+          <p:cNvPr id="4" name="Title 3"/>
+          <p:cNvSpPr>
+            <a:spLocks noGrp="1"/>
+          </p:cNvSpPr>
+          <p:nvPr>
+            <p:ph type="title"/>
+          </p:nvPr>
+        </p:nvSpPr>
+        <p:spPr/>
+        <p:txBody>
+          <a:bodyPr/>
+          <a:lstStyle/>
+          <a:p>
+            <a:r>
+              <a:rPr lang="en-US" dirty="0" smtClean="0"/>
+              <a:t>Viewing queries and connection info</a:t>
+            </a:r>
+            <a:br>
+              <a:rPr lang="en-US" dirty="0" smtClean="0"/>
+            </a:br>
+            <a:endParaRPr lang="en-US" dirty="0"/>
+          </a:p>
+        </p:txBody>
+      </p:sp>
+    </p:spTree>
+    <p:extLst>
+      <p:ext uri="{BB962C8B-B14F-4D97-AF65-F5344CB8AC3E}">
+        <p14:creationId xmlns:p14="http://schemas.microsoft.com/office/powerpoint/2010/main" val="1336300272"/>
+      </p:ext>
+    </p:extLst>
+  </p:cSld>
+  <p:clrMapOvr>
+    <a:masterClrMapping/>
+  </p:clrMapOvr>
+  <p:timing>
+    <p:tnLst>
+      <p:par>
+        <p:cTn id="1" dur="indefinite" restart="never" nodeType="tmRoot"/>
+      </p:par>
+    </p:tnLst>
+  </p:timing>
+</p:sld>
+</file>
+
+<file path=ppt/slides/slide25.xml><?xml version="1.0" encoding="utf-8"?>
+<p:sld xmlns:a="http://schemas.openxmlformats.org/drawingml/2006/main" xmlns:r="http://schemas.openxmlformats.org/officeDocument/2006/relationships" xmlns:p="http://schemas.openxmlformats.org/presentationml/2006/main">
+  <p:cSld>
+    <p:spTree>
+      <p:nvGrpSpPr>
+        <p:cNvPr id="1" name=""/>
+        <p:cNvGrpSpPr/>
+        <p:nvPr/>
+      </p:nvGrpSpPr>
+      <p:grpSpPr>
+        <a:xfrm>
+          <a:off x="0" y="0"/>
+          <a:ext cx="0" cy="0"/>
+          <a:chOff x="0" y="0"/>
+          <a:chExt cx="0" cy="0"/>
+        </a:xfrm>
+      </p:grpSpPr>
+      <p:sp>
+        <p:nvSpPr>
           <p:cNvPr id="4" name="Text Placeholder 3"/>
           <p:cNvSpPr>
             <a:spLocks noGrp="1"/>
@@ -17420,7 +18776,7 @@
 </p:sld>
 </file>
 
-<file path=ppt/slides/slide25.xml><?xml version="1.0" encoding="utf-8"?>
+<file path=ppt/slides/slide26.xml><?xml version="1.0" encoding="utf-8"?>
 <p:sld xmlns:a="http://schemas.openxmlformats.org/drawingml/2006/main" xmlns:r="http://schemas.openxmlformats.org/officeDocument/2006/relationships" xmlns:p="http://schemas.openxmlformats.org/presentationml/2006/main">
   <p:cSld>
     <p:spTree>
@@ -17545,7 +18901,7 @@
 </p:sld>
 </file>
 
-<file path=ppt/slides/slide26.xml><?xml version="1.0" encoding="utf-8"?>
+<file path=ppt/slides/slide27.xml><?xml version="1.0" encoding="utf-8"?>
 <p:sld xmlns:a="http://schemas.openxmlformats.org/drawingml/2006/main" xmlns:r="http://schemas.openxmlformats.org/officeDocument/2006/relationships" xmlns:p="http://schemas.openxmlformats.org/presentationml/2006/main">
   <p:cSld>
     <p:spTree>
@@ -17605,7 +18961,7 @@
 </p:sld>
 </file>
 
-<file path=ppt/slides/slide27.xml><?xml version="1.0" encoding="utf-8"?>
+<file path=ppt/slides/slide28.xml><?xml version="1.0" encoding="utf-8"?>
 <p:sld xmlns:a="http://schemas.openxmlformats.org/drawingml/2006/main" xmlns:r="http://schemas.openxmlformats.org/officeDocument/2006/relationships" xmlns:p="http://schemas.openxmlformats.org/presentationml/2006/main">
   <p:cSld>
     <p:spTree>
@@ -17742,7 +19098,7 @@
 </p:sld>
 </file>
 
-<file path=ppt/slides/slide28.xml><?xml version="1.0" encoding="utf-8"?>
+<file path=ppt/slides/slide29.xml><?xml version="1.0" encoding="utf-8"?>
 <p:sld xmlns:a="http://schemas.openxmlformats.org/drawingml/2006/main" xmlns:r="http://schemas.openxmlformats.org/officeDocument/2006/relationships" xmlns:p="http://schemas.openxmlformats.org/presentationml/2006/main">
   <p:cSld>
     <p:spTree>
@@ -17958,7 +19314,7 @@
     </p:spTree>
     <p:extLst>
       <p:ext uri="{BB962C8B-B14F-4D97-AF65-F5344CB8AC3E}">
-        <p14:creationId xmlns:p14="http://schemas.microsoft.com/office/powerpoint/2010/main" val="2151080193"/>
+        <p14:creationId xmlns:p14="http://schemas.microsoft.com/office/powerpoint/2010/main" val="962909996"/>
       </p:ext>
     </p:extLst>
   </p:cSld>
@@ -18055,22 +19411,13 @@
             <a:pPr lvl="1"/>
             <a:r>
               <a:rPr lang="en-US" sz="3600" dirty="0" smtClean="0"/>
-              <a:t>Experience with </a:t>
-            </a:r>
-            <a:r>
-              <a:rPr lang="en-US" sz="3600" dirty="0" smtClean="0"/>
-              <a:t>C#</a:t>
-            </a:r>
-            <a:endParaRPr lang="en-US" sz="3600" dirty="0" smtClean="0"/>
+              <a:t>Experience with C#</a:t>
+            </a:r>
           </a:p>
           <a:p>
             <a:r>
               <a:rPr lang="en-US" sz="4000" dirty="0" smtClean="0"/>
-              <a:t>Suggested </a:t>
-            </a:r>
-            <a:r>
-              <a:rPr lang="en-US" sz="4000" dirty="0" smtClean="0"/>
-              <a:t>Prerequisites/Supporting Material</a:t>
+              <a:t>Suggested Prerequisites/Supporting Material</a:t>
             </a:r>
           </a:p>
           <a:p>
@@ -18079,14 +19426,13 @@
               <a:rPr lang="en-US" sz="3600" dirty="0" smtClean="0"/>
               <a:t>Introduction to MVC</a:t>
             </a:r>
-            <a:endParaRPr lang="en-US" sz="3600" dirty="0" smtClean="0"/>
           </a:p>
         </p:txBody>
       </p:sp>
     </p:spTree>
     <p:extLst>
       <p:ext uri="{BB962C8B-B14F-4D97-AF65-F5344CB8AC3E}">
-        <p14:creationId xmlns:p14="http://schemas.microsoft.com/office/powerpoint/2010/main" val="4157320794"/>
+        <p14:creationId xmlns:p14="http://schemas.microsoft.com/office/powerpoint/2010/main" val="3838429937"/>
       </p:ext>
     </p:extLst>
   </p:cSld>
@@ -18271,7 +19617,7 @@
     </p:spTree>
     <p:extLst>
       <p:ext uri="{BB962C8B-B14F-4D97-AF65-F5344CB8AC3E}">
-        <p14:creationId xmlns:p14="http://schemas.microsoft.com/office/powerpoint/2010/main" val="1300022386"/>
+        <p14:creationId xmlns:p14="http://schemas.microsoft.com/office/powerpoint/2010/main" val="1508809012"/>
       </p:ext>
     </p:extLst>
   </p:cSld>
@@ -18381,7 +19727,7 @@
     </p:spTree>
     <p:extLst>
       <p:ext uri="{BB962C8B-B14F-4D97-AF65-F5344CB8AC3E}">
-        <p14:creationId xmlns:p14="http://schemas.microsoft.com/office/powerpoint/2010/main" val="446854931"/>
+        <p14:creationId xmlns:p14="http://schemas.microsoft.com/office/powerpoint/2010/main" val="3962355243"/>
       </p:ext>
     </p:extLst>
   </p:cSld>
@@ -18440,11 +19786,7 @@
           </p:cNvGraphicFramePr>
           <p:nvPr>
             <p:ph sz="quarter" idx="10"/>
-            <p:extLst>
-              <p:ext uri="{D42A27DB-BD31-4B8C-83A1-F6EECF244321}">
-                <p14:modId xmlns:p14="http://schemas.microsoft.com/office/powerpoint/2010/main" val="2204764673"/>
-              </p:ext>
-            </p:extLst>
+            <p:extLst/>
           </p:nvPr>
         </p:nvGraphicFramePr>
         <p:xfrm>
@@ -18461,14 +19803,14 @@
                 <a:gridCol w="5762625">
                   <a:extLst>
                     <a:ext uri="{9D8B030D-6E8A-4147-A177-3AD203B41FA5}">
-                      <a16:colId xmlns="" xmlns:a16="http://schemas.microsoft.com/office/drawing/2014/main" val="1632794655"/>
+                      <a16:colId xmlns:a16="http://schemas.microsoft.com/office/drawing/2014/main" xmlns="" val="1632794655"/>
                     </a:ext>
                   </a:extLst>
                 </a:gridCol>
                 <a:gridCol w="5762625">
                   <a:extLst>
                     <a:ext uri="{9D8B030D-6E8A-4147-A177-3AD203B41FA5}">
-                      <a16:colId xmlns="" xmlns:a16="http://schemas.microsoft.com/office/drawing/2014/main" val="2011313899"/>
+                      <a16:colId xmlns:a16="http://schemas.microsoft.com/office/drawing/2014/main" xmlns="" val="2011313899"/>
                     </a:ext>
                   </a:extLst>
                 </a:gridCol>
@@ -18503,7 +19845,7 @@
                 </a:tc>
                 <a:extLst>
                   <a:ext uri="{0D108BD9-81ED-4DB2-BD59-A6C34878D82A}">
-                    <a16:rowId xmlns="" xmlns:a16="http://schemas.microsoft.com/office/drawing/2014/main" val="1789177411"/>
+                    <a16:rowId xmlns:a16="http://schemas.microsoft.com/office/drawing/2014/main" xmlns="" val="1789177411"/>
                   </a:ext>
                 </a:extLst>
               </a:tr>
@@ -18563,7 +19905,7 @@
                 </a:tc>
                 <a:extLst>
                   <a:ext uri="{0D108BD9-81ED-4DB2-BD59-A6C34878D82A}">
-                    <a16:rowId xmlns="" xmlns:a16="http://schemas.microsoft.com/office/drawing/2014/main" val="3842815335"/>
+                    <a16:rowId xmlns:a16="http://schemas.microsoft.com/office/drawing/2014/main" xmlns="" val="3842815335"/>
                   </a:ext>
                 </a:extLst>
               </a:tr>
@@ -18630,7 +19972,7 @@
                 </a:tc>
                 <a:extLst>
                   <a:ext uri="{0D108BD9-81ED-4DB2-BD59-A6C34878D82A}">
-                    <a16:rowId xmlns="" xmlns:a16="http://schemas.microsoft.com/office/drawing/2014/main" val="321066646"/>
+                    <a16:rowId xmlns:a16="http://schemas.microsoft.com/office/drawing/2014/main" xmlns="" val="321066646"/>
                   </a:ext>
                 </a:extLst>
               </a:tr>
@@ -18728,7 +20070,7 @@
                 </a:tc>
                 <a:extLst>
                   <a:ext uri="{0D108BD9-81ED-4DB2-BD59-A6C34878D82A}">
-                    <a16:rowId xmlns="" xmlns:a16="http://schemas.microsoft.com/office/drawing/2014/main" val="3812060533"/>
+                    <a16:rowId xmlns:a16="http://schemas.microsoft.com/office/drawing/2014/main" xmlns="" val="3812060533"/>
                   </a:ext>
                 </a:extLst>
               </a:tr>
@@ -18739,18 +20081,18 @@
     </p:spTree>
     <p:extLst>
       <p:ext uri="{BB962C8B-B14F-4D97-AF65-F5344CB8AC3E}">
-        <p14:creationId xmlns:p14="http://schemas.microsoft.com/office/powerpoint/2010/main" val="3197856736"/>
+        <p14:creationId xmlns:p14="http://schemas.microsoft.com/office/powerpoint/2010/main" val="3029138825"/>
       </p:ext>
     </p:extLst>
   </p:cSld>
   <p:clrMapOvr>
     <a:masterClrMapping/>
   </p:clrMapOvr>
-  <mc:AlternateContent xmlns:mc="http://schemas.openxmlformats.org/markup-compatibility/2006" xmlns:p14="http://schemas.microsoft.com/office/powerpoint/2010/main">
-    <mc:Choice Requires="p14">
+  <mc:AlternateContent xmlns:mc="http://schemas.openxmlformats.org/markup-compatibility/2006">
+    <mc:Choice xmlns:p14="http://schemas.microsoft.com/office/powerpoint/2010/main" Requires="p14">
       <p:transition spd="slow" p14:dur="2000"/>
     </mc:Choice>
-    <mc:Fallback xmlns="">
+    <mc:Fallback>
       <p:transition spd="slow"/>
     </mc:Fallback>
   </mc:AlternateContent>
@@ -20223,6 +21565,15 @@
 </file>
 
 <file path=customXml/item1.xml><?xml version="1.0" encoding="utf-8"?>
+<?mso-contentType ?>
+<FormTemplates xmlns="http://schemas.microsoft.com/sharepoint/v3/contenttype/forms">
+  <Display>DocumentLibraryForm</Display>
+  <Edit>DocumentLibraryForm</Edit>
+  <New>DocumentLibraryForm</New>
+</FormTemplates>
+</file>
+
+<file path=customXml/item2.xml><?xml version="1.0" encoding="utf-8"?>
 <ct:contentTypeSchema xmlns:ct="http://schemas.microsoft.com/office/2006/metadata/contentType" xmlns:ma="http://schemas.microsoft.com/office/2006/metadata/properties/metaAttributes" ct:_="" ma:_="" ma:contentTypeName="Document" ma:contentTypeID="0x010100496889825850D44592AC5D2F43187AE4" ma:contentTypeVersion="5" ma:contentTypeDescription="Create a new document." ma:contentTypeScope="" ma:versionID="fde90edb5a63ba841bca516fd2abaf95">
   <xsd:schema xmlns:xsd="http://www.w3.org/2001/XMLSchema" xmlns:xs="http://www.w3.org/2001/XMLSchema" xmlns:p="http://schemas.microsoft.com/office/2006/metadata/properties" xmlns:ns1="http://schemas.microsoft.com/sharepoint/v3" xmlns:ns2="230e9df3-be65-4c73-a93b-d1236ebd677e" xmlns:ns3="27aa9422-7f1f-4c84-9cdf-302b1a67e513" targetNamespace="http://schemas.microsoft.com/office/2006/metadata/properties" ma:root="true" ma:fieldsID="5e7808ae941cc340dbe51a3031959734" ns1:_="" ns2:_="" ns3:_="">
     <xsd:import namespace="http://schemas.microsoft.com/sharepoint/v3"/>
@@ -20404,15 +21755,6 @@
 </ct:contentTypeSchema>
 </file>
 
-<file path=customXml/item2.xml><?xml version="1.0" encoding="utf-8"?>
-<?mso-contentType ?>
-<FormTemplates xmlns="http://schemas.microsoft.com/sharepoint/v3/contenttype/forms">
-  <Display>DocumentLibraryForm</Display>
-  <Edit>DocumentLibraryForm</Edit>
-  <New>DocumentLibraryForm</New>
-</FormTemplates>
-</file>
-
 <file path=customXml/item3.xml><?xml version="1.0" encoding="utf-8"?>
 <p:properties xmlns:p="http://schemas.microsoft.com/office/2006/metadata/properties" xmlns:xsi="http://www.w3.org/2001/XMLSchema-instance" xmlns:pc="http://schemas.microsoft.com/office/infopath/2007/PartnerControls">
   <documentManagement>
@@ -20427,6 +21769,14 @@
 </file>
 
 <file path=customXml/itemProps1.xml><?xml version="1.0" encoding="utf-8"?>
+<ds:datastoreItem xmlns:ds="http://schemas.openxmlformats.org/officeDocument/2006/customXml" ds:itemID="{B0CA13EC-1D3C-4D6F-8D1C-E8A452CFC79A}">
+  <ds:schemaRefs>
+    <ds:schemaRef ds:uri="http://schemas.microsoft.com/sharepoint/v3/contenttype/forms"/>
+  </ds:schemaRefs>
+</ds:datastoreItem>
+</file>
+
+<file path=customXml/itemProps2.xml><?xml version="1.0" encoding="utf-8"?>
 <ds:datastoreItem xmlns:ds="http://schemas.openxmlformats.org/officeDocument/2006/customXml" ds:itemID="{3253B29C-1CCD-4FE8-A1C4-023A0910DF96}">
   <ds:schemaRefs>
     <ds:schemaRef ds:uri="http://schemas.microsoft.com/office/2006/metadata/contentType"/>
@@ -20442,14 +21792,6 @@
     <ds:schemaRef ds:uri="http://purl.org/dc/elements/1.1/"/>
     <ds:schemaRef ds:uri="http://purl.org/dc/terms/"/>
     <ds:schemaRef ds:uri="http://schemas.microsoft.com/internal/obd"/>
-  </ds:schemaRefs>
-</ds:datastoreItem>
-</file>
-
-<file path=customXml/itemProps2.xml><?xml version="1.0" encoding="utf-8"?>
-<ds:datastoreItem xmlns:ds="http://schemas.openxmlformats.org/officeDocument/2006/customXml" ds:itemID="{B0CA13EC-1D3C-4D6F-8D1C-E8A452CFC79A}">
-  <ds:schemaRefs>
-    <ds:schemaRef ds:uri="http://schemas.microsoft.com/sharepoint/v3/contenttype/forms"/>
   </ds:schemaRefs>
 </ds:datastoreItem>
 </file>

--- a/Slides/01 - Introduction to Entity Framework.pptx
+++ b/Slides/01 - Introduction to Entity Framework.pptx
@@ -3108,50 +3108,6 @@
           <a:bodyPr/>
           <a:lstStyle/>
           <a:p>
-            <a:r>
-              <a:rPr lang="en-US" dirty="0" smtClean="0"/>
-              <a:t>Connection string can be double slash</a:t>
-            </a:r>
-          </a:p>
-          <a:p>
-            <a:r>
-              <a:rPr lang="en-US" dirty="0" smtClean="0"/>
-              <a:t>"Data Source=(</a:t>
-            </a:r>
-            <a:r>
-              <a:rPr lang="en-US" dirty="0" err="1" smtClean="0"/>
-              <a:t>localdb</a:t>
-            </a:r>
-            <a:r>
-              <a:rPr lang="en-US" dirty="0" smtClean="0"/>
-              <a:t>)\\</a:t>
-            </a:r>
-            <a:r>
-              <a:rPr lang="en-US" dirty="0" err="1" smtClean="0"/>
-              <a:t>mssqllocaldb;Initial</a:t>
-            </a:r>
-            <a:r>
-              <a:rPr lang="en-US" dirty="0" smtClean="0"/>
-              <a:t> Catalog=</a:t>
-            </a:r>
-            <a:r>
-              <a:rPr lang="en-US" dirty="0" err="1" smtClean="0"/>
-              <a:t>MusicStoreConnection;Integrated</a:t>
-            </a:r>
-            <a:r>
-              <a:rPr lang="en-US" dirty="0" smtClean="0"/>
-              <a:t> Security=</a:t>
-            </a:r>
-            <a:r>
-              <a:rPr lang="en-US" dirty="0" err="1" smtClean="0"/>
-              <a:t>True;MultipleActiveResultSets</a:t>
-            </a:r>
-            <a:r>
-              <a:rPr lang="en-US" dirty="0" smtClean="0"/>
-              <a:t>=True“</a:t>
-            </a:r>
-          </a:p>
-          <a:p>
             <a:endParaRPr lang="en-US" dirty="0"/>
           </a:p>
         </p:txBody>
@@ -5748,17 +5704,17 @@
   <p:extLst mod="1">
     <p:ext uri="{DCECCB84-F9BA-43D5-87BE-67443E8EF086}">
       <p15:sldGuideLst xmlns:p15="http://schemas.microsoft.com/office/powerpoint/2012/main">
-        <p15:guide id="4294967295" orient="horz" pos="3792">
+        <p15:guide id="1" orient="horz" pos="3792">
           <p15:clr>
             <a:srgbClr val="FBAE40"/>
           </p15:clr>
         </p15:guide>
-        <p15:guide id="4294967295" pos="3839">
+        <p15:guide id="2" pos="3839">
           <p15:clr>
             <a:srgbClr val="FBAE40"/>
           </p15:clr>
         </p15:guide>
-        <p15:guide id="4294967295" orient="horz" pos="720">
+        <p15:guide id="3" orient="horz" pos="720">
           <p15:clr>
             <a:srgbClr val="FBAE40"/>
           </p15:clr>
@@ -15976,11 +15932,11 @@
   <p:clrMapOvr>
     <a:masterClrMapping/>
   </p:clrMapOvr>
-  <mc:AlternateContent xmlns:mc="http://schemas.openxmlformats.org/markup-compatibility/2006">
-    <mc:Choice xmlns:p14="http://schemas.microsoft.com/office/powerpoint/2010/main" Requires="p14">
+  <mc:AlternateContent xmlns:mc="http://schemas.openxmlformats.org/markup-compatibility/2006" xmlns:p14="http://schemas.microsoft.com/office/powerpoint/2010/main">
+    <mc:Choice Requires="p14">
       <p:transition spd="slow" p14:dur="2000"/>
     </mc:Choice>
-    <mc:Fallback>
+    <mc:Fallback xmlns="">
       <p:transition spd="slow"/>
     </mc:Fallback>
   </mc:AlternateContent>
@@ -18415,7 +18371,26 @@
             </a:r>
             <a:r>
               <a:rPr lang="en-US" dirty="0" smtClean="0"/>
-              <a:t>via </a:t>
+              <a:t>/ instances via </a:t>
+            </a:r>
+          </a:p>
+          <a:p>
+            <a:pPr lvl="1"/>
+            <a:r>
+              <a:rPr lang="en-US" dirty="0" err="1" smtClean="0">
+                <a:solidFill>
+                  <a:schemeClr val="accent1"/>
+                </a:solidFill>
+              </a:rPr>
+              <a:t>sqllocaldb</a:t>
+            </a:r>
+            <a:r>
+              <a:rPr lang="en-US" dirty="0" smtClean="0">
+                <a:solidFill>
+                  <a:schemeClr val="accent1"/>
+                </a:solidFill>
+              </a:rPr>
+              <a:t> </a:t>
             </a:r>
             <a:r>
               <a:rPr lang="en-US" dirty="0">
@@ -18423,15 +18398,39 @@
                   <a:schemeClr val="accent1"/>
                 </a:solidFill>
               </a:rPr>
-              <a:t>sqllocaldb.exe </a:t>
-            </a:r>
+              <a:t>i</a:t>
+            </a:r>
+            <a:endParaRPr lang="en-US" dirty="0" smtClean="0">
+              <a:solidFill>
+                <a:schemeClr val="accent1"/>
+              </a:solidFill>
+            </a:endParaRPr>
+          </a:p>
+          <a:p>
+            <a:pPr lvl="1"/>
             <a:r>
               <a:rPr lang="en-US" dirty="0" err="1">
                 <a:solidFill>
                   <a:schemeClr val="accent1"/>
                 </a:solidFill>
               </a:rPr>
-              <a:t>i</a:t>
+              <a:t>s</a:t>
+            </a:r>
+            <a:r>
+              <a:rPr lang="en-US" dirty="0" err="1" smtClean="0">
+                <a:solidFill>
+                  <a:schemeClr val="accent1"/>
+                </a:solidFill>
+              </a:rPr>
+              <a:t>qllocaldb</a:t>
+            </a:r>
+            <a:r>
+              <a:rPr lang="en-US" dirty="0" smtClean="0">
+                <a:solidFill>
+                  <a:schemeClr val="accent1"/>
+                </a:solidFill>
+              </a:rPr>
+              <a:t> v</a:t>
             </a:r>
             <a:endParaRPr lang="en-US" dirty="0" smtClean="0">
               <a:solidFill>
@@ -18588,8 +18587,8 @@
               <a:t>install-package </a:t>
             </a:r>
             <a:r>
-              <a:rPr lang="en-US" dirty="0" err="1"/>
-              <a:t>glimpse.entityframework</a:t>
+              <a:rPr lang="en-US" dirty="0" smtClean="0"/>
+              <a:t>glimpse.ef6</a:t>
             </a:r>
             <a:endParaRPr lang="en-US" dirty="0"/>
           </a:p>
@@ -18611,6 +18610,104 @@
               <a:t>config</a:t>
             </a:r>
             <a:endParaRPr lang="en-US" dirty="0" smtClean="0"/>
+          </a:p>
+        </p:txBody>
+      </p:sp>
+      <p:sp>
+        <p:nvSpPr>
+          <p:cNvPr id="4" name="TextBox 3"/>
+          <p:cNvSpPr txBox="1"/>
+          <p:nvPr/>
+        </p:nvSpPr>
+        <p:spPr>
+          <a:xfrm>
+            <a:off x="4082902" y="3873203"/>
+            <a:ext cx="7821044" cy="3139321"/>
+          </a:xfrm>
+          <a:prstGeom prst="rect">
+            <a:avLst/>
+          </a:prstGeom>
+          <a:noFill/>
+        </p:spPr>
+        <p:txBody>
+          <a:bodyPr wrap="square" rtlCol="0">
+            <a:spAutoFit/>
+          </a:bodyPr>
+          <a:lstStyle/>
+          <a:p>
+            <a:r>
+              <a:rPr lang="en-US" dirty="0"/>
+              <a:t>&lt;interceptors&gt;</a:t>
+            </a:r>
+          </a:p>
+          <a:p>
+            <a:r>
+              <a:rPr lang="en-US" dirty="0"/>
+              <a:t>  &lt;interceptor type="</a:t>
+            </a:r>
+            <a:r>
+              <a:rPr lang="en-US" dirty="0" err="1"/>
+              <a:t>System.Data.Entity.Infrastructure.Interception.DatabaseLogger</a:t>
+            </a:r>
+            <a:r>
+              <a:rPr lang="en-US" dirty="0"/>
+              <a:t>, </a:t>
+            </a:r>
+            <a:r>
+              <a:rPr lang="en-US" dirty="0" err="1"/>
+              <a:t>EntityFramework</a:t>
+            </a:r>
+            <a:r>
+              <a:rPr lang="en-US" dirty="0"/>
+              <a:t>"&gt;</a:t>
+            </a:r>
+          </a:p>
+          <a:p>
+            <a:r>
+              <a:rPr lang="en-US" dirty="0"/>
+              <a:t>    &lt;parameters&gt;</a:t>
+            </a:r>
+          </a:p>
+          <a:p>
+            <a:r>
+              <a:rPr lang="en-US" dirty="0"/>
+              <a:t>      &lt;parameter value=“MyAppsOutput.txt"/&gt;</a:t>
+            </a:r>
+          </a:p>
+          <a:p>
+            <a:r>
+              <a:rPr lang="en-US" dirty="0"/>
+              <a:t>      &lt;parameter value="true" type="</a:t>
+            </a:r>
+            <a:r>
+              <a:rPr lang="en-US" dirty="0" err="1"/>
+              <a:t>System.Boolean</a:t>
+            </a:r>
+            <a:r>
+              <a:rPr lang="en-US" dirty="0"/>
+              <a:t>"/&gt;</a:t>
+            </a:r>
+          </a:p>
+          <a:p>
+            <a:r>
+              <a:rPr lang="en-US" dirty="0"/>
+              <a:t>    &lt;/parameters&gt;</a:t>
+            </a:r>
+          </a:p>
+          <a:p>
+            <a:r>
+              <a:rPr lang="en-US" dirty="0"/>
+              <a:t>  &lt;/interceptor&gt;</a:t>
+            </a:r>
+          </a:p>
+          <a:p>
+            <a:r>
+              <a:rPr lang="en-US" dirty="0"/>
+              <a:t>&lt;/interceptors&gt;</a:t>
+            </a:r>
+          </a:p>
+          <a:p>
+            <a:endParaRPr lang="en-US" dirty="0"/>
           </a:p>
         </p:txBody>
       </p:sp>
@@ -18627,9 +18724,401 @@
   <p:timing>
     <p:tnLst>
       <p:par>
-        <p:cTn id="1" dur="indefinite" restart="never" nodeType="tmRoot"/>
+        <p:cTn id="1" dur="indefinite" restart="never" nodeType="tmRoot">
+          <p:childTnLst>
+            <p:seq concurrent="1" nextAc="seek">
+              <p:cTn id="2" dur="indefinite" nodeType="mainSeq">
+                <p:childTnLst>
+                  <p:par>
+                    <p:cTn id="3" fill="hold">
+                      <p:stCondLst>
+                        <p:cond delay="indefinite"/>
+                      </p:stCondLst>
+                      <p:childTnLst>
+                        <p:par>
+                          <p:cTn id="4" fill="hold">
+                            <p:stCondLst>
+                              <p:cond delay="0"/>
+                            </p:stCondLst>
+                            <p:childTnLst>
+                              <p:par>
+                                <p:cTn id="5" presetID="10" presetClass="entr" presetSubtype="0" fill="hold" grpId="0" nodeType="clickEffect">
+                                  <p:stCondLst>
+                                    <p:cond delay="0"/>
+                                  </p:stCondLst>
+                                  <p:childTnLst>
+                                    <p:set>
+                                      <p:cBhvr>
+                                        <p:cTn id="6" dur="1" fill="hold">
+                                          <p:stCondLst>
+                                            <p:cond delay="0"/>
+                                          </p:stCondLst>
+                                        </p:cTn>
+                                        <p:tgtEl>
+                                          <p:spTgt spid="3">
+                                            <p:txEl>
+                                              <p:pRg st="0" end="0"/>
+                                            </p:txEl>
+                                          </p:spTgt>
+                                        </p:tgtEl>
+                                        <p:attrNameLst>
+                                          <p:attrName>style.visibility</p:attrName>
+                                        </p:attrNameLst>
+                                      </p:cBhvr>
+                                      <p:to>
+                                        <p:strVal val="visible"/>
+                                      </p:to>
+                                    </p:set>
+                                    <p:animEffect transition="in" filter="fade">
+                                      <p:cBhvr>
+                                        <p:cTn id="7" dur="500"/>
+                                        <p:tgtEl>
+                                          <p:spTgt spid="3">
+                                            <p:txEl>
+                                              <p:pRg st="0" end="0"/>
+                                            </p:txEl>
+                                          </p:spTgt>
+                                        </p:tgtEl>
+                                      </p:cBhvr>
+                                    </p:animEffect>
+                                  </p:childTnLst>
+                                </p:cTn>
+                              </p:par>
+                            </p:childTnLst>
+                          </p:cTn>
+                        </p:par>
+                      </p:childTnLst>
+                    </p:cTn>
+                  </p:par>
+                  <p:par>
+                    <p:cTn id="8" fill="hold">
+                      <p:stCondLst>
+                        <p:cond delay="indefinite"/>
+                      </p:stCondLst>
+                      <p:childTnLst>
+                        <p:par>
+                          <p:cTn id="9" fill="hold">
+                            <p:stCondLst>
+                              <p:cond delay="0"/>
+                            </p:stCondLst>
+                            <p:childTnLst>
+                              <p:par>
+                                <p:cTn id="10" presetID="10" presetClass="entr" presetSubtype="0" fill="hold" grpId="0" nodeType="clickEffect">
+                                  <p:stCondLst>
+                                    <p:cond delay="0"/>
+                                  </p:stCondLst>
+                                  <p:childTnLst>
+                                    <p:set>
+                                      <p:cBhvr>
+                                        <p:cTn id="11" dur="1" fill="hold">
+                                          <p:stCondLst>
+                                            <p:cond delay="0"/>
+                                          </p:stCondLst>
+                                        </p:cTn>
+                                        <p:tgtEl>
+                                          <p:spTgt spid="3">
+                                            <p:txEl>
+                                              <p:pRg st="1" end="1"/>
+                                            </p:txEl>
+                                          </p:spTgt>
+                                        </p:tgtEl>
+                                        <p:attrNameLst>
+                                          <p:attrName>style.visibility</p:attrName>
+                                        </p:attrNameLst>
+                                      </p:cBhvr>
+                                      <p:to>
+                                        <p:strVal val="visible"/>
+                                      </p:to>
+                                    </p:set>
+                                    <p:animEffect transition="in" filter="fade">
+                                      <p:cBhvr>
+                                        <p:cTn id="12" dur="500"/>
+                                        <p:tgtEl>
+                                          <p:spTgt spid="3">
+                                            <p:txEl>
+                                              <p:pRg st="1" end="1"/>
+                                            </p:txEl>
+                                          </p:spTgt>
+                                        </p:tgtEl>
+                                      </p:cBhvr>
+                                    </p:animEffect>
+                                  </p:childTnLst>
+                                </p:cTn>
+                              </p:par>
+                              <p:par>
+                                <p:cTn id="13" presetID="10" presetClass="entr" presetSubtype="0" fill="hold" grpId="0" nodeType="withEffect">
+                                  <p:stCondLst>
+                                    <p:cond delay="0"/>
+                                  </p:stCondLst>
+                                  <p:childTnLst>
+                                    <p:set>
+                                      <p:cBhvr>
+                                        <p:cTn id="14" dur="1" fill="hold">
+                                          <p:stCondLst>
+                                            <p:cond delay="0"/>
+                                          </p:stCondLst>
+                                        </p:cTn>
+                                        <p:tgtEl>
+                                          <p:spTgt spid="3">
+                                            <p:txEl>
+                                              <p:pRg st="2" end="2"/>
+                                            </p:txEl>
+                                          </p:spTgt>
+                                        </p:tgtEl>
+                                        <p:attrNameLst>
+                                          <p:attrName>style.visibility</p:attrName>
+                                        </p:attrNameLst>
+                                      </p:cBhvr>
+                                      <p:to>
+                                        <p:strVal val="visible"/>
+                                      </p:to>
+                                    </p:set>
+                                    <p:animEffect transition="in" filter="fade">
+                                      <p:cBhvr>
+                                        <p:cTn id="15" dur="500"/>
+                                        <p:tgtEl>
+                                          <p:spTgt spid="3">
+                                            <p:txEl>
+                                              <p:pRg st="2" end="2"/>
+                                            </p:txEl>
+                                          </p:spTgt>
+                                        </p:tgtEl>
+                                      </p:cBhvr>
+                                    </p:animEffect>
+                                  </p:childTnLst>
+                                </p:cTn>
+                              </p:par>
+                              <p:par>
+                                <p:cTn id="16" presetID="10" presetClass="entr" presetSubtype="0" fill="hold" grpId="0" nodeType="withEffect">
+                                  <p:stCondLst>
+                                    <p:cond delay="0"/>
+                                  </p:stCondLst>
+                                  <p:childTnLst>
+                                    <p:set>
+                                      <p:cBhvr>
+                                        <p:cTn id="17" dur="1" fill="hold">
+                                          <p:stCondLst>
+                                            <p:cond delay="0"/>
+                                          </p:stCondLst>
+                                        </p:cTn>
+                                        <p:tgtEl>
+                                          <p:spTgt spid="3">
+                                            <p:txEl>
+                                              <p:pRg st="3" end="3"/>
+                                            </p:txEl>
+                                          </p:spTgt>
+                                        </p:tgtEl>
+                                        <p:attrNameLst>
+                                          <p:attrName>style.visibility</p:attrName>
+                                        </p:attrNameLst>
+                                      </p:cBhvr>
+                                      <p:to>
+                                        <p:strVal val="visible"/>
+                                      </p:to>
+                                    </p:set>
+                                    <p:animEffect transition="in" filter="fade">
+                                      <p:cBhvr>
+                                        <p:cTn id="18" dur="500"/>
+                                        <p:tgtEl>
+                                          <p:spTgt spid="3">
+                                            <p:txEl>
+                                              <p:pRg st="3" end="3"/>
+                                            </p:txEl>
+                                          </p:spTgt>
+                                        </p:tgtEl>
+                                      </p:cBhvr>
+                                    </p:animEffect>
+                                  </p:childTnLst>
+                                </p:cTn>
+                              </p:par>
+                            </p:childTnLst>
+                          </p:cTn>
+                        </p:par>
+                      </p:childTnLst>
+                    </p:cTn>
+                  </p:par>
+                  <p:par>
+                    <p:cTn id="19" fill="hold">
+                      <p:stCondLst>
+                        <p:cond delay="indefinite"/>
+                      </p:stCondLst>
+                      <p:childTnLst>
+                        <p:par>
+                          <p:cTn id="20" fill="hold">
+                            <p:stCondLst>
+                              <p:cond delay="0"/>
+                            </p:stCondLst>
+                            <p:childTnLst>
+                              <p:par>
+                                <p:cTn id="21" presetID="10" presetClass="entr" presetSubtype="0" fill="hold" grpId="0" nodeType="clickEffect">
+                                  <p:stCondLst>
+                                    <p:cond delay="0"/>
+                                  </p:stCondLst>
+                                  <p:childTnLst>
+                                    <p:set>
+                                      <p:cBhvr>
+                                        <p:cTn id="22" dur="1" fill="hold">
+                                          <p:stCondLst>
+                                            <p:cond delay="0"/>
+                                          </p:stCondLst>
+                                        </p:cTn>
+                                        <p:tgtEl>
+                                          <p:spTgt spid="3">
+                                            <p:txEl>
+                                              <p:pRg st="4" end="4"/>
+                                            </p:txEl>
+                                          </p:spTgt>
+                                        </p:tgtEl>
+                                        <p:attrNameLst>
+                                          <p:attrName>style.visibility</p:attrName>
+                                        </p:attrNameLst>
+                                      </p:cBhvr>
+                                      <p:to>
+                                        <p:strVal val="visible"/>
+                                      </p:to>
+                                    </p:set>
+                                    <p:animEffect transition="in" filter="fade">
+                                      <p:cBhvr>
+                                        <p:cTn id="23" dur="500"/>
+                                        <p:tgtEl>
+                                          <p:spTgt spid="3">
+                                            <p:txEl>
+                                              <p:pRg st="4" end="4"/>
+                                            </p:txEl>
+                                          </p:spTgt>
+                                        </p:tgtEl>
+                                      </p:cBhvr>
+                                    </p:animEffect>
+                                  </p:childTnLst>
+                                </p:cTn>
+                              </p:par>
+                              <p:par>
+                                <p:cTn id="24" presetID="10" presetClass="entr" presetSubtype="0" fill="hold" grpId="0" nodeType="withEffect">
+                                  <p:stCondLst>
+                                    <p:cond delay="0"/>
+                                  </p:stCondLst>
+                                  <p:childTnLst>
+                                    <p:set>
+                                      <p:cBhvr>
+                                        <p:cTn id="25" dur="1" fill="hold">
+                                          <p:stCondLst>
+                                            <p:cond delay="0"/>
+                                          </p:stCondLst>
+                                        </p:cTn>
+                                        <p:tgtEl>
+                                          <p:spTgt spid="3">
+                                            <p:txEl>
+                                              <p:pRg st="5" end="5"/>
+                                            </p:txEl>
+                                          </p:spTgt>
+                                        </p:tgtEl>
+                                        <p:attrNameLst>
+                                          <p:attrName>style.visibility</p:attrName>
+                                        </p:attrNameLst>
+                                      </p:cBhvr>
+                                      <p:to>
+                                        <p:strVal val="visible"/>
+                                      </p:to>
+                                    </p:set>
+                                    <p:animEffect transition="in" filter="fade">
+                                      <p:cBhvr>
+                                        <p:cTn id="26" dur="500"/>
+                                        <p:tgtEl>
+                                          <p:spTgt spid="3">
+                                            <p:txEl>
+                                              <p:pRg st="5" end="5"/>
+                                            </p:txEl>
+                                          </p:spTgt>
+                                        </p:tgtEl>
+                                      </p:cBhvr>
+                                    </p:animEffect>
+                                  </p:childTnLst>
+                                </p:cTn>
+                              </p:par>
+                            </p:childTnLst>
+                          </p:cTn>
+                        </p:par>
+                      </p:childTnLst>
+                    </p:cTn>
+                  </p:par>
+                  <p:par>
+                    <p:cTn id="27" fill="hold">
+                      <p:stCondLst>
+                        <p:cond delay="indefinite"/>
+                      </p:stCondLst>
+                      <p:childTnLst>
+                        <p:par>
+                          <p:cTn id="28" fill="hold">
+                            <p:stCondLst>
+                              <p:cond delay="0"/>
+                            </p:stCondLst>
+                            <p:childTnLst>
+                              <p:par>
+                                <p:cTn id="29" presetID="10" presetClass="entr" presetSubtype="0" fill="hold" grpId="0" nodeType="clickEffect">
+                                  <p:stCondLst>
+                                    <p:cond delay="0"/>
+                                  </p:stCondLst>
+                                  <p:childTnLst>
+                                    <p:set>
+                                      <p:cBhvr>
+                                        <p:cTn id="30" dur="1" fill="hold">
+                                          <p:stCondLst>
+                                            <p:cond delay="0"/>
+                                          </p:stCondLst>
+                                        </p:cTn>
+                                        <p:tgtEl>
+                                          <p:spTgt spid="4"/>
+                                        </p:tgtEl>
+                                        <p:attrNameLst>
+                                          <p:attrName>style.visibility</p:attrName>
+                                        </p:attrNameLst>
+                                      </p:cBhvr>
+                                      <p:to>
+                                        <p:strVal val="visible"/>
+                                      </p:to>
+                                    </p:set>
+                                    <p:animEffect transition="in" filter="fade">
+                                      <p:cBhvr>
+                                        <p:cTn id="31" dur="500"/>
+                                        <p:tgtEl>
+                                          <p:spTgt spid="4"/>
+                                        </p:tgtEl>
+                                      </p:cBhvr>
+                                    </p:animEffect>
+                                  </p:childTnLst>
+                                </p:cTn>
+                              </p:par>
+                            </p:childTnLst>
+                          </p:cTn>
+                        </p:par>
+                      </p:childTnLst>
+                    </p:cTn>
+                  </p:par>
+                </p:childTnLst>
+              </p:cTn>
+              <p:prevCondLst>
+                <p:cond evt="onPrev" delay="0">
+                  <p:tgtEl>
+                    <p:sldTgt/>
+                  </p:tgtEl>
+                </p:cond>
+              </p:prevCondLst>
+              <p:nextCondLst>
+                <p:cond evt="onNext" delay="0">
+                  <p:tgtEl>
+                    <p:sldTgt/>
+                  </p:tgtEl>
+                </p:cond>
+              </p:nextCondLst>
+            </p:seq>
+          </p:childTnLst>
+        </p:cTn>
       </p:par>
     </p:tnLst>
+    <p:bldLst>
+      <p:bldP spid="3" grpId="0" build="p"/>
+      <p:bldP spid="4" grpId="0"/>
+    </p:bldLst>
   </p:timing>
 </p:sld>
 </file>
@@ -19321,11 +19810,11 @@
   <p:clrMapOvr>
     <a:masterClrMapping/>
   </p:clrMapOvr>
-  <mc:AlternateContent xmlns:mc="http://schemas.openxmlformats.org/markup-compatibility/2006">
-    <mc:Choice xmlns:p14="http://schemas.microsoft.com/office/powerpoint/2010/main" Requires="p14">
+  <mc:AlternateContent xmlns:mc="http://schemas.openxmlformats.org/markup-compatibility/2006" xmlns:p14="http://schemas.microsoft.com/office/powerpoint/2010/main">
+    <mc:Choice Requires="p14">
       <p:transition spd="slow" p14:dur="2000"/>
     </mc:Choice>
-    <mc:Fallback>
+    <mc:Fallback xmlns="">
       <p:transition spd="slow"/>
     </mc:Fallback>
   </mc:AlternateContent>
@@ -19624,13 +20113,13 @@
   <p:clrMapOvr>
     <a:masterClrMapping/>
   </p:clrMapOvr>
-  <mc:AlternateContent xmlns:mc="http://schemas.openxmlformats.org/markup-compatibility/2006">
-    <mc:Choice xmlns:p14="http://schemas.microsoft.com/office/powerpoint/2010/main" Requires="p14">
+  <mc:AlternateContent xmlns:mc="http://schemas.openxmlformats.org/markup-compatibility/2006" xmlns:p14="http://schemas.microsoft.com/office/powerpoint/2010/main">
+    <mc:Choice Requires="p14">
       <p:transition spd="med" p14:dur="700">
         <p:fade/>
       </p:transition>
     </mc:Choice>
-    <mc:Fallback>
+    <mc:Fallback xmlns="">
       <p:transition spd="med">
         <p:fade/>
       </p:transition>
@@ -19734,6 +20223,13 @@
   <p:clrMapOvr>
     <a:masterClrMapping/>
   </p:clrMapOvr>
+  <p:timing>
+    <p:tnLst>
+      <p:par>
+        <p:cTn id="1" dur="indefinite" restart="never" nodeType="tmRoot"/>
+      </p:par>
+    </p:tnLst>
+  </p:timing>
 </p:sld>
 </file>
 
@@ -19803,14 +20299,14 @@
                 <a:gridCol w="5762625">
                   <a:extLst>
                     <a:ext uri="{9D8B030D-6E8A-4147-A177-3AD203B41FA5}">
-                      <a16:colId xmlns:a16="http://schemas.microsoft.com/office/drawing/2014/main" xmlns="" val="1632794655"/>
+                      <a16:colId xmlns="" xmlns:a16="http://schemas.microsoft.com/office/drawing/2014/main" val="1632794655"/>
                     </a:ext>
                   </a:extLst>
                 </a:gridCol>
                 <a:gridCol w="5762625">
                   <a:extLst>
                     <a:ext uri="{9D8B030D-6E8A-4147-A177-3AD203B41FA5}">
-                      <a16:colId xmlns:a16="http://schemas.microsoft.com/office/drawing/2014/main" xmlns="" val="2011313899"/>
+                      <a16:colId xmlns="" xmlns:a16="http://schemas.microsoft.com/office/drawing/2014/main" val="2011313899"/>
                     </a:ext>
                   </a:extLst>
                 </a:gridCol>
@@ -19845,7 +20341,7 @@
                 </a:tc>
                 <a:extLst>
                   <a:ext uri="{0D108BD9-81ED-4DB2-BD59-A6C34878D82A}">
-                    <a16:rowId xmlns:a16="http://schemas.microsoft.com/office/drawing/2014/main" xmlns="" val="1789177411"/>
+                    <a16:rowId xmlns="" xmlns:a16="http://schemas.microsoft.com/office/drawing/2014/main" val="1789177411"/>
                   </a:ext>
                 </a:extLst>
               </a:tr>
@@ -19905,7 +20401,7 @@
                 </a:tc>
                 <a:extLst>
                   <a:ext uri="{0D108BD9-81ED-4DB2-BD59-A6C34878D82A}">
-                    <a16:rowId xmlns:a16="http://schemas.microsoft.com/office/drawing/2014/main" xmlns="" val="3842815335"/>
+                    <a16:rowId xmlns="" xmlns:a16="http://schemas.microsoft.com/office/drawing/2014/main" val="3842815335"/>
                   </a:ext>
                 </a:extLst>
               </a:tr>
@@ -19972,7 +20468,7 @@
                 </a:tc>
                 <a:extLst>
                   <a:ext uri="{0D108BD9-81ED-4DB2-BD59-A6C34878D82A}">
-                    <a16:rowId xmlns:a16="http://schemas.microsoft.com/office/drawing/2014/main" xmlns="" val="321066646"/>
+                    <a16:rowId xmlns="" xmlns:a16="http://schemas.microsoft.com/office/drawing/2014/main" val="321066646"/>
                   </a:ext>
                 </a:extLst>
               </a:tr>
@@ -20070,7 +20566,7 @@
                 </a:tc>
                 <a:extLst>
                   <a:ext uri="{0D108BD9-81ED-4DB2-BD59-A6C34878D82A}">
-                    <a16:rowId xmlns:a16="http://schemas.microsoft.com/office/drawing/2014/main" xmlns="" val="3812060533"/>
+                    <a16:rowId xmlns="" xmlns:a16="http://schemas.microsoft.com/office/drawing/2014/main" val="3812060533"/>
                   </a:ext>
                 </a:extLst>
               </a:tr>
@@ -20088,11 +20584,11 @@
   <p:clrMapOvr>
     <a:masterClrMapping/>
   </p:clrMapOvr>
-  <mc:AlternateContent xmlns:mc="http://schemas.openxmlformats.org/markup-compatibility/2006">
-    <mc:Choice xmlns:p14="http://schemas.microsoft.com/office/powerpoint/2010/main" Requires="p14">
+  <mc:AlternateContent xmlns:mc="http://schemas.openxmlformats.org/markup-compatibility/2006" xmlns:p14="http://schemas.microsoft.com/office/powerpoint/2010/main">
+    <mc:Choice Requires="p14">
       <p:transition spd="slow" p14:dur="2000"/>
     </mc:Choice>
-    <mc:Fallback>
+    <mc:Fallback xmlns="">
       <p:transition spd="slow"/>
     </mc:Fallback>
   </mc:AlternateContent>
@@ -21565,15 +22061,6 @@
 </file>
 
 <file path=customXml/item1.xml><?xml version="1.0" encoding="utf-8"?>
-<?mso-contentType ?>
-<FormTemplates xmlns="http://schemas.microsoft.com/sharepoint/v3/contenttype/forms">
-  <Display>DocumentLibraryForm</Display>
-  <Edit>DocumentLibraryForm</Edit>
-  <New>DocumentLibraryForm</New>
-</FormTemplates>
-</file>
-
-<file path=customXml/item2.xml><?xml version="1.0" encoding="utf-8"?>
 <ct:contentTypeSchema xmlns:ct="http://schemas.microsoft.com/office/2006/metadata/contentType" xmlns:ma="http://schemas.microsoft.com/office/2006/metadata/properties/metaAttributes" ct:_="" ma:_="" ma:contentTypeName="Document" ma:contentTypeID="0x010100496889825850D44592AC5D2F43187AE4" ma:contentTypeVersion="5" ma:contentTypeDescription="Create a new document." ma:contentTypeScope="" ma:versionID="fde90edb5a63ba841bca516fd2abaf95">
   <xsd:schema xmlns:xsd="http://www.w3.org/2001/XMLSchema" xmlns:xs="http://www.w3.org/2001/XMLSchema" xmlns:p="http://schemas.microsoft.com/office/2006/metadata/properties" xmlns:ns1="http://schemas.microsoft.com/sharepoint/v3" xmlns:ns2="230e9df3-be65-4c73-a93b-d1236ebd677e" xmlns:ns3="27aa9422-7f1f-4c84-9cdf-302b1a67e513" targetNamespace="http://schemas.microsoft.com/office/2006/metadata/properties" ma:root="true" ma:fieldsID="5e7808ae941cc340dbe51a3031959734" ns1:_="" ns2:_="" ns3:_="">
     <xsd:import namespace="http://schemas.microsoft.com/sharepoint/v3"/>
@@ -21755,6 +22242,15 @@
 </ct:contentTypeSchema>
 </file>
 
+<file path=customXml/item2.xml><?xml version="1.0" encoding="utf-8"?>
+<?mso-contentType ?>
+<FormTemplates xmlns="http://schemas.microsoft.com/sharepoint/v3/contenttype/forms">
+  <Display>DocumentLibraryForm</Display>
+  <Edit>DocumentLibraryForm</Edit>
+  <New>DocumentLibraryForm</New>
+</FormTemplates>
+</file>
+
 <file path=customXml/item3.xml><?xml version="1.0" encoding="utf-8"?>
 <p:properties xmlns:p="http://schemas.microsoft.com/office/2006/metadata/properties" xmlns:xsi="http://www.w3.org/2001/XMLSchema-instance" xmlns:pc="http://schemas.microsoft.com/office/infopath/2007/PartnerControls">
   <documentManagement>
@@ -21769,14 +22265,6 @@
 </file>
 
 <file path=customXml/itemProps1.xml><?xml version="1.0" encoding="utf-8"?>
-<ds:datastoreItem xmlns:ds="http://schemas.openxmlformats.org/officeDocument/2006/customXml" ds:itemID="{B0CA13EC-1D3C-4D6F-8D1C-E8A452CFC79A}">
-  <ds:schemaRefs>
-    <ds:schemaRef ds:uri="http://schemas.microsoft.com/sharepoint/v3/contenttype/forms"/>
-  </ds:schemaRefs>
-</ds:datastoreItem>
-</file>
-
-<file path=customXml/itemProps2.xml><?xml version="1.0" encoding="utf-8"?>
 <ds:datastoreItem xmlns:ds="http://schemas.openxmlformats.org/officeDocument/2006/customXml" ds:itemID="{3253B29C-1CCD-4FE8-A1C4-023A0910DF96}">
   <ds:schemaRefs>
     <ds:schemaRef ds:uri="http://schemas.microsoft.com/office/2006/metadata/contentType"/>
@@ -21792,6 +22280,14 @@
     <ds:schemaRef ds:uri="http://purl.org/dc/elements/1.1/"/>
     <ds:schemaRef ds:uri="http://purl.org/dc/terms/"/>
     <ds:schemaRef ds:uri="http://schemas.microsoft.com/internal/obd"/>
+  </ds:schemaRefs>
+</ds:datastoreItem>
+</file>
+
+<file path=customXml/itemProps2.xml><?xml version="1.0" encoding="utf-8"?>
+<ds:datastoreItem xmlns:ds="http://schemas.openxmlformats.org/officeDocument/2006/customXml" ds:itemID="{B0CA13EC-1D3C-4D6F-8D1C-E8A452CFC79A}">
+  <ds:schemaRefs>
+    <ds:schemaRef ds:uri="http://schemas.microsoft.com/sharepoint/v3/contenttype/forms"/>
   </ds:schemaRefs>
 </ds:datastoreItem>
 </file>
